--- a/presentations/01_transformers_intro.pptx
+++ b/presentations/01_transformers_intro.pptx
@@ -5,22 +5,28 @@
     <p:sldMasterId id="2147483648" r:id="rId1"/>
   </p:sldMasterIdLst>
   <p:notesMasterIdLst>
-    <p:notesMasterId r:id="rId15"/>
+    <p:notesMasterId r:id="rId21"/>
   </p:notesMasterIdLst>
   <p:sldIdLst>
     <p:sldId id="326" r:id="rId2"/>
     <p:sldId id="328" r:id="rId3"/>
-    <p:sldId id="331" r:id="rId4"/>
-    <p:sldId id="332" r:id="rId5"/>
-    <p:sldId id="334" r:id="rId6"/>
-    <p:sldId id="333" r:id="rId7"/>
-    <p:sldId id="336" r:id="rId8"/>
-    <p:sldId id="308" r:id="rId9"/>
-    <p:sldId id="335" r:id="rId10"/>
-    <p:sldId id="329" r:id="rId11"/>
-    <p:sldId id="330" r:id="rId12"/>
-    <p:sldId id="327" r:id="rId13"/>
-    <p:sldId id="279" r:id="rId14"/>
+    <p:sldId id="337" r:id="rId4"/>
+    <p:sldId id="338" r:id="rId5"/>
+    <p:sldId id="339" r:id="rId6"/>
+    <p:sldId id="340" r:id="rId7"/>
+    <p:sldId id="342" r:id="rId8"/>
+    <p:sldId id="331" r:id="rId9"/>
+    <p:sldId id="332" r:id="rId10"/>
+    <p:sldId id="334" r:id="rId11"/>
+    <p:sldId id="333" r:id="rId12"/>
+    <p:sldId id="279" r:id="rId13"/>
+    <p:sldId id="336" r:id="rId14"/>
+    <p:sldId id="308" r:id="rId15"/>
+    <p:sldId id="335" r:id="rId16"/>
+    <p:sldId id="329" r:id="rId17"/>
+    <p:sldId id="330" r:id="rId18"/>
+    <p:sldId id="327" r:id="rId19"/>
+    <p:sldId id="341" r:id="rId20"/>
   </p:sldIdLst>
   <p:sldSz cx="12192000" cy="6858000"/>
   <p:notesSz cx="6858000" cy="9144000"/>
@@ -220,7 +226,7 @@
           <a:p>
             <a:fld id="{FD93C9B2-20F6-4DB1-B471-224337D0AC79}" type="datetimeFigureOut">
               <a:rPr lang="en-US" smtClean="0"/>
-              <a:t>12/8/2021</a:t>
+              <a:t>3/23/2022</a:t>
             </a:fld>
             <a:endParaRPr lang="en-US"/>
           </a:p>
@@ -533,30 +539,28 @@
           <a:p>
             <a:r>
               <a:rPr lang="en-US" dirty="0">
-                <a:latin typeface="+mn-lt"/>
+                <a:latin typeface="Palatino Linotype" panose="02040502050505030304" pitchFamily="18" charset="0"/>
               </a:rPr>
-              <a:t>Hello and welcome to this transformers presentation.  I’m Dan Maxwell, and I will act as your guide and mentor for this learning experience.  I currently work as an AI Trainer / Consultant in the Research Computing Department at the University of Florida.</a:t>
-            </a:r>
-          </a:p>
-          <a:p>
-            <a:endParaRPr lang="en-US" dirty="0">
-              <a:latin typeface="+mn-lt"/>
-            </a:endParaRPr>
-          </a:p>
-          <a:p>
+              <a:t>Transformers are </a:t>
+            </a:r>
+            <a:r>
+              <a:rPr lang="en-US">
+                <a:latin typeface="Palatino Linotype" panose="02040502050505030304" pitchFamily="18" charset="0"/>
+              </a:rPr>
+              <a:t>increasingly important </a:t>
+            </a:r>
             <a:r>
               <a:rPr lang="en-US" dirty="0">
-                <a:latin typeface="+mn-lt"/>
+                <a:latin typeface="Palatino Linotype" panose="02040502050505030304" pitchFamily="18" charset="0"/>
               </a:rPr>
-              <a:t>Let’s get started…</a:t>
-            </a:r>
-          </a:p>
-          <a:p>
-            <a:endParaRPr lang="en-US" dirty="0">
-              <a:latin typeface="Palatino Linotype" panose="02040502050505030304" pitchFamily="18" charset="0"/>
-            </a:endParaRPr>
-          </a:p>
-          <a:p>
+              <a:t>-- Add </a:t>
+            </a:r>
+            <a:r>
+              <a:rPr lang="en-US">
+                <a:latin typeface="Palatino Linotype" panose="02040502050505030304" pitchFamily="18" charset="0"/>
+              </a:rPr>
+              <a:t>agenda slide…</a:t>
+            </a:r>
             <a:endParaRPr lang="en-US" dirty="0">
               <a:latin typeface="Palatino Linotype" panose="02040502050505030304" pitchFamily="18" charset="0"/>
             </a:endParaRPr>
@@ -645,69 +649,25 @@
           <a:p>
             <a:pPr algn="l"/>
             <a:r>
-              <a:rPr lang="en-US" dirty="0"/>
-              <a:t>Moving on, our second transformer building block is the </a:t>
-            </a:r>
-            <a:r>
-              <a:rPr lang="en-US" b="1" dirty="0"/>
-              <a:t>skip connection</a:t>
-            </a:r>
-            <a:r>
-              <a:rPr lang="en-US" dirty="0"/>
-              <a:t>, also known as a residual connection.  The inspiration for this innovation lies in our desire to reduce the amount of work that’s required of a deep network layer.</a:t>
+              <a:rPr lang="en-US" b="0" i="0" dirty="0">
+                <a:solidFill>
+                  <a:srgbClr val="292929"/>
+                </a:solidFill>
+                <a:effectLst/>
+                <a:latin typeface="+mn-lt"/>
+              </a:rPr>
+              <a:t>The Encoder is a reusable module that is the defining component of all Transformer architectures.  Here we see an encoder comprised of a self-attention layer as well as a couple of layer norm layers.  Additionally, residual skip connections allow this encoder to bypass the self-attention and feed forward layers as needed.  We will discuss these unique transformer building blocks in just a moment…</a:t>
             </a:r>
           </a:p>
           <a:p>
             <a:pPr algn="l"/>
-            <a:endParaRPr lang="en-US" dirty="0"/>
-          </a:p>
-          <a:p>
-            <a:pPr algn="l"/>
-            <a:r>
-              <a:rPr lang="en-US" dirty="0"/>
-              <a:t>Let’s start with an analogy. Suppose you’re painting a real, physical portrait using acrylic paints on canvas. After weeks of sittings, the portrait is done, and you send it to your subject for their approval. They say that they like it, but they regret having worn a particular ring on one finger, and wish they’d worn a different one that they like more. Can you change that?</a:t>
-            </a:r>
-          </a:p>
-          <a:p>
-            <a:pPr algn="l"/>
-            <a:endParaRPr lang="en-US" dirty="0"/>
-          </a:p>
-          <a:p>
-            <a:pPr algn="l"/>
-            <a:r>
-              <a:rPr lang="en-US" dirty="0"/>
-              <a:t>One way to proceed would be to invite your subject back to the studio and paint a whole new portrait from scratch on a blank canvas, only this time with the new ring on their finger. That would require a lot of time and effort. If they’d allow it, a more expeditious approach would be to take the portrait you have, and unobtrusively paint the new ring over the old one.</a:t>
-            </a:r>
-          </a:p>
-          <a:p>
-            <a:pPr algn="l"/>
-            <a:endParaRPr lang="en-US" dirty="0"/>
-          </a:p>
-          <a:p>
-            <a:pPr algn="l"/>
-            <a:r>
-              <a:rPr lang="en-US" dirty="0"/>
-              <a:t>Now consider a layer in a deep network. A tensor comes in, and the layer does some processing to change that tensor. If the layer only needs to change the input by small amounts, or only in some places, then it would be wasteful to expend resources processing the parts of the tensor that don’t need to change. Just as with the painting, it would be much more efficient for the layer to compute only the changes it wants to make. Then it can combine those changes with the original input to produce its output.</a:t>
-            </a:r>
-          </a:p>
-          <a:p>
-            <a:pPr algn="l"/>
-            <a:endParaRPr lang="en-US" dirty="0"/>
-          </a:p>
-          <a:p>
-            <a:pPr algn="l"/>
-            <a:r>
-              <a:rPr lang="en-US" dirty="0"/>
-              <a:t>The extra line in the drawing (red) that carries the input to the addition node is called a </a:t>
-            </a:r>
-            <a:r>
-              <a:rPr lang="en-US" b="1" dirty="0"/>
-              <a:t>skip connection</a:t>
-            </a:r>
-            <a:r>
-              <a:rPr lang="en-US" dirty="0"/>
-              <a:t>, or a residual connection because of its mathematical interpretation.  We can place a skip connection around multiple layers in sequence, if we like, as shown here on the right.</a:t>
-            </a:r>
+            <a:endParaRPr lang="en-US" b="0" i="0" dirty="0">
+              <a:solidFill>
+                <a:srgbClr val="292929"/>
+              </a:solidFill>
+              <a:effectLst/>
+              <a:latin typeface="+mn-lt"/>
+            </a:endParaRPr>
           </a:p>
         </p:txBody>
       </p:sp>
@@ -737,7 +697,7 @@
     </p:spTree>
     <p:extLst>
       <p:ext uri="{BB962C8B-B14F-4D97-AF65-F5344CB8AC3E}">
-        <p14:creationId xmlns:p14="http://schemas.microsoft.com/office/powerpoint/2010/main" val="3507246277"/>
+        <p14:creationId xmlns:p14="http://schemas.microsoft.com/office/powerpoint/2010/main" val="3560973607"/>
       </p:ext>
     </p:extLst>
   </p:cSld>
@@ -793,13 +753,87 @@
           <a:p>
             <a:pPr algn="l"/>
             <a:r>
-              <a:rPr lang="en-US" b="1" dirty="0"/>
-              <a:t>Layer norm </a:t>
-            </a:r>
-            <a:r>
-              <a:rPr lang="en-US" dirty="0"/>
-              <a:t>is our third building block.  In transformers, we usually apply a regularization step called layer normalization, or layer norm, to the outputs of a layer, as shown here on the left. Layer norm belongs to the class of regularization techniques, such as dropout and batchnorm, which help control overfitting by keeping the values flowing through the network from getting too big or too small. The layer norm step learns to adjust the values coming out of a layer so that they approximate the shape of a Gaussian bump with a mean of 0 and standard deviation of 1.</a:t>
-            </a:r>
+              <a:rPr lang="en-US" b="0" i="0" dirty="0">
+                <a:solidFill>
+                  <a:srgbClr val="292929"/>
+                </a:solidFill>
+                <a:effectLst/>
+                <a:latin typeface="+mn-lt"/>
+              </a:rPr>
+              <a:t>All the Encoders are identical to one another. Similarly, all the Decoders are identical.</a:t>
+            </a:r>
+          </a:p>
+          <a:p>
+            <a:pPr algn="l"/>
+            <a:endParaRPr lang="en-US" b="0" i="0" dirty="0">
+              <a:solidFill>
+                <a:srgbClr val="292929"/>
+              </a:solidFill>
+              <a:effectLst/>
+              <a:latin typeface="+mn-lt"/>
+            </a:endParaRPr>
+          </a:p>
+          <a:p>
+            <a:pPr marL="228600" indent="-228600" algn="l">
+              <a:buFont typeface="Courier New" panose="02070309020205020404" pitchFamily="49" charset="0"/>
+              <a:buChar char="o"/>
+            </a:pPr>
+            <a:r>
+              <a:rPr lang="en-US" b="0" i="0" dirty="0">
+                <a:solidFill>
+                  <a:srgbClr val="292929"/>
+                </a:solidFill>
+                <a:effectLst/>
+                <a:latin typeface="+mn-lt"/>
+              </a:rPr>
+              <a:t>The Encoder contains the all-important Self-attention layer that computes the relationship between different words in the sequence.</a:t>
+            </a:r>
+          </a:p>
+          <a:p>
+            <a:pPr marL="228600" indent="-228600" algn="l">
+              <a:buFont typeface="Courier New" panose="02070309020205020404" pitchFamily="49" charset="0"/>
+              <a:buChar char="o"/>
+            </a:pPr>
+            <a:r>
+              <a:rPr lang="en-US" b="0" i="0" dirty="0">
+                <a:solidFill>
+                  <a:srgbClr val="292929"/>
+                </a:solidFill>
+                <a:effectLst/>
+                <a:latin typeface="+mn-lt"/>
+              </a:rPr>
+              <a:t>The Decoder also contains the Self-attention layer and the Feed-forward layer, as well as a second Encoder-Decoder attention layer.</a:t>
+            </a:r>
+          </a:p>
+          <a:p>
+            <a:pPr marL="228600" indent="-228600" algn="l">
+              <a:buFont typeface="Courier New" panose="02070309020205020404" pitchFamily="49" charset="0"/>
+              <a:buChar char="o"/>
+            </a:pPr>
+            <a:r>
+              <a:rPr lang="en-US" b="0" i="0" dirty="0">
+                <a:solidFill>
+                  <a:srgbClr val="292929"/>
+                </a:solidFill>
+                <a:effectLst/>
+                <a:latin typeface="+mn-lt"/>
+              </a:rPr>
+              <a:t>Each Encoder and Decoder has its own set of weights.</a:t>
+            </a:r>
+          </a:p>
+          <a:p>
+            <a:pPr algn="l"/>
+            <a:endParaRPr lang="en-US" b="0" i="0" dirty="0">
+              <a:solidFill>
+                <a:srgbClr val="292929"/>
+              </a:solidFill>
+              <a:effectLst/>
+              <a:latin typeface="charter"/>
+            </a:endParaRPr>
+          </a:p>
+          <a:p>
+            <a:pPr algn="l"/>
+            <a:endParaRPr lang="en-US" dirty="0"/>
           </a:p>
         </p:txBody>
       </p:sp>
@@ -829,7 +863,7 @@
     </p:spTree>
     <p:extLst>
       <p:ext uri="{BB962C8B-B14F-4D97-AF65-F5344CB8AC3E}">
-        <p14:creationId xmlns:p14="http://schemas.microsoft.com/office/powerpoint/2010/main" val="3456021193"/>
+        <p14:creationId xmlns:p14="http://schemas.microsoft.com/office/powerpoint/2010/main" val="3371112019"/>
       </p:ext>
     </p:extLst>
   </p:cSld>
@@ -883,63 +917,24 @@
           <a:bodyPr/>
           <a:lstStyle/>
           <a:p>
-            <a:pPr algn="l"/>
-            <a:r>
-              <a:rPr lang="en-US" dirty="0"/>
-              <a:t>And our last transformer building block – </a:t>
-            </a:r>
-            <a:r>
-              <a:rPr lang="en-US" b="1" dirty="0"/>
-              <a:t>positional encoding </a:t>
-            </a:r>
-            <a:r>
-              <a:rPr lang="en-US" dirty="0"/>
-              <a:t>– was designed to solve a problem that comes up as soon as we take RNNs out of our system: we lose track of where each word is located in the input sentence. This important information is inherent in the RNN structure, because the words come in one at a time, allowing the hidden state inside a recurrent cell to remember the order in which the words arrived.</a:t>
-            </a:r>
-          </a:p>
-          <a:p>
-            <a:pPr algn="l"/>
+            <a:pPr marL="0" marR="0" lvl="0" indent="0" algn="l" defTabSz="914400" rtl="0" eaLnBrk="1" fontAlgn="auto" latinLnBrk="0" hangingPunct="1">
+              <a:lnSpc>
+                <a:spcPct val="100000"/>
+              </a:lnSpc>
+              <a:spcBef>
+                <a:spcPts val="0"/>
+              </a:spcBef>
+              <a:spcAft>
+                <a:spcPts val="0"/>
+              </a:spcAft>
+              <a:buClrTx/>
+              <a:buSzTx/>
+              <a:buFontTx/>
+              <a:buNone/>
+              <a:tabLst/>
+              <a:defRPr/>
+            </a:pPr>
             <a:endParaRPr lang="en-US" dirty="0"/>
-          </a:p>
-          <a:p>
-            <a:pPr algn="l"/>
-            <a:r>
-              <a:rPr lang="en-US" dirty="0"/>
-              <a:t>But as we’ve seen, attention mixes together the representations of multiple words. How can later stages know where each word belongs in the sentence?</a:t>
-            </a:r>
-          </a:p>
-          <a:p>
-            <a:pPr algn="l"/>
-            <a:endParaRPr lang="en-US" dirty="0"/>
-          </a:p>
-          <a:p>
-            <a:pPr algn="l"/>
-            <a:r>
-              <a:rPr lang="en-US" dirty="0"/>
-              <a:t>The answer is to insert each word’s position, or index, into the representation for the word itself. That way, as the word’s representations get processed, the position information naturally comes along for the ride. The generic name for this process is positional encoding.</a:t>
-            </a:r>
-          </a:p>
-          <a:p>
-            <a:pPr algn="l"/>
-            <a:endParaRPr lang="en-US" dirty="0"/>
-          </a:p>
-          <a:p>
-            <a:pPr algn="l"/>
-            <a:r>
-              <a:rPr lang="en-US" dirty="0"/>
-              <a:t>A simple approach to positional encoding is to append a few bits to the end of each word to hold its location, as shown on the left. But at some point, we might get a sentence that requires more bits than we’ve made available, and then we’d be in trouble because we wouldn’t be able to assign each word a unique number for its location. And if we make the storage too big, it’s just wasted and slows everything down. This approach is also awkward to implement, since we then need to introduce some special mechanism for handling those bits.</a:t>
-            </a:r>
-          </a:p>
-          <a:p>
-            <a:pPr algn="l"/>
-            <a:endParaRPr lang="en-US" dirty="0"/>
-          </a:p>
-          <a:p>
-            <a:pPr algn="l"/>
-            <a:r>
-              <a:rPr lang="en-US" dirty="0"/>
-              <a:t>Alright, that wraps up our presentation of transformer building blocks.  It’s time for some hands-on work.</a:t>
-            </a:r>
           </a:p>
         </p:txBody>
       </p:sp>
@@ -969,7 +964,7 @@
     </p:spTree>
     <p:extLst>
       <p:ext uri="{BB962C8B-B14F-4D97-AF65-F5344CB8AC3E}">
-        <p14:creationId xmlns:p14="http://schemas.microsoft.com/office/powerpoint/2010/main" val="50257330"/>
+        <p14:creationId xmlns:p14="http://schemas.microsoft.com/office/powerpoint/2010/main" val="1985664105"/>
       </p:ext>
     </p:extLst>
   </p:cSld>
@@ -1023,6 +1018,794 @@
           <a:bodyPr/>
           <a:lstStyle/>
           <a:p>
+            <a:pPr algn="l"/>
+            <a:r>
+              <a:rPr lang="en-US" dirty="0"/>
+              <a:t>Now that you’ve completed a hands-on exercise, let’s consider some of the building blocks which make transformers unique.  Note: I will not discuss word embeddings as that topic has already been covered in the last workshop of our NLP sequence.  Some of the content in this mini-lecture is a review and extension of what was presented in our first mini-lecture.  Now it’s time to dive into the details…</a:t>
+            </a:r>
+          </a:p>
+        </p:txBody>
+      </p:sp>
+      <p:sp>
+        <p:nvSpPr>
+          <p:cNvPr id="4" name="Slide Number Placeholder 3"/>
+          <p:cNvSpPr>
+            <a:spLocks noGrp="1"/>
+          </p:cNvSpPr>
+          <p:nvPr>
+            <p:ph type="sldNum" sz="quarter" idx="5"/>
+          </p:nvPr>
+        </p:nvSpPr>
+        <p:spPr/>
+        <p:txBody>
+          <a:bodyPr/>
+          <a:lstStyle/>
+          <a:p>
+            <a:fld id="{3148858F-F1DB-4027-9C85-CCA6849540DD}" type="slidenum">
+              <a:rPr lang="en-US" smtClean="0"/>
+              <a:t>13</a:t>
+            </a:fld>
+            <a:endParaRPr lang="en-US"/>
+          </a:p>
+        </p:txBody>
+      </p:sp>
+    </p:spTree>
+    <p:extLst>
+      <p:ext uri="{BB962C8B-B14F-4D97-AF65-F5344CB8AC3E}">
+        <p14:creationId xmlns:p14="http://schemas.microsoft.com/office/powerpoint/2010/main" val="1570214374"/>
+      </p:ext>
+    </p:extLst>
+  </p:cSld>
+  <p:clrMapOvr>
+    <a:masterClrMapping/>
+  </p:clrMapOvr>
+</p:notes>
+</file>
+
+<file path=ppt/notesSlides/notesSlide14.xml><?xml version="1.0" encoding="utf-8"?>
+<p:notes xmlns:a="http://schemas.openxmlformats.org/drawingml/2006/main" xmlns:r="http://schemas.openxmlformats.org/officeDocument/2006/relationships" xmlns:p="http://schemas.openxmlformats.org/presentationml/2006/main">
+  <p:cSld>
+    <p:spTree>
+      <p:nvGrpSpPr>
+        <p:cNvPr id="1" name=""/>
+        <p:cNvGrpSpPr/>
+        <p:nvPr/>
+      </p:nvGrpSpPr>
+      <p:grpSpPr>
+        <a:xfrm>
+          <a:off x="0" y="0"/>
+          <a:ext cx="0" cy="0"/>
+          <a:chOff x="0" y="0"/>
+          <a:chExt cx="0" cy="0"/>
+        </a:xfrm>
+      </p:grpSpPr>
+      <p:sp>
+        <p:nvSpPr>
+          <p:cNvPr id="2" name="Slide Image Placeholder 1"/>
+          <p:cNvSpPr>
+            <a:spLocks noGrp="1" noRot="1" noChangeAspect="1"/>
+          </p:cNvSpPr>
+          <p:nvPr>
+            <p:ph type="sldImg"/>
+          </p:nvPr>
+        </p:nvSpPr>
+        <p:spPr/>
+      </p:sp>
+      <p:sp>
+        <p:nvSpPr>
+          <p:cNvPr id="3" name="Notes Placeholder 2"/>
+          <p:cNvSpPr>
+            <a:spLocks noGrp="1"/>
+          </p:cNvSpPr>
+          <p:nvPr>
+            <p:ph type="body" idx="1"/>
+          </p:nvPr>
+        </p:nvSpPr>
+        <p:spPr/>
+        <p:txBody>
+          <a:bodyPr/>
+          <a:lstStyle/>
+          <a:p>
+            <a:pPr algn="l"/>
+            <a:r>
+              <a:rPr lang="en-US" dirty="0">
+                <a:latin typeface="+mn-lt"/>
+              </a:rPr>
+              <a:t>Although we covered attention in our 1</a:t>
+            </a:r>
+            <a:r>
+              <a:rPr lang="en-US" baseline="30000" dirty="0">
+                <a:latin typeface="+mn-lt"/>
+              </a:rPr>
+              <a:t>st</a:t>
+            </a:r>
+            <a:r>
+              <a:rPr lang="en-US" dirty="0">
+                <a:latin typeface="+mn-lt"/>
+              </a:rPr>
+              <a:t> mini-lecture, this concept is important and worth reviewing again – this time with concrete and memorable examples.</a:t>
+            </a:r>
+          </a:p>
+          <a:p>
+            <a:pPr algn="l"/>
+            <a:endParaRPr lang="en-US" dirty="0">
+              <a:latin typeface="+mn-lt"/>
+            </a:endParaRPr>
+          </a:p>
+          <a:p>
+            <a:pPr algn="l"/>
+            <a:r>
+              <a:rPr lang="en-US" dirty="0">
+                <a:latin typeface="+mn-lt"/>
+              </a:rPr>
+              <a:t>Suppose we want to translate the sentence “I saw a big dog eat his dinner.” When we’re translating dog, we probably don’t care about the word saw, but to translate the pronoun his correctly may require us to connect that to the two words big dog.</a:t>
+            </a:r>
+          </a:p>
+          <a:p>
+            <a:pPr algn="l"/>
+            <a:endParaRPr lang="en-US" dirty="0">
+              <a:latin typeface="+mn-lt"/>
+            </a:endParaRPr>
+          </a:p>
+          <a:p>
+            <a:pPr algn="l"/>
+            <a:r>
+              <a:rPr lang="en-US" dirty="0">
+                <a:latin typeface="+mn-lt"/>
+              </a:rPr>
+              <a:t>If we can work out, for each word in the input, which other words can influence our translation, then we can focus just on those words and ignore the others. This would be a big savings in both memory and computation time. And if we can work this out in a way that doesn’t depend on processing the words serially, we can even do it in parallel.</a:t>
+            </a:r>
+          </a:p>
+          <a:p>
+            <a:pPr algn="l"/>
+            <a:endParaRPr lang="en-US" dirty="0">
+              <a:latin typeface="+mn-lt"/>
+            </a:endParaRPr>
+          </a:p>
+          <a:p>
+            <a:pPr algn="l"/>
+            <a:r>
+              <a:rPr lang="en-US" dirty="0">
+                <a:latin typeface="+mn-lt"/>
+              </a:rPr>
+              <a:t>The algorithm that does this job is called </a:t>
+            </a:r>
+            <a:r>
+              <a:rPr lang="en-US" b="1" dirty="0">
+                <a:latin typeface="+mn-lt"/>
+              </a:rPr>
+              <a:t>attention</a:t>
+            </a:r>
+            <a:r>
+              <a:rPr lang="en-US" dirty="0">
+                <a:latin typeface="+mn-lt"/>
+              </a:rPr>
+              <a:t>, or </a:t>
+            </a:r>
+            <a:r>
+              <a:rPr lang="en-US" b="1" dirty="0">
+                <a:latin typeface="+mn-lt"/>
+              </a:rPr>
+              <a:t>self-attention</a:t>
+            </a:r>
+            <a:r>
+              <a:rPr lang="en-US" dirty="0">
+                <a:latin typeface="+mn-lt"/>
+              </a:rPr>
+              <a:t>. Attention lets us focus our resources on only the parts of the input that matter.  Let’s start with an analogy…</a:t>
+            </a:r>
+          </a:p>
+          <a:p>
+            <a:pPr algn="l"/>
+            <a:endParaRPr lang="en-US" dirty="0">
+              <a:latin typeface="+mn-lt"/>
+            </a:endParaRPr>
+          </a:p>
+        </p:txBody>
+      </p:sp>
+      <p:sp>
+        <p:nvSpPr>
+          <p:cNvPr id="4" name="Slide Number Placeholder 3"/>
+          <p:cNvSpPr>
+            <a:spLocks noGrp="1"/>
+          </p:cNvSpPr>
+          <p:nvPr>
+            <p:ph type="sldNum" sz="quarter" idx="5"/>
+          </p:nvPr>
+        </p:nvSpPr>
+        <p:spPr/>
+        <p:txBody>
+          <a:bodyPr/>
+          <a:lstStyle/>
+          <a:p>
+            <a:fld id="{3148858F-F1DB-4027-9C85-CCA6849540DD}" type="slidenum">
+              <a:rPr lang="en-US" smtClean="0"/>
+              <a:t>14</a:t>
+            </a:fld>
+            <a:endParaRPr lang="en-US"/>
+          </a:p>
+        </p:txBody>
+      </p:sp>
+    </p:spTree>
+    <p:extLst>
+      <p:ext uri="{BB962C8B-B14F-4D97-AF65-F5344CB8AC3E}">
+        <p14:creationId xmlns:p14="http://schemas.microsoft.com/office/powerpoint/2010/main" val="157207674"/>
+      </p:ext>
+    </p:extLst>
+  </p:cSld>
+  <p:clrMapOvr>
+    <a:masterClrMapping/>
+  </p:clrMapOvr>
+</p:notes>
+</file>
+
+<file path=ppt/notesSlides/notesSlide15.xml><?xml version="1.0" encoding="utf-8"?>
+<p:notes xmlns:a="http://schemas.openxmlformats.org/drawingml/2006/main" xmlns:r="http://schemas.openxmlformats.org/officeDocument/2006/relationships" xmlns:p="http://schemas.openxmlformats.org/presentationml/2006/main">
+  <p:cSld>
+    <p:spTree>
+      <p:nvGrpSpPr>
+        <p:cNvPr id="1" name=""/>
+        <p:cNvGrpSpPr/>
+        <p:nvPr/>
+      </p:nvGrpSpPr>
+      <p:grpSpPr>
+        <a:xfrm>
+          <a:off x="0" y="0"/>
+          <a:ext cx="0" cy="0"/>
+          <a:chOff x="0" y="0"/>
+          <a:chExt cx="0" cy="0"/>
+        </a:xfrm>
+      </p:grpSpPr>
+      <p:sp>
+        <p:nvSpPr>
+          <p:cNvPr id="2" name="Slide Image Placeholder 1"/>
+          <p:cNvSpPr>
+            <a:spLocks noGrp="1" noRot="1" noChangeAspect="1"/>
+          </p:cNvSpPr>
+          <p:nvPr>
+            <p:ph type="sldImg"/>
+          </p:nvPr>
+        </p:nvSpPr>
+        <p:spPr/>
+      </p:sp>
+      <p:sp>
+        <p:nvSpPr>
+          <p:cNvPr id="3" name="Notes Placeholder 2"/>
+          <p:cNvSpPr>
+            <a:spLocks noGrp="1"/>
+          </p:cNvSpPr>
+          <p:nvPr>
+            <p:ph type="body" idx="1"/>
+          </p:nvPr>
+        </p:nvSpPr>
+        <p:spPr/>
+        <p:txBody>
+          <a:bodyPr/>
+          <a:lstStyle/>
+          <a:p>
+            <a:pPr algn="l"/>
+            <a:r>
+              <a:rPr lang="en-US" dirty="0"/>
+              <a:t>Suppose that you need to buy some paint, but all you’ve been told is that the color should be “light yellow with a bit of dark orange.”</a:t>
+            </a:r>
+          </a:p>
+          <a:p>
+            <a:pPr algn="l"/>
+            <a:endParaRPr lang="en-US" dirty="0"/>
+          </a:p>
+          <a:p>
+            <a:pPr algn="l"/>
+            <a:r>
+              <a:rPr lang="en-US" dirty="0"/>
+              <a:t>At the only paint store in town, the clerk on duty is new to the paint department and isn’t personally familiar with the colors. You both presume you’ll need to mix a few of their standard paints to get the color you want, but you don’t know which paints to choose or how much of each to use.</a:t>
+            </a:r>
+          </a:p>
+          <a:p>
+            <a:pPr algn="l"/>
+            <a:endParaRPr lang="en-US" dirty="0"/>
+          </a:p>
+          <a:p>
+            <a:pPr algn="l"/>
+            <a:r>
+              <a:rPr lang="en-US" dirty="0"/>
+              <a:t>The clerk suggests that you compare your desired color description with the color names on each can of paint they carry. Some names will probably match better than others. The clerk puts a funnel on top of an empty can and suggests that you pour in some of each can of paint on the shelves, guided by how well that can’s name matches your description. That is, you’ll compare your desired description “light yellow with a bit of dark orange” with what’s printed on the label of each can, and the better the match, the more of that paint you’ll pour into the funnel.</a:t>
+            </a:r>
+          </a:p>
+          <a:p>
+            <a:pPr algn="l"/>
+            <a:endParaRPr lang="en-US" dirty="0"/>
+          </a:p>
+          <a:p>
+            <a:pPr algn="l"/>
+            <a:r>
+              <a:rPr lang="en-US" dirty="0"/>
+              <a:t>The figure here shows the idea visually for six cans of paint. It shows their names and the quality of each name’s match with your desired color’s description. We got good matches on “Sunny Yellow” and “Orange Crush,” though a little bit of “Lunch with Teal” snuck in thanks to the match with the word “with.”</a:t>
+            </a:r>
+          </a:p>
+          <a:p>
+            <a:pPr algn="l"/>
+            <a:endParaRPr lang="en-US" dirty="0"/>
+          </a:p>
+          <a:p>
+            <a:pPr algn="l"/>
+            <a:r>
+              <a:rPr lang="en-US" dirty="0"/>
+              <a:t>There are three things to focus on in this story. First, there’s your request: “light yellow with a bit of dark orange.” Second, there’s the description on each can of paint, like “Sunny Yellow” or “Mellow Blue.” Third, there’s the content of the paint that’s actually inside each can. In the story, you compared your request with each can’s description to find out how well they match. The better the match, the more of that can’s content you used in the final mixture.</a:t>
+            </a:r>
+          </a:p>
+          <a:p>
+            <a:pPr algn="l"/>
+            <a:endParaRPr lang="en-US" dirty="0"/>
+          </a:p>
+          <a:p>
+            <a:pPr algn="l"/>
+            <a:r>
+              <a:rPr lang="en-US" dirty="0"/>
+              <a:t>That’s attention in a nutshell. Given a request, compare it to the description of each possible item and include some of the content of each item based on how well its description matches the request.</a:t>
+            </a:r>
+          </a:p>
+        </p:txBody>
+      </p:sp>
+      <p:sp>
+        <p:nvSpPr>
+          <p:cNvPr id="4" name="Slide Number Placeholder 3"/>
+          <p:cNvSpPr>
+            <a:spLocks noGrp="1"/>
+          </p:cNvSpPr>
+          <p:nvPr>
+            <p:ph type="sldNum" sz="quarter" idx="5"/>
+          </p:nvPr>
+        </p:nvSpPr>
+        <p:spPr/>
+        <p:txBody>
+          <a:bodyPr/>
+          <a:lstStyle/>
+          <a:p>
+            <a:fld id="{3148858F-F1DB-4027-9C85-CCA6849540DD}" type="slidenum">
+              <a:rPr lang="en-US" smtClean="0"/>
+              <a:t>15</a:t>
+            </a:fld>
+            <a:endParaRPr lang="en-US"/>
+          </a:p>
+        </p:txBody>
+      </p:sp>
+    </p:spTree>
+    <p:extLst>
+      <p:ext uri="{BB962C8B-B14F-4D97-AF65-F5344CB8AC3E}">
+        <p14:creationId xmlns:p14="http://schemas.microsoft.com/office/powerpoint/2010/main" val="832568139"/>
+      </p:ext>
+    </p:extLst>
+  </p:cSld>
+  <p:clrMapOvr>
+    <a:masterClrMapping/>
+  </p:clrMapOvr>
+</p:notes>
+</file>
+
+<file path=ppt/notesSlides/notesSlide16.xml><?xml version="1.0" encoding="utf-8"?>
+<p:notes xmlns:a="http://schemas.openxmlformats.org/drawingml/2006/main" xmlns:r="http://schemas.openxmlformats.org/officeDocument/2006/relationships" xmlns:p="http://schemas.openxmlformats.org/presentationml/2006/main">
+  <p:cSld>
+    <p:spTree>
+      <p:nvGrpSpPr>
+        <p:cNvPr id="1" name=""/>
+        <p:cNvGrpSpPr/>
+        <p:nvPr/>
+      </p:nvGrpSpPr>
+      <p:grpSpPr>
+        <a:xfrm>
+          <a:off x="0" y="0"/>
+          <a:ext cx="0" cy="0"/>
+          <a:chOff x="0" y="0"/>
+          <a:chExt cx="0" cy="0"/>
+        </a:xfrm>
+      </p:grpSpPr>
+      <p:sp>
+        <p:nvSpPr>
+          <p:cNvPr id="2" name="Slide Image Placeholder 1"/>
+          <p:cNvSpPr>
+            <a:spLocks noGrp="1" noRot="1" noChangeAspect="1"/>
+          </p:cNvSpPr>
+          <p:nvPr>
+            <p:ph type="sldImg"/>
+          </p:nvPr>
+        </p:nvSpPr>
+        <p:spPr/>
+      </p:sp>
+      <p:sp>
+        <p:nvSpPr>
+          <p:cNvPr id="3" name="Notes Placeholder 2"/>
+          <p:cNvSpPr>
+            <a:spLocks noGrp="1"/>
+          </p:cNvSpPr>
+          <p:nvPr>
+            <p:ph type="body" idx="1"/>
+          </p:nvPr>
+        </p:nvSpPr>
+        <p:spPr/>
+        <p:txBody>
+          <a:bodyPr/>
+          <a:lstStyle/>
+          <a:p>
+            <a:pPr algn="l"/>
+            <a:r>
+              <a:rPr lang="en-US" dirty="0"/>
+              <a:t>Moving on, our second transformer building block is the </a:t>
+            </a:r>
+            <a:r>
+              <a:rPr lang="en-US" b="1" dirty="0"/>
+              <a:t>skip connection</a:t>
+            </a:r>
+            <a:r>
+              <a:rPr lang="en-US" dirty="0"/>
+              <a:t>, also known as a residual connection. The inspiration for this innovation lies in our desire to reduce the amount of work that’s required of a deep network layer.</a:t>
+            </a:r>
+          </a:p>
+          <a:p>
+            <a:pPr algn="l"/>
+            <a:endParaRPr lang="en-US" dirty="0"/>
+          </a:p>
+          <a:p>
+            <a:pPr algn="l"/>
+            <a:r>
+              <a:rPr lang="en-US" dirty="0"/>
+              <a:t>Let’s start with an analogy. Suppose you’re painting a real, physical portrait using acrylic paints on canvas. After weeks of sittings, the portrait is done, and you send it to your subject for their approval. They say that they like it, but they regret having worn a particular ring on one finger, and wish they’d worn a different one that they like more. Can you change that?</a:t>
+            </a:r>
+          </a:p>
+          <a:p>
+            <a:pPr algn="l"/>
+            <a:endParaRPr lang="en-US" dirty="0"/>
+          </a:p>
+          <a:p>
+            <a:pPr algn="l"/>
+            <a:r>
+              <a:rPr lang="en-US" dirty="0"/>
+              <a:t>One way to proceed would be to invite your subject back to the studio and paint a whole new portrait from scratch on a blank canvas, only this time with the new ring on their finger. That would require a lot of time and effort. If they’d allow it, a more expeditious approach would be to take the portrait you have, and unobtrusively paint the new ring over the old one.</a:t>
+            </a:r>
+          </a:p>
+          <a:p>
+            <a:pPr algn="l"/>
+            <a:endParaRPr lang="en-US" dirty="0"/>
+          </a:p>
+          <a:p>
+            <a:pPr algn="l"/>
+            <a:r>
+              <a:rPr lang="en-US" dirty="0"/>
+              <a:t>Now consider a layer in a deep network. A tensor comes in, and the layer does some processing to change that tensor. If the layer only needs to change the input by small amounts, or only in some places, then it would be wasteful to expend resources processing the parts of the tensor that don’t need to change. Just as with the painting, it would be much more efficient for the layer to compute only the changes it wants to make. Then it can combine those changes with the original input to produce its output.</a:t>
+            </a:r>
+          </a:p>
+          <a:p>
+            <a:pPr algn="l"/>
+            <a:endParaRPr lang="en-US" dirty="0"/>
+          </a:p>
+          <a:p>
+            <a:pPr algn="l"/>
+            <a:r>
+              <a:rPr lang="en-US" dirty="0"/>
+              <a:t>The extra line in the drawing (red) that carries the input to the addition node is called a </a:t>
+            </a:r>
+            <a:r>
+              <a:rPr lang="en-US" b="1" dirty="0"/>
+              <a:t>skip connection</a:t>
+            </a:r>
+            <a:r>
+              <a:rPr lang="en-US" dirty="0"/>
+              <a:t>, or a residual connection because of its mathematical interpretation.  We can place a skip connection around multiple layers in sequence, if we like, as shown here on the right.</a:t>
+            </a:r>
+          </a:p>
+        </p:txBody>
+      </p:sp>
+      <p:sp>
+        <p:nvSpPr>
+          <p:cNvPr id="4" name="Slide Number Placeholder 3"/>
+          <p:cNvSpPr>
+            <a:spLocks noGrp="1"/>
+          </p:cNvSpPr>
+          <p:nvPr>
+            <p:ph type="sldNum" sz="quarter" idx="5"/>
+          </p:nvPr>
+        </p:nvSpPr>
+        <p:spPr/>
+        <p:txBody>
+          <a:bodyPr/>
+          <a:lstStyle/>
+          <a:p>
+            <a:fld id="{3148858F-F1DB-4027-9C85-CCA6849540DD}" type="slidenum">
+              <a:rPr lang="en-US" smtClean="0"/>
+              <a:t>16</a:t>
+            </a:fld>
+            <a:endParaRPr lang="en-US"/>
+          </a:p>
+        </p:txBody>
+      </p:sp>
+    </p:spTree>
+    <p:extLst>
+      <p:ext uri="{BB962C8B-B14F-4D97-AF65-F5344CB8AC3E}">
+        <p14:creationId xmlns:p14="http://schemas.microsoft.com/office/powerpoint/2010/main" val="3507246277"/>
+      </p:ext>
+    </p:extLst>
+  </p:cSld>
+  <p:clrMapOvr>
+    <a:masterClrMapping/>
+  </p:clrMapOvr>
+</p:notes>
+</file>
+
+<file path=ppt/notesSlides/notesSlide17.xml><?xml version="1.0" encoding="utf-8"?>
+<p:notes xmlns:a="http://schemas.openxmlformats.org/drawingml/2006/main" xmlns:r="http://schemas.openxmlformats.org/officeDocument/2006/relationships" xmlns:p="http://schemas.openxmlformats.org/presentationml/2006/main">
+  <p:cSld>
+    <p:spTree>
+      <p:nvGrpSpPr>
+        <p:cNvPr id="1" name=""/>
+        <p:cNvGrpSpPr/>
+        <p:nvPr/>
+      </p:nvGrpSpPr>
+      <p:grpSpPr>
+        <a:xfrm>
+          <a:off x="0" y="0"/>
+          <a:ext cx="0" cy="0"/>
+          <a:chOff x="0" y="0"/>
+          <a:chExt cx="0" cy="0"/>
+        </a:xfrm>
+      </p:grpSpPr>
+      <p:sp>
+        <p:nvSpPr>
+          <p:cNvPr id="2" name="Slide Image Placeholder 1"/>
+          <p:cNvSpPr>
+            <a:spLocks noGrp="1" noRot="1" noChangeAspect="1"/>
+          </p:cNvSpPr>
+          <p:nvPr>
+            <p:ph type="sldImg"/>
+          </p:nvPr>
+        </p:nvSpPr>
+        <p:spPr/>
+      </p:sp>
+      <p:sp>
+        <p:nvSpPr>
+          <p:cNvPr id="3" name="Notes Placeholder 2"/>
+          <p:cNvSpPr>
+            <a:spLocks noGrp="1"/>
+          </p:cNvSpPr>
+          <p:nvPr>
+            <p:ph type="body" idx="1"/>
+          </p:nvPr>
+        </p:nvSpPr>
+        <p:spPr/>
+        <p:txBody>
+          <a:bodyPr/>
+          <a:lstStyle/>
+          <a:p>
+            <a:pPr algn="l"/>
+            <a:r>
+              <a:rPr lang="en-US" b="1" dirty="0"/>
+              <a:t>Layer norm </a:t>
+            </a:r>
+            <a:r>
+              <a:rPr lang="en-US" dirty="0"/>
+              <a:t>is our third building block.  In transformers, we usually apply a regularization step called layer normalization, or layer norm, to the outputs of a layer, as shown here on the left. Layer norm belongs to the class of regularization techniques, such as dropout and batchnorm, which help control overfitting by keeping the values flowing through the network from getting too big or too small. The layer norm step learns to adjust the values coming out of a layer so that they approximate the shape of a Gaussian bump with a mean of 0 and standard deviation of 1.</a:t>
+            </a:r>
+          </a:p>
+        </p:txBody>
+      </p:sp>
+      <p:sp>
+        <p:nvSpPr>
+          <p:cNvPr id="4" name="Slide Number Placeholder 3"/>
+          <p:cNvSpPr>
+            <a:spLocks noGrp="1"/>
+          </p:cNvSpPr>
+          <p:nvPr>
+            <p:ph type="sldNum" sz="quarter" idx="5"/>
+          </p:nvPr>
+        </p:nvSpPr>
+        <p:spPr/>
+        <p:txBody>
+          <a:bodyPr/>
+          <a:lstStyle/>
+          <a:p>
+            <a:fld id="{3148858F-F1DB-4027-9C85-CCA6849540DD}" type="slidenum">
+              <a:rPr lang="en-US" smtClean="0"/>
+              <a:t>17</a:t>
+            </a:fld>
+            <a:endParaRPr lang="en-US"/>
+          </a:p>
+        </p:txBody>
+      </p:sp>
+    </p:spTree>
+    <p:extLst>
+      <p:ext uri="{BB962C8B-B14F-4D97-AF65-F5344CB8AC3E}">
+        <p14:creationId xmlns:p14="http://schemas.microsoft.com/office/powerpoint/2010/main" val="3456021193"/>
+      </p:ext>
+    </p:extLst>
+  </p:cSld>
+  <p:clrMapOvr>
+    <a:masterClrMapping/>
+  </p:clrMapOvr>
+</p:notes>
+</file>
+
+<file path=ppt/notesSlides/notesSlide18.xml><?xml version="1.0" encoding="utf-8"?>
+<p:notes xmlns:a="http://schemas.openxmlformats.org/drawingml/2006/main" xmlns:r="http://schemas.openxmlformats.org/officeDocument/2006/relationships" xmlns:p="http://schemas.openxmlformats.org/presentationml/2006/main">
+  <p:cSld>
+    <p:spTree>
+      <p:nvGrpSpPr>
+        <p:cNvPr id="1" name=""/>
+        <p:cNvGrpSpPr/>
+        <p:nvPr/>
+      </p:nvGrpSpPr>
+      <p:grpSpPr>
+        <a:xfrm>
+          <a:off x="0" y="0"/>
+          <a:ext cx="0" cy="0"/>
+          <a:chOff x="0" y="0"/>
+          <a:chExt cx="0" cy="0"/>
+        </a:xfrm>
+      </p:grpSpPr>
+      <p:sp>
+        <p:nvSpPr>
+          <p:cNvPr id="2" name="Slide Image Placeholder 1"/>
+          <p:cNvSpPr>
+            <a:spLocks noGrp="1" noRot="1" noChangeAspect="1"/>
+          </p:cNvSpPr>
+          <p:nvPr>
+            <p:ph type="sldImg"/>
+          </p:nvPr>
+        </p:nvSpPr>
+        <p:spPr/>
+      </p:sp>
+      <p:sp>
+        <p:nvSpPr>
+          <p:cNvPr id="3" name="Notes Placeholder 2"/>
+          <p:cNvSpPr>
+            <a:spLocks noGrp="1"/>
+          </p:cNvSpPr>
+          <p:nvPr>
+            <p:ph type="body" idx="1"/>
+          </p:nvPr>
+        </p:nvSpPr>
+        <p:spPr/>
+        <p:txBody>
+          <a:bodyPr/>
+          <a:lstStyle/>
+          <a:p>
+            <a:pPr algn="l"/>
+            <a:r>
+              <a:rPr lang="en-US" dirty="0"/>
+              <a:t>And our last transformer building block – </a:t>
+            </a:r>
+            <a:r>
+              <a:rPr lang="en-US" b="1" dirty="0"/>
+              <a:t>positional encoding </a:t>
+            </a:r>
+            <a:r>
+              <a:rPr lang="en-US" dirty="0"/>
+              <a:t>– was designed to solve a problem that comes up as soon as we take RNNs out of our system: we lose track of where each word is located in the input sentence. This important information is inherent in the RNN structure, because the words come in one at a time, allowing the hidden state inside a recurrent cell to remember the order in which the words arrived.</a:t>
+            </a:r>
+          </a:p>
+          <a:p>
+            <a:pPr algn="l"/>
+            <a:endParaRPr lang="en-US" dirty="0"/>
+          </a:p>
+          <a:p>
+            <a:pPr algn="l"/>
+            <a:r>
+              <a:rPr lang="en-US" dirty="0"/>
+              <a:t>But as we’ve seen, attention mixes together the representations of multiple words. How can later stages know where each word belongs in the sentence?</a:t>
+            </a:r>
+          </a:p>
+          <a:p>
+            <a:pPr algn="l"/>
+            <a:endParaRPr lang="en-US" dirty="0"/>
+          </a:p>
+          <a:p>
+            <a:pPr algn="l"/>
+            <a:r>
+              <a:rPr lang="en-US" dirty="0"/>
+              <a:t>The answer is to insert each word’s position, or index, into the representation for the word itself. That way, as the word’s representations get processed, the position information naturally comes along for the ride. The generic name for this process is positional encoding.</a:t>
+            </a:r>
+          </a:p>
+          <a:p>
+            <a:pPr algn="l"/>
+            <a:endParaRPr lang="en-US" dirty="0"/>
+          </a:p>
+          <a:p>
+            <a:pPr algn="l"/>
+            <a:r>
+              <a:rPr lang="en-US" dirty="0"/>
+              <a:t>A simple approach to positional encoding is to append a few bits to the end of each word to hold its location, as shown on the left. But at some point, we might get a sentence that requires more bits than we’ve made available, and then we’d be in trouble because we wouldn’t be able to assign each word a unique number for its location. And if we make the storage too big, it’s just wasted and slows everything down. This approach is also awkward to implement, since we then need to introduce some special mechanism for handling those bits.</a:t>
+            </a:r>
+          </a:p>
+          <a:p>
+            <a:pPr algn="l"/>
+            <a:endParaRPr lang="en-US" dirty="0"/>
+          </a:p>
+          <a:p>
+            <a:pPr algn="l"/>
+            <a:r>
+              <a:rPr lang="en-US" dirty="0"/>
+              <a:t>Alright, that wraps up our presentation of transformer building blocks.  It’s time for some hands-on work.</a:t>
+            </a:r>
+          </a:p>
+        </p:txBody>
+      </p:sp>
+      <p:sp>
+        <p:nvSpPr>
+          <p:cNvPr id="4" name="Slide Number Placeholder 3"/>
+          <p:cNvSpPr>
+            <a:spLocks noGrp="1"/>
+          </p:cNvSpPr>
+          <p:nvPr>
+            <p:ph type="sldNum" sz="quarter" idx="5"/>
+          </p:nvPr>
+        </p:nvSpPr>
+        <p:spPr/>
+        <p:txBody>
+          <a:bodyPr/>
+          <a:lstStyle/>
+          <a:p>
+            <a:fld id="{3148858F-F1DB-4027-9C85-CCA6849540DD}" type="slidenum">
+              <a:rPr lang="en-US" smtClean="0"/>
+              <a:t>18</a:t>
+            </a:fld>
+            <a:endParaRPr lang="en-US"/>
+          </a:p>
+        </p:txBody>
+      </p:sp>
+    </p:spTree>
+    <p:extLst>
+      <p:ext uri="{BB962C8B-B14F-4D97-AF65-F5344CB8AC3E}">
+        <p14:creationId xmlns:p14="http://schemas.microsoft.com/office/powerpoint/2010/main" val="50257330"/>
+      </p:ext>
+    </p:extLst>
+  </p:cSld>
+  <p:clrMapOvr>
+    <a:masterClrMapping/>
+  </p:clrMapOvr>
+</p:notes>
+</file>
+
+<file path=ppt/notesSlides/notesSlide19.xml><?xml version="1.0" encoding="utf-8"?>
+<p:notes xmlns:a="http://schemas.openxmlformats.org/drawingml/2006/main" xmlns:r="http://schemas.openxmlformats.org/officeDocument/2006/relationships" xmlns:p="http://schemas.openxmlformats.org/presentationml/2006/main">
+  <p:cSld>
+    <p:spTree>
+      <p:nvGrpSpPr>
+        <p:cNvPr id="1" name=""/>
+        <p:cNvGrpSpPr/>
+        <p:nvPr/>
+      </p:nvGrpSpPr>
+      <p:grpSpPr>
+        <a:xfrm>
+          <a:off x="0" y="0"/>
+          <a:ext cx="0" cy="0"/>
+          <a:chOff x="0" y="0"/>
+          <a:chExt cx="0" cy="0"/>
+        </a:xfrm>
+      </p:grpSpPr>
+      <p:sp>
+        <p:nvSpPr>
+          <p:cNvPr id="2" name="Slide Image Placeholder 1"/>
+          <p:cNvSpPr>
+            <a:spLocks noGrp="1" noRot="1" noChangeAspect="1"/>
+          </p:cNvSpPr>
+          <p:nvPr>
+            <p:ph type="sldImg"/>
+          </p:nvPr>
+        </p:nvSpPr>
+        <p:spPr/>
+      </p:sp>
+      <p:sp>
+        <p:nvSpPr>
+          <p:cNvPr id="3" name="Notes Placeholder 2"/>
+          <p:cNvSpPr>
+            <a:spLocks noGrp="1"/>
+          </p:cNvSpPr>
+          <p:nvPr>
+            <p:ph type="body" idx="1"/>
+          </p:nvPr>
+        </p:nvSpPr>
+        <p:spPr/>
+        <p:txBody>
+          <a:bodyPr/>
+          <a:lstStyle/>
+          <a:p>
             <a:pPr marL="0" marR="0" lvl="0" indent="0" algn="l" defTabSz="914400" rtl="0" eaLnBrk="1" fontAlgn="auto" latinLnBrk="0" hangingPunct="1">
               <a:lnSpc>
                 <a:spcPct val="100000"/>
@@ -1061,7 +1844,7 @@
           <a:p>
             <a:fld id="{3148858F-F1DB-4027-9C85-CCA6849540DD}" type="slidenum">
               <a:rPr lang="en-US" smtClean="0"/>
-              <a:t>13</a:t>
+              <a:t>19</a:t>
             </a:fld>
             <a:endParaRPr lang="en-US"/>
           </a:p>
@@ -1070,7 +1853,7 @@
     </p:spTree>
     <p:extLst>
       <p:ext uri="{BB962C8B-B14F-4D97-AF65-F5344CB8AC3E}">
-        <p14:creationId xmlns:p14="http://schemas.microsoft.com/office/powerpoint/2010/main" val="1985664105"/>
+        <p14:creationId xmlns:p14="http://schemas.microsoft.com/office/powerpoint/2010/main" val="3333302820"/>
       </p:ext>
     </p:extLst>
   </p:cSld>
@@ -1127,7 +1910,7 @@
             <a:pPr algn="l"/>
             <a:r>
               <a:rPr lang="en-US" dirty="0"/>
-              <a:t>Though powerful, RNNs have a few drawbacks. Because all of the information about an input is represented in a single piece of state memory, or context vector, the networks inside each recurrent cell need to work hard to compress everything that’s needed into the available space. And no matter how large we make the state memory, we can always get an input that exceeds what the memory can hold, so something necessarily gets lost.</a:t>
+              <a:t>Though powerful, RNNs have a few drawbacks. Because all the information about an input is represented in a single piece of state memory, or context vector, the networks inside each recurrent cell need to work hard to compress everything that’s needed into the available space. And no matter how large we make the state memory, we can always get an input that exceeds what the memory can hold, so something necessarily gets lost.  Another problem is that an RNN must be trained and used one word at a time. This can be a slow way to work, particularly with large databases.  Let’s start by reviewing basic RNN architecture….</a:t>
             </a:r>
           </a:p>
           <a:p>
@@ -1138,12 +1921,8 @@
             <a:pPr algn="l"/>
             <a:r>
               <a:rPr lang="en-US" dirty="0"/>
-              <a:t>Another problem is that an RNN must be trained and used one word at a time. This can be a slow way to work, particularly with large databases.</a:t>
-            </a:r>
-          </a:p>
-          <a:p>
-            <a:pPr algn="l"/>
-            <a:endParaRPr lang="en-US" dirty="0"/>
+              <a:t>=====</a:t>
+            </a:r>
           </a:p>
           <a:p>
             <a:pPr algn="l"/>
@@ -1159,21 +1938,6 @@
               <a:rPr lang="en-US" dirty="0"/>
               <a:t> can be used in other architectures that provide even more powerful language models, including generators.</a:t>
             </a:r>
-          </a:p>
-          <a:p>
-            <a:pPr algn="l"/>
-            <a:endParaRPr lang="en-US" dirty="0"/>
-          </a:p>
-          <a:p>
-            <a:pPr algn="l"/>
-            <a:r>
-              <a:rPr lang="en-US" dirty="0"/>
-              <a:t>So, what is a transformer?</a:t>
-            </a:r>
-          </a:p>
-          <a:p>
-            <a:pPr algn="l"/>
-            <a:endParaRPr lang="en-US" dirty="0"/>
           </a:p>
         </p:txBody>
       </p:sp>
@@ -1257,63 +2021,22 @@
           <a:bodyPr/>
           <a:lstStyle/>
           <a:p>
-            <a:pPr algn="l"/>
-            <a:r>
-              <a:rPr lang="en-US" b="0" i="0" dirty="0">
-                <a:solidFill>
-                  <a:srgbClr val="292929"/>
-                </a:solidFill>
-                <a:effectLst/>
-                <a:latin typeface="+mn-lt"/>
-              </a:rPr>
-              <a:t>We begin with a simple image…  first off, the Transformer architecture excels at handling text data which is inherently sequential.  It takes a text sequence as input and produces another text sequence as output;  for example, to translate an input English sentence to Spanish.</a:t>
-            </a:r>
-          </a:p>
-          <a:p>
-            <a:pPr algn="l"/>
-            <a:endParaRPr lang="en-US" b="0" i="0" dirty="0">
-              <a:solidFill>
-                <a:srgbClr val="292929"/>
-              </a:solidFill>
-              <a:effectLst/>
-              <a:latin typeface="+mn-lt"/>
-            </a:endParaRPr>
-          </a:p>
-          <a:p>
-            <a:pPr algn="l"/>
-            <a:r>
-              <a:rPr lang="en-US" b="0" i="0" dirty="0">
-                <a:solidFill>
-                  <a:srgbClr val="292929"/>
-                </a:solidFill>
-                <a:effectLst/>
-                <a:latin typeface="charter"/>
-              </a:rPr>
-              <a:t>As opposed to directional models, which read the text input sequentially (left-to-right or right-to-left), the Transformer encoder reads the entire sequence of words at once. Therefore, it is considered bidirectional, though it would be more accurate to say that it’s non-directional. This characteristic allows the model to learn the context of a word based on </a:t>
-            </a:r>
-            <a:r>
-              <a:rPr lang="en-US" b="1" i="0" dirty="0">
-                <a:solidFill>
-                  <a:srgbClr val="292929"/>
-                </a:solidFill>
-                <a:effectLst/>
-                <a:latin typeface="charter"/>
-              </a:rPr>
-              <a:t>all</a:t>
-            </a:r>
-            <a:r>
-              <a:rPr lang="en-US" b="0" i="0" dirty="0">
-                <a:solidFill>
-                  <a:srgbClr val="292929"/>
-                </a:solidFill>
-                <a:effectLst/>
-                <a:latin typeface="charter"/>
-              </a:rPr>
-              <a:t> of its surroundings (left and right of the word).</a:t>
-            </a:r>
-            <a:endParaRPr lang="en-US" dirty="0">
-              <a:latin typeface="+mn-lt"/>
-            </a:endParaRPr>
+            <a:pPr algn="l" fontAlgn="base"/>
+            <a:r>
+              <a:rPr lang="en-US" dirty="0"/>
+              <a:t>Prior to transformers, advanced recurrent architectures such as LSTMs were the state of the art in NLP.  RNN models contain a feedback loop which allows information to propagate from one step to another, making them ideal for modeling sequential data like text. As illustrated on the left side of this image, an RNN receives some input (which could be a word or character), feeds it through the network, and outputs a vector called the hidden state. At the same time, the model feeds some information back to itself through the feedback loop, which it can then use in the next step. This can be more clearly seen if we “unroll” the loop as shown on the right side of this image: the RNN passes information about its state at each step to the next operation in the sequence. This allows an RNN to keep track of information from previous steps and use it for its output predictions.</a:t>
+            </a:r>
+          </a:p>
+          <a:p>
+            <a:pPr algn="l" fontAlgn="base"/>
+            <a:endParaRPr lang="en-US" dirty="0"/>
+          </a:p>
+          <a:p>
+            <a:pPr algn="l" fontAlgn="base"/>
+            <a:r>
+              <a:rPr lang="en-US" dirty="0"/>
+              <a:t>These architectures were (and continue to be) widely used for NLP tasks, speech processing, and time series. You can find a wonderful exposition of their capabilities in Andrej Karpathy’s blog post, “The Unreasonable Effectiveness of Recurrent Neural Networks”.</a:t>
+            </a:r>
           </a:p>
         </p:txBody>
       </p:sp>
@@ -1343,7 +2066,7 @@
     </p:spTree>
     <p:extLst>
       <p:ext uri="{BB962C8B-B14F-4D97-AF65-F5344CB8AC3E}">
-        <p14:creationId xmlns:p14="http://schemas.microsoft.com/office/powerpoint/2010/main" val="321616863"/>
+        <p14:creationId xmlns:p14="http://schemas.microsoft.com/office/powerpoint/2010/main" val="1047077964"/>
       </p:ext>
     </p:extLst>
   </p:cSld>
@@ -1397,44 +2120,156 @@
           <a:bodyPr/>
           <a:lstStyle/>
           <a:p>
-            <a:pPr algn="l"/>
-            <a:r>
-              <a:rPr lang="en-US" b="0" i="0" dirty="0">
-                <a:solidFill>
-                  <a:srgbClr val="292929"/>
-                </a:solidFill>
-                <a:effectLst/>
-                <a:latin typeface="+mn-lt"/>
-              </a:rPr>
-              <a:t>At its core, a transformer contains a stack of Encoder and Decoder layers. To avoid confusion, we will refer to the individual layer as an Encoder or a Decoder and will use Encoder stack or Decoder stack for a group of Encoder layers.</a:t>
-            </a:r>
-          </a:p>
-          <a:p>
-            <a:pPr algn="l"/>
-            <a:endParaRPr lang="en-US" b="0" i="0" dirty="0">
-              <a:solidFill>
-                <a:srgbClr val="292929"/>
-              </a:solidFill>
-              <a:effectLst/>
-              <a:latin typeface="+mn-lt"/>
-            </a:endParaRPr>
-          </a:p>
-          <a:p>
-            <a:pPr algn="l"/>
-            <a:r>
-              <a:rPr lang="en-US" b="0" i="0" dirty="0">
-                <a:solidFill>
-                  <a:srgbClr val="292929"/>
-                </a:solidFill>
-                <a:effectLst/>
-                <a:latin typeface="+mn-lt"/>
-              </a:rPr>
-              <a:t>The Encoder stack and the Decoder stack each have their corresponding Embedding layers for their respective inputs. And finally, there is an Output layer to generate the final output.</a:t>
-            </a:r>
-          </a:p>
-          <a:p>
-            <a:pPr algn="l"/>
+            <a:pPr marL="0" marR="0" lvl="0" indent="0" algn="l" defTabSz="914400" rtl="0" eaLnBrk="1" fontAlgn="auto" latinLnBrk="0" hangingPunct="1">
+              <a:lnSpc>
+                <a:spcPct val="100000"/>
+              </a:lnSpc>
+              <a:spcBef>
+                <a:spcPts val="0"/>
+              </a:spcBef>
+              <a:spcAft>
+                <a:spcPts val="0"/>
+              </a:spcAft>
+              <a:buClrTx/>
+              <a:buSzTx/>
+              <a:buFontTx/>
+              <a:buNone/>
+              <a:tabLst/>
+              <a:defRPr/>
+            </a:pPr>
+            <a:r>
+              <a:rPr lang="en-US" dirty="0"/>
+              <a:t>One area where RNNs played an important role was in the development of machine translation systems, where the objective is to map a sequence of words in one language to another. This kind of task is usually tackled with an encoder-decoder or sequence-to-sequence architecture, which is well suited for situations where the input and output are both sequences of arbitrary length. The job of the encoder is to encode the information from the input sequence into a numerical representation that is often called the last hidden state. This state is then passed to the decoder, which generates the output sequence.</a:t>
+            </a:r>
+          </a:p>
+          <a:p>
+            <a:pPr marL="0" marR="0" lvl="0" indent="0" algn="l" defTabSz="914400" rtl="0" eaLnBrk="1" fontAlgn="auto" latinLnBrk="0" hangingPunct="1">
+              <a:lnSpc>
+                <a:spcPct val="100000"/>
+              </a:lnSpc>
+              <a:spcBef>
+                <a:spcPts val="0"/>
+              </a:spcBef>
+              <a:spcAft>
+                <a:spcPts val="0"/>
+              </a:spcAft>
+              <a:buClrTx/>
+              <a:buSzTx/>
+              <a:buFontTx/>
+              <a:buNone/>
+              <a:tabLst/>
+              <a:defRPr/>
+            </a:pPr>
             <a:endParaRPr lang="en-US" dirty="0"/>
+          </a:p>
+          <a:p>
+            <a:pPr marL="0" marR="0" lvl="0" indent="0" algn="l" defTabSz="914400" rtl="0" eaLnBrk="1" fontAlgn="auto" latinLnBrk="0" hangingPunct="1">
+              <a:lnSpc>
+                <a:spcPct val="100000"/>
+              </a:lnSpc>
+              <a:spcBef>
+                <a:spcPts val="0"/>
+              </a:spcBef>
+              <a:spcAft>
+                <a:spcPts val="0"/>
+              </a:spcAft>
+              <a:buClrTx/>
+              <a:buSzTx/>
+              <a:buFontTx/>
+              <a:buNone/>
+              <a:tabLst/>
+              <a:defRPr/>
+            </a:pPr>
+            <a:r>
+              <a:rPr lang="en-US" dirty="0"/>
+              <a:t>In general, the encoder and decoder components can be any kind of neural network architecture that can model sequences. This is illustrated for a pair of RNNs pictured here, where the English sentence “Transformers are great!” is encoded as a hidden state vector that is then decoded to produce the German translation “Transformer sind grossartig!” The input words are fed sequentially through the encoder and the output words are generated one at a time, from top to bottom.</a:t>
+            </a:r>
+          </a:p>
+          <a:p>
+            <a:pPr marL="0" marR="0" lvl="0" indent="0" algn="l" defTabSz="914400" rtl="0" eaLnBrk="1" fontAlgn="auto" latinLnBrk="0" hangingPunct="1">
+              <a:lnSpc>
+                <a:spcPct val="100000"/>
+              </a:lnSpc>
+              <a:spcBef>
+                <a:spcPts val="0"/>
+              </a:spcBef>
+              <a:spcAft>
+                <a:spcPts val="0"/>
+              </a:spcAft>
+              <a:buClrTx/>
+              <a:buSzTx/>
+              <a:buFontTx/>
+              <a:buNone/>
+              <a:tabLst/>
+              <a:defRPr/>
+            </a:pPr>
+            <a:endParaRPr lang="en-US" dirty="0"/>
+          </a:p>
+          <a:p>
+            <a:pPr marL="0" marR="0" lvl="0" indent="0" algn="l" defTabSz="914400" rtl="0" eaLnBrk="1" fontAlgn="auto" latinLnBrk="0" hangingPunct="1">
+              <a:lnSpc>
+                <a:spcPct val="100000"/>
+              </a:lnSpc>
+              <a:spcBef>
+                <a:spcPts val="0"/>
+              </a:spcBef>
+              <a:spcAft>
+                <a:spcPts val="0"/>
+              </a:spcAft>
+              <a:buClrTx/>
+              <a:buSzTx/>
+              <a:buFontTx/>
+              <a:buNone/>
+              <a:tabLst/>
+              <a:defRPr/>
+            </a:pPr>
+            <a:r>
+              <a:rPr lang="en-US" dirty="0"/>
+              <a:t>Although elegant in its simplicity, one weakness of this architecture is that the final hidden state of the encoder creates an information bottleneck: it has to represent the meaning of the whole input sequence because this is all the decoder has access to when generating the output. This is especially challenging for long sequences, where information at the start of the sequence might be lost in the process of compressing everything to a single, fixed representation.</a:t>
+            </a:r>
+          </a:p>
+          <a:p>
+            <a:pPr marL="0" marR="0" lvl="0" indent="0" algn="l" defTabSz="914400" rtl="0" eaLnBrk="1" fontAlgn="auto" latinLnBrk="0" hangingPunct="1">
+              <a:lnSpc>
+                <a:spcPct val="100000"/>
+              </a:lnSpc>
+              <a:spcBef>
+                <a:spcPts val="0"/>
+              </a:spcBef>
+              <a:spcAft>
+                <a:spcPts val="0"/>
+              </a:spcAft>
+              <a:buClrTx/>
+              <a:buSzTx/>
+              <a:buFontTx/>
+              <a:buNone/>
+              <a:tabLst/>
+              <a:defRPr/>
+            </a:pPr>
+            <a:endParaRPr lang="en-US" dirty="0"/>
+          </a:p>
+          <a:p>
+            <a:pPr marL="0" marR="0" lvl="0" indent="0" algn="l" defTabSz="914400" rtl="0" eaLnBrk="1" fontAlgn="auto" latinLnBrk="0" hangingPunct="1">
+              <a:lnSpc>
+                <a:spcPct val="100000"/>
+              </a:lnSpc>
+              <a:spcBef>
+                <a:spcPts val="0"/>
+              </a:spcBef>
+              <a:spcAft>
+                <a:spcPts val="0"/>
+              </a:spcAft>
+              <a:buClrTx/>
+              <a:buSzTx/>
+              <a:buFontTx/>
+              <a:buNone/>
+              <a:tabLst/>
+              <a:defRPr/>
+            </a:pPr>
+            <a:r>
+              <a:rPr lang="en-US" dirty="0"/>
+              <a:t>Fortunately, there is a way out of this bottleneck by allowing the decoder to have access to all of the encoder’s hidden states. The general mechanism for this is called attention, and it is a key component in many modern neural network architectures. </a:t>
+            </a:r>
           </a:p>
         </p:txBody>
       </p:sp>
@@ -1464,7 +2299,7 @@
     </p:spTree>
     <p:extLst>
       <p:ext uri="{BB962C8B-B14F-4D97-AF65-F5344CB8AC3E}">
-        <p14:creationId xmlns:p14="http://schemas.microsoft.com/office/powerpoint/2010/main" val="2052316668"/>
+        <p14:creationId xmlns:p14="http://schemas.microsoft.com/office/powerpoint/2010/main" val="2538481723"/>
       </p:ext>
     </p:extLst>
   </p:cSld>
@@ -1518,27 +2353,70 @@
           <a:bodyPr/>
           <a:lstStyle/>
           <a:p>
-            <a:pPr algn="l"/>
-            <a:r>
-              <a:rPr lang="en-US" b="0" i="0" dirty="0">
-                <a:solidFill>
-                  <a:srgbClr val="292929"/>
-                </a:solidFill>
-                <a:effectLst/>
-                <a:latin typeface="+mn-lt"/>
-              </a:rPr>
-              <a:t>The Encoder is a reusable module that is the defining component of all Transformer architectures.  Here we see an encoder comprised of a self-attention layer as well as a couple of layer norm layers.  Additionally, residual skip connections allow this encoder to bypass the self-attention and feed forward layers as needed.  We will discuss these unique transformer building blocks in just a moment…</a:t>
-            </a:r>
-          </a:p>
-          <a:p>
-            <a:pPr algn="l"/>
-            <a:endParaRPr lang="en-US" b="0" i="0" dirty="0">
-              <a:solidFill>
-                <a:srgbClr val="292929"/>
-              </a:solidFill>
-              <a:effectLst/>
-              <a:latin typeface="+mn-lt"/>
-            </a:endParaRPr>
+            <a:pPr marL="0" marR="0" lvl="0" indent="0" algn="l" defTabSz="914400" rtl="0" eaLnBrk="1" fontAlgn="auto" latinLnBrk="0" hangingPunct="1">
+              <a:lnSpc>
+                <a:spcPct val="100000"/>
+              </a:lnSpc>
+              <a:spcBef>
+                <a:spcPts val="0"/>
+              </a:spcBef>
+              <a:spcAft>
+                <a:spcPts val="0"/>
+              </a:spcAft>
+              <a:buClrTx/>
+              <a:buSzTx/>
+              <a:buFontTx/>
+              <a:buNone/>
+              <a:tabLst/>
+              <a:defRPr/>
+            </a:pPr>
+            <a:r>
+              <a:rPr lang="en-US" dirty="0"/>
+              <a:t>The main idea behind attention is that instead of producing a single hidden state for the input sequence, the encoder outputs a hidden state at each step that the decoder can access. However, using all the states at the same time would create a huge input for the decoder, so some mechanism is needed to prioritize which states to use. This is where attention comes in: it lets the decoder assign a different amount of weight, or “attention,” to each of the encoder states at every decoding timestep. This process is illustrated here, where the role of attention is shown for predicting the third token in the output sequence.</a:t>
+            </a:r>
+          </a:p>
+          <a:p>
+            <a:pPr marL="0" marR="0" lvl="0" indent="0" algn="l" defTabSz="914400" rtl="0" eaLnBrk="1" fontAlgn="auto" latinLnBrk="0" hangingPunct="1">
+              <a:lnSpc>
+                <a:spcPct val="100000"/>
+              </a:lnSpc>
+              <a:spcBef>
+                <a:spcPts val="0"/>
+              </a:spcBef>
+              <a:spcAft>
+                <a:spcPts val="0"/>
+              </a:spcAft>
+              <a:buClrTx/>
+              <a:buSzTx/>
+              <a:buFontTx/>
+              <a:buNone/>
+              <a:tabLst/>
+              <a:defRPr/>
+            </a:pPr>
+            <a:endParaRPr lang="en-US" dirty="0"/>
+          </a:p>
+          <a:p>
+            <a:pPr marL="0" marR="0" lvl="0" indent="0" algn="l" defTabSz="914400" rtl="0" eaLnBrk="1" fontAlgn="auto" latinLnBrk="0" hangingPunct="1">
+              <a:lnSpc>
+                <a:spcPct val="100000"/>
+              </a:lnSpc>
+              <a:spcBef>
+                <a:spcPts val="0"/>
+              </a:spcBef>
+              <a:spcAft>
+                <a:spcPts val="0"/>
+              </a:spcAft>
+              <a:buClrTx/>
+              <a:buSzTx/>
+              <a:buFontTx/>
+              <a:buNone/>
+              <a:tabLst/>
+              <a:defRPr/>
+            </a:pPr>
+            <a:r>
+              <a:rPr lang="en-US" dirty="0"/>
+              <a:t>By focusing on which input tokens are most relevant at each timestep, these attention-based models are able to learn nontrivial alignments between the words in a generated translation and those in a source sentence. </a:t>
+            </a:r>
           </a:p>
         </p:txBody>
       </p:sp>
@@ -1568,7 +2446,7 @@
     </p:spTree>
     <p:extLst>
       <p:ext uri="{BB962C8B-B14F-4D97-AF65-F5344CB8AC3E}">
-        <p14:creationId xmlns:p14="http://schemas.microsoft.com/office/powerpoint/2010/main" val="3560973607"/>
+        <p14:creationId xmlns:p14="http://schemas.microsoft.com/office/powerpoint/2010/main" val="4057235265"/>
       </p:ext>
     </p:extLst>
   </p:cSld>
@@ -1622,88 +2500,109 @@
           <a:bodyPr/>
           <a:lstStyle/>
           <a:p>
-            <a:pPr algn="l"/>
-            <a:r>
-              <a:rPr lang="en-US" b="0" i="0" dirty="0">
-                <a:solidFill>
-                  <a:srgbClr val="292929"/>
-                </a:solidFill>
-                <a:effectLst/>
-                <a:latin typeface="+mn-lt"/>
-              </a:rPr>
-              <a:t>All the Encoders are identical to one another. Similarly, all the Decoders are identical.</a:t>
-            </a:r>
-          </a:p>
-          <a:p>
-            <a:pPr algn="l"/>
-            <a:endParaRPr lang="en-US" b="0" i="0" dirty="0">
-              <a:solidFill>
-                <a:srgbClr val="292929"/>
-              </a:solidFill>
-              <a:effectLst/>
-              <a:latin typeface="+mn-lt"/>
-            </a:endParaRPr>
-          </a:p>
-          <a:p>
-            <a:pPr marL="228600" indent="-228600" algn="l">
-              <a:buFont typeface="Courier New" panose="02070309020205020404" pitchFamily="49" charset="0"/>
-              <a:buChar char="o"/>
+            <a:pPr marL="0" marR="0" lvl="0" indent="0" algn="l" defTabSz="914400" rtl="0" eaLnBrk="1" fontAlgn="auto" latinLnBrk="0" hangingPunct="1">
+              <a:lnSpc>
+                <a:spcPct val="100000"/>
+              </a:lnSpc>
+              <a:spcBef>
+                <a:spcPts val="0"/>
+              </a:spcBef>
+              <a:spcAft>
+                <a:spcPts val="0"/>
+              </a:spcAft>
+              <a:buClrTx/>
+              <a:buSzTx/>
+              <a:buFontTx/>
+              <a:buNone/>
+              <a:tabLst/>
+              <a:defRPr/>
             </a:pPr>
             <a:r>
-              <a:rPr lang="en-US" b="0" i="0" dirty="0">
-                <a:solidFill>
-                  <a:srgbClr val="292929"/>
-                </a:solidFill>
-                <a:effectLst/>
-                <a:latin typeface="+mn-lt"/>
-              </a:rPr>
-              <a:t>The Encoder contains the all-important Self-attention layer that computes the relationship between different words in the sequence.</a:t>
-            </a:r>
-          </a:p>
-          <a:p>
-            <a:pPr marL="228600" indent="-228600" algn="l">
-              <a:buFont typeface="Courier New" panose="02070309020205020404" pitchFamily="49" charset="0"/>
-              <a:buChar char="o"/>
+              <a:rPr lang="en-US" dirty="0"/>
+              <a:t>Although attention enabled the production of much better translations, there was still a major shortcoming with using recurrent models for the encoder and decoder: the computations are inherently sequential and cannot be parallelized across the input sequence.</a:t>
+            </a:r>
+          </a:p>
+          <a:p>
+            <a:pPr marL="0" marR="0" lvl="0" indent="0" algn="l" defTabSz="914400" rtl="0" eaLnBrk="1" fontAlgn="auto" latinLnBrk="0" hangingPunct="1">
+              <a:lnSpc>
+                <a:spcPct val="100000"/>
+              </a:lnSpc>
+              <a:spcBef>
+                <a:spcPts val="0"/>
+              </a:spcBef>
+              <a:spcAft>
+                <a:spcPts val="0"/>
+              </a:spcAft>
+              <a:buClrTx/>
+              <a:buSzTx/>
+              <a:buFontTx/>
+              <a:buNone/>
+              <a:tabLst/>
+              <a:defRPr/>
             </a:pPr>
-            <a:r>
-              <a:rPr lang="en-US" b="0" i="0" dirty="0">
-                <a:solidFill>
-                  <a:srgbClr val="292929"/>
-                </a:solidFill>
-                <a:effectLst/>
-                <a:latin typeface="+mn-lt"/>
-              </a:rPr>
-              <a:t>The Decoder also contains the Self-attention layer and the Feed-forward layer, as well as a second Encoder-Decoder attention layer.</a:t>
-            </a:r>
-          </a:p>
-          <a:p>
-            <a:pPr marL="228600" indent="-228600" algn="l">
-              <a:buFont typeface="Courier New" panose="02070309020205020404" pitchFamily="49" charset="0"/>
-              <a:buChar char="o"/>
+            <a:endParaRPr lang="en-US" dirty="0"/>
+          </a:p>
+          <a:p>
+            <a:pPr marL="0" marR="0" lvl="0" indent="0" algn="l" defTabSz="914400" rtl="0" eaLnBrk="1" fontAlgn="auto" latinLnBrk="0" hangingPunct="1">
+              <a:lnSpc>
+                <a:spcPct val="100000"/>
+              </a:lnSpc>
+              <a:spcBef>
+                <a:spcPts val="0"/>
+              </a:spcBef>
+              <a:spcAft>
+                <a:spcPts val="0"/>
+              </a:spcAft>
+              <a:buClrTx/>
+              <a:buSzTx/>
+              <a:buFontTx/>
+              <a:buNone/>
+              <a:tabLst/>
+              <a:defRPr/>
             </a:pPr>
             <a:r>
-              <a:rPr lang="en-US" b="0" i="0" dirty="0">
-                <a:solidFill>
-                  <a:srgbClr val="292929"/>
-                </a:solidFill>
-                <a:effectLst/>
-                <a:latin typeface="+mn-lt"/>
-              </a:rPr>
-              <a:t>Each Encoder and Decoder has its own set of weights.</a:t>
-            </a:r>
-          </a:p>
-          <a:p>
-            <a:pPr algn="l"/>
-            <a:endParaRPr lang="en-US" b="0" i="0" dirty="0">
-              <a:solidFill>
-                <a:srgbClr val="292929"/>
-              </a:solidFill>
-              <a:effectLst/>
-              <a:latin typeface="charter"/>
-            </a:endParaRPr>
-          </a:p>
-          <a:p>
-            <a:pPr algn="l"/>
+              <a:rPr lang="en-US" dirty="0"/>
+              <a:t>With the transformer, a new modeling paradigm was introduced: dispense with recurrence altogether, and instead rely entirely on a special form of attention called self-attention. The basic idea is to allow attention to operate on all the states in the same layer of the neural network. This is shown here, where both the encoder and the decoder have their own self-attention mechanisms, whose outputs are fed to feed-forward neural networks (FF NNs). This architecture can be trained much faster than recurrent models and paved the way for many of the recent breakthroughs in NLP.</a:t>
+            </a:r>
+          </a:p>
+          <a:p>
+            <a:pPr marL="0" marR="0" lvl="0" indent="0" algn="l" defTabSz="914400" rtl="0" eaLnBrk="1" fontAlgn="auto" latinLnBrk="0" hangingPunct="1">
+              <a:lnSpc>
+                <a:spcPct val="100000"/>
+              </a:lnSpc>
+              <a:spcBef>
+                <a:spcPts val="0"/>
+              </a:spcBef>
+              <a:spcAft>
+                <a:spcPts val="0"/>
+              </a:spcAft>
+              <a:buClrTx/>
+              <a:buSzTx/>
+              <a:buFontTx/>
+              <a:buNone/>
+              <a:tabLst/>
+              <a:defRPr/>
+            </a:pPr>
+            <a:endParaRPr lang="en-US" dirty="0"/>
+          </a:p>
+          <a:p>
+            <a:pPr marL="0" marR="0" lvl="0" indent="0" algn="l" defTabSz="914400" rtl="0" eaLnBrk="1" fontAlgn="auto" latinLnBrk="0" hangingPunct="1">
+              <a:lnSpc>
+                <a:spcPct val="100000"/>
+              </a:lnSpc>
+              <a:spcBef>
+                <a:spcPts val="0"/>
+              </a:spcBef>
+              <a:spcAft>
+                <a:spcPts val="0"/>
+              </a:spcAft>
+              <a:buClrTx/>
+              <a:buSzTx/>
+              <a:buFontTx/>
+              <a:buNone/>
+              <a:tabLst/>
+              <a:defRPr/>
+            </a:pPr>
             <a:endParaRPr lang="en-US" dirty="0"/>
           </a:p>
         </p:txBody>
@@ -1734,7 +2633,7 @@
     </p:spTree>
     <p:extLst>
       <p:ext uri="{BB962C8B-B14F-4D97-AF65-F5344CB8AC3E}">
-        <p14:creationId xmlns:p14="http://schemas.microsoft.com/office/powerpoint/2010/main" val="3371112019"/>
+        <p14:creationId xmlns:p14="http://schemas.microsoft.com/office/powerpoint/2010/main" val="627985707"/>
       </p:ext>
     </p:extLst>
   </p:cSld>
@@ -1789,10 +2688,7 @@
           <a:lstStyle/>
           <a:p>
             <a:pPr algn="l"/>
-            <a:r>
-              <a:rPr lang="en-US" dirty="0"/>
-              <a:t>Let’s now consider some of the unique transformer building blocks presented in the last two slides.  However, I will not discuss word embeddings as that topic has already been covered in the last workshop of our NLP sequence.  Attention, skip connections, and the layer norm operation have all appeared in previous slides, except for positional encoding.  Now it’s time to dive into the details…</a:t>
-            </a:r>
+            <a:endParaRPr lang="en-US" dirty="0"/>
           </a:p>
         </p:txBody>
       </p:sp>
@@ -1822,7 +2718,7 @@
     </p:spTree>
     <p:extLst>
       <p:ext uri="{BB962C8B-B14F-4D97-AF65-F5344CB8AC3E}">
-        <p14:creationId xmlns:p14="http://schemas.microsoft.com/office/powerpoint/2010/main" val="1570214374"/>
+        <p14:creationId xmlns:p14="http://schemas.microsoft.com/office/powerpoint/2010/main" val="2300733190"/>
       </p:ext>
     </p:extLst>
   </p:cSld>
@@ -1878,101 +2774,58 @@
           <a:p>
             <a:pPr algn="l"/>
             <a:r>
-              <a:rPr lang="en-US" dirty="0">
+              <a:rPr lang="en-US" b="0" i="0" dirty="0">
+                <a:solidFill>
+                  <a:srgbClr val="292929"/>
+                </a:solidFill>
+                <a:effectLst/>
                 <a:latin typeface="+mn-lt"/>
               </a:rPr>
-              <a:t>So, let’s start with our first transformer building block – </a:t>
-            </a:r>
-            <a:r>
-              <a:rPr lang="en-US" b="1" dirty="0">
-                <a:latin typeface="+mn-lt"/>
-              </a:rPr>
-              <a:t>attention</a:t>
-            </a:r>
-            <a:r>
-              <a:rPr lang="en-US" b="0" dirty="0">
-                <a:latin typeface="+mn-lt"/>
-              </a:rPr>
-              <a:t>. More concretely, w</a:t>
-            </a:r>
-            <a:r>
-              <a:rPr lang="en-US" dirty="0">
-                <a:latin typeface="+mn-lt"/>
-              </a:rPr>
-              <a:t>hat is attention?  </a:t>
+              <a:t>We begin with a simple image…  first off, the Transformer architecture excels at handling text data which is inherently sequential.  It takes a text sequence as input and produces another text sequence as output;  for example, to translate an input English sentence to Spanish.</a:t>
             </a:r>
           </a:p>
           <a:p>
             <a:pPr algn="l"/>
-            <a:endParaRPr lang="en-US" dirty="0">
+            <a:endParaRPr lang="en-US" b="0" i="0" dirty="0">
+              <a:solidFill>
+                <a:srgbClr val="292929"/>
+              </a:solidFill>
+              <a:effectLst/>
               <a:latin typeface="+mn-lt"/>
             </a:endParaRPr>
           </a:p>
           <a:p>
             <a:pPr algn="l"/>
             <a:r>
-              <a:rPr lang="en-US" dirty="0">
-                <a:latin typeface="+mn-lt"/>
+              <a:rPr lang="en-US" b="0" i="0" dirty="0">
+                <a:solidFill>
+                  <a:srgbClr val="292929"/>
+                </a:solidFill>
+                <a:effectLst/>
+                <a:latin typeface="charter"/>
               </a:rPr>
-              <a:t>Suppose we want to translate the sentence “I saw a big dog eat his dinner.” When we’re translating dog, we probably don’t care about the word saw, but to translate the pronoun his correctly may require us to connect that to the two words big dog.</a:t>
-            </a:r>
-          </a:p>
-          <a:p>
-            <a:pPr algn="l"/>
-            <a:endParaRPr lang="en-US" dirty="0">
-              <a:latin typeface="+mn-lt"/>
-            </a:endParaRPr>
-          </a:p>
-          <a:p>
-            <a:pPr algn="l"/>
-            <a:r>
-              <a:rPr lang="en-US" dirty="0">
-                <a:latin typeface="+mn-lt"/>
+              <a:t>As opposed to directional models, which read the text input sequentially (left-to-right or right-to-left), the Transformer encoder reads the entire sequence of words at once. Therefore, it is considered bidirectional, though it would be more accurate to say that it’s non-directional. This characteristic allows the model to learn the context of a word based on </a:t>
+            </a:r>
+            <a:r>
+              <a:rPr lang="en-US" b="1" i="0" dirty="0">
+                <a:solidFill>
+                  <a:srgbClr val="292929"/>
+                </a:solidFill>
+                <a:effectLst/>
+                <a:latin typeface="charter"/>
               </a:rPr>
-              <a:t>If we can work out, for each word in the input, which other words can influence our translation, then we can focus just on those words and ignore the others. This would be a big savings in both memory and computation time. And if we can work this out in a way that doesn’t depend on processing the words serially, we can even do it in parallel.</a:t>
-            </a:r>
-          </a:p>
-          <a:p>
-            <a:pPr algn="l"/>
-            <a:endParaRPr lang="en-US" dirty="0">
-              <a:latin typeface="+mn-lt"/>
-            </a:endParaRPr>
-          </a:p>
-          <a:p>
-            <a:pPr algn="l"/>
-            <a:r>
-              <a:rPr lang="en-US" dirty="0">
-                <a:latin typeface="+mn-lt"/>
+              <a:t>all</a:t>
+            </a:r>
+            <a:r>
+              <a:rPr lang="en-US" b="0" i="0" dirty="0">
+                <a:solidFill>
+                  <a:srgbClr val="292929"/>
+                </a:solidFill>
+                <a:effectLst/>
+                <a:latin typeface="charter"/>
               </a:rPr>
-              <a:t>The algorithm that does this job is called </a:t>
-            </a:r>
-            <a:r>
-              <a:rPr lang="en-US" b="1" dirty="0">
-                <a:latin typeface="+mn-lt"/>
-              </a:rPr>
-              <a:t>attention</a:t>
-            </a:r>
-            <a:r>
-              <a:rPr lang="en-US" dirty="0">
-                <a:latin typeface="+mn-lt"/>
-              </a:rPr>
-              <a:t>, or </a:t>
-            </a:r>
-            <a:r>
-              <a:rPr lang="en-US" b="1" dirty="0">
-                <a:latin typeface="+mn-lt"/>
-              </a:rPr>
-              <a:t>self-attention</a:t>
-            </a:r>
-            <a:r>
-              <a:rPr lang="en-US" dirty="0">
-                <a:latin typeface="+mn-lt"/>
-              </a:rPr>
-              <a:t>. Attention lets us focus our resources on only the parts of the input that matter.  Let’s start with an analogy…</a:t>
-            </a:r>
-          </a:p>
-          <a:p>
-            <a:pPr algn="l"/>
+              <a:t> of its surroundings (left and right of the word).</a:t>
+            </a:r>
             <a:endParaRPr lang="en-US" dirty="0">
               <a:latin typeface="+mn-lt"/>
             </a:endParaRPr>
@@ -2005,7 +2858,7 @@
     </p:spTree>
     <p:extLst>
       <p:ext uri="{BB962C8B-B14F-4D97-AF65-F5344CB8AC3E}">
-        <p14:creationId xmlns:p14="http://schemas.microsoft.com/office/powerpoint/2010/main" val="157207674"/>
+        <p14:creationId xmlns:p14="http://schemas.microsoft.com/office/powerpoint/2010/main" val="321616863"/>
       </p:ext>
     </p:extLst>
   </p:cSld>
@@ -2061,64 +2914,42 @@
           <a:p>
             <a:pPr algn="l"/>
             <a:r>
-              <a:rPr lang="en-US" dirty="0"/>
-              <a:t>Suppose that you need to buy some paint, but all you’ve been told is that the color should be “light yellow with a bit of dark orange.”</a:t>
+              <a:rPr lang="en-US" b="0" i="0" dirty="0">
+                <a:solidFill>
+                  <a:srgbClr val="292929"/>
+                </a:solidFill>
+                <a:effectLst/>
+                <a:latin typeface="+mn-lt"/>
+              </a:rPr>
+              <a:t>At its core, a transformer contains a stack of Encoder and Decoder layers. To avoid confusion, we will refer to the individual layer as an Encoder or a Decoder and will use Encoder stack or Decoder stack for a group of Encoder layers.</a:t>
+            </a:r>
+          </a:p>
+          <a:p>
+            <a:pPr algn="l"/>
+            <a:endParaRPr lang="en-US" b="0" i="0" dirty="0">
+              <a:solidFill>
+                <a:srgbClr val="292929"/>
+              </a:solidFill>
+              <a:effectLst/>
+              <a:latin typeface="+mn-lt"/>
+            </a:endParaRPr>
+          </a:p>
+          <a:p>
+            <a:pPr algn="l"/>
+            <a:r>
+              <a:rPr lang="en-US" b="0" i="0" dirty="0">
+                <a:solidFill>
+                  <a:srgbClr val="292929"/>
+                </a:solidFill>
+                <a:effectLst/>
+                <a:latin typeface="+mn-lt"/>
+              </a:rPr>
+              <a:t>The Encoder stack and the Decoder stack each have their corresponding Embedding layers for their respective inputs. And finally, there is an Output layer to generate the final output.</a:t>
             </a:r>
           </a:p>
           <a:p>
             <a:pPr algn="l"/>
             <a:endParaRPr lang="en-US" dirty="0"/>
-          </a:p>
-          <a:p>
-            <a:pPr algn="l"/>
-            <a:r>
-              <a:rPr lang="en-US" dirty="0"/>
-              <a:t>At the only paint store in town, the clerk on duty is new to the paint department and isn’t personally familiar with the colors. You both presume you’ll need to mix a few of their standard paints to get the color you want, but you don’t know which paints to choose or how much of each to use.</a:t>
-            </a:r>
-          </a:p>
-          <a:p>
-            <a:pPr algn="l"/>
-            <a:endParaRPr lang="en-US" dirty="0"/>
-          </a:p>
-          <a:p>
-            <a:pPr algn="l"/>
-            <a:r>
-              <a:rPr lang="en-US" dirty="0"/>
-              <a:t>The clerk suggests that you compare your desired color description with the color names on each can of paint they carry. Some names will probably match better than others. The clerk puts a funnel on top of an empty can and suggests that you pour in some of each can of paint on the shelves, guided by how well that can’s name matches your description. That is, you’ll compare your desired description “light yellow with a bit of dark orange” with what’s printed on the label of each can, and the better the match, the more of that paint you’ll pour into the funnel.</a:t>
-            </a:r>
-          </a:p>
-          <a:p>
-            <a:pPr algn="l"/>
-            <a:endParaRPr lang="en-US" dirty="0"/>
-          </a:p>
-          <a:p>
-            <a:pPr algn="l"/>
-            <a:r>
-              <a:rPr lang="en-US" dirty="0"/>
-              <a:t>The figure here shows the idea visually for six cans of paint. It shows their names and the quality of each name’s match with your desired color’s description. We got good matches on “Sunny Yellow” and “Orange Crush,” though a little bit of “Lunch with Teal” snuck in thanks to the match with the word “with.”</a:t>
-            </a:r>
-          </a:p>
-          <a:p>
-            <a:pPr algn="l"/>
-            <a:endParaRPr lang="en-US" dirty="0"/>
-          </a:p>
-          <a:p>
-            <a:pPr algn="l"/>
-            <a:r>
-              <a:rPr lang="en-US" dirty="0"/>
-              <a:t>There are three things to focus on in this story. First, there’s your request: “light yellow with a bit of dark orange.” Second, there’s the description on each can of paint, like “Sunny Yellow” or “Mellow Blue.” Third, there’s the content of the paint that’s actually inside each can. In the story, you compared your request with each can’s description to find out how well they match. The better the match, the more of that can’s content you used in the final mixture.</a:t>
-            </a:r>
-          </a:p>
-          <a:p>
-            <a:pPr algn="l"/>
-            <a:endParaRPr lang="en-US" dirty="0"/>
-          </a:p>
-          <a:p>
-            <a:pPr algn="l"/>
-            <a:r>
-              <a:rPr lang="en-US" dirty="0"/>
-              <a:t>That’s attention in a nutshell. Given a request, compare it to the description of each possible item and include some of the content of each item based on how well its description matches the request.</a:t>
-            </a:r>
           </a:p>
         </p:txBody>
       </p:sp>
@@ -2148,7 +2979,7 @@
     </p:spTree>
     <p:extLst>
       <p:ext uri="{BB962C8B-B14F-4D97-AF65-F5344CB8AC3E}">
-        <p14:creationId xmlns:p14="http://schemas.microsoft.com/office/powerpoint/2010/main" val="832568139"/>
+        <p14:creationId xmlns:p14="http://schemas.microsoft.com/office/powerpoint/2010/main" val="2052316668"/>
       </p:ext>
     </p:extLst>
   </p:cSld>
@@ -2305,7 +3136,7 @@
           <a:p>
             <a:fld id="{C3F78080-8D0A-4BE8-A5B4-CB115102D524}" type="datetimeFigureOut">
               <a:rPr lang="en-US" smtClean="0"/>
-              <a:t>12/8/2021</a:t>
+              <a:t>3/23/2022</a:t>
             </a:fld>
             <a:endParaRPr lang="en-US"/>
           </a:p>
@@ -2503,7 +3334,7 @@
           <a:p>
             <a:fld id="{C3F78080-8D0A-4BE8-A5B4-CB115102D524}" type="datetimeFigureOut">
               <a:rPr lang="en-US" smtClean="0"/>
-              <a:t>12/8/2021</a:t>
+              <a:t>3/23/2022</a:t>
             </a:fld>
             <a:endParaRPr lang="en-US"/>
           </a:p>
@@ -2711,7 +3542,7 @@
           <a:p>
             <a:fld id="{C3F78080-8D0A-4BE8-A5B4-CB115102D524}" type="datetimeFigureOut">
               <a:rPr lang="en-US" smtClean="0"/>
-              <a:t>12/8/2021</a:t>
+              <a:t>3/23/2022</a:t>
             </a:fld>
             <a:endParaRPr lang="en-US"/>
           </a:p>
@@ -2909,7 +3740,7 @@
           <a:p>
             <a:fld id="{C3F78080-8D0A-4BE8-A5B4-CB115102D524}" type="datetimeFigureOut">
               <a:rPr lang="en-US" smtClean="0"/>
-              <a:t>12/8/2021</a:t>
+              <a:t>3/23/2022</a:t>
             </a:fld>
             <a:endParaRPr lang="en-US"/>
           </a:p>
@@ -3184,7 +4015,7 @@
           <a:p>
             <a:fld id="{C3F78080-8D0A-4BE8-A5B4-CB115102D524}" type="datetimeFigureOut">
               <a:rPr lang="en-US" smtClean="0"/>
-              <a:t>12/8/2021</a:t>
+              <a:t>3/23/2022</a:t>
             </a:fld>
             <a:endParaRPr lang="en-US"/>
           </a:p>
@@ -3449,7 +4280,7 @@
           <a:p>
             <a:fld id="{C3F78080-8D0A-4BE8-A5B4-CB115102D524}" type="datetimeFigureOut">
               <a:rPr lang="en-US" smtClean="0"/>
-              <a:t>12/8/2021</a:t>
+              <a:t>3/23/2022</a:t>
             </a:fld>
             <a:endParaRPr lang="en-US"/>
           </a:p>
@@ -3861,7 +4692,7 @@
           <a:p>
             <a:fld id="{C3F78080-8D0A-4BE8-A5B4-CB115102D524}" type="datetimeFigureOut">
               <a:rPr lang="en-US" smtClean="0"/>
-              <a:t>12/8/2021</a:t>
+              <a:t>3/23/2022</a:t>
             </a:fld>
             <a:endParaRPr lang="en-US"/>
           </a:p>
@@ -4002,7 +4833,7 @@
           <a:p>
             <a:fld id="{C3F78080-8D0A-4BE8-A5B4-CB115102D524}" type="datetimeFigureOut">
               <a:rPr lang="en-US" smtClean="0"/>
-              <a:t>12/8/2021</a:t>
+              <a:t>3/23/2022</a:t>
             </a:fld>
             <a:endParaRPr lang="en-US"/>
           </a:p>
@@ -4115,7 +4946,7 @@
           <a:p>
             <a:fld id="{C3F78080-8D0A-4BE8-A5B4-CB115102D524}" type="datetimeFigureOut">
               <a:rPr lang="en-US" smtClean="0"/>
-              <a:t>12/8/2021</a:t>
+              <a:t>3/23/2022</a:t>
             </a:fld>
             <a:endParaRPr lang="en-US"/>
           </a:p>
@@ -4426,7 +5257,7 @@
           <a:p>
             <a:fld id="{C3F78080-8D0A-4BE8-A5B4-CB115102D524}" type="datetimeFigureOut">
               <a:rPr lang="en-US" smtClean="0"/>
-              <a:t>12/8/2021</a:t>
+              <a:t>3/23/2022</a:t>
             </a:fld>
             <a:endParaRPr lang="en-US"/>
           </a:p>
@@ -4714,7 +5545,7 @@
           <a:p>
             <a:fld id="{C3F78080-8D0A-4BE8-A5B4-CB115102D524}" type="datetimeFigureOut">
               <a:rPr lang="en-US" smtClean="0"/>
-              <a:t>12/8/2021</a:t>
+              <a:t>3/23/2022</a:t>
             </a:fld>
             <a:endParaRPr lang="en-US"/>
           </a:p>
@@ -4955,7 +5786,7 @@
           <a:p>
             <a:fld id="{C3F78080-8D0A-4BE8-A5B4-CB115102D524}" type="datetimeFigureOut">
               <a:rPr lang="en-US" smtClean="0"/>
-              <a:t>12/8/2021</a:t>
+              <a:t>3/23/2022</a:t>
             </a:fld>
             <a:endParaRPr lang="en-US"/>
           </a:p>
@@ -5491,1422 +6322,6 @@
           <p:cNvPr id="3" name="TextBox 2">
             <a:extLst>
               <a:ext uri="{FF2B5EF4-FFF2-40B4-BE49-F238E27FC236}">
-                <a16:creationId xmlns:a16="http://schemas.microsoft.com/office/drawing/2014/main" id="{6722DB1A-F569-46B9-A69B-51E6856EBC43}"/>
-              </a:ext>
-            </a:extLst>
-          </p:cNvPr>
-          <p:cNvSpPr txBox="1"/>
-          <p:nvPr/>
-        </p:nvSpPr>
-        <p:spPr>
-          <a:xfrm>
-            <a:off x="0" y="6550223"/>
-            <a:ext cx="12192000" cy="307777"/>
-          </a:xfrm>
-          <a:prstGeom prst="rect">
-            <a:avLst/>
-          </a:prstGeom>
-          <a:noFill/>
-        </p:spPr>
-        <p:txBody>
-          <a:bodyPr wrap="square" rtlCol="0">
-            <a:spAutoFit/>
-          </a:bodyPr>
-          <a:lstStyle/>
-          <a:p>
-            <a:r>
-              <a:rPr lang="en-US" sz="1400" dirty="0">
-                <a:solidFill>
-                  <a:schemeClr val="tx1">
-                    <a:lumMod val="65000"/>
-                    <a:lumOff val="35000"/>
-                  </a:schemeClr>
-                </a:solidFill>
-                <a:latin typeface="+mj-lt"/>
-                <a:ea typeface="Verdana" panose="020B0604030504040204" pitchFamily="34" charset="0"/>
-              </a:rPr>
-              <a:t>Source: Glassner, A. (2021). </a:t>
-            </a:r>
-            <a:r>
-              <a:rPr lang="en-US" sz="1400" i="1" dirty="0">
-                <a:solidFill>
-                  <a:schemeClr val="tx1">
-                    <a:lumMod val="65000"/>
-                    <a:lumOff val="35000"/>
-                  </a:schemeClr>
-                </a:solidFill>
-                <a:latin typeface="+mj-lt"/>
-                <a:ea typeface="Verdana" panose="020B0604030504040204" pitchFamily="34" charset="0"/>
-              </a:rPr>
-              <a:t>Deep learning: A visual approach</a:t>
-            </a:r>
-            <a:r>
-              <a:rPr lang="en-US" sz="1400" dirty="0">
-                <a:solidFill>
-                  <a:schemeClr val="tx1">
-                    <a:lumMod val="65000"/>
-                    <a:lumOff val="35000"/>
-                  </a:schemeClr>
-                </a:solidFill>
-                <a:latin typeface="+mj-lt"/>
-                <a:ea typeface="Verdana" panose="020B0604030504040204" pitchFamily="34" charset="0"/>
-              </a:rPr>
-              <a:t>. </a:t>
-            </a:r>
-            <a:r>
-              <a:rPr lang="en-US" sz="1400" b="0" i="0" dirty="0">
-                <a:solidFill>
-                  <a:schemeClr val="tx1">
-                    <a:lumMod val="65000"/>
-                    <a:lumOff val="35000"/>
-                  </a:schemeClr>
-                </a:solidFill>
-                <a:effectLst/>
-                <a:latin typeface="+mj-lt"/>
-                <a:ea typeface="Verdana" panose="020B0604030504040204" pitchFamily="34" charset="0"/>
-              </a:rPr>
-              <a:t>San Francisco, CA: No Starch Press. (Chapter </a:t>
-            </a:r>
-            <a:r>
-              <a:rPr lang="en-US" sz="1400" dirty="0">
-                <a:solidFill>
-                  <a:schemeClr val="tx1">
-                    <a:lumMod val="65000"/>
-                    <a:lumOff val="35000"/>
-                  </a:schemeClr>
-                </a:solidFill>
-                <a:latin typeface="+mj-lt"/>
-                <a:ea typeface="Verdana" panose="020B0604030504040204" pitchFamily="34" charset="0"/>
-              </a:rPr>
-              <a:t>20</a:t>
-            </a:r>
-            <a:r>
-              <a:rPr lang="en-US" sz="1400" b="0" i="0" dirty="0">
-                <a:solidFill>
-                  <a:schemeClr val="tx1">
-                    <a:lumMod val="65000"/>
-                    <a:lumOff val="35000"/>
-                  </a:schemeClr>
-                </a:solidFill>
-                <a:effectLst/>
-                <a:latin typeface="+mj-lt"/>
-                <a:ea typeface="Verdana" panose="020B0604030504040204" pitchFamily="34" charset="0"/>
-              </a:rPr>
-              <a:t>)</a:t>
-            </a:r>
-            <a:endParaRPr lang="en-US" sz="1400" dirty="0">
-              <a:solidFill>
-                <a:schemeClr val="tx1">
-                  <a:lumMod val="65000"/>
-                  <a:lumOff val="35000"/>
-                </a:schemeClr>
-              </a:solidFill>
-              <a:latin typeface="+mj-lt"/>
-              <a:ea typeface="Verdana" panose="020B0604030504040204" pitchFamily="34" charset="0"/>
-            </a:endParaRPr>
-          </a:p>
-        </p:txBody>
-      </p:sp>
-      <p:pic>
-        <p:nvPicPr>
-          <p:cNvPr id="5122" name="Picture 2" descr="F20017">
-            <a:extLst>
-              <a:ext uri="{FF2B5EF4-FFF2-40B4-BE49-F238E27FC236}">
-                <a16:creationId xmlns:a16="http://schemas.microsoft.com/office/drawing/2014/main" id="{A2BD3535-EC55-4219-A35C-F22379D1E7CF}"/>
-              </a:ext>
-            </a:extLst>
-          </p:cNvPr>
-          <p:cNvPicPr>
-            <a:picLocks noChangeAspect="1" noChangeArrowheads="1"/>
-          </p:cNvPicPr>
-          <p:nvPr/>
-        </p:nvPicPr>
-        <p:blipFill>
-          <a:blip r:embed="rId3">
-            <a:clrChange>
-              <a:clrFrom>
-                <a:srgbClr val="FFFFFF"/>
-              </a:clrFrom>
-              <a:clrTo>
-                <a:srgbClr val="FFFFFF">
-                  <a:alpha val="0"/>
-                </a:srgbClr>
-              </a:clrTo>
-            </a:clrChange>
-            <a:extLst>
-              <a:ext uri="{28A0092B-C50C-407E-A947-70E740481C1C}">
-                <a14:useLocalDpi xmlns:a14="http://schemas.microsoft.com/office/drawing/2010/main" val="0"/>
-              </a:ext>
-            </a:extLst>
-          </a:blip>
-          <a:srcRect/>
-          <a:stretch>
-            <a:fillRect/>
-          </a:stretch>
-        </p:blipFill>
-        <p:spPr bwMode="auto">
-          <a:xfrm>
-            <a:off x="1916462" y="2971298"/>
-            <a:ext cx="8359075" cy="915403"/>
-          </a:xfrm>
-          <a:prstGeom prst="rect">
-            <a:avLst/>
-          </a:prstGeom>
-          <a:noFill/>
-          <a:extLst>
-            <a:ext uri="{909E8E84-426E-40DD-AFC4-6F175D3DCCD1}">
-              <a14:hiddenFill xmlns:a14="http://schemas.microsoft.com/office/drawing/2010/main">
-                <a:solidFill>
-                  <a:srgbClr val="FFFFFF"/>
-                </a:solidFill>
-              </a14:hiddenFill>
-            </a:ext>
-          </a:extLst>
-        </p:spPr>
-      </p:pic>
-      <p:pic>
-        <p:nvPicPr>
-          <p:cNvPr id="4" name="Picture 3">
-            <a:extLst>
-              <a:ext uri="{FF2B5EF4-FFF2-40B4-BE49-F238E27FC236}">
-                <a16:creationId xmlns:a16="http://schemas.microsoft.com/office/drawing/2014/main" id="{4AA576B4-F2BA-45FB-9C9D-CAEABC2E0F52}"/>
-              </a:ext>
-            </a:extLst>
-          </p:cNvPr>
-          <p:cNvPicPr>
-            <a:picLocks noChangeAspect="1"/>
-          </p:cNvPicPr>
-          <p:nvPr/>
-        </p:nvPicPr>
-        <p:blipFill>
-          <a:blip r:embed="rId4"/>
-          <a:stretch>
-            <a:fillRect/>
-          </a:stretch>
-        </p:blipFill>
-        <p:spPr>
-          <a:xfrm>
-            <a:off x="-113845" y="20775"/>
-            <a:ext cx="2451100" cy="635000"/>
-          </a:xfrm>
-          <a:prstGeom prst="rect">
-            <a:avLst/>
-          </a:prstGeom>
-          <a:effectLst>
-            <a:outerShdw blurRad="50800" dist="38100" dir="2700000" algn="tl" rotWithShape="0">
-              <a:prstClr val="black">
-                <a:alpha val="40000"/>
-              </a:prstClr>
-            </a:outerShdw>
-          </a:effectLst>
-        </p:spPr>
-      </p:pic>
-    </p:spTree>
-    <p:extLst>
-      <p:ext uri="{BB962C8B-B14F-4D97-AF65-F5344CB8AC3E}">
-        <p14:creationId xmlns:p14="http://schemas.microsoft.com/office/powerpoint/2010/main" val="1959335710"/>
-      </p:ext>
-    </p:extLst>
-  </p:cSld>
-  <p:clrMapOvr>
-    <a:masterClrMapping/>
-  </p:clrMapOvr>
-  <mc:AlternateContent xmlns:mc="http://schemas.openxmlformats.org/markup-compatibility/2006" xmlns:p14="http://schemas.microsoft.com/office/powerpoint/2010/main">
-    <mc:Choice Requires="p14">
-      <p:transition spd="med" p14:dur="700">
-        <p:fade/>
-      </p:transition>
-    </mc:Choice>
-    <mc:Fallback xmlns="">
-      <p:transition spd="med">
-        <p:fade/>
-      </p:transition>
-    </mc:Fallback>
-  </mc:AlternateContent>
-</p:sld>
-</file>
-
-<file path=ppt/slides/slide11.xml><?xml version="1.0" encoding="utf-8"?>
-<p:sld xmlns:a="http://schemas.openxmlformats.org/drawingml/2006/main" xmlns:r="http://schemas.openxmlformats.org/officeDocument/2006/relationships" xmlns:p="http://schemas.openxmlformats.org/presentationml/2006/main">
-  <p:cSld>
-    <p:spTree>
-      <p:nvGrpSpPr>
-        <p:cNvPr id="1" name=""/>
-        <p:cNvGrpSpPr/>
-        <p:nvPr/>
-      </p:nvGrpSpPr>
-      <p:grpSpPr>
-        <a:xfrm>
-          <a:off x="0" y="0"/>
-          <a:ext cx="0" cy="0"/>
-          <a:chOff x="0" y="0"/>
-          <a:chExt cx="0" cy="0"/>
-        </a:xfrm>
-      </p:grpSpPr>
-      <p:pic>
-        <p:nvPicPr>
-          <p:cNvPr id="4098" name="Picture 2" descr="F20018">
-            <a:extLst>
-              <a:ext uri="{FF2B5EF4-FFF2-40B4-BE49-F238E27FC236}">
-                <a16:creationId xmlns:a16="http://schemas.microsoft.com/office/drawing/2014/main" id="{9D5C494A-0CBE-4B64-9D77-71FFFC718D89}"/>
-              </a:ext>
-            </a:extLst>
-          </p:cNvPr>
-          <p:cNvPicPr>
-            <a:picLocks noChangeAspect="1" noChangeArrowheads="1"/>
-          </p:cNvPicPr>
-          <p:nvPr/>
-        </p:nvPicPr>
-        <p:blipFill>
-          <a:blip r:embed="rId3">
-            <a:extLst>
-              <a:ext uri="{28A0092B-C50C-407E-A947-70E740481C1C}">
-                <a14:useLocalDpi xmlns:a14="http://schemas.microsoft.com/office/drawing/2010/main" val="0"/>
-              </a:ext>
-            </a:extLst>
-          </a:blip>
-          <a:srcRect/>
-          <a:stretch>
-            <a:fillRect/>
-          </a:stretch>
-        </p:blipFill>
-        <p:spPr bwMode="auto">
-          <a:xfrm>
-            <a:off x="2651828" y="2877302"/>
-            <a:ext cx="6888344" cy="1103396"/>
-          </a:xfrm>
-          <a:prstGeom prst="rect">
-            <a:avLst/>
-          </a:prstGeom>
-          <a:noFill/>
-          <a:extLst>
-            <a:ext uri="{909E8E84-426E-40DD-AFC4-6F175D3DCCD1}">
-              <a14:hiddenFill xmlns:a14="http://schemas.microsoft.com/office/drawing/2010/main">
-                <a:solidFill>
-                  <a:srgbClr val="FFFFFF"/>
-                </a:solidFill>
-              </a14:hiddenFill>
-            </a:ext>
-          </a:extLst>
-        </p:spPr>
-      </p:pic>
-      <p:sp>
-        <p:nvSpPr>
-          <p:cNvPr id="3" name="TextBox 2">
-            <a:extLst>
-              <a:ext uri="{FF2B5EF4-FFF2-40B4-BE49-F238E27FC236}">
-                <a16:creationId xmlns:a16="http://schemas.microsoft.com/office/drawing/2014/main" id="{8B50B82C-A1EF-42B8-9CB8-B057F2C81533}"/>
-              </a:ext>
-            </a:extLst>
-          </p:cNvPr>
-          <p:cNvSpPr txBox="1"/>
-          <p:nvPr/>
-        </p:nvSpPr>
-        <p:spPr>
-          <a:xfrm>
-            <a:off x="0" y="6550223"/>
-            <a:ext cx="12192000" cy="307777"/>
-          </a:xfrm>
-          <a:prstGeom prst="rect">
-            <a:avLst/>
-          </a:prstGeom>
-          <a:noFill/>
-        </p:spPr>
-        <p:txBody>
-          <a:bodyPr wrap="square" rtlCol="0">
-            <a:spAutoFit/>
-          </a:bodyPr>
-          <a:lstStyle/>
-          <a:p>
-            <a:r>
-              <a:rPr lang="en-US" sz="1400" dirty="0">
-                <a:solidFill>
-                  <a:schemeClr val="tx1">
-                    <a:lumMod val="65000"/>
-                    <a:lumOff val="35000"/>
-                  </a:schemeClr>
-                </a:solidFill>
-                <a:latin typeface="+mj-lt"/>
-                <a:ea typeface="Verdana" panose="020B0604030504040204" pitchFamily="34" charset="0"/>
-              </a:rPr>
-              <a:t>Source: Glassner, A. (2021). </a:t>
-            </a:r>
-            <a:r>
-              <a:rPr lang="en-US" sz="1400" i="1" dirty="0">
-                <a:solidFill>
-                  <a:schemeClr val="tx1">
-                    <a:lumMod val="65000"/>
-                    <a:lumOff val="35000"/>
-                  </a:schemeClr>
-                </a:solidFill>
-                <a:latin typeface="+mj-lt"/>
-                <a:ea typeface="Verdana" panose="020B0604030504040204" pitchFamily="34" charset="0"/>
-              </a:rPr>
-              <a:t>Deep learning: A visual approach</a:t>
-            </a:r>
-            <a:r>
-              <a:rPr lang="en-US" sz="1400" dirty="0">
-                <a:solidFill>
-                  <a:schemeClr val="tx1">
-                    <a:lumMod val="65000"/>
-                    <a:lumOff val="35000"/>
-                  </a:schemeClr>
-                </a:solidFill>
-                <a:latin typeface="+mj-lt"/>
-                <a:ea typeface="Verdana" panose="020B0604030504040204" pitchFamily="34" charset="0"/>
-              </a:rPr>
-              <a:t>. </a:t>
-            </a:r>
-            <a:r>
-              <a:rPr lang="en-US" sz="1400" b="0" i="0" dirty="0">
-                <a:solidFill>
-                  <a:schemeClr val="tx1">
-                    <a:lumMod val="65000"/>
-                    <a:lumOff val="35000"/>
-                  </a:schemeClr>
-                </a:solidFill>
-                <a:effectLst/>
-                <a:latin typeface="+mj-lt"/>
-                <a:ea typeface="Verdana" panose="020B0604030504040204" pitchFamily="34" charset="0"/>
-              </a:rPr>
-              <a:t>San Francisco, CA: No Starch Press. (Chapter </a:t>
-            </a:r>
-            <a:r>
-              <a:rPr lang="en-US" sz="1400" dirty="0">
-                <a:solidFill>
-                  <a:schemeClr val="tx1">
-                    <a:lumMod val="65000"/>
-                    <a:lumOff val="35000"/>
-                  </a:schemeClr>
-                </a:solidFill>
-                <a:latin typeface="+mj-lt"/>
-                <a:ea typeface="Verdana" panose="020B0604030504040204" pitchFamily="34" charset="0"/>
-              </a:rPr>
-              <a:t>20</a:t>
-            </a:r>
-            <a:r>
-              <a:rPr lang="en-US" sz="1400" b="0" i="0" dirty="0">
-                <a:solidFill>
-                  <a:schemeClr val="tx1">
-                    <a:lumMod val="65000"/>
-                    <a:lumOff val="35000"/>
-                  </a:schemeClr>
-                </a:solidFill>
-                <a:effectLst/>
-                <a:latin typeface="+mj-lt"/>
-                <a:ea typeface="Verdana" panose="020B0604030504040204" pitchFamily="34" charset="0"/>
-              </a:rPr>
-              <a:t>)</a:t>
-            </a:r>
-            <a:endParaRPr lang="en-US" sz="1400" dirty="0">
-              <a:solidFill>
-                <a:schemeClr val="tx1">
-                  <a:lumMod val="65000"/>
-                  <a:lumOff val="35000"/>
-                </a:schemeClr>
-              </a:solidFill>
-              <a:latin typeface="+mj-lt"/>
-              <a:ea typeface="Verdana" panose="020B0604030504040204" pitchFamily="34" charset="0"/>
-            </a:endParaRPr>
-          </a:p>
-        </p:txBody>
-      </p:sp>
-      <p:pic>
-        <p:nvPicPr>
-          <p:cNvPr id="7" name="Picture 6">
-            <a:extLst>
-              <a:ext uri="{FF2B5EF4-FFF2-40B4-BE49-F238E27FC236}">
-                <a16:creationId xmlns:a16="http://schemas.microsoft.com/office/drawing/2014/main" id="{41EFA874-9B25-4772-88F0-BDE024D1DF70}"/>
-              </a:ext>
-            </a:extLst>
-          </p:cNvPr>
-          <p:cNvPicPr>
-            <a:picLocks noChangeAspect="1"/>
-          </p:cNvPicPr>
-          <p:nvPr/>
-        </p:nvPicPr>
-        <p:blipFill>
-          <a:blip r:embed="rId4"/>
-          <a:stretch>
-            <a:fillRect/>
-          </a:stretch>
-        </p:blipFill>
-        <p:spPr>
-          <a:xfrm>
-            <a:off x="-13855" y="18288"/>
-            <a:ext cx="2260600" cy="635000"/>
-          </a:xfrm>
-          <a:prstGeom prst="rect">
-            <a:avLst/>
-          </a:prstGeom>
-          <a:effectLst>
-            <a:outerShdw blurRad="50800" dist="38100" dir="2700000" algn="tl" rotWithShape="0">
-              <a:prstClr val="black">
-                <a:alpha val="40000"/>
-              </a:prstClr>
-            </a:outerShdw>
-          </a:effectLst>
-        </p:spPr>
-      </p:pic>
-    </p:spTree>
-    <p:extLst>
-      <p:ext uri="{BB962C8B-B14F-4D97-AF65-F5344CB8AC3E}">
-        <p14:creationId xmlns:p14="http://schemas.microsoft.com/office/powerpoint/2010/main" val="1565508497"/>
-      </p:ext>
-    </p:extLst>
-  </p:cSld>
-  <p:clrMapOvr>
-    <a:masterClrMapping/>
-  </p:clrMapOvr>
-  <mc:AlternateContent xmlns:mc="http://schemas.openxmlformats.org/markup-compatibility/2006" xmlns:p14="http://schemas.microsoft.com/office/powerpoint/2010/main">
-    <mc:Choice Requires="p14">
-      <p:transition spd="med" p14:dur="700">
-        <p:fade/>
-      </p:transition>
-    </mc:Choice>
-    <mc:Fallback xmlns="">
-      <p:transition spd="med">
-        <p:fade/>
-      </p:transition>
-    </mc:Fallback>
-  </mc:AlternateContent>
-</p:sld>
-</file>
-
-<file path=ppt/slides/slide12.xml><?xml version="1.0" encoding="utf-8"?>
-<p:sld xmlns:a="http://schemas.openxmlformats.org/drawingml/2006/main" xmlns:r="http://schemas.openxmlformats.org/officeDocument/2006/relationships" xmlns:p="http://schemas.openxmlformats.org/presentationml/2006/main">
-  <p:cSld>
-    <p:spTree>
-      <p:nvGrpSpPr>
-        <p:cNvPr id="1" name=""/>
-        <p:cNvGrpSpPr/>
-        <p:nvPr/>
-      </p:nvGrpSpPr>
-      <p:grpSpPr>
-        <a:xfrm>
-          <a:off x="0" y="0"/>
-          <a:ext cx="0" cy="0"/>
-          <a:chOff x="0" y="0"/>
-          <a:chExt cx="0" cy="0"/>
-        </a:xfrm>
-      </p:grpSpPr>
-      <p:pic>
-        <p:nvPicPr>
-          <p:cNvPr id="2050" name="Picture 2" descr="F20019">
-            <a:extLst>
-              <a:ext uri="{FF2B5EF4-FFF2-40B4-BE49-F238E27FC236}">
-                <a16:creationId xmlns:a16="http://schemas.microsoft.com/office/drawing/2014/main" id="{278DE717-3460-471C-892B-ADDB4FEF92D3}"/>
-              </a:ext>
-            </a:extLst>
-          </p:cNvPr>
-          <p:cNvPicPr>
-            <a:picLocks noChangeAspect="1" noChangeArrowheads="1"/>
-          </p:cNvPicPr>
-          <p:nvPr/>
-        </p:nvPicPr>
-        <p:blipFill>
-          <a:blip r:embed="rId3">
-            <a:clrChange>
-              <a:clrFrom>
-                <a:srgbClr val="FFFFFF"/>
-              </a:clrFrom>
-              <a:clrTo>
-                <a:srgbClr val="FFFFFF">
-                  <a:alpha val="0"/>
-                </a:srgbClr>
-              </a:clrTo>
-            </a:clrChange>
-            <a:extLst>
-              <a:ext uri="{28A0092B-C50C-407E-A947-70E740481C1C}">
-                <a14:useLocalDpi xmlns:a14="http://schemas.microsoft.com/office/drawing/2010/main" val="0"/>
-              </a:ext>
-            </a:extLst>
-          </a:blip>
-          <a:srcRect/>
-          <a:stretch>
-            <a:fillRect/>
-          </a:stretch>
-        </p:blipFill>
-        <p:spPr bwMode="auto">
-          <a:xfrm>
-            <a:off x="1943985" y="1149580"/>
-            <a:ext cx="8304029" cy="4558840"/>
-          </a:xfrm>
-          <a:prstGeom prst="rect">
-            <a:avLst/>
-          </a:prstGeom>
-          <a:noFill/>
-          <a:extLst>
-            <a:ext uri="{909E8E84-426E-40DD-AFC4-6F175D3DCCD1}">
-              <a14:hiddenFill xmlns:a14="http://schemas.microsoft.com/office/drawing/2010/main">
-                <a:solidFill>
-                  <a:srgbClr val="FFFFFF"/>
-                </a:solidFill>
-              </a14:hiddenFill>
-            </a:ext>
-          </a:extLst>
-        </p:spPr>
-      </p:pic>
-      <p:sp>
-        <p:nvSpPr>
-          <p:cNvPr id="3" name="TextBox 2">
-            <a:extLst>
-              <a:ext uri="{FF2B5EF4-FFF2-40B4-BE49-F238E27FC236}">
-                <a16:creationId xmlns:a16="http://schemas.microsoft.com/office/drawing/2014/main" id="{5641137E-43F8-4751-9847-53127A997B90}"/>
-              </a:ext>
-            </a:extLst>
-          </p:cNvPr>
-          <p:cNvSpPr txBox="1"/>
-          <p:nvPr/>
-        </p:nvSpPr>
-        <p:spPr>
-          <a:xfrm>
-            <a:off x="0" y="6550223"/>
-            <a:ext cx="12192000" cy="307777"/>
-          </a:xfrm>
-          <a:prstGeom prst="rect">
-            <a:avLst/>
-          </a:prstGeom>
-          <a:noFill/>
-        </p:spPr>
-        <p:txBody>
-          <a:bodyPr wrap="square" rtlCol="0">
-            <a:spAutoFit/>
-          </a:bodyPr>
-          <a:lstStyle/>
-          <a:p>
-            <a:r>
-              <a:rPr lang="en-US" sz="1400" dirty="0">
-                <a:solidFill>
-                  <a:schemeClr val="tx1">
-                    <a:lumMod val="65000"/>
-                    <a:lumOff val="35000"/>
-                  </a:schemeClr>
-                </a:solidFill>
-                <a:latin typeface="+mj-lt"/>
-                <a:ea typeface="Verdana" panose="020B0604030504040204" pitchFamily="34" charset="0"/>
-              </a:rPr>
-              <a:t>Source: Glassner, A. (2021). </a:t>
-            </a:r>
-            <a:r>
-              <a:rPr lang="en-US" sz="1400" i="1" dirty="0">
-                <a:solidFill>
-                  <a:schemeClr val="tx1">
-                    <a:lumMod val="65000"/>
-                    <a:lumOff val="35000"/>
-                  </a:schemeClr>
-                </a:solidFill>
-                <a:latin typeface="+mj-lt"/>
-                <a:ea typeface="Verdana" panose="020B0604030504040204" pitchFamily="34" charset="0"/>
-              </a:rPr>
-              <a:t>Deep learning: A visual approach</a:t>
-            </a:r>
-            <a:r>
-              <a:rPr lang="en-US" sz="1400" dirty="0">
-                <a:solidFill>
-                  <a:schemeClr val="tx1">
-                    <a:lumMod val="65000"/>
-                    <a:lumOff val="35000"/>
-                  </a:schemeClr>
-                </a:solidFill>
-                <a:latin typeface="+mj-lt"/>
-                <a:ea typeface="Verdana" panose="020B0604030504040204" pitchFamily="34" charset="0"/>
-              </a:rPr>
-              <a:t>. </a:t>
-            </a:r>
-            <a:r>
-              <a:rPr lang="en-US" sz="1400" b="0" i="0" dirty="0">
-                <a:solidFill>
-                  <a:schemeClr val="tx1">
-                    <a:lumMod val="65000"/>
-                    <a:lumOff val="35000"/>
-                  </a:schemeClr>
-                </a:solidFill>
-                <a:effectLst/>
-                <a:latin typeface="+mj-lt"/>
-                <a:ea typeface="Verdana" panose="020B0604030504040204" pitchFamily="34" charset="0"/>
-              </a:rPr>
-              <a:t>San Francisco, CA: No Starch Press. (Chapter </a:t>
-            </a:r>
-            <a:r>
-              <a:rPr lang="en-US" sz="1400" dirty="0">
-                <a:solidFill>
-                  <a:schemeClr val="tx1">
-                    <a:lumMod val="65000"/>
-                    <a:lumOff val="35000"/>
-                  </a:schemeClr>
-                </a:solidFill>
-                <a:latin typeface="+mj-lt"/>
-                <a:ea typeface="Verdana" panose="020B0604030504040204" pitchFamily="34" charset="0"/>
-              </a:rPr>
-              <a:t>20</a:t>
-            </a:r>
-            <a:r>
-              <a:rPr lang="en-US" sz="1400" b="0" i="0" dirty="0">
-                <a:solidFill>
-                  <a:schemeClr val="tx1">
-                    <a:lumMod val="65000"/>
-                    <a:lumOff val="35000"/>
-                  </a:schemeClr>
-                </a:solidFill>
-                <a:effectLst/>
-                <a:latin typeface="+mj-lt"/>
-                <a:ea typeface="Verdana" panose="020B0604030504040204" pitchFamily="34" charset="0"/>
-              </a:rPr>
-              <a:t>)</a:t>
-            </a:r>
-            <a:endParaRPr lang="en-US" sz="1400" dirty="0">
-              <a:solidFill>
-                <a:schemeClr val="tx1">
-                  <a:lumMod val="65000"/>
-                  <a:lumOff val="35000"/>
-                </a:schemeClr>
-              </a:solidFill>
-              <a:latin typeface="+mj-lt"/>
-              <a:ea typeface="Verdana" panose="020B0604030504040204" pitchFamily="34" charset="0"/>
-            </a:endParaRPr>
-          </a:p>
-        </p:txBody>
-      </p:sp>
-      <p:pic>
-        <p:nvPicPr>
-          <p:cNvPr id="4" name="Picture 3">
-            <a:extLst>
-              <a:ext uri="{FF2B5EF4-FFF2-40B4-BE49-F238E27FC236}">
-                <a16:creationId xmlns:a16="http://schemas.microsoft.com/office/drawing/2014/main" id="{3C75B8E9-CCCD-4478-A43A-254159EFE7B4}"/>
-              </a:ext>
-            </a:extLst>
-          </p:cNvPr>
-          <p:cNvPicPr>
-            <a:picLocks noChangeAspect="1"/>
-          </p:cNvPicPr>
-          <p:nvPr/>
-        </p:nvPicPr>
-        <p:blipFill>
-          <a:blip r:embed="rId4"/>
-          <a:stretch>
-            <a:fillRect/>
-          </a:stretch>
-        </p:blipFill>
-        <p:spPr>
-          <a:xfrm>
-            <a:off x="-69275" y="18288"/>
-            <a:ext cx="2755900" cy="635000"/>
-          </a:xfrm>
-          <a:prstGeom prst="rect">
-            <a:avLst/>
-          </a:prstGeom>
-          <a:effectLst>
-            <a:outerShdw blurRad="50800" dist="38100" dir="2700000" algn="tl" rotWithShape="0">
-              <a:prstClr val="black">
-                <a:alpha val="40000"/>
-              </a:prstClr>
-            </a:outerShdw>
-          </a:effectLst>
-        </p:spPr>
-      </p:pic>
-    </p:spTree>
-    <p:extLst>
-      <p:ext uri="{BB962C8B-B14F-4D97-AF65-F5344CB8AC3E}">
-        <p14:creationId xmlns:p14="http://schemas.microsoft.com/office/powerpoint/2010/main" val="3075547736"/>
-      </p:ext>
-    </p:extLst>
-  </p:cSld>
-  <p:clrMapOvr>
-    <a:masterClrMapping/>
-  </p:clrMapOvr>
-  <mc:AlternateContent xmlns:mc="http://schemas.openxmlformats.org/markup-compatibility/2006" xmlns:p14="http://schemas.microsoft.com/office/powerpoint/2010/main">
-    <mc:Choice Requires="p14">
-      <p:transition spd="med" p14:dur="700">
-        <p:fade/>
-      </p:transition>
-    </mc:Choice>
-    <mc:Fallback xmlns="">
-      <p:transition spd="med">
-        <p:fade/>
-      </p:transition>
-    </mc:Fallback>
-  </mc:AlternateContent>
-</p:sld>
-</file>
-
-<file path=ppt/slides/slide13.xml><?xml version="1.0" encoding="utf-8"?>
-<p:sld xmlns:a="http://schemas.openxmlformats.org/drawingml/2006/main" xmlns:r="http://schemas.openxmlformats.org/officeDocument/2006/relationships" xmlns:p="http://schemas.openxmlformats.org/presentationml/2006/main">
-  <p:cSld>
-    <p:spTree>
-      <p:nvGrpSpPr>
-        <p:cNvPr id="1" name=""/>
-        <p:cNvGrpSpPr/>
-        <p:nvPr/>
-      </p:nvGrpSpPr>
-      <p:grpSpPr>
-        <a:xfrm>
-          <a:off x="0" y="0"/>
-          <a:ext cx="0" cy="0"/>
-          <a:chOff x="0" y="0"/>
-          <a:chExt cx="0" cy="0"/>
-        </a:xfrm>
-      </p:grpSpPr>
-      <p:pic>
-        <p:nvPicPr>
-          <p:cNvPr id="3" name="Picture 2">
-            <a:extLst>
-              <a:ext uri="{FF2B5EF4-FFF2-40B4-BE49-F238E27FC236}">
-                <a16:creationId xmlns:a16="http://schemas.microsoft.com/office/drawing/2014/main" id="{88CC7D4C-7D31-4E3C-92F7-200A7C7F587F}"/>
-              </a:ext>
-            </a:extLst>
-          </p:cNvPr>
-          <p:cNvPicPr>
-            <a:picLocks noChangeAspect="1"/>
-          </p:cNvPicPr>
-          <p:nvPr/>
-        </p:nvPicPr>
-        <p:blipFill>
-          <a:blip r:embed="rId3"/>
-          <a:stretch>
-            <a:fillRect/>
-          </a:stretch>
-        </p:blipFill>
-        <p:spPr>
-          <a:xfrm>
-            <a:off x="0" y="365760"/>
-            <a:ext cx="3233668" cy="805144"/>
-          </a:xfrm>
-          <a:prstGeom prst="rect">
-            <a:avLst/>
-          </a:prstGeom>
-        </p:spPr>
-      </p:pic>
-      <p:sp>
-        <p:nvSpPr>
-          <p:cNvPr id="7" name="Title 1">
-            <a:extLst>
-              <a:ext uri="{FF2B5EF4-FFF2-40B4-BE49-F238E27FC236}">
-                <a16:creationId xmlns:a16="http://schemas.microsoft.com/office/drawing/2014/main" id="{C32C41B2-E725-465A-9365-234028BBB37D}"/>
-              </a:ext>
-            </a:extLst>
-          </p:cNvPr>
-          <p:cNvSpPr>
-            <a:spLocks noGrp="1"/>
-          </p:cNvSpPr>
-          <p:nvPr>
-            <p:ph type="title"/>
-          </p:nvPr>
-        </p:nvSpPr>
-        <p:spPr>
-          <a:xfrm>
-            <a:off x="0" y="3125528"/>
-            <a:ext cx="12192000" cy="606943"/>
-          </a:xfrm>
-          <a:noFill/>
-        </p:spPr>
-        <p:txBody>
-          <a:bodyPr>
-            <a:noAutofit/>
-          </a:bodyPr>
-          <a:lstStyle/>
-          <a:p>
-            <a:pPr algn="ctr"/>
-            <a:r>
-              <a:rPr lang="en-US" sz="3600" dirty="0">
-                <a:solidFill>
-                  <a:schemeClr val="tx1">
-                    <a:lumMod val="65000"/>
-                    <a:lumOff val="35000"/>
-                  </a:schemeClr>
-                </a:solidFill>
-                <a:latin typeface="Palatino Linotype" panose="02040502050505030304" pitchFamily="18" charset="0"/>
-              </a:rPr>
-              <a:t>     8.01 (Transformer)</a:t>
-            </a:r>
-            <a:endParaRPr lang="en-US" sz="3600" dirty="0">
-              <a:solidFill>
-                <a:schemeClr val="tx1">
-                  <a:lumMod val="65000"/>
-                  <a:lumOff val="35000"/>
-                </a:schemeClr>
-              </a:solidFill>
-              <a:latin typeface="Palatino Linotype" panose="02040502050505030304" pitchFamily="18" charset="0"/>
-              <a:cs typeface="Segoe UI Light" panose="020B0502040204020203" pitchFamily="34" charset="0"/>
-            </a:endParaRPr>
-          </a:p>
-        </p:txBody>
-      </p:sp>
-    </p:spTree>
-    <p:extLst>
-      <p:ext uri="{BB962C8B-B14F-4D97-AF65-F5344CB8AC3E}">
-        <p14:creationId xmlns:p14="http://schemas.microsoft.com/office/powerpoint/2010/main" val="2261991877"/>
-      </p:ext>
-    </p:extLst>
-  </p:cSld>
-  <p:clrMapOvr>
-    <a:masterClrMapping/>
-  </p:clrMapOvr>
-  <mc:AlternateContent xmlns:mc="http://schemas.openxmlformats.org/markup-compatibility/2006" xmlns:p14="http://schemas.microsoft.com/office/powerpoint/2010/main">
-    <mc:Choice Requires="p14">
-      <p:transition spd="med" p14:dur="700">
-        <p:fade/>
-      </p:transition>
-    </mc:Choice>
-    <mc:Fallback xmlns="">
-      <p:transition spd="med">
-        <p:fade/>
-      </p:transition>
-    </mc:Fallback>
-  </mc:AlternateContent>
-</p:sld>
-</file>
-
-<file path=ppt/slides/slide2.xml><?xml version="1.0" encoding="utf-8"?>
-<p:sld xmlns:a="http://schemas.openxmlformats.org/drawingml/2006/main" xmlns:r="http://schemas.openxmlformats.org/officeDocument/2006/relationships" xmlns:p="http://schemas.openxmlformats.org/presentationml/2006/main">
-  <p:cSld>
-    <p:spTree>
-      <p:nvGrpSpPr>
-        <p:cNvPr id="1" name=""/>
-        <p:cNvGrpSpPr/>
-        <p:nvPr/>
-      </p:nvGrpSpPr>
-      <p:grpSpPr>
-        <a:xfrm>
-          <a:off x="0" y="0"/>
-          <a:ext cx="0" cy="0"/>
-          <a:chOff x="0" y="0"/>
-          <a:chExt cx="0" cy="0"/>
-        </a:xfrm>
-      </p:grpSpPr>
-      <p:sp>
-        <p:nvSpPr>
-          <p:cNvPr id="3" name="TextBox 2">
-            <a:extLst>
-              <a:ext uri="{FF2B5EF4-FFF2-40B4-BE49-F238E27FC236}">
-                <a16:creationId xmlns:a16="http://schemas.microsoft.com/office/drawing/2014/main" id="{C1E53685-A9F7-4FE0-ABDB-9B755F275882}"/>
-              </a:ext>
-            </a:extLst>
-          </p:cNvPr>
-          <p:cNvSpPr txBox="1"/>
-          <p:nvPr/>
-        </p:nvSpPr>
-        <p:spPr>
-          <a:xfrm>
-            <a:off x="0" y="6550223"/>
-            <a:ext cx="12192000" cy="307777"/>
-          </a:xfrm>
-          <a:prstGeom prst="rect">
-            <a:avLst/>
-          </a:prstGeom>
-          <a:noFill/>
-        </p:spPr>
-        <p:txBody>
-          <a:bodyPr wrap="square" rtlCol="0">
-            <a:spAutoFit/>
-          </a:bodyPr>
-          <a:lstStyle/>
-          <a:p>
-            <a:r>
-              <a:rPr lang="en-US" sz="1400" dirty="0">
-                <a:solidFill>
-                  <a:schemeClr val="tx1">
-                    <a:lumMod val="65000"/>
-                    <a:lumOff val="35000"/>
-                  </a:schemeClr>
-                </a:solidFill>
-                <a:latin typeface="+mj-lt"/>
-                <a:ea typeface="Verdana" panose="020B0604030504040204" pitchFamily="34" charset="0"/>
-              </a:rPr>
-              <a:t>Image Credit: </a:t>
-            </a:r>
-            <a:r>
-              <a:rPr lang="en-US" sz="1400" dirty="0">
-                <a:solidFill>
-                  <a:schemeClr val="tx1">
-                    <a:lumMod val="65000"/>
-                    <a:lumOff val="35000"/>
-                  </a:schemeClr>
-                </a:solidFill>
-                <a:latin typeface="+mj-lt"/>
-              </a:rPr>
-              <a:t>https://www.shutterstock.com/search/limit</a:t>
-            </a:r>
-          </a:p>
-        </p:txBody>
-      </p:sp>
-      <p:sp>
-        <p:nvSpPr>
-          <p:cNvPr id="8" name="Title 1">
-            <a:extLst>
-              <a:ext uri="{FF2B5EF4-FFF2-40B4-BE49-F238E27FC236}">
-                <a16:creationId xmlns:a16="http://schemas.microsoft.com/office/drawing/2014/main" id="{195DAE60-9F77-4ED0-836D-1B7F2B48FCA1}"/>
-              </a:ext>
-            </a:extLst>
-          </p:cNvPr>
-          <p:cNvSpPr>
-            <a:spLocks noGrp="1"/>
-          </p:cNvSpPr>
-          <p:nvPr>
-            <p:ph type="title"/>
-          </p:nvPr>
-        </p:nvSpPr>
-        <p:spPr>
-          <a:xfrm>
-            <a:off x="0" y="793808"/>
-            <a:ext cx="12192000" cy="606943"/>
-          </a:xfrm>
-          <a:noFill/>
-        </p:spPr>
-        <p:txBody>
-          <a:bodyPr>
-            <a:noAutofit/>
-          </a:bodyPr>
-          <a:lstStyle/>
-          <a:p>
-            <a:pPr algn="ctr"/>
-            <a:r>
-              <a:rPr lang="en-US" sz="3600" dirty="0">
-                <a:solidFill>
-                  <a:schemeClr val="tx1">
-                    <a:lumMod val="65000"/>
-                    <a:lumOff val="35000"/>
-                  </a:schemeClr>
-                </a:solidFill>
-                <a:latin typeface="Palatino Linotype" panose="02040502050505030304" pitchFamily="18" charset="0"/>
-              </a:rPr>
-              <a:t>Limits of Recurrent Neural Networks</a:t>
-            </a:r>
-            <a:endParaRPr lang="en-US" sz="3600" dirty="0">
-              <a:solidFill>
-                <a:schemeClr val="tx1">
-                  <a:lumMod val="65000"/>
-                  <a:lumOff val="35000"/>
-                </a:schemeClr>
-              </a:solidFill>
-              <a:latin typeface="Palatino Linotype" panose="02040502050505030304" pitchFamily="18" charset="0"/>
-              <a:cs typeface="Segoe UI Light" panose="020B0502040204020203" pitchFamily="34" charset="0"/>
-            </a:endParaRPr>
-          </a:p>
-        </p:txBody>
-      </p:sp>
-      <p:pic>
-        <p:nvPicPr>
-          <p:cNvPr id="4" name="Picture 3" descr="Text&#10;&#10;Description automatically generated">
-            <a:extLst>
-              <a:ext uri="{FF2B5EF4-FFF2-40B4-BE49-F238E27FC236}">
-                <a16:creationId xmlns:a16="http://schemas.microsoft.com/office/drawing/2014/main" id="{AA3BA86B-7925-47BE-8EE7-F5C705D20C00}"/>
-              </a:ext>
-            </a:extLst>
-          </p:cNvPr>
-          <p:cNvPicPr>
-            <a:picLocks noChangeAspect="1"/>
-          </p:cNvPicPr>
-          <p:nvPr/>
-        </p:nvPicPr>
-        <p:blipFill>
-          <a:blip r:embed="rId3">
-            <a:extLst>
-              <a:ext uri="{28A0092B-C50C-407E-A947-70E740481C1C}">
-                <a14:useLocalDpi xmlns:a14="http://schemas.microsoft.com/office/drawing/2010/main" val="0"/>
-              </a:ext>
-            </a:extLst>
-          </a:blip>
-          <a:stretch>
-            <a:fillRect/>
-          </a:stretch>
-        </p:blipFill>
-        <p:spPr>
-          <a:xfrm>
-            <a:off x="4014080" y="2654934"/>
-            <a:ext cx="4163839" cy="2214245"/>
-          </a:xfrm>
-          <a:prstGeom prst="rect">
-            <a:avLst/>
-          </a:prstGeom>
-          <a:effectLst>
-            <a:outerShdw blurRad="50800" dist="38100" dir="2700000" algn="tl" rotWithShape="0">
-              <a:prstClr val="black">
-                <a:alpha val="40000"/>
-              </a:prstClr>
-            </a:outerShdw>
-          </a:effectLst>
-        </p:spPr>
-      </p:pic>
-    </p:spTree>
-    <p:extLst>
-      <p:ext uri="{BB962C8B-B14F-4D97-AF65-F5344CB8AC3E}">
-        <p14:creationId xmlns:p14="http://schemas.microsoft.com/office/powerpoint/2010/main" val="3452552887"/>
-      </p:ext>
-    </p:extLst>
-  </p:cSld>
-  <p:clrMapOvr>
-    <a:masterClrMapping/>
-  </p:clrMapOvr>
-  <mc:AlternateContent xmlns:mc="http://schemas.openxmlformats.org/markup-compatibility/2006" xmlns:p14="http://schemas.microsoft.com/office/powerpoint/2010/main">
-    <mc:Choice Requires="p14">
-      <p:transition spd="med" p14:dur="700">
-        <p:fade/>
-      </p:transition>
-    </mc:Choice>
-    <mc:Fallback xmlns="">
-      <p:transition spd="med">
-        <p:fade/>
-      </p:transition>
-    </mc:Fallback>
-  </mc:AlternateContent>
-</p:sld>
-</file>
-
-<file path=ppt/slides/slide3.xml><?xml version="1.0" encoding="utf-8"?>
-<p:sld xmlns:a="http://schemas.openxmlformats.org/drawingml/2006/main" xmlns:r="http://schemas.openxmlformats.org/officeDocument/2006/relationships" xmlns:p="http://schemas.openxmlformats.org/presentationml/2006/main">
-  <p:cSld>
-    <p:spTree>
-      <p:nvGrpSpPr>
-        <p:cNvPr id="1" name=""/>
-        <p:cNvGrpSpPr/>
-        <p:nvPr/>
-      </p:nvGrpSpPr>
-      <p:grpSpPr>
-        <a:xfrm>
-          <a:off x="0" y="0"/>
-          <a:ext cx="0" cy="0"/>
-          <a:chOff x="0" y="0"/>
-          <a:chExt cx="0" cy="0"/>
-        </a:xfrm>
-      </p:grpSpPr>
-      <p:sp>
-        <p:nvSpPr>
-          <p:cNvPr id="3" name="TextBox 2">
-            <a:extLst>
-              <a:ext uri="{FF2B5EF4-FFF2-40B4-BE49-F238E27FC236}">
-                <a16:creationId xmlns:a16="http://schemas.microsoft.com/office/drawing/2014/main" id="{8DEBDC12-60E8-4CF3-A3D0-2075FBA26C8C}"/>
-              </a:ext>
-            </a:extLst>
-          </p:cNvPr>
-          <p:cNvSpPr txBox="1"/>
-          <p:nvPr/>
-        </p:nvSpPr>
-        <p:spPr>
-          <a:xfrm>
-            <a:off x="0" y="6550223"/>
-            <a:ext cx="12192000" cy="307777"/>
-          </a:xfrm>
-          <a:prstGeom prst="rect">
-            <a:avLst/>
-          </a:prstGeom>
-          <a:noFill/>
-        </p:spPr>
-        <p:txBody>
-          <a:bodyPr wrap="square" rtlCol="0">
-            <a:spAutoFit/>
-          </a:bodyPr>
-          <a:lstStyle/>
-          <a:p>
-            <a:r>
-              <a:rPr lang="en-US" sz="1400" dirty="0">
-                <a:solidFill>
-                  <a:schemeClr val="tx1">
-                    <a:lumMod val="65000"/>
-                    <a:lumOff val="35000"/>
-                  </a:schemeClr>
-                </a:solidFill>
-                <a:latin typeface="+mj-lt"/>
-                <a:ea typeface="Verdana" panose="020B0604030504040204" pitchFamily="34" charset="0"/>
-              </a:rPr>
-              <a:t>Source: Doshi, K. (2020). </a:t>
-            </a:r>
-            <a:r>
-              <a:rPr lang="en-US" sz="1400" i="1" dirty="0">
-                <a:solidFill>
-                  <a:schemeClr val="tx1">
-                    <a:lumMod val="65000"/>
-                    <a:lumOff val="35000"/>
-                  </a:schemeClr>
-                </a:solidFill>
-                <a:latin typeface="+mj-lt"/>
-                <a:ea typeface="Verdana" panose="020B0604030504040204" pitchFamily="34" charset="0"/>
-              </a:rPr>
-              <a:t>https://towardsdatascience.com/transformers-explained-visually-part-1-overview-of-functionality-95a6dd460452</a:t>
-            </a:r>
-            <a:endParaRPr lang="en-US" sz="1400" dirty="0">
-              <a:solidFill>
-                <a:schemeClr val="tx1">
-                  <a:lumMod val="65000"/>
-                  <a:lumOff val="35000"/>
-                </a:schemeClr>
-              </a:solidFill>
-              <a:latin typeface="+mj-lt"/>
-              <a:ea typeface="Verdana" panose="020B0604030504040204" pitchFamily="34" charset="0"/>
-            </a:endParaRPr>
-          </a:p>
-        </p:txBody>
-      </p:sp>
-      <p:pic>
-        <p:nvPicPr>
-          <p:cNvPr id="7170" name="Picture 2">
-            <a:extLst>
-              <a:ext uri="{FF2B5EF4-FFF2-40B4-BE49-F238E27FC236}">
-                <a16:creationId xmlns:a16="http://schemas.microsoft.com/office/drawing/2014/main" id="{E01D43ED-BB64-44A3-8FE0-0C3CD9C11E9C}"/>
-              </a:ext>
-            </a:extLst>
-          </p:cNvPr>
-          <p:cNvPicPr>
-            <a:picLocks noChangeAspect="1" noChangeArrowheads="1"/>
-          </p:cNvPicPr>
-          <p:nvPr/>
-        </p:nvPicPr>
-        <p:blipFill>
-          <a:blip r:embed="rId3">
-            <a:clrChange>
-              <a:clrFrom>
-                <a:srgbClr val="FFFFFF"/>
-              </a:clrFrom>
-              <a:clrTo>
-                <a:srgbClr val="FFFFFF">
-                  <a:alpha val="0"/>
-                </a:srgbClr>
-              </a:clrTo>
-            </a:clrChange>
-            <a:extLst>
-              <a:ext uri="{28A0092B-C50C-407E-A947-70E740481C1C}">
-                <a14:useLocalDpi xmlns:a14="http://schemas.microsoft.com/office/drawing/2010/main" val="0"/>
-              </a:ext>
-            </a:extLst>
-          </a:blip>
-          <a:srcRect/>
-          <a:stretch>
-            <a:fillRect/>
-          </a:stretch>
-        </p:blipFill>
-        <p:spPr bwMode="auto">
-          <a:xfrm>
-            <a:off x="4533900" y="1790700"/>
-            <a:ext cx="3124200" cy="3276600"/>
-          </a:xfrm>
-          <a:prstGeom prst="rect">
-            <a:avLst/>
-          </a:prstGeom>
-          <a:noFill/>
-          <a:extLst>
-            <a:ext uri="{909E8E84-426E-40DD-AFC4-6F175D3DCCD1}">
-              <a14:hiddenFill xmlns:a14="http://schemas.microsoft.com/office/drawing/2010/main">
-                <a:solidFill>
-                  <a:srgbClr val="FFFFFF"/>
-                </a:solidFill>
-              </a14:hiddenFill>
-            </a:ext>
-          </a:extLst>
-        </p:spPr>
-      </p:pic>
-    </p:spTree>
-    <p:extLst>
-      <p:ext uri="{BB962C8B-B14F-4D97-AF65-F5344CB8AC3E}">
-        <p14:creationId xmlns:p14="http://schemas.microsoft.com/office/powerpoint/2010/main" val="3226425761"/>
-      </p:ext>
-    </p:extLst>
-  </p:cSld>
-  <p:clrMapOvr>
-    <a:masterClrMapping/>
-  </p:clrMapOvr>
-  <mc:AlternateContent xmlns:mc="http://schemas.openxmlformats.org/markup-compatibility/2006" xmlns:p14="http://schemas.microsoft.com/office/powerpoint/2010/main">
-    <mc:Choice Requires="p14">
-      <p:transition spd="med" p14:dur="700">
-        <p:fade/>
-      </p:transition>
-    </mc:Choice>
-    <mc:Fallback xmlns="">
-      <p:transition spd="med">
-        <p:fade/>
-      </p:transition>
-    </mc:Fallback>
-  </mc:AlternateContent>
-</p:sld>
-</file>
-
-<file path=ppt/slides/slide4.xml><?xml version="1.0" encoding="utf-8"?>
-<p:sld xmlns:a="http://schemas.openxmlformats.org/drawingml/2006/main" xmlns:r="http://schemas.openxmlformats.org/officeDocument/2006/relationships" xmlns:p="http://schemas.openxmlformats.org/presentationml/2006/main">
-  <p:cSld>
-    <p:spTree>
-      <p:nvGrpSpPr>
-        <p:cNvPr id="1" name=""/>
-        <p:cNvGrpSpPr/>
-        <p:nvPr/>
-      </p:nvGrpSpPr>
-      <p:grpSpPr>
-        <a:xfrm>
-          <a:off x="0" y="0"/>
-          <a:ext cx="0" cy="0"/>
-          <a:chOff x="0" y="0"/>
-          <a:chExt cx="0" cy="0"/>
-        </a:xfrm>
-      </p:grpSpPr>
-      <p:sp>
-        <p:nvSpPr>
-          <p:cNvPr id="3" name="TextBox 2">
-            <a:extLst>
-              <a:ext uri="{FF2B5EF4-FFF2-40B4-BE49-F238E27FC236}">
-                <a16:creationId xmlns:a16="http://schemas.microsoft.com/office/drawing/2014/main" id="{8DEBDC12-60E8-4CF3-A3D0-2075FBA26C8C}"/>
-              </a:ext>
-            </a:extLst>
-          </p:cNvPr>
-          <p:cNvSpPr txBox="1"/>
-          <p:nvPr/>
-        </p:nvSpPr>
-        <p:spPr>
-          <a:xfrm>
-            <a:off x="0" y="6550223"/>
-            <a:ext cx="12192000" cy="307777"/>
-          </a:xfrm>
-          <a:prstGeom prst="rect">
-            <a:avLst/>
-          </a:prstGeom>
-          <a:noFill/>
-        </p:spPr>
-        <p:txBody>
-          <a:bodyPr wrap="square" rtlCol="0">
-            <a:spAutoFit/>
-          </a:bodyPr>
-          <a:lstStyle/>
-          <a:p>
-            <a:r>
-              <a:rPr lang="en-US" sz="1400" dirty="0">
-                <a:solidFill>
-                  <a:schemeClr val="tx1">
-                    <a:lumMod val="65000"/>
-                    <a:lumOff val="35000"/>
-                  </a:schemeClr>
-                </a:solidFill>
-                <a:latin typeface="+mj-lt"/>
-                <a:ea typeface="Verdana" panose="020B0604030504040204" pitchFamily="34" charset="0"/>
-              </a:rPr>
-              <a:t>Source: Doshi, K. (2020). </a:t>
-            </a:r>
-            <a:r>
-              <a:rPr lang="en-US" sz="1400" i="1" dirty="0">
-                <a:solidFill>
-                  <a:schemeClr val="tx1">
-                    <a:lumMod val="65000"/>
-                    <a:lumOff val="35000"/>
-                  </a:schemeClr>
-                </a:solidFill>
-                <a:latin typeface="+mj-lt"/>
-                <a:ea typeface="Verdana" panose="020B0604030504040204" pitchFamily="34" charset="0"/>
-              </a:rPr>
-              <a:t>https://towardsdatascience.com/transformers-explained-visually-part-1-overview-of-functionality-95a6dd460452</a:t>
-            </a:r>
-            <a:endParaRPr lang="en-US" sz="1400" dirty="0">
-              <a:solidFill>
-                <a:schemeClr val="tx1">
-                  <a:lumMod val="65000"/>
-                  <a:lumOff val="35000"/>
-                </a:schemeClr>
-              </a:solidFill>
-              <a:latin typeface="+mj-lt"/>
-              <a:ea typeface="Verdana" panose="020B0604030504040204" pitchFamily="34" charset="0"/>
-            </a:endParaRPr>
-          </a:p>
-        </p:txBody>
-      </p:sp>
-      <p:pic>
-        <p:nvPicPr>
-          <p:cNvPr id="8194" name="Picture 2">
-            <a:extLst>
-              <a:ext uri="{FF2B5EF4-FFF2-40B4-BE49-F238E27FC236}">
-                <a16:creationId xmlns:a16="http://schemas.microsoft.com/office/drawing/2014/main" id="{81BF6FCB-D6D1-407E-AC89-25649CD75FF1}"/>
-              </a:ext>
-            </a:extLst>
-          </p:cNvPr>
-          <p:cNvPicPr>
-            <a:picLocks noChangeAspect="1" noChangeArrowheads="1"/>
-          </p:cNvPicPr>
-          <p:nvPr/>
-        </p:nvPicPr>
-        <p:blipFill>
-          <a:blip r:embed="rId3">
-            <a:clrChange>
-              <a:clrFrom>
-                <a:srgbClr val="FFFFFF"/>
-              </a:clrFrom>
-              <a:clrTo>
-                <a:srgbClr val="FFFFFF">
-                  <a:alpha val="0"/>
-                </a:srgbClr>
-              </a:clrTo>
-            </a:clrChange>
-            <a:extLst>
-              <a:ext uri="{28A0092B-C50C-407E-A947-70E740481C1C}">
-                <a14:useLocalDpi xmlns:a14="http://schemas.microsoft.com/office/drawing/2010/main" val="0"/>
-              </a:ext>
-            </a:extLst>
-          </a:blip>
-          <a:srcRect/>
-          <a:stretch>
-            <a:fillRect/>
-          </a:stretch>
-        </p:blipFill>
-        <p:spPr bwMode="auto">
-          <a:xfrm>
-            <a:off x="3619500" y="523875"/>
-            <a:ext cx="4953000" cy="5810250"/>
-          </a:xfrm>
-          <a:prstGeom prst="rect">
-            <a:avLst/>
-          </a:prstGeom>
-          <a:noFill/>
-          <a:extLst>
-            <a:ext uri="{909E8E84-426E-40DD-AFC4-6F175D3DCCD1}">
-              <a14:hiddenFill xmlns:a14="http://schemas.microsoft.com/office/drawing/2010/main">
-                <a:solidFill>
-                  <a:srgbClr val="FFFFFF"/>
-                </a:solidFill>
-              </a14:hiddenFill>
-            </a:ext>
-          </a:extLst>
-        </p:spPr>
-      </p:pic>
-    </p:spTree>
-    <p:extLst>
-      <p:ext uri="{BB962C8B-B14F-4D97-AF65-F5344CB8AC3E}">
-        <p14:creationId xmlns:p14="http://schemas.microsoft.com/office/powerpoint/2010/main" val="4175513480"/>
-      </p:ext>
-    </p:extLst>
-  </p:cSld>
-  <p:clrMapOvr>
-    <a:masterClrMapping/>
-  </p:clrMapOvr>
-  <mc:AlternateContent xmlns:mc="http://schemas.openxmlformats.org/markup-compatibility/2006" xmlns:p14="http://schemas.microsoft.com/office/powerpoint/2010/main">
-    <mc:Choice Requires="p14">
-      <p:transition spd="med" p14:dur="700">
-        <p:fade/>
-      </p:transition>
-    </mc:Choice>
-    <mc:Fallback xmlns="">
-      <p:transition spd="med">
-        <p:fade/>
-      </p:transition>
-    </mc:Fallback>
-  </mc:AlternateContent>
-</p:sld>
-</file>
-
-<file path=ppt/slides/slide5.xml><?xml version="1.0" encoding="utf-8"?>
-<p:sld xmlns:a="http://schemas.openxmlformats.org/drawingml/2006/main" xmlns:r="http://schemas.openxmlformats.org/officeDocument/2006/relationships" xmlns:p="http://schemas.openxmlformats.org/presentationml/2006/main">
-  <p:cSld>
-    <p:spTree>
-      <p:nvGrpSpPr>
-        <p:cNvPr id="1" name=""/>
-        <p:cNvGrpSpPr/>
-        <p:nvPr/>
-      </p:nvGrpSpPr>
-      <p:grpSpPr>
-        <a:xfrm>
-          <a:off x="0" y="0"/>
-          <a:ext cx="0" cy="0"/>
-          <a:chOff x="0" y="0"/>
-          <a:chExt cx="0" cy="0"/>
-        </a:xfrm>
-      </p:grpSpPr>
-      <p:sp>
-        <p:nvSpPr>
-          <p:cNvPr id="3" name="TextBox 2">
-            <a:extLst>
-              <a:ext uri="{FF2B5EF4-FFF2-40B4-BE49-F238E27FC236}">
                 <a16:creationId xmlns:a16="http://schemas.microsoft.com/office/drawing/2014/main" id="{8DEBDC12-60E8-4CF3-A3D0-2075FBA26C8C}"/>
               </a:ext>
             </a:extLst>
@@ -7179,7 +6594,7 @@
 </p:sld>
 </file>
 
-<file path=ppt/slides/slide6.xml><?xml version="1.0" encoding="utf-8"?>
+<file path=ppt/slides/slide11.xml><?xml version="1.0" encoding="utf-8"?>
 <p:sld xmlns:a="http://schemas.openxmlformats.org/drawingml/2006/main" xmlns:r="http://schemas.openxmlformats.org/officeDocument/2006/relationships" xmlns:p="http://schemas.openxmlformats.org/presentationml/2006/main">
   <p:cSld>
     <p:spTree>
@@ -7345,7 +6760,157 @@
 </p:sld>
 </file>
 
-<file path=ppt/slides/slide7.xml><?xml version="1.0" encoding="utf-8"?>
+<file path=ppt/slides/slide12.xml><?xml version="1.0" encoding="utf-8"?>
+<p:sld xmlns:a="http://schemas.openxmlformats.org/drawingml/2006/main" xmlns:r="http://schemas.openxmlformats.org/officeDocument/2006/relationships" xmlns:p="http://schemas.openxmlformats.org/presentationml/2006/main">
+  <p:cSld>
+    <p:spTree>
+      <p:nvGrpSpPr>
+        <p:cNvPr id="1" name=""/>
+        <p:cNvGrpSpPr/>
+        <p:nvPr/>
+      </p:nvGrpSpPr>
+      <p:grpSpPr>
+        <a:xfrm>
+          <a:off x="0" y="0"/>
+          <a:ext cx="0" cy="0"/>
+          <a:chOff x="0" y="0"/>
+          <a:chExt cx="0" cy="0"/>
+        </a:xfrm>
+      </p:grpSpPr>
+      <p:pic>
+        <p:nvPicPr>
+          <p:cNvPr id="3" name="Picture 2">
+            <a:extLst>
+              <a:ext uri="{FF2B5EF4-FFF2-40B4-BE49-F238E27FC236}">
+                <a16:creationId xmlns:a16="http://schemas.microsoft.com/office/drawing/2014/main" id="{88CC7D4C-7D31-4E3C-92F7-200A7C7F587F}"/>
+              </a:ext>
+            </a:extLst>
+          </p:cNvPr>
+          <p:cNvPicPr>
+            <a:picLocks noChangeAspect="1"/>
+          </p:cNvPicPr>
+          <p:nvPr/>
+        </p:nvPicPr>
+        <p:blipFill>
+          <a:blip r:embed="rId3"/>
+          <a:stretch>
+            <a:fillRect/>
+          </a:stretch>
+        </p:blipFill>
+        <p:spPr>
+          <a:xfrm>
+            <a:off x="0" y="365760"/>
+            <a:ext cx="3233668" cy="805144"/>
+          </a:xfrm>
+          <a:prstGeom prst="rect">
+            <a:avLst/>
+          </a:prstGeom>
+        </p:spPr>
+      </p:pic>
+      <p:sp>
+        <p:nvSpPr>
+          <p:cNvPr id="12" name="Title 1">
+            <a:extLst>
+              <a:ext uri="{FF2B5EF4-FFF2-40B4-BE49-F238E27FC236}">
+                <a16:creationId xmlns:a16="http://schemas.microsoft.com/office/drawing/2014/main" id="{E2FB948E-5ACE-4C88-8B2D-233F4E9F4797}"/>
+              </a:ext>
+            </a:extLst>
+          </p:cNvPr>
+          <p:cNvSpPr>
+            <a:spLocks noGrp="1"/>
+          </p:cNvSpPr>
+          <p:nvPr>
+            <p:ph type="title"/>
+          </p:nvPr>
+        </p:nvSpPr>
+        <p:spPr>
+          <a:xfrm>
+            <a:off x="0" y="2705764"/>
+            <a:ext cx="12192000" cy="1446472"/>
+          </a:xfrm>
+          <a:noFill/>
+        </p:spPr>
+        <p:txBody>
+          <a:bodyPr>
+            <a:noAutofit/>
+          </a:bodyPr>
+          <a:lstStyle/>
+          <a:p>
+            <a:pPr algn="ctr"/>
+            <a:r>
+              <a:rPr lang="en-US" sz="3600" dirty="0">
+                <a:solidFill>
+                  <a:schemeClr val="tx1">
+                    <a:lumMod val="65000"/>
+                    <a:lumOff val="35000"/>
+                  </a:schemeClr>
+                </a:solidFill>
+                <a:latin typeface="Palatino Linotype" panose="02040502050505030304" pitchFamily="18" charset="0"/>
+              </a:rPr>
+              <a:t>Jay Alamaar (Illustrated Transformer)</a:t>
+            </a:r>
+            <a:br>
+              <a:rPr lang="en-US" sz="3600" dirty="0">
+                <a:solidFill>
+                  <a:schemeClr val="tx1">
+                    <a:lumMod val="65000"/>
+                    <a:lumOff val="35000"/>
+                  </a:schemeClr>
+                </a:solidFill>
+                <a:latin typeface="Palatino Linotype" panose="02040502050505030304" pitchFamily="18" charset="0"/>
+              </a:rPr>
+            </a:br>
+            <a:r>
+              <a:rPr lang="en-US" sz="3600" dirty="0">
+                <a:solidFill>
+                  <a:schemeClr val="tx1">
+                    <a:lumMod val="65000"/>
+                    <a:lumOff val="35000"/>
+                  </a:schemeClr>
+                </a:solidFill>
+                <a:latin typeface="Palatino Linotype" panose="02040502050505030304" pitchFamily="18" charset="0"/>
+              </a:rPr>
+              <a:t>01.1_alamaar.ipynb</a:t>
+            </a:r>
+            <a:endParaRPr lang="en-US" sz="3600" dirty="0">
+              <a:solidFill>
+                <a:schemeClr val="tx1">
+                  <a:lumMod val="65000"/>
+                  <a:lumOff val="35000"/>
+                </a:schemeClr>
+              </a:solidFill>
+              <a:latin typeface="Palatino Linotype" panose="02040502050505030304" pitchFamily="18" charset="0"/>
+              <a:cs typeface="Segoe UI Light" panose="020B0502040204020203" pitchFamily="34" charset="0"/>
+            </a:endParaRPr>
+          </a:p>
+        </p:txBody>
+      </p:sp>
+    </p:spTree>
+    <p:extLst>
+      <p:ext uri="{BB962C8B-B14F-4D97-AF65-F5344CB8AC3E}">
+        <p14:creationId xmlns:p14="http://schemas.microsoft.com/office/powerpoint/2010/main" val="2261991877"/>
+      </p:ext>
+    </p:extLst>
+  </p:cSld>
+  <p:clrMapOvr>
+    <a:masterClrMapping/>
+  </p:clrMapOvr>
+  <mc:AlternateContent xmlns:mc="http://schemas.openxmlformats.org/markup-compatibility/2006" xmlns:p14="http://schemas.microsoft.com/office/powerpoint/2010/main">
+    <mc:Choice Requires="p14">
+      <p:transition spd="med" p14:dur="700">
+        <p:fade/>
+      </p:transition>
+    </mc:Choice>
+    <mc:Fallback xmlns="">
+      <p:transition spd="med">
+        <p:fade/>
+      </p:transition>
+    </mc:Fallback>
+  </mc:AlternateContent>
+</p:sld>
+</file>
+
+<file path=ppt/slides/slide13.xml><?xml version="1.0" encoding="utf-8"?>
 <p:sld xmlns:a="http://schemas.openxmlformats.org/drawingml/2006/main" xmlns:r="http://schemas.openxmlformats.org/officeDocument/2006/relationships" xmlns:p="http://schemas.openxmlformats.org/presentationml/2006/main">
   <p:cSld>
     <p:spTree>
@@ -7748,7 +7313,7 @@
 </p:sld>
 </file>
 
-<file path=ppt/slides/slide8.xml><?xml version="1.0" encoding="utf-8"?>
+<file path=ppt/slides/slide14.xml><?xml version="1.0" encoding="utf-8"?>
 <p:sld xmlns:a="http://schemas.openxmlformats.org/drawingml/2006/main" xmlns:r="http://schemas.openxmlformats.org/officeDocument/2006/relationships" xmlns:p="http://schemas.openxmlformats.org/presentationml/2006/main">
   <p:cSld>
     <p:spTree>
@@ -7986,7 +7551,7 @@
 </p:sld>
 </file>
 
-<file path=ppt/slides/slide9.xml><?xml version="1.0" encoding="utf-8"?>
+<file path=ppt/slides/slide15.xml><?xml version="1.0" encoding="utf-8"?>
 <p:sld xmlns:a="http://schemas.openxmlformats.org/drawingml/2006/main" xmlns:r="http://schemas.openxmlformats.org/officeDocument/2006/relationships" xmlns:p="http://schemas.openxmlformats.org/presentationml/2006/main">
   <p:cSld>
     <p:spTree>
@@ -8222,6 +7787,2485 @@
     <p:extLst>
       <p:ext uri="{BB962C8B-B14F-4D97-AF65-F5344CB8AC3E}">
         <p14:creationId xmlns:p14="http://schemas.microsoft.com/office/powerpoint/2010/main" val="3783675430"/>
+      </p:ext>
+    </p:extLst>
+  </p:cSld>
+  <p:clrMapOvr>
+    <a:masterClrMapping/>
+  </p:clrMapOvr>
+  <mc:AlternateContent xmlns:mc="http://schemas.openxmlformats.org/markup-compatibility/2006" xmlns:p14="http://schemas.microsoft.com/office/powerpoint/2010/main">
+    <mc:Choice Requires="p14">
+      <p:transition spd="med" p14:dur="700">
+        <p:fade/>
+      </p:transition>
+    </mc:Choice>
+    <mc:Fallback xmlns="">
+      <p:transition spd="med">
+        <p:fade/>
+      </p:transition>
+    </mc:Fallback>
+  </mc:AlternateContent>
+</p:sld>
+</file>
+
+<file path=ppt/slides/slide16.xml><?xml version="1.0" encoding="utf-8"?>
+<p:sld xmlns:a="http://schemas.openxmlformats.org/drawingml/2006/main" xmlns:r="http://schemas.openxmlformats.org/officeDocument/2006/relationships" xmlns:p="http://schemas.openxmlformats.org/presentationml/2006/main">
+  <p:cSld>
+    <p:spTree>
+      <p:nvGrpSpPr>
+        <p:cNvPr id="1" name=""/>
+        <p:cNvGrpSpPr/>
+        <p:nvPr/>
+      </p:nvGrpSpPr>
+      <p:grpSpPr>
+        <a:xfrm>
+          <a:off x="0" y="0"/>
+          <a:ext cx="0" cy="0"/>
+          <a:chOff x="0" y="0"/>
+          <a:chExt cx="0" cy="0"/>
+        </a:xfrm>
+      </p:grpSpPr>
+      <p:sp>
+        <p:nvSpPr>
+          <p:cNvPr id="3" name="TextBox 2">
+            <a:extLst>
+              <a:ext uri="{FF2B5EF4-FFF2-40B4-BE49-F238E27FC236}">
+                <a16:creationId xmlns:a16="http://schemas.microsoft.com/office/drawing/2014/main" id="{6722DB1A-F569-46B9-A69B-51E6856EBC43}"/>
+              </a:ext>
+            </a:extLst>
+          </p:cNvPr>
+          <p:cNvSpPr txBox="1"/>
+          <p:nvPr/>
+        </p:nvSpPr>
+        <p:spPr>
+          <a:xfrm>
+            <a:off x="0" y="6550223"/>
+            <a:ext cx="12192000" cy="307777"/>
+          </a:xfrm>
+          <a:prstGeom prst="rect">
+            <a:avLst/>
+          </a:prstGeom>
+          <a:noFill/>
+        </p:spPr>
+        <p:txBody>
+          <a:bodyPr wrap="square" rtlCol="0">
+            <a:spAutoFit/>
+          </a:bodyPr>
+          <a:lstStyle/>
+          <a:p>
+            <a:r>
+              <a:rPr lang="en-US" sz="1400" dirty="0">
+                <a:solidFill>
+                  <a:schemeClr val="tx1">
+                    <a:lumMod val="65000"/>
+                    <a:lumOff val="35000"/>
+                  </a:schemeClr>
+                </a:solidFill>
+                <a:latin typeface="+mj-lt"/>
+                <a:ea typeface="Verdana" panose="020B0604030504040204" pitchFamily="34" charset="0"/>
+              </a:rPr>
+              <a:t>Source: Glassner, A. (2021). </a:t>
+            </a:r>
+            <a:r>
+              <a:rPr lang="en-US" sz="1400" i="1" dirty="0">
+                <a:solidFill>
+                  <a:schemeClr val="tx1">
+                    <a:lumMod val="65000"/>
+                    <a:lumOff val="35000"/>
+                  </a:schemeClr>
+                </a:solidFill>
+                <a:latin typeface="+mj-lt"/>
+                <a:ea typeface="Verdana" panose="020B0604030504040204" pitchFamily="34" charset="0"/>
+              </a:rPr>
+              <a:t>Deep learning: A visual approach</a:t>
+            </a:r>
+            <a:r>
+              <a:rPr lang="en-US" sz="1400" dirty="0">
+                <a:solidFill>
+                  <a:schemeClr val="tx1">
+                    <a:lumMod val="65000"/>
+                    <a:lumOff val="35000"/>
+                  </a:schemeClr>
+                </a:solidFill>
+                <a:latin typeface="+mj-lt"/>
+                <a:ea typeface="Verdana" panose="020B0604030504040204" pitchFamily="34" charset="0"/>
+              </a:rPr>
+              <a:t>. </a:t>
+            </a:r>
+            <a:r>
+              <a:rPr lang="en-US" sz="1400" b="0" i="0" dirty="0">
+                <a:solidFill>
+                  <a:schemeClr val="tx1">
+                    <a:lumMod val="65000"/>
+                    <a:lumOff val="35000"/>
+                  </a:schemeClr>
+                </a:solidFill>
+                <a:effectLst/>
+                <a:latin typeface="+mj-lt"/>
+                <a:ea typeface="Verdana" panose="020B0604030504040204" pitchFamily="34" charset="0"/>
+              </a:rPr>
+              <a:t>San Francisco, CA: No Starch Press. (Chapter </a:t>
+            </a:r>
+            <a:r>
+              <a:rPr lang="en-US" sz="1400" dirty="0">
+                <a:solidFill>
+                  <a:schemeClr val="tx1">
+                    <a:lumMod val="65000"/>
+                    <a:lumOff val="35000"/>
+                  </a:schemeClr>
+                </a:solidFill>
+                <a:latin typeface="+mj-lt"/>
+                <a:ea typeface="Verdana" panose="020B0604030504040204" pitchFamily="34" charset="0"/>
+              </a:rPr>
+              <a:t>20</a:t>
+            </a:r>
+            <a:r>
+              <a:rPr lang="en-US" sz="1400" b="0" i="0" dirty="0">
+                <a:solidFill>
+                  <a:schemeClr val="tx1">
+                    <a:lumMod val="65000"/>
+                    <a:lumOff val="35000"/>
+                  </a:schemeClr>
+                </a:solidFill>
+                <a:effectLst/>
+                <a:latin typeface="+mj-lt"/>
+                <a:ea typeface="Verdana" panose="020B0604030504040204" pitchFamily="34" charset="0"/>
+              </a:rPr>
+              <a:t>)</a:t>
+            </a:r>
+            <a:endParaRPr lang="en-US" sz="1400" dirty="0">
+              <a:solidFill>
+                <a:schemeClr val="tx1">
+                  <a:lumMod val="65000"/>
+                  <a:lumOff val="35000"/>
+                </a:schemeClr>
+              </a:solidFill>
+              <a:latin typeface="+mj-lt"/>
+              <a:ea typeface="Verdana" panose="020B0604030504040204" pitchFamily="34" charset="0"/>
+            </a:endParaRPr>
+          </a:p>
+        </p:txBody>
+      </p:sp>
+      <p:pic>
+        <p:nvPicPr>
+          <p:cNvPr id="5122" name="Picture 2" descr="F20017">
+            <a:extLst>
+              <a:ext uri="{FF2B5EF4-FFF2-40B4-BE49-F238E27FC236}">
+                <a16:creationId xmlns:a16="http://schemas.microsoft.com/office/drawing/2014/main" id="{A2BD3535-EC55-4219-A35C-F22379D1E7CF}"/>
+              </a:ext>
+            </a:extLst>
+          </p:cNvPr>
+          <p:cNvPicPr>
+            <a:picLocks noChangeAspect="1" noChangeArrowheads="1"/>
+          </p:cNvPicPr>
+          <p:nvPr/>
+        </p:nvPicPr>
+        <p:blipFill>
+          <a:blip r:embed="rId3">
+            <a:clrChange>
+              <a:clrFrom>
+                <a:srgbClr val="FFFFFF"/>
+              </a:clrFrom>
+              <a:clrTo>
+                <a:srgbClr val="FFFFFF">
+                  <a:alpha val="0"/>
+                </a:srgbClr>
+              </a:clrTo>
+            </a:clrChange>
+            <a:extLst>
+              <a:ext uri="{28A0092B-C50C-407E-A947-70E740481C1C}">
+                <a14:useLocalDpi xmlns:a14="http://schemas.microsoft.com/office/drawing/2010/main" val="0"/>
+              </a:ext>
+            </a:extLst>
+          </a:blip>
+          <a:srcRect/>
+          <a:stretch>
+            <a:fillRect/>
+          </a:stretch>
+        </p:blipFill>
+        <p:spPr bwMode="auto">
+          <a:xfrm>
+            <a:off x="1916462" y="2971298"/>
+            <a:ext cx="8359075" cy="915403"/>
+          </a:xfrm>
+          <a:prstGeom prst="rect">
+            <a:avLst/>
+          </a:prstGeom>
+          <a:noFill/>
+          <a:extLst>
+            <a:ext uri="{909E8E84-426E-40DD-AFC4-6F175D3DCCD1}">
+              <a14:hiddenFill xmlns:a14="http://schemas.microsoft.com/office/drawing/2010/main">
+                <a:solidFill>
+                  <a:srgbClr val="FFFFFF"/>
+                </a:solidFill>
+              </a14:hiddenFill>
+            </a:ext>
+          </a:extLst>
+        </p:spPr>
+      </p:pic>
+      <p:pic>
+        <p:nvPicPr>
+          <p:cNvPr id="4" name="Picture 3">
+            <a:extLst>
+              <a:ext uri="{FF2B5EF4-FFF2-40B4-BE49-F238E27FC236}">
+                <a16:creationId xmlns:a16="http://schemas.microsoft.com/office/drawing/2014/main" id="{4AA576B4-F2BA-45FB-9C9D-CAEABC2E0F52}"/>
+              </a:ext>
+            </a:extLst>
+          </p:cNvPr>
+          <p:cNvPicPr>
+            <a:picLocks noChangeAspect="1"/>
+          </p:cNvPicPr>
+          <p:nvPr/>
+        </p:nvPicPr>
+        <p:blipFill>
+          <a:blip r:embed="rId4"/>
+          <a:stretch>
+            <a:fillRect/>
+          </a:stretch>
+        </p:blipFill>
+        <p:spPr>
+          <a:xfrm>
+            <a:off x="-113845" y="20775"/>
+            <a:ext cx="2451100" cy="635000"/>
+          </a:xfrm>
+          <a:prstGeom prst="rect">
+            <a:avLst/>
+          </a:prstGeom>
+          <a:effectLst>
+            <a:outerShdw blurRad="50800" dist="38100" dir="2700000" algn="tl" rotWithShape="0">
+              <a:prstClr val="black">
+                <a:alpha val="40000"/>
+              </a:prstClr>
+            </a:outerShdw>
+          </a:effectLst>
+        </p:spPr>
+      </p:pic>
+    </p:spTree>
+    <p:extLst>
+      <p:ext uri="{BB962C8B-B14F-4D97-AF65-F5344CB8AC3E}">
+        <p14:creationId xmlns:p14="http://schemas.microsoft.com/office/powerpoint/2010/main" val="1959335710"/>
+      </p:ext>
+    </p:extLst>
+  </p:cSld>
+  <p:clrMapOvr>
+    <a:masterClrMapping/>
+  </p:clrMapOvr>
+  <mc:AlternateContent xmlns:mc="http://schemas.openxmlformats.org/markup-compatibility/2006" xmlns:p14="http://schemas.microsoft.com/office/powerpoint/2010/main">
+    <mc:Choice Requires="p14">
+      <p:transition spd="med" p14:dur="700">
+        <p:fade/>
+      </p:transition>
+    </mc:Choice>
+    <mc:Fallback xmlns="">
+      <p:transition spd="med">
+        <p:fade/>
+      </p:transition>
+    </mc:Fallback>
+  </mc:AlternateContent>
+</p:sld>
+</file>
+
+<file path=ppt/slides/slide17.xml><?xml version="1.0" encoding="utf-8"?>
+<p:sld xmlns:a="http://schemas.openxmlformats.org/drawingml/2006/main" xmlns:r="http://schemas.openxmlformats.org/officeDocument/2006/relationships" xmlns:p="http://schemas.openxmlformats.org/presentationml/2006/main">
+  <p:cSld>
+    <p:spTree>
+      <p:nvGrpSpPr>
+        <p:cNvPr id="1" name=""/>
+        <p:cNvGrpSpPr/>
+        <p:nvPr/>
+      </p:nvGrpSpPr>
+      <p:grpSpPr>
+        <a:xfrm>
+          <a:off x="0" y="0"/>
+          <a:ext cx="0" cy="0"/>
+          <a:chOff x="0" y="0"/>
+          <a:chExt cx="0" cy="0"/>
+        </a:xfrm>
+      </p:grpSpPr>
+      <p:pic>
+        <p:nvPicPr>
+          <p:cNvPr id="4098" name="Picture 2" descr="F20018">
+            <a:extLst>
+              <a:ext uri="{FF2B5EF4-FFF2-40B4-BE49-F238E27FC236}">
+                <a16:creationId xmlns:a16="http://schemas.microsoft.com/office/drawing/2014/main" id="{9D5C494A-0CBE-4B64-9D77-71FFFC718D89}"/>
+              </a:ext>
+            </a:extLst>
+          </p:cNvPr>
+          <p:cNvPicPr>
+            <a:picLocks noChangeAspect="1" noChangeArrowheads="1"/>
+          </p:cNvPicPr>
+          <p:nvPr/>
+        </p:nvPicPr>
+        <p:blipFill>
+          <a:blip r:embed="rId3">
+            <a:extLst>
+              <a:ext uri="{28A0092B-C50C-407E-A947-70E740481C1C}">
+                <a14:useLocalDpi xmlns:a14="http://schemas.microsoft.com/office/drawing/2010/main" val="0"/>
+              </a:ext>
+            </a:extLst>
+          </a:blip>
+          <a:srcRect/>
+          <a:stretch>
+            <a:fillRect/>
+          </a:stretch>
+        </p:blipFill>
+        <p:spPr bwMode="auto">
+          <a:xfrm>
+            <a:off x="2651828" y="2877302"/>
+            <a:ext cx="6888344" cy="1103396"/>
+          </a:xfrm>
+          <a:prstGeom prst="rect">
+            <a:avLst/>
+          </a:prstGeom>
+          <a:noFill/>
+          <a:extLst>
+            <a:ext uri="{909E8E84-426E-40DD-AFC4-6F175D3DCCD1}">
+              <a14:hiddenFill xmlns:a14="http://schemas.microsoft.com/office/drawing/2010/main">
+                <a:solidFill>
+                  <a:srgbClr val="FFFFFF"/>
+                </a:solidFill>
+              </a14:hiddenFill>
+            </a:ext>
+          </a:extLst>
+        </p:spPr>
+      </p:pic>
+      <p:sp>
+        <p:nvSpPr>
+          <p:cNvPr id="3" name="TextBox 2">
+            <a:extLst>
+              <a:ext uri="{FF2B5EF4-FFF2-40B4-BE49-F238E27FC236}">
+                <a16:creationId xmlns:a16="http://schemas.microsoft.com/office/drawing/2014/main" id="{8B50B82C-A1EF-42B8-9CB8-B057F2C81533}"/>
+              </a:ext>
+            </a:extLst>
+          </p:cNvPr>
+          <p:cNvSpPr txBox="1"/>
+          <p:nvPr/>
+        </p:nvSpPr>
+        <p:spPr>
+          <a:xfrm>
+            <a:off x="0" y="6550223"/>
+            <a:ext cx="12192000" cy="307777"/>
+          </a:xfrm>
+          <a:prstGeom prst="rect">
+            <a:avLst/>
+          </a:prstGeom>
+          <a:noFill/>
+        </p:spPr>
+        <p:txBody>
+          <a:bodyPr wrap="square" rtlCol="0">
+            <a:spAutoFit/>
+          </a:bodyPr>
+          <a:lstStyle/>
+          <a:p>
+            <a:r>
+              <a:rPr lang="en-US" sz="1400" dirty="0">
+                <a:solidFill>
+                  <a:schemeClr val="tx1">
+                    <a:lumMod val="65000"/>
+                    <a:lumOff val="35000"/>
+                  </a:schemeClr>
+                </a:solidFill>
+                <a:latin typeface="+mj-lt"/>
+                <a:ea typeface="Verdana" panose="020B0604030504040204" pitchFamily="34" charset="0"/>
+              </a:rPr>
+              <a:t>Source: Glassner, A. (2021). </a:t>
+            </a:r>
+            <a:r>
+              <a:rPr lang="en-US" sz="1400" i="1" dirty="0">
+                <a:solidFill>
+                  <a:schemeClr val="tx1">
+                    <a:lumMod val="65000"/>
+                    <a:lumOff val="35000"/>
+                  </a:schemeClr>
+                </a:solidFill>
+                <a:latin typeface="+mj-lt"/>
+                <a:ea typeface="Verdana" panose="020B0604030504040204" pitchFamily="34" charset="0"/>
+              </a:rPr>
+              <a:t>Deep learning: A visual approach</a:t>
+            </a:r>
+            <a:r>
+              <a:rPr lang="en-US" sz="1400" dirty="0">
+                <a:solidFill>
+                  <a:schemeClr val="tx1">
+                    <a:lumMod val="65000"/>
+                    <a:lumOff val="35000"/>
+                  </a:schemeClr>
+                </a:solidFill>
+                <a:latin typeface="+mj-lt"/>
+                <a:ea typeface="Verdana" panose="020B0604030504040204" pitchFamily="34" charset="0"/>
+              </a:rPr>
+              <a:t>. </a:t>
+            </a:r>
+            <a:r>
+              <a:rPr lang="en-US" sz="1400" b="0" i="0" dirty="0">
+                <a:solidFill>
+                  <a:schemeClr val="tx1">
+                    <a:lumMod val="65000"/>
+                    <a:lumOff val="35000"/>
+                  </a:schemeClr>
+                </a:solidFill>
+                <a:effectLst/>
+                <a:latin typeface="+mj-lt"/>
+                <a:ea typeface="Verdana" panose="020B0604030504040204" pitchFamily="34" charset="0"/>
+              </a:rPr>
+              <a:t>San Francisco, CA: No Starch Press. (Chapter </a:t>
+            </a:r>
+            <a:r>
+              <a:rPr lang="en-US" sz="1400" dirty="0">
+                <a:solidFill>
+                  <a:schemeClr val="tx1">
+                    <a:lumMod val="65000"/>
+                    <a:lumOff val="35000"/>
+                  </a:schemeClr>
+                </a:solidFill>
+                <a:latin typeface="+mj-lt"/>
+                <a:ea typeface="Verdana" panose="020B0604030504040204" pitchFamily="34" charset="0"/>
+              </a:rPr>
+              <a:t>20</a:t>
+            </a:r>
+            <a:r>
+              <a:rPr lang="en-US" sz="1400" b="0" i="0" dirty="0">
+                <a:solidFill>
+                  <a:schemeClr val="tx1">
+                    <a:lumMod val="65000"/>
+                    <a:lumOff val="35000"/>
+                  </a:schemeClr>
+                </a:solidFill>
+                <a:effectLst/>
+                <a:latin typeface="+mj-lt"/>
+                <a:ea typeface="Verdana" panose="020B0604030504040204" pitchFamily="34" charset="0"/>
+              </a:rPr>
+              <a:t>)</a:t>
+            </a:r>
+            <a:endParaRPr lang="en-US" sz="1400" dirty="0">
+              <a:solidFill>
+                <a:schemeClr val="tx1">
+                  <a:lumMod val="65000"/>
+                  <a:lumOff val="35000"/>
+                </a:schemeClr>
+              </a:solidFill>
+              <a:latin typeface="+mj-lt"/>
+              <a:ea typeface="Verdana" panose="020B0604030504040204" pitchFamily="34" charset="0"/>
+            </a:endParaRPr>
+          </a:p>
+        </p:txBody>
+      </p:sp>
+      <p:pic>
+        <p:nvPicPr>
+          <p:cNvPr id="7" name="Picture 6">
+            <a:extLst>
+              <a:ext uri="{FF2B5EF4-FFF2-40B4-BE49-F238E27FC236}">
+                <a16:creationId xmlns:a16="http://schemas.microsoft.com/office/drawing/2014/main" id="{41EFA874-9B25-4772-88F0-BDE024D1DF70}"/>
+              </a:ext>
+            </a:extLst>
+          </p:cNvPr>
+          <p:cNvPicPr>
+            <a:picLocks noChangeAspect="1"/>
+          </p:cNvPicPr>
+          <p:nvPr/>
+        </p:nvPicPr>
+        <p:blipFill>
+          <a:blip r:embed="rId4"/>
+          <a:stretch>
+            <a:fillRect/>
+          </a:stretch>
+        </p:blipFill>
+        <p:spPr>
+          <a:xfrm>
+            <a:off x="-13855" y="18288"/>
+            <a:ext cx="2260600" cy="635000"/>
+          </a:xfrm>
+          <a:prstGeom prst="rect">
+            <a:avLst/>
+          </a:prstGeom>
+          <a:effectLst>
+            <a:outerShdw blurRad="50800" dist="38100" dir="2700000" algn="tl" rotWithShape="0">
+              <a:prstClr val="black">
+                <a:alpha val="40000"/>
+              </a:prstClr>
+            </a:outerShdw>
+          </a:effectLst>
+        </p:spPr>
+      </p:pic>
+    </p:spTree>
+    <p:extLst>
+      <p:ext uri="{BB962C8B-B14F-4D97-AF65-F5344CB8AC3E}">
+        <p14:creationId xmlns:p14="http://schemas.microsoft.com/office/powerpoint/2010/main" val="1565508497"/>
+      </p:ext>
+    </p:extLst>
+  </p:cSld>
+  <p:clrMapOvr>
+    <a:masterClrMapping/>
+  </p:clrMapOvr>
+  <mc:AlternateContent xmlns:mc="http://schemas.openxmlformats.org/markup-compatibility/2006" xmlns:p14="http://schemas.microsoft.com/office/powerpoint/2010/main">
+    <mc:Choice Requires="p14">
+      <p:transition spd="med" p14:dur="700">
+        <p:fade/>
+      </p:transition>
+    </mc:Choice>
+    <mc:Fallback xmlns="">
+      <p:transition spd="med">
+        <p:fade/>
+      </p:transition>
+    </mc:Fallback>
+  </mc:AlternateContent>
+</p:sld>
+</file>
+
+<file path=ppt/slides/slide18.xml><?xml version="1.0" encoding="utf-8"?>
+<p:sld xmlns:a="http://schemas.openxmlformats.org/drawingml/2006/main" xmlns:r="http://schemas.openxmlformats.org/officeDocument/2006/relationships" xmlns:p="http://schemas.openxmlformats.org/presentationml/2006/main">
+  <p:cSld>
+    <p:spTree>
+      <p:nvGrpSpPr>
+        <p:cNvPr id="1" name=""/>
+        <p:cNvGrpSpPr/>
+        <p:nvPr/>
+      </p:nvGrpSpPr>
+      <p:grpSpPr>
+        <a:xfrm>
+          <a:off x="0" y="0"/>
+          <a:ext cx="0" cy="0"/>
+          <a:chOff x="0" y="0"/>
+          <a:chExt cx="0" cy="0"/>
+        </a:xfrm>
+      </p:grpSpPr>
+      <p:pic>
+        <p:nvPicPr>
+          <p:cNvPr id="2050" name="Picture 2" descr="F20019">
+            <a:extLst>
+              <a:ext uri="{FF2B5EF4-FFF2-40B4-BE49-F238E27FC236}">
+                <a16:creationId xmlns:a16="http://schemas.microsoft.com/office/drawing/2014/main" id="{278DE717-3460-471C-892B-ADDB4FEF92D3}"/>
+              </a:ext>
+            </a:extLst>
+          </p:cNvPr>
+          <p:cNvPicPr>
+            <a:picLocks noChangeAspect="1" noChangeArrowheads="1"/>
+          </p:cNvPicPr>
+          <p:nvPr/>
+        </p:nvPicPr>
+        <p:blipFill>
+          <a:blip r:embed="rId3">
+            <a:clrChange>
+              <a:clrFrom>
+                <a:srgbClr val="FFFFFF"/>
+              </a:clrFrom>
+              <a:clrTo>
+                <a:srgbClr val="FFFFFF">
+                  <a:alpha val="0"/>
+                </a:srgbClr>
+              </a:clrTo>
+            </a:clrChange>
+            <a:extLst>
+              <a:ext uri="{28A0092B-C50C-407E-A947-70E740481C1C}">
+                <a14:useLocalDpi xmlns:a14="http://schemas.microsoft.com/office/drawing/2010/main" val="0"/>
+              </a:ext>
+            </a:extLst>
+          </a:blip>
+          <a:srcRect/>
+          <a:stretch>
+            <a:fillRect/>
+          </a:stretch>
+        </p:blipFill>
+        <p:spPr bwMode="auto">
+          <a:xfrm>
+            <a:off x="1943985" y="1149580"/>
+            <a:ext cx="8304029" cy="4558840"/>
+          </a:xfrm>
+          <a:prstGeom prst="rect">
+            <a:avLst/>
+          </a:prstGeom>
+          <a:noFill/>
+          <a:extLst>
+            <a:ext uri="{909E8E84-426E-40DD-AFC4-6F175D3DCCD1}">
+              <a14:hiddenFill xmlns:a14="http://schemas.microsoft.com/office/drawing/2010/main">
+                <a:solidFill>
+                  <a:srgbClr val="FFFFFF"/>
+                </a:solidFill>
+              </a14:hiddenFill>
+            </a:ext>
+          </a:extLst>
+        </p:spPr>
+      </p:pic>
+      <p:sp>
+        <p:nvSpPr>
+          <p:cNvPr id="3" name="TextBox 2">
+            <a:extLst>
+              <a:ext uri="{FF2B5EF4-FFF2-40B4-BE49-F238E27FC236}">
+                <a16:creationId xmlns:a16="http://schemas.microsoft.com/office/drawing/2014/main" id="{5641137E-43F8-4751-9847-53127A997B90}"/>
+              </a:ext>
+            </a:extLst>
+          </p:cNvPr>
+          <p:cNvSpPr txBox="1"/>
+          <p:nvPr/>
+        </p:nvSpPr>
+        <p:spPr>
+          <a:xfrm>
+            <a:off x="0" y="6550223"/>
+            <a:ext cx="12192000" cy="307777"/>
+          </a:xfrm>
+          <a:prstGeom prst="rect">
+            <a:avLst/>
+          </a:prstGeom>
+          <a:noFill/>
+        </p:spPr>
+        <p:txBody>
+          <a:bodyPr wrap="square" rtlCol="0">
+            <a:spAutoFit/>
+          </a:bodyPr>
+          <a:lstStyle/>
+          <a:p>
+            <a:r>
+              <a:rPr lang="en-US" sz="1400" dirty="0">
+                <a:solidFill>
+                  <a:schemeClr val="tx1">
+                    <a:lumMod val="65000"/>
+                    <a:lumOff val="35000"/>
+                  </a:schemeClr>
+                </a:solidFill>
+                <a:latin typeface="+mj-lt"/>
+                <a:ea typeface="Verdana" panose="020B0604030504040204" pitchFamily="34" charset="0"/>
+              </a:rPr>
+              <a:t>Source: Glassner, A. (2021). </a:t>
+            </a:r>
+            <a:r>
+              <a:rPr lang="en-US" sz="1400" i="1" dirty="0">
+                <a:solidFill>
+                  <a:schemeClr val="tx1">
+                    <a:lumMod val="65000"/>
+                    <a:lumOff val="35000"/>
+                  </a:schemeClr>
+                </a:solidFill>
+                <a:latin typeface="+mj-lt"/>
+                <a:ea typeface="Verdana" panose="020B0604030504040204" pitchFamily="34" charset="0"/>
+              </a:rPr>
+              <a:t>Deep learning: A visual approach</a:t>
+            </a:r>
+            <a:r>
+              <a:rPr lang="en-US" sz="1400" dirty="0">
+                <a:solidFill>
+                  <a:schemeClr val="tx1">
+                    <a:lumMod val="65000"/>
+                    <a:lumOff val="35000"/>
+                  </a:schemeClr>
+                </a:solidFill>
+                <a:latin typeface="+mj-lt"/>
+                <a:ea typeface="Verdana" panose="020B0604030504040204" pitchFamily="34" charset="0"/>
+              </a:rPr>
+              <a:t>. </a:t>
+            </a:r>
+            <a:r>
+              <a:rPr lang="en-US" sz="1400" b="0" i="0" dirty="0">
+                <a:solidFill>
+                  <a:schemeClr val="tx1">
+                    <a:lumMod val="65000"/>
+                    <a:lumOff val="35000"/>
+                  </a:schemeClr>
+                </a:solidFill>
+                <a:effectLst/>
+                <a:latin typeface="+mj-lt"/>
+                <a:ea typeface="Verdana" panose="020B0604030504040204" pitchFamily="34" charset="0"/>
+              </a:rPr>
+              <a:t>San Francisco, CA: No Starch Press. (Chapter </a:t>
+            </a:r>
+            <a:r>
+              <a:rPr lang="en-US" sz="1400" dirty="0">
+                <a:solidFill>
+                  <a:schemeClr val="tx1">
+                    <a:lumMod val="65000"/>
+                    <a:lumOff val="35000"/>
+                  </a:schemeClr>
+                </a:solidFill>
+                <a:latin typeface="+mj-lt"/>
+                <a:ea typeface="Verdana" panose="020B0604030504040204" pitchFamily="34" charset="0"/>
+              </a:rPr>
+              <a:t>20</a:t>
+            </a:r>
+            <a:r>
+              <a:rPr lang="en-US" sz="1400" b="0" i="0" dirty="0">
+                <a:solidFill>
+                  <a:schemeClr val="tx1">
+                    <a:lumMod val="65000"/>
+                    <a:lumOff val="35000"/>
+                  </a:schemeClr>
+                </a:solidFill>
+                <a:effectLst/>
+                <a:latin typeface="+mj-lt"/>
+                <a:ea typeface="Verdana" panose="020B0604030504040204" pitchFamily="34" charset="0"/>
+              </a:rPr>
+              <a:t>)</a:t>
+            </a:r>
+            <a:endParaRPr lang="en-US" sz="1400" dirty="0">
+              <a:solidFill>
+                <a:schemeClr val="tx1">
+                  <a:lumMod val="65000"/>
+                  <a:lumOff val="35000"/>
+                </a:schemeClr>
+              </a:solidFill>
+              <a:latin typeface="+mj-lt"/>
+              <a:ea typeface="Verdana" panose="020B0604030504040204" pitchFamily="34" charset="0"/>
+            </a:endParaRPr>
+          </a:p>
+        </p:txBody>
+      </p:sp>
+      <p:pic>
+        <p:nvPicPr>
+          <p:cNvPr id="4" name="Picture 3">
+            <a:extLst>
+              <a:ext uri="{FF2B5EF4-FFF2-40B4-BE49-F238E27FC236}">
+                <a16:creationId xmlns:a16="http://schemas.microsoft.com/office/drawing/2014/main" id="{3C75B8E9-CCCD-4478-A43A-254159EFE7B4}"/>
+              </a:ext>
+            </a:extLst>
+          </p:cNvPr>
+          <p:cNvPicPr>
+            <a:picLocks noChangeAspect="1"/>
+          </p:cNvPicPr>
+          <p:nvPr/>
+        </p:nvPicPr>
+        <p:blipFill>
+          <a:blip r:embed="rId4"/>
+          <a:stretch>
+            <a:fillRect/>
+          </a:stretch>
+        </p:blipFill>
+        <p:spPr>
+          <a:xfrm>
+            <a:off x="-69275" y="18288"/>
+            <a:ext cx="2755900" cy="635000"/>
+          </a:xfrm>
+          <a:prstGeom prst="rect">
+            <a:avLst/>
+          </a:prstGeom>
+          <a:effectLst>
+            <a:outerShdw blurRad="50800" dist="38100" dir="2700000" algn="tl" rotWithShape="0">
+              <a:prstClr val="black">
+                <a:alpha val="40000"/>
+              </a:prstClr>
+            </a:outerShdw>
+          </a:effectLst>
+        </p:spPr>
+      </p:pic>
+    </p:spTree>
+    <p:extLst>
+      <p:ext uri="{BB962C8B-B14F-4D97-AF65-F5344CB8AC3E}">
+        <p14:creationId xmlns:p14="http://schemas.microsoft.com/office/powerpoint/2010/main" val="3075547736"/>
+      </p:ext>
+    </p:extLst>
+  </p:cSld>
+  <p:clrMapOvr>
+    <a:masterClrMapping/>
+  </p:clrMapOvr>
+  <mc:AlternateContent xmlns:mc="http://schemas.openxmlformats.org/markup-compatibility/2006" xmlns:p14="http://schemas.microsoft.com/office/powerpoint/2010/main">
+    <mc:Choice Requires="p14">
+      <p:transition spd="med" p14:dur="700">
+        <p:fade/>
+      </p:transition>
+    </mc:Choice>
+    <mc:Fallback xmlns="">
+      <p:transition spd="med">
+        <p:fade/>
+      </p:transition>
+    </mc:Fallback>
+  </mc:AlternateContent>
+</p:sld>
+</file>
+
+<file path=ppt/slides/slide19.xml><?xml version="1.0" encoding="utf-8"?>
+<p:sld xmlns:a="http://schemas.openxmlformats.org/drawingml/2006/main" xmlns:r="http://schemas.openxmlformats.org/officeDocument/2006/relationships" xmlns:p="http://schemas.openxmlformats.org/presentationml/2006/main">
+  <p:cSld>
+    <p:spTree>
+      <p:nvGrpSpPr>
+        <p:cNvPr id="1" name=""/>
+        <p:cNvGrpSpPr/>
+        <p:nvPr/>
+      </p:nvGrpSpPr>
+      <p:grpSpPr>
+        <a:xfrm>
+          <a:off x="0" y="0"/>
+          <a:ext cx="0" cy="0"/>
+          <a:chOff x="0" y="0"/>
+          <a:chExt cx="0" cy="0"/>
+        </a:xfrm>
+      </p:grpSpPr>
+      <p:pic>
+        <p:nvPicPr>
+          <p:cNvPr id="3" name="Picture 2">
+            <a:extLst>
+              <a:ext uri="{FF2B5EF4-FFF2-40B4-BE49-F238E27FC236}">
+                <a16:creationId xmlns:a16="http://schemas.microsoft.com/office/drawing/2014/main" id="{88CC7D4C-7D31-4E3C-92F7-200A7C7F587F}"/>
+              </a:ext>
+            </a:extLst>
+          </p:cNvPr>
+          <p:cNvPicPr>
+            <a:picLocks noChangeAspect="1"/>
+          </p:cNvPicPr>
+          <p:nvPr/>
+        </p:nvPicPr>
+        <p:blipFill>
+          <a:blip r:embed="rId3"/>
+          <a:stretch>
+            <a:fillRect/>
+          </a:stretch>
+        </p:blipFill>
+        <p:spPr>
+          <a:xfrm>
+            <a:off x="0" y="365760"/>
+            <a:ext cx="3233668" cy="805144"/>
+          </a:xfrm>
+          <a:prstGeom prst="rect">
+            <a:avLst/>
+          </a:prstGeom>
+        </p:spPr>
+      </p:pic>
+      <p:sp>
+        <p:nvSpPr>
+          <p:cNvPr id="12" name="Title 1">
+            <a:extLst>
+              <a:ext uri="{FF2B5EF4-FFF2-40B4-BE49-F238E27FC236}">
+                <a16:creationId xmlns:a16="http://schemas.microsoft.com/office/drawing/2014/main" id="{E2FB948E-5ACE-4C88-8B2D-233F4E9F4797}"/>
+              </a:ext>
+            </a:extLst>
+          </p:cNvPr>
+          <p:cNvSpPr>
+            <a:spLocks noGrp="1"/>
+          </p:cNvSpPr>
+          <p:nvPr>
+            <p:ph type="title"/>
+          </p:nvPr>
+        </p:nvSpPr>
+        <p:spPr>
+          <a:xfrm>
+            <a:off x="0" y="2705764"/>
+            <a:ext cx="12192000" cy="1446472"/>
+          </a:xfrm>
+          <a:noFill/>
+        </p:spPr>
+        <p:txBody>
+          <a:bodyPr>
+            <a:noAutofit/>
+          </a:bodyPr>
+          <a:lstStyle/>
+          <a:p>
+            <a:pPr algn="ctr"/>
+            <a:r>
+              <a:rPr lang="en-US" sz="3600" dirty="0">
+                <a:solidFill>
+                  <a:schemeClr val="tx1">
+                    <a:lumMod val="65000"/>
+                    <a:lumOff val="35000"/>
+                  </a:schemeClr>
+                </a:solidFill>
+                <a:latin typeface="Palatino Linotype" panose="02040502050505030304" pitchFamily="18" charset="0"/>
+              </a:rPr>
+              <a:t>Emotion Detector</a:t>
+            </a:r>
+            <a:br>
+              <a:rPr lang="en-US" sz="3600" dirty="0">
+                <a:solidFill>
+                  <a:schemeClr val="tx1">
+                    <a:lumMod val="65000"/>
+                    <a:lumOff val="35000"/>
+                  </a:schemeClr>
+                </a:solidFill>
+                <a:latin typeface="Palatino Linotype" panose="02040502050505030304" pitchFamily="18" charset="0"/>
+              </a:rPr>
+            </a:br>
+            <a:r>
+              <a:rPr lang="en-US" sz="3600" dirty="0">
+                <a:solidFill>
+                  <a:schemeClr val="tx1">
+                    <a:lumMod val="65000"/>
+                    <a:lumOff val="35000"/>
+                  </a:schemeClr>
+                </a:solidFill>
+                <a:latin typeface="Palatino Linotype" panose="02040502050505030304" pitchFamily="18" charset="0"/>
+              </a:rPr>
+              <a:t>01.2_emotion_detector.ipynb</a:t>
+            </a:r>
+            <a:endParaRPr lang="en-US" sz="3600" dirty="0">
+              <a:solidFill>
+                <a:schemeClr val="tx1">
+                  <a:lumMod val="65000"/>
+                  <a:lumOff val="35000"/>
+                </a:schemeClr>
+              </a:solidFill>
+              <a:latin typeface="Palatino Linotype" panose="02040502050505030304" pitchFamily="18" charset="0"/>
+              <a:cs typeface="Segoe UI Light" panose="020B0502040204020203" pitchFamily="34" charset="0"/>
+            </a:endParaRPr>
+          </a:p>
+        </p:txBody>
+      </p:sp>
+    </p:spTree>
+    <p:extLst>
+      <p:ext uri="{BB962C8B-B14F-4D97-AF65-F5344CB8AC3E}">
+        <p14:creationId xmlns:p14="http://schemas.microsoft.com/office/powerpoint/2010/main" val="1595263659"/>
+      </p:ext>
+    </p:extLst>
+  </p:cSld>
+  <p:clrMapOvr>
+    <a:masterClrMapping/>
+  </p:clrMapOvr>
+  <mc:AlternateContent xmlns:mc="http://schemas.openxmlformats.org/markup-compatibility/2006" xmlns:p14="http://schemas.microsoft.com/office/powerpoint/2010/main">
+    <mc:Choice Requires="p14">
+      <p:transition spd="med" p14:dur="700">
+        <p:fade/>
+      </p:transition>
+    </mc:Choice>
+    <mc:Fallback xmlns="">
+      <p:transition spd="med">
+        <p:fade/>
+      </p:transition>
+    </mc:Fallback>
+  </mc:AlternateContent>
+</p:sld>
+</file>
+
+<file path=ppt/slides/slide2.xml><?xml version="1.0" encoding="utf-8"?>
+<p:sld xmlns:a="http://schemas.openxmlformats.org/drawingml/2006/main" xmlns:r="http://schemas.openxmlformats.org/officeDocument/2006/relationships" xmlns:p="http://schemas.openxmlformats.org/presentationml/2006/main">
+  <p:cSld>
+    <p:spTree>
+      <p:nvGrpSpPr>
+        <p:cNvPr id="1" name=""/>
+        <p:cNvGrpSpPr/>
+        <p:nvPr/>
+      </p:nvGrpSpPr>
+      <p:grpSpPr>
+        <a:xfrm>
+          <a:off x="0" y="0"/>
+          <a:ext cx="0" cy="0"/>
+          <a:chOff x="0" y="0"/>
+          <a:chExt cx="0" cy="0"/>
+        </a:xfrm>
+      </p:grpSpPr>
+      <p:sp>
+        <p:nvSpPr>
+          <p:cNvPr id="3" name="TextBox 2">
+            <a:extLst>
+              <a:ext uri="{FF2B5EF4-FFF2-40B4-BE49-F238E27FC236}">
+                <a16:creationId xmlns:a16="http://schemas.microsoft.com/office/drawing/2014/main" id="{C1E53685-A9F7-4FE0-ABDB-9B755F275882}"/>
+              </a:ext>
+            </a:extLst>
+          </p:cNvPr>
+          <p:cNvSpPr txBox="1"/>
+          <p:nvPr/>
+        </p:nvSpPr>
+        <p:spPr>
+          <a:xfrm>
+            <a:off x="0" y="6550223"/>
+            <a:ext cx="12192000" cy="307777"/>
+          </a:xfrm>
+          <a:prstGeom prst="rect">
+            <a:avLst/>
+          </a:prstGeom>
+          <a:noFill/>
+        </p:spPr>
+        <p:txBody>
+          <a:bodyPr wrap="square" rtlCol="0">
+            <a:spAutoFit/>
+          </a:bodyPr>
+          <a:lstStyle/>
+          <a:p>
+            <a:r>
+              <a:rPr lang="en-US" sz="1400" dirty="0">
+                <a:solidFill>
+                  <a:schemeClr val="tx1">
+                    <a:lumMod val="65000"/>
+                    <a:lumOff val="35000"/>
+                  </a:schemeClr>
+                </a:solidFill>
+                <a:latin typeface="+mj-lt"/>
+                <a:ea typeface="Verdana" panose="020B0604030504040204" pitchFamily="34" charset="0"/>
+              </a:rPr>
+              <a:t>Image Credit: </a:t>
+            </a:r>
+            <a:r>
+              <a:rPr lang="en-US" sz="1400" dirty="0">
+                <a:solidFill>
+                  <a:schemeClr val="tx1">
+                    <a:lumMod val="65000"/>
+                    <a:lumOff val="35000"/>
+                  </a:schemeClr>
+                </a:solidFill>
+                <a:latin typeface="+mj-lt"/>
+              </a:rPr>
+              <a:t>https://www.shutterstock.com/search/limit</a:t>
+            </a:r>
+          </a:p>
+        </p:txBody>
+      </p:sp>
+      <p:sp>
+        <p:nvSpPr>
+          <p:cNvPr id="8" name="Title 1">
+            <a:extLst>
+              <a:ext uri="{FF2B5EF4-FFF2-40B4-BE49-F238E27FC236}">
+                <a16:creationId xmlns:a16="http://schemas.microsoft.com/office/drawing/2014/main" id="{195DAE60-9F77-4ED0-836D-1B7F2B48FCA1}"/>
+              </a:ext>
+            </a:extLst>
+          </p:cNvPr>
+          <p:cNvSpPr>
+            <a:spLocks noGrp="1"/>
+          </p:cNvSpPr>
+          <p:nvPr>
+            <p:ph type="title"/>
+          </p:nvPr>
+        </p:nvSpPr>
+        <p:spPr>
+          <a:xfrm>
+            <a:off x="0" y="793808"/>
+            <a:ext cx="12192000" cy="606943"/>
+          </a:xfrm>
+          <a:noFill/>
+        </p:spPr>
+        <p:txBody>
+          <a:bodyPr>
+            <a:noAutofit/>
+          </a:bodyPr>
+          <a:lstStyle/>
+          <a:p>
+            <a:pPr algn="ctr"/>
+            <a:r>
+              <a:rPr lang="en-US" sz="3600" dirty="0">
+                <a:solidFill>
+                  <a:schemeClr val="tx1">
+                    <a:lumMod val="65000"/>
+                    <a:lumOff val="35000"/>
+                  </a:schemeClr>
+                </a:solidFill>
+                <a:latin typeface="Palatino Linotype" panose="02040502050505030304" pitchFamily="18" charset="0"/>
+              </a:rPr>
+              <a:t>Limits of Recurrent Neural Networks</a:t>
+            </a:r>
+            <a:endParaRPr lang="en-US" sz="3600" dirty="0">
+              <a:solidFill>
+                <a:schemeClr val="tx1">
+                  <a:lumMod val="65000"/>
+                  <a:lumOff val="35000"/>
+                </a:schemeClr>
+              </a:solidFill>
+              <a:latin typeface="Palatino Linotype" panose="02040502050505030304" pitchFamily="18" charset="0"/>
+              <a:cs typeface="Segoe UI Light" panose="020B0502040204020203" pitchFamily="34" charset="0"/>
+            </a:endParaRPr>
+          </a:p>
+        </p:txBody>
+      </p:sp>
+      <p:pic>
+        <p:nvPicPr>
+          <p:cNvPr id="4" name="Picture 3" descr="Text&#10;&#10;Description automatically generated">
+            <a:extLst>
+              <a:ext uri="{FF2B5EF4-FFF2-40B4-BE49-F238E27FC236}">
+                <a16:creationId xmlns:a16="http://schemas.microsoft.com/office/drawing/2014/main" id="{AA3BA86B-7925-47BE-8EE7-F5C705D20C00}"/>
+              </a:ext>
+            </a:extLst>
+          </p:cNvPr>
+          <p:cNvPicPr>
+            <a:picLocks noChangeAspect="1"/>
+          </p:cNvPicPr>
+          <p:nvPr/>
+        </p:nvPicPr>
+        <p:blipFill>
+          <a:blip r:embed="rId3">
+            <a:extLst>
+              <a:ext uri="{28A0092B-C50C-407E-A947-70E740481C1C}">
+                <a14:useLocalDpi xmlns:a14="http://schemas.microsoft.com/office/drawing/2010/main" val="0"/>
+              </a:ext>
+            </a:extLst>
+          </a:blip>
+          <a:stretch>
+            <a:fillRect/>
+          </a:stretch>
+        </p:blipFill>
+        <p:spPr>
+          <a:xfrm>
+            <a:off x="4014080" y="2654934"/>
+            <a:ext cx="4163839" cy="2214245"/>
+          </a:xfrm>
+          <a:prstGeom prst="rect">
+            <a:avLst/>
+          </a:prstGeom>
+          <a:effectLst>
+            <a:outerShdw blurRad="50800" dist="38100" dir="2700000" algn="tl" rotWithShape="0">
+              <a:prstClr val="black">
+                <a:alpha val="40000"/>
+              </a:prstClr>
+            </a:outerShdw>
+          </a:effectLst>
+        </p:spPr>
+      </p:pic>
+    </p:spTree>
+    <p:extLst>
+      <p:ext uri="{BB962C8B-B14F-4D97-AF65-F5344CB8AC3E}">
+        <p14:creationId xmlns:p14="http://schemas.microsoft.com/office/powerpoint/2010/main" val="3452552887"/>
+      </p:ext>
+    </p:extLst>
+  </p:cSld>
+  <p:clrMapOvr>
+    <a:masterClrMapping/>
+  </p:clrMapOvr>
+  <mc:AlternateContent xmlns:mc="http://schemas.openxmlformats.org/markup-compatibility/2006" xmlns:p14="http://schemas.microsoft.com/office/powerpoint/2010/main">
+    <mc:Choice Requires="p14">
+      <p:transition spd="med" p14:dur="700">
+        <p:fade/>
+      </p:transition>
+    </mc:Choice>
+    <mc:Fallback xmlns="">
+      <p:transition spd="med">
+        <p:fade/>
+      </p:transition>
+    </mc:Fallback>
+  </mc:AlternateContent>
+</p:sld>
+</file>
+
+<file path=ppt/slides/slide3.xml><?xml version="1.0" encoding="utf-8"?>
+<p:sld xmlns:a="http://schemas.openxmlformats.org/drawingml/2006/main" xmlns:r="http://schemas.openxmlformats.org/officeDocument/2006/relationships" xmlns:p="http://schemas.openxmlformats.org/presentationml/2006/main">
+  <p:cSld>
+    <p:spTree>
+      <p:nvGrpSpPr>
+        <p:cNvPr id="1" name=""/>
+        <p:cNvGrpSpPr/>
+        <p:nvPr/>
+      </p:nvGrpSpPr>
+      <p:grpSpPr>
+        <a:xfrm>
+          <a:off x="0" y="0"/>
+          <a:ext cx="0" cy="0"/>
+          <a:chOff x="0" y="0"/>
+          <a:chExt cx="0" cy="0"/>
+        </a:xfrm>
+      </p:grpSpPr>
+      <p:pic>
+        <p:nvPicPr>
+          <p:cNvPr id="1026" name="Picture 2" descr="rnn">
+            <a:extLst>
+              <a:ext uri="{FF2B5EF4-FFF2-40B4-BE49-F238E27FC236}">
+                <a16:creationId xmlns:a16="http://schemas.microsoft.com/office/drawing/2014/main" id="{561207FA-3A34-4741-93B0-069226A91387}"/>
+              </a:ext>
+            </a:extLst>
+          </p:cNvPr>
+          <p:cNvPicPr>
+            <a:picLocks noChangeAspect="1" noChangeArrowheads="1"/>
+          </p:cNvPicPr>
+          <p:nvPr/>
+        </p:nvPicPr>
+        <p:blipFill>
+          <a:blip r:embed="rId3">
+            <a:extLst>
+              <a:ext uri="{28A0092B-C50C-407E-A947-70E740481C1C}">
+                <a14:useLocalDpi xmlns:a14="http://schemas.microsoft.com/office/drawing/2010/main" val="0"/>
+              </a:ext>
+            </a:extLst>
+          </a:blip>
+          <a:srcRect/>
+          <a:stretch>
+            <a:fillRect/>
+          </a:stretch>
+        </p:blipFill>
+        <p:spPr bwMode="auto">
+          <a:xfrm>
+            <a:off x="2419251" y="2240184"/>
+            <a:ext cx="7353498" cy="2377631"/>
+          </a:xfrm>
+          <a:prstGeom prst="rect">
+            <a:avLst/>
+          </a:prstGeom>
+          <a:noFill/>
+          <a:extLst>
+            <a:ext uri="{909E8E84-426E-40DD-AFC4-6F175D3DCCD1}">
+              <a14:hiddenFill xmlns:a14="http://schemas.microsoft.com/office/drawing/2010/main">
+                <a:solidFill>
+                  <a:srgbClr val="FFFFFF"/>
+                </a:solidFill>
+              </a14:hiddenFill>
+            </a:ext>
+          </a:extLst>
+        </p:spPr>
+      </p:pic>
+      <p:sp>
+        <p:nvSpPr>
+          <p:cNvPr id="8" name="TextBox 7">
+            <a:extLst>
+              <a:ext uri="{FF2B5EF4-FFF2-40B4-BE49-F238E27FC236}">
+                <a16:creationId xmlns:a16="http://schemas.microsoft.com/office/drawing/2014/main" id="{63A07B37-0A00-4021-BDD3-1302B867EFEA}"/>
+              </a:ext>
+            </a:extLst>
+          </p:cNvPr>
+          <p:cNvSpPr txBox="1"/>
+          <p:nvPr/>
+        </p:nvSpPr>
+        <p:spPr>
+          <a:xfrm>
+            <a:off x="0" y="6550223"/>
+            <a:ext cx="12192000" cy="307777"/>
+          </a:xfrm>
+          <a:prstGeom prst="rect">
+            <a:avLst/>
+          </a:prstGeom>
+          <a:noFill/>
+        </p:spPr>
+        <p:txBody>
+          <a:bodyPr wrap="square" rtlCol="0">
+            <a:spAutoFit/>
+          </a:bodyPr>
+          <a:lstStyle/>
+          <a:p>
+            <a:r>
+              <a:rPr lang="en-US" sz="1400" dirty="0">
+                <a:solidFill>
+                  <a:schemeClr val="tx1">
+                    <a:lumMod val="65000"/>
+                    <a:lumOff val="35000"/>
+                  </a:schemeClr>
+                </a:solidFill>
+                <a:latin typeface="+mj-lt"/>
+                <a:ea typeface="Verdana" panose="020B0604030504040204" pitchFamily="34" charset="0"/>
+              </a:rPr>
+              <a:t>Source: Tunstall, L., et al (2022). </a:t>
+            </a:r>
+            <a:r>
+              <a:rPr lang="en-US" sz="1400" i="1" dirty="0">
+                <a:solidFill>
+                  <a:schemeClr val="tx1">
+                    <a:lumMod val="65000"/>
+                    <a:lumOff val="35000"/>
+                  </a:schemeClr>
+                </a:solidFill>
+                <a:latin typeface="+mj-lt"/>
+                <a:ea typeface="Verdana" panose="020B0604030504040204" pitchFamily="34" charset="0"/>
+              </a:rPr>
+              <a:t>Natural Language Processing with Transformers</a:t>
+            </a:r>
+            <a:r>
+              <a:rPr lang="en-US" sz="1400" dirty="0">
+                <a:solidFill>
+                  <a:schemeClr val="tx1">
+                    <a:lumMod val="65000"/>
+                    <a:lumOff val="35000"/>
+                  </a:schemeClr>
+                </a:solidFill>
+                <a:latin typeface="+mj-lt"/>
+                <a:ea typeface="Verdana" panose="020B0604030504040204" pitchFamily="34" charset="0"/>
+              </a:rPr>
+              <a:t>. </a:t>
+            </a:r>
+            <a:r>
+              <a:rPr lang="en-US" sz="1400" b="0" i="0" dirty="0">
+                <a:solidFill>
+                  <a:schemeClr val="tx1">
+                    <a:lumMod val="65000"/>
+                    <a:lumOff val="35000"/>
+                  </a:schemeClr>
+                </a:solidFill>
+                <a:effectLst/>
+                <a:latin typeface="+mj-lt"/>
+                <a:ea typeface="Verdana" panose="020B0604030504040204" pitchFamily="34" charset="0"/>
+              </a:rPr>
+              <a:t>Sebastopol, CA: </a:t>
+            </a:r>
+            <a:r>
+              <a:rPr lang="en-US" sz="1400" dirty="0">
+                <a:solidFill>
+                  <a:schemeClr val="tx1">
+                    <a:lumMod val="65000"/>
+                    <a:lumOff val="35000"/>
+                  </a:schemeClr>
+                </a:solidFill>
+                <a:latin typeface="+mj-lt"/>
+                <a:ea typeface="Verdana" panose="020B0604030504040204" pitchFamily="34" charset="0"/>
+              </a:rPr>
+              <a:t>O’Reilly Publishing</a:t>
+            </a:r>
+            <a:r>
+              <a:rPr lang="en-US" sz="1400" b="0" i="0" dirty="0">
+                <a:solidFill>
+                  <a:schemeClr val="tx1">
+                    <a:lumMod val="65000"/>
+                    <a:lumOff val="35000"/>
+                  </a:schemeClr>
+                </a:solidFill>
+                <a:effectLst/>
+                <a:latin typeface="+mj-lt"/>
+                <a:ea typeface="Verdana" panose="020B0604030504040204" pitchFamily="34" charset="0"/>
+              </a:rPr>
+              <a:t>. (Chapter 1)</a:t>
+            </a:r>
+            <a:endParaRPr lang="en-US" sz="1400" dirty="0">
+              <a:solidFill>
+                <a:schemeClr val="tx1">
+                  <a:lumMod val="65000"/>
+                  <a:lumOff val="35000"/>
+                </a:schemeClr>
+              </a:solidFill>
+              <a:latin typeface="+mj-lt"/>
+              <a:ea typeface="Verdana" panose="020B0604030504040204" pitchFamily="34" charset="0"/>
+            </a:endParaRPr>
+          </a:p>
+        </p:txBody>
+      </p:sp>
+    </p:spTree>
+    <p:extLst>
+      <p:ext uri="{BB962C8B-B14F-4D97-AF65-F5344CB8AC3E}">
+        <p14:creationId xmlns:p14="http://schemas.microsoft.com/office/powerpoint/2010/main" val="1123888976"/>
+      </p:ext>
+    </p:extLst>
+  </p:cSld>
+  <p:clrMapOvr>
+    <a:masterClrMapping/>
+  </p:clrMapOvr>
+  <mc:AlternateContent xmlns:mc="http://schemas.openxmlformats.org/markup-compatibility/2006" xmlns:p14="http://schemas.microsoft.com/office/powerpoint/2010/main">
+    <mc:Choice Requires="p14">
+      <p:transition spd="med" p14:dur="700">
+        <p:fade/>
+      </p:transition>
+    </mc:Choice>
+    <mc:Fallback xmlns="">
+      <p:transition spd="med">
+        <p:fade/>
+      </p:transition>
+    </mc:Fallback>
+  </mc:AlternateContent>
+</p:sld>
+</file>
+
+<file path=ppt/slides/slide4.xml><?xml version="1.0" encoding="utf-8"?>
+<p:sld xmlns:a="http://schemas.openxmlformats.org/drawingml/2006/main" xmlns:r="http://schemas.openxmlformats.org/officeDocument/2006/relationships" xmlns:p="http://schemas.openxmlformats.org/presentationml/2006/main">
+  <p:cSld>
+    <p:spTree>
+      <p:nvGrpSpPr>
+        <p:cNvPr id="1" name=""/>
+        <p:cNvGrpSpPr/>
+        <p:nvPr/>
+      </p:nvGrpSpPr>
+      <p:grpSpPr>
+        <a:xfrm>
+          <a:off x="0" y="0"/>
+          <a:ext cx="0" cy="0"/>
+          <a:chOff x="0" y="0"/>
+          <a:chExt cx="0" cy="0"/>
+        </a:xfrm>
+      </p:grpSpPr>
+      <p:pic>
+        <p:nvPicPr>
+          <p:cNvPr id="2050" name="Picture 2" descr="enc-dec">
+            <a:extLst>
+              <a:ext uri="{FF2B5EF4-FFF2-40B4-BE49-F238E27FC236}">
+                <a16:creationId xmlns:a16="http://schemas.microsoft.com/office/drawing/2014/main" id="{3932E7A2-AC74-4616-8E73-8BE6E621CA05}"/>
+              </a:ext>
+            </a:extLst>
+          </p:cNvPr>
+          <p:cNvPicPr>
+            <a:picLocks noChangeAspect="1" noChangeArrowheads="1"/>
+          </p:cNvPicPr>
+          <p:nvPr/>
+        </p:nvPicPr>
+        <p:blipFill>
+          <a:blip r:embed="rId3">
+            <a:extLst>
+              <a:ext uri="{28A0092B-C50C-407E-A947-70E740481C1C}">
+                <a14:useLocalDpi xmlns:a14="http://schemas.microsoft.com/office/drawing/2010/main" val="0"/>
+              </a:ext>
+            </a:extLst>
+          </a:blip>
+          <a:srcRect/>
+          <a:stretch>
+            <a:fillRect/>
+          </a:stretch>
+        </p:blipFill>
+        <p:spPr bwMode="auto">
+          <a:xfrm>
+            <a:off x="2304409" y="1925002"/>
+            <a:ext cx="7583181" cy="3007995"/>
+          </a:xfrm>
+          <a:prstGeom prst="rect">
+            <a:avLst/>
+          </a:prstGeom>
+          <a:noFill/>
+          <a:extLst>
+            <a:ext uri="{909E8E84-426E-40DD-AFC4-6F175D3DCCD1}">
+              <a14:hiddenFill xmlns:a14="http://schemas.microsoft.com/office/drawing/2010/main">
+                <a:solidFill>
+                  <a:srgbClr val="FFFFFF"/>
+                </a:solidFill>
+              </a14:hiddenFill>
+            </a:ext>
+          </a:extLst>
+        </p:spPr>
+      </p:pic>
+      <p:sp>
+        <p:nvSpPr>
+          <p:cNvPr id="4" name="TextBox 3">
+            <a:extLst>
+              <a:ext uri="{FF2B5EF4-FFF2-40B4-BE49-F238E27FC236}">
+                <a16:creationId xmlns:a16="http://schemas.microsoft.com/office/drawing/2014/main" id="{62096B2A-7B7D-4F4B-B458-A97B0FDB961D}"/>
+              </a:ext>
+            </a:extLst>
+          </p:cNvPr>
+          <p:cNvSpPr txBox="1"/>
+          <p:nvPr/>
+        </p:nvSpPr>
+        <p:spPr>
+          <a:xfrm>
+            <a:off x="0" y="6550223"/>
+            <a:ext cx="12192000" cy="307777"/>
+          </a:xfrm>
+          <a:prstGeom prst="rect">
+            <a:avLst/>
+          </a:prstGeom>
+          <a:noFill/>
+        </p:spPr>
+        <p:txBody>
+          <a:bodyPr wrap="square" rtlCol="0">
+            <a:spAutoFit/>
+          </a:bodyPr>
+          <a:lstStyle/>
+          <a:p>
+            <a:r>
+              <a:rPr lang="en-US" sz="1400" dirty="0">
+                <a:solidFill>
+                  <a:schemeClr val="tx1">
+                    <a:lumMod val="65000"/>
+                    <a:lumOff val="35000"/>
+                  </a:schemeClr>
+                </a:solidFill>
+                <a:latin typeface="+mj-lt"/>
+                <a:ea typeface="Verdana" panose="020B0604030504040204" pitchFamily="34" charset="0"/>
+              </a:rPr>
+              <a:t>Source: Tunstall, L., et al (2022). </a:t>
+            </a:r>
+            <a:r>
+              <a:rPr lang="en-US" sz="1400" i="1" dirty="0">
+                <a:solidFill>
+                  <a:schemeClr val="tx1">
+                    <a:lumMod val="65000"/>
+                    <a:lumOff val="35000"/>
+                  </a:schemeClr>
+                </a:solidFill>
+                <a:latin typeface="+mj-lt"/>
+                <a:ea typeface="Verdana" panose="020B0604030504040204" pitchFamily="34" charset="0"/>
+              </a:rPr>
+              <a:t>Natural Language Processing with Transformers</a:t>
+            </a:r>
+            <a:r>
+              <a:rPr lang="en-US" sz="1400" dirty="0">
+                <a:solidFill>
+                  <a:schemeClr val="tx1">
+                    <a:lumMod val="65000"/>
+                    <a:lumOff val="35000"/>
+                  </a:schemeClr>
+                </a:solidFill>
+                <a:latin typeface="+mj-lt"/>
+                <a:ea typeface="Verdana" panose="020B0604030504040204" pitchFamily="34" charset="0"/>
+              </a:rPr>
+              <a:t>. </a:t>
+            </a:r>
+            <a:r>
+              <a:rPr lang="en-US" sz="1400" b="0" i="0" dirty="0">
+                <a:solidFill>
+                  <a:schemeClr val="tx1">
+                    <a:lumMod val="65000"/>
+                    <a:lumOff val="35000"/>
+                  </a:schemeClr>
+                </a:solidFill>
+                <a:effectLst/>
+                <a:latin typeface="+mj-lt"/>
+                <a:ea typeface="Verdana" panose="020B0604030504040204" pitchFamily="34" charset="0"/>
+              </a:rPr>
+              <a:t>Sebastopol, CA: </a:t>
+            </a:r>
+            <a:r>
+              <a:rPr lang="en-US" sz="1400" dirty="0">
+                <a:solidFill>
+                  <a:schemeClr val="tx1">
+                    <a:lumMod val="65000"/>
+                    <a:lumOff val="35000"/>
+                  </a:schemeClr>
+                </a:solidFill>
+                <a:latin typeface="+mj-lt"/>
+                <a:ea typeface="Verdana" panose="020B0604030504040204" pitchFamily="34" charset="0"/>
+              </a:rPr>
+              <a:t>O’Reilly Publishing</a:t>
+            </a:r>
+            <a:r>
+              <a:rPr lang="en-US" sz="1400" b="0" i="0" dirty="0">
+                <a:solidFill>
+                  <a:schemeClr val="tx1">
+                    <a:lumMod val="65000"/>
+                    <a:lumOff val="35000"/>
+                  </a:schemeClr>
+                </a:solidFill>
+                <a:effectLst/>
+                <a:latin typeface="+mj-lt"/>
+                <a:ea typeface="Verdana" panose="020B0604030504040204" pitchFamily="34" charset="0"/>
+              </a:rPr>
+              <a:t>. (Chapter 1)</a:t>
+            </a:r>
+            <a:endParaRPr lang="en-US" sz="1400" dirty="0">
+              <a:solidFill>
+                <a:schemeClr val="tx1">
+                  <a:lumMod val="65000"/>
+                  <a:lumOff val="35000"/>
+                </a:schemeClr>
+              </a:solidFill>
+              <a:latin typeface="+mj-lt"/>
+              <a:ea typeface="Verdana" panose="020B0604030504040204" pitchFamily="34" charset="0"/>
+            </a:endParaRPr>
+          </a:p>
+        </p:txBody>
+      </p:sp>
+    </p:spTree>
+    <p:extLst>
+      <p:ext uri="{BB962C8B-B14F-4D97-AF65-F5344CB8AC3E}">
+        <p14:creationId xmlns:p14="http://schemas.microsoft.com/office/powerpoint/2010/main" val="2431498119"/>
+      </p:ext>
+    </p:extLst>
+  </p:cSld>
+  <p:clrMapOvr>
+    <a:masterClrMapping/>
+  </p:clrMapOvr>
+  <mc:AlternateContent xmlns:mc="http://schemas.openxmlformats.org/markup-compatibility/2006" xmlns:p14="http://schemas.microsoft.com/office/powerpoint/2010/main">
+    <mc:Choice Requires="p14">
+      <p:transition spd="med" p14:dur="700">
+        <p:fade/>
+      </p:transition>
+    </mc:Choice>
+    <mc:Fallback xmlns="">
+      <p:transition spd="med">
+        <p:fade/>
+      </p:transition>
+    </mc:Fallback>
+  </mc:AlternateContent>
+</p:sld>
+</file>
+
+<file path=ppt/slides/slide5.xml><?xml version="1.0" encoding="utf-8"?>
+<p:sld xmlns:a="http://schemas.openxmlformats.org/drawingml/2006/main" xmlns:r="http://schemas.openxmlformats.org/officeDocument/2006/relationships" xmlns:p="http://schemas.openxmlformats.org/presentationml/2006/main">
+  <p:cSld>
+    <p:spTree>
+      <p:nvGrpSpPr>
+        <p:cNvPr id="1" name=""/>
+        <p:cNvGrpSpPr/>
+        <p:nvPr/>
+      </p:nvGrpSpPr>
+      <p:grpSpPr>
+        <a:xfrm>
+          <a:off x="0" y="0"/>
+          <a:ext cx="0" cy="0"/>
+          <a:chOff x="0" y="0"/>
+          <a:chExt cx="0" cy="0"/>
+        </a:xfrm>
+      </p:grpSpPr>
+      <p:pic>
+        <p:nvPicPr>
+          <p:cNvPr id="3074" name="Picture 2" descr="enc-dec-attn">
+            <a:extLst>
+              <a:ext uri="{FF2B5EF4-FFF2-40B4-BE49-F238E27FC236}">
+                <a16:creationId xmlns:a16="http://schemas.microsoft.com/office/drawing/2014/main" id="{98BF0F41-68AA-47FF-87F3-A5D3498B354D}"/>
+              </a:ext>
+            </a:extLst>
+          </p:cNvPr>
+          <p:cNvPicPr>
+            <a:picLocks noChangeAspect="1" noChangeArrowheads="1"/>
+          </p:cNvPicPr>
+          <p:nvPr/>
+        </p:nvPicPr>
+        <p:blipFill>
+          <a:blip r:embed="rId3">
+            <a:extLst>
+              <a:ext uri="{28A0092B-C50C-407E-A947-70E740481C1C}">
+                <a14:useLocalDpi xmlns:a14="http://schemas.microsoft.com/office/drawing/2010/main" val="0"/>
+              </a:ext>
+            </a:extLst>
+          </a:blip>
+          <a:srcRect/>
+          <a:stretch>
+            <a:fillRect/>
+          </a:stretch>
+        </p:blipFill>
+        <p:spPr bwMode="auto">
+          <a:xfrm>
+            <a:off x="2141220" y="2017871"/>
+            <a:ext cx="8509318" cy="2822257"/>
+          </a:xfrm>
+          <a:prstGeom prst="rect">
+            <a:avLst/>
+          </a:prstGeom>
+          <a:noFill/>
+          <a:extLst>
+            <a:ext uri="{909E8E84-426E-40DD-AFC4-6F175D3DCCD1}">
+              <a14:hiddenFill xmlns:a14="http://schemas.microsoft.com/office/drawing/2010/main">
+                <a:solidFill>
+                  <a:srgbClr val="FFFFFF"/>
+                </a:solidFill>
+              </a14:hiddenFill>
+            </a:ext>
+          </a:extLst>
+        </p:spPr>
+      </p:pic>
+      <p:sp>
+        <p:nvSpPr>
+          <p:cNvPr id="4" name="TextBox 3">
+            <a:extLst>
+              <a:ext uri="{FF2B5EF4-FFF2-40B4-BE49-F238E27FC236}">
+                <a16:creationId xmlns:a16="http://schemas.microsoft.com/office/drawing/2014/main" id="{E68231EB-C41F-4AD0-B92A-E44172E5F22B}"/>
+              </a:ext>
+            </a:extLst>
+          </p:cNvPr>
+          <p:cNvSpPr txBox="1"/>
+          <p:nvPr/>
+        </p:nvSpPr>
+        <p:spPr>
+          <a:xfrm>
+            <a:off x="0" y="6550223"/>
+            <a:ext cx="12192000" cy="307777"/>
+          </a:xfrm>
+          <a:prstGeom prst="rect">
+            <a:avLst/>
+          </a:prstGeom>
+          <a:noFill/>
+        </p:spPr>
+        <p:txBody>
+          <a:bodyPr wrap="square" rtlCol="0">
+            <a:spAutoFit/>
+          </a:bodyPr>
+          <a:lstStyle/>
+          <a:p>
+            <a:r>
+              <a:rPr lang="en-US" sz="1400" dirty="0">
+                <a:solidFill>
+                  <a:schemeClr val="tx1">
+                    <a:lumMod val="65000"/>
+                    <a:lumOff val="35000"/>
+                  </a:schemeClr>
+                </a:solidFill>
+                <a:latin typeface="+mj-lt"/>
+                <a:ea typeface="Verdana" panose="020B0604030504040204" pitchFamily="34" charset="0"/>
+              </a:rPr>
+              <a:t>Source: Tunstall, L., et al (2022). </a:t>
+            </a:r>
+            <a:r>
+              <a:rPr lang="en-US" sz="1400" i="1" dirty="0">
+                <a:solidFill>
+                  <a:schemeClr val="tx1">
+                    <a:lumMod val="65000"/>
+                    <a:lumOff val="35000"/>
+                  </a:schemeClr>
+                </a:solidFill>
+                <a:latin typeface="+mj-lt"/>
+                <a:ea typeface="Verdana" panose="020B0604030504040204" pitchFamily="34" charset="0"/>
+              </a:rPr>
+              <a:t>Natural Language Processing with Transformers</a:t>
+            </a:r>
+            <a:r>
+              <a:rPr lang="en-US" sz="1400" dirty="0">
+                <a:solidFill>
+                  <a:schemeClr val="tx1">
+                    <a:lumMod val="65000"/>
+                    <a:lumOff val="35000"/>
+                  </a:schemeClr>
+                </a:solidFill>
+                <a:latin typeface="+mj-lt"/>
+                <a:ea typeface="Verdana" panose="020B0604030504040204" pitchFamily="34" charset="0"/>
+              </a:rPr>
+              <a:t>. </a:t>
+            </a:r>
+            <a:r>
+              <a:rPr lang="en-US" sz="1400" b="0" i="0" dirty="0">
+                <a:solidFill>
+                  <a:schemeClr val="tx1">
+                    <a:lumMod val="65000"/>
+                    <a:lumOff val="35000"/>
+                  </a:schemeClr>
+                </a:solidFill>
+                <a:effectLst/>
+                <a:latin typeface="+mj-lt"/>
+                <a:ea typeface="Verdana" panose="020B0604030504040204" pitchFamily="34" charset="0"/>
+              </a:rPr>
+              <a:t>Sebastopol, CA: </a:t>
+            </a:r>
+            <a:r>
+              <a:rPr lang="en-US" sz="1400" dirty="0">
+                <a:solidFill>
+                  <a:schemeClr val="tx1">
+                    <a:lumMod val="65000"/>
+                    <a:lumOff val="35000"/>
+                  </a:schemeClr>
+                </a:solidFill>
+                <a:latin typeface="+mj-lt"/>
+                <a:ea typeface="Verdana" panose="020B0604030504040204" pitchFamily="34" charset="0"/>
+              </a:rPr>
+              <a:t>O’Reilly Publishing</a:t>
+            </a:r>
+            <a:r>
+              <a:rPr lang="en-US" sz="1400" b="0" i="0" dirty="0">
+                <a:solidFill>
+                  <a:schemeClr val="tx1">
+                    <a:lumMod val="65000"/>
+                    <a:lumOff val="35000"/>
+                  </a:schemeClr>
+                </a:solidFill>
+                <a:effectLst/>
+                <a:latin typeface="+mj-lt"/>
+                <a:ea typeface="Verdana" panose="020B0604030504040204" pitchFamily="34" charset="0"/>
+              </a:rPr>
+              <a:t>. (Chapter 1)</a:t>
+            </a:r>
+            <a:endParaRPr lang="en-US" sz="1400" dirty="0">
+              <a:solidFill>
+                <a:schemeClr val="tx1">
+                  <a:lumMod val="65000"/>
+                  <a:lumOff val="35000"/>
+                </a:schemeClr>
+              </a:solidFill>
+              <a:latin typeface="+mj-lt"/>
+              <a:ea typeface="Verdana" panose="020B0604030504040204" pitchFamily="34" charset="0"/>
+            </a:endParaRPr>
+          </a:p>
+        </p:txBody>
+      </p:sp>
+    </p:spTree>
+    <p:extLst>
+      <p:ext uri="{BB962C8B-B14F-4D97-AF65-F5344CB8AC3E}">
+        <p14:creationId xmlns:p14="http://schemas.microsoft.com/office/powerpoint/2010/main" val="1677845898"/>
+      </p:ext>
+    </p:extLst>
+  </p:cSld>
+  <p:clrMapOvr>
+    <a:masterClrMapping/>
+  </p:clrMapOvr>
+  <mc:AlternateContent xmlns:mc="http://schemas.openxmlformats.org/markup-compatibility/2006" xmlns:p14="http://schemas.microsoft.com/office/powerpoint/2010/main">
+    <mc:Choice Requires="p14">
+      <p:transition spd="med" p14:dur="700">
+        <p:fade/>
+      </p:transition>
+    </mc:Choice>
+    <mc:Fallback xmlns="">
+      <p:transition spd="med">
+        <p:fade/>
+      </p:transition>
+    </mc:Fallback>
+  </mc:AlternateContent>
+</p:sld>
+</file>
+
+<file path=ppt/slides/slide6.xml><?xml version="1.0" encoding="utf-8"?>
+<p:sld xmlns:a="http://schemas.openxmlformats.org/drawingml/2006/main" xmlns:r="http://schemas.openxmlformats.org/officeDocument/2006/relationships" xmlns:p="http://schemas.openxmlformats.org/presentationml/2006/main">
+  <p:cSld>
+    <p:spTree>
+      <p:nvGrpSpPr>
+        <p:cNvPr id="1" name=""/>
+        <p:cNvGrpSpPr/>
+        <p:nvPr/>
+      </p:nvGrpSpPr>
+      <p:grpSpPr>
+        <a:xfrm>
+          <a:off x="0" y="0"/>
+          <a:ext cx="0" cy="0"/>
+          <a:chOff x="0" y="0"/>
+          <a:chExt cx="0" cy="0"/>
+        </a:xfrm>
+      </p:grpSpPr>
+      <p:pic>
+        <p:nvPicPr>
+          <p:cNvPr id="4098" name="Picture 2" descr="transformer-self-attn">
+            <a:extLst>
+              <a:ext uri="{FF2B5EF4-FFF2-40B4-BE49-F238E27FC236}">
+                <a16:creationId xmlns:a16="http://schemas.microsoft.com/office/drawing/2014/main" id="{E48BEBC0-7E08-4B16-BA46-BE71D8FF1C97}"/>
+              </a:ext>
+            </a:extLst>
+          </p:cNvPr>
+          <p:cNvPicPr>
+            <a:picLocks noChangeAspect="1" noChangeArrowheads="1"/>
+          </p:cNvPicPr>
+          <p:nvPr/>
+        </p:nvPicPr>
+        <p:blipFill>
+          <a:blip r:embed="rId3">
+            <a:extLst>
+              <a:ext uri="{28A0092B-C50C-407E-A947-70E740481C1C}">
+                <a14:useLocalDpi xmlns:a14="http://schemas.microsoft.com/office/drawing/2010/main" val="0"/>
+              </a:ext>
+            </a:extLst>
+          </a:blip>
+          <a:srcRect/>
+          <a:stretch>
+            <a:fillRect/>
+          </a:stretch>
+        </p:blipFill>
+        <p:spPr bwMode="auto">
+          <a:xfrm>
+            <a:off x="1123950" y="2235708"/>
+            <a:ext cx="9944100" cy="2386584"/>
+          </a:xfrm>
+          <a:prstGeom prst="rect">
+            <a:avLst/>
+          </a:prstGeom>
+          <a:noFill/>
+          <a:extLst>
+            <a:ext uri="{909E8E84-426E-40DD-AFC4-6F175D3DCCD1}">
+              <a14:hiddenFill xmlns:a14="http://schemas.microsoft.com/office/drawing/2010/main">
+                <a:solidFill>
+                  <a:srgbClr val="FFFFFF"/>
+                </a:solidFill>
+              </a14:hiddenFill>
+            </a:ext>
+          </a:extLst>
+        </p:spPr>
+      </p:pic>
+      <p:sp>
+        <p:nvSpPr>
+          <p:cNvPr id="4" name="TextBox 3">
+            <a:extLst>
+              <a:ext uri="{FF2B5EF4-FFF2-40B4-BE49-F238E27FC236}">
+                <a16:creationId xmlns:a16="http://schemas.microsoft.com/office/drawing/2014/main" id="{7530BD8D-AB63-44BD-962E-C622287F485F}"/>
+              </a:ext>
+            </a:extLst>
+          </p:cNvPr>
+          <p:cNvSpPr txBox="1"/>
+          <p:nvPr/>
+        </p:nvSpPr>
+        <p:spPr>
+          <a:xfrm>
+            <a:off x="0" y="6550223"/>
+            <a:ext cx="12192000" cy="307777"/>
+          </a:xfrm>
+          <a:prstGeom prst="rect">
+            <a:avLst/>
+          </a:prstGeom>
+          <a:noFill/>
+        </p:spPr>
+        <p:txBody>
+          <a:bodyPr wrap="square" rtlCol="0">
+            <a:spAutoFit/>
+          </a:bodyPr>
+          <a:lstStyle/>
+          <a:p>
+            <a:r>
+              <a:rPr lang="en-US" sz="1400" dirty="0">
+                <a:solidFill>
+                  <a:schemeClr val="tx1">
+                    <a:lumMod val="65000"/>
+                    <a:lumOff val="35000"/>
+                  </a:schemeClr>
+                </a:solidFill>
+                <a:latin typeface="+mj-lt"/>
+                <a:ea typeface="Verdana" panose="020B0604030504040204" pitchFamily="34" charset="0"/>
+              </a:rPr>
+              <a:t>Source: Tunstall, L., et al (2022). </a:t>
+            </a:r>
+            <a:r>
+              <a:rPr lang="en-US" sz="1400" i="1" dirty="0">
+                <a:solidFill>
+                  <a:schemeClr val="tx1">
+                    <a:lumMod val="65000"/>
+                    <a:lumOff val="35000"/>
+                  </a:schemeClr>
+                </a:solidFill>
+                <a:latin typeface="+mj-lt"/>
+                <a:ea typeface="Verdana" panose="020B0604030504040204" pitchFamily="34" charset="0"/>
+              </a:rPr>
+              <a:t>Natural Language Processing with Transformers</a:t>
+            </a:r>
+            <a:r>
+              <a:rPr lang="en-US" sz="1400" dirty="0">
+                <a:solidFill>
+                  <a:schemeClr val="tx1">
+                    <a:lumMod val="65000"/>
+                    <a:lumOff val="35000"/>
+                  </a:schemeClr>
+                </a:solidFill>
+                <a:latin typeface="+mj-lt"/>
+                <a:ea typeface="Verdana" panose="020B0604030504040204" pitchFamily="34" charset="0"/>
+              </a:rPr>
+              <a:t>. </a:t>
+            </a:r>
+            <a:r>
+              <a:rPr lang="en-US" sz="1400" b="0" i="0" dirty="0">
+                <a:solidFill>
+                  <a:schemeClr val="tx1">
+                    <a:lumMod val="65000"/>
+                    <a:lumOff val="35000"/>
+                  </a:schemeClr>
+                </a:solidFill>
+                <a:effectLst/>
+                <a:latin typeface="+mj-lt"/>
+                <a:ea typeface="Verdana" panose="020B0604030504040204" pitchFamily="34" charset="0"/>
+              </a:rPr>
+              <a:t>Sebastopol, CA: </a:t>
+            </a:r>
+            <a:r>
+              <a:rPr lang="en-US" sz="1400" dirty="0">
+                <a:solidFill>
+                  <a:schemeClr val="tx1">
+                    <a:lumMod val="65000"/>
+                    <a:lumOff val="35000"/>
+                  </a:schemeClr>
+                </a:solidFill>
+                <a:latin typeface="+mj-lt"/>
+                <a:ea typeface="Verdana" panose="020B0604030504040204" pitchFamily="34" charset="0"/>
+              </a:rPr>
+              <a:t>O’Reilly Publishing</a:t>
+            </a:r>
+            <a:r>
+              <a:rPr lang="en-US" sz="1400" b="0" i="0" dirty="0">
+                <a:solidFill>
+                  <a:schemeClr val="tx1">
+                    <a:lumMod val="65000"/>
+                    <a:lumOff val="35000"/>
+                  </a:schemeClr>
+                </a:solidFill>
+                <a:effectLst/>
+                <a:latin typeface="+mj-lt"/>
+                <a:ea typeface="Verdana" panose="020B0604030504040204" pitchFamily="34" charset="0"/>
+              </a:rPr>
+              <a:t>. (Chapter 1)</a:t>
+            </a:r>
+            <a:endParaRPr lang="en-US" sz="1400" dirty="0">
+              <a:solidFill>
+                <a:schemeClr val="tx1">
+                  <a:lumMod val="65000"/>
+                  <a:lumOff val="35000"/>
+                </a:schemeClr>
+              </a:solidFill>
+              <a:latin typeface="+mj-lt"/>
+              <a:ea typeface="Verdana" panose="020B0604030504040204" pitchFamily="34" charset="0"/>
+            </a:endParaRPr>
+          </a:p>
+        </p:txBody>
+      </p:sp>
+    </p:spTree>
+    <p:extLst>
+      <p:ext uri="{BB962C8B-B14F-4D97-AF65-F5344CB8AC3E}">
+        <p14:creationId xmlns:p14="http://schemas.microsoft.com/office/powerpoint/2010/main" val="1684263449"/>
+      </p:ext>
+    </p:extLst>
+  </p:cSld>
+  <p:clrMapOvr>
+    <a:masterClrMapping/>
+  </p:clrMapOvr>
+  <mc:AlternateContent xmlns:mc="http://schemas.openxmlformats.org/markup-compatibility/2006" xmlns:p14="http://schemas.microsoft.com/office/powerpoint/2010/main">
+    <mc:Choice Requires="p14">
+      <p:transition spd="med" p14:dur="700">
+        <p:fade/>
+      </p:transition>
+    </mc:Choice>
+    <mc:Fallback xmlns="">
+      <p:transition spd="med">
+        <p:fade/>
+      </p:transition>
+    </mc:Fallback>
+  </mc:AlternateContent>
+</p:sld>
+</file>
+
+<file path=ppt/slides/slide7.xml><?xml version="1.0" encoding="utf-8"?>
+<p:sld xmlns:a="http://schemas.openxmlformats.org/drawingml/2006/main" xmlns:r="http://schemas.openxmlformats.org/officeDocument/2006/relationships" xmlns:p="http://schemas.openxmlformats.org/presentationml/2006/main">
+  <p:cSld>
+    <p:spTree>
+      <p:nvGrpSpPr>
+        <p:cNvPr id="1" name=""/>
+        <p:cNvGrpSpPr/>
+        <p:nvPr/>
+      </p:nvGrpSpPr>
+      <p:grpSpPr>
+        <a:xfrm>
+          <a:off x="0" y="0"/>
+          <a:ext cx="0" cy="0"/>
+          <a:chOff x="0" y="0"/>
+          <a:chExt cx="0" cy="0"/>
+        </a:xfrm>
+      </p:grpSpPr>
+      <p:sp>
+        <p:nvSpPr>
+          <p:cNvPr id="3" name="TextBox 2">
+            <a:extLst>
+              <a:ext uri="{FF2B5EF4-FFF2-40B4-BE49-F238E27FC236}">
+                <a16:creationId xmlns:a16="http://schemas.microsoft.com/office/drawing/2014/main" id="{C1E53685-A9F7-4FE0-ABDB-9B755F275882}"/>
+              </a:ext>
+            </a:extLst>
+          </p:cNvPr>
+          <p:cNvSpPr txBox="1"/>
+          <p:nvPr/>
+        </p:nvSpPr>
+        <p:spPr>
+          <a:xfrm>
+            <a:off x="0" y="6550223"/>
+            <a:ext cx="12192000" cy="307777"/>
+          </a:xfrm>
+          <a:prstGeom prst="rect">
+            <a:avLst/>
+          </a:prstGeom>
+          <a:noFill/>
+        </p:spPr>
+        <p:txBody>
+          <a:bodyPr wrap="square" rtlCol="0">
+            <a:spAutoFit/>
+          </a:bodyPr>
+          <a:lstStyle/>
+          <a:p>
+            <a:r>
+              <a:rPr lang="en-US" sz="1400" dirty="0">
+                <a:solidFill>
+                  <a:schemeClr val="tx1">
+                    <a:lumMod val="65000"/>
+                    <a:lumOff val="35000"/>
+                  </a:schemeClr>
+                </a:solidFill>
+                <a:latin typeface="+mj-lt"/>
+                <a:ea typeface="Verdana" panose="020B0604030504040204" pitchFamily="34" charset="0"/>
+              </a:rPr>
+              <a:t>Image Credit: </a:t>
+            </a:r>
+            <a:r>
+              <a:rPr lang="en-US" sz="1400" dirty="0">
+                <a:solidFill>
+                  <a:schemeClr val="tx1">
+                    <a:lumMod val="65000"/>
+                    <a:lumOff val="35000"/>
+                  </a:schemeClr>
+                </a:solidFill>
+                <a:latin typeface="+mj-lt"/>
+              </a:rPr>
+              <a:t>https://tfwiki.net/wiki/Optimus_Prime_(WFC)</a:t>
+            </a:r>
+          </a:p>
+        </p:txBody>
+      </p:sp>
+      <p:sp>
+        <p:nvSpPr>
+          <p:cNvPr id="8" name="Title 1">
+            <a:extLst>
+              <a:ext uri="{FF2B5EF4-FFF2-40B4-BE49-F238E27FC236}">
+                <a16:creationId xmlns:a16="http://schemas.microsoft.com/office/drawing/2014/main" id="{195DAE60-9F77-4ED0-836D-1B7F2B48FCA1}"/>
+              </a:ext>
+            </a:extLst>
+          </p:cNvPr>
+          <p:cNvSpPr>
+            <a:spLocks noGrp="1"/>
+          </p:cNvSpPr>
+          <p:nvPr>
+            <p:ph type="title"/>
+          </p:nvPr>
+        </p:nvSpPr>
+        <p:spPr>
+          <a:xfrm>
+            <a:off x="0" y="793808"/>
+            <a:ext cx="12192000" cy="606943"/>
+          </a:xfrm>
+          <a:noFill/>
+        </p:spPr>
+        <p:txBody>
+          <a:bodyPr>
+            <a:noAutofit/>
+          </a:bodyPr>
+          <a:lstStyle/>
+          <a:p>
+            <a:pPr algn="ctr"/>
+            <a:r>
+              <a:rPr lang="en-US" sz="3600" dirty="0">
+                <a:solidFill>
+                  <a:schemeClr val="tx1">
+                    <a:lumMod val="65000"/>
+                    <a:lumOff val="35000"/>
+                  </a:schemeClr>
+                </a:solidFill>
+                <a:latin typeface="Palatino Linotype" panose="02040502050505030304" pitchFamily="18" charset="0"/>
+              </a:rPr>
+              <a:t>Transformer Architecture</a:t>
+            </a:r>
+            <a:endParaRPr lang="en-US" sz="3600" dirty="0">
+              <a:solidFill>
+                <a:schemeClr val="tx1">
+                  <a:lumMod val="65000"/>
+                  <a:lumOff val="35000"/>
+                </a:schemeClr>
+              </a:solidFill>
+              <a:latin typeface="Palatino Linotype" panose="02040502050505030304" pitchFamily="18" charset="0"/>
+              <a:cs typeface="Segoe UI Light" panose="020B0502040204020203" pitchFamily="34" charset="0"/>
+            </a:endParaRPr>
+          </a:p>
+        </p:txBody>
+      </p:sp>
+      <p:pic>
+        <p:nvPicPr>
+          <p:cNvPr id="1028" name="Picture 4" descr="Optimus Prime (WFC) - Transformers Wiki">
+            <a:extLst>
+              <a:ext uri="{FF2B5EF4-FFF2-40B4-BE49-F238E27FC236}">
+                <a16:creationId xmlns:a16="http://schemas.microsoft.com/office/drawing/2014/main" id="{0E3AE70A-3764-4045-8918-FDBBDBB104B6}"/>
+              </a:ext>
+            </a:extLst>
+          </p:cNvPr>
+          <p:cNvPicPr>
+            <a:picLocks noChangeAspect="1" noChangeArrowheads="1"/>
+          </p:cNvPicPr>
+          <p:nvPr/>
+        </p:nvPicPr>
+        <p:blipFill>
+          <a:blip r:embed="rId3">
+            <a:extLst>
+              <a:ext uri="{28A0092B-C50C-407E-A947-70E740481C1C}">
+                <a14:useLocalDpi xmlns:a14="http://schemas.microsoft.com/office/drawing/2010/main" val="0"/>
+              </a:ext>
+            </a:extLst>
+          </a:blip>
+          <a:srcRect/>
+          <a:stretch>
+            <a:fillRect/>
+          </a:stretch>
+        </p:blipFill>
+        <p:spPr bwMode="auto">
+          <a:xfrm>
+            <a:off x="4783599" y="1748781"/>
+            <a:ext cx="2624801" cy="4453412"/>
+          </a:xfrm>
+          <a:prstGeom prst="rect">
+            <a:avLst/>
+          </a:prstGeom>
+          <a:noFill/>
+          <a:extLst>
+            <a:ext uri="{909E8E84-426E-40DD-AFC4-6F175D3DCCD1}">
+              <a14:hiddenFill xmlns:a14="http://schemas.microsoft.com/office/drawing/2010/main">
+                <a:solidFill>
+                  <a:srgbClr val="FFFFFF"/>
+                </a:solidFill>
+              </a14:hiddenFill>
+            </a:ext>
+          </a:extLst>
+        </p:spPr>
+      </p:pic>
+    </p:spTree>
+    <p:extLst>
+      <p:ext uri="{BB962C8B-B14F-4D97-AF65-F5344CB8AC3E}">
+        <p14:creationId xmlns:p14="http://schemas.microsoft.com/office/powerpoint/2010/main" val="168402881"/>
+      </p:ext>
+    </p:extLst>
+  </p:cSld>
+  <p:clrMapOvr>
+    <a:masterClrMapping/>
+  </p:clrMapOvr>
+  <mc:AlternateContent xmlns:mc="http://schemas.openxmlformats.org/markup-compatibility/2006" xmlns:p14="http://schemas.microsoft.com/office/powerpoint/2010/main">
+    <mc:Choice Requires="p14">
+      <p:transition spd="med" p14:dur="700">
+        <p:fade/>
+      </p:transition>
+    </mc:Choice>
+    <mc:Fallback xmlns="">
+      <p:transition spd="med">
+        <p:fade/>
+      </p:transition>
+    </mc:Fallback>
+  </mc:AlternateContent>
+</p:sld>
+</file>
+
+<file path=ppt/slides/slide8.xml><?xml version="1.0" encoding="utf-8"?>
+<p:sld xmlns:a="http://schemas.openxmlformats.org/drawingml/2006/main" xmlns:r="http://schemas.openxmlformats.org/officeDocument/2006/relationships" xmlns:p="http://schemas.openxmlformats.org/presentationml/2006/main">
+  <p:cSld>
+    <p:spTree>
+      <p:nvGrpSpPr>
+        <p:cNvPr id="1" name=""/>
+        <p:cNvGrpSpPr/>
+        <p:nvPr/>
+      </p:nvGrpSpPr>
+      <p:grpSpPr>
+        <a:xfrm>
+          <a:off x="0" y="0"/>
+          <a:ext cx="0" cy="0"/>
+          <a:chOff x="0" y="0"/>
+          <a:chExt cx="0" cy="0"/>
+        </a:xfrm>
+      </p:grpSpPr>
+      <p:sp>
+        <p:nvSpPr>
+          <p:cNvPr id="3" name="TextBox 2">
+            <a:extLst>
+              <a:ext uri="{FF2B5EF4-FFF2-40B4-BE49-F238E27FC236}">
+                <a16:creationId xmlns:a16="http://schemas.microsoft.com/office/drawing/2014/main" id="{8DEBDC12-60E8-4CF3-A3D0-2075FBA26C8C}"/>
+              </a:ext>
+            </a:extLst>
+          </p:cNvPr>
+          <p:cNvSpPr txBox="1"/>
+          <p:nvPr/>
+        </p:nvSpPr>
+        <p:spPr>
+          <a:xfrm>
+            <a:off x="0" y="6550223"/>
+            <a:ext cx="12192000" cy="307777"/>
+          </a:xfrm>
+          <a:prstGeom prst="rect">
+            <a:avLst/>
+          </a:prstGeom>
+          <a:noFill/>
+        </p:spPr>
+        <p:txBody>
+          <a:bodyPr wrap="square" rtlCol="0">
+            <a:spAutoFit/>
+          </a:bodyPr>
+          <a:lstStyle/>
+          <a:p>
+            <a:r>
+              <a:rPr lang="en-US" sz="1400" dirty="0">
+                <a:solidFill>
+                  <a:schemeClr val="tx1">
+                    <a:lumMod val="65000"/>
+                    <a:lumOff val="35000"/>
+                  </a:schemeClr>
+                </a:solidFill>
+                <a:latin typeface="+mj-lt"/>
+                <a:ea typeface="Verdana" panose="020B0604030504040204" pitchFamily="34" charset="0"/>
+              </a:rPr>
+              <a:t>Source: Doshi, K. (2020). </a:t>
+            </a:r>
+            <a:r>
+              <a:rPr lang="en-US" sz="1400" i="1" dirty="0">
+                <a:solidFill>
+                  <a:schemeClr val="tx1">
+                    <a:lumMod val="65000"/>
+                    <a:lumOff val="35000"/>
+                  </a:schemeClr>
+                </a:solidFill>
+                <a:latin typeface="+mj-lt"/>
+                <a:ea typeface="Verdana" panose="020B0604030504040204" pitchFamily="34" charset="0"/>
+              </a:rPr>
+              <a:t>https://towardsdatascience.com/transformers-explained-visually-part-1-overview-of-functionality-95a6dd460452</a:t>
+            </a:r>
+            <a:endParaRPr lang="en-US" sz="1400" dirty="0">
+              <a:solidFill>
+                <a:schemeClr val="tx1">
+                  <a:lumMod val="65000"/>
+                  <a:lumOff val="35000"/>
+                </a:schemeClr>
+              </a:solidFill>
+              <a:latin typeface="+mj-lt"/>
+              <a:ea typeface="Verdana" panose="020B0604030504040204" pitchFamily="34" charset="0"/>
+            </a:endParaRPr>
+          </a:p>
+        </p:txBody>
+      </p:sp>
+      <p:pic>
+        <p:nvPicPr>
+          <p:cNvPr id="7170" name="Picture 2">
+            <a:extLst>
+              <a:ext uri="{FF2B5EF4-FFF2-40B4-BE49-F238E27FC236}">
+                <a16:creationId xmlns:a16="http://schemas.microsoft.com/office/drawing/2014/main" id="{E01D43ED-BB64-44A3-8FE0-0C3CD9C11E9C}"/>
+              </a:ext>
+            </a:extLst>
+          </p:cNvPr>
+          <p:cNvPicPr>
+            <a:picLocks noChangeAspect="1" noChangeArrowheads="1"/>
+          </p:cNvPicPr>
+          <p:nvPr/>
+        </p:nvPicPr>
+        <p:blipFill>
+          <a:blip r:embed="rId3">
+            <a:clrChange>
+              <a:clrFrom>
+                <a:srgbClr val="FFFFFF"/>
+              </a:clrFrom>
+              <a:clrTo>
+                <a:srgbClr val="FFFFFF">
+                  <a:alpha val="0"/>
+                </a:srgbClr>
+              </a:clrTo>
+            </a:clrChange>
+            <a:extLst>
+              <a:ext uri="{28A0092B-C50C-407E-A947-70E740481C1C}">
+                <a14:useLocalDpi xmlns:a14="http://schemas.microsoft.com/office/drawing/2010/main" val="0"/>
+              </a:ext>
+            </a:extLst>
+          </a:blip>
+          <a:srcRect/>
+          <a:stretch>
+            <a:fillRect/>
+          </a:stretch>
+        </p:blipFill>
+        <p:spPr bwMode="auto">
+          <a:xfrm>
+            <a:off x="4533900" y="1790700"/>
+            <a:ext cx="3124200" cy="3276600"/>
+          </a:xfrm>
+          <a:prstGeom prst="rect">
+            <a:avLst/>
+          </a:prstGeom>
+          <a:noFill/>
+          <a:extLst>
+            <a:ext uri="{909E8E84-426E-40DD-AFC4-6F175D3DCCD1}">
+              <a14:hiddenFill xmlns:a14="http://schemas.microsoft.com/office/drawing/2010/main">
+                <a:solidFill>
+                  <a:srgbClr val="FFFFFF"/>
+                </a:solidFill>
+              </a14:hiddenFill>
+            </a:ext>
+          </a:extLst>
+        </p:spPr>
+      </p:pic>
+    </p:spTree>
+    <p:extLst>
+      <p:ext uri="{BB962C8B-B14F-4D97-AF65-F5344CB8AC3E}">
+        <p14:creationId xmlns:p14="http://schemas.microsoft.com/office/powerpoint/2010/main" val="3226425761"/>
+      </p:ext>
+    </p:extLst>
+  </p:cSld>
+  <p:clrMapOvr>
+    <a:masterClrMapping/>
+  </p:clrMapOvr>
+  <mc:AlternateContent xmlns:mc="http://schemas.openxmlformats.org/markup-compatibility/2006" xmlns:p14="http://schemas.microsoft.com/office/powerpoint/2010/main">
+    <mc:Choice Requires="p14">
+      <p:transition spd="med" p14:dur="700">
+        <p:fade/>
+      </p:transition>
+    </mc:Choice>
+    <mc:Fallback xmlns="">
+      <p:transition spd="med">
+        <p:fade/>
+      </p:transition>
+    </mc:Fallback>
+  </mc:AlternateContent>
+</p:sld>
+</file>
+
+<file path=ppt/slides/slide9.xml><?xml version="1.0" encoding="utf-8"?>
+<p:sld xmlns:a="http://schemas.openxmlformats.org/drawingml/2006/main" xmlns:r="http://schemas.openxmlformats.org/officeDocument/2006/relationships" xmlns:p="http://schemas.openxmlformats.org/presentationml/2006/main">
+  <p:cSld>
+    <p:spTree>
+      <p:nvGrpSpPr>
+        <p:cNvPr id="1" name=""/>
+        <p:cNvGrpSpPr/>
+        <p:nvPr/>
+      </p:nvGrpSpPr>
+      <p:grpSpPr>
+        <a:xfrm>
+          <a:off x="0" y="0"/>
+          <a:ext cx="0" cy="0"/>
+          <a:chOff x="0" y="0"/>
+          <a:chExt cx="0" cy="0"/>
+        </a:xfrm>
+      </p:grpSpPr>
+      <p:sp>
+        <p:nvSpPr>
+          <p:cNvPr id="3" name="TextBox 2">
+            <a:extLst>
+              <a:ext uri="{FF2B5EF4-FFF2-40B4-BE49-F238E27FC236}">
+                <a16:creationId xmlns:a16="http://schemas.microsoft.com/office/drawing/2014/main" id="{8DEBDC12-60E8-4CF3-A3D0-2075FBA26C8C}"/>
+              </a:ext>
+            </a:extLst>
+          </p:cNvPr>
+          <p:cNvSpPr txBox="1"/>
+          <p:nvPr/>
+        </p:nvSpPr>
+        <p:spPr>
+          <a:xfrm>
+            <a:off x="0" y="6550223"/>
+            <a:ext cx="12192000" cy="307777"/>
+          </a:xfrm>
+          <a:prstGeom prst="rect">
+            <a:avLst/>
+          </a:prstGeom>
+          <a:noFill/>
+        </p:spPr>
+        <p:txBody>
+          <a:bodyPr wrap="square" rtlCol="0">
+            <a:spAutoFit/>
+          </a:bodyPr>
+          <a:lstStyle/>
+          <a:p>
+            <a:r>
+              <a:rPr lang="en-US" sz="1400" dirty="0">
+                <a:solidFill>
+                  <a:schemeClr val="tx1">
+                    <a:lumMod val="65000"/>
+                    <a:lumOff val="35000"/>
+                  </a:schemeClr>
+                </a:solidFill>
+                <a:latin typeface="+mj-lt"/>
+                <a:ea typeface="Verdana" panose="020B0604030504040204" pitchFamily="34" charset="0"/>
+              </a:rPr>
+              <a:t>Source: Doshi, K. (2020). </a:t>
+            </a:r>
+            <a:r>
+              <a:rPr lang="en-US" sz="1400" i="1" dirty="0">
+                <a:solidFill>
+                  <a:schemeClr val="tx1">
+                    <a:lumMod val="65000"/>
+                    <a:lumOff val="35000"/>
+                  </a:schemeClr>
+                </a:solidFill>
+                <a:latin typeface="+mj-lt"/>
+                <a:ea typeface="Verdana" panose="020B0604030504040204" pitchFamily="34" charset="0"/>
+              </a:rPr>
+              <a:t>https://towardsdatascience.com/transformers-explained-visually-part-1-overview-of-functionality-95a6dd460452</a:t>
+            </a:r>
+            <a:endParaRPr lang="en-US" sz="1400" dirty="0">
+              <a:solidFill>
+                <a:schemeClr val="tx1">
+                  <a:lumMod val="65000"/>
+                  <a:lumOff val="35000"/>
+                </a:schemeClr>
+              </a:solidFill>
+              <a:latin typeface="+mj-lt"/>
+              <a:ea typeface="Verdana" panose="020B0604030504040204" pitchFamily="34" charset="0"/>
+            </a:endParaRPr>
+          </a:p>
+        </p:txBody>
+      </p:sp>
+      <p:pic>
+        <p:nvPicPr>
+          <p:cNvPr id="8194" name="Picture 2">
+            <a:extLst>
+              <a:ext uri="{FF2B5EF4-FFF2-40B4-BE49-F238E27FC236}">
+                <a16:creationId xmlns:a16="http://schemas.microsoft.com/office/drawing/2014/main" id="{81BF6FCB-D6D1-407E-AC89-25649CD75FF1}"/>
+              </a:ext>
+            </a:extLst>
+          </p:cNvPr>
+          <p:cNvPicPr>
+            <a:picLocks noChangeAspect="1" noChangeArrowheads="1"/>
+          </p:cNvPicPr>
+          <p:nvPr/>
+        </p:nvPicPr>
+        <p:blipFill>
+          <a:blip r:embed="rId3">
+            <a:clrChange>
+              <a:clrFrom>
+                <a:srgbClr val="FFFFFF"/>
+              </a:clrFrom>
+              <a:clrTo>
+                <a:srgbClr val="FFFFFF">
+                  <a:alpha val="0"/>
+                </a:srgbClr>
+              </a:clrTo>
+            </a:clrChange>
+            <a:extLst>
+              <a:ext uri="{28A0092B-C50C-407E-A947-70E740481C1C}">
+                <a14:useLocalDpi xmlns:a14="http://schemas.microsoft.com/office/drawing/2010/main" val="0"/>
+              </a:ext>
+            </a:extLst>
+          </a:blip>
+          <a:srcRect/>
+          <a:stretch>
+            <a:fillRect/>
+          </a:stretch>
+        </p:blipFill>
+        <p:spPr bwMode="auto">
+          <a:xfrm>
+            <a:off x="3619500" y="523875"/>
+            <a:ext cx="4953000" cy="5810250"/>
+          </a:xfrm>
+          <a:prstGeom prst="rect">
+            <a:avLst/>
+          </a:prstGeom>
+          <a:noFill/>
+          <a:extLst>
+            <a:ext uri="{909E8E84-426E-40DD-AFC4-6F175D3DCCD1}">
+              <a14:hiddenFill xmlns:a14="http://schemas.microsoft.com/office/drawing/2010/main">
+                <a:solidFill>
+                  <a:srgbClr val="FFFFFF"/>
+                </a:solidFill>
+              </a14:hiddenFill>
+            </a:ext>
+          </a:extLst>
+        </p:spPr>
+      </p:pic>
+    </p:spTree>
+    <p:extLst>
+      <p:ext uri="{BB962C8B-B14F-4D97-AF65-F5344CB8AC3E}">
+        <p14:creationId xmlns:p14="http://schemas.microsoft.com/office/powerpoint/2010/main" val="4175513480"/>
       </p:ext>
     </p:extLst>
   </p:cSld>

--- a/presentations/01_transformers_intro.pptx
+++ b/presentations/01_transformers_intro.pptx
@@ -226,7 +226,7 @@
           <a:p>
             <a:fld id="{FD93C9B2-20F6-4DB1-B471-224337D0AC79}" type="datetimeFigureOut">
               <a:rPr lang="en-US" smtClean="0"/>
-              <a:t>3/23/2022</a:t>
+              <a:t>3/30/2022</a:t>
             </a:fld>
             <a:endParaRPr lang="en-US"/>
           </a:p>
@@ -1459,7 +1459,7 @@
             <a:pPr algn="l"/>
             <a:r>
               <a:rPr lang="en-US" dirty="0"/>
-              <a:t>One way to proceed would be to invite your subject back to the studio and paint a whole new portrait from scratch on a blank canvas, only this time with the new ring on their finger. That would require a lot of time and effort. If they’d allow it, a more expeditious approach would be to take the portrait you have, and unobtrusively paint the new ring over the old one.</a:t>
+              <a:t>One way to proceed would be to invite your subject back to the studio and paint a whole new portrait from scratch on a blank canvas, only this time with the new ring on their finger. That would require a lot of time and effort.  A faster way would be to take the portrait you have, and just paint the new ring over the old one.</a:t>
             </a:r>
           </a:p>
           <a:p>
@@ -1481,7 +1481,7 @@
             <a:pPr algn="l"/>
             <a:r>
               <a:rPr lang="en-US" dirty="0"/>
-              <a:t>The extra line in the drawing (red) that carries the input to the addition node is called a </a:t>
+              <a:t>The red line in the drawing which carries the input directly to the addition node is called a </a:t>
             </a:r>
             <a:r>
               <a:rPr lang="en-US" b="1" dirty="0"/>
@@ -1489,7 +1489,7 @@
             </a:r>
             <a:r>
               <a:rPr lang="en-US" dirty="0"/>
-              <a:t>, or a residual connection because of its mathematical interpretation.  We can place a skip connection around multiple layers in sequence, if we like, as shown here on the right.</a:t>
+              <a:t>, or a residual connection.  We can also place a skip connection around multiple layers in sequence, if we like, as shown here on the right.</a:t>
             </a:r>
           </a:p>
         </p:txBody>
@@ -1581,7 +1581,7 @@
             </a:r>
             <a:r>
               <a:rPr lang="en-US" dirty="0"/>
-              <a:t>is our third building block.  In transformers, we usually apply a regularization step called layer normalization, or layer norm, to the outputs of a layer, as shown here on the left. Layer norm belongs to the class of regularization techniques, such as dropout and batchnorm, which help control overfitting by keeping the values flowing through the network from getting too big or too small. The layer norm step learns to adjust the values coming out of a layer so that they approximate the shape of a Gaussian bump with a mean of 0 and standard deviation of 1.</a:t>
+              <a:t>is our third building block.  In transformers, we usually apply a regularization step called layer normalization, or layer norm, to the outputs of a layer, as shown here on the left. Layer norm belongs to the class of regularization techniques, such as dropout and batchnorm, which help control overfitting by keeping the values flowing through the network from getting too big or too small. (Vanishing / exploding gradients)  The layer norm step learns to adjust the values coming out of a layer so that they approximate the shape of a Gaussian bump with a mean of 0 and standard deviation of 1.</a:t>
             </a:r>
           </a:p>
         </p:txBody>
@@ -1677,7 +1677,7 @@
             </a:r>
             <a:r>
               <a:rPr lang="en-US" dirty="0"/>
-              <a:t>– was designed to solve a problem that comes up as soon as we take RNNs out of our system: we lose track of where each word is located in the input sentence. This important information is inherent in the RNN structure, because the words come in one at a time, allowing the hidden state inside a recurrent cell to remember the order in which the words arrived.</a:t>
+              <a:t>– was designed to solve a problem that comes up as soon as we take RNNs out of our system: we lose track of where each word is in the input sentence. This important information is inherent in the RNN structure, because the words come in one at a time, allowing the hidden state inside a recurrent cell to remember the order in which the words arrived.</a:t>
             </a:r>
           </a:p>
           <a:p>
@@ -1699,7 +1699,7 @@
             <a:pPr algn="l"/>
             <a:r>
               <a:rPr lang="en-US" dirty="0"/>
-              <a:t>The answer is to insert each word’s position, or index, into the representation for the word itself. That way, as the word’s representations get processed, the position information naturally comes along for the ride. The generic name for this process is positional encoding.</a:t>
+              <a:t>The answer is to insert each word’s position, or index, into the representation for the word itself. That way, as the word’s representations get processed, the position information naturally comes along for the ride. The generic name for this process is positional encoding.  I will not cover the technical details of positional encoding in this mini-lecture.</a:t>
             </a:r>
           </a:p>
           <a:p>
@@ -1710,18 +1710,7 @@
             <a:pPr algn="l"/>
             <a:r>
               <a:rPr lang="en-US" dirty="0"/>
-              <a:t>A simple approach to positional encoding is to append a few bits to the end of each word to hold its location, as shown on the left. But at some point, we might get a sentence that requires more bits than we’ve made available, and then we’d be in trouble because we wouldn’t be able to assign each word a unique number for its location. And if we make the storage too big, it’s just wasted and slows everything down. This approach is also awkward to implement, since we then need to introduce some special mechanism for handling those bits.</a:t>
-            </a:r>
-          </a:p>
-          <a:p>
-            <a:pPr algn="l"/>
-            <a:endParaRPr lang="en-US" dirty="0"/>
-          </a:p>
-          <a:p>
-            <a:pPr algn="l"/>
-            <a:r>
-              <a:rPr lang="en-US" dirty="0"/>
-              <a:t>Alright, that wraps up our presentation of transformer building blocks.  It’s time for some hands-on work.</a:t>
+              <a:t>Alright, that wraps up this mini-lecture of transformer building blocks.  </a:t>
             </a:r>
           </a:p>
         </p:txBody>
@@ -3136,7 +3125,7 @@
           <a:p>
             <a:fld id="{C3F78080-8D0A-4BE8-A5B4-CB115102D524}" type="datetimeFigureOut">
               <a:rPr lang="en-US" smtClean="0"/>
-              <a:t>3/23/2022</a:t>
+              <a:t>3/30/2022</a:t>
             </a:fld>
             <a:endParaRPr lang="en-US"/>
           </a:p>
@@ -3334,7 +3323,7 @@
           <a:p>
             <a:fld id="{C3F78080-8D0A-4BE8-A5B4-CB115102D524}" type="datetimeFigureOut">
               <a:rPr lang="en-US" smtClean="0"/>
-              <a:t>3/23/2022</a:t>
+              <a:t>3/30/2022</a:t>
             </a:fld>
             <a:endParaRPr lang="en-US"/>
           </a:p>
@@ -3542,7 +3531,7 @@
           <a:p>
             <a:fld id="{C3F78080-8D0A-4BE8-A5B4-CB115102D524}" type="datetimeFigureOut">
               <a:rPr lang="en-US" smtClean="0"/>
-              <a:t>3/23/2022</a:t>
+              <a:t>3/30/2022</a:t>
             </a:fld>
             <a:endParaRPr lang="en-US"/>
           </a:p>
@@ -3740,7 +3729,7 @@
           <a:p>
             <a:fld id="{C3F78080-8D0A-4BE8-A5B4-CB115102D524}" type="datetimeFigureOut">
               <a:rPr lang="en-US" smtClean="0"/>
-              <a:t>3/23/2022</a:t>
+              <a:t>3/30/2022</a:t>
             </a:fld>
             <a:endParaRPr lang="en-US"/>
           </a:p>
@@ -4015,7 +4004,7 @@
           <a:p>
             <a:fld id="{C3F78080-8D0A-4BE8-A5B4-CB115102D524}" type="datetimeFigureOut">
               <a:rPr lang="en-US" smtClean="0"/>
-              <a:t>3/23/2022</a:t>
+              <a:t>3/30/2022</a:t>
             </a:fld>
             <a:endParaRPr lang="en-US"/>
           </a:p>
@@ -4280,7 +4269,7 @@
           <a:p>
             <a:fld id="{C3F78080-8D0A-4BE8-A5B4-CB115102D524}" type="datetimeFigureOut">
               <a:rPr lang="en-US" smtClean="0"/>
-              <a:t>3/23/2022</a:t>
+              <a:t>3/30/2022</a:t>
             </a:fld>
             <a:endParaRPr lang="en-US"/>
           </a:p>
@@ -4692,7 +4681,7 @@
           <a:p>
             <a:fld id="{C3F78080-8D0A-4BE8-A5B4-CB115102D524}" type="datetimeFigureOut">
               <a:rPr lang="en-US" smtClean="0"/>
-              <a:t>3/23/2022</a:t>
+              <a:t>3/30/2022</a:t>
             </a:fld>
             <a:endParaRPr lang="en-US"/>
           </a:p>
@@ -4833,7 +4822,7 @@
           <a:p>
             <a:fld id="{C3F78080-8D0A-4BE8-A5B4-CB115102D524}" type="datetimeFigureOut">
               <a:rPr lang="en-US" smtClean="0"/>
-              <a:t>3/23/2022</a:t>
+              <a:t>3/30/2022</a:t>
             </a:fld>
             <a:endParaRPr lang="en-US"/>
           </a:p>
@@ -4946,7 +4935,7 @@
           <a:p>
             <a:fld id="{C3F78080-8D0A-4BE8-A5B4-CB115102D524}" type="datetimeFigureOut">
               <a:rPr lang="en-US" smtClean="0"/>
-              <a:t>3/23/2022</a:t>
+              <a:t>3/30/2022</a:t>
             </a:fld>
             <a:endParaRPr lang="en-US"/>
           </a:p>
@@ -5257,7 +5246,7 @@
           <a:p>
             <a:fld id="{C3F78080-8D0A-4BE8-A5B4-CB115102D524}" type="datetimeFigureOut">
               <a:rPr lang="en-US" smtClean="0"/>
-              <a:t>3/23/2022</a:t>
+              <a:t>3/30/2022</a:t>
             </a:fld>
             <a:endParaRPr lang="en-US"/>
           </a:p>
@@ -5545,7 +5534,7 @@
           <a:p>
             <a:fld id="{C3F78080-8D0A-4BE8-A5B4-CB115102D524}" type="datetimeFigureOut">
               <a:rPr lang="en-US" smtClean="0"/>
-              <a:t>3/23/2022</a:t>
+              <a:t>3/30/2022</a:t>
             </a:fld>
             <a:endParaRPr lang="en-US"/>
           </a:p>
@@ -5786,7 +5775,7 @@
           <a:p>
             <a:fld id="{C3F78080-8D0A-4BE8-A5B4-CB115102D524}" type="datetimeFigureOut">
               <a:rPr lang="en-US" smtClean="0"/>
-              <a:t>3/23/2022</a:t>
+              <a:t>3/30/2022</a:t>
             </a:fld>
             <a:endParaRPr lang="en-US"/>
           </a:p>

--- a/presentations/01_transformers_intro.pptx
+++ b/presentations/01_transformers_intro.pptx
@@ -5,28 +5,26 @@
     <p:sldMasterId id="2147483648" r:id="rId1"/>
   </p:sldMasterIdLst>
   <p:notesMasterIdLst>
-    <p:notesMasterId r:id="rId21"/>
+    <p:notesMasterId r:id="rId19"/>
   </p:notesMasterIdLst>
   <p:sldIdLst>
     <p:sldId id="326" r:id="rId2"/>
-    <p:sldId id="328" r:id="rId3"/>
-    <p:sldId id="337" r:id="rId4"/>
-    <p:sldId id="338" r:id="rId5"/>
-    <p:sldId id="339" r:id="rId6"/>
-    <p:sldId id="340" r:id="rId7"/>
-    <p:sldId id="342" r:id="rId8"/>
-    <p:sldId id="331" r:id="rId9"/>
-    <p:sldId id="332" r:id="rId10"/>
-    <p:sldId id="334" r:id="rId11"/>
-    <p:sldId id="333" r:id="rId12"/>
-    <p:sldId id="279" r:id="rId13"/>
-    <p:sldId id="336" r:id="rId14"/>
-    <p:sldId id="308" r:id="rId15"/>
-    <p:sldId id="335" r:id="rId16"/>
-    <p:sldId id="329" r:id="rId17"/>
-    <p:sldId id="330" r:id="rId18"/>
-    <p:sldId id="327" r:id="rId19"/>
-    <p:sldId id="341" r:id="rId20"/>
+    <p:sldId id="342" r:id="rId3"/>
+    <p:sldId id="345" r:id="rId4"/>
+    <p:sldId id="346" r:id="rId5"/>
+    <p:sldId id="347" r:id="rId6"/>
+    <p:sldId id="333" r:id="rId7"/>
+    <p:sldId id="279" r:id="rId8"/>
+    <p:sldId id="336" r:id="rId9"/>
+    <p:sldId id="330" r:id="rId10"/>
+    <p:sldId id="327" r:id="rId11"/>
+    <p:sldId id="329" r:id="rId12"/>
+    <p:sldId id="334" r:id="rId13"/>
+    <p:sldId id="343" r:id="rId14"/>
+    <p:sldId id="344" r:id="rId15"/>
+    <p:sldId id="341" r:id="rId16"/>
+    <p:sldId id="331" r:id="rId17"/>
+    <p:sldId id="332" r:id="rId18"/>
   </p:sldIdLst>
   <p:sldSz cx="12192000" cy="6858000"/>
   <p:notesSz cx="6858000" cy="9144000"/>
@@ -226,7 +224,7 @@
           <a:p>
             <a:fld id="{FD93C9B2-20F6-4DB1-B471-224337D0AC79}" type="datetimeFigureOut">
               <a:rPr lang="en-US" smtClean="0"/>
-              <a:t>3/30/2022</a:t>
+              <a:t>7/6/2022</a:t>
             </a:fld>
             <a:endParaRPr lang="en-US"/>
           </a:p>
@@ -649,25 +647,46 @@
           <a:p>
             <a:pPr algn="l"/>
             <a:r>
-              <a:rPr lang="en-US" b="0" i="0" dirty="0">
-                <a:solidFill>
-                  <a:srgbClr val="292929"/>
-                </a:solidFill>
-                <a:effectLst/>
-                <a:latin typeface="+mn-lt"/>
-              </a:rPr>
-              <a:t>The Encoder is a reusable module that is the defining component of all Transformer architectures.  Here we see an encoder comprised of a self-attention layer as well as a couple of layer norm layers.  Additionally, residual skip connections allow this encoder to bypass the self-attention and feed forward layers as needed.  We will discuss these unique transformer building blocks in just a moment…</a:t>
+              <a:rPr lang="en-US" b="1" dirty="0"/>
+              <a:t>Positional encoding </a:t>
+            </a:r>
+            <a:r>
+              <a:rPr lang="en-US" dirty="0"/>
+              <a:t>– was designed to solve a problem that comes up as soon as we take RNNs out of our system: we lose track of where each word is in the input sentence. This important information is inherent in the RNN structure, because the words come in one at a time, allowing the hidden state inside a recurrent cell to remember the order in which the words arrived.</a:t>
             </a:r>
           </a:p>
           <a:p>
             <a:pPr algn="l"/>
-            <a:endParaRPr lang="en-US" b="0" i="0" dirty="0">
-              <a:solidFill>
-                <a:srgbClr val="292929"/>
-              </a:solidFill>
-              <a:effectLst/>
-              <a:latin typeface="+mn-lt"/>
-            </a:endParaRPr>
+            <a:endParaRPr lang="en-US" dirty="0"/>
+          </a:p>
+          <a:p>
+            <a:pPr algn="l"/>
+            <a:r>
+              <a:rPr lang="en-US" dirty="0"/>
+              <a:t>But as we’ve seen, attention mixes together the representations of multiple words. How can later stages know where each word belongs in the sentence?</a:t>
+            </a:r>
+          </a:p>
+          <a:p>
+            <a:pPr algn="l"/>
+            <a:endParaRPr lang="en-US" dirty="0"/>
+          </a:p>
+          <a:p>
+            <a:pPr algn="l"/>
+            <a:r>
+              <a:rPr lang="en-US" dirty="0"/>
+              <a:t>The answer is to insert each word’s position, or index, into the representation for the word itself. That way, as the word’s representations get processed, the position information naturally comes along for the ride. The generic name for this process is positional encoding.  I will not cover the technical details of positional encoding in this mini-lecture.</a:t>
+            </a:r>
+          </a:p>
+          <a:p>
+            <a:pPr algn="l"/>
+            <a:endParaRPr lang="en-US" dirty="0"/>
+          </a:p>
+          <a:p>
+            <a:pPr algn="l"/>
+            <a:r>
+              <a:rPr lang="en-US" dirty="0"/>
+              <a:t>Alright, that wraps up this mini-lecture of transformer building blocks.  </a:t>
+            </a:r>
           </a:p>
         </p:txBody>
       </p:sp>
@@ -697,7 +716,7 @@
     </p:spTree>
     <p:extLst>
       <p:ext uri="{BB962C8B-B14F-4D97-AF65-F5344CB8AC3E}">
-        <p14:creationId xmlns:p14="http://schemas.microsoft.com/office/powerpoint/2010/main" val="3560973607"/>
+        <p14:creationId xmlns:p14="http://schemas.microsoft.com/office/powerpoint/2010/main" val="50257330"/>
       </p:ext>
     </p:extLst>
   </p:cSld>
@@ -753,87 +772,69 @@
           <a:p>
             <a:pPr algn="l"/>
             <a:r>
-              <a:rPr lang="en-US" b="0" i="0" dirty="0">
-                <a:solidFill>
-                  <a:srgbClr val="292929"/>
-                </a:solidFill>
-                <a:effectLst/>
-                <a:latin typeface="+mn-lt"/>
-              </a:rPr>
-              <a:t>All the Encoders are identical to one another. Similarly, all the Decoders are identical.</a:t>
-            </a:r>
-          </a:p>
-          <a:p>
-            <a:pPr algn="l"/>
-            <a:endParaRPr lang="en-US" b="0" i="0" dirty="0">
-              <a:solidFill>
-                <a:srgbClr val="292929"/>
-              </a:solidFill>
-              <a:effectLst/>
-              <a:latin typeface="+mn-lt"/>
-            </a:endParaRPr>
-          </a:p>
-          <a:p>
-            <a:pPr marL="228600" indent="-228600" algn="l">
-              <a:buFont typeface="Courier New" panose="02070309020205020404" pitchFamily="49" charset="0"/>
-              <a:buChar char="o"/>
-            </a:pPr>
-            <a:r>
-              <a:rPr lang="en-US" b="0" i="0" dirty="0">
-                <a:solidFill>
-                  <a:srgbClr val="292929"/>
-                </a:solidFill>
-                <a:effectLst/>
-                <a:latin typeface="+mn-lt"/>
-              </a:rPr>
-              <a:t>The Encoder contains the all-important Self-attention layer that computes the relationship between different words in the sequence.</a:t>
-            </a:r>
-          </a:p>
-          <a:p>
-            <a:pPr marL="228600" indent="-228600" algn="l">
-              <a:buFont typeface="Courier New" panose="02070309020205020404" pitchFamily="49" charset="0"/>
-              <a:buChar char="o"/>
-            </a:pPr>
-            <a:r>
-              <a:rPr lang="en-US" b="0" i="0" dirty="0">
-                <a:solidFill>
-                  <a:srgbClr val="292929"/>
-                </a:solidFill>
-                <a:effectLst/>
-                <a:latin typeface="+mn-lt"/>
-              </a:rPr>
-              <a:t>The Decoder also contains the Self-attention layer and the Feed-forward layer, as well as a second Encoder-Decoder attention layer.</a:t>
-            </a:r>
-          </a:p>
-          <a:p>
-            <a:pPr marL="228600" indent="-228600" algn="l">
-              <a:buFont typeface="Courier New" panose="02070309020205020404" pitchFamily="49" charset="0"/>
-              <a:buChar char="o"/>
-            </a:pPr>
-            <a:r>
-              <a:rPr lang="en-US" b="0" i="0" dirty="0">
-                <a:solidFill>
-                  <a:srgbClr val="292929"/>
-                </a:solidFill>
-                <a:effectLst/>
-                <a:latin typeface="+mn-lt"/>
-              </a:rPr>
-              <a:t>Each Encoder and Decoder has its own set of weights.</a:t>
-            </a:r>
-          </a:p>
-          <a:p>
-            <a:pPr algn="l"/>
-            <a:endParaRPr lang="en-US" b="0" i="0" dirty="0">
-              <a:solidFill>
-                <a:srgbClr val="292929"/>
-              </a:solidFill>
-              <a:effectLst/>
-              <a:latin typeface="charter"/>
-            </a:endParaRPr>
+              <a:rPr lang="en-US" dirty="0"/>
+              <a:t>And finally, our third transformer building block is the </a:t>
+            </a:r>
+            <a:r>
+              <a:rPr lang="en-US" b="1" dirty="0"/>
+              <a:t>skip connection</a:t>
+            </a:r>
+            <a:r>
+              <a:rPr lang="en-US" dirty="0"/>
+              <a:t>, also known as a residual connection. The inspiration for this innovation lies in our desire to reduce the amount of work that’s required of a deep network layer.</a:t>
+            </a:r>
           </a:p>
           <a:p>
             <a:pPr algn="l"/>
             <a:endParaRPr lang="en-US" dirty="0"/>
+          </a:p>
+          <a:p>
+            <a:pPr algn="l"/>
+            <a:r>
+              <a:rPr lang="en-US" dirty="0"/>
+              <a:t>Let’s start with an analogy. Suppose you’re painting a real, physical portrait using acrylic paints on canvas. After weeks of sittings, the portrait is done, and you send it to your subject for their approval. They say that they like it, but they regret having worn a particular ring on one finger, and wish they’d worn a different one that they like more. Can you change that?</a:t>
+            </a:r>
+          </a:p>
+          <a:p>
+            <a:pPr algn="l"/>
+            <a:endParaRPr lang="en-US" dirty="0"/>
+          </a:p>
+          <a:p>
+            <a:pPr algn="l"/>
+            <a:r>
+              <a:rPr lang="en-US" dirty="0"/>
+              <a:t>One way to proceed would be to invite your subject back to the studio and paint a whole new portrait from scratch on a blank canvas, only this time with the new ring on their finger. That would require a lot of time and effort.  A faster way would be to take the portrait you have, and just paint the new ring over the old one.</a:t>
+            </a:r>
+          </a:p>
+          <a:p>
+            <a:pPr algn="l"/>
+            <a:endParaRPr lang="en-US" dirty="0"/>
+          </a:p>
+          <a:p>
+            <a:pPr algn="l"/>
+            <a:r>
+              <a:rPr lang="en-US" dirty="0"/>
+              <a:t>Now consider a layer in a deep network. A tensor comes in, and the layer does some processing to change that tensor. If the layer only needs to change the input by small amounts, or only in some places, then it would be wasteful to expend resources processing the parts of the tensor that don’t need to change. Just as with the painting, it would be much more efficient for the layer to compute only the changes it wants to make. Then it can combine those changes with the original input to produce its output.</a:t>
+            </a:r>
+          </a:p>
+          <a:p>
+            <a:pPr algn="l"/>
+            <a:endParaRPr lang="en-US" dirty="0"/>
+          </a:p>
+          <a:p>
+            <a:pPr algn="l"/>
+            <a:r>
+              <a:rPr lang="en-US" dirty="0"/>
+              <a:t>The red line in the drawing which carries the input directly to the addition node is called a </a:t>
+            </a:r>
+            <a:r>
+              <a:rPr lang="en-US" b="1" dirty="0"/>
+              <a:t>skip connection</a:t>
+            </a:r>
+            <a:r>
+              <a:rPr lang="en-US" dirty="0"/>
+              <a:t>, or a residual connection.  We can also place a skip connection around multiple layers in sequence, if we like, as shown here on the right.</a:t>
+            </a:r>
           </a:p>
         </p:txBody>
       </p:sp>
@@ -863,7 +864,7 @@
     </p:spTree>
     <p:extLst>
       <p:ext uri="{BB962C8B-B14F-4D97-AF65-F5344CB8AC3E}">
-        <p14:creationId xmlns:p14="http://schemas.microsoft.com/office/powerpoint/2010/main" val="3371112019"/>
+        <p14:creationId xmlns:p14="http://schemas.microsoft.com/office/powerpoint/2010/main" val="3507246277"/>
       </p:ext>
     </p:extLst>
   </p:cSld>
@@ -917,24 +918,27 @@
           <a:bodyPr/>
           <a:lstStyle/>
           <a:p>
-            <a:pPr marL="0" marR="0" lvl="0" indent="0" algn="l" defTabSz="914400" rtl="0" eaLnBrk="1" fontAlgn="auto" latinLnBrk="0" hangingPunct="1">
-              <a:lnSpc>
-                <a:spcPct val="100000"/>
-              </a:lnSpc>
-              <a:spcBef>
-                <a:spcPts val="0"/>
-              </a:spcBef>
-              <a:spcAft>
-                <a:spcPts val="0"/>
-              </a:spcAft>
-              <a:buClrTx/>
-              <a:buSzTx/>
-              <a:buFontTx/>
-              <a:buNone/>
-              <a:tabLst/>
-              <a:defRPr/>
-            </a:pPr>
-            <a:endParaRPr lang="en-US" dirty="0"/>
+            <a:pPr algn="l"/>
+            <a:r>
+              <a:rPr lang="en-US" b="0" i="0" dirty="0">
+                <a:solidFill>
+                  <a:srgbClr val="292929"/>
+                </a:solidFill>
+                <a:effectLst/>
+                <a:latin typeface="+mn-lt"/>
+              </a:rPr>
+              <a:t>An encoder may feature multiple transformer building blocks.  Here we see an encoder comprised of a self-attention layer as well as a couple of layer norm layers.  Additionally, residual skip connections allow this encoder to bypass the self-attention and feed forward layers as needed.  We will discuss these unique transformer building blocks in just a moment…</a:t>
+            </a:r>
+          </a:p>
+          <a:p>
+            <a:pPr algn="l"/>
+            <a:endParaRPr lang="en-US" b="0" i="0" dirty="0">
+              <a:solidFill>
+                <a:srgbClr val="292929"/>
+              </a:solidFill>
+              <a:effectLst/>
+              <a:latin typeface="+mn-lt"/>
+            </a:endParaRPr>
           </a:p>
         </p:txBody>
       </p:sp>
@@ -964,7 +968,7 @@
     </p:spTree>
     <p:extLst>
       <p:ext uri="{BB962C8B-B14F-4D97-AF65-F5344CB8AC3E}">
-        <p14:creationId xmlns:p14="http://schemas.microsoft.com/office/powerpoint/2010/main" val="1985664105"/>
+        <p14:creationId xmlns:p14="http://schemas.microsoft.com/office/powerpoint/2010/main" val="3560973607"/>
       </p:ext>
     </p:extLst>
   </p:cSld>
@@ -1018,11 +1022,24 @@
           <a:bodyPr/>
           <a:lstStyle/>
           <a:p>
-            <a:pPr algn="l"/>
-            <a:r>
-              <a:rPr lang="en-US" dirty="0"/>
-              <a:t>Now that you’ve completed a hands-on exercise, let’s consider some of the building blocks which make transformers unique.  Note: I will not discuss word embeddings as that topic has already been covered in the last workshop of our NLP sequence.  Some of the content in this mini-lecture is a review and extension of what was presented in our first mini-lecture.  Now it’s time to dive into the details…</a:t>
-            </a:r>
+            <a:pPr marL="0" marR="0" lvl="0" indent="0" algn="l" defTabSz="914400" rtl="0" eaLnBrk="1" fontAlgn="auto" latinLnBrk="0" hangingPunct="1">
+              <a:lnSpc>
+                <a:spcPct val="100000"/>
+              </a:lnSpc>
+              <a:spcBef>
+                <a:spcPts val="0"/>
+              </a:spcBef>
+              <a:spcAft>
+                <a:spcPts val="0"/>
+              </a:spcAft>
+              <a:buClrTx/>
+              <a:buSzTx/>
+              <a:buFontTx/>
+              <a:buNone/>
+              <a:tabLst/>
+              <a:defRPr/>
+            </a:pPr>
+            <a:endParaRPr lang="en-US" dirty="0"/>
           </a:p>
         </p:txBody>
       </p:sp>
@@ -1052,7 +1069,7 @@
     </p:spTree>
     <p:extLst>
       <p:ext uri="{BB962C8B-B14F-4D97-AF65-F5344CB8AC3E}">
-        <p14:creationId xmlns:p14="http://schemas.microsoft.com/office/powerpoint/2010/main" val="1570214374"/>
+        <p14:creationId xmlns:p14="http://schemas.microsoft.com/office/powerpoint/2010/main" val="393175974"/>
       </p:ext>
     </p:extLst>
   </p:cSld>
@@ -1106,100 +1123,24 @@
           <a:bodyPr/>
           <a:lstStyle/>
           <a:p>
-            <a:pPr algn="l"/>
-            <a:r>
-              <a:rPr lang="en-US" dirty="0">
-                <a:latin typeface="+mn-lt"/>
-              </a:rPr>
-              <a:t>Although we covered attention in our 1</a:t>
-            </a:r>
-            <a:r>
-              <a:rPr lang="en-US" baseline="30000" dirty="0">
-                <a:latin typeface="+mn-lt"/>
-              </a:rPr>
-              <a:t>st</a:t>
-            </a:r>
-            <a:r>
-              <a:rPr lang="en-US" dirty="0">
-                <a:latin typeface="+mn-lt"/>
-              </a:rPr>
-              <a:t> mini-lecture, this concept is important and worth reviewing again – this time with concrete and memorable examples.</a:t>
-            </a:r>
-          </a:p>
-          <a:p>
-            <a:pPr algn="l"/>
-            <a:endParaRPr lang="en-US" dirty="0">
-              <a:latin typeface="+mn-lt"/>
-            </a:endParaRPr>
-          </a:p>
-          <a:p>
-            <a:pPr algn="l"/>
-            <a:r>
-              <a:rPr lang="en-US" dirty="0">
-                <a:latin typeface="+mn-lt"/>
-              </a:rPr>
-              <a:t>Suppose we want to translate the sentence “I saw a big dog eat his dinner.” When we’re translating dog, we probably don’t care about the word saw, but to translate the pronoun his correctly may require us to connect that to the two words big dog.</a:t>
-            </a:r>
-          </a:p>
-          <a:p>
-            <a:pPr algn="l"/>
-            <a:endParaRPr lang="en-US" dirty="0">
-              <a:latin typeface="+mn-lt"/>
-            </a:endParaRPr>
-          </a:p>
-          <a:p>
-            <a:pPr algn="l"/>
-            <a:r>
-              <a:rPr lang="en-US" dirty="0">
-                <a:latin typeface="+mn-lt"/>
-              </a:rPr>
-              <a:t>If we can work out, for each word in the input, which other words can influence our translation, then we can focus just on those words and ignore the others. This would be a big savings in both memory and computation time. And if we can work this out in a way that doesn’t depend on processing the words serially, we can even do it in parallel.</a:t>
-            </a:r>
-          </a:p>
-          <a:p>
-            <a:pPr algn="l"/>
-            <a:endParaRPr lang="en-US" dirty="0">
-              <a:latin typeface="+mn-lt"/>
-            </a:endParaRPr>
-          </a:p>
-          <a:p>
-            <a:pPr algn="l"/>
-            <a:r>
-              <a:rPr lang="en-US" dirty="0">
-                <a:latin typeface="+mn-lt"/>
-              </a:rPr>
-              <a:t>The algorithm that does this job is called </a:t>
-            </a:r>
-            <a:r>
-              <a:rPr lang="en-US" b="1" dirty="0">
-                <a:latin typeface="+mn-lt"/>
-              </a:rPr>
-              <a:t>attention</a:t>
-            </a:r>
-            <a:r>
-              <a:rPr lang="en-US" dirty="0">
-                <a:latin typeface="+mn-lt"/>
-              </a:rPr>
-              <a:t>, or </a:t>
-            </a:r>
-            <a:r>
-              <a:rPr lang="en-US" b="1" dirty="0">
-                <a:latin typeface="+mn-lt"/>
-              </a:rPr>
-              <a:t>self-attention</a:t>
-            </a:r>
-            <a:r>
-              <a:rPr lang="en-US" dirty="0">
-                <a:latin typeface="+mn-lt"/>
-              </a:rPr>
-              <a:t>. Attention lets us focus our resources on only the parts of the input that matter.  Let’s start with an analogy…</a:t>
-            </a:r>
-          </a:p>
-          <a:p>
-            <a:pPr algn="l"/>
-            <a:endParaRPr lang="en-US" dirty="0">
-              <a:latin typeface="+mn-lt"/>
-            </a:endParaRPr>
+            <a:pPr marL="0" marR="0" lvl="0" indent="0" algn="l" defTabSz="914400" rtl="0" eaLnBrk="1" fontAlgn="auto" latinLnBrk="0" hangingPunct="1">
+              <a:lnSpc>
+                <a:spcPct val="100000"/>
+              </a:lnSpc>
+              <a:spcBef>
+                <a:spcPts val="0"/>
+              </a:spcBef>
+              <a:spcAft>
+                <a:spcPts val="0"/>
+              </a:spcAft>
+              <a:buClrTx/>
+              <a:buSzTx/>
+              <a:buFontTx/>
+              <a:buNone/>
+              <a:tabLst/>
+              <a:defRPr/>
+            </a:pPr>
+            <a:endParaRPr lang="en-US" dirty="0"/>
           </a:p>
         </p:txBody>
       </p:sp>
@@ -1229,7 +1170,7 @@
     </p:spTree>
     <p:extLst>
       <p:ext uri="{BB962C8B-B14F-4D97-AF65-F5344CB8AC3E}">
-        <p14:creationId xmlns:p14="http://schemas.microsoft.com/office/powerpoint/2010/main" val="157207674"/>
+        <p14:creationId xmlns:p14="http://schemas.microsoft.com/office/powerpoint/2010/main" val="4095264016"/>
       </p:ext>
     </p:extLst>
   </p:cSld>
@@ -1283,66 +1224,24 @@
           <a:bodyPr/>
           <a:lstStyle/>
           <a:p>
-            <a:pPr algn="l"/>
-            <a:r>
-              <a:rPr lang="en-US" dirty="0"/>
-              <a:t>Suppose that you need to buy some paint, but all you’ve been told is that the color should be “light yellow with a bit of dark orange.”</a:t>
-            </a:r>
-          </a:p>
-          <a:p>
-            <a:pPr algn="l"/>
+            <a:pPr marL="0" marR="0" lvl="0" indent="0" algn="l" defTabSz="914400" rtl="0" eaLnBrk="1" fontAlgn="auto" latinLnBrk="0" hangingPunct="1">
+              <a:lnSpc>
+                <a:spcPct val="100000"/>
+              </a:lnSpc>
+              <a:spcBef>
+                <a:spcPts val="0"/>
+              </a:spcBef>
+              <a:spcAft>
+                <a:spcPts val="0"/>
+              </a:spcAft>
+              <a:buClrTx/>
+              <a:buSzTx/>
+              <a:buFontTx/>
+              <a:buNone/>
+              <a:tabLst/>
+              <a:defRPr/>
+            </a:pPr>
             <a:endParaRPr lang="en-US" dirty="0"/>
-          </a:p>
-          <a:p>
-            <a:pPr algn="l"/>
-            <a:r>
-              <a:rPr lang="en-US" dirty="0"/>
-              <a:t>At the only paint store in town, the clerk on duty is new to the paint department and isn’t personally familiar with the colors. You both presume you’ll need to mix a few of their standard paints to get the color you want, but you don’t know which paints to choose or how much of each to use.</a:t>
-            </a:r>
-          </a:p>
-          <a:p>
-            <a:pPr algn="l"/>
-            <a:endParaRPr lang="en-US" dirty="0"/>
-          </a:p>
-          <a:p>
-            <a:pPr algn="l"/>
-            <a:r>
-              <a:rPr lang="en-US" dirty="0"/>
-              <a:t>The clerk suggests that you compare your desired color description with the color names on each can of paint they carry. Some names will probably match better than others. The clerk puts a funnel on top of an empty can and suggests that you pour in some of each can of paint on the shelves, guided by how well that can’s name matches your description. That is, you’ll compare your desired description “light yellow with a bit of dark orange” with what’s printed on the label of each can, and the better the match, the more of that paint you’ll pour into the funnel.</a:t>
-            </a:r>
-          </a:p>
-          <a:p>
-            <a:pPr algn="l"/>
-            <a:endParaRPr lang="en-US" dirty="0"/>
-          </a:p>
-          <a:p>
-            <a:pPr algn="l"/>
-            <a:r>
-              <a:rPr lang="en-US" dirty="0"/>
-              <a:t>The figure here shows the idea visually for six cans of paint. It shows their names and the quality of each name’s match with your desired color’s description. We got good matches on “Sunny Yellow” and “Orange Crush,” though a little bit of “Lunch with Teal” snuck in thanks to the match with the word “with.”</a:t>
-            </a:r>
-          </a:p>
-          <a:p>
-            <a:pPr algn="l"/>
-            <a:endParaRPr lang="en-US" dirty="0"/>
-          </a:p>
-          <a:p>
-            <a:pPr algn="l"/>
-            <a:r>
-              <a:rPr lang="en-US" dirty="0"/>
-              <a:t>There are three things to focus on in this story. First, there’s your request: “light yellow with a bit of dark orange.” Second, there’s the description on each can of paint, like “Sunny Yellow” or “Mellow Blue.” Third, there’s the content of the paint that’s actually inside each can. In the story, you compared your request with each can’s description to find out how well they match. The better the match, the more of that can’s content you used in the final mixture.</a:t>
-            </a:r>
-          </a:p>
-          <a:p>
-            <a:pPr algn="l"/>
-            <a:endParaRPr lang="en-US" dirty="0"/>
-          </a:p>
-          <a:p>
-            <a:pPr algn="l"/>
-            <a:r>
-              <a:rPr lang="en-US" dirty="0"/>
-              <a:t>That’s attention in a nutshell. Given a request, compare it to the description of each possible item and include some of the content of each item based on how well its description matches the request.</a:t>
-            </a:r>
           </a:p>
         </p:txBody>
       </p:sp>
@@ -1372,7 +1271,7 @@
     </p:spTree>
     <p:extLst>
       <p:ext uri="{BB962C8B-B14F-4D97-AF65-F5344CB8AC3E}">
-        <p14:creationId xmlns:p14="http://schemas.microsoft.com/office/powerpoint/2010/main" val="832568139"/>
+        <p14:creationId xmlns:p14="http://schemas.microsoft.com/office/powerpoint/2010/main" val="3333302820"/>
       </p:ext>
     </p:extLst>
   </p:cSld>
@@ -1428,69 +1327,61 @@
           <a:p>
             <a:pPr algn="l"/>
             <a:r>
-              <a:rPr lang="en-US" dirty="0"/>
-              <a:t>Moving on, our second transformer building block is the </a:t>
-            </a:r>
-            <a:r>
-              <a:rPr lang="en-US" b="1" dirty="0"/>
-              <a:t>skip connection</a:t>
-            </a:r>
-            <a:r>
-              <a:rPr lang="en-US" dirty="0"/>
-              <a:t>, also known as a residual connection. The inspiration for this innovation lies in our desire to reduce the amount of work that’s required of a deep network layer.</a:t>
+              <a:rPr lang="en-US" b="0" i="0" dirty="0">
+                <a:solidFill>
+                  <a:srgbClr val="292929"/>
+                </a:solidFill>
+                <a:effectLst/>
+                <a:latin typeface="+mn-lt"/>
+              </a:rPr>
+              <a:t>We begin with a simple image…  first off, the Transformer architecture excels at handling text data which is inherently sequential.  It takes a text sequence as input and produces another text sequence as output;  for example, to translate an input English sentence to Spanish.</a:t>
             </a:r>
           </a:p>
           <a:p>
             <a:pPr algn="l"/>
-            <a:endParaRPr lang="en-US" dirty="0"/>
+            <a:endParaRPr lang="en-US" b="0" i="0" dirty="0">
+              <a:solidFill>
+                <a:srgbClr val="292929"/>
+              </a:solidFill>
+              <a:effectLst/>
+              <a:latin typeface="+mn-lt"/>
+            </a:endParaRPr>
           </a:p>
           <a:p>
             <a:pPr algn="l"/>
             <a:r>
-              <a:rPr lang="en-US" dirty="0"/>
-              <a:t>Let’s start with an analogy. Suppose you’re painting a real, physical portrait using acrylic paints on canvas. After weeks of sittings, the portrait is done, and you send it to your subject for their approval. They say that they like it, but they regret having worn a particular ring on one finger, and wish they’d worn a different one that they like more. Can you change that?</a:t>
-            </a:r>
-          </a:p>
-          <a:p>
-            <a:pPr algn="l"/>
-            <a:endParaRPr lang="en-US" dirty="0"/>
-          </a:p>
-          <a:p>
-            <a:pPr algn="l"/>
-            <a:r>
-              <a:rPr lang="en-US" dirty="0"/>
-              <a:t>One way to proceed would be to invite your subject back to the studio and paint a whole new portrait from scratch on a blank canvas, only this time with the new ring on their finger. That would require a lot of time and effort.  A faster way would be to take the portrait you have, and just paint the new ring over the old one.</a:t>
-            </a:r>
-          </a:p>
-          <a:p>
-            <a:pPr algn="l"/>
-            <a:endParaRPr lang="en-US" dirty="0"/>
-          </a:p>
-          <a:p>
-            <a:pPr algn="l"/>
-            <a:r>
-              <a:rPr lang="en-US" dirty="0"/>
-              <a:t>Now consider a layer in a deep network. A tensor comes in, and the layer does some processing to change that tensor. If the layer only needs to change the input by small amounts, or only in some places, then it would be wasteful to expend resources processing the parts of the tensor that don’t need to change. Just as with the painting, it would be much more efficient for the layer to compute only the changes it wants to make. Then it can combine those changes with the original input to produce its output.</a:t>
-            </a:r>
-          </a:p>
-          <a:p>
-            <a:pPr algn="l"/>
-            <a:endParaRPr lang="en-US" dirty="0"/>
-          </a:p>
-          <a:p>
-            <a:pPr algn="l"/>
-            <a:r>
-              <a:rPr lang="en-US" dirty="0"/>
-              <a:t>The red line in the drawing which carries the input directly to the addition node is called a </a:t>
-            </a:r>
-            <a:r>
-              <a:rPr lang="en-US" b="1" dirty="0"/>
-              <a:t>skip connection</a:t>
-            </a:r>
-            <a:r>
-              <a:rPr lang="en-US" dirty="0"/>
-              <a:t>, or a residual connection.  We can also place a skip connection around multiple layers in sequence, if we like, as shown here on the right.</a:t>
-            </a:r>
+              <a:rPr lang="en-US" b="0" i="0" dirty="0">
+                <a:solidFill>
+                  <a:srgbClr val="292929"/>
+                </a:solidFill>
+                <a:effectLst/>
+                <a:latin typeface="charter"/>
+              </a:rPr>
+              <a:t>As opposed to directional models, which read the text input sequentially (left-to-right or right-to-left), the Transformer encoder reads the entire sequence of words at once. Therefore, it is considered bidirectional, though it would be more accurate to say that it’s non-directional. This characteristic allows the model to learn the context of a word based on </a:t>
+            </a:r>
+            <a:r>
+              <a:rPr lang="en-US" b="1" i="0" dirty="0">
+                <a:solidFill>
+                  <a:srgbClr val="292929"/>
+                </a:solidFill>
+                <a:effectLst/>
+                <a:latin typeface="charter"/>
+              </a:rPr>
+              <a:t>all</a:t>
+            </a:r>
+            <a:r>
+              <a:rPr lang="en-US" b="0" i="0" dirty="0">
+                <a:solidFill>
+                  <a:srgbClr val="292929"/>
+                </a:solidFill>
+                <a:effectLst/>
+                <a:latin typeface="charter"/>
+              </a:rPr>
+              <a:t> of its surroundings (left and right of the word).</a:t>
+            </a:r>
+            <a:endParaRPr lang="en-US" dirty="0">
+              <a:latin typeface="+mn-lt"/>
+            </a:endParaRPr>
           </a:p>
         </p:txBody>
       </p:sp>
@@ -1520,7 +1411,7 @@
     </p:spTree>
     <p:extLst>
       <p:ext uri="{BB962C8B-B14F-4D97-AF65-F5344CB8AC3E}">
-        <p14:creationId xmlns:p14="http://schemas.microsoft.com/office/powerpoint/2010/main" val="3507246277"/>
+        <p14:creationId xmlns:p14="http://schemas.microsoft.com/office/powerpoint/2010/main" val="321616863"/>
       </p:ext>
     </p:extLst>
   </p:cSld>
@@ -1576,13 +1467,42 @@
           <a:p>
             <a:pPr algn="l"/>
             <a:r>
-              <a:rPr lang="en-US" b="1" dirty="0"/>
-              <a:t>Layer norm </a:t>
-            </a:r>
-            <a:r>
-              <a:rPr lang="en-US" dirty="0"/>
-              <a:t>is our third building block.  In transformers, we usually apply a regularization step called layer normalization, or layer norm, to the outputs of a layer, as shown here on the left. Layer norm belongs to the class of regularization techniques, such as dropout and batchnorm, which help control overfitting by keeping the values flowing through the network from getting too big or too small. (Vanishing / exploding gradients)  The layer norm step learns to adjust the values coming out of a layer so that they approximate the shape of a Gaussian bump with a mean of 0 and standard deviation of 1.</a:t>
-            </a:r>
+              <a:rPr lang="en-US" b="0" i="0" dirty="0">
+                <a:solidFill>
+                  <a:srgbClr val="292929"/>
+                </a:solidFill>
+                <a:effectLst/>
+                <a:latin typeface="+mn-lt"/>
+              </a:rPr>
+              <a:t>At its core, a transformer contains a stack of Encoder and Decoder layers. To avoid confusion, we will refer to the individual layer as an Encoder or a Decoder and will use Encoder stack or Decoder stack for a group of Encoder layers.</a:t>
+            </a:r>
+          </a:p>
+          <a:p>
+            <a:pPr algn="l"/>
+            <a:endParaRPr lang="en-US" b="0" i="0" dirty="0">
+              <a:solidFill>
+                <a:srgbClr val="292929"/>
+              </a:solidFill>
+              <a:effectLst/>
+              <a:latin typeface="+mn-lt"/>
+            </a:endParaRPr>
+          </a:p>
+          <a:p>
+            <a:pPr algn="l"/>
+            <a:r>
+              <a:rPr lang="en-US" b="0" i="0" dirty="0">
+                <a:solidFill>
+                  <a:srgbClr val="292929"/>
+                </a:solidFill>
+                <a:effectLst/>
+                <a:latin typeface="+mn-lt"/>
+              </a:rPr>
+              <a:t>The Encoder stack and the Decoder stack each have their corresponding Embedding layers for their respective inputs. And finally, there is an Output layer to generate the final output.</a:t>
+            </a:r>
+          </a:p>
+          <a:p>
+            <a:pPr algn="l"/>
+            <a:endParaRPr lang="en-US" dirty="0"/>
           </a:p>
         </p:txBody>
       </p:sp>
@@ -1612,237 +1532,7 @@
     </p:spTree>
     <p:extLst>
       <p:ext uri="{BB962C8B-B14F-4D97-AF65-F5344CB8AC3E}">
-        <p14:creationId xmlns:p14="http://schemas.microsoft.com/office/powerpoint/2010/main" val="3456021193"/>
-      </p:ext>
-    </p:extLst>
-  </p:cSld>
-  <p:clrMapOvr>
-    <a:masterClrMapping/>
-  </p:clrMapOvr>
-</p:notes>
-</file>
-
-<file path=ppt/notesSlides/notesSlide18.xml><?xml version="1.0" encoding="utf-8"?>
-<p:notes xmlns:a="http://schemas.openxmlformats.org/drawingml/2006/main" xmlns:r="http://schemas.openxmlformats.org/officeDocument/2006/relationships" xmlns:p="http://schemas.openxmlformats.org/presentationml/2006/main">
-  <p:cSld>
-    <p:spTree>
-      <p:nvGrpSpPr>
-        <p:cNvPr id="1" name=""/>
-        <p:cNvGrpSpPr/>
-        <p:nvPr/>
-      </p:nvGrpSpPr>
-      <p:grpSpPr>
-        <a:xfrm>
-          <a:off x="0" y="0"/>
-          <a:ext cx="0" cy="0"/>
-          <a:chOff x="0" y="0"/>
-          <a:chExt cx="0" cy="0"/>
-        </a:xfrm>
-      </p:grpSpPr>
-      <p:sp>
-        <p:nvSpPr>
-          <p:cNvPr id="2" name="Slide Image Placeholder 1"/>
-          <p:cNvSpPr>
-            <a:spLocks noGrp="1" noRot="1" noChangeAspect="1"/>
-          </p:cNvSpPr>
-          <p:nvPr>
-            <p:ph type="sldImg"/>
-          </p:nvPr>
-        </p:nvSpPr>
-        <p:spPr/>
-      </p:sp>
-      <p:sp>
-        <p:nvSpPr>
-          <p:cNvPr id="3" name="Notes Placeholder 2"/>
-          <p:cNvSpPr>
-            <a:spLocks noGrp="1"/>
-          </p:cNvSpPr>
-          <p:nvPr>
-            <p:ph type="body" idx="1"/>
-          </p:nvPr>
-        </p:nvSpPr>
-        <p:spPr/>
-        <p:txBody>
-          <a:bodyPr/>
-          <a:lstStyle/>
-          <a:p>
-            <a:pPr algn="l"/>
-            <a:r>
-              <a:rPr lang="en-US" dirty="0"/>
-              <a:t>And our last transformer building block – </a:t>
-            </a:r>
-            <a:r>
-              <a:rPr lang="en-US" b="1" dirty="0"/>
-              <a:t>positional encoding </a:t>
-            </a:r>
-            <a:r>
-              <a:rPr lang="en-US" dirty="0"/>
-              <a:t>– was designed to solve a problem that comes up as soon as we take RNNs out of our system: we lose track of where each word is in the input sentence. This important information is inherent in the RNN structure, because the words come in one at a time, allowing the hidden state inside a recurrent cell to remember the order in which the words arrived.</a:t>
-            </a:r>
-          </a:p>
-          <a:p>
-            <a:pPr algn="l"/>
-            <a:endParaRPr lang="en-US" dirty="0"/>
-          </a:p>
-          <a:p>
-            <a:pPr algn="l"/>
-            <a:r>
-              <a:rPr lang="en-US" dirty="0"/>
-              <a:t>But as we’ve seen, attention mixes together the representations of multiple words. How can later stages know where each word belongs in the sentence?</a:t>
-            </a:r>
-          </a:p>
-          <a:p>
-            <a:pPr algn="l"/>
-            <a:endParaRPr lang="en-US" dirty="0"/>
-          </a:p>
-          <a:p>
-            <a:pPr algn="l"/>
-            <a:r>
-              <a:rPr lang="en-US" dirty="0"/>
-              <a:t>The answer is to insert each word’s position, or index, into the representation for the word itself. That way, as the word’s representations get processed, the position information naturally comes along for the ride. The generic name for this process is positional encoding.  I will not cover the technical details of positional encoding in this mini-lecture.</a:t>
-            </a:r>
-          </a:p>
-          <a:p>
-            <a:pPr algn="l"/>
-            <a:endParaRPr lang="en-US" dirty="0"/>
-          </a:p>
-          <a:p>
-            <a:pPr algn="l"/>
-            <a:r>
-              <a:rPr lang="en-US" dirty="0"/>
-              <a:t>Alright, that wraps up this mini-lecture of transformer building blocks.  </a:t>
-            </a:r>
-          </a:p>
-        </p:txBody>
-      </p:sp>
-      <p:sp>
-        <p:nvSpPr>
-          <p:cNvPr id="4" name="Slide Number Placeholder 3"/>
-          <p:cNvSpPr>
-            <a:spLocks noGrp="1"/>
-          </p:cNvSpPr>
-          <p:nvPr>
-            <p:ph type="sldNum" sz="quarter" idx="5"/>
-          </p:nvPr>
-        </p:nvSpPr>
-        <p:spPr/>
-        <p:txBody>
-          <a:bodyPr/>
-          <a:lstStyle/>
-          <a:p>
-            <a:fld id="{3148858F-F1DB-4027-9C85-CCA6849540DD}" type="slidenum">
-              <a:rPr lang="en-US" smtClean="0"/>
-              <a:t>18</a:t>
-            </a:fld>
-            <a:endParaRPr lang="en-US"/>
-          </a:p>
-        </p:txBody>
-      </p:sp>
-    </p:spTree>
-    <p:extLst>
-      <p:ext uri="{BB962C8B-B14F-4D97-AF65-F5344CB8AC3E}">
-        <p14:creationId xmlns:p14="http://schemas.microsoft.com/office/powerpoint/2010/main" val="50257330"/>
-      </p:ext>
-    </p:extLst>
-  </p:cSld>
-  <p:clrMapOvr>
-    <a:masterClrMapping/>
-  </p:clrMapOvr>
-</p:notes>
-</file>
-
-<file path=ppt/notesSlides/notesSlide19.xml><?xml version="1.0" encoding="utf-8"?>
-<p:notes xmlns:a="http://schemas.openxmlformats.org/drawingml/2006/main" xmlns:r="http://schemas.openxmlformats.org/officeDocument/2006/relationships" xmlns:p="http://schemas.openxmlformats.org/presentationml/2006/main">
-  <p:cSld>
-    <p:spTree>
-      <p:nvGrpSpPr>
-        <p:cNvPr id="1" name=""/>
-        <p:cNvGrpSpPr/>
-        <p:nvPr/>
-      </p:nvGrpSpPr>
-      <p:grpSpPr>
-        <a:xfrm>
-          <a:off x="0" y="0"/>
-          <a:ext cx="0" cy="0"/>
-          <a:chOff x="0" y="0"/>
-          <a:chExt cx="0" cy="0"/>
-        </a:xfrm>
-      </p:grpSpPr>
-      <p:sp>
-        <p:nvSpPr>
-          <p:cNvPr id="2" name="Slide Image Placeholder 1"/>
-          <p:cNvSpPr>
-            <a:spLocks noGrp="1" noRot="1" noChangeAspect="1"/>
-          </p:cNvSpPr>
-          <p:nvPr>
-            <p:ph type="sldImg"/>
-          </p:nvPr>
-        </p:nvSpPr>
-        <p:spPr/>
-      </p:sp>
-      <p:sp>
-        <p:nvSpPr>
-          <p:cNvPr id="3" name="Notes Placeholder 2"/>
-          <p:cNvSpPr>
-            <a:spLocks noGrp="1"/>
-          </p:cNvSpPr>
-          <p:nvPr>
-            <p:ph type="body" idx="1"/>
-          </p:nvPr>
-        </p:nvSpPr>
-        <p:spPr/>
-        <p:txBody>
-          <a:bodyPr/>
-          <a:lstStyle/>
-          <a:p>
-            <a:pPr marL="0" marR="0" lvl="0" indent="0" algn="l" defTabSz="914400" rtl="0" eaLnBrk="1" fontAlgn="auto" latinLnBrk="0" hangingPunct="1">
-              <a:lnSpc>
-                <a:spcPct val="100000"/>
-              </a:lnSpc>
-              <a:spcBef>
-                <a:spcPts val="0"/>
-              </a:spcBef>
-              <a:spcAft>
-                <a:spcPts val="0"/>
-              </a:spcAft>
-              <a:buClrTx/>
-              <a:buSzTx/>
-              <a:buFontTx/>
-              <a:buNone/>
-              <a:tabLst/>
-              <a:defRPr/>
-            </a:pPr>
-            <a:endParaRPr lang="en-US" dirty="0"/>
-          </a:p>
-        </p:txBody>
-      </p:sp>
-      <p:sp>
-        <p:nvSpPr>
-          <p:cNvPr id="4" name="Slide Number Placeholder 3"/>
-          <p:cNvSpPr>
-            <a:spLocks noGrp="1"/>
-          </p:cNvSpPr>
-          <p:nvPr>
-            <p:ph type="sldNum" sz="quarter" idx="5"/>
-          </p:nvPr>
-        </p:nvSpPr>
-        <p:spPr/>
-        <p:txBody>
-          <a:bodyPr/>
-          <a:lstStyle/>
-          <a:p>
-            <a:fld id="{3148858F-F1DB-4027-9C85-CCA6849540DD}" type="slidenum">
-              <a:rPr lang="en-US" smtClean="0"/>
-              <a:t>19</a:t>
-            </a:fld>
-            <a:endParaRPr lang="en-US"/>
-          </a:p>
-        </p:txBody>
-      </p:sp>
-    </p:spTree>
-    <p:extLst>
-      <p:ext uri="{BB962C8B-B14F-4D97-AF65-F5344CB8AC3E}">
-        <p14:creationId xmlns:p14="http://schemas.microsoft.com/office/powerpoint/2010/main" val="3333302820"/>
+        <p14:creationId xmlns:p14="http://schemas.microsoft.com/office/powerpoint/2010/main" val="2052316668"/>
       </p:ext>
     </p:extLst>
   </p:cSld>
@@ -1898,34 +1588,67 @@
           <a:p>
             <a:pPr algn="l"/>
             <a:r>
+              <a:rPr lang="en-US" b="0" i="0" dirty="0">
+                <a:solidFill>
+                  <a:srgbClr val="292929"/>
+                </a:solidFill>
+                <a:effectLst/>
+                <a:latin typeface="+mn-lt"/>
+              </a:rPr>
+              <a:t>We begin with a simple image…  first off, the Transformer architecture excels at handling sequential text data.  It takes a text sequence as input and produces another text sequence as output.  Here we see a French sentence translated into English.</a:t>
+            </a:r>
+          </a:p>
+          <a:p>
+            <a:pPr algn="l"/>
+            <a:endParaRPr lang="en-US" b="0" i="0" dirty="0">
+              <a:solidFill>
+                <a:srgbClr val="292929"/>
+              </a:solidFill>
+              <a:effectLst/>
+              <a:latin typeface="+mn-lt"/>
+            </a:endParaRPr>
+          </a:p>
+          <a:p>
+            <a:pPr algn="l"/>
+            <a:r>
+              <a:rPr lang="en-US" b="0" i="0" dirty="0">
+                <a:solidFill>
+                  <a:srgbClr val="292929"/>
+                </a:solidFill>
+                <a:effectLst/>
+                <a:latin typeface="charter"/>
+              </a:rPr>
+              <a:t>As opposed to directional models, which read the text input sequentially (left-to-right or right-to-left), the Transformer encoder reads the entire sequence of words at once. Therefore, it is considered bidirectional, though it would be more accurate to say that it’s non-directional. This characteristic allows the model to learn the context of a word based on </a:t>
+            </a:r>
+            <a:r>
+              <a:rPr lang="en-US" b="1" i="0" dirty="0">
+                <a:solidFill>
+                  <a:srgbClr val="292929"/>
+                </a:solidFill>
+                <a:effectLst/>
+                <a:latin typeface="charter"/>
+              </a:rPr>
+              <a:t>all</a:t>
+            </a:r>
+            <a:r>
+              <a:rPr lang="en-US" b="0" i="0" dirty="0">
+                <a:solidFill>
+                  <a:srgbClr val="292929"/>
+                </a:solidFill>
+                <a:effectLst/>
+                <a:latin typeface="charter"/>
+              </a:rPr>
+              <a:t> of its surroundings (left and right of the word).</a:t>
+            </a:r>
+            <a:endParaRPr lang="en-US" dirty="0">
+              <a:latin typeface="+mn-lt"/>
+            </a:endParaRPr>
+          </a:p>
+          <a:p>
+            <a:pPr algn="l"/>
+            <a:r>
               <a:rPr lang="en-US" dirty="0"/>
-              <a:t>Though powerful, RNNs have a few drawbacks. Because all the information about an input is represented in a single piece of state memory, or context vector, the networks inside each recurrent cell need to work hard to compress everything that’s needed into the available space. And no matter how large we make the state memory, we can always get an input that exceeds what the memory can hold, so something necessarily gets lost.  Another problem is that an RNN must be trained and used one word at a time. This can be a slow way to work, particularly with large databases.  Let’s start by reviewing basic RNN architecture….</a:t>
-            </a:r>
-          </a:p>
-          <a:p>
-            <a:pPr algn="l"/>
-            <a:endParaRPr lang="en-US" dirty="0"/>
-          </a:p>
-          <a:p>
-            <a:pPr algn="l"/>
-            <a:r>
-              <a:rPr lang="en-US" dirty="0"/>
-              <a:t>=====</a:t>
-            </a:r>
-          </a:p>
-          <a:p>
-            <a:pPr algn="l"/>
-            <a:r>
-              <a:rPr lang="en-US" dirty="0"/>
-              <a:t>An attention network is an alternative approach.  Attention networks do not have a state memory and can be trained and used in parallel. They can also be combined into larger structures called transformers; large language models capable of performing complex tasks like translation.  In fact, the building blocks of </a:t>
-            </a:r>
-            <a:r>
-              <a:rPr lang="en-US" b="1" dirty="0"/>
-              <a:t>transformers</a:t>
-            </a:r>
-            <a:r>
-              <a:rPr lang="en-US" dirty="0"/>
-              <a:t> can be used in other architectures that provide even more powerful language models, including generators.</a:t>
+              <a:t> </a:t>
             </a:r>
           </a:p>
         </p:txBody>
@@ -1956,7 +1679,7 @@
     </p:spTree>
     <p:extLst>
       <p:ext uri="{BB962C8B-B14F-4D97-AF65-F5344CB8AC3E}">
-        <p14:creationId xmlns:p14="http://schemas.microsoft.com/office/powerpoint/2010/main" val="3451864319"/>
+        <p14:creationId xmlns:p14="http://schemas.microsoft.com/office/powerpoint/2010/main" val="2300733190"/>
       </p:ext>
     </p:extLst>
   </p:cSld>
@@ -2010,22 +1733,60 @@
           <a:bodyPr/>
           <a:lstStyle/>
           <a:p>
-            <a:pPr algn="l" fontAlgn="base"/>
-            <a:r>
-              <a:rPr lang="en-US" dirty="0"/>
-              <a:t>Prior to transformers, advanced recurrent architectures such as LSTMs were the state of the art in NLP.  RNN models contain a feedback loop which allows information to propagate from one step to another, making them ideal for modeling sequential data like text. As illustrated on the left side of this image, an RNN receives some input (which could be a word or character), feeds it through the network, and outputs a vector called the hidden state. At the same time, the model feeds some information back to itself through the feedback loop, which it can then use in the next step. This can be more clearly seen if we “unroll” the loop as shown on the right side of this image: the RNN passes information about its state at each step to the next operation in the sequence. This allows an RNN to keep track of information from previous steps and use it for its output predictions.</a:t>
-            </a:r>
-          </a:p>
-          <a:p>
-            <a:pPr algn="l" fontAlgn="base"/>
+            <a:pPr algn="l"/>
+            <a:r>
+              <a:rPr lang="en-US" b="0" i="0" dirty="0">
+                <a:solidFill>
+                  <a:srgbClr val="292929"/>
+                </a:solidFill>
+                <a:effectLst/>
+                <a:latin typeface="+mn-lt"/>
+              </a:rPr>
+              <a:t>At its core, a transformer contains a stack of Encoder and Decoder layers. To avoid confusion, we refer to the individual layer as an Encoder or a Decoder and will use Encoder stack or Decoder stack for a group of Encoder layers.</a:t>
+            </a:r>
+          </a:p>
+          <a:p>
+            <a:pPr algn="l"/>
+            <a:endParaRPr lang="en-US" b="0" i="0" dirty="0">
+              <a:solidFill>
+                <a:srgbClr val="292929"/>
+              </a:solidFill>
+              <a:effectLst/>
+              <a:latin typeface="+mn-lt"/>
+            </a:endParaRPr>
+          </a:p>
+          <a:p>
+            <a:pPr algn="l"/>
+            <a:r>
+              <a:rPr lang="en-US" b="0" i="0" dirty="0">
+                <a:solidFill>
+                  <a:srgbClr val="292929"/>
+                </a:solidFill>
+                <a:effectLst/>
+                <a:latin typeface="+mn-lt"/>
+              </a:rPr>
+              <a:t>The Encoder stack and the Decoder stack each have their corresponding Embedding layers for their respective inputs. And finally, there is an Output layer to generate the final output.</a:t>
+            </a:r>
+          </a:p>
+          <a:p>
+            <a:pPr marL="0" marR="0" lvl="0" indent="0" algn="l" defTabSz="914400" rtl="0" eaLnBrk="1" fontAlgn="auto" latinLnBrk="0" hangingPunct="1">
+              <a:lnSpc>
+                <a:spcPct val="100000"/>
+              </a:lnSpc>
+              <a:spcBef>
+                <a:spcPts val="0"/>
+              </a:spcBef>
+              <a:spcAft>
+                <a:spcPts val="0"/>
+              </a:spcAft>
+              <a:buClrTx/>
+              <a:buSzTx/>
+              <a:buFontTx/>
+              <a:buNone/>
+              <a:tabLst/>
+              <a:defRPr/>
+            </a:pPr>
             <a:endParaRPr lang="en-US" dirty="0"/>
-          </a:p>
-          <a:p>
-            <a:pPr algn="l" fontAlgn="base"/>
-            <a:r>
-              <a:rPr lang="en-US" dirty="0"/>
-              <a:t>These architectures were (and continue to be) widely used for NLP tasks, speech processing, and time series. You can find a wonderful exposition of their capabilities in Andrej Karpathy’s blog post, “The Unreasonable Effectiveness of Recurrent Neural Networks”.</a:t>
-            </a:r>
           </a:p>
         </p:txBody>
       </p:sp>
@@ -2055,7 +1816,7 @@
     </p:spTree>
     <p:extLst>
       <p:ext uri="{BB962C8B-B14F-4D97-AF65-F5344CB8AC3E}">
-        <p14:creationId xmlns:p14="http://schemas.microsoft.com/office/powerpoint/2010/main" val="1047077964"/>
+        <p14:creationId xmlns:p14="http://schemas.microsoft.com/office/powerpoint/2010/main" val="1658867139"/>
       </p:ext>
     </p:extLst>
   </p:cSld>
@@ -2127,138 +1888,56 @@
               <a:defRPr/>
             </a:pPr>
             <a:r>
-              <a:rPr lang="en-US" dirty="0"/>
-              <a:t>One area where RNNs played an important role was in the development of machine translation systems, where the objective is to map a sequence of words in one language to another. This kind of task is usually tackled with an encoder-decoder or sequence-to-sequence architecture, which is well suited for situations where the input and output are both sequences of arbitrary length. The job of the encoder is to encode the information from the input sequence into a numerical representation that is often called the last hidden state. This state is then passed to the decoder, which generates the output sequence.</a:t>
-            </a:r>
-          </a:p>
-          <a:p>
-            <a:pPr marL="0" marR="0" lvl="0" indent="0" algn="l" defTabSz="914400" rtl="0" eaLnBrk="1" fontAlgn="auto" latinLnBrk="0" hangingPunct="1">
-              <a:lnSpc>
-                <a:spcPct val="100000"/>
-              </a:lnSpc>
-              <a:spcBef>
-                <a:spcPts val="0"/>
-              </a:spcBef>
-              <a:spcAft>
-                <a:spcPts val="0"/>
-              </a:spcAft>
-              <a:buClrTx/>
-              <a:buSzTx/>
-              <a:buFontTx/>
-              <a:buNone/>
-              <a:tabLst/>
-              <a:defRPr/>
-            </a:pPr>
+              <a:rPr lang="en-US" b="0" i="0" dirty="0">
+                <a:solidFill>
+                  <a:srgbClr val="292929"/>
+                </a:solidFill>
+                <a:effectLst/>
+                <a:latin typeface="charter"/>
+              </a:rPr>
+              <a:t>All encoders have the same architecture.  Each encoder consists of two layers: </a:t>
+            </a:r>
+            <a:r>
+              <a:rPr lang="en-US" b="1" i="0" dirty="0">
+                <a:solidFill>
+                  <a:srgbClr val="292929"/>
+                </a:solidFill>
+                <a:effectLst/>
+                <a:latin typeface="charter"/>
+              </a:rPr>
+              <a:t>Self-attention</a:t>
+            </a:r>
+            <a:r>
+              <a:rPr lang="en-US" b="0" i="0" dirty="0">
+                <a:solidFill>
+                  <a:srgbClr val="292929"/>
+                </a:solidFill>
+                <a:effectLst/>
+                <a:latin typeface="charter"/>
+              </a:rPr>
+              <a:t> and a feed Forward Neural Network. The encoder’s inputs first flow through a</a:t>
+            </a:r>
+            <a:r>
+              <a:rPr lang="en-US" b="1" i="0" dirty="0">
+                <a:solidFill>
+                  <a:srgbClr val="292929"/>
+                </a:solidFill>
+                <a:effectLst/>
+                <a:latin typeface="charter"/>
+              </a:rPr>
+              <a:t> self-attention</a:t>
+            </a:r>
+            <a:r>
+              <a:rPr lang="en-US" b="0" i="0" dirty="0">
+                <a:solidFill>
+                  <a:srgbClr val="292929"/>
+                </a:solidFill>
+                <a:effectLst/>
+                <a:latin typeface="charter"/>
+              </a:rPr>
+              <a:t> layer which helps it look at other words in the input sentence as it encodes a specific word.</a:t>
+            </a:r>
             <a:endParaRPr lang="en-US" dirty="0"/>
-          </a:p>
-          <a:p>
-            <a:pPr marL="0" marR="0" lvl="0" indent="0" algn="l" defTabSz="914400" rtl="0" eaLnBrk="1" fontAlgn="auto" latinLnBrk="0" hangingPunct="1">
-              <a:lnSpc>
-                <a:spcPct val="100000"/>
-              </a:lnSpc>
-              <a:spcBef>
-                <a:spcPts val="0"/>
-              </a:spcBef>
-              <a:spcAft>
-                <a:spcPts val="0"/>
-              </a:spcAft>
-              <a:buClrTx/>
-              <a:buSzTx/>
-              <a:buFontTx/>
-              <a:buNone/>
-              <a:tabLst/>
-              <a:defRPr/>
-            </a:pPr>
-            <a:r>
-              <a:rPr lang="en-US" dirty="0"/>
-              <a:t>In general, the encoder and decoder components can be any kind of neural network architecture that can model sequences. This is illustrated for a pair of RNNs pictured here, where the English sentence “Transformers are great!” is encoded as a hidden state vector that is then decoded to produce the German translation “Transformer sind grossartig!” The input words are fed sequentially through the encoder and the output words are generated one at a time, from top to bottom.</a:t>
-            </a:r>
-          </a:p>
-          <a:p>
-            <a:pPr marL="0" marR="0" lvl="0" indent="0" algn="l" defTabSz="914400" rtl="0" eaLnBrk="1" fontAlgn="auto" latinLnBrk="0" hangingPunct="1">
-              <a:lnSpc>
-                <a:spcPct val="100000"/>
-              </a:lnSpc>
-              <a:spcBef>
-                <a:spcPts val="0"/>
-              </a:spcBef>
-              <a:spcAft>
-                <a:spcPts val="0"/>
-              </a:spcAft>
-              <a:buClrTx/>
-              <a:buSzTx/>
-              <a:buFontTx/>
-              <a:buNone/>
-              <a:tabLst/>
-              <a:defRPr/>
-            </a:pPr>
-            <a:endParaRPr lang="en-US" dirty="0"/>
-          </a:p>
-          <a:p>
-            <a:pPr marL="0" marR="0" lvl="0" indent="0" algn="l" defTabSz="914400" rtl="0" eaLnBrk="1" fontAlgn="auto" latinLnBrk="0" hangingPunct="1">
-              <a:lnSpc>
-                <a:spcPct val="100000"/>
-              </a:lnSpc>
-              <a:spcBef>
-                <a:spcPts val="0"/>
-              </a:spcBef>
-              <a:spcAft>
-                <a:spcPts val="0"/>
-              </a:spcAft>
-              <a:buClrTx/>
-              <a:buSzTx/>
-              <a:buFontTx/>
-              <a:buNone/>
-              <a:tabLst/>
-              <a:defRPr/>
-            </a:pPr>
-            <a:r>
-              <a:rPr lang="en-US" dirty="0"/>
-              <a:t>Although elegant in its simplicity, one weakness of this architecture is that the final hidden state of the encoder creates an information bottleneck: it has to represent the meaning of the whole input sequence because this is all the decoder has access to when generating the output. This is especially challenging for long sequences, where information at the start of the sequence might be lost in the process of compressing everything to a single, fixed representation.</a:t>
-            </a:r>
-          </a:p>
-          <a:p>
-            <a:pPr marL="0" marR="0" lvl="0" indent="0" algn="l" defTabSz="914400" rtl="0" eaLnBrk="1" fontAlgn="auto" latinLnBrk="0" hangingPunct="1">
-              <a:lnSpc>
-                <a:spcPct val="100000"/>
-              </a:lnSpc>
-              <a:spcBef>
-                <a:spcPts val="0"/>
-              </a:spcBef>
-              <a:spcAft>
-                <a:spcPts val="0"/>
-              </a:spcAft>
-              <a:buClrTx/>
-              <a:buSzTx/>
-              <a:buFontTx/>
-              <a:buNone/>
-              <a:tabLst/>
-              <a:defRPr/>
-            </a:pPr>
-            <a:endParaRPr lang="en-US" dirty="0"/>
-          </a:p>
-          <a:p>
-            <a:pPr marL="0" marR="0" lvl="0" indent="0" algn="l" defTabSz="914400" rtl="0" eaLnBrk="1" fontAlgn="auto" latinLnBrk="0" hangingPunct="1">
-              <a:lnSpc>
-                <a:spcPct val="100000"/>
-              </a:lnSpc>
-              <a:spcBef>
-                <a:spcPts val="0"/>
-              </a:spcBef>
-              <a:spcAft>
-                <a:spcPts val="0"/>
-              </a:spcAft>
-              <a:buClrTx/>
-              <a:buSzTx/>
-              <a:buFontTx/>
-              <a:buNone/>
-              <a:tabLst/>
-              <a:defRPr/>
-            </a:pPr>
-            <a:r>
-              <a:rPr lang="en-US" dirty="0"/>
-              <a:t>Fortunately, there is a way out of this bottleneck by allowing the decoder to have access to all of the encoder’s hidden states. The general mechanism for this is called attention, and it is a key component in many modern neural network architectures. </a:t>
-            </a:r>
           </a:p>
         </p:txBody>
       </p:sp>
@@ -2288,7 +1967,7 @@
     </p:spTree>
     <p:extLst>
       <p:ext uri="{BB962C8B-B14F-4D97-AF65-F5344CB8AC3E}">
-        <p14:creationId xmlns:p14="http://schemas.microsoft.com/office/powerpoint/2010/main" val="2538481723"/>
+        <p14:creationId xmlns:p14="http://schemas.microsoft.com/office/powerpoint/2010/main" val="429660952"/>
       </p:ext>
     </p:extLst>
   </p:cSld>
@@ -2360,52 +2039,16 @@
               <a:defRPr/>
             </a:pPr>
             <a:r>
-              <a:rPr lang="en-US" dirty="0"/>
-              <a:t>The main idea behind attention is that instead of producing a single hidden state for the input sequence, the encoder outputs a hidden state at each step that the decoder can access. However, using all the states at the same time would create a huge input for the decoder, so some mechanism is needed to prioritize which states to use. This is where attention comes in: it lets the decoder assign a different amount of weight, or “attention,” to each of the encoder states at every decoding timestep. This process is illustrated here, where the role of attention is shown for predicting the third token in the output sequence.</a:t>
-            </a:r>
-          </a:p>
-          <a:p>
-            <a:pPr marL="0" marR="0" lvl="0" indent="0" algn="l" defTabSz="914400" rtl="0" eaLnBrk="1" fontAlgn="auto" latinLnBrk="0" hangingPunct="1">
-              <a:lnSpc>
-                <a:spcPct val="100000"/>
-              </a:lnSpc>
-              <a:spcBef>
-                <a:spcPts val="0"/>
-              </a:spcBef>
-              <a:spcAft>
-                <a:spcPts val="0"/>
-              </a:spcAft>
-              <a:buClrTx/>
-              <a:buSzTx/>
-              <a:buFontTx/>
-              <a:buNone/>
-              <a:tabLst/>
-              <a:defRPr/>
-            </a:pPr>
+              <a:rPr lang="en-US" b="0" i="0" dirty="0">
+                <a:solidFill>
+                  <a:srgbClr val="292929"/>
+                </a:solidFill>
+                <a:effectLst/>
+                <a:latin typeface="charter"/>
+              </a:rPr>
+              <a:t>All decoders have the same architecture.   And like the encoder, the decoder contains both self-attention and feed forward layers, with an attention layer sandwiched in-between.  This layer helps the decoder focus on relevant parts of the input sentence.</a:t>
+            </a:r>
             <a:endParaRPr lang="en-US" dirty="0"/>
-          </a:p>
-          <a:p>
-            <a:pPr marL="0" marR="0" lvl="0" indent="0" algn="l" defTabSz="914400" rtl="0" eaLnBrk="1" fontAlgn="auto" latinLnBrk="0" hangingPunct="1">
-              <a:lnSpc>
-                <a:spcPct val="100000"/>
-              </a:lnSpc>
-              <a:spcBef>
-                <a:spcPts val="0"/>
-              </a:spcBef>
-              <a:spcAft>
-                <a:spcPts val="0"/>
-              </a:spcAft>
-              <a:buClrTx/>
-              <a:buSzTx/>
-              <a:buFontTx/>
-              <a:buNone/>
-              <a:tabLst/>
-              <a:defRPr/>
-            </a:pPr>
-            <a:r>
-              <a:rPr lang="en-US" dirty="0"/>
-              <a:t>By focusing on which input tokens are most relevant at each timestep, these attention-based models are able to learn nontrivial alignments between the words in a generated translation and those in a source sentence. </a:t>
-            </a:r>
           </a:p>
         </p:txBody>
       </p:sp>
@@ -2435,7 +2078,7 @@
     </p:spTree>
     <p:extLst>
       <p:ext uri="{BB962C8B-B14F-4D97-AF65-F5344CB8AC3E}">
-        <p14:creationId xmlns:p14="http://schemas.microsoft.com/office/powerpoint/2010/main" val="4057235265"/>
+        <p14:creationId xmlns:p14="http://schemas.microsoft.com/office/powerpoint/2010/main" val="4140246655"/>
       </p:ext>
     </p:extLst>
   </p:cSld>
@@ -2489,109 +2132,88 @@
           <a:bodyPr/>
           <a:lstStyle/>
           <a:p>
-            <a:pPr marL="0" marR="0" lvl="0" indent="0" algn="l" defTabSz="914400" rtl="0" eaLnBrk="1" fontAlgn="auto" latinLnBrk="0" hangingPunct="1">
-              <a:lnSpc>
-                <a:spcPct val="100000"/>
-              </a:lnSpc>
-              <a:spcBef>
-                <a:spcPts val="0"/>
-              </a:spcBef>
-              <a:spcAft>
-                <a:spcPts val="0"/>
-              </a:spcAft>
-              <a:buClrTx/>
-              <a:buSzTx/>
-              <a:buFontTx/>
-              <a:buNone/>
-              <a:tabLst/>
-              <a:defRPr/>
+            <a:pPr algn="l"/>
+            <a:r>
+              <a:rPr lang="en-US" b="0" i="0" dirty="0">
+                <a:solidFill>
+                  <a:srgbClr val="292929"/>
+                </a:solidFill>
+                <a:effectLst/>
+                <a:latin typeface="+mn-lt"/>
+              </a:rPr>
+              <a:t>All the Encoders are identical to one another. Similarly, all the Decoders are identical.</a:t>
+            </a:r>
+          </a:p>
+          <a:p>
+            <a:pPr algn="l"/>
+            <a:endParaRPr lang="en-US" b="0" i="0" dirty="0">
+              <a:solidFill>
+                <a:srgbClr val="292929"/>
+              </a:solidFill>
+              <a:effectLst/>
+              <a:latin typeface="+mn-lt"/>
+            </a:endParaRPr>
+          </a:p>
+          <a:p>
+            <a:pPr marL="228600" indent="-228600" algn="l">
+              <a:buFont typeface="Courier New" panose="02070309020205020404" pitchFamily="49" charset="0"/>
+              <a:buChar char="o"/>
             </a:pPr>
             <a:r>
-              <a:rPr lang="en-US" dirty="0"/>
-              <a:t>Although attention enabled the production of much better translations, there was still a major shortcoming with using recurrent models for the encoder and decoder: the computations are inherently sequential and cannot be parallelized across the input sequence.</a:t>
-            </a:r>
-          </a:p>
-          <a:p>
-            <a:pPr marL="0" marR="0" lvl="0" indent="0" algn="l" defTabSz="914400" rtl="0" eaLnBrk="1" fontAlgn="auto" latinLnBrk="0" hangingPunct="1">
-              <a:lnSpc>
-                <a:spcPct val="100000"/>
-              </a:lnSpc>
-              <a:spcBef>
-                <a:spcPts val="0"/>
-              </a:spcBef>
-              <a:spcAft>
-                <a:spcPts val="0"/>
-              </a:spcAft>
-              <a:buClrTx/>
-              <a:buSzTx/>
-              <a:buFontTx/>
-              <a:buNone/>
-              <a:tabLst/>
-              <a:defRPr/>
+              <a:rPr lang="en-US" b="0" i="0" dirty="0">
+                <a:solidFill>
+                  <a:srgbClr val="292929"/>
+                </a:solidFill>
+                <a:effectLst/>
+                <a:latin typeface="+mn-lt"/>
+              </a:rPr>
+              <a:t>The Encoder contains the all-important Self-attention layer that computes the relationship between different words in the sequence.</a:t>
+            </a:r>
+          </a:p>
+          <a:p>
+            <a:pPr marL="228600" indent="-228600" algn="l">
+              <a:buFont typeface="Courier New" panose="02070309020205020404" pitchFamily="49" charset="0"/>
+              <a:buChar char="o"/>
             </a:pPr>
-            <a:endParaRPr lang="en-US" dirty="0"/>
-          </a:p>
-          <a:p>
-            <a:pPr marL="0" marR="0" lvl="0" indent="0" algn="l" defTabSz="914400" rtl="0" eaLnBrk="1" fontAlgn="auto" latinLnBrk="0" hangingPunct="1">
-              <a:lnSpc>
-                <a:spcPct val="100000"/>
-              </a:lnSpc>
-              <a:spcBef>
-                <a:spcPts val="0"/>
-              </a:spcBef>
-              <a:spcAft>
-                <a:spcPts val="0"/>
-              </a:spcAft>
-              <a:buClrTx/>
-              <a:buSzTx/>
-              <a:buFontTx/>
-              <a:buNone/>
-              <a:tabLst/>
-              <a:defRPr/>
+            <a:r>
+              <a:rPr lang="en-US" b="0" i="0" dirty="0">
+                <a:solidFill>
+                  <a:srgbClr val="292929"/>
+                </a:solidFill>
+                <a:effectLst/>
+                <a:latin typeface="+mn-lt"/>
+              </a:rPr>
+              <a:t>The Decoder also contains the Self-attention layer and the Feed-forward layer, as well as a second Encoder-Decoder attention layer.</a:t>
+            </a:r>
+          </a:p>
+          <a:p>
+            <a:pPr marL="228600" indent="-228600" algn="l">
+              <a:buFont typeface="Courier New" panose="02070309020205020404" pitchFamily="49" charset="0"/>
+              <a:buChar char="o"/>
             </a:pPr>
             <a:r>
-              <a:rPr lang="en-US" dirty="0"/>
-              <a:t>With the transformer, a new modeling paradigm was introduced: dispense with recurrence altogether, and instead rely entirely on a special form of attention called self-attention. The basic idea is to allow attention to operate on all the states in the same layer of the neural network. This is shown here, where both the encoder and the decoder have their own self-attention mechanisms, whose outputs are fed to feed-forward neural networks (FF NNs). This architecture can be trained much faster than recurrent models and paved the way for many of the recent breakthroughs in NLP.</a:t>
-            </a:r>
-          </a:p>
-          <a:p>
-            <a:pPr marL="0" marR="0" lvl="0" indent="0" algn="l" defTabSz="914400" rtl="0" eaLnBrk="1" fontAlgn="auto" latinLnBrk="0" hangingPunct="1">
-              <a:lnSpc>
-                <a:spcPct val="100000"/>
-              </a:lnSpc>
-              <a:spcBef>
-                <a:spcPts val="0"/>
-              </a:spcBef>
-              <a:spcAft>
-                <a:spcPts val="0"/>
-              </a:spcAft>
-              <a:buClrTx/>
-              <a:buSzTx/>
-              <a:buFontTx/>
-              <a:buNone/>
-              <a:tabLst/>
-              <a:defRPr/>
-            </a:pPr>
-            <a:endParaRPr lang="en-US" dirty="0"/>
-          </a:p>
-          <a:p>
-            <a:pPr marL="0" marR="0" lvl="0" indent="0" algn="l" defTabSz="914400" rtl="0" eaLnBrk="1" fontAlgn="auto" latinLnBrk="0" hangingPunct="1">
-              <a:lnSpc>
-                <a:spcPct val="100000"/>
-              </a:lnSpc>
-              <a:spcBef>
-                <a:spcPts val="0"/>
-              </a:spcBef>
-              <a:spcAft>
-                <a:spcPts val="0"/>
-              </a:spcAft>
-              <a:buClrTx/>
-              <a:buSzTx/>
-              <a:buFontTx/>
-              <a:buNone/>
-              <a:tabLst/>
-              <a:defRPr/>
-            </a:pPr>
+              <a:rPr lang="en-US" b="0" i="0" dirty="0">
+                <a:solidFill>
+                  <a:srgbClr val="292929"/>
+                </a:solidFill>
+                <a:effectLst/>
+                <a:latin typeface="+mn-lt"/>
+              </a:rPr>
+              <a:t>Each Encoder and Decoder has its own set of weights.</a:t>
+            </a:r>
+          </a:p>
+          <a:p>
+            <a:pPr algn="l"/>
+            <a:endParaRPr lang="en-US" b="0" i="0" dirty="0">
+              <a:solidFill>
+                <a:srgbClr val="292929"/>
+              </a:solidFill>
+              <a:effectLst/>
+              <a:latin typeface="charter"/>
+            </a:endParaRPr>
+          </a:p>
+          <a:p>
+            <a:pPr algn="l"/>
             <a:endParaRPr lang="en-US" dirty="0"/>
           </a:p>
         </p:txBody>
@@ -2622,7 +2244,7 @@
     </p:spTree>
     <p:extLst>
       <p:ext uri="{BB962C8B-B14F-4D97-AF65-F5344CB8AC3E}">
-        <p14:creationId xmlns:p14="http://schemas.microsoft.com/office/powerpoint/2010/main" val="627985707"/>
+        <p14:creationId xmlns:p14="http://schemas.microsoft.com/office/powerpoint/2010/main" val="3371112019"/>
       </p:ext>
     </p:extLst>
   </p:cSld>
@@ -2676,7 +2298,23 @@
           <a:bodyPr/>
           <a:lstStyle/>
           <a:p>
-            <a:pPr algn="l"/>
+            <a:pPr marL="0" marR="0" lvl="0" indent="0" algn="l" defTabSz="914400" rtl="0" eaLnBrk="1" fontAlgn="auto" latinLnBrk="0" hangingPunct="1">
+              <a:lnSpc>
+                <a:spcPct val="100000"/>
+              </a:lnSpc>
+              <a:spcBef>
+                <a:spcPts val="0"/>
+              </a:spcBef>
+              <a:spcAft>
+                <a:spcPts val="0"/>
+              </a:spcAft>
+              <a:buClrTx/>
+              <a:buSzTx/>
+              <a:buFontTx/>
+              <a:buNone/>
+              <a:tabLst/>
+              <a:defRPr/>
+            </a:pPr>
             <a:endParaRPr lang="en-US" dirty="0"/>
           </a:p>
         </p:txBody>
@@ -2707,7 +2345,7 @@
     </p:spTree>
     <p:extLst>
       <p:ext uri="{BB962C8B-B14F-4D97-AF65-F5344CB8AC3E}">
-        <p14:creationId xmlns:p14="http://schemas.microsoft.com/office/powerpoint/2010/main" val="2300733190"/>
+        <p14:creationId xmlns:p14="http://schemas.microsoft.com/office/powerpoint/2010/main" val="1985664105"/>
       </p:ext>
     </p:extLst>
   </p:cSld>
@@ -2763,61 +2401,13 @@
           <a:p>
             <a:pPr algn="l"/>
             <a:r>
-              <a:rPr lang="en-US" b="0" i="0" dirty="0">
-                <a:solidFill>
-                  <a:srgbClr val="292929"/>
-                </a:solidFill>
-                <a:effectLst/>
-                <a:latin typeface="+mn-lt"/>
-              </a:rPr>
-              <a:t>We begin with a simple image…  first off, the Transformer architecture excels at handling text data which is inherently sequential.  It takes a text sequence as input and produces another text sequence as output;  for example, to translate an input English sentence to Spanish.</a:t>
+              <a:rPr lang="en-US" dirty="0"/>
+              <a:t>Now that you’ve completed a hands-on exercise, let’s consider some of the building blocks that make transformers unique.  Note: I will not discuss word embeddings as that topic was covered in the last workshop of our NLP sequence.  In this mini-lecture, we will cover three building blocks: 1) layer norm, 2) positional encoding, and 3) skip connections.  Because attention is such an important topic, it is covered in our next workshop.  </a:t>
             </a:r>
           </a:p>
           <a:p>
             <a:pPr algn="l"/>
-            <a:endParaRPr lang="en-US" b="0" i="0" dirty="0">
-              <a:solidFill>
-                <a:srgbClr val="292929"/>
-              </a:solidFill>
-              <a:effectLst/>
-              <a:latin typeface="+mn-lt"/>
-            </a:endParaRPr>
-          </a:p>
-          <a:p>
-            <a:pPr algn="l"/>
-            <a:r>
-              <a:rPr lang="en-US" b="0" i="0" dirty="0">
-                <a:solidFill>
-                  <a:srgbClr val="292929"/>
-                </a:solidFill>
-                <a:effectLst/>
-                <a:latin typeface="charter"/>
-              </a:rPr>
-              <a:t>As opposed to directional models, which read the text input sequentially (left-to-right or right-to-left), the Transformer encoder reads the entire sequence of words at once. Therefore, it is considered bidirectional, though it would be more accurate to say that it’s non-directional. This characteristic allows the model to learn the context of a word based on </a:t>
-            </a:r>
-            <a:r>
-              <a:rPr lang="en-US" b="1" i="0" dirty="0">
-                <a:solidFill>
-                  <a:srgbClr val="292929"/>
-                </a:solidFill>
-                <a:effectLst/>
-                <a:latin typeface="charter"/>
-              </a:rPr>
-              <a:t>all</a:t>
-            </a:r>
-            <a:r>
-              <a:rPr lang="en-US" b="0" i="0" dirty="0">
-                <a:solidFill>
-                  <a:srgbClr val="292929"/>
-                </a:solidFill>
-                <a:effectLst/>
-                <a:latin typeface="charter"/>
-              </a:rPr>
-              <a:t> of its surroundings (left and right of the word).</a:t>
-            </a:r>
-            <a:endParaRPr lang="en-US" dirty="0">
-              <a:latin typeface="+mn-lt"/>
-            </a:endParaRPr>
+            <a:endParaRPr lang="en-US" dirty="0"/>
           </a:p>
         </p:txBody>
       </p:sp>
@@ -2847,7 +2437,7 @@
     </p:spTree>
     <p:extLst>
       <p:ext uri="{BB962C8B-B14F-4D97-AF65-F5344CB8AC3E}">
-        <p14:creationId xmlns:p14="http://schemas.microsoft.com/office/powerpoint/2010/main" val="321616863"/>
+        <p14:creationId xmlns:p14="http://schemas.microsoft.com/office/powerpoint/2010/main" val="1570214374"/>
       </p:ext>
     </p:extLst>
   </p:cSld>
@@ -2903,42 +2493,13 @@
           <a:p>
             <a:pPr algn="l"/>
             <a:r>
-              <a:rPr lang="en-US" b="0" i="0" dirty="0">
-                <a:solidFill>
-                  <a:srgbClr val="292929"/>
-                </a:solidFill>
-                <a:effectLst/>
-                <a:latin typeface="+mn-lt"/>
-              </a:rPr>
-              <a:t>At its core, a transformer contains a stack of Encoder and Decoder layers. To avoid confusion, we will refer to the individual layer as an Encoder or a Decoder and will use Encoder stack or Decoder stack for a group of Encoder layers.</a:t>
-            </a:r>
-          </a:p>
-          <a:p>
-            <a:pPr algn="l"/>
-            <a:endParaRPr lang="en-US" b="0" i="0" dirty="0">
-              <a:solidFill>
-                <a:srgbClr val="292929"/>
-              </a:solidFill>
-              <a:effectLst/>
-              <a:latin typeface="+mn-lt"/>
-            </a:endParaRPr>
-          </a:p>
-          <a:p>
-            <a:pPr algn="l"/>
-            <a:r>
-              <a:rPr lang="en-US" b="0" i="0" dirty="0">
-                <a:solidFill>
-                  <a:srgbClr val="292929"/>
-                </a:solidFill>
-                <a:effectLst/>
-                <a:latin typeface="+mn-lt"/>
-              </a:rPr>
-              <a:t>The Encoder stack and the Decoder stack each have their corresponding Embedding layers for their respective inputs. And finally, there is an Output layer to generate the final output.</a:t>
-            </a:r>
-          </a:p>
-          <a:p>
-            <a:pPr algn="l"/>
-            <a:endParaRPr lang="en-US" dirty="0"/>
+              <a:rPr lang="en-US" b="1" dirty="0"/>
+              <a:t>Layer norm </a:t>
+            </a:r>
+            <a:r>
+              <a:rPr lang="en-US" dirty="0"/>
+              <a:t>is our first building block.  In transformers, we usually apply a regularization step called layer normalization, or layer norm, to the outputs of a layer, as shown here on the left. Layer norm belongs to the class of regularization techniques, such as dropout and batchnorm, which help control overfitting by keeping the values flowing through the network from getting too big or too small. (Vanishing / exploding gradients)  The layer norm step learns to adjust the values coming out of a layer so that they approximate the shape of a Gaussian bump with a mean of 0 and standard deviation of 1.</a:t>
+            </a:r>
           </a:p>
         </p:txBody>
       </p:sp>
@@ -2968,7 +2529,7 @@
     </p:spTree>
     <p:extLst>
       <p:ext uri="{BB962C8B-B14F-4D97-AF65-F5344CB8AC3E}">
-        <p14:creationId xmlns:p14="http://schemas.microsoft.com/office/powerpoint/2010/main" val="2052316668"/>
+        <p14:creationId xmlns:p14="http://schemas.microsoft.com/office/powerpoint/2010/main" val="3456021193"/>
       </p:ext>
     </p:extLst>
   </p:cSld>
@@ -3125,7 +2686,7 @@
           <a:p>
             <a:fld id="{C3F78080-8D0A-4BE8-A5B4-CB115102D524}" type="datetimeFigureOut">
               <a:rPr lang="en-US" smtClean="0"/>
-              <a:t>3/30/2022</a:t>
+              <a:t>7/6/2022</a:t>
             </a:fld>
             <a:endParaRPr lang="en-US"/>
           </a:p>
@@ -3323,7 +2884,7 @@
           <a:p>
             <a:fld id="{C3F78080-8D0A-4BE8-A5B4-CB115102D524}" type="datetimeFigureOut">
               <a:rPr lang="en-US" smtClean="0"/>
-              <a:t>3/30/2022</a:t>
+              <a:t>7/6/2022</a:t>
             </a:fld>
             <a:endParaRPr lang="en-US"/>
           </a:p>
@@ -3531,7 +3092,7 @@
           <a:p>
             <a:fld id="{C3F78080-8D0A-4BE8-A5B4-CB115102D524}" type="datetimeFigureOut">
               <a:rPr lang="en-US" smtClean="0"/>
-              <a:t>3/30/2022</a:t>
+              <a:t>7/6/2022</a:t>
             </a:fld>
             <a:endParaRPr lang="en-US"/>
           </a:p>
@@ -3729,7 +3290,7 @@
           <a:p>
             <a:fld id="{C3F78080-8D0A-4BE8-A5B4-CB115102D524}" type="datetimeFigureOut">
               <a:rPr lang="en-US" smtClean="0"/>
-              <a:t>3/30/2022</a:t>
+              <a:t>7/6/2022</a:t>
             </a:fld>
             <a:endParaRPr lang="en-US"/>
           </a:p>
@@ -4004,7 +3565,7 @@
           <a:p>
             <a:fld id="{C3F78080-8D0A-4BE8-A5B4-CB115102D524}" type="datetimeFigureOut">
               <a:rPr lang="en-US" smtClean="0"/>
-              <a:t>3/30/2022</a:t>
+              <a:t>7/6/2022</a:t>
             </a:fld>
             <a:endParaRPr lang="en-US"/>
           </a:p>
@@ -4269,7 +3830,7 @@
           <a:p>
             <a:fld id="{C3F78080-8D0A-4BE8-A5B4-CB115102D524}" type="datetimeFigureOut">
               <a:rPr lang="en-US" smtClean="0"/>
-              <a:t>3/30/2022</a:t>
+              <a:t>7/6/2022</a:t>
             </a:fld>
             <a:endParaRPr lang="en-US"/>
           </a:p>
@@ -4681,7 +4242,7 @@
           <a:p>
             <a:fld id="{C3F78080-8D0A-4BE8-A5B4-CB115102D524}" type="datetimeFigureOut">
               <a:rPr lang="en-US" smtClean="0"/>
-              <a:t>3/30/2022</a:t>
+              <a:t>7/6/2022</a:t>
             </a:fld>
             <a:endParaRPr lang="en-US"/>
           </a:p>
@@ -4822,7 +4383,7 @@
           <a:p>
             <a:fld id="{C3F78080-8D0A-4BE8-A5B4-CB115102D524}" type="datetimeFigureOut">
               <a:rPr lang="en-US" smtClean="0"/>
-              <a:t>3/30/2022</a:t>
+              <a:t>7/6/2022</a:t>
             </a:fld>
             <a:endParaRPr lang="en-US"/>
           </a:p>
@@ -4935,7 +4496,7 @@
           <a:p>
             <a:fld id="{C3F78080-8D0A-4BE8-A5B4-CB115102D524}" type="datetimeFigureOut">
               <a:rPr lang="en-US" smtClean="0"/>
-              <a:t>3/30/2022</a:t>
+              <a:t>7/6/2022</a:t>
             </a:fld>
             <a:endParaRPr lang="en-US"/>
           </a:p>
@@ -5246,7 +4807,7 @@
           <a:p>
             <a:fld id="{C3F78080-8D0A-4BE8-A5B4-CB115102D524}" type="datetimeFigureOut">
               <a:rPr lang="en-US" smtClean="0"/>
-              <a:t>3/30/2022</a:t>
+              <a:t>7/6/2022</a:t>
             </a:fld>
             <a:endParaRPr lang="en-US"/>
           </a:p>
@@ -5534,7 +5095,7 @@
           <a:p>
             <a:fld id="{C3F78080-8D0A-4BE8-A5B4-CB115102D524}" type="datetimeFigureOut">
               <a:rPr lang="en-US" smtClean="0"/>
-              <a:t>3/30/2022</a:t>
+              <a:t>7/6/2022</a:t>
             </a:fld>
             <a:endParaRPr lang="en-US"/>
           </a:p>
@@ -5775,7 +5336,7 @@
           <a:p>
             <a:fld id="{C3F78080-8D0A-4BE8-A5B4-CB115102D524}" type="datetimeFigureOut">
               <a:rPr lang="en-US" smtClean="0"/>
-              <a:t>3/30/2022</a:t>
+              <a:t>7/6/2022</a:t>
             </a:fld>
             <a:endParaRPr lang="en-US"/>
           </a:p>
@@ -6306,6 +5867,520 @@
           <a:chExt cx="0" cy="0"/>
         </a:xfrm>
       </p:grpSpPr>
+      <p:pic>
+        <p:nvPicPr>
+          <p:cNvPr id="2050" name="Picture 2" descr="F20019">
+            <a:extLst>
+              <a:ext uri="{FF2B5EF4-FFF2-40B4-BE49-F238E27FC236}">
+                <a16:creationId xmlns:a16="http://schemas.microsoft.com/office/drawing/2014/main" id="{278DE717-3460-471C-892B-ADDB4FEF92D3}"/>
+              </a:ext>
+            </a:extLst>
+          </p:cNvPr>
+          <p:cNvPicPr>
+            <a:picLocks noChangeAspect="1" noChangeArrowheads="1"/>
+          </p:cNvPicPr>
+          <p:nvPr/>
+        </p:nvPicPr>
+        <p:blipFill>
+          <a:blip r:embed="rId3">
+            <a:clrChange>
+              <a:clrFrom>
+                <a:srgbClr val="FFFFFF"/>
+              </a:clrFrom>
+              <a:clrTo>
+                <a:srgbClr val="FFFFFF">
+                  <a:alpha val="0"/>
+                </a:srgbClr>
+              </a:clrTo>
+            </a:clrChange>
+            <a:extLst>
+              <a:ext uri="{28A0092B-C50C-407E-A947-70E740481C1C}">
+                <a14:useLocalDpi xmlns:a14="http://schemas.microsoft.com/office/drawing/2010/main" val="0"/>
+              </a:ext>
+            </a:extLst>
+          </a:blip>
+          <a:srcRect/>
+          <a:stretch>
+            <a:fillRect/>
+          </a:stretch>
+        </p:blipFill>
+        <p:spPr bwMode="auto">
+          <a:xfrm>
+            <a:off x="1943985" y="1149580"/>
+            <a:ext cx="8304029" cy="4558840"/>
+          </a:xfrm>
+          <a:prstGeom prst="rect">
+            <a:avLst/>
+          </a:prstGeom>
+          <a:noFill/>
+          <a:extLst>
+            <a:ext uri="{909E8E84-426E-40DD-AFC4-6F175D3DCCD1}">
+              <a14:hiddenFill xmlns:a14="http://schemas.microsoft.com/office/drawing/2010/main">
+                <a:solidFill>
+                  <a:srgbClr val="FFFFFF"/>
+                </a:solidFill>
+              </a14:hiddenFill>
+            </a:ext>
+          </a:extLst>
+        </p:spPr>
+      </p:pic>
+      <p:sp>
+        <p:nvSpPr>
+          <p:cNvPr id="3" name="TextBox 2">
+            <a:extLst>
+              <a:ext uri="{FF2B5EF4-FFF2-40B4-BE49-F238E27FC236}">
+                <a16:creationId xmlns:a16="http://schemas.microsoft.com/office/drawing/2014/main" id="{5641137E-43F8-4751-9847-53127A997B90}"/>
+              </a:ext>
+            </a:extLst>
+          </p:cNvPr>
+          <p:cNvSpPr txBox="1"/>
+          <p:nvPr/>
+        </p:nvSpPr>
+        <p:spPr>
+          <a:xfrm>
+            <a:off x="0" y="6550223"/>
+            <a:ext cx="12192000" cy="307777"/>
+          </a:xfrm>
+          <a:prstGeom prst="rect">
+            <a:avLst/>
+          </a:prstGeom>
+          <a:noFill/>
+        </p:spPr>
+        <p:txBody>
+          <a:bodyPr wrap="square" rtlCol="0">
+            <a:spAutoFit/>
+          </a:bodyPr>
+          <a:lstStyle/>
+          <a:p>
+            <a:r>
+              <a:rPr lang="en-US" sz="1400" dirty="0">
+                <a:solidFill>
+                  <a:schemeClr val="tx1">
+                    <a:lumMod val="65000"/>
+                    <a:lumOff val="35000"/>
+                  </a:schemeClr>
+                </a:solidFill>
+                <a:latin typeface="+mj-lt"/>
+                <a:ea typeface="Verdana" panose="020B0604030504040204" pitchFamily="34" charset="0"/>
+              </a:rPr>
+              <a:t>Source: Glassner, A. (2021). </a:t>
+            </a:r>
+            <a:r>
+              <a:rPr lang="en-US" sz="1400" i="1" dirty="0">
+                <a:solidFill>
+                  <a:schemeClr val="tx1">
+                    <a:lumMod val="65000"/>
+                    <a:lumOff val="35000"/>
+                  </a:schemeClr>
+                </a:solidFill>
+                <a:latin typeface="+mj-lt"/>
+                <a:ea typeface="Verdana" panose="020B0604030504040204" pitchFamily="34" charset="0"/>
+              </a:rPr>
+              <a:t>Deep learning: A visual approach</a:t>
+            </a:r>
+            <a:r>
+              <a:rPr lang="en-US" sz="1400" dirty="0">
+                <a:solidFill>
+                  <a:schemeClr val="tx1">
+                    <a:lumMod val="65000"/>
+                    <a:lumOff val="35000"/>
+                  </a:schemeClr>
+                </a:solidFill>
+                <a:latin typeface="+mj-lt"/>
+                <a:ea typeface="Verdana" panose="020B0604030504040204" pitchFamily="34" charset="0"/>
+              </a:rPr>
+              <a:t>. </a:t>
+            </a:r>
+            <a:r>
+              <a:rPr lang="en-US" sz="1400" b="0" i="0" dirty="0">
+                <a:solidFill>
+                  <a:schemeClr val="tx1">
+                    <a:lumMod val="65000"/>
+                    <a:lumOff val="35000"/>
+                  </a:schemeClr>
+                </a:solidFill>
+                <a:effectLst/>
+                <a:latin typeface="+mj-lt"/>
+                <a:ea typeface="Verdana" panose="020B0604030504040204" pitchFamily="34" charset="0"/>
+              </a:rPr>
+              <a:t>San Francisco, CA: No Starch Press. (Chapter </a:t>
+            </a:r>
+            <a:r>
+              <a:rPr lang="en-US" sz="1400" dirty="0">
+                <a:solidFill>
+                  <a:schemeClr val="tx1">
+                    <a:lumMod val="65000"/>
+                    <a:lumOff val="35000"/>
+                  </a:schemeClr>
+                </a:solidFill>
+                <a:latin typeface="+mj-lt"/>
+                <a:ea typeface="Verdana" panose="020B0604030504040204" pitchFamily="34" charset="0"/>
+              </a:rPr>
+              <a:t>20</a:t>
+            </a:r>
+            <a:r>
+              <a:rPr lang="en-US" sz="1400" b="0" i="0" dirty="0">
+                <a:solidFill>
+                  <a:schemeClr val="tx1">
+                    <a:lumMod val="65000"/>
+                    <a:lumOff val="35000"/>
+                  </a:schemeClr>
+                </a:solidFill>
+                <a:effectLst/>
+                <a:latin typeface="+mj-lt"/>
+                <a:ea typeface="Verdana" panose="020B0604030504040204" pitchFamily="34" charset="0"/>
+              </a:rPr>
+              <a:t>)</a:t>
+            </a:r>
+            <a:endParaRPr lang="en-US" sz="1400" dirty="0">
+              <a:solidFill>
+                <a:schemeClr val="tx1">
+                  <a:lumMod val="65000"/>
+                  <a:lumOff val="35000"/>
+                </a:schemeClr>
+              </a:solidFill>
+              <a:latin typeface="+mj-lt"/>
+              <a:ea typeface="Verdana" panose="020B0604030504040204" pitchFamily="34" charset="0"/>
+            </a:endParaRPr>
+          </a:p>
+        </p:txBody>
+      </p:sp>
+      <p:pic>
+        <p:nvPicPr>
+          <p:cNvPr id="4" name="Picture 3">
+            <a:extLst>
+              <a:ext uri="{FF2B5EF4-FFF2-40B4-BE49-F238E27FC236}">
+                <a16:creationId xmlns:a16="http://schemas.microsoft.com/office/drawing/2014/main" id="{3C75B8E9-CCCD-4478-A43A-254159EFE7B4}"/>
+              </a:ext>
+            </a:extLst>
+          </p:cNvPr>
+          <p:cNvPicPr>
+            <a:picLocks noChangeAspect="1"/>
+          </p:cNvPicPr>
+          <p:nvPr/>
+        </p:nvPicPr>
+        <p:blipFill>
+          <a:blip r:embed="rId4"/>
+          <a:stretch>
+            <a:fillRect/>
+          </a:stretch>
+        </p:blipFill>
+        <p:spPr>
+          <a:xfrm>
+            <a:off x="-69275" y="18288"/>
+            <a:ext cx="2755900" cy="635000"/>
+          </a:xfrm>
+          <a:prstGeom prst="rect">
+            <a:avLst/>
+          </a:prstGeom>
+          <a:effectLst>
+            <a:outerShdw blurRad="50800" dist="38100" dir="2700000" algn="tl" rotWithShape="0">
+              <a:prstClr val="black">
+                <a:alpha val="40000"/>
+              </a:prstClr>
+            </a:outerShdw>
+          </a:effectLst>
+        </p:spPr>
+      </p:pic>
+    </p:spTree>
+    <p:extLst>
+      <p:ext uri="{BB962C8B-B14F-4D97-AF65-F5344CB8AC3E}">
+        <p14:creationId xmlns:p14="http://schemas.microsoft.com/office/powerpoint/2010/main" val="3075547736"/>
+      </p:ext>
+    </p:extLst>
+  </p:cSld>
+  <p:clrMapOvr>
+    <a:masterClrMapping/>
+  </p:clrMapOvr>
+  <mc:AlternateContent xmlns:mc="http://schemas.openxmlformats.org/markup-compatibility/2006" xmlns:p14="http://schemas.microsoft.com/office/powerpoint/2010/main">
+    <mc:Choice Requires="p14">
+      <p:transition spd="med" p14:dur="700">
+        <p:fade/>
+      </p:transition>
+    </mc:Choice>
+    <mc:Fallback xmlns="">
+      <p:transition spd="med">
+        <p:fade/>
+      </p:transition>
+    </mc:Fallback>
+  </mc:AlternateContent>
+</p:sld>
+</file>
+
+<file path=ppt/slides/slide11.xml><?xml version="1.0" encoding="utf-8"?>
+<p:sld xmlns:a="http://schemas.openxmlformats.org/drawingml/2006/main" xmlns:r="http://schemas.openxmlformats.org/officeDocument/2006/relationships" xmlns:p="http://schemas.openxmlformats.org/presentationml/2006/main">
+  <p:cSld>
+    <p:spTree>
+      <p:nvGrpSpPr>
+        <p:cNvPr id="1" name=""/>
+        <p:cNvGrpSpPr/>
+        <p:nvPr/>
+      </p:nvGrpSpPr>
+      <p:grpSpPr>
+        <a:xfrm>
+          <a:off x="0" y="0"/>
+          <a:ext cx="0" cy="0"/>
+          <a:chOff x="0" y="0"/>
+          <a:chExt cx="0" cy="0"/>
+        </a:xfrm>
+      </p:grpSpPr>
+      <p:sp>
+        <p:nvSpPr>
+          <p:cNvPr id="3" name="TextBox 2">
+            <a:extLst>
+              <a:ext uri="{FF2B5EF4-FFF2-40B4-BE49-F238E27FC236}">
+                <a16:creationId xmlns:a16="http://schemas.microsoft.com/office/drawing/2014/main" id="{6722DB1A-F569-46B9-A69B-51E6856EBC43}"/>
+              </a:ext>
+            </a:extLst>
+          </p:cNvPr>
+          <p:cNvSpPr txBox="1"/>
+          <p:nvPr/>
+        </p:nvSpPr>
+        <p:spPr>
+          <a:xfrm>
+            <a:off x="0" y="6550223"/>
+            <a:ext cx="12192000" cy="307777"/>
+          </a:xfrm>
+          <a:prstGeom prst="rect">
+            <a:avLst/>
+          </a:prstGeom>
+          <a:noFill/>
+        </p:spPr>
+        <p:txBody>
+          <a:bodyPr wrap="square" rtlCol="0">
+            <a:spAutoFit/>
+          </a:bodyPr>
+          <a:lstStyle/>
+          <a:p>
+            <a:r>
+              <a:rPr lang="en-US" sz="1400" dirty="0">
+                <a:solidFill>
+                  <a:schemeClr val="tx1">
+                    <a:lumMod val="65000"/>
+                    <a:lumOff val="35000"/>
+                  </a:schemeClr>
+                </a:solidFill>
+                <a:latin typeface="+mj-lt"/>
+                <a:ea typeface="Verdana" panose="020B0604030504040204" pitchFamily="34" charset="0"/>
+              </a:rPr>
+              <a:t>Source: Glassner, A. (2021). </a:t>
+            </a:r>
+            <a:r>
+              <a:rPr lang="en-US" sz="1400" i="1" dirty="0">
+                <a:solidFill>
+                  <a:schemeClr val="tx1">
+                    <a:lumMod val="65000"/>
+                    <a:lumOff val="35000"/>
+                  </a:schemeClr>
+                </a:solidFill>
+                <a:latin typeface="+mj-lt"/>
+                <a:ea typeface="Verdana" panose="020B0604030504040204" pitchFamily="34" charset="0"/>
+              </a:rPr>
+              <a:t>Deep learning: A visual approach</a:t>
+            </a:r>
+            <a:r>
+              <a:rPr lang="en-US" sz="1400" dirty="0">
+                <a:solidFill>
+                  <a:schemeClr val="tx1">
+                    <a:lumMod val="65000"/>
+                    <a:lumOff val="35000"/>
+                  </a:schemeClr>
+                </a:solidFill>
+                <a:latin typeface="+mj-lt"/>
+                <a:ea typeface="Verdana" panose="020B0604030504040204" pitchFamily="34" charset="0"/>
+              </a:rPr>
+              <a:t>. </a:t>
+            </a:r>
+            <a:r>
+              <a:rPr lang="en-US" sz="1400" b="0" i="0" dirty="0">
+                <a:solidFill>
+                  <a:schemeClr val="tx1">
+                    <a:lumMod val="65000"/>
+                    <a:lumOff val="35000"/>
+                  </a:schemeClr>
+                </a:solidFill>
+                <a:effectLst/>
+                <a:latin typeface="+mj-lt"/>
+                <a:ea typeface="Verdana" panose="020B0604030504040204" pitchFamily="34" charset="0"/>
+              </a:rPr>
+              <a:t>San Francisco, CA: No Starch Press. (Chapter </a:t>
+            </a:r>
+            <a:r>
+              <a:rPr lang="en-US" sz="1400" dirty="0">
+                <a:solidFill>
+                  <a:schemeClr val="tx1">
+                    <a:lumMod val="65000"/>
+                    <a:lumOff val="35000"/>
+                  </a:schemeClr>
+                </a:solidFill>
+                <a:latin typeface="+mj-lt"/>
+                <a:ea typeface="Verdana" panose="020B0604030504040204" pitchFamily="34" charset="0"/>
+              </a:rPr>
+              <a:t>20</a:t>
+            </a:r>
+            <a:r>
+              <a:rPr lang="en-US" sz="1400" b="0" i="0" dirty="0">
+                <a:solidFill>
+                  <a:schemeClr val="tx1">
+                    <a:lumMod val="65000"/>
+                    <a:lumOff val="35000"/>
+                  </a:schemeClr>
+                </a:solidFill>
+                <a:effectLst/>
+                <a:latin typeface="+mj-lt"/>
+                <a:ea typeface="Verdana" panose="020B0604030504040204" pitchFamily="34" charset="0"/>
+              </a:rPr>
+              <a:t>)</a:t>
+            </a:r>
+            <a:endParaRPr lang="en-US" sz="1400" dirty="0">
+              <a:solidFill>
+                <a:schemeClr val="tx1">
+                  <a:lumMod val="65000"/>
+                  <a:lumOff val="35000"/>
+                </a:schemeClr>
+              </a:solidFill>
+              <a:latin typeface="+mj-lt"/>
+              <a:ea typeface="Verdana" panose="020B0604030504040204" pitchFamily="34" charset="0"/>
+            </a:endParaRPr>
+          </a:p>
+        </p:txBody>
+      </p:sp>
+      <p:pic>
+        <p:nvPicPr>
+          <p:cNvPr id="5122" name="Picture 2" descr="F20017">
+            <a:extLst>
+              <a:ext uri="{FF2B5EF4-FFF2-40B4-BE49-F238E27FC236}">
+                <a16:creationId xmlns:a16="http://schemas.microsoft.com/office/drawing/2014/main" id="{A2BD3535-EC55-4219-A35C-F22379D1E7CF}"/>
+              </a:ext>
+            </a:extLst>
+          </p:cNvPr>
+          <p:cNvPicPr>
+            <a:picLocks noChangeAspect="1" noChangeArrowheads="1"/>
+          </p:cNvPicPr>
+          <p:nvPr/>
+        </p:nvPicPr>
+        <p:blipFill>
+          <a:blip r:embed="rId3">
+            <a:clrChange>
+              <a:clrFrom>
+                <a:srgbClr val="FFFFFF"/>
+              </a:clrFrom>
+              <a:clrTo>
+                <a:srgbClr val="FFFFFF">
+                  <a:alpha val="0"/>
+                </a:srgbClr>
+              </a:clrTo>
+            </a:clrChange>
+            <a:extLst>
+              <a:ext uri="{28A0092B-C50C-407E-A947-70E740481C1C}">
+                <a14:useLocalDpi xmlns:a14="http://schemas.microsoft.com/office/drawing/2010/main" val="0"/>
+              </a:ext>
+            </a:extLst>
+          </a:blip>
+          <a:srcRect/>
+          <a:stretch>
+            <a:fillRect/>
+          </a:stretch>
+        </p:blipFill>
+        <p:spPr bwMode="auto">
+          <a:xfrm>
+            <a:off x="1916462" y="2971298"/>
+            <a:ext cx="8359075" cy="915403"/>
+          </a:xfrm>
+          <a:prstGeom prst="rect">
+            <a:avLst/>
+          </a:prstGeom>
+          <a:noFill/>
+          <a:extLst>
+            <a:ext uri="{909E8E84-426E-40DD-AFC4-6F175D3DCCD1}">
+              <a14:hiddenFill xmlns:a14="http://schemas.microsoft.com/office/drawing/2010/main">
+                <a:solidFill>
+                  <a:srgbClr val="FFFFFF"/>
+                </a:solidFill>
+              </a14:hiddenFill>
+            </a:ext>
+          </a:extLst>
+        </p:spPr>
+      </p:pic>
+      <p:pic>
+        <p:nvPicPr>
+          <p:cNvPr id="4" name="Picture 3">
+            <a:extLst>
+              <a:ext uri="{FF2B5EF4-FFF2-40B4-BE49-F238E27FC236}">
+                <a16:creationId xmlns:a16="http://schemas.microsoft.com/office/drawing/2014/main" id="{4AA576B4-F2BA-45FB-9C9D-CAEABC2E0F52}"/>
+              </a:ext>
+            </a:extLst>
+          </p:cNvPr>
+          <p:cNvPicPr>
+            <a:picLocks noChangeAspect="1"/>
+          </p:cNvPicPr>
+          <p:nvPr/>
+        </p:nvPicPr>
+        <p:blipFill>
+          <a:blip r:embed="rId4"/>
+          <a:stretch>
+            <a:fillRect/>
+          </a:stretch>
+        </p:blipFill>
+        <p:spPr>
+          <a:xfrm>
+            <a:off x="-113845" y="20775"/>
+            <a:ext cx="2451100" cy="635000"/>
+          </a:xfrm>
+          <a:prstGeom prst="rect">
+            <a:avLst/>
+          </a:prstGeom>
+          <a:effectLst>
+            <a:outerShdw blurRad="50800" dist="38100" dir="2700000" algn="tl" rotWithShape="0">
+              <a:prstClr val="black">
+                <a:alpha val="40000"/>
+              </a:prstClr>
+            </a:outerShdw>
+          </a:effectLst>
+        </p:spPr>
+      </p:pic>
+    </p:spTree>
+    <p:extLst>
+      <p:ext uri="{BB962C8B-B14F-4D97-AF65-F5344CB8AC3E}">
+        <p14:creationId xmlns:p14="http://schemas.microsoft.com/office/powerpoint/2010/main" val="1959335710"/>
+      </p:ext>
+    </p:extLst>
+  </p:cSld>
+  <p:clrMapOvr>
+    <a:masterClrMapping/>
+  </p:clrMapOvr>
+  <mc:AlternateContent xmlns:mc="http://schemas.openxmlformats.org/markup-compatibility/2006" xmlns:p14="http://schemas.microsoft.com/office/powerpoint/2010/main">
+    <mc:Choice Requires="p14">
+      <p:transition spd="med" p14:dur="700">
+        <p:fade/>
+      </p:transition>
+    </mc:Choice>
+    <mc:Fallback xmlns="">
+      <p:transition spd="med">
+        <p:fade/>
+      </p:transition>
+    </mc:Fallback>
+  </mc:AlternateContent>
+</p:sld>
+</file>
+
+<file path=ppt/slides/slide12.xml><?xml version="1.0" encoding="utf-8"?>
+<p:sld xmlns:a="http://schemas.openxmlformats.org/drawingml/2006/main" xmlns:r="http://schemas.openxmlformats.org/officeDocument/2006/relationships" xmlns:p="http://schemas.openxmlformats.org/presentationml/2006/main">
+  <p:cSld>
+    <p:spTree>
+      <p:nvGrpSpPr>
+        <p:cNvPr id="1" name=""/>
+        <p:cNvGrpSpPr/>
+        <p:nvPr/>
+      </p:nvGrpSpPr>
+      <p:grpSpPr>
+        <a:xfrm>
+          <a:off x="0" y="0"/>
+          <a:ext cx="0" cy="0"/>
+          <a:chOff x="0" y="0"/>
+          <a:chExt cx="0" cy="0"/>
+        </a:xfrm>
+      </p:grpSpPr>
       <p:sp>
         <p:nvSpPr>
           <p:cNvPr id="3" name="TextBox 2">
@@ -6583,7 +6658,1363 @@
 </p:sld>
 </file>
 
-<file path=ppt/slides/slide11.xml><?xml version="1.0" encoding="utf-8"?>
+<file path=ppt/slides/slide13.xml><?xml version="1.0" encoding="utf-8"?>
+<p:sld xmlns:a="http://schemas.openxmlformats.org/drawingml/2006/main" xmlns:r="http://schemas.openxmlformats.org/officeDocument/2006/relationships" xmlns:p="http://schemas.openxmlformats.org/presentationml/2006/main">
+  <p:cSld>
+    <p:spTree>
+      <p:nvGrpSpPr>
+        <p:cNvPr id="1" name=""/>
+        <p:cNvGrpSpPr/>
+        <p:nvPr/>
+      </p:nvGrpSpPr>
+      <p:grpSpPr>
+        <a:xfrm>
+          <a:off x="0" y="0"/>
+          <a:ext cx="0" cy="0"/>
+          <a:chOff x="0" y="0"/>
+          <a:chExt cx="0" cy="0"/>
+        </a:xfrm>
+      </p:grpSpPr>
+      <p:pic>
+        <p:nvPicPr>
+          <p:cNvPr id="3" name="Picture 2">
+            <a:extLst>
+              <a:ext uri="{FF2B5EF4-FFF2-40B4-BE49-F238E27FC236}">
+                <a16:creationId xmlns:a16="http://schemas.microsoft.com/office/drawing/2014/main" id="{88CC7D4C-7D31-4E3C-92F7-200A7C7F587F}"/>
+              </a:ext>
+            </a:extLst>
+          </p:cNvPr>
+          <p:cNvPicPr>
+            <a:picLocks noChangeAspect="1"/>
+          </p:cNvPicPr>
+          <p:nvPr/>
+        </p:nvPicPr>
+        <p:blipFill>
+          <a:blip r:embed="rId3"/>
+          <a:stretch>
+            <a:fillRect/>
+          </a:stretch>
+        </p:blipFill>
+        <p:spPr>
+          <a:xfrm>
+            <a:off x="0" y="365760"/>
+            <a:ext cx="3233668" cy="805144"/>
+          </a:xfrm>
+          <a:prstGeom prst="rect">
+            <a:avLst/>
+          </a:prstGeom>
+        </p:spPr>
+      </p:pic>
+      <p:sp>
+        <p:nvSpPr>
+          <p:cNvPr id="12" name="Title 1">
+            <a:extLst>
+              <a:ext uri="{FF2B5EF4-FFF2-40B4-BE49-F238E27FC236}">
+                <a16:creationId xmlns:a16="http://schemas.microsoft.com/office/drawing/2014/main" id="{E2FB948E-5ACE-4C88-8B2D-233F4E9F4797}"/>
+              </a:ext>
+            </a:extLst>
+          </p:cNvPr>
+          <p:cNvSpPr>
+            <a:spLocks noGrp="1"/>
+          </p:cNvSpPr>
+          <p:nvPr>
+            <p:ph type="title"/>
+          </p:nvPr>
+        </p:nvSpPr>
+        <p:spPr>
+          <a:xfrm>
+            <a:off x="0" y="2705764"/>
+            <a:ext cx="12192000" cy="1446472"/>
+          </a:xfrm>
+          <a:noFill/>
+        </p:spPr>
+        <p:txBody>
+          <a:bodyPr>
+            <a:noAutofit/>
+          </a:bodyPr>
+          <a:lstStyle/>
+          <a:p>
+            <a:pPr algn="ctr"/>
+            <a:r>
+              <a:rPr lang="en-US" sz="3600" dirty="0">
+                <a:solidFill>
+                  <a:schemeClr val="tx1">
+                    <a:lumMod val="65000"/>
+                    <a:lumOff val="35000"/>
+                  </a:schemeClr>
+                </a:solidFill>
+                <a:latin typeface="Palatino Linotype" panose="02040502050505030304" pitchFamily="18" charset="0"/>
+              </a:rPr>
+              <a:t>Jay Alamaar (Illustrated Transformer)</a:t>
+            </a:r>
+            <a:br>
+              <a:rPr lang="en-US" sz="3600" dirty="0">
+                <a:solidFill>
+                  <a:schemeClr val="tx1">
+                    <a:lumMod val="65000"/>
+                    <a:lumOff val="35000"/>
+                  </a:schemeClr>
+                </a:solidFill>
+                <a:latin typeface="Palatino Linotype" panose="02040502050505030304" pitchFamily="18" charset="0"/>
+              </a:rPr>
+            </a:br>
+            <a:r>
+              <a:rPr lang="en-US" sz="3600" dirty="0">
+                <a:solidFill>
+                  <a:schemeClr val="tx1">
+                    <a:lumMod val="65000"/>
+                    <a:lumOff val="35000"/>
+                  </a:schemeClr>
+                </a:solidFill>
+                <a:latin typeface="Palatino Linotype" panose="02040502050505030304" pitchFamily="18" charset="0"/>
+              </a:rPr>
+              <a:t>01.1_alamaar.ipynb</a:t>
+            </a:r>
+            <a:endParaRPr lang="en-US" sz="3600" dirty="0">
+              <a:solidFill>
+                <a:schemeClr val="tx1">
+                  <a:lumMod val="65000"/>
+                  <a:lumOff val="35000"/>
+                </a:schemeClr>
+              </a:solidFill>
+              <a:latin typeface="Palatino Linotype" panose="02040502050505030304" pitchFamily="18" charset="0"/>
+              <a:cs typeface="Segoe UI Light" panose="020B0502040204020203" pitchFamily="34" charset="0"/>
+            </a:endParaRPr>
+          </a:p>
+        </p:txBody>
+      </p:sp>
+    </p:spTree>
+    <p:extLst>
+      <p:ext uri="{BB962C8B-B14F-4D97-AF65-F5344CB8AC3E}">
+        <p14:creationId xmlns:p14="http://schemas.microsoft.com/office/powerpoint/2010/main" val="3902517881"/>
+      </p:ext>
+    </p:extLst>
+  </p:cSld>
+  <p:clrMapOvr>
+    <a:masterClrMapping/>
+  </p:clrMapOvr>
+  <mc:AlternateContent xmlns:mc="http://schemas.openxmlformats.org/markup-compatibility/2006" xmlns:p14="http://schemas.microsoft.com/office/powerpoint/2010/main">
+    <mc:Choice Requires="p14">
+      <p:transition spd="med" p14:dur="700">
+        <p:fade/>
+      </p:transition>
+    </mc:Choice>
+    <mc:Fallback xmlns="">
+      <p:transition spd="med">
+        <p:fade/>
+      </p:transition>
+    </mc:Fallback>
+  </mc:AlternateContent>
+</p:sld>
+</file>
+
+<file path=ppt/slides/slide14.xml><?xml version="1.0" encoding="utf-8"?>
+<p:sld xmlns:a="http://schemas.openxmlformats.org/drawingml/2006/main" xmlns:r="http://schemas.openxmlformats.org/officeDocument/2006/relationships" xmlns:p="http://schemas.openxmlformats.org/presentationml/2006/main">
+  <p:cSld>
+    <p:spTree>
+      <p:nvGrpSpPr>
+        <p:cNvPr id="1" name=""/>
+        <p:cNvGrpSpPr/>
+        <p:nvPr/>
+      </p:nvGrpSpPr>
+      <p:grpSpPr>
+        <a:xfrm>
+          <a:off x="0" y="0"/>
+          <a:ext cx="0" cy="0"/>
+          <a:chOff x="0" y="0"/>
+          <a:chExt cx="0" cy="0"/>
+        </a:xfrm>
+      </p:grpSpPr>
+      <p:sp>
+        <p:nvSpPr>
+          <p:cNvPr id="4" name="Title 3">
+            <a:extLst>
+              <a:ext uri="{FF2B5EF4-FFF2-40B4-BE49-F238E27FC236}">
+                <a16:creationId xmlns:a16="http://schemas.microsoft.com/office/drawing/2014/main" id="{5EBC47B3-2231-4C7D-9F46-767148520D27}"/>
+              </a:ext>
+            </a:extLst>
+          </p:cNvPr>
+          <p:cNvSpPr>
+            <a:spLocks noGrp="1"/>
+          </p:cNvSpPr>
+          <p:nvPr>
+            <p:ph type="title"/>
+          </p:nvPr>
+        </p:nvSpPr>
+        <p:spPr/>
+        <p:txBody>
+          <a:bodyPr/>
+          <a:lstStyle/>
+          <a:p>
+            <a:endParaRPr lang="en-US" dirty="0"/>
+          </a:p>
+        </p:txBody>
+      </p:sp>
+    </p:spTree>
+    <p:extLst>
+      <p:ext uri="{BB962C8B-B14F-4D97-AF65-F5344CB8AC3E}">
+        <p14:creationId xmlns:p14="http://schemas.microsoft.com/office/powerpoint/2010/main" val="2516832135"/>
+      </p:ext>
+    </p:extLst>
+  </p:cSld>
+  <p:clrMapOvr>
+    <a:masterClrMapping/>
+  </p:clrMapOvr>
+  <mc:AlternateContent xmlns:mc="http://schemas.openxmlformats.org/markup-compatibility/2006" xmlns:p14="http://schemas.microsoft.com/office/powerpoint/2010/main">
+    <mc:Choice Requires="p14">
+      <p:transition spd="med" p14:dur="700">
+        <p:fade/>
+      </p:transition>
+    </mc:Choice>
+    <mc:Fallback xmlns="">
+      <p:transition spd="med">
+        <p:fade/>
+      </p:transition>
+    </mc:Fallback>
+  </mc:AlternateContent>
+</p:sld>
+</file>
+
+<file path=ppt/slides/slide15.xml><?xml version="1.0" encoding="utf-8"?>
+<p:sld xmlns:a="http://schemas.openxmlformats.org/drawingml/2006/main" xmlns:r="http://schemas.openxmlformats.org/officeDocument/2006/relationships" xmlns:p="http://schemas.openxmlformats.org/presentationml/2006/main">
+  <p:cSld>
+    <p:spTree>
+      <p:nvGrpSpPr>
+        <p:cNvPr id="1" name=""/>
+        <p:cNvGrpSpPr/>
+        <p:nvPr/>
+      </p:nvGrpSpPr>
+      <p:grpSpPr>
+        <a:xfrm>
+          <a:off x="0" y="0"/>
+          <a:ext cx="0" cy="0"/>
+          <a:chOff x="0" y="0"/>
+          <a:chExt cx="0" cy="0"/>
+        </a:xfrm>
+      </p:grpSpPr>
+      <p:pic>
+        <p:nvPicPr>
+          <p:cNvPr id="3" name="Picture 2">
+            <a:extLst>
+              <a:ext uri="{FF2B5EF4-FFF2-40B4-BE49-F238E27FC236}">
+                <a16:creationId xmlns:a16="http://schemas.microsoft.com/office/drawing/2014/main" id="{88CC7D4C-7D31-4E3C-92F7-200A7C7F587F}"/>
+              </a:ext>
+            </a:extLst>
+          </p:cNvPr>
+          <p:cNvPicPr>
+            <a:picLocks noChangeAspect="1"/>
+          </p:cNvPicPr>
+          <p:nvPr/>
+        </p:nvPicPr>
+        <p:blipFill>
+          <a:blip r:embed="rId3"/>
+          <a:stretch>
+            <a:fillRect/>
+          </a:stretch>
+        </p:blipFill>
+        <p:spPr>
+          <a:xfrm>
+            <a:off x="0" y="365760"/>
+            <a:ext cx="3233668" cy="805144"/>
+          </a:xfrm>
+          <a:prstGeom prst="rect">
+            <a:avLst/>
+          </a:prstGeom>
+        </p:spPr>
+      </p:pic>
+      <p:sp>
+        <p:nvSpPr>
+          <p:cNvPr id="12" name="Title 1">
+            <a:extLst>
+              <a:ext uri="{FF2B5EF4-FFF2-40B4-BE49-F238E27FC236}">
+                <a16:creationId xmlns:a16="http://schemas.microsoft.com/office/drawing/2014/main" id="{E2FB948E-5ACE-4C88-8B2D-233F4E9F4797}"/>
+              </a:ext>
+            </a:extLst>
+          </p:cNvPr>
+          <p:cNvSpPr>
+            <a:spLocks noGrp="1"/>
+          </p:cNvSpPr>
+          <p:nvPr>
+            <p:ph type="title"/>
+          </p:nvPr>
+        </p:nvSpPr>
+        <p:spPr>
+          <a:xfrm>
+            <a:off x="0" y="2705764"/>
+            <a:ext cx="12192000" cy="1446472"/>
+          </a:xfrm>
+          <a:noFill/>
+        </p:spPr>
+        <p:txBody>
+          <a:bodyPr>
+            <a:noAutofit/>
+          </a:bodyPr>
+          <a:lstStyle/>
+          <a:p>
+            <a:pPr algn="ctr"/>
+            <a:r>
+              <a:rPr lang="en-US" sz="3600" dirty="0">
+                <a:solidFill>
+                  <a:schemeClr val="tx1">
+                    <a:lumMod val="65000"/>
+                    <a:lumOff val="35000"/>
+                  </a:schemeClr>
+                </a:solidFill>
+                <a:latin typeface="Palatino Linotype" panose="02040502050505030304" pitchFamily="18" charset="0"/>
+              </a:rPr>
+              <a:t>Emotion Detector</a:t>
+            </a:r>
+            <a:br>
+              <a:rPr lang="en-US" sz="3600" dirty="0">
+                <a:solidFill>
+                  <a:schemeClr val="tx1">
+                    <a:lumMod val="65000"/>
+                    <a:lumOff val="35000"/>
+                  </a:schemeClr>
+                </a:solidFill>
+                <a:latin typeface="Palatino Linotype" panose="02040502050505030304" pitchFamily="18" charset="0"/>
+              </a:rPr>
+            </a:br>
+            <a:r>
+              <a:rPr lang="en-US" sz="3600" dirty="0">
+                <a:solidFill>
+                  <a:schemeClr val="tx1">
+                    <a:lumMod val="65000"/>
+                    <a:lumOff val="35000"/>
+                  </a:schemeClr>
+                </a:solidFill>
+                <a:latin typeface="Palatino Linotype" panose="02040502050505030304" pitchFamily="18" charset="0"/>
+              </a:rPr>
+              <a:t>01.2_emotion_detector.ipynb</a:t>
+            </a:r>
+            <a:endParaRPr lang="en-US" sz="3600" dirty="0">
+              <a:solidFill>
+                <a:schemeClr val="tx1">
+                  <a:lumMod val="65000"/>
+                  <a:lumOff val="35000"/>
+                </a:schemeClr>
+              </a:solidFill>
+              <a:latin typeface="Palatino Linotype" panose="02040502050505030304" pitchFamily="18" charset="0"/>
+              <a:cs typeface="Segoe UI Light" panose="020B0502040204020203" pitchFamily="34" charset="0"/>
+            </a:endParaRPr>
+          </a:p>
+        </p:txBody>
+      </p:sp>
+    </p:spTree>
+    <p:extLst>
+      <p:ext uri="{BB962C8B-B14F-4D97-AF65-F5344CB8AC3E}">
+        <p14:creationId xmlns:p14="http://schemas.microsoft.com/office/powerpoint/2010/main" val="1595263659"/>
+      </p:ext>
+    </p:extLst>
+  </p:cSld>
+  <p:clrMapOvr>
+    <a:masterClrMapping/>
+  </p:clrMapOvr>
+  <mc:AlternateContent xmlns:mc="http://schemas.openxmlformats.org/markup-compatibility/2006" xmlns:p14="http://schemas.microsoft.com/office/powerpoint/2010/main">
+    <mc:Choice Requires="p14">
+      <p:transition spd="med" p14:dur="700">
+        <p:fade/>
+      </p:transition>
+    </mc:Choice>
+    <mc:Fallback xmlns="">
+      <p:transition spd="med">
+        <p:fade/>
+      </p:transition>
+    </mc:Fallback>
+  </mc:AlternateContent>
+</p:sld>
+</file>
+
+<file path=ppt/slides/slide16.xml><?xml version="1.0" encoding="utf-8"?>
+<p:sld xmlns:a="http://schemas.openxmlformats.org/drawingml/2006/main" xmlns:r="http://schemas.openxmlformats.org/officeDocument/2006/relationships" xmlns:p="http://schemas.openxmlformats.org/presentationml/2006/main">
+  <p:cSld>
+    <p:spTree>
+      <p:nvGrpSpPr>
+        <p:cNvPr id="1" name=""/>
+        <p:cNvGrpSpPr/>
+        <p:nvPr/>
+      </p:nvGrpSpPr>
+      <p:grpSpPr>
+        <a:xfrm>
+          <a:off x="0" y="0"/>
+          <a:ext cx="0" cy="0"/>
+          <a:chOff x="0" y="0"/>
+          <a:chExt cx="0" cy="0"/>
+        </a:xfrm>
+      </p:grpSpPr>
+      <p:sp>
+        <p:nvSpPr>
+          <p:cNvPr id="3" name="TextBox 2">
+            <a:extLst>
+              <a:ext uri="{FF2B5EF4-FFF2-40B4-BE49-F238E27FC236}">
+                <a16:creationId xmlns:a16="http://schemas.microsoft.com/office/drawing/2014/main" id="{8DEBDC12-60E8-4CF3-A3D0-2075FBA26C8C}"/>
+              </a:ext>
+            </a:extLst>
+          </p:cNvPr>
+          <p:cNvSpPr txBox="1"/>
+          <p:nvPr/>
+        </p:nvSpPr>
+        <p:spPr>
+          <a:xfrm>
+            <a:off x="0" y="6550223"/>
+            <a:ext cx="12192000" cy="307777"/>
+          </a:xfrm>
+          <a:prstGeom prst="rect">
+            <a:avLst/>
+          </a:prstGeom>
+          <a:noFill/>
+        </p:spPr>
+        <p:txBody>
+          <a:bodyPr wrap="square" rtlCol="0">
+            <a:spAutoFit/>
+          </a:bodyPr>
+          <a:lstStyle/>
+          <a:p>
+            <a:r>
+              <a:rPr lang="en-US" sz="1400" dirty="0">
+                <a:solidFill>
+                  <a:schemeClr val="tx1">
+                    <a:lumMod val="65000"/>
+                    <a:lumOff val="35000"/>
+                  </a:schemeClr>
+                </a:solidFill>
+                <a:latin typeface="+mj-lt"/>
+                <a:ea typeface="Verdana" panose="020B0604030504040204" pitchFamily="34" charset="0"/>
+              </a:rPr>
+              <a:t>Source: Doshi, K. (2020). </a:t>
+            </a:r>
+            <a:r>
+              <a:rPr lang="en-US" sz="1400" i="1" dirty="0">
+                <a:solidFill>
+                  <a:schemeClr val="tx1">
+                    <a:lumMod val="65000"/>
+                    <a:lumOff val="35000"/>
+                  </a:schemeClr>
+                </a:solidFill>
+                <a:latin typeface="+mj-lt"/>
+                <a:ea typeface="Verdana" panose="020B0604030504040204" pitchFamily="34" charset="0"/>
+              </a:rPr>
+              <a:t>https://towardsdatascience.com/transformers-explained-visually-part-1-overview-of-functionality-95a6dd460452</a:t>
+            </a:r>
+            <a:endParaRPr lang="en-US" sz="1400" dirty="0">
+              <a:solidFill>
+                <a:schemeClr val="tx1">
+                  <a:lumMod val="65000"/>
+                  <a:lumOff val="35000"/>
+                </a:schemeClr>
+              </a:solidFill>
+              <a:latin typeface="+mj-lt"/>
+              <a:ea typeface="Verdana" panose="020B0604030504040204" pitchFamily="34" charset="0"/>
+            </a:endParaRPr>
+          </a:p>
+        </p:txBody>
+      </p:sp>
+      <p:pic>
+        <p:nvPicPr>
+          <p:cNvPr id="7170" name="Picture 2">
+            <a:extLst>
+              <a:ext uri="{FF2B5EF4-FFF2-40B4-BE49-F238E27FC236}">
+                <a16:creationId xmlns:a16="http://schemas.microsoft.com/office/drawing/2014/main" id="{E01D43ED-BB64-44A3-8FE0-0C3CD9C11E9C}"/>
+              </a:ext>
+            </a:extLst>
+          </p:cNvPr>
+          <p:cNvPicPr>
+            <a:picLocks noChangeAspect="1" noChangeArrowheads="1"/>
+          </p:cNvPicPr>
+          <p:nvPr/>
+        </p:nvPicPr>
+        <p:blipFill>
+          <a:blip r:embed="rId3">
+            <a:clrChange>
+              <a:clrFrom>
+                <a:srgbClr val="FFFFFF"/>
+              </a:clrFrom>
+              <a:clrTo>
+                <a:srgbClr val="FFFFFF">
+                  <a:alpha val="0"/>
+                </a:srgbClr>
+              </a:clrTo>
+            </a:clrChange>
+            <a:extLst>
+              <a:ext uri="{28A0092B-C50C-407E-A947-70E740481C1C}">
+                <a14:useLocalDpi xmlns:a14="http://schemas.microsoft.com/office/drawing/2010/main" val="0"/>
+              </a:ext>
+            </a:extLst>
+          </a:blip>
+          <a:srcRect/>
+          <a:stretch>
+            <a:fillRect/>
+          </a:stretch>
+        </p:blipFill>
+        <p:spPr bwMode="auto">
+          <a:xfrm>
+            <a:off x="4533900" y="1790700"/>
+            <a:ext cx="3124200" cy="3276600"/>
+          </a:xfrm>
+          <a:prstGeom prst="rect">
+            <a:avLst/>
+          </a:prstGeom>
+          <a:noFill/>
+          <a:extLst>
+            <a:ext uri="{909E8E84-426E-40DD-AFC4-6F175D3DCCD1}">
+              <a14:hiddenFill xmlns:a14="http://schemas.microsoft.com/office/drawing/2010/main">
+                <a:solidFill>
+                  <a:srgbClr val="FFFFFF"/>
+                </a:solidFill>
+              </a14:hiddenFill>
+            </a:ext>
+          </a:extLst>
+        </p:spPr>
+      </p:pic>
+    </p:spTree>
+    <p:extLst>
+      <p:ext uri="{BB962C8B-B14F-4D97-AF65-F5344CB8AC3E}">
+        <p14:creationId xmlns:p14="http://schemas.microsoft.com/office/powerpoint/2010/main" val="3226425761"/>
+      </p:ext>
+    </p:extLst>
+  </p:cSld>
+  <p:clrMapOvr>
+    <a:masterClrMapping/>
+  </p:clrMapOvr>
+  <mc:AlternateContent xmlns:mc="http://schemas.openxmlformats.org/markup-compatibility/2006" xmlns:p14="http://schemas.microsoft.com/office/powerpoint/2010/main">
+    <mc:Choice Requires="p14">
+      <p:transition spd="med" p14:dur="700">
+        <p:fade/>
+      </p:transition>
+    </mc:Choice>
+    <mc:Fallback xmlns="">
+      <p:transition spd="med">
+        <p:fade/>
+      </p:transition>
+    </mc:Fallback>
+  </mc:AlternateContent>
+</p:sld>
+</file>
+
+<file path=ppt/slides/slide17.xml><?xml version="1.0" encoding="utf-8"?>
+<p:sld xmlns:a="http://schemas.openxmlformats.org/drawingml/2006/main" xmlns:r="http://schemas.openxmlformats.org/officeDocument/2006/relationships" xmlns:p="http://schemas.openxmlformats.org/presentationml/2006/main">
+  <p:cSld>
+    <p:spTree>
+      <p:nvGrpSpPr>
+        <p:cNvPr id="1" name=""/>
+        <p:cNvGrpSpPr/>
+        <p:nvPr/>
+      </p:nvGrpSpPr>
+      <p:grpSpPr>
+        <a:xfrm>
+          <a:off x="0" y="0"/>
+          <a:ext cx="0" cy="0"/>
+          <a:chOff x="0" y="0"/>
+          <a:chExt cx="0" cy="0"/>
+        </a:xfrm>
+      </p:grpSpPr>
+      <p:sp>
+        <p:nvSpPr>
+          <p:cNvPr id="3" name="TextBox 2">
+            <a:extLst>
+              <a:ext uri="{FF2B5EF4-FFF2-40B4-BE49-F238E27FC236}">
+                <a16:creationId xmlns:a16="http://schemas.microsoft.com/office/drawing/2014/main" id="{8DEBDC12-60E8-4CF3-A3D0-2075FBA26C8C}"/>
+              </a:ext>
+            </a:extLst>
+          </p:cNvPr>
+          <p:cNvSpPr txBox="1"/>
+          <p:nvPr/>
+        </p:nvSpPr>
+        <p:spPr>
+          <a:xfrm>
+            <a:off x="0" y="6550223"/>
+            <a:ext cx="12192000" cy="307777"/>
+          </a:xfrm>
+          <a:prstGeom prst="rect">
+            <a:avLst/>
+          </a:prstGeom>
+          <a:noFill/>
+        </p:spPr>
+        <p:txBody>
+          <a:bodyPr wrap="square" rtlCol="0">
+            <a:spAutoFit/>
+          </a:bodyPr>
+          <a:lstStyle/>
+          <a:p>
+            <a:r>
+              <a:rPr lang="en-US" sz="1400" dirty="0">
+                <a:solidFill>
+                  <a:schemeClr val="tx1">
+                    <a:lumMod val="65000"/>
+                    <a:lumOff val="35000"/>
+                  </a:schemeClr>
+                </a:solidFill>
+                <a:latin typeface="+mj-lt"/>
+                <a:ea typeface="Verdana" panose="020B0604030504040204" pitchFamily="34" charset="0"/>
+              </a:rPr>
+              <a:t>Source: Doshi, K. (2020). </a:t>
+            </a:r>
+            <a:r>
+              <a:rPr lang="en-US" sz="1400" i="1" dirty="0">
+                <a:solidFill>
+                  <a:schemeClr val="tx1">
+                    <a:lumMod val="65000"/>
+                    <a:lumOff val="35000"/>
+                  </a:schemeClr>
+                </a:solidFill>
+                <a:latin typeface="+mj-lt"/>
+                <a:ea typeface="Verdana" panose="020B0604030504040204" pitchFamily="34" charset="0"/>
+              </a:rPr>
+              <a:t>https://towardsdatascience.com/transformers-explained-visually-part-1-overview-of-functionality-95a6dd460452</a:t>
+            </a:r>
+            <a:endParaRPr lang="en-US" sz="1400" dirty="0">
+              <a:solidFill>
+                <a:schemeClr val="tx1">
+                  <a:lumMod val="65000"/>
+                  <a:lumOff val="35000"/>
+                </a:schemeClr>
+              </a:solidFill>
+              <a:latin typeface="+mj-lt"/>
+              <a:ea typeface="Verdana" panose="020B0604030504040204" pitchFamily="34" charset="0"/>
+            </a:endParaRPr>
+          </a:p>
+        </p:txBody>
+      </p:sp>
+      <p:pic>
+        <p:nvPicPr>
+          <p:cNvPr id="8194" name="Picture 2">
+            <a:extLst>
+              <a:ext uri="{FF2B5EF4-FFF2-40B4-BE49-F238E27FC236}">
+                <a16:creationId xmlns:a16="http://schemas.microsoft.com/office/drawing/2014/main" id="{81BF6FCB-D6D1-407E-AC89-25649CD75FF1}"/>
+              </a:ext>
+            </a:extLst>
+          </p:cNvPr>
+          <p:cNvPicPr>
+            <a:picLocks noChangeAspect="1" noChangeArrowheads="1"/>
+          </p:cNvPicPr>
+          <p:nvPr/>
+        </p:nvPicPr>
+        <p:blipFill>
+          <a:blip r:embed="rId3">
+            <a:clrChange>
+              <a:clrFrom>
+                <a:srgbClr val="FFFFFF"/>
+              </a:clrFrom>
+              <a:clrTo>
+                <a:srgbClr val="FFFFFF">
+                  <a:alpha val="0"/>
+                </a:srgbClr>
+              </a:clrTo>
+            </a:clrChange>
+            <a:extLst>
+              <a:ext uri="{28A0092B-C50C-407E-A947-70E740481C1C}">
+                <a14:useLocalDpi xmlns:a14="http://schemas.microsoft.com/office/drawing/2010/main" val="0"/>
+              </a:ext>
+            </a:extLst>
+          </a:blip>
+          <a:srcRect/>
+          <a:stretch>
+            <a:fillRect/>
+          </a:stretch>
+        </p:blipFill>
+        <p:spPr bwMode="auto">
+          <a:xfrm>
+            <a:off x="3619500" y="523875"/>
+            <a:ext cx="4953000" cy="5810250"/>
+          </a:xfrm>
+          <a:prstGeom prst="rect">
+            <a:avLst/>
+          </a:prstGeom>
+          <a:noFill/>
+          <a:extLst>
+            <a:ext uri="{909E8E84-426E-40DD-AFC4-6F175D3DCCD1}">
+              <a14:hiddenFill xmlns:a14="http://schemas.microsoft.com/office/drawing/2010/main">
+                <a:solidFill>
+                  <a:srgbClr val="FFFFFF"/>
+                </a:solidFill>
+              </a14:hiddenFill>
+            </a:ext>
+          </a:extLst>
+        </p:spPr>
+      </p:pic>
+    </p:spTree>
+    <p:extLst>
+      <p:ext uri="{BB962C8B-B14F-4D97-AF65-F5344CB8AC3E}">
+        <p14:creationId xmlns:p14="http://schemas.microsoft.com/office/powerpoint/2010/main" val="4175513480"/>
+      </p:ext>
+    </p:extLst>
+  </p:cSld>
+  <p:clrMapOvr>
+    <a:masterClrMapping/>
+  </p:clrMapOvr>
+  <mc:AlternateContent xmlns:mc="http://schemas.openxmlformats.org/markup-compatibility/2006" xmlns:p14="http://schemas.microsoft.com/office/powerpoint/2010/main">
+    <mc:Choice Requires="p14">
+      <p:transition spd="med" p14:dur="700">
+        <p:fade/>
+      </p:transition>
+    </mc:Choice>
+    <mc:Fallback xmlns="">
+      <p:transition spd="med">
+        <p:fade/>
+      </p:transition>
+    </mc:Fallback>
+  </mc:AlternateContent>
+</p:sld>
+</file>
+
+<file path=ppt/slides/slide2.xml><?xml version="1.0" encoding="utf-8"?>
+<p:sld xmlns:a="http://schemas.openxmlformats.org/drawingml/2006/main" xmlns:r="http://schemas.openxmlformats.org/officeDocument/2006/relationships" xmlns:p="http://schemas.openxmlformats.org/presentationml/2006/main">
+  <p:cSld>
+    <p:spTree>
+      <p:nvGrpSpPr>
+        <p:cNvPr id="1" name=""/>
+        <p:cNvGrpSpPr/>
+        <p:nvPr/>
+      </p:nvGrpSpPr>
+      <p:grpSpPr>
+        <a:xfrm>
+          <a:off x="0" y="0"/>
+          <a:ext cx="0" cy="0"/>
+          <a:chOff x="0" y="0"/>
+          <a:chExt cx="0" cy="0"/>
+        </a:xfrm>
+      </p:grpSpPr>
+      <p:sp>
+        <p:nvSpPr>
+          <p:cNvPr id="8" name="Title 1">
+            <a:extLst>
+              <a:ext uri="{FF2B5EF4-FFF2-40B4-BE49-F238E27FC236}">
+                <a16:creationId xmlns:a16="http://schemas.microsoft.com/office/drawing/2014/main" id="{195DAE60-9F77-4ED0-836D-1B7F2B48FCA1}"/>
+              </a:ext>
+            </a:extLst>
+          </p:cNvPr>
+          <p:cNvSpPr>
+            <a:spLocks noGrp="1"/>
+          </p:cNvSpPr>
+          <p:nvPr>
+            <p:ph type="title"/>
+          </p:nvPr>
+        </p:nvSpPr>
+        <p:spPr>
+          <a:xfrm>
+            <a:off x="0" y="793808"/>
+            <a:ext cx="12192000" cy="606943"/>
+          </a:xfrm>
+          <a:noFill/>
+        </p:spPr>
+        <p:txBody>
+          <a:bodyPr>
+            <a:noAutofit/>
+          </a:bodyPr>
+          <a:lstStyle/>
+          <a:p>
+            <a:pPr algn="ctr"/>
+            <a:r>
+              <a:rPr lang="en-US" sz="3600" dirty="0">
+                <a:solidFill>
+                  <a:schemeClr val="tx1">
+                    <a:lumMod val="65000"/>
+                    <a:lumOff val="35000"/>
+                  </a:schemeClr>
+                </a:solidFill>
+                <a:latin typeface="Palatino Linotype" panose="02040502050505030304" pitchFamily="18" charset="0"/>
+              </a:rPr>
+              <a:t>Transformer Architecture</a:t>
+            </a:r>
+            <a:endParaRPr lang="en-US" sz="3600" dirty="0">
+              <a:solidFill>
+                <a:schemeClr val="tx1">
+                  <a:lumMod val="65000"/>
+                  <a:lumOff val="35000"/>
+                </a:schemeClr>
+              </a:solidFill>
+              <a:latin typeface="Palatino Linotype" panose="02040502050505030304" pitchFamily="18" charset="0"/>
+              <a:cs typeface="Segoe UI Light" panose="020B0502040204020203" pitchFamily="34" charset="0"/>
+            </a:endParaRPr>
+          </a:p>
+        </p:txBody>
+      </p:sp>
+      <p:pic>
+        <p:nvPicPr>
+          <p:cNvPr id="1026" name="Picture 2" descr="How Transformers Work. Transformers are a type of neural… | by Giuliano  Giacaglia | Towards Data Science">
+            <a:extLst>
+              <a:ext uri="{FF2B5EF4-FFF2-40B4-BE49-F238E27FC236}">
+                <a16:creationId xmlns:a16="http://schemas.microsoft.com/office/drawing/2014/main" id="{FED52AE7-F17C-48CD-985B-9DE4870ABA36}"/>
+              </a:ext>
+            </a:extLst>
+          </p:cNvPr>
+          <p:cNvPicPr>
+            <a:picLocks noChangeAspect="1" noChangeArrowheads="1"/>
+          </p:cNvPicPr>
+          <p:nvPr/>
+        </p:nvPicPr>
+        <p:blipFill>
+          <a:blip r:embed="rId3">
+            <a:extLst>
+              <a:ext uri="{28A0092B-C50C-407E-A947-70E740481C1C}">
+                <a14:useLocalDpi xmlns:a14="http://schemas.microsoft.com/office/drawing/2010/main" val="0"/>
+              </a:ext>
+            </a:extLst>
+          </a:blip>
+          <a:srcRect/>
+          <a:stretch>
+            <a:fillRect/>
+          </a:stretch>
+        </p:blipFill>
+        <p:spPr bwMode="auto">
+          <a:xfrm>
+            <a:off x="728663" y="2028825"/>
+            <a:ext cx="10734675" cy="2800350"/>
+          </a:xfrm>
+          <a:prstGeom prst="rect">
+            <a:avLst/>
+          </a:prstGeom>
+          <a:noFill/>
+          <a:extLst>
+            <a:ext uri="{909E8E84-426E-40DD-AFC4-6F175D3DCCD1}">
+              <a14:hiddenFill xmlns:a14="http://schemas.microsoft.com/office/drawing/2010/main">
+                <a:solidFill>
+                  <a:srgbClr val="FFFFFF"/>
+                </a:solidFill>
+              </a14:hiddenFill>
+            </a:ext>
+          </a:extLst>
+        </p:spPr>
+      </p:pic>
+      <p:sp>
+        <p:nvSpPr>
+          <p:cNvPr id="6" name="TextBox 5">
+            <a:extLst>
+              <a:ext uri="{FF2B5EF4-FFF2-40B4-BE49-F238E27FC236}">
+                <a16:creationId xmlns:a16="http://schemas.microsoft.com/office/drawing/2014/main" id="{4D4D81D7-18B6-4EED-AF62-CA7FD0EED029}"/>
+              </a:ext>
+            </a:extLst>
+          </p:cNvPr>
+          <p:cNvSpPr txBox="1"/>
+          <p:nvPr/>
+        </p:nvSpPr>
+        <p:spPr>
+          <a:xfrm>
+            <a:off x="0" y="6550223"/>
+            <a:ext cx="12192000" cy="307777"/>
+          </a:xfrm>
+          <a:prstGeom prst="rect">
+            <a:avLst/>
+          </a:prstGeom>
+          <a:noFill/>
+        </p:spPr>
+        <p:txBody>
+          <a:bodyPr wrap="square" rtlCol="0">
+            <a:spAutoFit/>
+          </a:bodyPr>
+          <a:lstStyle/>
+          <a:p>
+            <a:r>
+              <a:rPr lang="en-US" sz="1400" dirty="0">
+                <a:solidFill>
+                  <a:schemeClr val="tx1">
+                    <a:lumMod val="65000"/>
+                    <a:lumOff val="35000"/>
+                  </a:schemeClr>
+                </a:solidFill>
+                <a:latin typeface="+mj-lt"/>
+                <a:ea typeface="Verdana" panose="020B0604030504040204" pitchFamily="34" charset="0"/>
+              </a:rPr>
+              <a:t>Image Credit: https://towardsdatascience.com/transformers-141e32e69591 </a:t>
+            </a:r>
+          </a:p>
+        </p:txBody>
+      </p:sp>
+    </p:spTree>
+    <p:extLst>
+      <p:ext uri="{BB962C8B-B14F-4D97-AF65-F5344CB8AC3E}">
+        <p14:creationId xmlns:p14="http://schemas.microsoft.com/office/powerpoint/2010/main" val="168402881"/>
+      </p:ext>
+    </p:extLst>
+  </p:cSld>
+  <p:clrMapOvr>
+    <a:masterClrMapping/>
+  </p:clrMapOvr>
+  <mc:AlternateContent xmlns:mc="http://schemas.openxmlformats.org/markup-compatibility/2006" xmlns:p14="http://schemas.microsoft.com/office/powerpoint/2010/main">
+    <mc:Choice Requires="p14">
+      <p:transition spd="med" p14:dur="700">
+        <p:fade/>
+      </p:transition>
+    </mc:Choice>
+    <mc:Fallback xmlns="">
+      <p:transition spd="med">
+        <p:fade/>
+      </p:transition>
+    </mc:Fallback>
+  </mc:AlternateContent>
+</p:sld>
+</file>
+
+<file path=ppt/slides/slide3.xml><?xml version="1.0" encoding="utf-8"?>
+<p:sld xmlns:a="http://schemas.openxmlformats.org/drawingml/2006/main" xmlns:r="http://schemas.openxmlformats.org/officeDocument/2006/relationships" xmlns:p="http://schemas.openxmlformats.org/presentationml/2006/main">
+  <p:cSld>
+    <p:spTree>
+      <p:nvGrpSpPr>
+        <p:cNvPr id="1" name=""/>
+        <p:cNvGrpSpPr/>
+        <p:nvPr/>
+      </p:nvGrpSpPr>
+      <p:grpSpPr>
+        <a:xfrm>
+          <a:off x="0" y="0"/>
+          <a:ext cx="0" cy="0"/>
+          <a:chOff x="0" y="0"/>
+          <a:chExt cx="0" cy="0"/>
+        </a:xfrm>
+      </p:grpSpPr>
+      <p:pic>
+        <p:nvPicPr>
+          <p:cNvPr id="1026" name="Picture 2">
+            <a:extLst>
+              <a:ext uri="{FF2B5EF4-FFF2-40B4-BE49-F238E27FC236}">
+                <a16:creationId xmlns:a16="http://schemas.microsoft.com/office/drawing/2014/main" id="{FE503794-D5F4-4DCA-A04D-B09764F0F577}"/>
+              </a:ext>
+            </a:extLst>
+          </p:cNvPr>
+          <p:cNvPicPr>
+            <a:picLocks noChangeAspect="1" noChangeArrowheads="1"/>
+          </p:cNvPicPr>
+          <p:nvPr/>
+        </p:nvPicPr>
+        <p:blipFill>
+          <a:blip r:embed="rId3">
+            <a:extLst>
+              <a:ext uri="{28A0092B-C50C-407E-A947-70E740481C1C}">
+                <a14:useLocalDpi xmlns:a14="http://schemas.microsoft.com/office/drawing/2010/main" val="0"/>
+              </a:ext>
+            </a:extLst>
+          </a:blip>
+          <a:srcRect/>
+          <a:stretch>
+            <a:fillRect/>
+          </a:stretch>
+        </p:blipFill>
+        <p:spPr bwMode="auto">
+          <a:xfrm>
+            <a:off x="1615608" y="511849"/>
+            <a:ext cx="8960784" cy="5834301"/>
+          </a:xfrm>
+          <a:prstGeom prst="rect">
+            <a:avLst/>
+          </a:prstGeom>
+          <a:noFill/>
+          <a:extLst>
+            <a:ext uri="{909E8E84-426E-40DD-AFC4-6F175D3DCCD1}">
+              <a14:hiddenFill xmlns:a14="http://schemas.microsoft.com/office/drawing/2010/main">
+                <a:solidFill>
+                  <a:srgbClr val="FFFFFF"/>
+                </a:solidFill>
+              </a14:hiddenFill>
+            </a:ext>
+          </a:extLst>
+        </p:spPr>
+      </p:pic>
+      <p:sp>
+        <p:nvSpPr>
+          <p:cNvPr id="5" name="TextBox 4">
+            <a:extLst>
+              <a:ext uri="{FF2B5EF4-FFF2-40B4-BE49-F238E27FC236}">
+                <a16:creationId xmlns:a16="http://schemas.microsoft.com/office/drawing/2014/main" id="{5DAE8B6E-8E41-4EB2-A73D-981EF441ED95}"/>
+              </a:ext>
+            </a:extLst>
+          </p:cNvPr>
+          <p:cNvSpPr txBox="1"/>
+          <p:nvPr/>
+        </p:nvSpPr>
+        <p:spPr>
+          <a:xfrm>
+            <a:off x="0" y="6550223"/>
+            <a:ext cx="12192000" cy="307777"/>
+          </a:xfrm>
+          <a:prstGeom prst="rect">
+            <a:avLst/>
+          </a:prstGeom>
+          <a:noFill/>
+        </p:spPr>
+        <p:txBody>
+          <a:bodyPr wrap="square" rtlCol="0">
+            <a:spAutoFit/>
+          </a:bodyPr>
+          <a:lstStyle/>
+          <a:p>
+            <a:r>
+              <a:rPr lang="en-US" sz="1400" dirty="0">
+                <a:solidFill>
+                  <a:schemeClr val="tx1">
+                    <a:lumMod val="65000"/>
+                    <a:lumOff val="35000"/>
+                  </a:schemeClr>
+                </a:solidFill>
+                <a:latin typeface="+mj-lt"/>
+                <a:ea typeface="Verdana" panose="020B0604030504040204" pitchFamily="34" charset="0"/>
+              </a:rPr>
+              <a:t>Image Credit: https://towardsdatascience.com/transformers-141e32e69591 </a:t>
+            </a:r>
+          </a:p>
+        </p:txBody>
+      </p:sp>
+      <p:sp>
+        <p:nvSpPr>
+          <p:cNvPr id="2" name="TextBox 1">
+            <a:extLst>
+              <a:ext uri="{FF2B5EF4-FFF2-40B4-BE49-F238E27FC236}">
+                <a16:creationId xmlns:a16="http://schemas.microsoft.com/office/drawing/2014/main" id="{542A7E4E-4958-43D4-A278-45F74B23B12C}"/>
+              </a:ext>
+            </a:extLst>
+          </p:cNvPr>
+          <p:cNvSpPr txBox="1"/>
+          <p:nvPr/>
+        </p:nvSpPr>
+        <p:spPr>
+          <a:xfrm>
+            <a:off x="484909" y="5363289"/>
+            <a:ext cx="1463208" cy="246221"/>
+          </a:xfrm>
+          <a:prstGeom prst="rect">
+            <a:avLst/>
+          </a:prstGeom>
+          <a:noFill/>
+        </p:spPr>
+        <p:txBody>
+          <a:bodyPr wrap="square" rtlCol="0">
+            <a:spAutoFit/>
+          </a:bodyPr>
+          <a:lstStyle/>
+          <a:p>
+            <a:r>
+              <a:rPr lang="en-US" sz="1000" dirty="0"/>
+              <a:t>Add – Embedding Layer</a:t>
+            </a:r>
+          </a:p>
+        </p:txBody>
+      </p:sp>
+      <p:sp>
+        <p:nvSpPr>
+          <p:cNvPr id="6" name="TextBox 5">
+            <a:extLst>
+              <a:ext uri="{FF2B5EF4-FFF2-40B4-BE49-F238E27FC236}">
+                <a16:creationId xmlns:a16="http://schemas.microsoft.com/office/drawing/2014/main" id="{706383F2-2A91-4DB3-A7AC-3DDDC83DF3E6}"/>
+              </a:ext>
+            </a:extLst>
+          </p:cNvPr>
+          <p:cNvSpPr txBox="1"/>
+          <p:nvPr/>
+        </p:nvSpPr>
+        <p:spPr>
+          <a:xfrm>
+            <a:off x="9844788" y="1082234"/>
+            <a:ext cx="1463208" cy="246221"/>
+          </a:xfrm>
+          <a:prstGeom prst="rect">
+            <a:avLst/>
+          </a:prstGeom>
+          <a:noFill/>
+        </p:spPr>
+        <p:txBody>
+          <a:bodyPr wrap="square" rtlCol="0">
+            <a:spAutoFit/>
+          </a:bodyPr>
+          <a:lstStyle/>
+          <a:p>
+            <a:r>
+              <a:rPr lang="en-US" sz="1000" dirty="0"/>
+              <a:t>Add – Embedding Layer</a:t>
+            </a:r>
+          </a:p>
+        </p:txBody>
+      </p:sp>
+    </p:spTree>
+    <p:extLst>
+      <p:ext uri="{BB962C8B-B14F-4D97-AF65-F5344CB8AC3E}">
+        <p14:creationId xmlns:p14="http://schemas.microsoft.com/office/powerpoint/2010/main" val="748552708"/>
+      </p:ext>
+    </p:extLst>
+  </p:cSld>
+  <p:clrMapOvr>
+    <a:masterClrMapping/>
+  </p:clrMapOvr>
+  <mc:AlternateContent xmlns:mc="http://schemas.openxmlformats.org/markup-compatibility/2006" xmlns:p14="http://schemas.microsoft.com/office/powerpoint/2010/main">
+    <mc:Choice Requires="p14">
+      <p:transition spd="med" p14:dur="700">
+        <p:fade/>
+      </p:transition>
+    </mc:Choice>
+    <mc:Fallback xmlns="">
+      <p:transition spd="med">
+        <p:fade/>
+      </p:transition>
+    </mc:Fallback>
+  </mc:AlternateContent>
+</p:sld>
+</file>
+
+<file path=ppt/slides/slide4.xml><?xml version="1.0" encoding="utf-8"?>
+<p:sld xmlns:a="http://schemas.openxmlformats.org/drawingml/2006/main" xmlns:r="http://schemas.openxmlformats.org/officeDocument/2006/relationships" xmlns:p="http://schemas.openxmlformats.org/presentationml/2006/main">
+  <p:cSld>
+    <p:spTree>
+      <p:nvGrpSpPr>
+        <p:cNvPr id="1" name=""/>
+        <p:cNvGrpSpPr/>
+        <p:nvPr/>
+      </p:nvGrpSpPr>
+      <p:grpSpPr>
+        <a:xfrm>
+          <a:off x="0" y="0"/>
+          <a:ext cx="0" cy="0"/>
+          <a:chOff x="0" y="0"/>
+          <a:chExt cx="0" cy="0"/>
+        </a:xfrm>
+      </p:grpSpPr>
+      <p:pic>
+        <p:nvPicPr>
+          <p:cNvPr id="3074" name="Picture 2">
+            <a:extLst>
+              <a:ext uri="{FF2B5EF4-FFF2-40B4-BE49-F238E27FC236}">
+                <a16:creationId xmlns:a16="http://schemas.microsoft.com/office/drawing/2014/main" id="{6F9315D2-1FA0-46D4-966C-B17E5FE5D4B3}"/>
+              </a:ext>
+            </a:extLst>
+          </p:cNvPr>
+          <p:cNvPicPr>
+            <a:picLocks noChangeAspect="1" noChangeArrowheads="1"/>
+          </p:cNvPicPr>
+          <p:nvPr/>
+        </p:nvPicPr>
+        <p:blipFill>
+          <a:blip r:embed="rId3">
+            <a:extLst>
+              <a:ext uri="{28A0092B-C50C-407E-A947-70E740481C1C}">
+                <a14:useLocalDpi xmlns:a14="http://schemas.microsoft.com/office/drawing/2010/main" val="0"/>
+              </a:ext>
+            </a:extLst>
+          </a:blip>
+          <a:srcRect/>
+          <a:stretch>
+            <a:fillRect/>
+          </a:stretch>
+        </p:blipFill>
+        <p:spPr bwMode="auto">
+          <a:xfrm>
+            <a:off x="2324100" y="1471613"/>
+            <a:ext cx="7543800" cy="3914775"/>
+          </a:xfrm>
+          <a:prstGeom prst="rect">
+            <a:avLst/>
+          </a:prstGeom>
+          <a:noFill/>
+          <a:extLst>
+            <a:ext uri="{909E8E84-426E-40DD-AFC4-6F175D3DCCD1}">
+              <a14:hiddenFill xmlns:a14="http://schemas.microsoft.com/office/drawing/2010/main">
+                <a:solidFill>
+                  <a:srgbClr val="FFFFFF"/>
+                </a:solidFill>
+              </a14:hiddenFill>
+            </a:ext>
+          </a:extLst>
+        </p:spPr>
+      </p:pic>
+      <p:sp>
+        <p:nvSpPr>
+          <p:cNvPr id="4" name="TextBox 3">
+            <a:extLst>
+              <a:ext uri="{FF2B5EF4-FFF2-40B4-BE49-F238E27FC236}">
+                <a16:creationId xmlns:a16="http://schemas.microsoft.com/office/drawing/2014/main" id="{DAF8896B-C82A-458A-B6B7-B77BA876F042}"/>
+              </a:ext>
+            </a:extLst>
+          </p:cNvPr>
+          <p:cNvSpPr txBox="1"/>
+          <p:nvPr/>
+        </p:nvSpPr>
+        <p:spPr>
+          <a:xfrm>
+            <a:off x="0" y="6550223"/>
+            <a:ext cx="12192000" cy="307777"/>
+          </a:xfrm>
+          <a:prstGeom prst="rect">
+            <a:avLst/>
+          </a:prstGeom>
+          <a:noFill/>
+        </p:spPr>
+        <p:txBody>
+          <a:bodyPr wrap="square" rtlCol="0">
+            <a:spAutoFit/>
+          </a:bodyPr>
+          <a:lstStyle/>
+          <a:p>
+            <a:r>
+              <a:rPr lang="en-US" sz="1400" dirty="0">
+                <a:solidFill>
+                  <a:schemeClr val="tx1">
+                    <a:lumMod val="65000"/>
+                    <a:lumOff val="35000"/>
+                  </a:schemeClr>
+                </a:solidFill>
+                <a:latin typeface="+mj-lt"/>
+                <a:ea typeface="Verdana" panose="020B0604030504040204" pitchFamily="34" charset="0"/>
+              </a:rPr>
+              <a:t>Image Credit: https://towardsdatascience.com/transformers-141e32e69591 </a:t>
+            </a:r>
+          </a:p>
+        </p:txBody>
+      </p:sp>
+    </p:spTree>
+    <p:extLst>
+      <p:ext uri="{BB962C8B-B14F-4D97-AF65-F5344CB8AC3E}">
+        <p14:creationId xmlns:p14="http://schemas.microsoft.com/office/powerpoint/2010/main" val="4140667580"/>
+      </p:ext>
+    </p:extLst>
+  </p:cSld>
+  <p:clrMapOvr>
+    <a:masterClrMapping/>
+  </p:clrMapOvr>
+  <mc:AlternateContent xmlns:mc="http://schemas.openxmlformats.org/markup-compatibility/2006" xmlns:p14="http://schemas.microsoft.com/office/powerpoint/2010/main">
+    <mc:Choice Requires="p14">
+      <p:transition spd="med" p14:dur="700">
+        <p:fade/>
+      </p:transition>
+    </mc:Choice>
+    <mc:Fallback xmlns="">
+      <p:transition spd="med">
+        <p:fade/>
+      </p:transition>
+    </mc:Fallback>
+  </mc:AlternateContent>
+</p:sld>
+</file>
+
+<file path=ppt/slides/slide5.xml><?xml version="1.0" encoding="utf-8"?>
+<p:sld xmlns:a="http://schemas.openxmlformats.org/drawingml/2006/main" xmlns:r="http://schemas.openxmlformats.org/officeDocument/2006/relationships" xmlns:p="http://schemas.openxmlformats.org/presentationml/2006/main">
+  <p:cSld>
+    <p:spTree>
+      <p:nvGrpSpPr>
+        <p:cNvPr id="1" name=""/>
+        <p:cNvGrpSpPr/>
+        <p:nvPr/>
+      </p:nvGrpSpPr>
+      <p:grpSpPr>
+        <a:xfrm>
+          <a:off x="0" y="0"/>
+          <a:ext cx="0" cy="0"/>
+          <a:chOff x="0" y="0"/>
+          <a:chExt cx="0" cy="0"/>
+        </a:xfrm>
+      </p:grpSpPr>
+      <p:pic>
+        <p:nvPicPr>
+          <p:cNvPr id="5122" name="Picture 2">
+            <a:extLst>
+              <a:ext uri="{FF2B5EF4-FFF2-40B4-BE49-F238E27FC236}">
+                <a16:creationId xmlns:a16="http://schemas.microsoft.com/office/drawing/2014/main" id="{CE2699BE-C53B-439F-9E3C-9A4DC03B6B13}"/>
+              </a:ext>
+            </a:extLst>
+          </p:cNvPr>
+          <p:cNvPicPr>
+            <a:picLocks noChangeAspect="1" noChangeArrowheads="1"/>
+          </p:cNvPicPr>
+          <p:nvPr/>
+        </p:nvPicPr>
+        <p:blipFill>
+          <a:blip r:embed="rId3">
+            <a:extLst>
+              <a:ext uri="{28A0092B-C50C-407E-A947-70E740481C1C}">
+                <a14:useLocalDpi xmlns:a14="http://schemas.microsoft.com/office/drawing/2010/main" val="0"/>
+              </a:ext>
+            </a:extLst>
+          </a:blip>
+          <a:srcRect/>
+          <a:stretch>
+            <a:fillRect/>
+          </a:stretch>
+        </p:blipFill>
+        <p:spPr bwMode="auto">
+          <a:xfrm>
+            <a:off x="3278327" y="1601320"/>
+            <a:ext cx="5635345" cy="3655359"/>
+          </a:xfrm>
+          <a:prstGeom prst="rect">
+            <a:avLst/>
+          </a:prstGeom>
+          <a:noFill/>
+          <a:extLst>
+            <a:ext uri="{909E8E84-426E-40DD-AFC4-6F175D3DCCD1}">
+              <a14:hiddenFill xmlns:a14="http://schemas.microsoft.com/office/drawing/2010/main">
+                <a:solidFill>
+                  <a:srgbClr val="FFFFFF"/>
+                </a:solidFill>
+              </a14:hiddenFill>
+            </a:ext>
+          </a:extLst>
+        </p:spPr>
+      </p:pic>
+      <p:sp>
+        <p:nvSpPr>
+          <p:cNvPr id="4" name="TextBox 3">
+            <a:extLst>
+              <a:ext uri="{FF2B5EF4-FFF2-40B4-BE49-F238E27FC236}">
+                <a16:creationId xmlns:a16="http://schemas.microsoft.com/office/drawing/2014/main" id="{E3F1CD6A-7BD4-4C27-A19E-B262138DBBC2}"/>
+              </a:ext>
+            </a:extLst>
+          </p:cNvPr>
+          <p:cNvSpPr txBox="1"/>
+          <p:nvPr/>
+        </p:nvSpPr>
+        <p:spPr>
+          <a:xfrm>
+            <a:off x="0" y="6550223"/>
+            <a:ext cx="12192000" cy="307777"/>
+          </a:xfrm>
+          <a:prstGeom prst="rect">
+            <a:avLst/>
+          </a:prstGeom>
+          <a:noFill/>
+        </p:spPr>
+        <p:txBody>
+          <a:bodyPr wrap="square" rtlCol="0">
+            <a:spAutoFit/>
+          </a:bodyPr>
+          <a:lstStyle/>
+          <a:p>
+            <a:r>
+              <a:rPr lang="en-US" sz="1400" dirty="0">
+                <a:solidFill>
+                  <a:schemeClr val="tx1">
+                    <a:lumMod val="65000"/>
+                    <a:lumOff val="35000"/>
+                  </a:schemeClr>
+                </a:solidFill>
+                <a:latin typeface="+mj-lt"/>
+                <a:ea typeface="Verdana" panose="020B0604030504040204" pitchFamily="34" charset="0"/>
+              </a:rPr>
+              <a:t>Image Credit: https://towardsdatascience.com/transformers-141e32e69591 </a:t>
+            </a:r>
+          </a:p>
+        </p:txBody>
+      </p:sp>
+    </p:spTree>
+    <p:extLst>
+      <p:ext uri="{BB962C8B-B14F-4D97-AF65-F5344CB8AC3E}">
+        <p14:creationId xmlns:p14="http://schemas.microsoft.com/office/powerpoint/2010/main" val="2251988959"/>
+      </p:ext>
+    </p:extLst>
+  </p:cSld>
+  <p:clrMapOvr>
+    <a:masterClrMapping/>
+  </p:clrMapOvr>
+  <mc:AlternateContent xmlns:mc="http://schemas.openxmlformats.org/markup-compatibility/2006" xmlns:p14="http://schemas.microsoft.com/office/powerpoint/2010/main">
+    <mc:Choice Requires="p14">
+      <p:transition spd="med" p14:dur="700">
+        <p:fade/>
+      </p:transition>
+    </mc:Choice>
+    <mc:Fallback xmlns="">
+      <p:transition spd="med">
+        <p:fade/>
+      </p:transition>
+    </mc:Fallback>
+  </mc:AlternateContent>
+</p:sld>
+</file>
+
+<file path=ppt/slides/slide6.xml><?xml version="1.0" encoding="utf-8"?>
 <p:sld xmlns:a="http://schemas.openxmlformats.org/drawingml/2006/main" xmlns:r="http://schemas.openxmlformats.org/officeDocument/2006/relationships" xmlns:p="http://schemas.openxmlformats.org/presentationml/2006/main">
   <p:cSld>
     <p:spTree>
@@ -6749,7 +8180,7 @@
 </p:sld>
 </file>
 
-<file path=ppt/slides/slide12.xml><?xml version="1.0" encoding="utf-8"?>
+<file path=ppt/slides/slide7.xml><?xml version="1.0" encoding="utf-8"?>
 <p:sld xmlns:a="http://schemas.openxmlformats.org/drawingml/2006/main" xmlns:r="http://schemas.openxmlformats.org/officeDocument/2006/relationships" xmlns:p="http://schemas.openxmlformats.org/presentationml/2006/main">
   <p:cSld>
     <p:spTree>
@@ -6798,32 +8229,51 @@
       </p:pic>
       <p:sp>
         <p:nvSpPr>
-          <p:cNvPr id="12" name="Title 1">
-            <a:extLst>
-              <a:ext uri="{FF2B5EF4-FFF2-40B4-BE49-F238E27FC236}">
-                <a16:creationId xmlns:a16="http://schemas.microsoft.com/office/drawing/2014/main" id="{E2FB948E-5ACE-4C88-8B2D-233F4E9F4797}"/>
-              </a:ext>
-            </a:extLst>
-          </p:cNvPr>
-          <p:cNvSpPr>
-            <a:spLocks noGrp="1"/>
-          </p:cNvSpPr>
-          <p:nvPr>
-            <p:ph type="title"/>
-          </p:nvPr>
+          <p:cNvPr id="4" name="Title 1">
+            <a:extLst>
+              <a:ext uri="{FF2B5EF4-FFF2-40B4-BE49-F238E27FC236}">
+                <a16:creationId xmlns:a16="http://schemas.microsoft.com/office/drawing/2014/main" id="{474EB2BC-3221-47A1-8ADF-BF3126732B5F}"/>
+              </a:ext>
+            </a:extLst>
+          </p:cNvPr>
+          <p:cNvSpPr txBox="1">
+            <a:spLocks/>
+          </p:cNvSpPr>
+          <p:nvPr/>
         </p:nvSpPr>
         <p:spPr>
           <a:xfrm>
             <a:off x="0" y="2705764"/>
             <a:ext cx="12192000" cy="1446472"/>
           </a:xfrm>
+          <a:prstGeom prst="rect">
+            <a:avLst/>
+          </a:prstGeom>
           <a:noFill/>
         </p:spPr>
         <p:txBody>
-          <a:bodyPr>
+          <a:bodyPr vert="horz" lIns="91440" tIns="45720" rIns="91440" bIns="45720" rtlCol="0" anchor="ctr">
             <a:noAutofit/>
           </a:bodyPr>
-          <a:lstStyle/>
+          <a:lstStyle>
+            <a:lvl1pPr algn="l" defTabSz="914400" rtl="0" eaLnBrk="1" latinLnBrk="0" hangingPunct="1">
+              <a:lnSpc>
+                <a:spcPct val="90000"/>
+              </a:lnSpc>
+              <a:spcBef>
+                <a:spcPct val="0"/>
+              </a:spcBef>
+              <a:buNone/>
+              <a:defRPr sz="4400" kern="1200">
+                <a:solidFill>
+                  <a:schemeClr val="tx1"/>
+                </a:solidFill>
+                <a:latin typeface="+mj-lt"/>
+                <a:ea typeface="+mj-ea"/>
+                <a:cs typeface="+mj-cs"/>
+              </a:defRPr>
+            </a:lvl1pPr>
+          </a:lstStyle>
           <a:p>
             <a:pPr algn="ctr"/>
             <a:r>
@@ -6836,7 +8286,7 @@
                 </a:solidFill>
                 <a:latin typeface="Palatino Linotype" panose="02040502050505030304" pitchFamily="18" charset="0"/>
               </a:rPr>
-              <a:t>Jay Alamaar (Illustrated Transformer)</a:t>
+              <a:t>Transformers Introduction</a:t>
             </a:r>
             <a:br>
               <a:rPr lang="en-US" sz="3600" dirty="0">
@@ -6859,7 +8309,7 @@
                 </a:solidFill>
                 <a:latin typeface="Palatino Linotype" panose="02040502050505030304" pitchFamily="18" charset="0"/>
               </a:rPr>
-              <a:t>01.1_alamaar.ipynb</a:t>
+              <a:t>01.2_transformer_intro.ipynb</a:t>
             </a:r>
             <a:endParaRPr lang="en-US" sz="3600" dirty="0">
               <a:solidFill>
@@ -6878,3051 +8328,6 @@
     <p:extLst>
       <p:ext uri="{BB962C8B-B14F-4D97-AF65-F5344CB8AC3E}">
         <p14:creationId xmlns:p14="http://schemas.microsoft.com/office/powerpoint/2010/main" val="2261991877"/>
-      </p:ext>
-    </p:extLst>
-  </p:cSld>
-  <p:clrMapOvr>
-    <a:masterClrMapping/>
-  </p:clrMapOvr>
-  <mc:AlternateContent xmlns:mc="http://schemas.openxmlformats.org/markup-compatibility/2006" xmlns:p14="http://schemas.microsoft.com/office/powerpoint/2010/main">
-    <mc:Choice Requires="p14">
-      <p:transition spd="med" p14:dur="700">
-        <p:fade/>
-      </p:transition>
-    </mc:Choice>
-    <mc:Fallback xmlns="">
-      <p:transition spd="med">
-        <p:fade/>
-      </p:transition>
-    </mc:Fallback>
-  </mc:AlternateContent>
-</p:sld>
-</file>
-
-<file path=ppt/slides/slide13.xml><?xml version="1.0" encoding="utf-8"?>
-<p:sld xmlns:a="http://schemas.openxmlformats.org/drawingml/2006/main" xmlns:r="http://schemas.openxmlformats.org/officeDocument/2006/relationships" xmlns:p="http://schemas.openxmlformats.org/presentationml/2006/main">
-  <p:cSld>
-    <p:spTree>
-      <p:nvGrpSpPr>
-        <p:cNvPr id="1" name=""/>
-        <p:cNvGrpSpPr/>
-        <p:nvPr/>
-      </p:nvGrpSpPr>
-      <p:grpSpPr>
-        <a:xfrm>
-          <a:off x="0" y="0"/>
-          <a:ext cx="0" cy="0"/>
-          <a:chOff x="0" y="0"/>
-          <a:chExt cx="0" cy="0"/>
-        </a:xfrm>
-      </p:grpSpPr>
-      <p:sp>
-        <p:nvSpPr>
-          <p:cNvPr id="3" name="TextBox 2">
-            <a:extLst>
-              <a:ext uri="{FF2B5EF4-FFF2-40B4-BE49-F238E27FC236}">
-                <a16:creationId xmlns:a16="http://schemas.microsoft.com/office/drawing/2014/main" id="{C1E53685-A9F7-4FE0-ABDB-9B755F275882}"/>
-              </a:ext>
-            </a:extLst>
-          </p:cNvPr>
-          <p:cNvSpPr txBox="1"/>
-          <p:nvPr/>
-        </p:nvSpPr>
-        <p:spPr>
-          <a:xfrm>
-            <a:off x="0" y="6550223"/>
-            <a:ext cx="12192000" cy="307777"/>
-          </a:xfrm>
-          <a:prstGeom prst="rect">
-            <a:avLst/>
-          </a:prstGeom>
-          <a:noFill/>
-        </p:spPr>
-        <p:txBody>
-          <a:bodyPr wrap="square" rtlCol="0">
-            <a:spAutoFit/>
-          </a:bodyPr>
-          <a:lstStyle/>
-          <a:p>
-            <a:r>
-              <a:rPr lang="en-US" sz="1400" dirty="0">
-                <a:solidFill>
-                  <a:schemeClr val="tx1">
-                    <a:lumMod val="65000"/>
-                    <a:lumOff val="35000"/>
-                  </a:schemeClr>
-                </a:solidFill>
-                <a:latin typeface="+mj-lt"/>
-                <a:ea typeface="Verdana" panose="020B0604030504040204" pitchFamily="34" charset="0"/>
-              </a:rPr>
-              <a:t>Source: Glassner, A. (2021). </a:t>
-            </a:r>
-            <a:r>
-              <a:rPr lang="en-US" sz="1400" i="1" dirty="0">
-                <a:solidFill>
-                  <a:schemeClr val="tx1">
-                    <a:lumMod val="65000"/>
-                    <a:lumOff val="35000"/>
-                  </a:schemeClr>
-                </a:solidFill>
-                <a:latin typeface="+mj-lt"/>
-                <a:ea typeface="Verdana" panose="020B0604030504040204" pitchFamily="34" charset="0"/>
-              </a:rPr>
-              <a:t>Deep learning: A visual approach</a:t>
-            </a:r>
-            <a:r>
-              <a:rPr lang="en-US" sz="1400" dirty="0">
-                <a:solidFill>
-                  <a:schemeClr val="tx1">
-                    <a:lumMod val="65000"/>
-                    <a:lumOff val="35000"/>
-                  </a:schemeClr>
-                </a:solidFill>
-                <a:latin typeface="+mj-lt"/>
-                <a:ea typeface="Verdana" panose="020B0604030504040204" pitchFamily="34" charset="0"/>
-              </a:rPr>
-              <a:t>. </a:t>
-            </a:r>
-            <a:r>
-              <a:rPr lang="en-US" sz="1400" b="0" i="0" dirty="0">
-                <a:solidFill>
-                  <a:schemeClr val="tx1">
-                    <a:lumMod val="65000"/>
-                    <a:lumOff val="35000"/>
-                  </a:schemeClr>
-                </a:solidFill>
-                <a:effectLst/>
-                <a:latin typeface="+mj-lt"/>
-                <a:ea typeface="Verdana" panose="020B0604030504040204" pitchFamily="34" charset="0"/>
-              </a:rPr>
-              <a:t>San Francisco, CA: No Starch Press. (Chapter </a:t>
-            </a:r>
-            <a:r>
-              <a:rPr lang="en-US" sz="1400" dirty="0">
-                <a:solidFill>
-                  <a:schemeClr val="tx1">
-                    <a:lumMod val="65000"/>
-                    <a:lumOff val="35000"/>
-                  </a:schemeClr>
-                </a:solidFill>
-                <a:latin typeface="+mj-lt"/>
-                <a:ea typeface="Verdana" panose="020B0604030504040204" pitchFamily="34" charset="0"/>
-              </a:rPr>
-              <a:t>20</a:t>
-            </a:r>
-            <a:r>
-              <a:rPr lang="en-US" sz="1400" b="0" i="0" dirty="0">
-                <a:solidFill>
-                  <a:schemeClr val="tx1">
-                    <a:lumMod val="65000"/>
-                    <a:lumOff val="35000"/>
-                  </a:schemeClr>
-                </a:solidFill>
-                <a:effectLst/>
-                <a:latin typeface="+mj-lt"/>
-                <a:ea typeface="Verdana" panose="020B0604030504040204" pitchFamily="34" charset="0"/>
-              </a:rPr>
-              <a:t>)</a:t>
-            </a:r>
-            <a:endParaRPr lang="en-US" sz="1400" dirty="0">
-              <a:solidFill>
-                <a:schemeClr val="tx1">
-                  <a:lumMod val="65000"/>
-                  <a:lumOff val="35000"/>
-                </a:schemeClr>
-              </a:solidFill>
-              <a:latin typeface="+mj-lt"/>
-              <a:ea typeface="Verdana" panose="020B0604030504040204" pitchFamily="34" charset="0"/>
-            </a:endParaRPr>
-          </a:p>
-        </p:txBody>
-      </p:sp>
-      <p:pic>
-        <p:nvPicPr>
-          <p:cNvPr id="6" name="Picture 5">
-            <a:extLst>
-              <a:ext uri="{FF2B5EF4-FFF2-40B4-BE49-F238E27FC236}">
-                <a16:creationId xmlns:a16="http://schemas.microsoft.com/office/drawing/2014/main" id="{6D6EB62B-2AF5-414F-AE49-8A9F33BF1690}"/>
-              </a:ext>
-            </a:extLst>
-          </p:cNvPr>
-          <p:cNvPicPr>
-            <a:picLocks noChangeAspect="1"/>
-          </p:cNvPicPr>
-          <p:nvPr/>
-        </p:nvPicPr>
-        <p:blipFill>
-          <a:blip r:embed="rId3"/>
-          <a:stretch>
-            <a:fillRect/>
-          </a:stretch>
-        </p:blipFill>
-        <p:spPr>
-          <a:xfrm>
-            <a:off x="2694334" y="3645875"/>
-            <a:ext cx="2635250" cy="635000"/>
-          </a:xfrm>
-          <a:prstGeom prst="rect">
-            <a:avLst/>
-          </a:prstGeom>
-          <a:effectLst>
-            <a:outerShdw blurRad="50800" dist="38100" dir="2700000" algn="tl" rotWithShape="0">
-              <a:prstClr val="black">
-                <a:alpha val="40000"/>
-              </a:prstClr>
-            </a:outerShdw>
-          </a:effectLst>
-        </p:spPr>
-      </p:pic>
-      <p:pic>
-        <p:nvPicPr>
-          <p:cNvPr id="8" name="Picture 7">
-            <a:extLst>
-              <a:ext uri="{FF2B5EF4-FFF2-40B4-BE49-F238E27FC236}">
-                <a16:creationId xmlns:a16="http://schemas.microsoft.com/office/drawing/2014/main" id="{5F58BA1E-FF07-46F1-BE57-F2D9FB4D711F}"/>
-              </a:ext>
-            </a:extLst>
-          </p:cNvPr>
-          <p:cNvPicPr>
-            <a:picLocks noChangeAspect="1"/>
-          </p:cNvPicPr>
-          <p:nvPr/>
-        </p:nvPicPr>
-        <p:blipFill>
-          <a:blip r:embed="rId4"/>
-          <a:stretch>
-            <a:fillRect/>
-          </a:stretch>
-        </p:blipFill>
-        <p:spPr>
-          <a:xfrm>
-            <a:off x="5384383" y="3645875"/>
-            <a:ext cx="1790700" cy="635000"/>
-          </a:xfrm>
-          <a:prstGeom prst="rect">
-            <a:avLst/>
-          </a:prstGeom>
-          <a:effectLst>
-            <a:outerShdw blurRad="50800" dist="38100" dir="2700000" algn="tl" rotWithShape="0">
-              <a:prstClr val="black">
-                <a:alpha val="40000"/>
-              </a:prstClr>
-            </a:outerShdw>
-          </a:effectLst>
-        </p:spPr>
-      </p:pic>
-      <p:pic>
-        <p:nvPicPr>
-          <p:cNvPr id="10" name="Picture 9">
-            <a:extLst>
-              <a:ext uri="{FF2B5EF4-FFF2-40B4-BE49-F238E27FC236}">
-                <a16:creationId xmlns:a16="http://schemas.microsoft.com/office/drawing/2014/main" id="{09F6952B-A598-404A-8864-3F355F8310E1}"/>
-              </a:ext>
-            </a:extLst>
-          </p:cNvPr>
-          <p:cNvPicPr>
-            <a:picLocks noChangeAspect="1"/>
-          </p:cNvPicPr>
-          <p:nvPr/>
-        </p:nvPicPr>
-        <p:blipFill>
-          <a:blip r:embed="rId5"/>
-          <a:stretch>
-            <a:fillRect/>
-          </a:stretch>
-        </p:blipFill>
-        <p:spPr>
-          <a:xfrm>
-            <a:off x="7130411" y="3643769"/>
-            <a:ext cx="2451100" cy="635000"/>
-          </a:xfrm>
-          <a:prstGeom prst="rect">
-            <a:avLst/>
-          </a:prstGeom>
-          <a:effectLst>
-            <a:outerShdw blurRad="50800" dist="38100" dir="2700000" algn="tl" rotWithShape="0">
-              <a:prstClr val="black">
-                <a:alpha val="40000"/>
-              </a:prstClr>
-            </a:outerShdw>
-          </a:effectLst>
-        </p:spPr>
-      </p:pic>
-      <p:pic>
-        <p:nvPicPr>
-          <p:cNvPr id="12" name="Picture 11">
-            <a:extLst>
-              <a:ext uri="{FF2B5EF4-FFF2-40B4-BE49-F238E27FC236}">
-                <a16:creationId xmlns:a16="http://schemas.microsoft.com/office/drawing/2014/main" id="{2B24B92B-9082-4D8B-8A98-5367436AE603}"/>
-              </a:ext>
-            </a:extLst>
-          </p:cNvPr>
-          <p:cNvPicPr>
-            <a:picLocks noChangeAspect="1"/>
-          </p:cNvPicPr>
-          <p:nvPr/>
-        </p:nvPicPr>
-        <p:blipFill>
-          <a:blip r:embed="rId6"/>
-          <a:stretch>
-            <a:fillRect/>
-          </a:stretch>
-        </p:blipFill>
-        <p:spPr>
-          <a:xfrm>
-            <a:off x="3934266" y="3070142"/>
-            <a:ext cx="2260600" cy="635000"/>
-          </a:xfrm>
-          <a:prstGeom prst="rect">
-            <a:avLst/>
-          </a:prstGeom>
-          <a:effectLst>
-            <a:outerShdw blurRad="50800" dist="38100" dir="2700000" algn="tl" rotWithShape="0">
-              <a:prstClr val="black">
-                <a:alpha val="40000"/>
-              </a:prstClr>
-            </a:outerShdw>
-          </a:effectLst>
-        </p:spPr>
-      </p:pic>
-      <p:pic>
-        <p:nvPicPr>
-          <p:cNvPr id="14" name="Picture 13">
-            <a:extLst>
-              <a:ext uri="{FF2B5EF4-FFF2-40B4-BE49-F238E27FC236}">
-                <a16:creationId xmlns:a16="http://schemas.microsoft.com/office/drawing/2014/main" id="{05C25B04-E31F-4C9A-BAEC-C8DAF341643B}"/>
-              </a:ext>
-            </a:extLst>
-          </p:cNvPr>
-          <p:cNvPicPr>
-            <a:picLocks noChangeAspect="1"/>
-          </p:cNvPicPr>
-          <p:nvPr/>
-        </p:nvPicPr>
-        <p:blipFill>
-          <a:blip r:embed="rId7"/>
-          <a:stretch>
-            <a:fillRect/>
-          </a:stretch>
-        </p:blipFill>
-        <p:spPr>
-          <a:xfrm>
-            <a:off x="6184787" y="3070142"/>
-            <a:ext cx="2755900" cy="635000"/>
-          </a:xfrm>
-          <a:prstGeom prst="rect">
-            <a:avLst/>
-          </a:prstGeom>
-          <a:effectLst>
-            <a:outerShdw blurRad="50800" dist="38100" dir="2700000" algn="tl" rotWithShape="0">
-              <a:prstClr val="black">
-                <a:alpha val="40000"/>
-              </a:prstClr>
-            </a:outerShdw>
-          </a:effectLst>
-        </p:spPr>
-      </p:pic>
-      <p:sp>
-        <p:nvSpPr>
-          <p:cNvPr id="20" name="Title 1">
-            <a:extLst>
-              <a:ext uri="{FF2B5EF4-FFF2-40B4-BE49-F238E27FC236}">
-                <a16:creationId xmlns:a16="http://schemas.microsoft.com/office/drawing/2014/main" id="{A768B6E7-76B8-4DF1-9B5C-732BFB29136A}"/>
-              </a:ext>
-            </a:extLst>
-          </p:cNvPr>
-          <p:cNvSpPr>
-            <a:spLocks noGrp="1"/>
-          </p:cNvSpPr>
-          <p:nvPr>
-            <p:ph type="title"/>
-          </p:nvPr>
-        </p:nvSpPr>
-        <p:spPr>
-          <a:xfrm>
-            <a:off x="0" y="793808"/>
-            <a:ext cx="12192000" cy="606943"/>
-          </a:xfrm>
-          <a:noFill/>
-        </p:spPr>
-        <p:txBody>
-          <a:bodyPr>
-            <a:noAutofit/>
-          </a:bodyPr>
-          <a:lstStyle/>
-          <a:p>
-            <a:pPr algn="ctr"/>
-            <a:r>
-              <a:rPr lang="en-US" sz="3600" dirty="0">
-                <a:solidFill>
-                  <a:schemeClr val="tx1">
-                    <a:lumMod val="65000"/>
-                    <a:lumOff val="35000"/>
-                  </a:schemeClr>
-                </a:solidFill>
-                <a:latin typeface="Palatino Linotype" panose="02040502050505030304" pitchFamily="18" charset="0"/>
-              </a:rPr>
-              <a:t>Transformer Building Blocks</a:t>
-            </a:r>
-            <a:endParaRPr lang="en-US" sz="3600" dirty="0">
-              <a:solidFill>
-                <a:schemeClr val="tx1">
-                  <a:lumMod val="65000"/>
-                  <a:lumOff val="35000"/>
-                </a:schemeClr>
-              </a:solidFill>
-              <a:latin typeface="Palatino Linotype" panose="02040502050505030304" pitchFamily="18" charset="0"/>
-              <a:cs typeface="Segoe UI Light" panose="020B0502040204020203" pitchFamily="34" charset="0"/>
-            </a:endParaRPr>
-          </a:p>
-        </p:txBody>
-      </p:sp>
-    </p:spTree>
-    <p:extLst>
-      <p:ext uri="{BB962C8B-B14F-4D97-AF65-F5344CB8AC3E}">
-        <p14:creationId xmlns:p14="http://schemas.microsoft.com/office/powerpoint/2010/main" val="3602552699"/>
-      </p:ext>
-    </p:extLst>
-  </p:cSld>
-  <p:clrMapOvr>
-    <a:masterClrMapping/>
-  </p:clrMapOvr>
-  <mc:AlternateContent xmlns:mc="http://schemas.openxmlformats.org/markup-compatibility/2006" xmlns:p14="http://schemas.microsoft.com/office/powerpoint/2010/main">
-    <mc:Choice Requires="p14">
-      <p:transition spd="med" p14:dur="700">
-        <p:fade/>
-      </p:transition>
-    </mc:Choice>
-    <mc:Fallback xmlns="">
-      <p:transition spd="med">
-        <p:fade/>
-      </p:transition>
-    </mc:Fallback>
-  </mc:AlternateContent>
-</p:sld>
-</file>
-
-<file path=ppt/slides/slide14.xml><?xml version="1.0" encoding="utf-8"?>
-<p:sld xmlns:a="http://schemas.openxmlformats.org/drawingml/2006/main" xmlns:r="http://schemas.openxmlformats.org/officeDocument/2006/relationships" xmlns:p="http://schemas.openxmlformats.org/presentationml/2006/main">
-  <p:cSld>
-    <p:spTree>
-      <p:nvGrpSpPr>
-        <p:cNvPr id="1" name=""/>
-        <p:cNvGrpSpPr/>
-        <p:nvPr/>
-      </p:nvGrpSpPr>
-      <p:grpSpPr>
-        <a:xfrm>
-          <a:off x="0" y="0"/>
-          <a:ext cx="0" cy="0"/>
-          <a:chOff x="0" y="0"/>
-          <a:chExt cx="0" cy="0"/>
-        </a:xfrm>
-      </p:grpSpPr>
-      <p:sp>
-        <p:nvSpPr>
-          <p:cNvPr id="3" name="TextBox 2">
-            <a:extLst>
-              <a:ext uri="{FF2B5EF4-FFF2-40B4-BE49-F238E27FC236}">
-                <a16:creationId xmlns:a16="http://schemas.microsoft.com/office/drawing/2014/main" id="{E90DC7AC-FE00-4591-931C-A07C2562C5A0}"/>
-              </a:ext>
-            </a:extLst>
-          </p:cNvPr>
-          <p:cNvSpPr txBox="1"/>
-          <p:nvPr/>
-        </p:nvSpPr>
-        <p:spPr>
-          <a:xfrm>
-            <a:off x="0" y="6550223"/>
-            <a:ext cx="12192000" cy="307777"/>
-          </a:xfrm>
-          <a:prstGeom prst="rect">
-            <a:avLst/>
-          </a:prstGeom>
-          <a:noFill/>
-        </p:spPr>
-        <p:txBody>
-          <a:bodyPr wrap="square" rtlCol="0">
-            <a:spAutoFit/>
-          </a:bodyPr>
-          <a:lstStyle/>
-          <a:p>
-            <a:r>
-              <a:rPr lang="en-US" sz="1400" dirty="0">
-                <a:solidFill>
-                  <a:schemeClr val="tx1">
-                    <a:lumMod val="65000"/>
-                    <a:lumOff val="35000"/>
-                  </a:schemeClr>
-                </a:solidFill>
-                <a:latin typeface="+mj-lt"/>
-                <a:ea typeface="Verdana" panose="020B0604030504040204" pitchFamily="34" charset="0"/>
-              </a:rPr>
-              <a:t>Source: Glassner, A. (2021). </a:t>
-            </a:r>
-            <a:r>
-              <a:rPr lang="en-US" sz="1400" i="1" dirty="0">
-                <a:solidFill>
-                  <a:schemeClr val="tx1">
-                    <a:lumMod val="65000"/>
-                    <a:lumOff val="35000"/>
-                  </a:schemeClr>
-                </a:solidFill>
-                <a:latin typeface="+mj-lt"/>
-                <a:ea typeface="Verdana" panose="020B0604030504040204" pitchFamily="34" charset="0"/>
-              </a:rPr>
-              <a:t>Deep learning: A visual approach</a:t>
-            </a:r>
-            <a:r>
-              <a:rPr lang="en-US" sz="1400" dirty="0">
-                <a:solidFill>
-                  <a:schemeClr val="tx1">
-                    <a:lumMod val="65000"/>
-                    <a:lumOff val="35000"/>
-                  </a:schemeClr>
-                </a:solidFill>
-                <a:latin typeface="+mj-lt"/>
-                <a:ea typeface="Verdana" panose="020B0604030504040204" pitchFamily="34" charset="0"/>
-              </a:rPr>
-              <a:t>. </a:t>
-            </a:r>
-            <a:r>
-              <a:rPr lang="en-US" sz="1400" b="0" i="0" dirty="0">
-                <a:solidFill>
-                  <a:schemeClr val="tx1">
-                    <a:lumMod val="65000"/>
-                    <a:lumOff val="35000"/>
-                  </a:schemeClr>
-                </a:solidFill>
-                <a:effectLst/>
-                <a:latin typeface="+mj-lt"/>
-                <a:ea typeface="Verdana" panose="020B0604030504040204" pitchFamily="34" charset="0"/>
-              </a:rPr>
-              <a:t>San Francisco, CA: No Starch Press. (Chapter </a:t>
-            </a:r>
-            <a:r>
-              <a:rPr lang="en-US" sz="1400" dirty="0">
-                <a:solidFill>
-                  <a:schemeClr val="tx1">
-                    <a:lumMod val="65000"/>
-                    <a:lumOff val="35000"/>
-                  </a:schemeClr>
-                </a:solidFill>
-                <a:latin typeface="+mj-lt"/>
-                <a:ea typeface="Verdana" panose="020B0604030504040204" pitchFamily="34" charset="0"/>
-              </a:rPr>
-              <a:t>20</a:t>
-            </a:r>
-            <a:r>
-              <a:rPr lang="en-US" sz="1400" b="0" i="0" dirty="0">
-                <a:solidFill>
-                  <a:schemeClr val="tx1">
-                    <a:lumMod val="65000"/>
-                    <a:lumOff val="35000"/>
-                  </a:schemeClr>
-                </a:solidFill>
-                <a:effectLst/>
-                <a:latin typeface="+mj-lt"/>
-                <a:ea typeface="Verdana" panose="020B0604030504040204" pitchFamily="34" charset="0"/>
-              </a:rPr>
-              <a:t>)</a:t>
-            </a:r>
-            <a:endParaRPr lang="en-US" sz="1400" dirty="0">
-              <a:solidFill>
-                <a:schemeClr val="tx1">
-                  <a:lumMod val="65000"/>
-                  <a:lumOff val="35000"/>
-                </a:schemeClr>
-              </a:solidFill>
-              <a:latin typeface="+mj-lt"/>
-              <a:ea typeface="Verdana" panose="020B0604030504040204" pitchFamily="34" charset="0"/>
-            </a:endParaRPr>
-          </a:p>
-        </p:txBody>
-      </p:sp>
-      <p:sp>
-        <p:nvSpPr>
-          <p:cNvPr id="8" name="TextBox 7">
-            <a:extLst>
-              <a:ext uri="{FF2B5EF4-FFF2-40B4-BE49-F238E27FC236}">
-                <a16:creationId xmlns:a16="http://schemas.microsoft.com/office/drawing/2014/main" id="{6422EA5F-8454-4344-A7DE-423FF92B8601}"/>
-              </a:ext>
-            </a:extLst>
-          </p:cNvPr>
-          <p:cNvSpPr txBox="1"/>
-          <p:nvPr/>
-        </p:nvSpPr>
-        <p:spPr>
-          <a:xfrm>
-            <a:off x="3175000" y="3136612"/>
-            <a:ext cx="6616700" cy="584775"/>
-          </a:xfrm>
-          <a:prstGeom prst="rect">
-            <a:avLst/>
-          </a:prstGeom>
-          <a:noFill/>
-        </p:spPr>
-        <p:txBody>
-          <a:bodyPr wrap="square" rtlCol="0">
-            <a:spAutoFit/>
-          </a:bodyPr>
-          <a:lstStyle/>
-          <a:p>
-            <a:pPr algn="ctr"/>
-            <a:r>
-              <a:rPr lang="en-US" sz="3200" dirty="0">
-                <a:latin typeface="Palatino Linotype" panose="02040502050505030304" pitchFamily="18" charset="0"/>
-              </a:rPr>
-              <a:t>I saw a big dog eat his dinner</a:t>
-            </a:r>
-          </a:p>
-        </p:txBody>
-      </p:sp>
-      <p:pic>
-        <p:nvPicPr>
-          <p:cNvPr id="5" name="Picture 4">
-            <a:extLst>
-              <a:ext uri="{FF2B5EF4-FFF2-40B4-BE49-F238E27FC236}">
-                <a16:creationId xmlns:a16="http://schemas.microsoft.com/office/drawing/2014/main" id="{F6257FCE-BB0F-47BC-A1F4-AE5CF1E6292F}"/>
-              </a:ext>
-            </a:extLst>
-          </p:cNvPr>
-          <p:cNvPicPr>
-            <a:picLocks noChangeAspect="1"/>
-          </p:cNvPicPr>
-          <p:nvPr/>
-        </p:nvPicPr>
-        <p:blipFill>
-          <a:blip r:embed="rId3"/>
-          <a:stretch>
-            <a:fillRect/>
-          </a:stretch>
-        </p:blipFill>
-        <p:spPr>
-          <a:xfrm>
-            <a:off x="-13855" y="20775"/>
-            <a:ext cx="1790700" cy="635000"/>
-          </a:xfrm>
-          <a:prstGeom prst="rect">
-            <a:avLst/>
-          </a:prstGeom>
-          <a:effectLst>
-            <a:outerShdw blurRad="50800" dist="38100" dir="2700000" algn="tl" rotWithShape="0">
-              <a:prstClr val="black">
-                <a:alpha val="40000"/>
-              </a:prstClr>
-            </a:outerShdw>
-          </a:effectLst>
-        </p:spPr>
-      </p:pic>
-    </p:spTree>
-    <p:extLst>
-      <p:ext uri="{BB962C8B-B14F-4D97-AF65-F5344CB8AC3E}">
-        <p14:creationId xmlns:p14="http://schemas.microsoft.com/office/powerpoint/2010/main" val="3848559915"/>
-      </p:ext>
-    </p:extLst>
-  </p:cSld>
-  <p:clrMapOvr>
-    <a:masterClrMapping/>
-  </p:clrMapOvr>
-  <mc:AlternateContent xmlns:mc="http://schemas.openxmlformats.org/markup-compatibility/2006" xmlns:p14="http://schemas.microsoft.com/office/powerpoint/2010/main">
-    <mc:Choice Requires="p14">
-      <p:transition spd="med" p14:dur="700">
-        <p:fade/>
-      </p:transition>
-    </mc:Choice>
-    <mc:Fallback xmlns="">
-      <p:transition spd="med">
-        <p:fade/>
-      </p:transition>
-    </mc:Fallback>
-  </mc:AlternateContent>
-</p:sld>
-</file>
-
-<file path=ppt/slides/slide15.xml><?xml version="1.0" encoding="utf-8"?>
-<p:sld xmlns:a="http://schemas.openxmlformats.org/drawingml/2006/main" xmlns:r="http://schemas.openxmlformats.org/officeDocument/2006/relationships" xmlns:p="http://schemas.openxmlformats.org/presentationml/2006/main">
-  <p:cSld>
-    <p:spTree>
-      <p:nvGrpSpPr>
-        <p:cNvPr id="1" name=""/>
-        <p:cNvGrpSpPr/>
-        <p:nvPr/>
-      </p:nvGrpSpPr>
-      <p:grpSpPr>
-        <a:xfrm>
-          <a:off x="0" y="0"/>
-          <a:ext cx="0" cy="0"/>
-          <a:chOff x="0" y="0"/>
-          <a:chExt cx="0" cy="0"/>
-        </a:xfrm>
-      </p:grpSpPr>
-      <p:pic>
-        <p:nvPicPr>
-          <p:cNvPr id="1026" name="Picture 2" descr="F20010">
-            <a:extLst>
-              <a:ext uri="{FF2B5EF4-FFF2-40B4-BE49-F238E27FC236}">
-                <a16:creationId xmlns:a16="http://schemas.microsoft.com/office/drawing/2014/main" id="{114ECFDE-71CF-45E4-85CE-E8B3576A5F7F}"/>
-              </a:ext>
-            </a:extLst>
-          </p:cNvPr>
-          <p:cNvPicPr>
-            <a:picLocks noChangeAspect="1" noChangeArrowheads="1"/>
-          </p:cNvPicPr>
-          <p:nvPr/>
-        </p:nvPicPr>
-        <p:blipFill>
-          <a:blip r:embed="rId3">
-            <a:clrChange>
-              <a:clrFrom>
-                <a:srgbClr val="FFFFFF"/>
-              </a:clrFrom>
-              <a:clrTo>
-                <a:srgbClr val="FFFFFF">
-                  <a:alpha val="0"/>
-                </a:srgbClr>
-              </a:clrTo>
-            </a:clrChange>
-            <a:extLst>
-              <a:ext uri="{28A0092B-C50C-407E-A947-70E740481C1C}">
-                <a14:useLocalDpi xmlns:a14="http://schemas.microsoft.com/office/drawing/2010/main" val="0"/>
-              </a:ext>
-            </a:extLst>
-          </a:blip>
-          <a:srcRect/>
-          <a:stretch>
-            <a:fillRect/>
-          </a:stretch>
-        </p:blipFill>
-        <p:spPr bwMode="auto">
-          <a:xfrm>
-            <a:off x="1484378" y="2593521"/>
-            <a:ext cx="9223243" cy="1670957"/>
-          </a:xfrm>
-          <a:prstGeom prst="rect">
-            <a:avLst/>
-          </a:prstGeom>
-          <a:noFill/>
-          <a:extLst>
-            <a:ext uri="{909E8E84-426E-40DD-AFC4-6F175D3DCCD1}">
-              <a14:hiddenFill xmlns:a14="http://schemas.microsoft.com/office/drawing/2010/main">
-                <a:solidFill>
-                  <a:srgbClr val="FFFFFF"/>
-                </a:solidFill>
-              </a14:hiddenFill>
-            </a:ext>
-          </a:extLst>
-        </p:spPr>
-      </p:pic>
-      <p:sp>
-        <p:nvSpPr>
-          <p:cNvPr id="3" name="TextBox 2">
-            <a:extLst>
-              <a:ext uri="{FF2B5EF4-FFF2-40B4-BE49-F238E27FC236}">
-                <a16:creationId xmlns:a16="http://schemas.microsoft.com/office/drawing/2014/main" id="{E90DC7AC-FE00-4591-931C-A07C2562C5A0}"/>
-              </a:ext>
-            </a:extLst>
-          </p:cNvPr>
-          <p:cNvSpPr txBox="1"/>
-          <p:nvPr/>
-        </p:nvSpPr>
-        <p:spPr>
-          <a:xfrm>
-            <a:off x="0" y="6550223"/>
-            <a:ext cx="12192000" cy="307777"/>
-          </a:xfrm>
-          <a:prstGeom prst="rect">
-            <a:avLst/>
-          </a:prstGeom>
-          <a:noFill/>
-        </p:spPr>
-        <p:txBody>
-          <a:bodyPr wrap="square" rtlCol="0">
-            <a:spAutoFit/>
-          </a:bodyPr>
-          <a:lstStyle/>
-          <a:p>
-            <a:r>
-              <a:rPr lang="en-US" sz="1400" dirty="0">
-                <a:solidFill>
-                  <a:schemeClr val="tx1">
-                    <a:lumMod val="65000"/>
-                    <a:lumOff val="35000"/>
-                  </a:schemeClr>
-                </a:solidFill>
-                <a:latin typeface="+mj-lt"/>
-                <a:ea typeface="Verdana" panose="020B0604030504040204" pitchFamily="34" charset="0"/>
-              </a:rPr>
-              <a:t>Source: Glassner, A. (2021). </a:t>
-            </a:r>
-            <a:r>
-              <a:rPr lang="en-US" sz="1400" i="1" dirty="0">
-                <a:solidFill>
-                  <a:schemeClr val="tx1">
-                    <a:lumMod val="65000"/>
-                    <a:lumOff val="35000"/>
-                  </a:schemeClr>
-                </a:solidFill>
-                <a:latin typeface="+mj-lt"/>
-                <a:ea typeface="Verdana" panose="020B0604030504040204" pitchFamily="34" charset="0"/>
-              </a:rPr>
-              <a:t>Deep learning: A visual approach</a:t>
-            </a:r>
-            <a:r>
-              <a:rPr lang="en-US" sz="1400" dirty="0">
-                <a:solidFill>
-                  <a:schemeClr val="tx1">
-                    <a:lumMod val="65000"/>
-                    <a:lumOff val="35000"/>
-                  </a:schemeClr>
-                </a:solidFill>
-                <a:latin typeface="+mj-lt"/>
-                <a:ea typeface="Verdana" panose="020B0604030504040204" pitchFamily="34" charset="0"/>
-              </a:rPr>
-              <a:t>. </a:t>
-            </a:r>
-            <a:r>
-              <a:rPr lang="en-US" sz="1400" b="0" i="0" dirty="0">
-                <a:solidFill>
-                  <a:schemeClr val="tx1">
-                    <a:lumMod val="65000"/>
-                    <a:lumOff val="35000"/>
-                  </a:schemeClr>
-                </a:solidFill>
-                <a:effectLst/>
-                <a:latin typeface="+mj-lt"/>
-                <a:ea typeface="Verdana" panose="020B0604030504040204" pitchFamily="34" charset="0"/>
-              </a:rPr>
-              <a:t>San Francisco, CA: No Starch Press. (Chapter </a:t>
-            </a:r>
-            <a:r>
-              <a:rPr lang="en-US" sz="1400" dirty="0">
-                <a:solidFill>
-                  <a:schemeClr val="tx1">
-                    <a:lumMod val="65000"/>
-                    <a:lumOff val="35000"/>
-                  </a:schemeClr>
-                </a:solidFill>
-                <a:latin typeface="+mj-lt"/>
-                <a:ea typeface="Verdana" panose="020B0604030504040204" pitchFamily="34" charset="0"/>
-              </a:rPr>
-              <a:t>20</a:t>
-            </a:r>
-            <a:r>
-              <a:rPr lang="en-US" sz="1400" b="0" i="0" dirty="0">
-                <a:solidFill>
-                  <a:schemeClr val="tx1">
-                    <a:lumMod val="65000"/>
-                    <a:lumOff val="35000"/>
-                  </a:schemeClr>
-                </a:solidFill>
-                <a:effectLst/>
-                <a:latin typeface="+mj-lt"/>
-                <a:ea typeface="Verdana" panose="020B0604030504040204" pitchFamily="34" charset="0"/>
-              </a:rPr>
-              <a:t>)</a:t>
-            </a:r>
-            <a:endParaRPr lang="en-US" sz="1400" dirty="0">
-              <a:solidFill>
-                <a:schemeClr val="tx1">
-                  <a:lumMod val="65000"/>
-                  <a:lumOff val="35000"/>
-                </a:schemeClr>
-              </a:solidFill>
-              <a:latin typeface="+mj-lt"/>
-              <a:ea typeface="Verdana" panose="020B0604030504040204" pitchFamily="34" charset="0"/>
-            </a:endParaRPr>
-          </a:p>
-        </p:txBody>
-      </p:sp>
-      <p:pic>
-        <p:nvPicPr>
-          <p:cNvPr id="6" name="Picture 5">
-            <a:extLst>
-              <a:ext uri="{FF2B5EF4-FFF2-40B4-BE49-F238E27FC236}">
-                <a16:creationId xmlns:a16="http://schemas.microsoft.com/office/drawing/2014/main" id="{6735E562-6BDB-4BAF-9A39-63881DBFE630}"/>
-              </a:ext>
-            </a:extLst>
-          </p:cNvPr>
-          <p:cNvPicPr>
-            <a:picLocks noChangeAspect="1"/>
-          </p:cNvPicPr>
-          <p:nvPr/>
-        </p:nvPicPr>
-        <p:blipFill>
-          <a:blip r:embed="rId4"/>
-          <a:stretch>
-            <a:fillRect/>
-          </a:stretch>
-        </p:blipFill>
-        <p:spPr>
-          <a:xfrm>
-            <a:off x="-13855" y="20775"/>
-            <a:ext cx="1790700" cy="635000"/>
-          </a:xfrm>
-          <a:prstGeom prst="rect">
-            <a:avLst/>
-          </a:prstGeom>
-          <a:effectLst>
-            <a:outerShdw blurRad="50800" dist="38100" dir="2700000" algn="tl" rotWithShape="0">
-              <a:prstClr val="black">
-                <a:alpha val="40000"/>
-              </a:prstClr>
-            </a:outerShdw>
-          </a:effectLst>
-        </p:spPr>
-      </p:pic>
-    </p:spTree>
-    <p:extLst>
-      <p:ext uri="{BB962C8B-B14F-4D97-AF65-F5344CB8AC3E}">
-        <p14:creationId xmlns:p14="http://schemas.microsoft.com/office/powerpoint/2010/main" val="3783675430"/>
-      </p:ext>
-    </p:extLst>
-  </p:cSld>
-  <p:clrMapOvr>
-    <a:masterClrMapping/>
-  </p:clrMapOvr>
-  <mc:AlternateContent xmlns:mc="http://schemas.openxmlformats.org/markup-compatibility/2006" xmlns:p14="http://schemas.microsoft.com/office/powerpoint/2010/main">
-    <mc:Choice Requires="p14">
-      <p:transition spd="med" p14:dur="700">
-        <p:fade/>
-      </p:transition>
-    </mc:Choice>
-    <mc:Fallback xmlns="">
-      <p:transition spd="med">
-        <p:fade/>
-      </p:transition>
-    </mc:Fallback>
-  </mc:AlternateContent>
-</p:sld>
-</file>
-
-<file path=ppt/slides/slide16.xml><?xml version="1.0" encoding="utf-8"?>
-<p:sld xmlns:a="http://schemas.openxmlformats.org/drawingml/2006/main" xmlns:r="http://schemas.openxmlformats.org/officeDocument/2006/relationships" xmlns:p="http://schemas.openxmlformats.org/presentationml/2006/main">
-  <p:cSld>
-    <p:spTree>
-      <p:nvGrpSpPr>
-        <p:cNvPr id="1" name=""/>
-        <p:cNvGrpSpPr/>
-        <p:nvPr/>
-      </p:nvGrpSpPr>
-      <p:grpSpPr>
-        <a:xfrm>
-          <a:off x="0" y="0"/>
-          <a:ext cx="0" cy="0"/>
-          <a:chOff x="0" y="0"/>
-          <a:chExt cx="0" cy="0"/>
-        </a:xfrm>
-      </p:grpSpPr>
-      <p:sp>
-        <p:nvSpPr>
-          <p:cNvPr id="3" name="TextBox 2">
-            <a:extLst>
-              <a:ext uri="{FF2B5EF4-FFF2-40B4-BE49-F238E27FC236}">
-                <a16:creationId xmlns:a16="http://schemas.microsoft.com/office/drawing/2014/main" id="{6722DB1A-F569-46B9-A69B-51E6856EBC43}"/>
-              </a:ext>
-            </a:extLst>
-          </p:cNvPr>
-          <p:cNvSpPr txBox="1"/>
-          <p:nvPr/>
-        </p:nvSpPr>
-        <p:spPr>
-          <a:xfrm>
-            <a:off x="0" y="6550223"/>
-            <a:ext cx="12192000" cy="307777"/>
-          </a:xfrm>
-          <a:prstGeom prst="rect">
-            <a:avLst/>
-          </a:prstGeom>
-          <a:noFill/>
-        </p:spPr>
-        <p:txBody>
-          <a:bodyPr wrap="square" rtlCol="0">
-            <a:spAutoFit/>
-          </a:bodyPr>
-          <a:lstStyle/>
-          <a:p>
-            <a:r>
-              <a:rPr lang="en-US" sz="1400" dirty="0">
-                <a:solidFill>
-                  <a:schemeClr val="tx1">
-                    <a:lumMod val="65000"/>
-                    <a:lumOff val="35000"/>
-                  </a:schemeClr>
-                </a:solidFill>
-                <a:latin typeface="+mj-lt"/>
-                <a:ea typeface="Verdana" panose="020B0604030504040204" pitchFamily="34" charset="0"/>
-              </a:rPr>
-              <a:t>Source: Glassner, A. (2021). </a:t>
-            </a:r>
-            <a:r>
-              <a:rPr lang="en-US" sz="1400" i="1" dirty="0">
-                <a:solidFill>
-                  <a:schemeClr val="tx1">
-                    <a:lumMod val="65000"/>
-                    <a:lumOff val="35000"/>
-                  </a:schemeClr>
-                </a:solidFill>
-                <a:latin typeface="+mj-lt"/>
-                <a:ea typeface="Verdana" panose="020B0604030504040204" pitchFamily="34" charset="0"/>
-              </a:rPr>
-              <a:t>Deep learning: A visual approach</a:t>
-            </a:r>
-            <a:r>
-              <a:rPr lang="en-US" sz="1400" dirty="0">
-                <a:solidFill>
-                  <a:schemeClr val="tx1">
-                    <a:lumMod val="65000"/>
-                    <a:lumOff val="35000"/>
-                  </a:schemeClr>
-                </a:solidFill>
-                <a:latin typeface="+mj-lt"/>
-                <a:ea typeface="Verdana" panose="020B0604030504040204" pitchFamily="34" charset="0"/>
-              </a:rPr>
-              <a:t>. </a:t>
-            </a:r>
-            <a:r>
-              <a:rPr lang="en-US" sz="1400" b="0" i="0" dirty="0">
-                <a:solidFill>
-                  <a:schemeClr val="tx1">
-                    <a:lumMod val="65000"/>
-                    <a:lumOff val="35000"/>
-                  </a:schemeClr>
-                </a:solidFill>
-                <a:effectLst/>
-                <a:latin typeface="+mj-lt"/>
-                <a:ea typeface="Verdana" panose="020B0604030504040204" pitchFamily="34" charset="0"/>
-              </a:rPr>
-              <a:t>San Francisco, CA: No Starch Press. (Chapter </a:t>
-            </a:r>
-            <a:r>
-              <a:rPr lang="en-US" sz="1400" dirty="0">
-                <a:solidFill>
-                  <a:schemeClr val="tx1">
-                    <a:lumMod val="65000"/>
-                    <a:lumOff val="35000"/>
-                  </a:schemeClr>
-                </a:solidFill>
-                <a:latin typeface="+mj-lt"/>
-                <a:ea typeface="Verdana" panose="020B0604030504040204" pitchFamily="34" charset="0"/>
-              </a:rPr>
-              <a:t>20</a:t>
-            </a:r>
-            <a:r>
-              <a:rPr lang="en-US" sz="1400" b="0" i="0" dirty="0">
-                <a:solidFill>
-                  <a:schemeClr val="tx1">
-                    <a:lumMod val="65000"/>
-                    <a:lumOff val="35000"/>
-                  </a:schemeClr>
-                </a:solidFill>
-                <a:effectLst/>
-                <a:latin typeface="+mj-lt"/>
-                <a:ea typeface="Verdana" panose="020B0604030504040204" pitchFamily="34" charset="0"/>
-              </a:rPr>
-              <a:t>)</a:t>
-            </a:r>
-            <a:endParaRPr lang="en-US" sz="1400" dirty="0">
-              <a:solidFill>
-                <a:schemeClr val="tx1">
-                  <a:lumMod val="65000"/>
-                  <a:lumOff val="35000"/>
-                </a:schemeClr>
-              </a:solidFill>
-              <a:latin typeface="+mj-lt"/>
-              <a:ea typeface="Verdana" panose="020B0604030504040204" pitchFamily="34" charset="0"/>
-            </a:endParaRPr>
-          </a:p>
-        </p:txBody>
-      </p:sp>
-      <p:pic>
-        <p:nvPicPr>
-          <p:cNvPr id="5122" name="Picture 2" descr="F20017">
-            <a:extLst>
-              <a:ext uri="{FF2B5EF4-FFF2-40B4-BE49-F238E27FC236}">
-                <a16:creationId xmlns:a16="http://schemas.microsoft.com/office/drawing/2014/main" id="{A2BD3535-EC55-4219-A35C-F22379D1E7CF}"/>
-              </a:ext>
-            </a:extLst>
-          </p:cNvPr>
-          <p:cNvPicPr>
-            <a:picLocks noChangeAspect="1" noChangeArrowheads="1"/>
-          </p:cNvPicPr>
-          <p:nvPr/>
-        </p:nvPicPr>
-        <p:blipFill>
-          <a:blip r:embed="rId3">
-            <a:clrChange>
-              <a:clrFrom>
-                <a:srgbClr val="FFFFFF"/>
-              </a:clrFrom>
-              <a:clrTo>
-                <a:srgbClr val="FFFFFF">
-                  <a:alpha val="0"/>
-                </a:srgbClr>
-              </a:clrTo>
-            </a:clrChange>
-            <a:extLst>
-              <a:ext uri="{28A0092B-C50C-407E-A947-70E740481C1C}">
-                <a14:useLocalDpi xmlns:a14="http://schemas.microsoft.com/office/drawing/2010/main" val="0"/>
-              </a:ext>
-            </a:extLst>
-          </a:blip>
-          <a:srcRect/>
-          <a:stretch>
-            <a:fillRect/>
-          </a:stretch>
-        </p:blipFill>
-        <p:spPr bwMode="auto">
-          <a:xfrm>
-            <a:off x="1916462" y="2971298"/>
-            <a:ext cx="8359075" cy="915403"/>
-          </a:xfrm>
-          <a:prstGeom prst="rect">
-            <a:avLst/>
-          </a:prstGeom>
-          <a:noFill/>
-          <a:extLst>
-            <a:ext uri="{909E8E84-426E-40DD-AFC4-6F175D3DCCD1}">
-              <a14:hiddenFill xmlns:a14="http://schemas.microsoft.com/office/drawing/2010/main">
-                <a:solidFill>
-                  <a:srgbClr val="FFFFFF"/>
-                </a:solidFill>
-              </a14:hiddenFill>
-            </a:ext>
-          </a:extLst>
-        </p:spPr>
-      </p:pic>
-      <p:pic>
-        <p:nvPicPr>
-          <p:cNvPr id="4" name="Picture 3">
-            <a:extLst>
-              <a:ext uri="{FF2B5EF4-FFF2-40B4-BE49-F238E27FC236}">
-                <a16:creationId xmlns:a16="http://schemas.microsoft.com/office/drawing/2014/main" id="{4AA576B4-F2BA-45FB-9C9D-CAEABC2E0F52}"/>
-              </a:ext>
-            </a:extLst>
-          </p:cNvPr>
-          <p:cNvPicPr>
-            <a:picLocks noChangeAspect="1"/>
-          </p:cNvPicPr>
-          <p:nvPr/>
-        </p:nvPicPr>
-        <p:blipFill>
-          <a:blip r:embed="rId4"/>
-          <a:stretch>
-            <a:fillRect/>
-          </a:stretch>
-        </p:blipFill>
-        <p:spPr>
-          <a:xfrm>
-            <a:off x="-113845" y="20775"/>
-            <a:ext cx="2451100" cy="635000"/>
-          </a:xfrm>
-          <a:prstGeom prst="rect">
-            <a:avLst/>
-          </a:prstGeom>
-          <a:effectLst>
-            <a:outerShdw blurRad="50800" dist="38100" dir="2700000" algn="tl" rotWithShape="0">
-              <a:prstClr val="black">
-                <a:alpha val="40000"/>
-              </a:prstClr>
-            </a:outerShdw>
-          </a:effectLst>
-        </p:spPr>
-      </p:pic>
-    </p:spTree>
-    <p:extLst>
-      <p:ext uri="{BB962C8B-B14F-4D97-AF65-F5344CB8AC3E}">
-        <p14:creationId xmlns:p14="http://schemas.microsoft.com/office/powerpoint/2010/main" val="1959335710"/>
-      </p:ext>
-    </p:extLst>
-  </p:cSld>
-  <p:clrMapOvr>
-    <a:masterClrMapping/>
-  </p:clrMapOvr>
-  <mc:AlternateContent xmlns:mc="http://schemas.openxmlformats.org/markup-compatibility/2006" xmlns:p14="http://schemas.microsoft.com/office/powerpoint/2010/main">
-    <mc:Choice Requires="p14">
-      <p:transition spd="med" p14:dur="700">
-        <p:fade/>
-      </p:transition>
-    </mc:Choice>
-    <mc:Fallback xmlns="">
-      <p:transition spd="med">
-        <p:fade/>
-      </p:transition>
-    </mc:Fallback>
-  </mc:AlternateContent>
-</p:sld>
-</file>
-
-<file path=ppt/slides/slide17.xml><?xml version="1.0" encoding="utf-8"?>
-<p:sld xmlns:a="http://schemas.openxmlformats.org/drawingml/2006/main" xmlns:r="http://schemas.openxmlformats.org/officeDocument/2006/relationships" xmlns:p="http://schemas.openxmlformats.org/presentationml/2006/main">
-  <p:cSld>
-    <p:spTree>
-      <p:nvGrpSpPr>
-        <p:cNvPr id="1" name=""/>
-        <p:cNvGrpSpPr/>
-        <p:nvPr/>
-      </p:nvGrpSpPr>
-      <p:grpSpPr>
-        <a:xfrm>
-          <a:off x="0" y="0"/>
-          <a:ext cx="0" cy="0"/>
-          <a:chOff x="0" y="0"/>
-          <a:chExt cx="0" cy="0"/>
-        </a:xfrm>
-      </p:grpSpPr>
-      <p:pic>
-        <p:nvPicPr>
-          <p:cNvPr id="4098" name="Picture 2" descr="F20018">
-            <a:extLst>
-              <a:ext uri="{FF2B5EF4-FFF2-40B4-BE49-F238E27FC236}">
-                <a16:creationId xmlns:a16="http://schemas.microsoft.com/office/drawing/2014/main" id="{9D5C494A-0CBE-4B64-9D77-71FFFC718D89}"/>
-              </a:ext>
-            </a:extLst>
-          </p:cNvPr>
-          <p:cNvPicPr>
-            <a:picLocks noChangeAspect="1" noChangeArrowheads="1"/>
-          </p:cNvPicPr>
-          <p:nvPr/>
-        </p:nvPicPr>
-        <p:blipFill>
-          <a:blip r:embed="rId3">
-            <a:extLst>
-              <a:ext uri="{28A0092B-C50C-407E-A947-70E740481C1C}">
-                <a14:useLocalDpi xmlns:a14="http://schemas.microsoft.com/office/drawing/2010/main" val="0"/>
-              </a:ext>
-            </a:extLst>
-          </a:blip>
-          <a:srcRect/>
-          <a:stretch>
-            <a:fillRect/>
-          </a:stretch>
-        </p:blipFill>
-        <p:spPr bwMode="auto">
-          <a:xfrm>
-            <a:off x="2651828" y="2877302"/>
-            <a:ext cx="6888344" cy="1103396"/>
-          </a:xfrm>
-          <a:prstGeom prst="rect">
-            <a:avLst/>
-          </a:prstGeom>
-          <a:noFill/>
-          <a:extLst>
-            <a:ext uri="{909E8E84-426E-40DD-AFC4-6F175D3DCCD1}">
-              <a14:hiddenFill xmlns:a14="http://schemas.microsoft.com/office/drawing/2010/main">
-                <a:solidFill>
-                  <a:srgbClr val="FFFFFF"/>
-                </a:solidFill>
-              </a14:hiddenFill>
-            </a:ext>
-          </a:extLst>
-        </p:spPr>
-      </p:pic>
-      <p:sp>
-        <p:nvSpPr>
-          <p:cNvPr id="3" name="TextBox 2">
-            <a:extLst>
-              <a:ext uri="{FF2B5EF4-FFF2-40B4-BE49-F238E27FC236}">
-                <a16:creationId xmlns:a16="http://schemas.microsoft.com/office/drawing/2014/main" id="{8B50B82C-A1EF-42B8-9CB8-B057F2C81533}"/>
-              </a:ext>
-            </a:extLst>
-          </p:cNvPr>
-          <p:cNvSpPr txBox="1"/>
-          <p:nvPr/>
-        </p:nvSpPr>
-        <p:spPr>
-          <a:xfrm>
-            <a:off x="0" y="6550223"/>
-            <a:ext cx="12192000" cy="307777"/>
-          </a:xfrm>
-          <a:prstGeom prst="rect">
-            <a:avLst/>
-          </a:prstGeom>
-          <a:noFill/>
-        </p:spPr>
-        <p:txBody>
-          <a:bodyPr wrap="square" rtlCol="0">
-            <a:spAutoFit/>
-          </a:bodyPr>
-          <a:lstStyle/>
-          <a:p>
-            <a:r>
-              <a:rPr lang="en-US" sz="1400" dirty="0">
-                <a:solidFill>
-                  <a:schemeClr val="tx1">
-                    <a:lumMod val="65000"/>
-                    <a:lumOff val="35000"/>
-                  </a:schemeClr>
-                </a:solidFill>
-                <a:latin typeface="+mj-lt"/>
-                <a:ea typeface="Verdana" panose="020B0604030504040204" pitchFamily="34" charset="0"/>
-              </a:rPr>
-              <a:t>Source: Glassner, A. (2021). </a:t>
-            </a:r>
-            <a:r>
-              <a:rPr lang="en-US" sz="1400" i="1" dirty="0">
-                <a:solidFill>
-                  <a:schemeClr val="tx1">
-                    <a:lumMod val="65000"/>
-                    <a:lumOff val="35000"/>
-                  </a:schemeClr>
-                </a:solidFill>
-                <a:latin typeface="+mj-lt"/>
-                <a:ea typeface="Verdana" panose="020B0604030504040204" pitchFamily="34" charset="0"/>
-              </a:rPr>
-              <a:t>Deep learning: A visual approach</a:t>
-            </a:r>
-            <a:r>
-              <a:rPr lang="en-US" sz="1400" dirty="0">
-                <a:solidFill>
-                  <a:schemeClr val="tx1">
-                    <a:lumMod val="65000"/>
-                    <a:lumOff val="35000"/>
-                  </a:schemeClr>
-                </a:solidFill>
-                <a:latin typeface="+mj-lt"/>
-                <a:ea typeface="Verdana" panose="020B0604030504040204" pitchFamily="34" charset="0"/>
-              </a:rPr>
-              <a:t>. </a:t>
-            </a:r>
-            <a:r>
-              <a:rPr lang="en-US" sz="1400" b="0" i="0" dirty="0">
-                <a:solidFill>
-                  <a:schemeClr val="tx1">
-                    <a:lumMod val="65000"/>
-                    <a:lumOff val="35000"/>
-                  </a:schemeClr>
-                </a:solidFill>
-                <a:effectLst/>
-                <a:latin typeface="+mj-lt"/>
-                <a:ea typeface="Verdana" panose="020B0604030504040204" pitchFamily="34" charset="0"/>
-              </a:rPr>
-              <a:t>San Francisco, CA: No Starch Press. (Chapter </a:t>
-            </a:r>
-            <a:r>
-              <a:rPr lang="en-US" sz="1400" dirty="0">
-                <a:solidFill>
-                  <a:schemeClr val="tx1">
-                    <a:lumMod val="65000"/>
-                    <a:lumOff val="35000"/>
-                  </a:schemeClr>
-                </a:solidFill>
-                <a:latin typeface="+mj-lt"/>
-                <a:ea typeface="Verdana" panose="020B0604030504040204" pitchFamily="34" charset="0"/>
-              </a:rPr>
-              <a:t>20</a:t>
-            </a:r>
-            <a:r>
-              <a:rPr lang="en-US" sz="1400" b="0" i="0" dirty="0">
-                <a:solidFill>
-                  <a:schemeClr val="tx1">
-                    <a:lumMod val="65000"/>
-                    <a:lumOff val="35000"/>
-                  </a:schemeClr>
-                </a:solidFill>
-                <a:effectLst/>
-                <a:latin typeface="+mj-lt"/>
-                <a:ea typeface="Verdana" panose="020B0604030504040204" pitchFamily="34" charset="0"/>
-              </a:rPr>
-              <a:t>)</a:t>
-            </a:r>
-            <a:endParaRPr lang="en-US" sz="1400" dirty="0">
-              <a:solidFill>
-                <a:schemeClr val="tx1">
-                  <a:lumMod val="65000"/>
-                  <a:lumOff val="35000"/>
-                </a:schemeClr>
-              </a:solidFill>
-              <a:latin typeface="+mj-lt"/>
-              <a:ea typeface="Verdana" panose="020B0604030504040204" pitchFamily="34" charset="0"/>
-            </a:endParaRPr>
-          </a:p>
-        </p:txBody>
-      </p:sp>
-      <p:pic>
-        <p:nvPicPr>
-          <p:cNvPr id="7" name="Picture 6">
-            <a:extLst>
-              <a:ext uri="{FF2B5EF4-FFF2-40B4-BE49-F238E27FC236}">
-                <a16:creationId xmlns:a16="http://schemas.microsoft.com/office/drawing/2014/main" id="{41EFA874-9B25-4772-88F0-BDE024D1DF70}"/>
-              </a:ext>
-            </a:extLst>
-          </p:cNvPr>
-          <p:cNvPicPr>
-            <a:picLocks noChangeAspect="1"/>
-          </p:cNvPicPr>
-          <p:nvPr/>
-        </p:nvPicPr>
-        <p:blipFill>
-          <a:blip r:embed="rId4"/>
-          <a:stretch>
-            <a:fillRect/>
-          </a:stretch>
-        </p:blipFill>
-        <p:spPr>
-          <a:xfrm>
-            <a:off x="-13855" y="18288"/>
-            <a:ext cx="2260600" cy="635000"/>
-          </a:xfrm>
-          <a:prstGeom prst="rect">
-            <a:avLst/>
-          </a:prstGeom>
-          <a:effectLst>
-            <a:outerShdw blurRad="50800" dist="38100" dir="2700000" algn="tl" rotWithShape="0">
-              <a:prstClr val="black">
-                <a:alpha val="40000"/>
-              </a:prstClr>
-            </a:outerShdw>
-          </a:effectLst>
-        </p:spPr>
-      </p:pic>
-    </p:spTree>
-    <p:extLst>
-      <p:ext uri="{BB962C8B-B14F-4D97-AF65-F5344CB8AC3E}">
-        <p14:creationId xmlns:p14="http://schemas.microsoft.com/office/powerpoint/2010/main" val="1565508497"/>
-      </p:ext>
-    </p:extLst>
-  </p:cSld>
-  <p:clrMapOvr>
-    <a:masterClrMapping/>
-  </p:clrMapOvr>
-  <mc:AlternateContent xmlns:mc="http://schemas.openxmlformats.org/markup-compatibility/2006" xmlns:p14="http://schemas.microsoft.com/office/powerpoint/2010/main">
-    <mc:Choice Requires="p14">
-      <p:transition spd="med" p14:dur="700">
-        <p:fade/>
-      </p:transition>
-    </mc:Choice>
-    <mc:Fallback xmlns="">
-      <p:transition spd="med">
-        <p:fade/>
-      </p:transition>
-    </mc:Fallback>
-  </mc:AlternateContent>
-</p:sld>
-</file>
-
-<file path=ppt/slides/slide18.xml><?xml version="1.0" encoding="utf-8"?>
-<p:sld xmlns:a="http://schemas.openxmlformats.org/drawingml/2006/main" xmlns:r="http://schemas.openxmlformats.org/officeDocument/2006/relationships" xmlns:p="http://schemas.openxmlformats.org/presentationml/2006/main">
-  <p:cSld>
-    <p:spTree>
-      <p:nvGrpSpPr>
-        <p:cNvPr id="1" name=""/>
-        <p:cNvGrpSpPr/>
-        <p:nvPr/>
-      </p:nvGrpSpPr>
-      <p:grpSpPr>
-        <a:xfrm>
-          <a:off x="0" y="0"/>
-          <a:ext cx="0" cy="0"/>
-          <a:chOff x="0" y="0"/>
-          <a:chExt cx="0" cy="0"/>
-        </a:xfrm>
-      </p:grpSpPr>
-      <p:pic>
-        <p:nvPicPr>
-          <p:cNvPr id="2050" name="Picture 2" descr="F20019">
-            <a:extLst>
-              <a:ext uri="{FF2B5EF4-FFF2-40B4-BE49-F238E27FC236}">
-                <a16:creationId xmlns:a16="http://schemas.microsoft.com/office/drawing/2014/main" id="{278DE717-3460-471C-892B-ADDB4FEF92D3}"/>
-              </a:ext>
-            </a:extLst>
-          </p:cNvPr>
-          <p:cNvPicPr>
-            <a:picLocks noChangeAspect="1" noChangeArrowheads="1"/>
-          </p:cNvPicPr>
-          <p:nvPr/>
-        </p:nvPicPr>
-        <p:blipFill>
-          <a:blip r:embed="rId3">
-            <a:clrChange>
-              <a:clrFrom>
-                <a:srgbClr val="FFFFFF"/>
-              </a:clrFrom>
-              <a:clrTo>
-                <a:srgbClr val="FFFFFF">
-                  <a:alpha val="0"/>
-                </a:srgbClr>
-              </a:clrTo>
-            </a:clrChange>
-            <a:extLst>
-              <a:ext uri="{28A0092B-C50C-407E-A947-70E740481C1C}">
-                <a14:useLocalDpi xmlns:a14="http://schemas.microsoft.com/office/drawing/2010/main" val="0"/>
-              </a:ext>
-            </a:extLst>
-          </a:blip>
-          <a:srcRect/>
-          <a:stretch>
-            <a:fillRect/>
-          </a:stretch>
-        </p:blipFill>
-        <p:spPr bwMode="auto">
-          <a:xfrm>
-            <a:off x="1943985" y="1149580"/>
-            <a:ext cx="8304029" cy="4558840"/>
-          </a:xfrm>
-          <a:prstGeom prst="rect">
-            <a:avLst/>
-          </a:prstGeom>
-          <a:noFill/>
-          <a:extLst>
-            <a:ext uri="{909E8E84-426E-40DD-AFC4-6F175D3DCCD1}">
-              <a14:hiddenFill xmlns:a14="http://schemas.microsoft.com/office/drawing/2010/main">
-                <a:solidFill>
-                  <a:srgbClr val="FFFFFF"/>
-                </a:solidFill>
-              </a14:hiddenFill>
-            </a:ext>
-          </a:extLst>
-        </p:spPr>
-      </p:pic>
-      <p:sp>
-        <p:nvSpPr>
-          <p:cNvPr id="3" name="TextBox 2">
-            <a:extLst>
-              <a:ext uri="{FF2B5EF4-FFF2-40B4-BE49-F238E27FC236}">
-                <a16:creationId xmlns:a16="http://schemas.microsoft.com/office/drawing/2014/main" id="{5641137E-43F8-4751-9847-53127A997B90}"/>
-              </a:ext>
-            </a:extLst>
-          </p:cNvPr>
-          <p:cNvSpPr txBox="1"/>
-          <p:nvPr/>
-        </p:nvSpPr>
-        <p:spPr>
-          <a:xfrm>
-            <a:off x="0" y="6550223"/>
-            <a:ext cx="12192000" cy="307777"/>
-          </a:xfrm>
-          <a:prstGeom prst="rect">
-            <a:avLst/>
-          </a:prstGeom>
-          <a:noFill/>
-        </p:spPr>
-        <p:txBody>
-          <a:bodyPr wrap="square" rtlCol="0">
-            <a:spAutoFit/>
-          </a:bodyPr>
-          <a:lstStyle/>
-          <a:p>
-            <a:r>
-              <a:rPr lang="en-US" sz="1400" dirty="0">
-                <a:solidFill>
-                  <a:schemeClr val="tx1">
-                    <a:lumMod val="65000"/>
-                    <a:lumOff val="35000"/>
-                  </a:schemeClr>
-                </a:solidFill>
-                <a:latin typeface="+mj-lt"/>
-                <a:ea typeface="Verdana" panose="020B0604030504040204" pitchFamily="34" charset="0"/>
-              </a:rPr>
-              <a:t>Source: Glassner, A. (2021). </a:t>
-            </a:r>
-            <a:r>
-              <a:rPr lang="en-US" sz="1400" i="1" dirty="0">
-                <a:solidFill>
-                  <a:schemeClr val="tx1">
-                    <a:lumMod val="65000"/>
-                    <a:lumOff val="35000"/>
-                  </a:schemeClr>
-                </a:solidFill>
-                <a:latin typeface="+mj-lt"/>
-                <a:ea typeface="Verdana" panose="020B0604030504040204" pitchFamily="34" charset="0"/>
-              </a:rPr>
-              <a:t>Deep learning: A visual approach</a:t>
-            </a:r>
-            <a:r>
-              <a:rPr lang="en-US" sz="1400" dirty="0">
-                <a:solidFill>
-                  <a:schemeClr val="tx1">
-                    <a:lumMod val="65000"/>
-                    <a:lumOff val="35000"/>
-                  </a:schemeClr>
-                </a:solidFill>
-                <a:latin typeface="+mj-lt"/>
-                <a:ea typeface="Verdana" panose="020B0604030504040204" pitchFamily="34" charset="0"/>
-              </a:rPr>
-              <a:t>. </a:t>
-            </a:r>
-            <a:r>
-              <a:rPr lang="en-US" sz="1400" b="0" i="0" dirty="0">
-                <a:solidFill>
-                  <a:schemeClr val="tx1">
-                    <a:lumMod val="65000"/>
-                    <a:lumOff val="35000"/>
-                  </a:schemeClr>
-                </a:solidFill>
-                <a:effectLst/>
-                <a:latin typeface="+mj-lt"/>
-                <a:ea typeface="Verdana" panose="020B0604030504040204" pitchFamily="34" charset="0"/>
-              </a:rPr>
-              <a:t>San Francisco, CA: No Starch Press. (Chapter </a:t>
-            </a:r>
-            <a:r>
-              <a:rPr lang="en-US" sz="1400" dirty="0">
-                <a:solidFill>
-                  <a:schemeClr val="tx1">
-                    <a:lumMod val="65000"/>
-                    <a:lumOff val="35000"/>
-                  </a:schemeClr>
-                </a:solidFill>
-                <a:latin typeface="+mj-lt"/>
-                <a:ea typeface="Verdana" panose="020B0604030504040204" pitchFamily="34" charset="0"/>
-              </a:rPr>
-              <a:t>20</a:t>
-            </a:r>
-            <a:r>
-              <a:rPr lang="en-US" sz="1400" b="0" i="0" dirty="0">
-                <a:solidFill>
-                  <a:schemeClr val="tx1">
-                    <a:lumMod val="65000"/>
-                    <a:lumOff val="35000"/>
-                  </a:schemeClr>
-                </a:solidFill>
-                <a:effectLst/>
-                <a:latin typeface="+mj-lt"/>
-                <a:ea typeface="Verdana" panose="020B0604030504040204" pitchFamily="34" charset="0"/>
-              </a:rPr>
-              <a:t>)</a:t>
-            </a:r>
-            <a:endParaRPr lang="en-US" sz="1400" dirty="0">
-              <a:solidFill>
-                <a:schemeClr val="tx1">
-                  <a:lumMod val="65000"/>
-                  <a:lumOff val="35000"/>
-                </a:schemeClr>
-              </a:solidFill>
-              <a:latin typeface="+mj-lt"/>
-              <a:ea typeface="Verdana" panose="020B0604030504040204" pitchFamily="34" charset="0"/>
-            </a:endParaRPr>
-          </a:p>
-        </p:txBody>
-      </p:sp>
-      <p:pic>
-        <p:nvPicPr>
-          <p:cNvPr id="4" name="Picture 3">
-            <a:extLst>
-              <a:ext uri="{FF2B5EF4-FFF2-40B4-BE49-F238E27FC236}">
-                <a16:creationId xmlns:a16="http://schemas.microsoft.com/office/drawing/2014/main" id="{3C75B8E9-CCCD-4478-A43A-254159EFE7B4}"/>
-              </a:ext>
-            </a:extLst>
-          </p:cNvPr>
-          <p:cNvPicPr>
-            <a:picLocks noChangeAspect="1"/>
-          </p:cNvPicPr>
-          <p:nvPr/>
-        </p:nvPicPr>
-        <p:blipFill>
-          <a:blip r:embed="rId4"/>
-          <a:stretch>
-            <a:fillRect/>
-          </a:stretch>
-        </p:blipFill>
-        <p:spPr>
-          <a:xfrm>
-            <a:off x="-69275" y="18288"/>
-            <a:ext cx="2755900" cy="635000"/>
-          </a:xfrm>
-          <a:prstGeom prst="rect">
-            <a:avLst/>
-          </a:prstGeom>
-          <a:effectLst>
-            <a:outerShdw blurRad="50800" dist="38100" dir="2700000" algn="tl" rotWithShape="0">
-              <a:prstClr val="black">
-                <a:alpha val="40000"/>
-              </a:prstClr>
-            </a:outerShdw>
-          </a:effectLst>
-        </p:spPr>
-      </p:pic>
-    </p:spTree>
-    <p:extLst>
-      <p:ext uri="{BB962C8B-B14F-4D97-AF65-F5344CB8AC3E}">
-        <p14:creationId xmlns:p14="http://schemas.microsoft.com/office/powerpoint/2010/main" val="3075547736"/>
-      </p:ext>
-    </p:extLst>
-  </p:cSld>
-  <p:clrMapOvr>
-    <a:masterClrMapping/>
-  </p:clrMapOvr>
-  <mc:AlternateContent xmlns:mc="http://schemas.openxmlformats.org/markup-compatibility/2006" xmlns:p14="http://schemas.microsoft.com/office/powerpoint/2010/main">
-    <mc:Choice Requires="p14">
-      <p:transition spd="med" p14:dur="700">
-        <p:fade/>
-      </p:transition>
-    </mc:Choice>
-    <mc:Fallback xmlns="">
-      <p:transition spd="med">
-        <p:fade/>
-      </p:transition>
-    </mc:Fallback>
-  </mc:AlternateContent>
-</p:sld>
-</file>
-
-<file path=ppt/slides/slide19.xml><?xml version="1.0" encoding="utf-8"?>
-<p:sld xmlns:a="http://schemas.openxmlformats.org/drawingml/2006/main" xmlns:r="http://schemas.openxmlformats.org/officeDocument/2006/relationships" xmlns:p="http://schemas.openxmlformats.org/presentationml/2006/main">
-  <p:cSld>
-    <p:spTree>
-      <p:nvGrpSpPr>
-        <p:cNvPr id="1" name=""/>
-        <p:cNvGrpSpPr/>
-        <p:nvPr/>
-      </p:nvGrpSpPr>
-      <p:grpSpPr>
-        <a:xfrm>
-          <a:off x="0" y="0"/>
-          <a:ext cx="0" cy="0"/>
-          <a:chOff x="0" y="0"/>
-          <a:chExt cx="0" cy="0"/>
-        </a:xfrm>
-      </p:grpSpPr>
-      <p:pic>
-        <p:nvPicPr>
-          <p:cNvPr id="3" name="Picture 2">
-            <a:extLst>
-              <a:ext uri="{FF2B5EF4-FFF2-40B4-BE49-F238E27FC236}">
-                <a16:creationId xmlns:a16="http://schemas.microsoft.com/office/drawing/2014/main" id="{88CC7D4C-7D31-4E3C-92F7-200A7C7F587F}"/>
-              </a:ext>
-            </a:extLst>
-          </p:cNvPr>
-          <p:cNvPicPr>
-            <a:picLocks noChangeAspect="1"/>
-          </p:cNvPicPr>
-          <p:nvPr/>
-        </p:nvPicPr>
-        <p:blipFill>
-          <a:blip r:embed="rId3"/>
-          <a:stretch>
-            <a:fillRect/>
-          </a:stretch>
-        </p:blipFill>
-        <p:spPr>
-          <a:xfrm>
-            <a:off x="0" y="365760"/>
-            <a:ext cx="3233668" cy="805144"/>
-          </a:xfrm>
-          <a:prstGeom prst="rect">
-            <a:avLst/>
-          </a:prstGeom>
-        </p:spPr>
-      </p:pic>
-      <p:sp>
-        <p:nvSpPr>
-          <p:cNvPr id="12" name="Title 1">
-            <a:extLst>
-              <a:ext uri="{FF2B5EF4-FFF2-40B4-BE49-F238E27FC236}">
-                <a16:creationId xmlns:a16="http://schemas.microsoft.com/office/drawing/2014/main" id="{E2FB948E-5ACE-4C88-8B2D-233F4E9F4797}"/>
-              </a:ext>
-            </a:extLst>
-          </p:cNvPr>
-          <p:cNvSpPr>
-            <a:spLocks noGrp="1"/>
-          </p:cNvSpPr>
-          <p:nvPr>
-            <p:ph type="title"/>
-          </p:nvPr>
-        </p:nvSpPr>
-        <p:spPr>
-          <a:xfrm>
-            <a:off x="0" y="2705764"/>
-            <a:ext cx="12192000" cy="1446472"/>
-          </a:xfrm>
-          <a:noFill/>
-        </p:spPr>
-        <p:txBody>
-          <a:bodyPr>
-            <a:noAutofit/>
-          </a:bodyPr>
-          <a:lstStyle/>
-          <a:p>
-            <a:pPr algn="ctr"/>
-            <a:r>
-              <a:rPr lang="en-US" sz="3600" dirty="0">
-                <a:solidFill>
-                  <a:schemeClr val="tx1">
-                    <a:lumMod val="65000"/>
-                    <a:lumOff val="35000"/>
-                  </a:schemeClr>
-                </a:solidFill>
-                <a:latin typeface="Palatino Linotype" panose="02040502050505030304" pitchFamily="18" charset="0"/>
-              </a:rPr>
-              <a:t>Emotion Detector</a:t>
-            </a:r>
-            <a:br>
-              <a:rPr lang="en-US" sz="3600" dirty="0">
-                <a:solidFill>
-                  <a:schemeClr val="tx1">
-                    <a:lumMod val="65000"/>
-                    <a:lumOff val="35000"/>
-                  </a:schemeClr>
-                </a:solidFill>
-                <a:latin typeface="Palatino Linotype" panose="02040502050505030304" pitchFamily="18" charset="0"/>
-              </a:rPr>
-            </a:br>
-            <a:r>
-              <a:rPr lang="en-US" sz="3600" dirty="0">
-                <a:solidFill>
-                  <a:schemeClr val="tx1">
-                    <a:lumMod val="65000"/>
-                    <a:lumOff val="35000"/>
-                  </a:schemeClr>
-                </a:solidFill>
-                <a:latin typeface="Palatino Linotype" panose="02040502050505030304" pitchFamily="18" charset="0"/>
-              </a:rPr>
-              <a:t>01.2_emotion_detector.ipynb</a:t>
-            </a:r>
-            <a:endParaRPr lang="en-US" sz="3600" dirty="0">
-              <a:solidFill>
-                <a:schemeClr val="tx1">
-                  <a:lumMod val="65000"/>
-                  <a:lumOff val="35000"/>
-                </a:schemeClr>
-              </a:solidFill>
-              <a:latin typeface="Palatino Linotype" panose="02040502050505030304" pitchFamily="18" charset="0"/>
-              <a:cs typeface="Segoe UI Light" panose="020B0502040204020203" pitchFamily="34" charset="0"/>
-            </a:endParaRPr>
-          </a:p>
-        </p:txBody>
-      </p:sp>
-    </p:spTree>
-    <p:extLst>
-      <p:ext uri="{BB962C8B-B14F-4D97-AF65-F5344CB8AC3E}">
-        <p14:creationId xmlns:p14="http://schemas.microsoft.com/office/powerpoint/2010/main" val="1595263659"/>
-      </p:ext>
-    </p:extLst>
-  </p:cSld>
-  <p:clrMapOvr>
-    <a:masterClrMapping/>
-  </p:clrMapOvr>
-  <mc:AlternateContent xmlns:mc="http://schemas.openxmlformats.org/markup-compatibility/2006" xmlns:p14="http://schemas.microsoft.com/office/powerpoint/2010/main">
-    <mc:Choice Requires="p14">
-      <p:transition spd="med" p14:dur="700">
-        <p:fade/>
-      </p:transition>
-    </mc:Choice>
-    <mc:Fallback xmlns="">
-      <p:transition spd="med">
-        <p:fade/>
-      </p:transition>
-    </mc:Fallback>
-  </mc:AlternateContent>
-</p:sld>
-</file>
-
-<file path=ppt/slides/slide2.xml><?xml version="1.0" encoding="utf-8"?>
-<p:sld xmlns:a="http://schemas.openxmlformats.org/drawingml/2006/main" xmlns:r="http://schemas.openxmlformats.org/officeDocument/2006/relationships" xmlns:p="http://schemas.openxmlformats.org/presentationml/2006/main">
-  <p:cSld>
-    <p:spTree>
-      <p:nvGrpSpPr>
-        <p:cNvPr id="1" name=""/>
-        <p:cNvGrpSpPr/>
-        <p:nvPr/>
-      </p:nvGrpSpPr>
-      <p:grpSpPr>
-        <a:xfrm>
-          <a:off x="0" y="0"/>
-          <a:ext cx="0" cy="0"/>
-          <a:chOff x="0" y="0"/>
-          <a:chExt cx="0" cy="0"/>
-        </a:xfrm>
-      </p:grpSpPr>
-      <p:sp>
-        <p:nvSpPr>
-          <p:cNvPr id="3" name="TextBox 2">
-            <a:extLst>
-              <a:ext uri="{FF2B5EF4-FFF2-40B4-BE49-F238E27FC236}">
-                <a16:creationId xmlns:a16="http://schemas.microsoft.com/office/drawing/2014/main" id="{C1E53685-A9F7-4FE0-ABDB-9B755F275882}"/>
-              </a:ext>
-            </a:extLst>
-          </p:cNvPr>
-          <p:cNvSpPr txBox="1"/>
-          <p:nvPr/>
-        </p:nvSpPr>
-        <p:spPr>
-          <a:xfrm>
-            <a:off x="0" y="6550223"/>
-            <a:ext cx="12192000" cy="307777"/>
-          </a:xfrm>
-          <a:prstGeom prst="rect">
-            <a:avLst/>
-          </a:prstGeom>
-          <a:noFill/>
-        </p:spPr>
-        <p:txBody>
-          <a:bodyPr wrap="square" rtlCol="0">
-            <a:spAutoFit/>
-          </a:bodyPr>
-          <a:lstStyle/>
-          <a:p>
-            <a:r>
-              <a:rPr lang="en-US" sz="1400" dirty="0">
-                <a:solidFill>
-                  <a:schemeClr val="tx1">
-                    <a:lumMod val="65000"/>
-                    <a:lumOff val="35000"/>
-                  </a:schemeClr>
-                </a:solidFill>
-                <a:latin typeface="+mj-lt"/>
-                <a:ea typeface="Verdana" panose="020B0604030504040204" pitchFamily="34" charset="0"/>
-              </a:rPr>
-              <a:t>Image Credit: </a:t>
-            </a:r>
-            <a:r>
-              <a:rPr lang="en-US" sz="1400" dirty="0">
-                <a:solidFill>
-                  <a:schemeClr val="tx1">
-                    <a:lumMod val="65000"/>
-                    <a:lumOff val="35000"/>
-                  </a:schemeClr>
-                </a:solidFill>
-                <a:latin typeface="+mj-lt"/>
-              </a:rPr>
-              <a:t>https://www.shutterstock.com/search/limit</a:t>
-            </a:r>
-          </a:p>
-        </p:txBody>
-      </p:sp>
-      <p:sp>
-        <p:nvSpPr>
-          <p:cNvPr id="8" name="Title 1">
-            <a:extLst>
-              <a:ext uri="{FF2B5EF4-FFF2-40B4-BE49-F238E27FC236}">
-                <a16:creationId xmlns:a16="http://schemas.microsoft.com/office/drawing/2014/main" id="{195DAE60-9F77-4ED0-836D-1B7F2B48FCA1}"/>
-              </a:ext>
-            </a:extLst>
-          </p:cNvPr>
-          <p:cNvSpPr>
-            <a:spLocks noGrp="1"/>
-          </p:cNvSpPr>
-          <p:nvPr>
-            <p:ph type="title"/>
-          </p:nvPr>
-        </p:nvSpPr>
-        <p:spPr>
-          <a:xfrm>
-            <a:off x="0" y="793808"/>
-            <a:ext cx="12192000" cy="606943"/>
-          </a:xfrm>
-          <a:noFill/>
-        </p:spPr>
-        <p:txBody>
-          <a:bodyPr>
-            <a:noAutofit/>
-          </a:bodyPr>
-          <a:lstStyle/>
-          <a:p>
-            <a:pPr algn="ctr"/>
-            <a:r>
-              <a:rPr lang="en-US" sz="3600" dirty="0">
-                <a:solidFill>
-                  <a:schemeClr val="tx1">
-                    <a:lumMod val="65000"/>
-                    <a:lumOff val="35000"/>
-                  </a:schemeClr>
-                </a:solidFill>
-                <a:latin typeface="Palatino Linotype" panose="02040502050505030304" pitchFamily="18" charset="0"/>
-              </a:rPr>
-              <a:t>Limits of Recurrent Neural Networks</a:t>
-            </a:r>
-            <a:endParaRPr lang="en-US" sz="3600" dirty="0">
-              <a:solidFill>
-                <a:schemeClr val="tx1">
-                  <a:lumMod val="65000"/>
-                  <a:lumOff val="35000"/>
-                </a:schemeClr>
-              </a:solidFill>
-              <a:latin typeface="Palatino Linotype" panose="02040502050505030304" pitchFamily="18" charset="0"/>
-              <a:cs typeface="Segoe UI Light" panose="020B0502040204020203" pitchFamily="34" charset="0"/>
-            </a:endParaRPr>
-          </a:p>
-        </p:txBody>
-      </p:sp>
-      <p:pic>
-        <p:nvPicPr>
-          <p:cNvPr id="4" name="Picture 3" descr="Text&#10;&#10;Description automatically generated">
-            <a:extLst>
-              <a:ext uri="{FF2B5EF4-FFF2-40B4-BE49-F238E27FC236}">
-                <a16:creationId xmlns:a16="http://schemas.microsoft.com/office/drawing/2014/main" id="{AA3BA86B-7925-47BE-8EE7-F5C705D20C00}"/>
-              </a:ext>
-            </a:extLst>
-          </p:cNvPr>
-          <p:cNvPicPr>
-            <a:picLocks noChangeAspect="1"/>
-          </p:cNvPicPr>
-          <p:nvPr/>
-        </p:nvPicPr>
-        <p:blipFill>
-          <a:blip r:embed="rId3">
-            <a:extLst>
-              <a:ext uri="{28A0092B-C50C-407E-A947-70E740481C1C}">
-                <a14:useLocalDpi xmlns:a14="http://schemas.microsoft.com/office/drawing/2010/main" val="0"/>
-              </a:ext>
-            </a:extLst>
-          </a:blip>
-          <a:stretch>
-            <a:fillRect/>
-          </a:stretch>
-        </p:blipFill>
-        <p:spPr>
-          <a:xfrm>
-            <a:off x="4014080" y="2654934"/>
-            <a:ext cx="4163839" cy="2214245"/>
-          </a:xfrm>
-          <a:prstGeom prst="rect">
-            <a:avLst/>
-          </a:prstGeom>
-          <a:effectLst>
-            <a:outerShdw blurRad="50800" dist="38100" dir="2700000" algn="tl" rotWithShape="0">
-              <a:prstClr val="black">
-                <a:alpha val="40000"/>
-              </a:prstClr>
-            </a:outerShdw>
-          </a:effectLst>
-        </p:spPr>
-      </p:pic>
-    </p:spTree>
-    <p:extLst>
-      <p:ext uri="{BB962C8B-B14F-4D97-AF65-F5344CB8AC3E}">
-        <p14:creationId xmlns:p14="http://schemas.microsoft.com/office/powerpoint/2010/main" val="3452552887"/>
-      </p:ext>
-    </p:extLst>
-  </p:cSld>
-  <p:clrMapOvr>
-    <a:masterClrMapping/>
-  </p:clrMapOvr>
-  <mc:AlternateContent xmlns:mc="http://schemas.openxmlformats.org/markup-compatibility/2006" xmlns:p14="http://schemas.microsoft.com/office/powerpoint/2010/main">
-    <mc:Choice Requires="p14">
-      <p:transition spd="med" p14:dur="700">
-        <p:fade/>
-      </p:transition>
-    </mc:Choice>
-    <mc:Fallback xmlns="">
-      <p:transition spd="med">
-        <p:fade/>
-      </p:transition>
-    </mc:Fallback>
-  </mc:AlternateContent>
-</p:sld>
-</file>
-
-<file path=ppt/slides/slide3.xml><?xml version="1.0" encoding="utf-8"?>
-<p:sld xmlns:a="http://schemas.openxmlformats.org/drawingml/2006/main" xmlns:r="http://schemas.openxmlformats.org/officeDocument/2006/relationships" xmlns:p="http://schemas.openxmlformats.org/presentationml/2006/main">
-  <p:cSld>
-    <p:spTree>
-      <p:nvGrpSpPr>
-        <p:cNvPr id="1" name=""/>
-        <p:cNvGrpSpPr/>
-        <p:nvPr/>
-      </p:nvGrpSpPr>
-      <p:grpSpPr>
-        <a:xfrm>
-          <a:off x="0" y="0"/>
-          <a:ext cx="0" cy="0"/>
-          <a:chOff x="0" y="0"/>
-          <a:chExt cx="0" cy="0"/>
-        </a:xfrm>
-      </p:grpSpPr>
-      <p:pic>
-        <p:nvPicPr>
-          <p:cNvPr id="1026" name="Picture 2" descr="rnn">
-            <a:extLst>
-              <a:ext uri="{FF2B5EF4-FFF2-40B4-BE49-F238E27FC236}">
-                <a16:creationId xmlns:a16="http://schemas.microsoft.com/office/drawing/2014/main" id="{561207FA-3A34-4741-93B0-069226A91387}"/>
-              </a:ext>
-            </a:extLst>
-          </p:cNvPr>
-          <p:cNvPicPr>
-            <a:picLocks noChangeAspect="1" noChangeArrowheads="1"/>
-          </p:cNvPicPr>
-          <p:nvPr/>
-        </p:nvPicPr>
-        <p:blipFill>
-          <a:blip r:embed="rId3">
-            <a:extLst>
-              <a:ext uri="{28A0092B-C50C-407E-A947-70E740481C1C}">
-                <a14:useLocalDpi xmlns:a14="http://schemas.microsoft.com/office/drawing/2010/main" val="0"/>
-              </a:ext>
-            </a:extLst>
-          </a:blip>
-          <a:srcRect/>
-          <a:stretch>
-            <a:fillRect/>
-          </a:stretch>
-        </p:blipFill>
-        <p:spPr bwMode="auto">
-          <a:xfrm>
-            <a:off x="2419251" y="2240184"/>
-            <a:ext cx="7353498" cy="2377631"/>
-          </a:xfrm>
-          <a:prstGeom prst="rect">
-            <a:avLst/>
-          </a:prstGeom>
-          <a:noFill/>
-          <a:extLst>
-            <a:ext uri="{909E8E84-426E-40DD-AFC4-6F175D3DCCD1}">
-              <a14:hiddenFill xmlns:a14="http://schemas.microsoft.com/office/drawing/2010/main">
-                <a:solidFill>
-                  <a:srgbClr val="FFFFFF"/>
-                </a:solidFill>
-              </a14:hiddenFill>
-            </a:ext>
-          </a:extLst>
-        </p:spPr>
-      </p:pic>
-      <p:sp>
-        <p:nvSpPr>
-          <p:cNvPr id="8" name="TextBox 7">
-            <a:extLst>
-              <a:ext uri="{FF2B5EF4-FFF2-40B4-BE49-F238E27FC236}">
-                <a16:creationId xmlns:a16="http://schemas.microsoft.com/office/drawing/2014/main" id="{63A07B37-0A00-4021-BDD3-1302B867EFEA}"/>
-              </a:ext>
-            </a:extLst>
-          </p:cNvPr>
-          <p:cNvSpPr txBox="1"/>
-          <p:nvPr/>
-        </p:nvSpPr>
-        <p:spPr>
-          <a:xfrm>
-            <a:off x="0" y="6550223"/>
-            <a:ext cx="12192000" cy="307777"/>
-          </a:xfrm>
-          <a:prstGeom prst="rect">
-            <a:avLst/>
-          </a:prstGeom>
-          <a:noFill/>
-        </p:spPr>
-        <p:txBody>
-          <a:bodyPr wrap="square" rtlCol="0">
-            <a:spAutoFit/>
-          </a:bodyPr>
-          <a:lstStyle/>
-          <a:p>
-            <a:r>
-              <a:rPr lang="en-US" sz="1400" dirty="0">
-                <a:solidFill>
-                  <a:schemeClr val="tx1">
-                    <a:lumMod val="65000"/>
-                    <a:lumOff val="35000"/>
-                  </a:schemeClr>
-                </a:solidFill>
-                <a:latin typeface="+mj-lt"/>
-                <a:ea typeface="Verdana" panose="020B0604030504040204" pitchFamily="34" charset="0"/>
-              </a:rPr>
-              <a:t>Source: Tunstall, L., et al (2022). </a:t>
-            </a:r>
-            <a:r>
-              <a:rPr lang="en-US" sz="1400" i="1" dirty="0">
-                <a:solidFill>
-                  <a:schemeClr val="tx1">
-                    <a:lumMod val="65000"/>
-                    <a:lumOff val="35000"/>
-                  </a:schemeClr>
-                </a:solidFill>
-                <a:latin typeface="+mj-lt"/>
-                <a:ea typeface="Verdana" panose="020B0604030504040204" pitchFamily="34" charset="0"/>
-              </a:rPr>
-              <a:t>Natural Language Processing with Transformers</a:t>
-            </a:r>
-            <a:r>
-              <a:rPr lang="en-US" sz="1400" dirty="0">
-                <a:solidFill>
-                  <a:schemeClr val="tx1">
-                    <a:lumMod val="65000"/>
-                    <a:lumOff val="35000"/>
-                  </a:schemeClr>
-                </a:solidFill>
-                <a:latin typeface="+mj-lt"/>
-                <a:ea typeface="Verdana" panose="020B0604030504040204" pitchFamily="34" charset="0"/>
-              </a:rPr>
-              <a:t>. </a:t>
-            </a:r>
-            <a:r>
-              <a:rPr lang="en-US" sz="1400" b="0" i="0" dirty="0">
-                <a:solidFill>
-                  <a:schemeClr val="tx1">
-                    <a:lumMod val="65000"/>
-                    <a:lumOff val="35000"/>
-                  </a:schemeClr>
-                </a:solidFill>
-                <a:effectLst/>
-                <a:latin typeface="+mj-lt"/>
-                <a:ea typeface="Verdana" panose="020B0604030504040204" pitchFamily="34" charset="0"/>
-              </a:rPr>
-              <a:t>Sebastopol, CA: </a:t>
-            </a:r>
-            <a:r>
-              <a:rPr lang="en-US" sz="1400" dirty="0">
-                <a:solidFill>
-                  <a:schemeClr val="tx1">
-                    <a:lumMod val="65000"/>
-                    <a:lumOff val="35000"/>
-                  </a:schemeClr>
-                </a:solidFill>
-                <a:latin typeface="+mj-lt"/>
-                <a:ea typeface="Verdana" panose="020B0604030504040204" pitchFamily="34" charset="0"/>
-              </a:rPr>
-              <a:t>O’Reilly Publishing</a:t>
-            </a:r>
-            <a:r>
-              <a:rPr lang="en-US" sz="1400" b="0" i="0" dirty="0">
-                <a:solidFill>
-                  <a:schemeClr val="tx1">
-                    <a:lumMod val="65000"/>
-                    <a:lumOff val="35000"/>
-                  </a:schemeClr>
-                </a:solidFill>
-                <a:effectLst/>
-                <a:latin typeface="+mj-lt"/>
-                <a:ea typeface="Verdana" panose="020B0604030504040204" pitchFamily="34" charset="0"/>
-              </a:rPr>
-              <a:t>. (Chapter 1)</a:t>
-            </a:r>
-            <a:endParaRPr lang="en-US" sz="1400" dirty="0">
-              <a:solidFill>
-                <a:schemeClr val="tx1">
-                  <a:lumMod val="65000"/>
-                  <a:lumOff val="35000"/>
-                </a:schemeClr>
-              </a:solidFill>
-              <a:latin typeface="+mj-lt"/>
-              <a:ea typeface="Verdana" panose="020B0604030504040204" pitchFamily="34" charset="0"/>
-            </a:endParaRPr>
-          </a:p>
-        </p:txBody>
-      </p:sp>
-    </p:spTree>
-    <p:extLst>
-      <p:ext uri="{BB962C8B-B14F-4D97-AF65-F5344CB8AC3E}">
-        <p14:creationId xmlns:p14="http://schemas.microsoft.com/office/powerpoint/2010/main" val="1123888976"/>
-      </p:ext>
-    </p:extLst>
-  </p:cSld>
-  <p:clrMapOvr>
-    <a:masterClrMapping/>
-  </p:clrMapOvr>
-  <mc:AlternateContent xmlns:mc="http://schemas.openxmlformats.org/markup-compatibility/2006" xmlns:p14="http://schemas.microsoft.com/office/powerpoint/2010/main">
-    <mc:Choice Requires="p14">
-      <p:transition spd="med" p14:dur="700">
-        <p:fade/>
-      </p:transition>
-    </mc:Choice>
-    <mc:Fallback xmlns="">
-      <p:transition spd="med">
-        <p:fade/>
-      </p:transition>
-    </mc:Fallback>
-  </mc:AlternateContent>
-</p:sld>
-</file>
-
-<file path=ppt/slides/slide4.xml><?xml version="1.0" encoding="utf-8"?>
-<p:sld xmlns:a="http://schemas.openxmlformats.org/drawingml/2006/main" xmlns:r="http://schemas.openxmlformats.org/officeDocument/2006/relationships" xmlns:p="http://schemas.openxmlformats.org/presentationml/2006/main">
-  <p:cSld>
-    <p:spTree>
-      <p:nvGrpSpPr>
-        <p:cNvPr id="1" name=""/>
-        <p:cNvGrpSpPr/>
-        <p:nvPr/>
-      </p:nvGrpSpPr>
-      <p:grpSpPr>
-        <a:xfrm>
-          <a:off x="0" y="0"/>
-          <a:ext cx="0" cy="0"/>
-          <a:chOff x="0" y="0"/>
-          <a:chExt cx="0" cy="0"/>
-        </a:xfrm>
-      </p:grpSpPr>
-      <p:pic>
-        <p:nvPicPr>
-          <p:cNvPr id="2050" name="Picture 2" descr="enc-dec">
-            <a:extLst>
-              <a:ext uri="{FF2B5EF4-FFF2-40B4-BE49-F238E27FC236}">
-                <a16:creationId xmlns:a16="http://schemas.microsoft.com/office/drawing/2014/main" id="{3932E7A2-AC74-4616-8E73-8BE6E621CA05}"/>
-              </a:ext>
-            </a:extLst>
-          </p:cNvPr>
-          <p:cNvPicPr>
-            <a:picLocks noChangeAspect="1" noChangeArrowheads="1"/>
-          </p:cNvPicPr>
-          <p:nvPr/>
-        </p:nvPicPr>
-        <p:blipFill>
-          <a:blip r:embed="rId3">
-            <a:extLst>
-              <a:ext uri="{28A0092B-C50C-407E-A947-70E740481C1C}">
-                <a14:useLocalDpi xmlns:a14="http://schemas.microsoft.com/office/drawing/2010/main" val="0"/>
-              </a:ext>
-            </a:extLst>
-          </a:blip>
-          <a:srcRect/>
-          <a:stretch>
-            <a:fillRect/>
-          </a:stretch>
-        </p:blipFill>
-        <p:spPr bwMode="auto">
-          <a:xfrm>
-            <a:off x="2304409" y="1925002"/>
-            <a:ext cx="7583181" cy="3007995"/>
-          </a:xfrm>
-          <a:prstGeom prst="rect">
-            <a:avLst/>
-          </a:prstGeom>
-          <a:noFill/>
-          <a:extLst>
-            <a:ext uri="{909E8E84-426E-40DD-AFC4-6F175D3DCCD1}">
-              <a14:hiddenFill xmlns:a14="http://schemas.microsoft.com/office/drawing/2010/main">
-                <a:solidFill>
-                  <a:srgbClr val="FFFFFF"/>
-                </a:solidFill>
-              </a14:hiddenFill>
-            </a:ext>
-          </a:extLst>
-        </p:spPr>
-      </p:pic>
-      <p:sp>
-        <p:nvSpPr>
-          <p:cNvPr id="4" name="TextBox 3">
-            <a:extLst>
-              <a:ext uri="{FF2B5EF4-FFF2-40B4-BE49-F238E27FC236}">
-                <a16:creationId xmlns:a16="http://schemas.microsoft.com/office/drawing/2014/main" id="{62096B2A-7B7D-4F4B-B458-A97B0FDB961D}"/>
-              </a:ext>
-            </a:extLst>
-          </p:cNvPr>
-          <p:cNvSpPr txBox="1"/>
-          <p:nvPr/>
-        </p:nvSpPr>
-        <p:spPr>
-          <a:xfrm>
-            <a:off x="0" y="6550223"/>
-            <a:ext cx="12192000" cy="307777"/>
-          </a:xfrm>
-          <a:prstGeom prst="rect">
-            <a:avLst/>
-          </a:prstGeom>
-          <a:noFill/>
-        </p:spPr>
-        <p:txBody>
-          <a:bodyPr wrap="square" rtlCol="0">
-            <a:spAutoFit/>
-          </a:bodyPr>
-          <a:lstStyle/>
-          <a:p>
-            <a:r>
-              <a:rPr lang="en-US" sz="1400" dirty="0">
-                <a:solidFill>
-                  <a:schemeClr val="tx1">
-                    <a:lumMod val="65000"/>
-                    <a:lumOff val="35000"/>
-                  </a:schemeClr>
-                </a:solidFill>
-                <a:latin typeface="+mj-lt"/>
-                <a:ea typeface="Verdana" panose="020B0604030504040204" pitchFamily="34" charset="0"/>
-              </a:rPr>
-              <a:t>Source: Tunstall, L., et al (2022). </a:t>
-            </a:r>
-            <a:r>
-              <a:rPr lang="en-US" sz="1400" i="1" dirty="0">
-                <a:solidFill>
-                  <a:schemeClr val="tx1">
-                    <a:lumMod val="65000"/>
-                    <a:lumOff val="35000"/>
-                  </a:schemeClr>
-                </a:solidFill>
-                <a:latin typeface="+mj-lt"/>
-                <a:ea typeface="Verdana" panose="020B0604030504040204" pitchFamily="34" charset="0"/>
-              </a:rPr>
-              <a:t>Natural Language Processing with Transformers</a:t>
-            </a:r>
-            <a:r>
-              <a:rPr lang="en-US" sz="1400" dirty="0">
-                <a:solidFill>
-                  <a:schemeClr val="tx1">
-                    <a:lumMod val="65000"/>
-                    <a:lumOff val="35000"/>
-                  </a:schemeClr>
-                </a:solidFill>
-                <a:latin typeface="+mj-lt"/>
-                <a:ea typeface="Verdana" panose="020B0604030504040204" pitchFamily="34" charset="0"/>
-              </a:rPr>
-              <a:t>. </a:t>
-            </a:r>
-            <a:r>
-              <a:rPr lang="en-US" sz="1400" b="0" i="0" dirty="0">
-                <a:solidFill>
-                  <a:schemeClr val="tx1">
-                    <a:lumMod val="65000"/>
-                    <a:lumOff val="35000"/>
-                  </a:schemeClr>
-                </a:solidFill>
-                <a:effectLst/>
-                <a:latin typeface="+mj-lt"/>
-                <a:ea typeface="Verdana" panose="020B0604030504040204" pitchFamily="34" charset="0"/>
-              </a:rPr>
-              <a:t>Sebastopol, CA: </a:t>
-            </a:r>
-            <a:r>
-              <a:rPr lang="en-US" sz="1400" dirty="0">
-                <a:solidFill>
-                  <a:schemeClr val="tx1">
-                    <a:lumMod val="65000"/>
-                    <a:lumOff val="35000"/>
-                  </a:schemeClr>
-                </a:solidFill>
-                <a:latin typeface="+mj-lt"/>
-                <a:ea typeface="Verdana" panose="020B0604030504040204" pitchFamily="34" charset="0"/>
-              </a:rPr>
-              <a:t>O’Reilly Publishing</a:t>
-            </a:r>
-            <a:r>
-              <a:rPr lang="en-US" sz="1400" b="0" i="0" dirty="0">
-                <a:solidFill>
-                  <a:schemeClr val="tx1">
-                    <a:lumMod val="65000"/>
-                    <a:lumOff val="35000"/>
-                  </a:schemeClr>
-                </a:solidFill>
-                <a:effectLst/>
-                <a:latin typeface="+mj-lt"/>
-                <a:ea typeface="Verdana" panose="020B0604030504040204" pitchFamily="34" charset="0"/>
-              </a:rPr>
-              <a:t>. (Chapter 1)</a:t>
-            </a:r>
-            <a:endParaRPr lang="en-US" sz="1400" dirty="0">
-              <a:solidFill>
-                <a:schemeClr val="tx1">
-                  <a:lumMod val="65000"/>
-                  <a:lumOff val="35000"/>
-                </a:schemeClr>
-              </a:solidFill>
-              <a:latin typeface="+mj-lt"/>
-              <a:ea typeface="Verdana" panose="020B0604030504040204" pitchFamily="34" charset="0"/>
-            </a:endParaRPr>
-          </a:p>
-        </p:txBody>
-      </p:sp>
-    </p:spTree>
-    <p:extLst>
-      <p:ext uri="{BB962C8B-B14F-4D97-AF65-F5344CB8AC3E}">
-        <p14:creationId xmlns:p14="http://schemas.microsoft.com/office/powerpoint/2010/main" val="2431498119"/>
-      </p:ext>
-    </p:extLst>
-  </p:cSld>
-  <p:clrMapOvr>
-    <a:masterClrMapping/>
-  </p:clrMapOvr>
-  <mc:AlternateContent xmlns:mc="http://schemas.openxmlformats.org/markup-compatibility/2006" xmlns:p14="http://schemas.microsoft.com/office/powerpoint/2010/main">
-    <mc:Choice Requires="p14">
-      <p:transition spd="med" p14:dur="700">
-        <p:fade/>
-      </p:transition>
-    </mc:Choice>
-    <mc:Fallback xmlns="">
-      <p:transition spd="med">
-        <p:fade/>
-      </p:transition>
-    </mc:Fallback>
-  </mc:AlternateContent>
-</p:sld>
-</file>
-
-<file path=ppt/slides/slide5.xml><?xml version="1.0" encoding="utf-8"?>
-<p:sld xmlns:a="http://schemas.openxmlformats.org/drawingml/2006/main" xmlns:r="http://schemas.openxmlformats.org/officeDocument/2006/relationships" xmlns:p="http://schemas.openxmlformats.org/presentationml/2006/main">
-  <p:cSld>
-    <p:spTree>
-      <p:nvGrpSpPr>
-        <p:cNvPr id="1" name=""/>
-        <p:cNvGrpSpPr/>
-        <p:nvPr/>
-      </p:nvGrpSpPr>
-      <p:grpSpPr>
-        <a:xfrm>
-          <a:off x="0" y="0"/>
-          <a:ext cx="0" cy="0"/>
-          <a:chOff x="0" y="0"/>
-          <a:chExt cx="0" cy="0"/>
-        </a:xfrm>
-      </p:grpSpPr>
-      <p:pic>
-        <p:nvPicPr>
-          <p:cNvPr id="3074" name="Picture 2" descr="enc-dec-attn">
-            <a:extLst>
-              <a:ext uri="{FF2B5EF4-FFF2-40B4-BE49-F238E27FC236}">
-                <a16:creationId xmlns:a16="http://schemas.microsoft.com/office/drawing/2014/main" id="{98BF0F41-68AA-47FF-87F3-A5D3498B354D}"/>
-              </a:ext>
-            </a:extLst>
-          </p:cNvPr>
-          <p:cNvPicPr>
-            <a:picLocks noChangeAspect="1" noChangeArrowheads="1"/>
-          </p:cNvPicPr>
-          <p:nvPr/>
-        </p:nvPicPr>
-        <p:blipFill>
-          <a:blip r:embed="rId3">
-            <a:extLst>
-              <a:ext uri="{28A0092B-C50C-407E-A947-70E740481C1C}">
-                <a14:useLocalDpi xmlns:a14="http://schemas.microsoft.com/office/drawing/2010/main" val="0"/>
-              </a:ext>
-            </a:extLst>
-          </a:blip>
-          <a:srcRect/>
-          <a:stretch>
-            <a:fillRect/>
-          </a:stretch>
-        </p:blipFill>
-        <p:spPr bwMode="auto">
-          <a:xfrm>
-            <a:off x="2141220" y="2017871"/>
-            <a:ext cx="8509318" cy="2822257"/>
-          </a:xfrm>
-          <a:prstGeom prst="rect">
-            <a:avLst/>
-          </a:prstGeom>
-          <a:noFill/>
-          <a:extLst>
-            <a:ext uri="{909E8E84-426E-40DD-AFC4-6F175D3DCCD1}">
-              <a14:hiddenFill xmlns:a14="http://schemas.microsoft.com/office/drawing/2010/main">
-                <a:solidFill>
-                  <a:srgbClr val="FFFFFF"/>
-                </a:solidFill>
-              </a14:hiddenFill>
-            </a:ext>
-          </a:extLst>
-        </p:spPr>
-      </p:pic>
-      <p:sp>
-        <p:nvSpPr>
-          <p:cNvPr id="4" name="TextBox 3">
-            <a:extLst>
-              <a:ext uri="{FF2B5EF4-FFF2-40B4-BE49-F238E27FC236}">
-                <a16:creationId xmlns:a16="http://schemas.microsoft.com/office/drawing/2014/main" id="{E68231EB-C41F-4AD0-B92A-E44172E5F22B}"/>
-              </a:ext>
-            </a:extLst>
-          </p:cNvPr>
-          <p:cNvSpPr txBox="1"/>
-          <p:nvPr/>
-        </p:nvSpPr>
-        <p:spPr>
-          <a:xfrm>
-            <a:off x="0" y="6550223"/>
-            <a:ext cx="12192000" cy="307777"/>
-          </a:xfrm>
-          <a:prstGeom prst="rect">
-            <a:avLst/>
-          </a:prstGeom>
-          <a:noFill/>
-        </p:spPr>
-        <p:txBody>
-          <a:bodyPr wrap="square" rtlCol="0">
-            <a:spAutoFit/>
-          </a:bodyPr>
-          <a:lstStyle/>
-          <a:p>
-            <a:r>
-              <a:rPr lang="en-US" sz="1400" dirty="0">
-                <a:solidFill>
-                  <a:schemeClr val="tx1">
-                    <a:lumMod val="65000"/>
-                    <a:lumOff val="35000"/>
-                  </a:schemeClr>
-                </a:solidFill>
-                <a:latin typeface="+mj-lt"/>
-                <a:ea typeface="Verdana" panose="020B0604030504040204" pitchFamily="34" charset="0"/>
-              </a:rPr>
-              <a:t>Source: Tunstall, L., et al (2022). </a:t>
-            </a:r>
-            <a:r>
-              <a:rPr lang="en-US" sz="1400" i="1" dirty="0">
-                <a:solidFill>
-                  <a:schemeClr val="tx1">
-                    <a:lumMod val="65000"/>
-                    <a:lumOff val="35000"/>
-                  </a:schemeClr>
-                </a:solidFill>
-                <a:latin typeface="+mj-lt"/>
-                <a:ea typeface="Verdana" panose="020B0604030504040204" pitchFamily="34" charset="0"/>
-              </a:rPr>
-              <a:t>Natural Language Processing with Transformers</a:t>
-            </a:r>
-            <a:r>
-              <a:rPr lang="en-US" sz="1400" dirty="0">
-                <a:solidFill>
-                  <a:schemeClr val="tx1">
-                    <a:lumMod val="65000"/>
-                    <a:lumOff val="35000"/>
-                  </a:schemeClr>
-                </a:solidFill>
-                <a:latin typeface="+mj-lt"/>
-                <a:ea typeface="Verdana" panose="020B0604030504040204" pitchFamily="34" charset="0"/>
-              </a:rPr>
-              <a:t>. </a:t>
-            </a:r>
-            <a:r>
-              <a:rPr lang="en-US" sz="1400" b="0" i="0" dirty="0">
-                <a:solidFill>
-                  <a:schemeClr val="tx1">
-                    <a:lumMod val="65000"/>
-                    <a:lumOff val="35000"/>
-                  </a:schemeClr>
-                </a:solidFill>
-                <a:effectLst/>
-                <a:latin typeface="+mj-lt"/>
-                <a:ea typeface="Verdana" panose="020B0604030504040204" pitchFamily="34" charset="0"/>
-              </a:rPr>
-              <a:t>Sebastopol, CA: </a:t>
-            </a:r>
-            <a:r>
-              <a:rPr lang="en-US" sz="1400" dirty="0">
-                <a:solidFill>
-                  <a:schemeClr val="tx1">
-                    <a:lumMod val="65000"/>
-                    <a:lumOff val="35000"/>
-                  </a:schemeClr>
-                </a:solidFill>
-                <a:latin typeface="+mj-lt"/>
-                <a:ea typeface="Verdana" panose="020B0604030504040204" pitchFamily="34" charset="0"/>
-              </a:rPr>
-              <a:t>O’Reilly Publishing</a:t>
-            </a:r>
-            <a:r>
-              <a:rPr lang="en-US" sz="1400" b="0" i="0" dirty="0">
-                <a:solidFill>
-                  <a:schemeClr val="tx1">
-                    <a:lumMod val="65000"/>
-                    <a:lumOff val="35000"/>
-                  </a:schemeClr>
-                </a:solidFill>
-                <a:effectLst/>
-                <a:latin typeface="+mj-lt"/>
-                <a:ea typeface="Verdana" panose="020B0604030504040204" pitchFamily="34" charset="0"/>
-              </a:rPr>
-              <a:t>. (Chapter 1)</a:t>
-            </a:r>
-            <a:endParaRPr lang="en-US" sz="1400" dirty="0">
-              <a:solidFill>
-                <a:schemeClr val="tx1">
-                  <a:lumMod val="65000"/>
-                  <a:lumOff val="35000"/>
-                </a:schemeClr>
-              </a:solidFill>
-              <a:latin typeface="+mj-lt"/>
-              <a:ea typeface="Verdana" panose="020B0604030504040204" pitchFamily="34" charset="0"/>
-            </a:endParaRPr>
-          </a:p>
-        </p:txBody>
-      </p:sp>
-    </p:spTree>
-    <p:extLst>
-      <p:ext uri="{BB962C8B-B14F-4D97-AF65-F5344CB8AC3E}">
-        <p14:creationId xmlns:p14="http://schemas.microsoft.com/office/powerpoint/2010/main" val="1677845898"/>
-      </p:ext>
-    </p:extLst>
-  </p:cSld>
-  <p:clrMapOvr>
-    <a:masterClrMapping/>
-  </p:clrMapOvr>
-  <mc:AlternateContent xmlns:mc="http://schemas.openxmlformats.org/markup-compatibility/2006" xmlns:p14="http://schemas.microsoft.com/office/powerpoint/2010/main">
-    <mc:Choice Requires="p14">
-      <p:transition spd="med" p14:dur="700">
-        <p:fade/>
-      </p:transition>
-    </mc:Choice>
-    <mc:Fallback xmlns="">
-      <p:transition spd="med">
-        <p:fade/>
-      </p:transition>
-    </mc:Fallback>
-  </mc:AlternateContent>
-</p:sld>
-</file>
-
-<file path=ppt/slides/slide6.xml><?xml version="1.0" encoding="utf-8"?>
-<p:sld xmlns:a="http://schemas.openxmlformats.org/drawingml/2006/main" xmlns:r="http://schemas.openxmlformats.org/officeDocument/2006/relationships" xmlns:p="http://schemas.openxmlformats.org/presentationml/2006/main">
-  <p:cSld>
-    <p:spTree>
-      <p:nvGrpSpPr>
-        <p:cNvPr id="1" name=""/>
-        <p:cNvGrpSpPr/>
-        <p:nvPr/>
-      </p:nvGrpSpPr>
-      <p:grpSpPr>
-        <a:xfrm>
-          <a:off x="0" y="0"/>
-          <a:ext cx="0" cy="0"/>
-          <a:chOff x="0" y="0"/>
-          <a:chExt cx="0" cy="0"/>
-        </a:xfrm>
-      </p:grpSpPr>
-      <p:pic>
-        <p:nvPicPr>
-          <p:cNvPr id="4098" name="Picture 2" descr="transformer-self-attn">
-            <a:extLst>
-              <a:ext uri="{FF2B5EF4-FFF2-40B4-BE49-F238E27FC236}">
-                <a16:creationId xmlns:a16="http://schemas.microsoft.com/office/drawing/2014/main" id="{E48BEBC0-7E08-4B16-BA46-BE71D8FF1C97}"/>
-              </a:ext>
-            </a:extLst>
-          </p:cNvPr>
-          <p:cNvPicPr>
-            <a:picLocks noChangeAspect="1" noChangeArrowheads="1"/>
-          </p:cNvPicPr>
-          <p:nvPr/>
-        </p:nvPicPr>
-        <p:blipFill>
-          <a:blip r:embed="rId3">
-            <a:extLst>
-              <a:ext uri="{28A0092B-C50C-407E-A947-70E740481C1C}">
-                <a14:useLocalDpi xmlns:a14="http://schemas.microsoft.com/office/drawing/2010/main" val="0"/>
-              </a:ext>
-            </a:extLst>
-          </a:blip>
-          <a:srcRect/>
-          <a:stretch>
-            <a:fillRect/>
-          </a:stretch>
-        </p:blipFill>
-        <p:spPr bwMode="auto">
-          <a:xfrm>
-            <a:off x="1123950" y="2235708"/>
-            <a:ext cx="9944100" cy="2386584"/>
-          </a:xfrm>
-          <a:prstGeom prst="rect">
-            <a:avLst/>
-          </a:prstGeom>
-          <a:noFill/>
-          <a:extLst>
-            <a:ext uri="{909E8E84-426E-40DD-AFC4-6F175D3DCCD1}">
-              <a14:hiddenFill xmlns:a14="http://schemas.microsoft.com/office/drawing/2010/main">
-                <a:solidFill>
-                  <a:srgbClr val="FFFFFF"/>
-                </a:solidFill>
-              </a14:hiddenFill>
-            </a:ext>
-          </a:extLst>
-        </p:spPr>
-      </p:pic>
-      <p:sp>
-        <p:nvSpPr>
-          <p:cNvPr id="4" name="TextBox 3">
-            <a:extLst>
-              <a:ext uri="{FF2B5EF4-FFF2-40B4-BE49-F238E27FC236}">
-                <a16:creationId xmlns:a16="http://schemas.microsoft.com/office/drawing/2014/main" id="{7530BD8D-AB63-44BD-962E-C622287F485F}"/>
-              </a:ext>
-            </a:extLst>
-          </p:cNvPr>
-          <p:cNvSpPr txBox="1"/>
-          <p:nvPr/>
-        </p:nvSpPr>
-        <p:spPr>
-          <a:xfrm>
-            <a:off x="0" y="6550223"/>
-            <a:ext cx="12192000" cy="307777"/>
-          </a:xfrm>
-          <a:prstGeom prst="rect">
-            <a:avLst/>
-          </a:prstGeom>
-          <a:noFill/>
-        </p:spPr>
-        <p:txBody>
-          <a:bodyPr wrap="square" rtlCol="0">
-            <a:spAutoFit/>
-          </a:bodyPr>
-          <a:lstStyle/>
-          <a:p>
-            <a:r>
-              <a:rPr lang="en-US" sz="1400" dirty="0">
-                <a:solidFill>
-                  <a:schemeClr val="tx1">
-                    <a:lumMod val="65000"/>
-                    <a:lumOff val="35000"/>
-                  </a:schemeClr>
-                </a:solidFill>
-                <a:latin typeface="+mj-lt"/>
-                <a:ea typeface="Verdana" panose="020B0604030504040204" pitchFamily="34" charset="0"/>
-              </a:rPr>
-              <a:t>Source: Tunstall, L., et al (2022). </a:t>
-            </a:r>
-            <a:r>
-              <a:rPr lang="en-US" sz="1400" i="1" dirty="0">
-                <a:solidFill>
-                  <a:schemeClr val="tx1">
-                    <a:lumMod val="65000"/>
-                    <a:lumOff val="35000"/>
-                  </a:schemeClr>
-                </a:solidFill>
-                <a:latin typeface="+mj-lt"/>
-                <a:ea typeface="Verdana" panose="020B0604030504040204" pitchFamily="34" charset="0"/>
-              </a:rPr>
-              <a:t>Natural Language Processing with Transformers</a:t>
-            </a:r>
-            <a:r>
-              <a:rPr lang="en-US" sz="1400" dirty="0">
-                <a:solidFill>
-                  <a:schemeClr val="tx1">
-                    <a:lumMod val="65000"/>
-                    <a:lumOff val="35000"/>
-                  </a:schemeClr>
-                </a:solidFill>
-                <a:latin typeface="+mj-lt"/>
-                <a:ea typeface="Verdana" panose="020B0604030504040204" pitchFamily="34" charset="0"/>
-              </a:rPr>
-              <a:t>. </a:t>
-            </a:r>
-            <a:r>
-              <a:rPr lang="en-US" sz="1400" b="0" i="0" dirty="0">
-                <a:solidFill>
-                  <a:schemeClr val="tx1">
-                    <a:lumMod val="65000"/>
-                    <a:lumOff val="35000"/>
-                  </a:schemeClr>
-                </a:solidFill>
-                <a:effectLst/>
-                <a:latin typeface="+mj-lt"/>
-                <a:ea typeface="Verdana" panose="020B0604030504040204" pitchFamily="34" charset="0"/>
-              </a:rPr>
-              <a:t>Sebastopol, CA: </a:t>
-            </a:r>
-            <a:r>
-              <a:rPr lang="en-US" sz="1400" dirty="0">
-                <a:solidFill>
-                  <a:schemeClr val="tx1">
-                    <a:lumMod val="65000"/>
-                    <a:lumOff val="35000"/>
-                  </a:schemeClr>
-                </a:solidFill>
-                <a:latin typeface="+mj-lt"/>
-                <a:ea typeface="Verdana" panose="020B0604030504040204" pitchFamily="34" charset="0"/>
-              </a:rPr>
-              <a:t>O’Reilly Publishing</a:t>
-            </a:r>
-            <a:r>
-              <a:rPr lang="en-US" sz="1400" b="0" i="0" dirty="0">
-                <a:solidFill>
-                  <a:schemeClr val="tx1">
-                    <a:lumMod val="65000"/>
-                    <a:lumOff val="35000"/>
-                  </a:schemeClr>
-                </a:solidFill>
-                <a:effectLst/>
-                <a:latin typeface="+mj-lt"/>
-                <a:ea typeface="Verdana" panose="020B0604030504040204" pitchFamily="34" charset="0"/>
-              </a:rPr>
-              <a:t>. (Chapter 1)</a:t>
-            </a:r>
-            <a:endParaRPr lang="en-US" sz="1400" dirty="0">
-              <a:solidFill>
-                <a:schemeClr val="tx1">
-                  <a:lumMod val="65000"/>
-                  <a:lumOff val="35000"/>
-                </a:schemeClr>
-              </a:solidFill>
-              <a:latin typeface="+mj-lt"/>
-              <a:ea typeface="Verdana" panose="020B0604030504040204" pitchFamily="34" charset="0"/>
-            </a:endParaRPr>
-          </a:p>
-        </p:txBody>
-      </p:sp>
-    </p:spTree>
-    <p:extLst>
-      <p:ext uri="{BB962C8B-B14F-4D97-AF65-F5344CB8AC3E}">
-        <p14:creationId xmlns:p14="http://schemas.microsoft.com/office/powerpoint/2010/main" val="1684263449"/>
-      </p:ext>
-    </p:extLst>
-  </p:cSld>
-  <p:clrMapOvr>
-    <a:masterClrMapping/>
-  </p:clrMapOvr>
-  <mc:AlternateContent xmlns:mc="http://schemas.openxmlformats.org/markup-compatibility/2006" xmlns:p14="http://schemas.microsoft.com/office/powerpoint/2010/main">
-    <mc:Choice Requires="p14">
-      <p:transition spd="med" p14:dur="700">
-        <p:fade/>
-      </p:transition>
-    </mc:Choice>
-    <mc:Fallback xmlns="">
-      <p:transition spd="med">
-        <p:fade/>
-      </p:transition>
-    </mc:Fallback>
-  </mc:AlternateContent>
-</p:sld>
-</file>
-
-<file path=ppt/slides/slide7.xml><?xml version="1.0" encoding="utf-8"?>
-<p:sld xmlns:a="http://schemas.openxmlformats.org/drawingml/2006/main" xmlns:r="http://schemas.openxmlformats.org/officeDocument/2006/relationships" xmlns:p="http://schemas.openxmlformats.org/presentationml/2006/main">
-  <p:cSld>
-    <p:spTree>
-      <p:nvGrpSpPr>
-        <p:cNvPr id="1" name=""/>
-        <p:cNvGrpSpPr/>
-        <p:nvPr/>
-      </p:nvGrpSpPr>
-      <p:grpSpPr>
-        <a:xfrm>
-          <a:off x="0" y="0"/>
-          <a:ext cx="0" cy="0"/>
-          <a:chOff x="0" y="0"/>
-          <a:chExt cx="0" cy="0"/>
-        </a:xfrm>
-      </p:grpSpPr>
-      <p:sp>
-        <p:nvSpPr>
-          <p:cNvPr id="3" name="TextBox 2">
-            <a:extLst>
-              <a:ext uri="{FF2B5EF4-FFF2-40B4-BE49-F238E27FC236}">
-                <a16:creationId xmlns:a16="http://schemas.microsoft.com/office/drawing/2014/main" id="{C1E53685-A9F7-4FE0-ABDB-9B755F275882}"/>
-              </a:ext>
-            </a:extLst>
-          </p:cNvPr>
-          <p:cNvSpPr txBox="1"/>
-          <p:nvPr/>
-        </p:nvSpPr>
-        <p:spPr>
-          <a:xfrm>
-            <a:off x="0" y="6550223"/>
-            <a:ext cx="12192000" cy="307777"/>
-          </a:xfrm>
-          <a:prstGeom prst="rect">
-            <a:avLst/>
-          </a:prstGeom>
-          <a:noFill/>
-        </p:spPr>
-        <p:txBody>
-          <a:bodyPr wrap="square" rtlCol="0">
-            <a:spAutoFit/>
-          </a:bodyPr>
-          <a:lstStyle/>
-          <a:p>
-            <a:r>
-              <a:rPr lang="en-US" sz="1400" dirty="0">
-                <a:solidFill>
-                  <a:schemeClr val="tx1">
-                    <a:lumMod val="65000"/>
-                    <a:lumOff val="35000"/>
-                  </a:schemeClr>
-                </a:solidFill>
-                <a:latin typeface="+mj-lt"/>
-                <a:ea typeface="Verdana" panose="020B0604030504040204" pitchFamily="34" charset="0"/>
-              </a:rPr>
-              <a:t>Image Credit: </a:t>
-            </a:r>
-            <a:r>
-              <a:rPr lang="en-US" sz="1400" dirty="0">
-                <a:solidFill>
-                  <a:schemeClr val="tx1">
-                    <a:lumMod val="65000"/>
-                    <a:lumOff val="35000"/>
-                  </a:schemeClr>
-                </a:solidFill>
-                <a:latin typeface="+mj-lt"/>
-              </a:rPr>
-              <a:t>https://tfwiki.net/wiki/Optimus_Prime_(WFC)</a:t>
-            </a:r>
-          </a:p>
-        </p:txBody>
-      </p:sp>
-      <p:sp>
-        <p:nvSpPr>
-          <p:cNvPr id="8" name="Title 1">
-            <a:extLst>
-              <a:ext uri="{FF2B5EF4-FFF2-40B4-BE49-F238E27FC236}">
-                <a16:creationId xmlns:a16="http://schemas.microsoft.com/office/drawing/2014/main" id="{195DAE60-9F77-4ED0-836D-1B7F2B48FCA1}"/>
-              </a:ext>
-            </a:extLst>
-          </p:cNvPr>
-          <p:cNvSpPr>
-            <a:spLocks noGrp="1"/>
-          </p:cNvSpPr>
-          <p:nvPr>
-            <p:ph type="title"/>
-          </p:nvPr>
-        </p:nvSpPr>
-        <p:spPr>
-          <a:xfrm>
-            <a:off x="0" y="793808"/>
-            <a:ext cx="12192000" cy="606943"/>
-          </a:xfrm>
-          <a:noFill/>
-        </p:spPr>
-        <p:txBody>
-          <a:bodyPr>
-            <a:noAutofit/>
-          </a:bodyPr>
-          <a:lstStyle/>
-          <a:p>
-            <a:pPr algn="ctr"/>
-            <a:r>
-              <a:rPr lang="en-US" sz="3600" dirty="0">
-                <a:solidFill>
-                  <a:schemeClr val="tx1">
-                    <a:lumMod val="65000"/>
-                    <a:lumOff val="35000"/>
-                  </a:schemeClr>
-                </a:solidFill>
-                <a:latin typeface="Palatino Linotype" panose="02040502050505030304" pitchFamily="18" charset="0"/>
-              </a:rPr>
-              <a:t>Transformer Architecture</a:t>
-            </a:r>
-            <a:endParaRPr lang="en-US" sz="3600" dirty="0">
-              <a:solidFill>
-                <a:schemeClr val="tx1">
-                  <a:lumMod val="65000"/>
-                  <a:lumOff val="35000"/>
-                </a:schemeClr>
-              </a:solidFill>
-              <a:latin typeface="Palatino Linotype" panose="02040502050505030304" pitchFamily="18" charset="0"/>
-              <a:cs typeface="Segoe UI Light" panose="020B0502040204020203" pitchFamily="34" charset="0"/>
-            </a:endParaRPr>
-          </a:p>
-        </p:txBody>
-      </p:sp>
-      <p:pic>
-        <p:nvPicPr>
-          <p:cNvPr id="1028" name="Picture 4" descr="Optimus Prime (WFC) - Transformers Wiki">
-            <a:extLst>
-              <a:ext uri="{FF2B5EF4-FFF2-40B4-BE49-F238E27FC236}">
-                <a16:creationId xmlns:a16="http://schemas.microsoft.com/office/drawing/2014/main" id="{0E3AE70A-3764-4045-8918-FDBBDBB104B6}"/>
-              </a:ext>
-            </a:extLst>
-          </p:cNvPr>
-          <p:cNvPicPr>
-            <a:picLocks noChangeAspect="1" noChangeArrowheads="1"/>
-          </p:cNvPicPr>
-          <p:nvPr/>
-        </p:nvPicPr>
-        <p:blipFill>
-          <a:blip r:embed="rId3">
-            <a:extLst>
-              <a:ext uri="{28A0092B-C50C-407E-A947-70E740481C1C}">
-                <a14:useLocalDpi xmlns:a14="http://schemas.microsoft.com/office/drawing/2010/main" val="0"/>
-              </a:ext>
-            </a:extLst>
-          </a:blip>
-          <a:srcRect/>
-          <a:stretch>
-            <a:fillRect/>
-          </a:stretch>
-        </p:blipFill>
-        <p:spPr bwMode="auto">
-          <a:xfrm>
-            <a:off x="4783599" y="1748781"/>
-            <a:ext cx="2624801" cy="4453412"/>
-          </a:xfrm>
-          <a:prstGeom prst="rect">
-            <a:avLst/>
-          </a:prstGeom>
-          <a:noFill/>
-          <a:extLst>
-            <a:ext uri="{909E8E84-426E-40DD-AFC4-6F175D3DCCD1}">
-              <a14:hiddenFill xmlns:a14="http://schemas.microsoft.com/office/drawing/2010/main">
-                <a:solidFill>
-                  <a:srgbClr val="FFFFFF"/>
-                </a:solidFill>
-              </a14:hiddenFill>
-            </a:ext>
-          </a:extLst>
-        </p:spPr>
-      </p:pic>
-    </p:spTree>
-    <p:extLst>
-      <p:ext uri="{BB962C8B-B14F-4D97-AF65-F5344CB8AC3E}">
-        <p14:creationId xmlns:p14="http://schemas.microsoft.com/office/powerpoint/2010/main" val="168402881"/>
       </p:ext>
     </p:extLst>
   </p:cSld>
@@ -9966,7 +8371,7 @@
           <p:cNvPr id="3" name="TextBox 2">
             <a:extLst>
               <a:ext uri="{FF2B5EF4-FFF2-40B4-BE49-F238E27FC236}">
-                <a16:creationId xmlns:a16="http://schemas.microsoft.com/office/drawing/2014/main" id="{8DEBDC12-60E8-4CF3-A3D0-2075FBA26C8C}"/>
+                <a16:creationId xmlns:a16="http://schemas.microsoft.com/office/drawing/2014/main" id="{C1E53685-A9F7-4FE0-ABDB-9B755F275882}"/>
               </a:ext>
             </a:extLst>
           </p:cNvPr>
@@ -10000,7 +8405,7 @@
                 <a:latin typeface="+mj-lt"/>
                 <a:ea typeface="Verdana" panose="020B0604030504040204" pitchFamily="34" charset="0"/>
               </a:rPr>
-              <a:t>Source: Doshi, K. (2020). </a:t>
+              <a:t>Source: Glassner, A. (2021). </a:t>
             </a:r>
             <a:r>
               <a:rPr lang="en-US" sz="1400" i="1" dirty="0">
@@ -10013,7 +8418,61 @@
                 <a:latin typeface="+mj-lt"/>
                 <a:ea typeface="Verdana" panose="020B0604030504040204" pitchFamily="34" charset="0"/>
               </a:rPr>
-              <a:t>https://towardsdatascience.com/transformers-explained-visually-part-1-overview-of-functionality-95a6dd460452</a:t>
+              <a:t>Deep learning: A visual approach</a:t>
+            </a:r>
+            <a:r>
+              <a:rPr lang="en-US" sz="1400" dirty="0">
+                <a:solidFill>
+                  <a:schemeClr val="tx1">
+                    <a:lumMod val="65000"/>
+                    <a:lumOff val="35000"/>
+                  </a:schemeClr>
+                </a:solidFill>
+                <a:latin typeface="+mj-lt"/>
+                <a:ea typeface="Verdana" panose="020B0604030504040204" pitchFamily="34" charset="0"/>
+              </a:rPr>
+              <a:t>. </a:t>
+            </a:r>
+            <a:r>
+              <a:rPr lang="en-US" sz="1400" b="0" i="0" dirty="0">
+                <a:solidFill>
+                  <a:schemeClr val="tx1">
+                    <a:lumMod val="65000"/>
+                    <a:lumOff val="35000"/>
+                  </a:schemeClr>
+                </a:solidFill>
+                <a:effectLst/>
+                <a:latin typeface="+mj-lt"/>
+                <a:ea typeface="Verdana" panose="020B0604030504040204" pitchFamily="34" charset="0"/>
+              </a:rPr>
+              <a:t>San Francisco, CA: No Starch Press. (Chapter </a:t>
+            </a:r>
+            <a:r>
+              <a:rPr lang="en-US" sz="1400" dirty="0">
+                <a:solidFill>
+                  <a:schemeClr val="tx1">
+                    <a:lumMod val="65000"/>
+                    <a:lumOff val="35000"/>
+                  </a:schemeClr>
+                </a:solidFill>
+                <a:latin typeface="+mj-lt"/>
+                <a:ea typeface="Verdana" panose="020B0604030504040204" pitchFamily="34" charset="0"/>
+              </a:rPr>
+              <a:t>20</a:t>
+            </a:r>
+            <a:r>
+              <a:rPr lang="en-US" sz="1400" b="0" i="0" dirty="0">
+                <a:solidFill>
+                  <a:schemeClr val="tx1">
+                    <a:lumMod val="65000"/>
+                    <a:lumOff val="35000"/>
+                  </a:schemeClr>
+                </a:solidFill>
+                <a:effectLst/>
+                <a:latin typeface="+mj-lt"/>
+                <a:ea typeface="Verdana" panose="020B0604030504040204" pitchFamily="34" charset="0"/>
+              </a:rPr>
+              <a:t>)</a:t>
             </a:r>
             <a:endParaRPr lang="en-US" sz="1400" dirty="0">
               <a:solidFill>
@@ -10030,65 +8489,248 @@
       </p:sp>
       <p:pic>
         <p:nvPicPr>
-          <p:cNvPr id="7170" name="Picture 2">
-            <a:extLst>
-              <a:ext uri="{FF2B5EF4-FFF2-40B4-BE49-F238E27FC236}">
-                <a16:creationId xmlns:a16="http://schemas.microsoft.com/office/drawing/2014/main" id="{E01D43ED-BB64-44A3-8FE0-0C3CD9C11E9C}"/>
+          <p:cNvPr id="6" name="Picture 5">
+            <a:extLst>
+              <a:ext uri="{FF2B5EF4-FFF2-40B4-BE49-F238E27FC236}">
+                <a16:creationId xmlns:a16="http://schemas.microsoft.com/office/drawing/2014/main" id="{6D6EB62B-2AF5-414F-AE49-8A9F33BF1690}"/>
               </a:ext>
             </a:extLst>
           </p:cNvPr>
           <p:cNvPicPr>
-            <a:picLocks noChangeAspect="1" noChangeArrowheads="1"/>
+            <a:picLocks noChangeAspect="1"/>
           </p:cNvPicPr>
           <p:nvPr/>
         </p:nvPicPr>
         <p:blipFill>
-          <a:blip r:embed="rId3">
-            <a:clrChange>
-              <a:clrFrom>
-                <a:srgbClr val="FFFFFF"/>
-              </a:clrFrom>
-              <a:clrTo>
-                <a:srgbClr val="FFFFFF">
-                  <a:alpha val="0"/>
-                </a:srgbClr>
-              </a:clrTo>
-            </a:clrChange>
-            <a:extLst>
-              <a:ext uri="{28A0092B-C50C-407E-A947-70E740481C1C}">
-                <a14:useLocalDpi xmlns:a14="http://schemas.microsoft.com/office/drawing/2010/main" val="0"/>
-              </a:ext>
-            </a:extLst>
-          </a:blip>
-          <a:srcRect/>
+          <a:blip r:embed="rId3"/>
           <a:stretch>
             <a:fillRect/>
           </a:stretch>
         </p:blipFill>
-        <p:spPr bwMode="auto">
+        <p:spPr>
           <a:xfrm>
-            <a:off x="4533900" y="1790700"/>
-            <a:ext cx="3124200" cy="3276600"/>
+            <a:off x="2694334" y="3645875"/>
+            <a:ext cx="2635250" cy="635000"/>
           </a:xfrm>
           <a:prstGeom prst="rect">
             <a:avLst/>
           </a:prstGeom>
+          <a:effectLst>
+            <a:outerShdw blurRad="50800" dist="38100" dir="2700000" algn="tl" rotWithShape="0">
+              <a:prstClr val="black">
+                <a:alpha val="40000"/>
+              </a:prstClr>
+            </a:outerShdw>
+          </a:effectLst>
+        </p:spPr>
+      </p:pic>
+      <p:sp>
+        <p:nvSpPr>
+          <p:cNvPr id="20" name="Title 1">
+            <a:extLst>
+              <a:ext uri="{FF2B5EF4-FFF2-40B4-BE49-F238E27FC236}">
+                <a16:creationId xmlns:a16="http://schemas.microsoft.com/office/drawing/2014/main" id="{A768B6E7-76B8-4DF1-9B5C-732BFB29136A}"/>
+              </a:ext>
+            </a:extLst>
+          </p:cNvPr>
+          <p:cNvSpPr>
+            <a:spLocks noGrp="1"/>
+          </p:cNvSpPr>
+          <p:nvPr>
+            <p:ph type="title"/>
+          </p:nvPr>
+        </p:nvSpPr>
+        <p:spPr>
+          <a:xfrm>
+            <a:off x="0" y="793808"/>
+            <a:ext cx="12192000" cy="606943"/>
+          </a:xfrm>
           <a:noFill/>
-          <a:extLst>
-            <a:ext uri="{909E8E84-426E-40DD-AFC4-6F175D3DCCD1}">
-              <a14:hiddenFill xmlns:a14="http://schemas.microsoft.com/office/drawing/2010/main">
+        </p:spPr>
+        <p:txBody>
+          <a:bodyPr>
+            <a:noAutofit/>
+          </a:bodyPr>
+          <a:lstStyle/>
+          <a:p>
+            <a:pPr algn="ctr"/>
+            <a:r>
+              <a:rPr lang="en-US" sz="3600" dirty="0">
                 <a:solidFill>
-                  <a:srgbClr val="FFFFFF"/>
+                  <a:schemeClr val="tx1">
+                    <a:lumMod val="65000"/>
+                    <a:lumOff val="35000"/>
+                  </a:schemeClr>
                 </a:solidFill>
-              </a14:hiddenFill>
-            </a:ext>
-          </a:extLst>
+                <a:latin typeface="Palatino Linotype" panose="02040502050505030304" pitchFamily="18" charset="0"/>
+              </a:rPr>
+              <a:t>Transformer Building Blocks</a:t>
+            </a:r>
+            <a:endParaRPr lang="en-US" sz="3600" dirty="0">
+              <a:solidFill>
+                <a:schemeClr val="tx1">
+                  <a:lumMod val="65000"/>
+                  <a:lumOff val="35000"/>
+                </a:schemeClr>
+              </a:solidFill>
+              <a:latin typeface="Palatino Linotype" panose="02040502050505030304" pitchFamily="18" charset="0"/>
+              <a:cs typeface="Segoe UI Light" panose="020B0502040204020203" pitchFamily="34" charset="0"/>
+            </a:endParaRPr>
+          </a:p>
+        </p:txBody>
+      </p:sp>
+      <p:pic>
+        <p:nvPicPr>
+          <p:cNvPr id="4" name="Picture 3">
+            <a:extLst>
+              <a:ext uri="{FF2B5EF4-FFF2-40B4-BE49-F238E27FC236}">
+                <a16:creationId xmlns:a16="http://schemas.microsoft.com/office/drawing/2014/main" id="{A4ABC55C-676F-4AE7-9EF2-40151F173FE9}"/>
+              </a:ext>
+            </a:extLst>
+          </p:cNvPr>
+          <p:cNvPicPr>
+            <a:picLocks noChangeAspect="1"/>
+          </p:cNvPicPr>
+          <p:nvPr/>
+        </p:nvPicPr>
+        <p:blipFill>
+          <a:blip r:embed="rId4"/>
+          <a:stretch>
+            <a:fillRect/>
+          </a:stretch>
+        </p:blipFill>
+        <p:spPr>
+          <a:xfrm>
+            <a:off x="3934266" y="3067016"/>
+            <a:ext cx="2260600" cy="635000"/>
+          </a:xfrm>
+          <a:prstGeom prst="rect">
+            <a:avLst/>
+          </a:prstGeom>
+          <a:effectLst>
+            <a:outerShdw blurRad="50800" dist="38100" dir="2700000" algn="tl" rotWithShape="0">
+              <a:prstClr val="black">
+                <a:alpha val="40000"/>
+              </a:prstClr>
+            </a:outerShdw>
+          </a:effectLst>
+        </p:spPr>
+      </p:pic>
+      <p:pic>
+        <p:nvPicPr>
+          <p:cNvPr id="7" name="Picture 6">
+            <a:extLst>
+              <a:ext uri="{FF2B5EF4-FFF2-40B4-BE49-F238E27FC236}">
+                <a16:creationId xmlns:a16="http://schemas.microsoft.com/office/drawing/2014/main" id="{9E7D3A10-885E-4555-A8EB-85F51F078300}"/>
+              </a:ext>
+            </a:extLst>
+          </p:cNvPr>
+          <p:cNvPicPr>
+            <a:picLocks noChangeAspect="1"/>
+          </p:cNvPicPr>
+          <p:nvPr/>
+        </p:nvPicPr>
+        <p:blipFill>
+          <a:blip r:embed="rId5"/>
+          <a:stretch>
+            <a:fillRect/>
+          </a:stretch>
+        </p:blipFill>
+        <p:spPr>
+          <a:xfrm>
+            <a:off x="6184787" y="3066415"/>
+            <a:ext cx="2755900" cy="635000"/>
+          </a:xfrm>
+          <a:prstGeom prst="rect">
+            <a:avLst/>
+          </a:prstGeom>
+          <a:effectLst>
+            <a:outerShdw blurRad="50800" dist="38100" dir="2700000" algn="tl" rotWithShape="0">
+              <a:prstClr val="black">
+                <a:alpha val="40000"/>
+              </a:prstClr>
+            </a:outerShdw>
+          </a:effectLst>
+        </p:spPr>
+      </p:pic>
+      <p:pic>
+        <p:nvPicPr>
+          <p:cNvPr id="11" name="Picture 10">
+            <a:extLst>
+              <a:ext uri="{FF2B5EF4-FFF2-40B4-BE49-F238E27FC236}">
+                <a16:creationId xmlns:a16="http://schemas.microsoft.com/office/drawing/2014/main" id="{7F15C6DC-63DA-408A-978F-237989161F42}"/>
+              </a:ext>
+            </a:extLst>
+          </p:cNvPr>
+          <p:cNvPicPr>
+            <a:picLocks noChangeAspect="1"/>
+          </p:cNvPicPr>
+          <p:nvPr/>
+        </p:nvPicPr>
+        <p:blipFill>
+          <a:blip r:embed="rId6"/>
+          <a:stretch>
+            <a:fillRect/>
+          </a:stretch>
+        </p:blipFill>
+        <p:spPr>
+          <a:xfrm>
+            <a:off x="7135894" y="3644924"/>
+            <a:ext cx="2451100" cy="635000"/>
+          </a:xfrm>
+          <a:prstGeom prst="rect">
+            <a:avLst/>
+          </a:prstGeom>
+          <a:effectLst>
+            <a:outerShdw blurRad="50800" dist="38100" dir="2700000" algn="tl" rotWithShape="0">
+              <a:prstClr val="black">
+                <a:alpha val="40000"/>
+              </a:prstClr>
+            </a:outerShdw>
+          </a:effectLst>
+        </p:spPr>
+      </p:pic>
+      <p:pic>
+        <p:nvPicPr>
+          <p:cNvPr id="15" name="Picture 14">
+            <a:extLst>
+              <a:ext uri="{FF2B5EF4-FFF2-40B4-BE49-F238E27FC236}">
+                <a16:creationId xmlns:a16="http://schemas.microsoft.com/office/drawing/2014/main" id="{DC963BF3-EA52-4DF2-B0BF-8AC021FFE85A}"/>
+              </a:ext>
+            </a:extLst>
+          </p:cNvPr>
+          <p:cNvPicPr>
+            <a:picLocks noChangeAspect="1"/>
+          </p:cNvPicPr>
+          <p:nvPr/>
+        </p:nvPicPr>
+        <p:blipFill>
+          <a:blip r:embed="rId7"/>
+          <a:stretch>
+            <a:fillRect/>
+          </a:stretch>
+        </p:blipFill>
+        <p:spPr>
+          <a:xfrm>
+            <a:off x="5385341" y="3644924"/>
+            <a:ext cx="1790700" cy="635000"/>
+          </a:xfrm>
+          <a:prstGeom prst="rect">
+            <a:avLst/>
+          </a:prstGeom>
+          <a:effectLst>
+            <a:outerShdw blurRad="50800" dist="38100" dir="2700000" algn="tl" rotWithShape="0">
+              <a:prstClr val="black">
+                <a:alpha val="40000"/>
+              </a:prstClr>
+            </a:outerShdw>
+          </a:effectLst>
         </p:spPr>
       </p:pic>
     </p:spTree>
     <p:extLst>
       <p:ext uri="{BB962C8B-B14F-4D97-AF65-F5344CB8AC3E}">
-        <p14:creationId xmlns:p14="http://schemas.microsoft.com/office/powerpoint/2010/main" val="3226425761"/>
+        <p14:creationId xmlns:p14="http://schemas.microsoft.com/office/powerpoint/2010/main" val="3602552699"/>
       </p:ext>
     </p:extLst>
   </p:cSld>
@@ -10127,79 +8769,12 @@
           <a:chExt cx="0" cy="0"/>
         </a:xfrm>
       </p:grpSpPr>
-      <p:sp>
-        <p:nvSpPr>
-          <p:cNvPr id="3" name="TextBox 2">
-            <a:extLst>
-              <a:ext uri="{FF2B5EF4-FFF2-40B4-BE49-F238E27FC236}">
-                <a16:creationId xmlns:a16="http://schemas.microsoft.com/office/drawing/2014/main" id="{8DEBDC12-60E8-4CF3-A3D0-2075FBA26C8C}"/>
-              </a:ext>
-            </a:extLst>
-          </p:cNvPr>
-          <p:cNvSpPr txBox="1"/>
-          <p:nvPr/>
-        </p:nvSpPr>
-        <p:spPr>
-          <a:xfrm>
-            <a:off x="0" y="6550223"/>
-            <a:ext cx="12192000" cy="307777"/>
-          </a:xfrm>
-          <a:prstGeom prst="rect">
-            <a:avLst/>
-          </a:prstGeom>
-          <a:noFill/>
-        </p:spPr>
-        <p:txBody>
-          <a:bodyPr wrap="square" rtlCol="0">
-            <a:spAutoFit/>
-          </a:bodyPr>
-          <a:lstStyle/>
-          <a:p>
-            <a:r>
-              <a:rPr lang="en-US" sz="1400" dirty="0">
-                <a:solidFill>
-                  <a:schemeClr val="tx1">
-                    <a:lumMod val="65000"/>
-                    <a:lumOff val="35000"/>
-                  </a:schemeClr>
-                </a:solidFill>
-                <a:latin typeface="+mj-lt"/>
-                <a:ea typeface="Verdana" panose="020B0604030504040204" pitchFamily="34" charset="0"/>
-              </a:rPr>
-              <a:t>Source: Doshi, K. (2020). </a:t>
-            </a:r>
-            <a:r>
-              <a:rPr lang="en-US" sz="1400" i="1" dirty="0">
-                <a:solidFill>
-                  <a:schemeClr val="tx1">
-                    <a:lumMod val="65000"/>
-                    <a:lumOff val="35000"/>
-                  </a:schemeClr>
-                </a:solidFill>
-                <a:latin typeface="+mj-lt"/>
-                <a:ea typeface="Verdana" panose="020B0604030504040204" pitchFamily="34" charset="0"/>
-              </a:rPr>
-              <a:t>https://towardsdatascience.com/transformers-explained-visually-part-1-overview-of-functionality-95a6dd460452</a:t>
-            </a:r>
-            <a:endParaRPr lang="en-US" sz="1400" dirty="0">
-              <a:solidFill>
-                <a:schemeClr val="tx1">
-                  <a:lumMod val="65000"/>
-                  <a:lumOff val="35000"/>
-                </a:schemeClr>
-              </a:solidFill>
-              <a:latin typeface="+mj-lt"/>
-              <a:ea typeface="Verdana" panose="020B0604030504040204" pitchFamily="34" charset="0"/>
-            </a:endParaRPr>
-          </a:p>
-        </p:txBody>
-      </p:sp>
       <p:pic>
         <p:nvPicPr>
-          <p:cNvPr id="8194" name="Picture 2">
-            <a:extLst>
-              <a:ext uri="{FF2B5EF4-FFF2-40B4-BE49-F238E27FC236}">
-                <a16:creationId xmlns:a16="http://schemas.microsoft.com/office/drawing/2014/main" id="{81BF6FCB-D6D1-407E-AC89-25649CD75FF1}"/>
+          <p:cNvPr id="4098" name="Picture 2" descr="F20018">
+            <a:extLst>
+              <a:ext uri="{FF2B5EF4-FFF2-40B4-BE49-F238E27FC236}">
+                <a16:creationId xmlns:a16="http://schemas.microsoft.com/office/drawing/2014/main" id="{9D5C494A-0CBE-4B64-9D77-71FFFC718D89}"/>
               </a:ext>
             </a:extLst>
           </p:cNvPr>
@@ -10210,16 +8785,6 @@
         </p:nvPicPr>
         <p:blipFill>
           <a:blip r:embed="rId3">
-            <a:clrChange>
-              <a:clrFrom>
-                <a:srgbClr val="FFFFFF"/>
-              </a:clrFrom>
-              <a:clrTo>
-                <a:srgbClr val="FFFFFF">
-                  <a:alpha val="0"/>
-                </a:srgbClr>
-              </a:clrTo>
-            </a:clrChange>
             <a:extLst>
               <a:ext uri="{28A0092B-C50C-407E-A947-70E740481C1C}">
                 <a14:useLocalDpi xmlns:a14="http://schemas.microsoft.com/office/drawing/2010/main" val="0"/>
@@ -10233,8 +8798,8 @@
         </p:blipFill>
         <p:spPr bwMode="auto">
           <a:xfrm>
-            <a:off x="3619500" y="523875"/>
-            <a:ext cx="4953000" cy="5810250"/>
+            <a:off x="2651828" y="2877302"/>
+            <a:ext cx="6888344" cy="1103396"/>
           </a:xfrm>
           <a:prstGeom prst="rect">
             <a:avLst/>
@@ -10251,10 +8816,168 @@
           </a:extLst>
         </p:spPr>
       </p:pic>
+      <p:sp>
+        <p:nvSpPr>
+          <p:cNvPr id="3" name="TextBox 2">
+            <a:extLst>
+              <a:ext uri="{FF2B5EF4-FFF2-40B4-BE49-F238E27FC236}">
+                <a16:creationId xmlns:a16="http://schemas.microsoft.com/office/drawing/2014/main" id="{8B50B82C-A1EF-42B8-9CB8-B057F2C81533}"/>
+              </a:ext>
+            </a:extLst>
+          </p:cNvPr>
+          <p:cNvSpPr txBox="1"/>
+          <p:nvPr/>
+        </p:nvSpPr>
+        <p:spPr>
+          <a:xfrm>
+            <a:off x="0" y="6550223"/>
+            <a:ext cx="12192000" cy="307777"/>
+          </a:xfrm>
+          <a:prstGeom prst="rect">
+            <a:avLst/>
+          </a:prstGeom>
+          <a:noFill/>
+        </p:spPr>
+        <p:txBody>
+          <a:bodyPr wrap="square" rtlCol="0">
+            <a:spAutoFit/>
+          </a:bodyPr>
+          <a:lstStyle/>
+          <a:p>
+            <a:r>
+              <a:rPr lang="en-US" sz="1400" dirty="0">
+                <a:solidFill>
+                  <a:schemeClr val="tx1">
+                    <a:lumMod val="65000"/>
+                    <a:lumOff val="35000"/>
+                  </a:schemeClr>
+                </a:solidFill>
+                <a:latin typeface="+mj-lt"/>
+                <a:ea typeface="Verdana" panose="020B0604030504040204" pitchFamily="34" charset="0"/>
+              </a:rPr>
+              <a:t>Source: Glassner, A. (2021). </a:t>
+            </a:r>
+            <a:r>
+              <a:rPr lang="en-US" sz="1400" i="1" dirty="0">
+                <a:solidFill>
+                  <a:schemeClr val="tx1">
+                    <a:lumMod val="65000"/>
+                    <a:lumOff val="35000"/>
+                  </a:schemeClr>
+                </a:solidFill>
+                <a:latin typeface="+mj-lt"/>
+                <a:ea typeface="Verdana" panose="020B0604030504040204" pitchFamily="34" charset="0"/>
+              </a:rPr>
+              <a:t>Deep learning: A visual approach</a:t>
+            </a:r>
+            <a:r>
+              <a:rPr lang="en-US" sz="1400" dirty="0">
+                <a:solidFill>
+                  <a:schemeClr val="tx1">
+                    <a:lumMod val="65000"/>
+                    <a:lumOff val="35000"/>
+                  </a:schemeClr>
+                </a:solidFill>
+                <a:latin typeface="+mj-lt"/>
+                <a:ea typeface="Verdana" panose="020B0604030504040204" pitchFamily="34" charset="0"/>
+              </a:rPr>
+              <a:t>. </a:t>
+            </a:r>
+            <a:r>
+              <a:rPr lang="en-US" sz="1400" b="0" i="0" dirty="0">
+                <a:solidFill>
+                  <a:schemeClr val="tx1">
+                    <a:lumMod val="65000"/>
+                    <a:lumOff val="35000"/>
+                  </a:schemeClr>
+                </a:solidFill>
+                <a:effectLst/>
+                <a:latin typeface="+mj-lt"/>
+                <a:ea typeface="Verdana" panose="020B0604030504040204" pitchFamily="34" charset="0"/>
+              </a:rPr>
+              <a:t>San Francisco, CA: No Starch Press. (Chapter </a:t>
+            </a:r>
+            <a:r>
+              <a:rPr lang="en-US" sz="1400" dirty="0">
+                <a:solidFill>
+                  <a:schemeClr val="tx1">
+                    <a:lumMod val="65000"/>
+                    <a:lumOff val="35000"/>
+                  </a:schemeClr>
+                </a:solidFill>
+                <a:latin typeface="+mj-lt"/>
+                <a:ea typeface="Verdana" panose="020B0604030504040204" pitchFamily="34" charset="0"/>
+              </a:rPr>
+              <a:t>20</a:t>
+            </a:r>
+            <a:r>
+              <a:rPr lang="en-US" sz="1400" b="0" i="0" dirty="0">
+                <a:solidFill>
+                  <a:schemeClr val="tx1">
+                    <a:lumMod val="65000"/>
+                    <a:lumOff val="35000"/>
+                  </a:schemeClr>
+                </a:solidFill>
+                <a:effectLst/>
+                <a:latin typeface="+mj-lt"/>
+                <a:ea typeface="Verdana" panose="020B0604030504040204" pitchFamily="34" charset="0"/>
+              </a:rPr>
+              <a:t>)</a:t>
+            </a:r>
+            <a:endParaRPr lang="en-US" sz="1400" dirty="0">
+              <a:solidFill>
+                <a:schemeClr val="tx1">
+                  <a:lumMod val="65000"/>
+                  <a:lumOff val="35000"/>
+                </a:schemeClr>
+              </a:solidFill>
+              <a:latin typeface="+mj-lt"/>
+              <a:ea typeface="Verdana" panose="020B0604030504040204" pitchFamily="34" charset="0"/>
+            </a:endParaRPr>
+          </a:p>
+        </p:txBody>
+      </p:sp>
+      <p:pic>
+        <p:nvPicPr>
+          <p:cNvPr id="7" name="Picture 6">
+            <a:extLst>
+              <a:ext uri="{FF2B5EF4-FFF2-40B4-BE49-F238E27FC236}">
+                <a16:creationId xmlns:a16="http://schemas.microsoft.com/office/drawing/2014/main" id="{41EFA874-9B25-4772-88F0-BDE024D1DF70}"/>
+              </a:ext>
+            </a:extLst>
+          </p:cNvPr>
+          <p:cNvPicPr>
+            <a:picLocks noChangeAspect="1"/>
+          </p:cNvPicPr>
+          <p:nvPr/>
+        </p:nvPicPr>
+        <p:blipFill>
+          <a:blip r:embed="rId4"/>
+          <a:stretch>
+            <a:fillRect/>
+          </a:stretch>
+        </p:blipFill>
+        <p:spPr>
+          <a:xfrm>
+            <a:off x="-13855" y="18288"/>
+            <a:ext cx="2260600" cy="635000"/>
+          </a:xfrm>
+          <a:prstGeom prst="rect">
+            <a:avLst/>
+          </a:prstGeom>
+          <a:effectLst>
+            <a:outerShdw blurRad="50800" dist="38100" dir="2700000" algn="tl" rotWithShape="0">
+              <a:prstClr val="black">
+                <a:alpha val="40000"/>
+              </a:prstClr>
+            </a:outerShdw>
+          </a:effectLst>
+        </p:spPr>
+      </p:pic>
     </p:spTree>
     <p:extLst>
       <p:ext uri="{BB962C8B-B14F-4D97-AF65-F5344CB8AC3E}">
-        <p14:creationId xmlns:p14="http://schemas.microsoft.com/office/powerpoint/2010/main" val="4175513480"/>
+        <p14:creationId xmlns:p14="http://schemas.microsoft.com/office/powerpoint/2010/main" val="1565508497"/>
       </p:ext>
     </p:extLst>
   </p:cSld>

--- a/presentations/01_transformers_intro.pptx
+++ b/presentations/01_transformers_intro.pptx
@@ -5,7 +5,7 @@
     <p:sldMasterId id="2147483648" r:id="rId1"/>
   </p:sldMasterIdLst>
   <p:notesMasterIdLst>
-    <p:notesMasterId r:id="rId19"/>
+    <p:notesMasterId r:id="rId20"/>
   </p:notesMasterIdLst>
   <p:sldIdLst>
     <p:sldId id="326" r:id="rId2"/>
@@ -14,17 +14,18 @@
     <p:sldId id="346" r:id="rId5"/>
     <p:sldId id="347" r:id="rId6"/>
     <p:sldId id="333" r:id="rId7"/>
-    <p:sldId id="279" r:id="rId8"/>
-    <p:sldId id="336" r:id="rId9"/>
-    <p:sldId id="330" r:id="rId10"/>
-    <p:sldId id="327" r:id="rId11"/>
-    <p:sldId id="329" r:id="rId12"/>
-    <p:sldId id="334" r:id="rId13"/>
-    <p:sldId id="343" r:id="rId14"/>
-    <p:sldId id="344" r:id="rId15"/>
-    <p:sldId id="341" r:id="rId16"/>
-    <p:sldId id="331" r:id="rId17"/>
-    <p:sldId id="332" r:id="rId18"/>
+    <p:sldId id="348" r:id="rId8"/>
+    <p:sldId id="279" r:id="rId9"/>
+    <p:sldId id="336" r:id="rId10"/>
+    <p:sldId id="330" r:id="rId11"/>
+    <p:sldId id="327" r:id="rId12"/>
+    <p:sldId id="329" r:id="rId13"/>
+    <p:sldId id="334" r:id="rId14"/>
+    <p:sldId id="343" r:id="rId15"/>
+    <p:sldId id="344" r:id="rId16"/>
+    <p:sldId id="341" r:id="rId17"/>
+    <p:sldId id="331" r:id="rId18"/>
+    <p:sldId id="332" r:id="rId19"/>
   </p:sldIdLst>
   <p:sldSz cx="12192000" cy="6858000"/>
   <p:notesSz cx="6858000" cy="9144000"/>
@@ -224,7 +225,7 @@
           <a:p>
             <a:fld id="{FD93C9B2-20F6-4DB1-B471-224337D0AC79}" type="datetimeFigureOut">
               <a:rPr lang="en-US" smtClean="0"/>
-              <a:t>7/6/2022</a:t>
+              <a:t>7/8/2022</a:t>
             </a:fld>
             <a:endParaRPr lang="en-US"/>
           </a:p>
@@ -648,44 +649,11 @@
             <a:pPr algn="l"/>
             <a:r>
               <a:rPr lang="en-US" b="1" dirty="0"/>
-              <a:t>Positional encoding </a:t>
+              <a:t>Layer norm </a:t>
             </a:r>
             <a:r>
               <a:rPr lang="en-US" dirty="0"/>
-              <a:t>– was designed to solve a problem that comes up as soon as we take RNNs out of our system: we lose track of where each word is in the input sentence. This important information is inherent in the RNN structure, because the words come in one at a time, allowing the hidden state inside a recurrent cell to remember the order in which the words arrived.</a:t>
-            </a:r>
-          </a:p>
-          <a:p>
-            <a:pPr algn="l"/>
-            <a:endParaRPr lang="en-US" dirty="0"/>
-          </a:p>
-          <a:p>
-            <a:pPr algn="l"/>
-            <a:r>
-              <a:rPr lang="en-US" dirty="0"/>
-              <a:t>But as we’ve seen, attention mixes together the representations of multiple words. How can later stages know where each word belongs in the sentence?</a:t>
-            </a:r>
-          </a:p>
-          <a:p>
-            <a:pPr algn="l"/>
-            <a:endParaRPr lang="en-US" dirty="0"/>
-          </a:p>
-          <a:p>
-            <a:pPr algn="l"/>
-            <a:r>
-              <a:rPr lang="en-US" dirty="0"/>
-              <a:t>The answer is to insert each word’s position, or index, into the representation for the word itself. That way, as the word’s representations get processed, the position information naturally comes along for the ride. The generic name for this process is positional encoding.  I will not cover the technical details of positional encoding in this mini-lecture.</a:t>
-            </a:r>
-          </a:p>
-          <a:p>
-            <a:pPr algn="l"/>
-            <a:endParaRPr lang="en-US" dirty="0"/>
-          </a:p>
-          <a:p>
-            <a:pPr algn="l"/>
-            <a:r>
-              <a:rPr lang="en-US" dirty="0"/>
-              <a:t>Alright, that wraps up this mini-lecture of transformer building blocks.  </a:t>
+              <a:t>is our first building block.  In transformers, we usually apply a regularization step called layer normalization, or layer norm, to the outputs of a layer, as shown here on the left. Layer norm belongs to the class of regularization techniques, such as dropout and batchnorm, which help control overfitting by keeping the values flowing through the network from getting too big or too small. (Vanishing / exploding gradients)  The layer norm step learns to adjust the values coming out of a layer so that they approximate the shape of a Gaussian bump with a mean of 0 and standard deviation of 1.</a:t>
             </a:r>
           </a:p>
         </p:txBody>
@@ -716,7 +684,7 @@
     </p:spTree>
     <p:extLst>
       <p:ext uri="{BB962C8B-B14F-4D97-AF65-F5344CB8AC3E}">
-        <p14:creationId xmlns:p14="http://schemas.microsoft.com/office/powerpoint/2010/main" val="50257330"/>
+        <p14:creationId xmlns:p14="http://schemas.microsoft.com/office/powerpoint/2010/main" val="3456021193"/>
       </p:ext>
     </p:extLst>
   </p:cSld>
@@ -772,16 +740,12 @@
           <a:p>
             <a:pPr algn="l"/>
             <a:r>
+              <a:rPr lang="en-US" b="1" dirty="0"/>
+              <a:t>Positional encoding </a:t>
+            </a:r>
+            <a:r>
               <a:rPr lang="en-US" dirty="0"/>
-              <a:t>And finally, our third transformer building block is the </a:t>
-            </a:r>
-            <a:r>
-              <a:rPr lang="en-US" b="1" dirty="0"/>
-              <a:t>skip connection</a:t>
-            </a:r>
-            <a:r>
-              <a:rPr lang="en-US" dirty="0"/>
-              <a:t>, also known as a residual connection. The inspiration for this innovation lies in our desire to reduce the amount of work that’s required of a deep network layer.</a:t>
+              <a:t>– was designed to solve a problem that comes up as soon as we take RNNs out of our system: we lose track of where each word is in the input sentence. This important information is inherent in the RNN structure, because the words come in one at a time, allowing the hidden state inside a recurrent cell to remember the order in which the words arrived.</a:t>
             </a:r>
           </a:p>
           <a:p>
@@ -792,7 +756,7 @@
             <a:pPr algn="l"/>
             <a:r>
               <a:rPr lang="en-US" dirty="0"/>
-              <a:t>Let’s start with an analogy. Suppose you’re painting a real, physical portrait using acrylic paints on canvas. After weeks of sittings, the portrait is done, and you send it to your subject for their approval. They say that they like it, but they regret having worn a particular ring on one finger, and wish they’d worn a different one that they like more. Can you change that?</a:t>
+              <a:t>But as we’ve seen, attention mixes together the representations of multiple words. How can later stages know where each word belongs in the sentence?</a:t>
             </a:r>
           </a:p>
           <a:p>
@@ -803,7 +767,7 @@
             <a:pPr algn="l"/>
             <a:r>
               <a:rPr lang="en-US" dirty="0"/>
-              <a:t>One way to proceed would be to invite your subject back to the studio and paint a whole new portrait from scratch on a blank canvas, only this time with the new ring on their finger. That would require a lot of time and effort.  A faster way would be to take the portrait you have, and just paint the new ring over the old one.</a:t>
+              <a:t>The answer is to insert each word’s position, or index, into the representation for the word itself. That way, as the word’s representations get processed, the position information naturally comes along for the ride. The generic name for this process is positional encoding.  I will not cover the technical details of positional encoding in this mini-lecture.</a:t>
             </a:r>
           </a:p>
           <a:p>
@@ -814,26 +778,7 @@
             <a:pPr algn="l"/>
             <a:r>
               <a:rPr lang="en-US" dirty="0"/>
-              <a:t>Now consider a layer in a deep network. A tensor comes in, and the layer does some processing to change that tensor. If the layer only needs to change the input by small amounts, or only in some places, then it would be wasteful to expend resources processing the parts of the tensor that don’t need to change. Just as with the painting, it would be much more efficient for the layer to compute only the changes it wants to make. Then it can combine those changes with the original input to produce its output.</a:t>
-            </a:r>
-          </a:p>
-          <a:p>
-            <a:pPr algn="l"/>
-            <a:endParaRPr lang="en-US" dirty="0"/>
-          </a:p>
-          <a:p>
-            <a:pPr algn="l"/>
-            <a:r>
-              <a:rPr lang="en-US" dirty="0"/>
-              <a:t>The red line in the drawing which carries the input directly to the addition node is called a </a:t>
-            </a:r>
-            <a:r>
-              <a:rPr lang="en-US" b="1" dirty="0"/>
-              <a:t>skip connection</a:t>
-            </a:r>
-            <a:r>
-              <a:rPr lang="en-US" dirty="0"/>
-              <a:t>, or a residual connection.  We can also place a skip connection around multiple layers in sequence, if we like, as shown here on the right.</a:t>
+              <a:t>Alright, that wraps up this mini-lecture of transformer building blocks.  </a:t>
             </a:r>
           </a:p>
         </p:txBody>
@@ -864,7 +809,7 @@
     </p:spTree>
     <p:extLst>
       <p:ext uri="{BB962C8B-B14F-4D97-AF65-F5344CB8AC3E}">
-        <p14:creationId xmlns:p14="http://schemas.microsoft.com/office/powerpoint/2010/main" val="3507246277"/>
+        <p14:creationId xmlns:p14="http://schemas.microsoft.com/office/powerpoint/2010/main" val="50257330"/>
       </p:ext>
     </p:extLst>
   </p:cSld>
@@ -920,25 +865,69 @@
           <a:p>
             <a:pPr algn="l"/>
             <a:r>
-              <a:rPr lang="en-US" b="0" i="0" dirty="0">
-                <a:solidFill>
-                  <a:srgbClr val="292929"/>
-                </a:solidFill>
-                <a:effectLst/>
-                <a:latin typeface="+mn-lt"/>
-              </a:rPr>
-              <a:t>An encoder may feature multiple transformer building blocks.  Here we see an encoder comprised of a self-attention layer as well as a couple of layer norm layers.  Additionally, residual skip connections allow this encoder to bypass the self-attention and feed forward layers as needed.  We will discuss these unique transformer building blocks in just a moment…</a:t>
+              <a:rPr lang="en-US" dirty="0"/>
+              <a:t>And finally, our third transformer building block is the </a:t>
+            </a:r>
+            <a:r>
+              <a:rPr lang="en-US" b="1" dirty="0"/>
+              <a:t>skip connection</a:t>
+            </a:r>
+            <a:r>
+              <a:rPr lang="en-US" dirty="0"/>
+              <a:t>, also known as a residual connection. The inspiration for this innovation lies in our desire to reduce the amount of work that’s required of a deep network layer.</a:t>
             </a:r>
           </a:p>
           <a:p>
             <a:pPr algn="l"/>
-            <a:endParaRPr lang="en-US" b="0" i="0" dirty="0">
-              <a:solidFill>
-                <a:srgbClr val="292929"/>
-              </a:solidFill>
-              <a:effectLst/>
-              <a:latin typeface="+mn-lt"/>
-            </a:endParaRPr>
+            <a:endParaRPr lang="en-US" dirty="0"/>
+          </a:p>
+          <a:p>
+            <a:pPr algn="l"/>
+            <a:r>
+              <a:rPr lang="en-US" dirty="0"/>
+              <a:t>Let’s start with an analogy. Suppose you’re painting a real, physical portrait using acrylic paints on canvas. After weeks of sittings, the portrait is done, and you send it to your subject for their approval. They say that they like it, but they regret having worn a particular ring on one finger, and wish they’d worn a different one that they like more. Can you change that?</a:t>
+            </a:r>
+          </a:p>
+          <a:p>
+            <a:pPr algn="l"/>
+            <a:endParaRPr lang="en-US" dirty="0"/>
+          </a:p>
+          <a:p>
+            <a:pPr algn="l"/>
+            <a:r>
+              <a:rPr lang="en-US" dirty="0"/>
+              <a:t>One way to proceed would be to invite your subject back to the studio and paint a whole new portrait from scratch on a blank canvas, only this time with the new ring on their finger. That would require a lot of time and effort.  A faster way would be to take the portrait you have, and just paint the new ring over the old one.</a:t>
+            </a:r>
+          </a:p>
+          <a:p>
+            <a:pPr algn="l"/>
+            <a:endParaRPr lang="en-US" dirty="0"/>
+          </a:p>
+          <a:p>
+            <a:pPr algn="l"/>
+            <a:r>
+              <a:rPr lang="en-US" dirty="0"/>
+              <a:t>Now consider a layer in a deep network. A tensor comes in, and the layer does some processing to change that tensor. If the layer only needs to change the input by small amounts, or only in some places, then it would be wasteful to expend resources processing the parts of the tensor that don’t need to change. Just as with the painting, it would be much more efficient for the layer to compute only the changes it wants to make. Then it can combine those changes with the original input to produce its output.</a:t>
+            </a:r>
+          </a:p>
+          <a:p>
+            <a:pPr algn="l"/>
+            <a:endParaRPr lang="en-US" dirty="0"/>
+          </a:p>
+          <a:p>
+            <a:pPr algn="l"/>
+            <a:r>
+              <a:rPr lang="en-US" dirty="0"/>
+              <a:t>The red line in the drawing which carries the input directly to the addition node is called a </a:t>
+            </a:r>
+            <a:r>
+              <a:rPr lang="en-US" b="1" dirty="0"/>
+              <a:t>skip connection</a:t>
+            </a:r>
+            <a:r>
+              <a:rPr lang="en-US" dirty="0"/>
+              <a:t>, or a residual connection.  We can also place a skip connection around multiple layers in sequence, if we like, as shown here on the right.</a:t>
+            </a:r>
           </a:p>
         </p:txBody>
       </p:sp>
@@ -968,7 +957,7 @@
     </p:spTree>
     <p:extLst>
       <p:ext uri="{BB962C8B-B14F-4D97-AF65-F5344CB8AC3E}">
-        <p14:creationId xmlns:p14="http://schemas.microsoft.com/office/powerpoint/2010/main" val="3560973607"/>
+        <p14:creationId xmlns:p14="http://schemas.microsoft.com/office/powerpoint/2010/main" val="3507246277"/>
       </p:ext>
     </p:extLst>
   </p:cSld>
@@ -1022,24 +1011,27 @@
           <a:bodyPr/>
           <a:lstStyle/>
           <a:p>
-            <a:pPr marL="0" marR="0" lvl="0" indent="0" algn="l" defTabSz="914400" rtl="0" eaLnBrk="1" fontAlgn="auto" latinLnBrk="0" hangingPunct="1">
-              <a:lnSpc>
-                <a:spcPct val="100000"/>
-              </a:lnSpc>
-              <a:spcBef>
-                <a:spcPts val="0"/>
-              </a:spcBef>
-              <a:spcAft>
-                <a:spcPts val="0"/>
-              </a:spcAft>
-              <a:buClrTx/>
-              <a:buSzTx/>
-              <a:buFontTx/>
-              <a:buNone/>
-              <a:tabLst/>
-              <a:defRPr/>
-            </a:pPr>
-            <a:endParaRPr lang="en-US" dirty="0"/>
+            <a:pPr algn="l"/>
+            <a:r>
+              <a:rPr lang="en-US" b="0" i="0" dirty="0">
+                <a:solidFill>
+                  <a:srgbClr val="292929"/>
+                </a:solidFill>
+                <a:effectLst/>
+                <a:latin typeface="+mn-lt"/>
+              </a:rPr>
+              <a:t>An encoder may feature multiple transformer building blocks.  Here we see an encoder comprised of a self-attention layer as well as a couple of layer norm layers.  Additionally, residual skip connections allow this encoder to bypass the self-attention and feed forward layers as needed.  We will discuss these unique transformer building blocks in just a moment…</a:t>
+            </a:r>
+          </a:p>
+          <a:p>
+            <a:pPr algn="l"/>
+            <a:endParaRPr lang="en-US" b="0" i="0" dirty="0">
+              <a:solidFill>
+                <a:srgbClr val="292929"/>
+              </a:solidFill>
+              <a:effectLst/>
+              <a:latin typeface="+mn-lt"/>
+            </a:endParaRPr>
           </a:p>
         </p:txBody>
       </p:sp>
@@ -1069,7 +1061,7 @@
     </p:spTree>
     <p:extLst>
       <p:ext uri="{BB962C8B-B14F-4D97-AF65-F5344CB8AC3E}">
-        <p14:creationId xmlns:p14="http://schemas.microsoft.com/office/powerpoint/2010/main" val="393175974"/>
+        <p14:creationId xmlns:p14="http://schemas.microsoft.com/office/powerpoint/2010/main" val="3560973607"/>
       </p:ext>
     </p:extLst>
   </p:cSld>
@@ -1170,7 +1162,7 @@
     </p:spTree>
     <p:extLst>
       <p:ext uri="{BB962C8B-B14F-4D97-AF65-F5344CB8AC3E}">
-        <p14:creationId xmlns:p14="http://schemas.microsoft.com/office/powerpoint/2010/main" val="4095264016"/>
+        <p14:creationId xmlns:p14="http://schemas.microsoft.com/office/powerpoint/2010/main" val="393175974"/>
       </p:ext>
     </p:extLst>
   </p:cSld>
@@ -1271,7 +1263,7 @@
     </p:spTree>
     <p:extLst>
       <p:ext uri="{BB962C8B-B14F-4D97-AF65-F5344CB8AC3E}">
-        <p14:creationId xmlns:p14="http://schemas.microsoft.com/office/powerpoint/2010/main" val="3333302820"/>
+        <p14:creationId xmlns:p14="http://schemas.microsoft.com/office/powerpoint/2010/main" val="4095264016"/>
       </p:ext>
     </p:extLst>
   </p:cSld>
@@ -1325,63 +1317,24 @@
           <a:bodyPr/>
           <a:lstStyle/>
           <a:p>
-            <a:pPr algn="l"/>
-            <a:r>
-              <a:rPr lang="en-US" b="0" i="0" dirty="0">
-                <a:solidFill>
-                  <a:srgbClr val="292929"/>
-                </a:solidFill>
-                <a:effectLst/>
-                <a:latin typeface="+mn-lt"/>
-              </a:rPr>
-              <a:t>We begin with a simple image…  first off, the Transformer architecture excels at handling text data which is inherently sequential.  It takes a text sequence as input and produces another text sequence as output;  for example, to translate an input English sentence to Spanish.</a:t>
-            </a:r>
-          </a:p>
-          <a:p>
-            <a:pPr algn="l"/>
-            <a:endParaRPr lang="en-US" b="0" i="0" dirty="0">
-              <a:solidFill>
-                <a:srgbClr val="292929"/>
-              </a:solidFill>
-              <a:effectLst/>
-              <a:latin typeface="+mn-lt"/>
-            </a:endParaRPr>
-          </a:p>
-          <a:p>
-            <a:pPr algn="l"/>
-            <a:r>
-              <a:rPr lang="en-US" b="0" i="0" dirty="0">
-                <a:solidFill>
-                  <a:srgbClr val="292929"/>
-                </a:solidFill>
-                <a:effectLst/>
-                <a:latin typeface="charter"/>
-              </a:rPr>
-              <a:t>As opposed to directional models, which read the text input sequentially (left-to-right or right-to-left), the Transformer encoder reads the entire sequence of words at once. Therefore, it is considered bidirectional, though it would be more accurate to say that it’s non-directional. This characteristic allows the model to learn the context of a word based on </a:t>
-            </a:r>
-            <a:r>
-              <a:rPr lang="en-US" b="1" i="0" dirty="0">
-                <a:solidFill>
-                  <a:srgbClr val="292929"/>
-                </a:solidFill>
-                <a:effectLst/>
-                <a:latin typeface="charter"/>
-              </a:rPr>
-              <a:t>all</a:t>
-            </a:r>
-            <a:r>
-              <a:rPr lang="en-US" b="0" i="0" dirty="0">
-                <a:solidFill>
-                  <a:srgbClr val="292929"/>
-                </a:solidFill>
-                <a:effectLst/>
-                <a:latin typeface="charter"/>
-              </a:rPr>
-              <a:t> of its surroundings (left and right of the word).</a:t>
-            </a:r>
-            <a:endParaRPr lang="en-US" dirty="0">
-              <a:latin typeface="+mn-lt"/>
-            </a:endParaRPr>
+            <a:pPr marL="0" marR="0" lvl="0" indent="0" algn="l" defTabSz="914400" rtl="0" eaLnBrk="1" fontAlgn="auto" latinLnBrk="0" hangingPunct="1">
+              <a:lnSpc>
+                <a:spcPct val="100000"/>
+              </a:lnSpc>
+              <a:spcBef>
+                <a:spcPts val="0"/>
+              </a:spcBef>
+              <a:spcAft>
+                <a:spcPts val="0"/>
+              </a:spcAft>
+              <a:buClrTx/>
+              <a:buSzTx/>
+              <a:buFontTx/>
+              <a:buNone/>
+              <a:tabLst/>
+              <a:defRPr/>
+            </a:pPr>
+            <a:endParaRPr lang="en-US" dirty="0"/>
           </a:p>
         </p:txBody>
       </p:sp>
@@ -1411,7 +1364,7 @@
     </p:spTree>
     <p:extLst>
       <p:ext uri="{BB962C8B-B14F-4D97-AF65-F5344CB8AC3E}">
-        <p14:creationId xmlns:p14="http://schemas.microsoft.com/office/powerpoint/2010/main" val="321616863"/>
+        <p14:creationId xmlns:p14="http://schemas.microsoft.com/office/powerpoint/2010/main" val="3333302820"/>
       </p:ext>
     </p:extLst>
   </p:cSld>
@@ -1474,7 +1427,7 @@
                 <a:effectLst/>
                 <a:latin typeface="+mn-lt"/>
               </a:rPr>
-              <a:t>At its core, a transformer contains a stack of Encoder and Decoder layers. To avoid confusion, we will refer to the individual layer as an Encoder or a Decoder and will use Encoder stack or Decoder stack for a group of Encoder layers.</a:t>
+              <a:t>We begin with a simple image…  first off, the Transformer architecture excels at handling text data which is inherently sequential.  It takes a text sequence as input and produces another text sequence as output;  for example, to translate an input English sentence to Spanish.</a:t>
             </a:r>
           </a:p>
           <a:p>
@@ -1495,6 +1448,146 @@
                   <a:srgbClr val="292929"/>
                 </a:solidFill>
                 <a:effectLst/>
+                <a:latin typeface="charter"/>
+              </a:rPr>
+              <a:t>As opposed to directional models, which read the text input sequentially (left-to-right or right-to-left), the Transformer encoder reads the entire sequence of words at once. Therefore, it is considered bidirectional, though it would be more accurate to say that it’s non-directional. This characteristic allows the model to learn the context of a word based on </a:t>
+            </a:r>
+            <a:r>
+              <a:rPr lang="en-US" b="1" i="0" dirty="0">
+                <a:solidFill>
+                  <a:srgbClr val="292929"/>
+                </a:solidFill>
+                <a:effectLst/>
+                <a:latin typeface="charter"/>
+              </a:rPr>
+              <a:t>all</a:t>
+            </a:r>
+            <a:r>
+              <a:rPr lang="en-US" b="0" i="0" dirty="0">
+                <a:solidFill>
+                  <a:srgbClr val="292929"/>
+                </a:solidFill>
+                <a:effectLst/>
+                <a:latin typeface="charter"/>
+              </a:rPr>
+              <a:t> of its surroundings (left and right of the word).</a:t>
+            </a:r>
+            <a:endParaRPr lang="en-US" dirty="0">
+              <a:latin typeface="+mn-lt"/>
+            </a:endParaRPr>
+          </a:p>
+        </p:txBody>
+      </p:sp>
+      <p:sp>
+        <p:nvSpPr>
+          <p:cNvPr id="4" name="Slide Number Placeholder 3"/>
+          <p:cNvSpPr>
+            <a:spLocks noGrp="1"/>
+          </p:cNvSpPr>
+          <p:nvPr>
+            <p:ph type="sldNum" sz="quarter" idx="5"/>
+          </p:nvPr>
+        </p:nvSpPr>
+        <p:spPr/>
+        <p:txBody>
+          <a:bodyPr/>
+          <a:lstStyle/>
+          <a:p>
+            <a:fld id="{3148858F-F1DB-4027-9C85-CCA6849540DD}" type="slidenum">
+              <a:rPr lang="en-US" smtClean="0"/>
+              <a:t>17</a:t>
+            </a:fld>
+            <a:endParaRPr lang="en-US"/>
+          </a:p>
+        </p:txBody>
+      </p:sp>
+    </p:spTree>
+    <p:extLst>
+      <p:ext uri="{BB962C8B-B14F-4D97-AF65-F5344CB8AC3E}">
+        <p14:creationId xmlns:p14="http://schemas.microsoft.com/office/powerpoint/2010/main" val="321616863"/>
+      </p:ext>
+    </p:extLst>
+  </p:cSld>
+  <p:clrMapOvr>
+    <a:masterClrMapping/>
+  </p:clrMapOvr>
+</p:notes>
+</file>
+
+<file path=ppt/notesSlides/notesSlide18.xml><?xml version="1.0" encoding="utf-8"?>
+<p:notes xmlns:a="http://schemas.openxmlformats.org/drawingml/2006/main" xmlns:r="http://schemas.openxmlformats.org/officeDocument/2006/relationships" xmlns:p="http://schemas.openxmlformats.org/presentationml/2006/main">
+  <p:cSld>
+    <p:spTree>
+      <p:nvGrpSpPr>
+        <p:cNvPr id="1" name=""/>
+        <p:cNvGrpSpPr/>
+        <p:nvPr/>
+      </p:nvGrpSpPr>
+      <p:grpSpPr>
+        <a:xfrm>
+          <a:off x="0" y="0"/>
+          <a:ext cx="0" cy="0"/>
+          <a:chOff x="0" y="0"/>
+          <a:chExt cx="0" cy="0"/>
+        </a:xfrm>
+      </p:grpSpPr>
+      <p:sp>
+        <p:nvSpPr>
+          <p:cNvPr id="2" name="Slide Image Placeholder 1"/>
+          <p:cNvSpPr>
+            <a:spLocks noGrp="1" noRot="1" noChangeAspect="1"/>
+          </p:cNvSpPr>
+          <p:nvPr>
+            <p:ph type="sldImg"/>
+          </p:nvPr>
+        </p:nvSpPr>
+        <p:spPr/>
+      </p:sp>
+      <p:sp>
+        <p:nvSpPr>
+          <p:cNvPr id="3" name="Notes Placeholder 2"/>
+          <p:cNvSpPr>
+            <a:spLocks noGrp="1"/>
+          </p:cNvSpPr>
+          <p:nvPr>
+            <p:ph type="body" idx="1"/>
+          </p:nvPr>
+        </p:nvSpPr>
+        <p:spPr/>
+        <p:txBody>
+          <a:bodyPr/>
+          <a:lstStyle/>
+          <a:p>
+            <a:pPr algn="l"/>
+            <a:r>
+              <a:rPr lang="en-US" b="0" i="0" dirty="0">
+                <a:solidFill>
+                  <a:srgbClr val="292929"/>
+                </a:solidFill>
+                <a:effectLst/>
+                <a:latin typeface="+mn-lt"/>
+              </a:rPr>
+              <a:t>At its core, a transformer contains a stack of Encoder and Decoder layers. To avoid confusion, we will refer to the individual layer as an Encoder or a Decoder and will use Encoder stack or Decoder stack for a group of Encoder layers.</a:t>
+            </a:r>
+          </a:p>
+          <a:p>
+            <a:pPr algn="l"/>
+            <a:endParaRPr lang="en-US" b="0" i="0" dirty="0">
+              <a:solidFill>
+                <a:srgbClr val="292929"/>
+              </a:solidFill>
+              <a:effectLst/>
+              <a:latin typeface="+mn-lt"/>
+            </a:endParaRPr>
+          </a:p>
+          <a:p>
+            <a:pPr algn="l"/>
+            <a:r>
+              <a:rPr lang="en-US" b="0" i="0" dirty="0">
+                <a:solidFill>
+                  <a:srgbClr val="292929"/>
+                </a:solidFill>
+                <a:effectLst/>
                 <a:latin typeface="+mn-lt"/>
               </a:rPr>
               <a:t>The Encoder stack and the Decoder stack each have their corresponding Embedding layers for their respective inputs. And finally, there is an Output layer to generate the final output.</a:t>
@@ -1523,7 +1616,7 @@
           <a:p>
             <a:fld id="{3148858F-F1DB-4027-9C85-CCA6849540DD}" type="slidenum">
               <a:rPr lang="en-US" smtClean="0"/>
-              <a:t>17</a:t>
+              <a:t>18</a:t>
             </a:fld>
             <a:endParaRPr lang="en-US"/>
           </a:p>
@@ -2345,7 +2438,7 @@
     </p:spTree>
     <p:extLst>
       <p:ext uri="{BB962C8B-B14F-4D97-AF65-F5344CB8AC3E}">
-        <p14:creationId xmlns:p14="http://schemas.microsoft.com/office/powerpoint/2010/main" val="1985664105"/>
+        <p14:creationId xmlns:p14="http://schemas.microsoft.com/office/powerpoint/2010/main" val="1306232887"/>
       </p:ext>
     </p:extLst>
   </p:cSld>
@@ -2399,14 +2492,23 @@
           <a:bodyPr/>
           <a:lstStyle/>
           <a:p>
-            <a:pPr algn="l"/>
-            <a:r>
-              <a:rPr lang="en-US" dirty="0"/>
-              <a:t>Now that you’ve completed a hands-on exercise, let’s consider some of the building blocks that make transformers unique.  Note: I will not discuss word embeddings as that topic was covered in the last workshop of our NLP sequence.  In this mini-lecture, we will cover three building blocks: 1) layer norm, 2) positional encoding, and 3) skip connections.  Because attention is such an important topic, it is covered in our next workshop.  </a:t>
-            </a:r>
-          </a:p>
-          <a:p>
-            <a:pPr algn="l"/>
+            <a:pPr marL="0" marR="0" lvl="0" indent="0" algn="l" defTabSz="914400" rtl="0" eaLnBrk="1" fontAlgn="auto" latinLnBrk="0" hangingPunct="1">
+              <a:lnSpc>
+                <a:spcPct val="100000"/>
+              </a:lnSpc>
+              <a:spcBef>
+                <a:spcPts val="0"/>
+              </a:spcBef>
+              <a:spcAft>
+                <a:spcPts val="0"/>
+              </a:spcAft>
+              <a:buClrTx/>
+              <a:buSzTx/>
+              <a:buFontTx/>
+              <a:buNone/>
+              <a:tabLst/>
+              <a:defRPr/>
+            </a:pPr>
             <a:endParaRPr lang="en-US" dirty="0"/>
           </a:p>
         </p:txBody>
@@ -2437,7 +2539,7 @@
     </p:spTree>
     <p:extLst>
       <p:ext uri="{BB962C8B-B14F-4D97-AF65-F5344CB8AC3E}">
-        <p14:creationId xmlns:p14="http://schemas.microsoft.com/office/powerpoint/2010/main" val="1570214374"/>
+        <p14:creationId xmlns:p14="http://schemas.microsoft.com/office/powerpoint/2010/main" val="1985664105"/>
       </p:ext>
     </p:extLst>
   </p:cSld>
@@ -2493,13 +2595,13 @@
           <a:p>
             <a:pPr algn="l"/>
             <a:r>
-              <a:rPr lang="en-US" b="1" dirty="0"/>
-              <a:t>Layer norm </a:t>
-            </a:r>
-            <a:r>
               <a:rPr lang="en-US" dirty="0"/>
-              <a:t>is our first building block.  In transformers, we usually apply a regularization step called layer normalization, or layer norm, to the outputs of a layer, as shown here on the left. Layer norm belongs to the class of regularization techniques, such as dropout and batchnorm, which help control overfitting by keeping the values flowing through the network from getting too big or too small. (Vanishing / exploding gradients)  The layer norm step learns to adjust the values coming out of a layer so that they approximate the shape of a Gaussian bump with a mean of 0 and standard deviation of 1.</a:t>
-            </a:r>
+              <a:t>Now that you’ve completed a hands-on exercise, let’s consider some of the building blocks that make transformers unique.  Note: I will not discuss word embeddings as that topic was covered in the last workshop of our NLP sequence.  In this mini-lecture, we will cover three building blocks: 1) layer norm, 2) positional encoding, and 3) skip connections.  Because attention is such an important topic, it is covered in our next workshop.  </a:t>
+            </a:r>
+          </a:p>
+          <a:p>
+            <a:pPr algn="l"/>
+            <a:endParaRPr lang="en-US" dirty="0"/>
           </a:p>
         </p:txBody>
       </p:sp>
@@ -2529,7 +2631,7 @@
     </p:spTree>
     <p:extLst>
       <p:ext uri="{BB962C8B-B14F-4D97-AF65-F5344CB8AC3E}">
-        <p14:creationId xmlns:p14="http://schemas.microsoft.com/office/powerpoint/2010/main" val="3456021193"/>
+        <p14:creationId xmlns:p14="http://schemas.microsoft.com/office/powerpoint/2010/main" val="1570214374"/>
       </p:ext>
     </p:extLst>
   </p:cSld>
@@ -2686,7 +2788,7 @@
           <a:p>
             <a:fld id="{C3F78080-8D0A-4BE8-A5B4-CB115102D524}" type="datetimeFigureOut">
               <a:rPr lang="en-US" smtClean="0"/>
-              <a:t>7/6/2022</a:t>
+              <a:t>7/8/2022</a:t>
             </a:fld>
             <a:endParaRPr lang="en-US"/>
           </a:p>
@@ -2884,7 +2986,7 @@
           <a:p>
             <a:fld id="{C3F78080-8D0A-4BE8-A5B4-CB115102D524}" type="datetimeFigureOut">
               <a:rPr lang="en-US" smtClean="0"/>
-              <a:t>7/6/2022</a:t>
+              <a:t>7/8/2022</a:t>
             </a:fld>
             <a:endParaRPr lang="en-US"/>
           </a:p>
@@ -3092,7 +3194,7 @@
           <a:p>
             <a:fld id="{C3F78080-8D0A-4BE8-A5B4-CB115102D524}" type="datetimeFigureOut">
               <a:rPr lang="en-US" smtClean="0"/>
-              <a:t>7/6/2022</a:t>
+              <a:t>7/8/2022</a:t>
             </a:fld>
             <a:endParaRPr lang="en-US"/>
           </a:p>
@@ -3290,7 +3392,7 @@
           <a:p>
             <a:fld id="{C3F78080-8D0A-4BE8-A5B4-CB115102D524}" type="datetimeFigureOut">
               <a:rPr lang="en-US" smtClean="0"/>
-              <a:t>7/6/2022</a:t>
+              <a:t>7/8/2022</a:t>
             </a:fld>
             <a:endParaRPr lang="en-US"/>
           </a:p>
@@ -3565,7 +3667,7 @@
           <a:p>
             <a:fld id="{C3F78080-8D0A-4BE8-A5B4-CB115102D524}" type="datetimeFigureOut">
               <a:rPr lang="en-US" smtClean="0"/>
-              <a:t>7/6/2022</a:t>
+              <a:t>7/8/2022</a:t>
             </a:fld>
             <a:endParaRPr lang="en-US"/>
           </a:p>
@@ -3830,7 +3932,7 @@
           <a:p>
             <a:fld id="{C3F78080-8D0A-4BE8-A5B4-CB115102D524}" type="datetimeFigureOut">
               <a:rPr lang="en-US" smtClean="0"/>
-              <a:t>7/6/2022</a:t>
+              <a:t>7/8/2022</a:t>
             </a:fld>
             <a:endParaRPr lang="en-US"/>
           </a:p>
@@ -4242,7 +4344,7 @@
           <a:p>
             <a:fld id="{C3F78080-8D0A-4BE8-A5B4-CB115102D524}" type="datetimeFigureOut">
               <a:rPr lang="en-US" smtClean="0"/>
-              <a:t>7/6/2022</a:t>
+              <a:t>7/8/2022</a:t>
             </a:fld>
             <a:endParaRPr lang="en-US"/>
           </a:p>
@@ -4383,7 +4485,7 @@
           <a:p>
             <a:fld id="{C3F78080-8D0A-4BE8-A5B4-CB115102D524}" type="datetimeFigureOut">
               <a:rPr lang="en-US" smtClean="0"/>
-              <a:t>7/6/2022</a:t>
+              <a:t>7/8/2022</a:t>
             </a:fld>
             <a:endParaRPr lang="en-US"/>
           </a:p>
@@ -4496,7 +4598,7 @@
           <a:p>
             <a:fld id="{C3F78080-8D0A-4BE8-A5B4-CB115102D524}" type="datetimeFigureOut">
               <a:rPr lang="en-US" smtClean="0"/>
-              <a:t>7/6/2022</a:t>
+              <a:t>7/8/2022</a:t>
             </a:fld>
             <a:endParaRPr lang="en-US"/>
           </a:p>
@@ -4807,7 +4909,7 @@
           <a:p>
             <a:fld id="{C3F78080-8D0A-4BE8-A5B4-CB115102D524}" type="datetimeFigureOut">
               <a:rPr lang="en-US" smtClean="0"/>
-              <a:t>7/6/2022</a:t>
+              <a:t>7/8/2022</a:t>
             </a:fld>
             <a:endParaRPr lang="en-US"/>
           </a:p>
@@ -5095,7 +5197,7 @@
           <a:p>
             <a:fld id="{C3F78080-8D0A-4BE8-A5B4-CB115102D524}" type="datetimeFigureOut">
               <a:rPr lang="en-US" smtClean="0"/>
-              <a:t>7/6/2022</a:t>
+              <a:t>7/8/2022</a:t>
             </a:fld>
             <a:endParaRPr lang="en-US"/>
           </a:p>
@@ -5336,7 +5438,7 @@
           <a:p>
             <a:fld id="{C3F78080-8D0A-4BE8-A5B4-CB115102D524}" type="datetimeFigureOut">
               <a:rPr lang="en-US" smtClean="0"/>
-              <a:t>7/6/2022</a:t>
+              <a:t>7/8/2022</a:t>
             </a:fld>
             <a:endParaRPr lang="en-US"/>
           </a:p>
@@ -5869,6 +5971,253 @@
       </p:grpSpPr>
       <p:pic>
         <p:nvPicPr>
+          <p:cNvPr id="4098" name="Picture 2" descr="F20018">
+            <a:extLst>
+              <a:ext uri="{FF2B5EF4-FFF2-40B4-BE49-F238E27FC236}">
+                <a16:creationId xmlns:a16="http://schemas.microsoft.com/office/drawing/2014/main" id="{9D5C494A-0CBE-4B64-9D77-71FFFC718D89}"/>
+              </a:ext>
+            </a:extLst>
+          </p:cNvPr>
+          <p:cNvPicPr>
+            <a:picLocks noChangeAspect="1" noChangeArrowheads="1"/>
+          </p:cNvPicPr>
+          <p:nvPr/>
+        </p:nvPicPr>
+        <p:blipFill>
+          <a:blip r:embed="rId3">
+            <a:extLst>
+              <a:ext uri="{28A0092B-C50C-407E-A947-70E740481C1C}">
+                <a14:useLocalDpi xmlns:a14="http://schemas.microsoft.com/office/drawing/2010/main" val="0"/>
+              </a:ext>
+            </a:extLst>
+          </a:blip>
+          <a:srcRect/>
+          <a:stretch>
+            <a:fillRect/>
+          </a:stretch>
+        </p:blipFill>
+        <p:spPr bwMode="auto">
+          <a:xfrm>
+            <a:off x="2651828" y="2877302"/>
+            <a:ext cx="6888344" cy="1103396"/>
+          </a:xfrm>
+          <a:prstGeom prst="rect">
+            <a:avLst/>
+          </a:prstGeom>
+          <a:noFill/>
+          <a:extLst>
+            <a:ext uri="{909E8E84-426E-40DD-AFC4-6F175D3DCCD1}">
+              <a14:hiddenFill xmlns:a14="http://schemas.microsoft.com/office/drawing/2010/main">
+                <a:solidFill>
+                  <a:srgbClr val="FFFFFF"/>
+                </a:solidFill>
+              </a14:hiddenFill>
+            </a:ext>
+          </a:extLst>
+        </p:spPr>
+      </p:pic>
+      <p:sp>
+        <p:nvSpPr>
+          <p:cNvPr id="3" name="TextBox 2">
+            <a:extLst>
+              <a:ext uri="{FF2B5EF4-FFF2-40B4-BE49-F238E27FC236}">
+                <a16:creationId xmlns:a16="http://schemas.microsoft.com/office/drawing/2014/main" id="{8B50B82C-A1EF-42B8-9CB8-B057F2C81533}"/>
+              </a:ext>
+            </a:extLst>
+          </p:cNvPr>
+          <p:cNvSpPr txBox="1"/>
+          <p:nvPr/>
+        </p:nvSpPr>
+        <p:spPr>
+          <a:xfrm>
+            <a:off x="0" y="6550223"/>
+            <a:ext cx="12192000" cy="307777"/>
+          </a:xfrm>
+          <a:prstGeom prst="rect">
+            <a:avLst/>
+          </a:prstGeom>
+          <a:noFill/>
+        </p:spPr>
+        <p:txBody>
+          <a:bodyPr wrap="square" rtlCol="0">
+            <a:spAutoFit/>
+          </a:bodyPr>
+          <a:lstStyle/>
+          <a:p>
+            <a:r>
+              <a:rPr lang="en-US" sz="1400" dirty="0">
+                <a:solidFill>
+                  <a:schemeClr val="tx1">
+                    <a:lumMod val="65000"/>
+                    <a:lumOff val="35000"/>
+                  </a:schemeClr>
+                </a:solidFill>
+                <a:latin typeface="+mj-lt"/>
+                <a:ea typeface="Verdana" panose="020B0604030504040204" pitchFamily="34" charset="0"/>
+              </a:rPr>
+              <a:t>Source: Glassner, A. (2021). </a:t>
+            </a:r>
+            <a:r>
+              <a:rPr lang="en-US" sz="1400" i="1" dirty="0">
+                <a:solidFill>
+                  <a:schemeClr val="tx1">
+                    <a:lumMod val="65000"/>
+                    <a:lumOff val="35000"/>
+                  </a:schemeClr>
+                </a:solidFill>
+                <a:latin typeface="+mj-lt"/>
+                <a:ea typeface="Verdana" panose="020B0604030504040204" pitchFamily="34" charset="0"/>
+              </a:rPr>
+              <a:t>Deep learning: A visual approach</a:t>
+            </a:r>
+            <a:r>
+              <a:rPr lang="en-US" sz="1400" dirty="0">
+                <a:solidFill>
+                  <a:schemeClr val="tx1">
+                    <a:lumMod val="65000"/>
+                    <a:lumOff val="35000"/>
+                  </a:schemeClr>
+                </a:solidFill>
+                <a:latin typeface="+mj-lt"/>
+                <a:ea typeface="Verdana" panose="020B0604030504040204" pitchFamily="34" charset="0"/>
+              </a:rPr>
+              <a:t>. </a:t>
+            </a:r>
+            <a:r>
+              <a:rPr lang="en-US" sz="1400" b="0" i="0" dirty="0">
+                <a:solidFill>
+                  <a:schemeClr val="tx1">
+                    <a:lumMod val="65000"/>
+                    <a:lumOff val="35000"/>
+                  </a:schemeClr>
+                </a:solidFill>
+                <a:effectLst/>
+                <a:latin typeface="+mj-lt"/>
+                <a:ea typeface="Verdana" panose="020B0604030504040204" pitchFamily="34" charset="0"/>
+              </a:rPr>
+              <a:t>San Francisco, CA: No Starch Press. (Chapter </a:t>
+            </a:r>
+            <a:r>
+              <a:rPr lang="en-US" sz="1400" dirty="0">
+                <a:solidFill>
+                  <a:schemeClr val="tx1">
+                    <a:lumMod val="65000"/>
+                    <a:lumOff val="35000"/>
+                  </a:schemeClr>
+                </a:solidFill>
+                <a:latin typeface="+mj-lt"/>
+                <a:ea typeface="Verdana" panose="020B0604030504040204" pitchFamily="34" charset="0"/>
+              </a:rPr>
+              <a:t>20</a:t>
+            </a:r>
+            <a:r>
+              <a:rPr lang="en-US" sz="1400" b="0" i="0" dirty="0">
+                <a:solidFill>
+                  <a:schemeClr val="tx1">
+                    <a:lumMod val="65000"/>
+                    <a:lumOff val="35000"/>
+                  </a:schemeClr>
+                </a:solidFill>
+                <a:effectLst/>
+                <a:latin typeface="+mj-lt"/>
+                <a:ea typeface="Verdana" panose="020B0604030504040204" pitchFamily="34" charset="0"/>
+              </a:rPr>
+              <a:t>)</a:t>
+            </a:r>
+            <a:endParaRPr lang="en-US" sz="1400" dirty="0">
+              <a:solidFill>
+                <a:schemeClr val="tx1">
+                  <a:lumMod val="65000"/>
+                  <a:lumOff val="35000"/>
+                </a:schemeClr>
+              </a:solidFill>
+              <a:latin typeface="+mj-lt"/>
+              <a:ea typeface="Verdana" panose="020B0604030504040204" pitchFamily="34" charset="0"/>
+            </a:endParaRPr>
+          </a:p>
+        </p:txBody>
+      </p:sp>
+      <p:pic>
+        <p:nvPicPr>
+          <p:cNvPr id="7" name="Picture 6">
+            <a:extLst>
+              <a:ext uri="{FF2B5EF4-FFF2-40B4-BE49-F238E27FC236}">
+                <a16:creationId xmlns:a16="http://schemas.microsoft.com/office/drawing/2014/main" id="{41EFA874-9B25-4772-88F0-BDE024D1DF70}"/>
+              </a:ext>
+            </a:extLst>
+          </p:cNvPr>
+          <p:cNvPicPr>
+            <a:picLocks noChangeAspect="1"/>
+          </p:cNvPicPr>
+          <p:nvPr/>
+        </p:nvPicPr>
+        <p:blipFill>
+          <a:blip r:embed="rId4"/>
+          <a:stretch>
+            <a:fillRect/>
+          </a:stretch>
+        </p:blipFill>
+        <p:spPr>
+          <a:xfrm>
+            <a:off x="-13855" y="18288"/>
+            <a:ext cx="2260600" cy="635000"/>
+          </a:xfrm>
+          <a:prstGeom prst="rect">
+            <a:avLst/>
+          </a:prstGeom>
+          <a:effectLst>
+            <a:outerShdw blurRad="50800" dist="38100" dir="2700000" algn="tl" rotWithShape="0">
+              <a:prstClr val="black">
+                <a:alpha val="40000"/>
+              </a:prstClr>
+            </a:outerShdw>
+          </a:effectLst>
+        </p:spPr>
+      </p:pic>
+    </p:spTree>
+    <p:extLst>
+      <p:ext uri="{BB962C8B-B14F-4D97-AF65-F5344CB8AC3E}">
+        <p14:creationId xmlns:p14="http://schemas.microsoft.com/office/powerpoint/2010/main" val="1565508497"/>
+      </p:ext>
+    </p:extLst>
+  </p:cSld>
+  <p:clrMapOvr>
+    <a:masterClrMapping/>
+  </p:clrMapOvr>
+  <mc:AlternateContent xmlns:mc="http://schemas.openxmlformats.org/markup-compatibility/2006" xmlns:p14="http://schemas.microsoft.com/office/powerpoint/2010/main">
+    <mc:Choice Requires="p14">
+      <p:transition spd="med" p14:dur="700">
+        <p:fade/>
+      </p:transition>
+    </mc:Choice>
+    <mc:Fallback xmlns="">
+      <p:transition spd="med">
+        <p:fade/>
+      </p:transition>
+    </mc:Fallback>
+  </mc:AlternateContent>
+</p:sld>
+</file>
+
+<file path=ppt/slides/slide11.xml><?xml version="1.0" encoding="utf-8"?>
+<p:sld xmlns:a="http://schemas.openxmlformats.org/drawingml/2006/main" xmlns:r="http://schemas.openxmlformats.org/officeDocument/2006/relationships" xmlns:p="http://schemas.openxmlformats.org/presentationml/2006/main">
+  <p:cSld>
+    <p:spTree>
+      <p:nvGrpSpPr>
+        <p:cNvPr id="1" name=""/>
+        <p:cNvGrpSpPr/>
+        <p:nvPr/>
+      </p:nvGrpSpPr>
+      <p:grpSpPr>
+        <a:xfrm>
+          <a:off x="0" y="0"/>
+          <a:ext cx="0" cy="0"/>
+          <a:chOff x="0" y="0"/>
+          <a:chExt cx="0" cy="0"/>
+        </a:xfrm>
+      </p:grpSpPr>
+      <p:pic>
+        <p:nvPicPr>
           <p:cNvPr id="2050" name="Picture 2" descr="F20019">
             <a:extLst>
               <a:ext uri="{FF2B5EF4-FFF2-40B4-BE49-F238E27FC236}">
@@ -6107,7 +6456,7 @@
 </p:sld>
 </file>
 
-<file path=ppt/slides/slide11.xml><?xml version="1.0" encoding="utf-8"?>
+<file path=ppt/slides/slide12.xml><?xml version="1.0" encoding="utf-8"?>
 <p:sld xmlns:a="http://schemas.openxmlformats.org/drawingml/2006/main" xmlns:r="http://schemas.openxmlformats.org/officeDocument/2006/relationships" xmlns:p="http://schemas.openxmlformats.org/presentationml/2006/main">
   <p:cSld>
     <p:spTree>
@@ -6364,7 +6713,7 @@
 </p:sld>
 </file>
 
-<file path=ppt/slides/slide12.xml><?xml version="1.0" encoding="utf-8"?>
+<file path=ppt/slides/slide13.xml><?xml version="1.0" encoding="utf-8"?>
 <p:sld xmlns:a="http://schemas.openxmlformats.org/drawingml/2006/main" xmlns:r="http://schemas.openxmlformats.org/officeDocument/2006/relationships" xmlns:p="http://schemas.openxmlformats.org/presentationml/2006/main">
   <p:cSld>
     <p:spTree>
@@ -6658,7 +7007,7 @@
 </p:sld>
 </file>
 
-<file path=ppt/slides/slide13.xml><?xml version="1.0" encoding="utf-8"?>
+<file path=ppt/slides/slide14.xml><?xml version="1.0" encoding="utf-8"?>
 <p:sld xmlns:a="http://schemas.openxmlformats.org/drawingml/2006/main" xmlns:r="http://schemas.openxmlformats.org/officeDocument/2006/relationships" xmlns:p="http://schemas.openxmlformats.org/presentationml/2006/main">
   <p:cSld>
     <p:spTree>
@@ -6787,73 +7136,6 @@
     <p:extLst>
       <p:ext uri="{BB962C8B-B14F-4D97-AF65-F5344CB8AC3E}">
         <p14:creationId xmlns:p14="http://schemas.microsoft.com/office/powerpoint/2010/main" val="3902517881"/>
-      </p:ext>
-    </p:extLst>
-  </p:cSld>
-  <p:clrMapOvr>
-    <a:masterClrMapping/>
-  </p:clrMapOvr>
-  <mc:AlternateContent xmlns:mc="http://schemas.openxmlformats.org/markup-compatibility/2006" xmlns:p14="http://schemas.microsoft.com/office/powerpoint/2010/main">
-    <mc:Choice Requires="p14">
-      <p:transition spd="med" p14:dur="700">
-        <p:fade/>
-      </p:transition>
-    </mc:Choice>
-    <mc:Fallback xmlns="">
-      <p:transition spd="med">
-        <p:fade/>
-      </p:transition>
-    </mc:Fallback>
-  </mc:AlternateContent>
-</p:sld>
-</file>
-
-<file path=ppt/slides/slide14.xml><?xml version="1.0" encoding="utf-8"?>
-<p:sld xmlns:a="http://schemas.openxmlformats.org/drawingml/2006/main" xmlns:r="http://schemas.openxmlformats.org/officeDocument/2006/relationships" xmlns:p="http://schemas.openxmlformats.org/presentationml/2006/main">
-  <p:cSld>
-    <p:spTree>
-      <p:nvGrpSpPr>
-        <p:cNvPr id="1" name=""/>
-        <p:cNvGrpSpPr/>
-        <p:nvPr/>
-      </p:nvGrpSpPr>
-      <p:grpSpPr>
-        <a:xfrm>
-          <a:off x="0" y="0"/>
-          <a:ext cx="0" cy="0"/>
-          <a:chOff x="0" y="0"/>
-          <a:chExt cx="0" cy="0"/>
-        </a:xfrm>
-      </p:grpSpPr>
-      <p:sp>
-        <p:nvSpPr>
-          <p:cNvPr id="4" name="Title 3">
-            <a:extLst>
-              <a:ext uri="{FF2B5EF4-FFF2-40B4-BE49-F238E27FC236}">
-                <a16:creationId xmlns:a16="http://schemas.microsoft.com/office/drawing/2014/main" id="{5EBC47B3-2231-4C7D-9F46-767148520D27}"/>
-              </a:ext>
-            </a:extLst>
-          </p:cNvPr>
-          <p:cNvSpPr>
-            <a:spLocks noGrp="1"/>
-          </p:cNvSpPr>
-          <p:nvPr>
-            <p:ph type="title"/>
-          </p:nvPr>
-        </p:nvSpPr>
-        <p:spPr/>
-        <p:txBody>
-          <a:bodyPr/>
-          <a:lstStyle/>
-          <a:p>
-            <a:endParaRPr lang="en-US" dirty="0"/>
-          </a:p>
-        </p:txBody>
-      </p:sp>
-    </p:spTree>
-    <p:extLst>
-      <p:ext uri="{BB962C8B-B14F-4D97-AF65-F5344CB8AC3E}">
-        <p14:creationId xmlns:p14="http://schemas.microsoft.com/office/powerpoint/2010/main" val="2516832135"/>
       </p:ext>
     </p:extLst>
   </p:cSld>
@@ -6892,6 +7174,73 @@
           <a:chExt cx="0" cy="0"/>
         </a:xfrm>
       </p:grpSpPr>
+      <p:sp>
+        <p:nvSpPr>
+          <p:cNvPr id="4" name="Title 3">
+            <a:extLst>
+              <a:ext uri="{FF2B5EF4-FFF2-40B4-BE49-F238E27FC236}">
+                <a16:creationId xmlns:a16="http://schemas.microsoft.com/office/drawing/2014/main" id="{5EBC47B3-2231-4C7D-9F46-767148520D27}"/>
+              </a:ext>
+            </a:extLst>
+          </p:cNvPr>
+          <p:cNvSpPr>
+            <a:spLocks noGrp="1"/>
+          </p:cNvSpPr>
+          <p:nvPr>
+            <p:ph type="title"/>
+          </p:nvPr>
+        </p:nvSpPr>
+        <p:spPr/>
+        <p:txBody>
+          <a:bodyPr/>
+          <a:lstStyle/>
+          <a:p>
+            <a:endParaRPr lang="en-US" dirty="0"/>
+          </a:p>
+        </p:txBody>
+      </p:sp>
+    </p:spTree>
+    <p:extLst>
+      <p:ext uri="{BB962C8B-B14F-4D97-AF65-F5344CB8AC3E}">
+        <p14:creationId xmlns:p14="http://schemas.microsoft.com/office/powerpoint/2010/main" val="2516832135"/>
+      </p:ext>
+    </p:extLst>
+  </p:cSld>
+  <p:clrMapOvr>
+    <a:masterClrMapping/>
+  </p:clrMapOvr>
+  <mc:AlternateContent xmlns:mc="http://schemas.openxmlformats.org/markup-compatibility/2006" xmlns:p14="http://schemas.microsoft.com/office/powerpoint/2010/main">
+    <mc:Choice Requires="p14">
+      <p:transition spd="med" p14:dur="700">
+        <p:fade/>
+      </p:transition>
+    </mc:Choice>
+    <mc:Fallback xmlns="">
+      <p:transition spd="med">
+        <p:fade/>
+      </p:transition>
+    </mc:Fallback>
+  </mc:AlternateContent>
+</p:sld>
+</file>
+
+<file path=ppt/slides/slide16.xml><?xml version="1.0" encoding="utf-8"?>
+<p:sld xmlns:a="http://schemas.openxmlformats.org/drawingml/2006/main" xmlns:r="http://schemas.openxmlformats.org/officeDocument/2006/relationships" xmlns:p="http://schemas.openxmlformats.org/presentationml/2006/main">
+  <p:cSld>
+    <p:spTree>
+      <p:nvGrpSpPr>
+        <p:cNvPr id="1" name=""/>
+        <p:cNvGrpSpPr/>
+        <p:nvPr/>
+      </p:nvGrpSpPr>
+      <p:grpSpPr>
+        <a:xfrm>
+          <a:off x="0" y="0"/>
+          <a:ext cx="0" cy="0"/>
+          <a:chOff x="0" y="0"/>
+          <a:chExt cx="0" cy="0"/>
+        </a:xfrm>
+      </p:grpSpPr>
       <p:pic>
         <p:nvPicPr>
           <p:cNvPr id="3" name="Picture 2">
@@ -7025,7 +7374,7 @@
 </p:sld>
 </file>
 
-<file path=ppt/slides/slide16.xml><?xml version="1.0" encoding="utf-8"?>
+<file path=ppt/slides/slide17.xml><?xml version="1.0" encoding="utf-8"?>
 <p:sld xmlns:a="http://schemas.openxmlformats.org/drawingml/2006/main" xmlns:r="http://schemas.openxmlformats.org/officeDocument/2006/relationships" xmlns:p="http://schemas.openxmlformats.org/presentationml/2006/main">
   <p:cSld>
     <p:spTree>
@@ -7191,7 +7540,7 @@
 </p:sld>
 </file>
 
-<file path=ppt/slides/slide17.xml><?xml version="1.0" encoding="utf-8"?>
+<file path=ppt/slides/slide18.xml><?xml version="1.0" encoding="utf-8"?>
 <p:sld xmlns:a="http://schemas.openxmlformats.org/drawingml/2006/main" xmlns:r="http://schemas.openxmlformats.org/officeDocument/2006/relationships" xmlns:p="http://schemas.openxmlformats.org/presentationml/2006/main">
   <p:cSld>
     <p:spTree>
@@ -8199,10 +8548,10 @@
       </p:grpSpPr>
       <p:pic>
         <p:nvPicPr>
-          <p:cNvPr id="3" name="Picture 2">
-            <a:extLst>
-              <a:ext uri="{FF2B5EF4-FFF2-40B4-BE49-F238E27FC236}">
-                <a16:creationId xmlns:a16="http://schemas.microsoft.com/office/drawing/2014/main" id="{88CC7D4C-7D31-4E3C-92F7-200A7C7F587F}"/>
+          <p:cNvPr id="3" name="Picture 2" descr="Diagram&#10;&#10;Description automatically generated">
+            <a:extLst>
+              <a:ext uri="{FF2B5EF4-FFF2-40B4-BE49-F238E27FC236}">
+                <a16:creationId xmlns:a16="http://schemas.microsoft.com/office/drawing/2014/main" id="{67EF8A62-1530-48BE-8523-CB507D8763FF}"/>
               </a:ext>
             </a:extLst>
           </p:cNvPr>
@@ -8212,122 +8561,31 @@
           <p:nvPr/>
         </p:nvPicPr>
         <p:blipFill>
-          <a:blip r:embed="rId3"/>
+          <a:blip r:embed="rId3">
+            <a:extLst>
+              <a:ext uri="{28A0092B-C50C-407E-A947-70E740481C1C}">
+                <a14:useLocalDpi xmlns:a14="http://schemas.microsoft.com/office/drawing/2010/main" val="0"/>
+              </a:ext>
+            </a:extLst>
+          </a:blip>
           <a:stretch>
             <a:fillRect/>
           </a:stretch>
         </p:blipFill>
         <p:spPr>
           <a:xfrm>
-            <a:off x="0" y="365760"/>
-            <a:ext cx="3233668" cy="805144"/>
+            <a:off x="3177607" y="566976"/>
+            <a:ext cx="5836786" cy="5724047"/>
           </a:xfrm>
           <a:prstGeom prst="rect">
             <a:avLst/>
           </a:prstGeom>
         </p:spPr>
       </p:pic>
-      <p:sp>
-        <p:nvSpPr>
-          <p:cNvPr id="4" name="Title 1">
-            <a:extLst>
-              <a:ext uri="{FF2B5EF4-FFF2-40B4-BE49-F238E27FC236}">
-                <a16:creationId xmlns:a16="http://schemas.microsoft.com/office/drawing/2014/main" id="{474EB2BC-3221-47A1-8ADF-BF3126732B5F}"/>
-              </a:ext>
-            </a:extLst>
-          </p:cNvPr>
-          <p:cNvSpPr txBox="1">
-            <a:spLocks/>
-          </p:cNvSpPr>
-          <p:nvPr/>
-        </p:nvSpPr>
-        <p:spPr>
-          <a:xfrm>
-            <a:off x="0" y="2705764"/>
-            <a:ext cx="12192000" cy="1446472"/>
-          </a:xfrm>
-          <a:prstGeom prst="rect">
-            <a:avLst/>
-          </a:prstGeom>
-          <a:noFill/>
-        </p:spPr>
-        <p:txBody>
-          <a:bodyPr vert="horz" lIns="91440" tIns="45720" rIns="91440" bIns="45720" rtlCol="0" anchor="ctr">
-            <a:noAutofit/>
-          </a:bodyPr>
-          <a:lstStyle>
-            <a:lvl1pPr algn="l" defTabSz="914400" rtl="0" eaLnBrk="1" latinLnBrk="0" hangingPunct="1">
-              <a:lnSpc>
-                <a:spcPct val="90000"/>
-              </a:lnSpc>
-              <a:spcBef>
-                <a:spcPct val="0"/>
-              </a:spcBef>
-              <a:buNone/>
-              <a:defRPr sz="4400" kern="1200">
-                <a:solidFill>
-                  <a:schemeClr val="tx1"/>
-                </a:solidFill>
-                <a:latin typeface="+mj-lt"/>
-                <a:ea typeface="+mj-ea"/>
-                <a:cs typeface="+mj-cs"/>
-              </a:defRPr>
-            </a:lvl1pPr>
-          </a:lstStyle>
-          <a:p>
-            <a:pPr algn="ctr"/>
-            <a:r>
-              <a:rPr lang="en-US" sz="3600" dirty="0">
-                <a:solidFill>
-                  <a:schemeClr val="tx1">
-                    <a:lumMod val="65000"/>
-                    <a:lumOff val="35000"/>
-                  </a:schemeClr>
-                </a:solidFill>
-                <a:latin typeface="Palatino Linotype" panose="02040502050505030304" pitchFamily="18" charset="0"/>
-              </a:rPr>
-              <a:t>Transformers Introduction</a:t>
-            </a:r>
-            <a:br>
-              <a:rPr lang="en-US" sz="3600" dirty="0">
-                <a:solidFill>
-                  <a:schemeClr val="tx1">
-                    <a:lumMod val="65000"/>
-                    <a:lumOff val="35000"/>
-                  </a:schemeClr>
-                </a:solidFill>
-                <a:latin typeface="Palatino Linotype" panose="02040502050505030304" pitchFamily="18" charset="0"/>
-              </a:rPr>
-            </a:br>
-            <a:r>
-              <a:rPr lang="en-US" sz="3600" dirty="0">
-                <a:solidFill>
-                  <a:schemeClr val="tx1">
-                    <a:lumMod val="65000"/>
-                    <a:lumOff val="35000"/>
-                  </a:schemeClr>
-                </a:solidFill>
-                <a:latin typeface="Palatino Linotype" panose="02040502050505030304" pitchFamily="18" charset="0"/>
-              </a:rPr>
-              <a:t>01.2_transformer_intro.ipynb</a:t>
-            </a:r>
-            <a:endParaRPr lang="en-US" sz="3600" dirty="0">
-              <a:solidFill>
-                <a:schemeClr val="tx1">
-                  <a:lumMod val="65000"/>
-                  <a:lumOff val="35000"/>
-                </a:schemeClr>
-              </a:solidFill>
-              <a:latin typeface="Palatino Linotype" panose="02040502050505030304" pitchFamily="18" charset="0"/>
-              <a:cs typeface="Segoe UI Light" panose="020B0502040204020203" pitchFamily="34" charset="0"/>
-            </a:endParaRPr>
-          </a:p>
-        </p:txBody>
-      </p:sp>
     </p:spTree>
     <p:extLst>
       <p:ext uri="{BB962C8B-B14F-4D97-AF65-F5344CB8AC3E}">
-        <p14:creationId xmlns:p14="http://schemas.microsoft.com/office/powerpoint/2010/main" val="2261991877"/>
+        <p14:creationId xmlns:p14="http://schemas.microsoft.com/office/powerpoint/2010/main" val="2334865424"/>
       </p:ext>
     </p:extLst>
   </p:cSld>
@@ -8366,133 +8624,12 @@
           <a:chExt cx="0" cy="0"/>
         </a:xfrm>
       </p:grpSpPr>
-      <p:sp>
-        <p:nvSpPr>
-          <p:cNvPr id="3" name="TextBox 2">
-            <a:extLst>
-              <a:ext uri="{FF2B5EF4-FFF2-40B4-BE49-F238E27FC236}">
-                <a16:creationId xmlns:a16="http://schemas.microsoft.com/office/drawing/2014/main" id="{C1E53685-A9F7-4FE0-ABDB-9B755F275882}"/>
-              </a:ext>
-            </a:extLst>
-          </p:cNvPr>
-          <p:cNvSpPr txBox="1"/>
-          <p:nvPr/>
-        </p:nvSpPr>
-        <p:spPr>
-          <a:xfrm>
-            <a:off x="0" y="6550223"/>
-            <a:ext cx="12192000" cy="307777"/>
-          </a:xfrm>
-          <a:prstGeom prst="rect">
-            <a:avLst/>
-          </a:prstGeom>
-          <a:noFill/>
-        </p:spPr>
-        <p:txBody>
-          <a:bodyPr wrap="square" rtlCol="0">
-            <a:spAutoFit/>
-          </a:bodyPr>
-          <a:lstStyle/>
-          <a:p>
-            <a:r>
-              <a:rPr lang="en-US" sz="1400" dirty="0">
-                <a:solidFill>
-                  <a:schemeClr val="tx1">
-                    <a:lumMod val="65000"/>
-                    <a:lumOff val="35000"/>
-                  </a:schemeClr>
-                </a:solidFill>
-                <a:latin typeface="+mj-lt"/>
-                <a:ea typeface="Verdana" panose="020B0604030504040204" pitchFamily="34" charset="0"/>
-              </a:rPr>
-              <a:t>Source: Glassner, A. (2021). </a:t>
-            </a:r>
-            <a:r>
-              <a:rPr lang="en-US" sz="1400" i="1" dirty="0">
-                <a:solidFill>
-                  <a:schemeClr val="tx1">
-                    <a:lumMod val="65000"/>
-                    <a:lumOff val="35000"/>
-                  </a:schemeClr>
-                </a:solidFill>
-                <a:latin typeface="+mj-lt"/>
-                <a:ea typeface="Verdana" panose="020B0604030504040204" pitchFamily="34" charset="0"/>
-              </a:rPr>
-              <a:t>Deep learning: A visual approach</a:t>
-            </a:r>
-            <a:r>
-              <a:rPr lang="en-US" sz="1400" dirty="0">
-                <a:solidFill>
-                  <a:schemeClr val="tx1">
-                    <a:lumMod val="65000"/>
-                    <a:lumOff val="35000"/>
-                  </a:schemeClr>
-                </a:solidFill>
-                <a:latin typeface="+mj-lt"/>
-                <a:ea typeface="Verdana" panose="020B0604030504040204" pitchFamily="34" charset="0"/>
-              </a:rPr>
-              <a:t>. </a:t>
-            </a:r>
-            <a:r>
-              <a:rPr lang="en-US" sz="1400" b="0" i="0" dirty="0">
-                <a:solidFill>
-                  <a:schemeClr val="tx1">
-                    <a:lumMod val="65000"/>
-                    <a:lumOff val="35000"/>
-                  </a:schemeClr>
-                </a:solidFill>
-                <a:effectLst/>
-                <a:latin typeface="+mj-lt"/>
-                <a:ea typeface="Verdana" panose="020B0604030504040204" pitchFamily="34" charset="0"/>
-              </a:rPr>
-              <a:t>San Francisco, CA: No Starch Press. (Chapter </a:t>
-            </a:r>
-            <a:r>
-              <a:rPr lang="en-US" sz="1400" dirty="0">
-                <a:solidFill>
-                  <a:schemeClr val="tx1">
-                    <a:lumMod val="65000"/>
-                    <a:lumOff val="35000"/>
-                  </a:schemeClr>
-                </a:solidFill>
-                <a:latin typeface="+mj-lt"/>
-                <a:ea typeface="Verdana" panose="020B0604030504040204" pitchFamily="34" charset="0"/>
-              </a:rPr>
-              <a:t>20</a:t>
-            </a:r>
-            <a:r>
-              <a:rPr lang="en-US" sz="1400" b="0" i="0" dirty="0">
-                <a:solidFill>
-                  <a:schemeClr val="tx1">
-                    <a:lumMod val="65000"/>
-                    <a:lumOff val="35000"/>
-                  </a:schemeClr>
-                </a:solidFill>
-                <a:effectLst/>
-                <a:latin typeface="+mj-lt"/>
-                <a:ea typeface="Verdana" panose="020B0604030504040204" pitchFamily="34" charset="0"/>
-              </a:rPr>
-              <a:t>)</a:t>
-            </a:r>
-            <a:endParaRPr lang="en-US" sz="1400" dirty="0">
-              <a:solidFill>
-                <a:schemeClr val="tx1">
-                  <a:lumMod val="65000"/>
-                  <a:lumOff val="35000"/>
-                </a:schemeClr>
-              </a:solidFill>
-              <a:latin typeface="+mj-lt"/>
-              <a:ea typeface="Verdana" panose="020B0604030504040204" pitchFamily="34" charset="0"/>
-            </a:endParaRPr>
-          </a:p>
-        </p:txBody>
-      </p:sp>
       <p:pic>
         <p:nvPicPr>
-          <p:cNvPr id="6" name="Picture 5">
-            <a:extLst>
-              <a:ext uri="{FF2B5EF4-FFF2-40B4-BE49-F238E27FC236}">
-                <a16:creationId xmlns:a16="http://schemas.microsoft.com/office/drawing/2014/main" id="{6D6EB62B-2AF5-414F-AE49-8A9F33BF1690}"/>
+          <p:cNvPr id="3" name="Picture 2">
+            <a:extLst>
+              <a:ext uri="{FF2B5EF4-FFF2-40B4-BE49-F238E27FC236}">
+                <a16:creationId xmlns:a16="http://schemas.microsoft.com/office/drawing/2014/main" id="{88CC7D4C-7D31-4E3C-92F7-200A7C7F587F}"/>
               </a:ext>
             </a:extLst>
           </p:cNvPr>
@@ -8509,49 +8646,61 @@
         </p:blipFill>
         <p:spPr>
           <a:xfrm>
-            <a:off x="2694334" y="3645875"/>
-            <a:ext cx="2635250" cy="635000"/>
+            <a:off x="0" y="365760"/>
+            <a:ext cx="3233668" cy="805144"/>
           </a:xfrm>
           <a:prstGeom prst="rect">
             <a:avLst/>
           </a:prstGeom>
-          <a:effectLst>
-            <a:outerShdw blurRad="50800" dist="38100" dir="2700000" algn="tl" rotWithShape="0">
-              <a:prstClr val="black">
-                <a:alpha val="40000"/>
-              </a:prstClr>
-            </a:outerShdw>
-          </a:effectLst>
         </p:spPr>
       </p:pic>
       <p:sp>
         <p:nvSpPr>
-          <p:cNvPr id="20" name="Title 1">
-            <a:extLst>
-              <a:ext uri="{FF2B5EF4-FFF2-40B4-BE49-F238E27FC236}">
-                <a16:creationId xmlns:a16="http://schemas.microsoft.com/office/drawing/2014/main" id="{A768B6E7-76B8-4DF1-9B5C-732BFB29136A}"/>
-              </a:ext>
-            </a:extLst>
-          </p:cNvPr>
-          <p:cNvSpPr>
-            <a:spLocks noGrp="1"/>
-          </p:cNvSpPr>
-          <p:nvPr>
-            <p:ph type="title"/>
-          </p:nvPr>
+          <p:cNvPr id="4" name="Title 1">
+            <a:extLst>
+              <a:ext uri="{FF2B5EF4-FFF2-40B4-BE49-F238E27FC236}">
+                <a16:creationId xmlns:a16="http://schemas.microsoft.com/office/drawing/2014/main" id="{474EB2BC-3221-47A1-8ADF-BF3126732B5F}"/>
+              </a:ext>
+            </a:extLst>
+          </p:cNvPr>
+          <p:cNvSpPr txBox="1">
+            <a:spLocks/>
+          </p:cNvSpPr>
+          <p:nvPr/>
         </p:nvSpPr>
         <p:spPr>
           <a:xfrm>
-            <a:off x="0" y="793808"/>
-            <a:ext cx="12192000" cy="606943"/>
+            <a:off x="0" y="2705764"/>
+            <a:ext cx="12192000" cy="1446472"/>
           </a:xfrm>
+          <a:prstGeom prst="rect">
+            <a:avLst/>
+          </a:prstGeom>
           <a:noFill/>
         </p:spPr>
         <p:txBody>
-          <a:bodyPr>
+          <a:bodyPr vert="horz" lIns="91440" tIns="45720" rIns="91440" bIns="45720" rtlCol="0" anchor="ctr">
             <a:noAutofit/>
           </a:bodyPr>
-          <a:lstStyle/>
+          <a:lstStyle>
+            <a:lvl1pPr algn="l" defTabSz="914400" rtl="0" eaLnBrk="1" latinLnBrk="0" hangingPunct="1">
+              <a:lnSpc>
+                <a:spcPct val="90000"/>
+              </a:lnSpc>
+              <a:spcBef>
+                <a:spcPct val="0"/>
+              </a:spcBef>
+              <a:buNone/>
+              <a:defRPr sz="4400" kern="1200">
+                <a:solidFill>
+                  <a:schemeClr val="tx1"/>
+                </a:solidFill>
+                <a:latin typeface="+mj-lt"/>
+                <a:ea typeface="+mj-ea"/>
+                <a:cs typeface="+mj-cs"/>
+              </a:defRPr>
+            </a:lvl1pPr>
+          </a:lstStyle>
           <a:p>
             <a:pPr algn="ctr"/>
             <a:r>
@@ -8564,7 +8713,30 @@
                 </a:solidFill>
                 <a:latin typeface="Palatino Linotype" panose="02040502050505030304" pitchFamily="18" charset="0"/>
               </a:rPr>
-              <a:t>Transformer Building Blocks</a:t>
+              <a:t>Transformers Introduction</a:t>
+            </a:r>
+            <a:br>
+              <a:rPr lang="en-US" sz="3600" dirty="0">
+                <a:solidFill>
+                  <a:schemeClr val="tx1">
+                    <a:lumMod val="65000"/>
+                    <a:lumOff val="35000"/>
+                  </a:schemeClr>
+                </a:solidFill>
+                <a:latin typeface="Palatino Linotype" panose="02040502050505030304" pitchFamily="18" charset="0"/>
+              </a:rPr>
+            </a:br>
+            <a:r>
+              <a:rPr lang="en-US" sz="3600" dirty="0">
+                <a:solidFill>
+                  <a:schemeClr val="tx1">
+                    <a:lumMod val="65000"/>
+                    <a:lumOff val="35000"/>
+                  </a:schemeClr>
+                </a:solidFill>
+                <a:latin typeface="Palatino Linotype" panose="02040502050505030304" pitchFamily="18" charset="0"/>
+              </a:rPr>
+              <a:t>01.2_transformer_intro.ipynb</a:t>
             </a:r>
             <a:endParaRPr lang="en-US" sz="3600" dirty="0">
               <a:solidFill>
@@ -8579,158 +8751,10 @@
           </a:p>
         </p:txBody>
       </p:sp>
-      <p:pic>
-        <p:nvPicPr>
-          <p:cNvPr id="4" name="Picture 3">
-            <a:extLst>
-              <a:ext uri="{FF2B5EF4-FFF2-40B4-BE49-F238E27FC236}">
-                <a16:creationId xmlns:a16="http://schemas.microsoft.com/office/drawing/2014/main" id="{A4ABC55C-676F-4AE7-9EF2-40151F173FE9}"/>
-              </a:ext>
-            </a:extLst>
-          </p:cNvPr>
-          <p:cNvPicPr>
-            <a:picLocks noChangeAspect="1"/>
-          </p:cNvPicPr>
-          <p:nvPr/>
-        </p:nvPicPr>
-        <p:blipFill>
-          <a:blip r:embed="rId4"/>
-          <a:stretch>
-            <a:fillRect/>
-          </a:stretch>
-        </p:blipFill>
-        <p:spPr>
-          <a:xfrm>
-            <a:off x="3934266" y="3067016"/>
-            <a:ext cx="2260600" cy="635000"/>
-          </a:xfrm>
-          <a:prstGeom prst="rect">
-            <a:avLst/>
-          </a:prstGeom>
-          <a:effectLst>
-            <a:outerShdw blurRad="50800" dist="38100" dir="2700000" algn="tl" rotWithShape="0">
-              <a:prstClr val="black">
-                <a:alpha val="40000"/>
-              </a:prstClr>
-            </a:outerShdw>
-          </a:effectLst>
-        </p:spPr>
-      </p:pic>
-      <p:pic>
-        <p:nvPicPr>
-          <p:cNvPr id="7" name="Picture 6">
-            <a:extLst>
-              <a:ext uri="{FF2B5EF4-FFF2-40B4-BE49-F238E27FC236}">
-                <a16:creationId xmlns:a16="http://schemas.microsoft.com/office/drawing/2014/main" id="{9E7D3A10-885E-4555-A8EB-85F51F078300}"/>
-              </a:ext>
-            </a:extLst>
-          </p:cNvPr>
-          <p:cNvPicPr>
-            <a:picLocks noChangeAspect="1"/>
-          </p:cNvPicPr>
-          <p:nvPr/>
-        </p:nvPicPr>
-        <p:blipFill>
-          <a:blip r:embed="rId5"/>
-          <a:stretch>
-            <a:fillRect/>
-          </a:stretch>
-        </p:blipFill>
-        <p:spPr>
-          <a:xfrm>
-            <a:off x="6184787" y="3066415"/>
-            <a:ext cx="2755900" cy="635000"/>
-          </a:xfrm>
-          <a:prstGeom prst="rect">
-            <a:avLst/>
-          </a:prstGeom>
-          <a:effectLst>
-            <a:outerShdw blurRad="50800" dist="38100" dir="2700000" algn="tl" rotWithShape="0">
-              <a:prstClr val="black">
-                <a:alpha val="40000"/>
-              </a:prstClr>
-            </a:outerShdw>
-          </a:effectLst>
-        </p:spPr>
-      </p:pic>
-      <p:pic>
-        <p:nvPicPr>
-          <p:cNvPr id="11" name="Picture 10">
-            <a:extLst>
-              <a:ext uri="{FF2B5EF4-FFF2-40B4-BE49-F238E27FC236}">
-                <a16:creationId xmlns:a16="http://schemas.microsoft.com/office/drawing/2014/main" id="{7F15C6DC-63DA-408A-978F-237989161F42}"/>
-              </a:ext>
-            </a:extLst>
-          </p:cNvPr>
-          <p:cNvPicPr>
-            <a:picLocks noChangeAspect="1"/>
-          </p:cNvPicPr>
-          <p:nvPr/>
-        </p:nvPicPr>
-        <p:blipFill>
-          <a:blip r:embed="rId6"/>
-          <a:stretch>
-            <a:fillRect/>
-          </a:stretch>
-        </p:blipFill>
-        <p:spPr>
-          <a:xfrm>
-            <a:off x="7135894" y="3644924"/>
-            <a:ext cx="2451100" cy="635000"/>
-          </a:xfrm>
-          <a:prstGeom prst="rect">
-            <a:avLst/>
-          </a:prstGeom>
-          <a:effectLst>
-            <a:outerShdw blurRad="50800" dist="38100" dir="2700000" algn="tl" rotWithShape="0">
-              <a:prstClr val="black">
-                <a:alpha val="40000"/>
-              </a:prstClr>
-            </a:outerShdw>
-          </a:effectLst>
-        </p:spPr>
-      </p:pic>
-      <p:pic>
-        <p:nvPicPr>
-          <p:cNvPr id="15" name="Picture 14">
-            <a:extLst>
-              <a:ext uri="{FF2B5EF4-FFF2-40B4-BE49-F238E27FC236}">
-                <a16:creationId xmlns:a16="http://schemas.microsoft.com/office/drawing/2014/main" id="{DC963BF3-EA52-4DF2-B0BF-8AC021FFE85A}"/>
-              </a:ext>
-            </a:extLst>
-          </p:cNvPr>
-          <p:cNvPicPr>
-            <a:picLocks noChangeAspect="1"/>
-          </p:cNvPicPr>
-          <p:nvPr/>
-        </p:nvPicPr>
-        <p:blipFill>
-          <a:blip r:embed="rId7"/>
-          <a:stretch>
-            <a:fillRect/>
-          </a:stretch>
-        </p:blipFill>
-        <p:spPr>
-          <a:xfrm>
-            <a:off x="5385341" y="3644924"/>
-            <a:ext cx="1790700" cy="635000"/>
-          </a:xfrm>
-          <a:prstGeom prst="rect">
-            <a:avLst/>
-          </a:prstGeom>
-          <a:effectLst>
-            <a:outerShdw blurRad="50800" dist="38100" dir="2700000" algn="tl" rotWithShape="0">
-              <a:prstClr val="black">
-                <a:alpha val="40000"/>
-              </a:prstClr>
-            </a:outerShdw>
-          </a:effectLst>
-        </p:spPr>
-      </p:pic>
     </p:spTree>
     <p:extLst>
       <p:ext uri="{BB962C8B-B14F-4D97-AF65-F5344CB8AC3E}">
-        <p14:creationId xmlns:p14="http://schemas.microsoft.com/office/powerpoint/2010/main" val="3602552699"/>
+        <p14:creationId xmlns:p14="http://schemas.microsoft.com/office/powerpoint/2010/main" val="2261991877"/>
       </p:ext>
     </p:extLst>
   </p:cSld>
@@ -8769,59 +8793,12 @@
           <a:chExt cx="0" cy="0"/>
         </a:xfrm>
       </p:grpSpPr>
-      <p:pic>
-        <p:nvPicPr>
-          <p:cNvPr id="4098" name="Picture 2" descr="F20018">
-            <a:extLst>
-              <a:ext uri="{FF2B5EF4-FFF2-40B4-BE49-F238E27FC236}">
-                <a16:creationId xmlns:a16="http://schemas.microsoft.com/office/drawing/2014/main" id="{9D5C494A-0CBE-4B64-9D77-71FFFC718D89}"/>
-              </a:ext>
-            </a:extLst>
-          </p:cNvPr>
-          <p:cNvPicPr>
-            <a:picLocks noChangeAspect="1" noChangeArrowheads="1"/>
-          </p:cNvPicPr>
-          <p:nvPr/>
-        </p:nvPicPr>
-        <p:blipFill>
-          <a:blip r:embed="rId3">
-            <a:extLst>
-              <a:ext uri="{28A0092B-C50C-407E-A947-70E740481C1C}">
-                <a14:useLocalDpi xmlns:a14="http://schemas.microsoft.com/office/drawing/2010/main" val="0"/>
-              </a:ext>
-            </a:extLst>
-          </a:blip>
-          <a:srcRect/>
-          <a:stretch>
-            <a:fillRect/>
-          </a:stretch>
-        </p:blipFill>
-        <p:spPr bwMode="auto">
-          <a:xfrm>
-            <a:off x="2651828" y="2877302"/>
-            <a:ext cx="6888344" cy="1103396"/>
-          </a:xfrm>
-          <a:prstGeom prst="rect">
-            <a:avLst/>
-          </a:prstGeom>
-          <a:noFill/>
-          <a:extLst>
-            <a:ext uri="{909E8E84-426E-40DD-AFC4-6F175D3DCCD1}">
-              <a14:hiddenFill xmlns:a14="http://schemas.microsoft.com/office/drawing/2010/main">
-                <a:solidFill>
-                  <a:srgbClr val="FFFFFF"/>
-                </a:solidFill>
-              </a14:hiddenFill>
-            </a:ext>
-          </a:extLst>
-        </p:spPr>
-      </p:pic>
       <p:sp>
         <p:nvSpPr>
           <p:cNvPr id="3" name="TextBox 2">
             <a:extLst>
               <a:ext uri="{FF2B5EF4-FFF2-40B4-BE49-F238E27FC236}">
-                <a16:creationId xmlns:a16="http://schemas.microsoft.com/office/drawing/2014/main" id="{8B50B82C-A1EF-42B8-9CB8-B057F2C81533}"/>
+                <a16:creationId xmlns:a16="http://schemas.microsoft.com/office/drawing/2014/main" id="{C1E53685-A9F7-4FE0-ABDB-9B755F275882}"/>
               </a:ext>
             </a:extLst>
           </p:cNvPr>
@@ -8939,10 +8916,102 @@
       </p:sp>
       <p:pic>
         <p:nvPicPr>
-          <p:cNvPr id="7" name="Picture 6">
-            <a:extLst>
-              <a:ext uri="{FF2B5EF4-FFF2-40B4-BE49-F238E27FC236}">
-                <a16:creationId xmlns:a16="http://schemas.microsoft.com/office/drawing/2014/main" id="{41EFA874-9B25-4772-88F0-BDE024D1DF70}"/>
+          <p:cNvPr id="6" name="Picture 5">
+            <a:extLst>
+              <a:ext uri="{FF2B5EF4-FFF2-40B4-BE49-F238E27FC236}">
+                <a16:creationId xmlns:a16="http://schemas.microsoft.com/office/drawing/2014/main" id="{6D6EB62B-2AF5-414F-AE49-8A9F33BF1690}"/>
+              </a:ext>
+            </a:extLst>
+          </p:cNvPr>
+          <p:cNvPicPr>
+            <a:picLocks noChangeAspect="1"/>
+          </p:cNvPicPr>
+          <p:nvPr/>
+        </p:nvPicPr>
+        <p:blipFill>
+          <a:blip r:embed="rId3"/>
+          <a:stretch>
+            <a:fillRect/>
+          </a:stretch>
+        </p:blipFill>
+        <p:spPr>
+          <a:xfrm>
+            <a:off x="2694334" y="3645875"/>
+            <a:ext cx="2635250" cy="635000"/>
+          </a:xfrm>
+          <a:prstGeom prst="rect">
+            <a:avLst/>
+          </a:prstGeom>
+          <a:effectLst>
+            <a:outerShdw blurRad="50800" dist="38100" dir="2700000" algn="tl" rotWithShape="0">
+              <a:prstClr val="black">
+                <a:alpha val="40000"/>
+              </a:prstClr>
+            </a:outerShdw>
+          </a:effectLst>
+        </p:spPr>
+      </p:pic>
+      <p:sp>
+        <p:nvSpPr>
+          <p:cNvPr id="20" name="Title 1">
+            <a:extLst>
+              <a:ext uri="{FF2B5EF4-FFF2-40B4-BE49-F238E27FC236}">
+                <a16:creationId xmlns:a16="http://schemas.microsoft.com/office/drawing/2014/main" id="{A768B6E7-76B8-4DF1-9B5C-732BFB29136A}"/>
+              </a:ext>
+            </a:extLst>
+          </p:cNvPr>
+          <p:cNvSpPr>
+            <a:spLocks noGrp="1"/>
+          </p:cNvSpPr>
+          <p:nvPr>
+            <p:ph type="title"/>
+          </p:nvPr>
+        </p:nvSpPr>
+        <p:spPr>
+          <a:xfrm>
+            <a:off x="0" y="793808"/>
+            <a:ext cx="12192000" cy="606943"/>
+          </a:xfrm>
+          <a:noFill/>
+        </p:spPr>
+        <p:txBody>
+          <a:bodyPr>
+            <a:noAutofit/>
+          </a:bodyPr>
+          <a:lstStyle/>
+          <a:p>
+            <a:pPr algn="ctr"/>
+            <a:r>
+              <a:rPr lang="en-US" sz="3600" dirty="0">
+                <a:solidFill>
+                  <a:schemeClr val="tx1">
+                    <a:lumMod val="65000"/>
+                    <a:lumOff val="35000"/>
+                  </a:schemeClr>
+                </a:solidFill>
+                <a:latin typeface="Palatino Linotype" panose="02040502050505030304" pitchFamily="18" charset="0"/>
+              </a:rPr>
+              <a:t>Transformer Building Blocks</a:t>
+            </a:r>
+            <a:endParaRPr lang="en-US" sz="3600" dirty="0">
+              <a:solidFill>
+                <a:schemeClr val="tx1">
+                  <a:lumMod val="65000"/>
+                  <a:lumOff val="35000"/>
+                </a:schemeClr>
+              </a:solidFill>
+              <a:latin typeface="Palatino Linotype" panose="02040502050505030304" pitchFamily="18" charset="0"/>
+              <a:cs typeface="Segoe UI Light" panose="020B0502040204020203" pitchFamily="34" charset="0"/>
+            </a:endParaRPr>
+          </a:p>
+        </p:txBody>
+      </p:sp>
+      <p:pic>
+        <p:nvPicPr>
+          <p:cNvPr id="4" name="Picture 3">
+            <a:extLst>
+              <a:ext uri="{FF2B5EF4-FFF2-40B4-BE49-F238E27FC236}">
+                <a16:creationId xmlns:a16="http://schemas.microsoft.com/office/drawing/2014/main" id="{A4ABC55C-676F-4AE7-9EF2-40151F173FE9}"/>
               </a:ext>
             </a:extLst>
           </p:cNvPr>
@@ -8959,8 +9028,119 @@
         </p:blipFill>
         <p:spPr>
           <a:xfrm>
-            <a:off x="-13855" y="18288"/>
+            <a:off x="3934266" y="3067016"/>
             <a:ext cx="2260600" cy="635000"/>
+          </a:xfrm>
+          <a:prstGeom prst="rect">
+            <a:avLst/>
+          </a:prstGeom>
+          <a:effectLst>
+            <a:outerShdw blurRad="50800" dist="38100" dir="2700000" algn="tl" rotWithShape="0">
+              <a:prstClr val="black">
+                <a:alpha val="40000"/>
+              </a:prstClr>
+            </a:outerShdw>
+          </a:effectLst>
+        </p:spPr>
+      </p:pic>
+      <p:pic>
+        <p:nvPicPr>
+          <p:cNvPr id="7" name="Picture 6">
+            <a:extLst>
+              <a:ext uri="{FF2B5EF4-FFF2-40B4-BE49-F238E27FC236}">
+                <a16:creationId xmlns:a16="http://schemas.microsoft.com/office/drawing/2014/main" id="{9E7D3A10-885E-4555-A8EB-85F51F078300}"/>
+              </a:ext>
+            </a:extLst>
+          </p:cNvPr>
+          <p:cNvPicPr>
+            <a:picLocks noChangeAspect="1"/>
+          </p:cNvPicPr>
+          <p:nvPr/>
+        </p:nvPicPr>
+        <p:blipFill>
+          <a:blip r:embed="rId5"/>
+          <a:stretch>
+            <a:fillRect/>
+          </a:stretch>
+        </p:blipFill>
+        <p:spPr>
+          <a:xfrm>
+            <a:off x="6184787" y="3066415"/>
+            <a:ext cx="2755900" cy="635000"/>
+          </a:xfrm>
+          <a:prstGeom prst="rect">
+            <a:avLst/>
+          </a:prstGeom>
+          <a:effectLst>
+            <a:outerShdw blurRad="50800" dist="38100" dir="2700000" algn="tl" rotWithShape="0">
+              <a:prstClr val="black">
+                <a:alpha val="40000"/>
+              </a:prstClr>
+            </a:outerShdw>
+          </a:effectLst>
+        </p:spPr>
+      </p:pic>
+      <p:pic>
+        <p:nvPicPr>
+          <p:cNvPr id="11" name="Picture 10">
+            <a:extLst>
+              <a:ext uri="{FF2B5EF4-FFF2-40B4-BE49-F238E27FC236}">
+                <a16:creationId xmlns:a16="http://schemas.microsoft.com/office/drawing/2014/main" id="{7F15C6DC-63DA-408A-978F-237989161F42}"/>
+              </a:ext>
+            </a:extLst>
+          </p:cNvPr>
+          <p:cNvPicPr>
+            <a:picLocks noChangeAspect="1"/>
+          </p:cNvPicPr>
+          <p:nvPr/>
+        </p:nvPicPr>
+        <p:blipFill>
+          <a:blip r:embed="rId6"/>
+          <a:stretch>
+            <a:fillRect/>
+          </a:stretch>
+        </p:blipFill>
+        <p:spPr>
+          <a:xfrm>
+            <a:off x="7135894" y="3644924"/>
+            <a:ext cx="2451100" cy="635000"/>
+          </a:xfrm>
+          <a:prstGeom prst="rect">
+            <a:avLst/>
+          </a:prstGeom>
+          <a:effectLst>
+            <a:outerShdw blurRad="50800" dist="38100" dir="2700000" algn="tl" rotWithShape="0">
+              <a:prstClr val="black">
+                <a:alpha val="40000"/>
+              </a:prstClr>
+            </a:outerShdw>
+          </a:effectLst>
+        </p:spPr>
+      </p:pic>
+      <p:pic>
+        <p:nvPicPr>
+          <p:cNvPr id="15" name="Picture 14">
+            <a:extLst>
+              <a:ext uri="{FF2B5EF4-FFF2-40B4-BE49-F238E27FC236}">
+                <a16:creationId xmlns:a16="http://schemas.microsoft.com/office/drawing/2014/main" id="{DC963BF3-EA52-4DF2-B0BF-8AC021FFE85A}"/>
+              </a:ext>
+            </a:extLst>
+          </p:cNvPr>
+          <p:cNvPicPr>
+            <a:picLocks noChangeAspect="1"/>
+          </p:cNvPicPr>
+          <p:nvPr/>
+        </p:nvPicPr>
+        <p:blipFill>
+          <a:blip r:embed="rId7"/>
+          <a:stretch>
+            <a:fillRect/>
+          </a:stretch>
+        </p:blipFill>
+        <p:spPr>
+          <a:xfrm>
+            <a:off x="5385341" y="3644924"/>
+            <a:ext cx="1790700" cy="635000"/>
           </a:xfrm>
           <a:prstGeom prst="rect">
             <a:avLst/>
@@ -8977,7 +9157,7 @@
     </p:spTree>
     <p:extLst>
       <p:ext uri="{BB962C8B-B14F-4D97-AF65-F5344CB8AC3E}">
-        <p14:creationId xmlns:p14="http://schemas.microsoft.com/office/powerpoint/2010/main" val="1565508497"/>
+        <p14:creationId xmlns:p14="http://schemas.microsoft.com/office/powerpoint/2010/main" val="3602552699"/>
       </p:ext>
     </p:extLst>
   </p:cSld>

--- a/presentations/01_transformers_intro.pptx
+++ b/presentations/01_transformers_intro.pptx
@@ -5,27 +5,32 @@
     <p:sldMasterId id="2147483648" r:id="rId1"/>
   </p:sldMasterIdLst>
   <p:notesMasterIdLst>
-    <p:notesMasterId r:id="rId20"/>
+    <p:notesMasterId r:id="rId25"/>
   </p:notesMasterIdLst>
   <p:sldIdLst>
     <p:sldId id="326" r:id="rId2"/>
-    <p:sldId id="342" r:id="rId3"/>
-    <p:sldId id="345" r:id="rId4"/>
-    <p:sldId id="346" r:id="rId5"/>
-    <p:sldId id="347" r:id="rId6"/>
-    <p:sldId id="333" r:id="rId7"/>
-    <p:sldId id="348" r:id="rId8"/>
-    <p:sldId id="279" r:id="rId9"/>
-    <p:sldId id="336" r:id="rId10"/>
-    <p:sldId id="330" r:id="rId11"/>
-    <p:sldId id="327" r:id="rId12"/>
-    <p:sldId id="329" r:id="rId13"/>
-    <p:sldId id="334" r:id="rId14"/>
-    <p:sldId id="343" r:id="rId15"/>
-    <p:sldId id="344" r:id="rId16"/>
-    <p:sldId id="341" r:id="rId17"/>
-    <p:sldId id="331" r:id="rId18"/>
-    <p:sldId id="332" r:id="rId19"/>
+    <p:sldId id="350" r:id="rId3"/>
+    <p:sldId id="328" r:id="rId4"/>
+    <p:sldId id="337" r:id="rId5"/>
+    <p:sldId id="338" r:id="rId6"/>
+    <p:sldId id="351" r:id="rId7"/>
+    <p:sldId id="352" r:id="rId8"/>
+    <p:sldId id="342" r:id="rId9"/>
+    <p:sldId id="345" r:id="rId10"/>
+    <p:sldId id="346" r:id="rId11"/>
+    <p:sldId id="347" r:id="rId12"/>
+    <p:sldId id="333" r:id="rId13"/>
+    <p:sldId id="348" r:id="rId14"/>
+    <p:sldId id="279" r:id="rId15"/>
+    <p:sldId id="336" r:id="rId16"/>
+    <p:sldId id="329" r:id="rId17"/>
+    <p:sldId id="330" r:id="rId18"/>
+    <p:sldId id="327" r:id="rId19"/>
+    <p:sldId id="334" r:id="rId20"/>
+    <p:sldId id="343" r:id="rId21"/>
+    <p:sldId id="341" r:id="rId22"/>
+    <p:sldId id="344" r:id="rId23"/>
+    <p:sldId id="332" r:id="rId24"/>
   </p:sldIdLst>
   <p:sldSz cx="12192000" cy="6858000"/>
   <p:notesSz cx="6858000" cy="9144000"/>
@@ -225,7 +230,7 @@
           <a:p>
             <a:fld id="{FD93C9B2-20F6-4DB1-B471-224337D0AC79}" type="datetimeFigureOut">
               <a:rPr lang="en-US" smtClean="0"/>
-              <a:t>7/8/2022</a:t>
+              <a:t>8/19/2022</a:t>
             </a:fld>
             <a:endParaRPr lang="en-US"/>
           </a:p>
@@ -540,29 +545,33 @@
               <a:rPr lang="en-US" dirty="0">
                 <a:latin typeface="Palatino Linotype" panose="02040502050505030304" pitchFamily="18" charset="0"/>
               </a:rPr>
-              <a:t>Transformers are </a:t>
-            </a:r>
-            <a:r>
-              <a:rPr lang="en-US">
-                <a:latin typeface="Palatino Linotype" panose="02040502050505030304" pitchFamily="18" charset="0"/>
-              </a:rPr>
-              <a:t>increasingly important </a:t>
-            </a:r>
+              <a:t>Transformers are the new “kid” on the block.  </a:t>
+            </a:r>
+          </a:p>
+          <a:p>
+            <a:endParaRPr lang="en-US" dirty="0">
+              <a:latin typeface="Palatino Linotype" panose="02040502050505030304" pitchFamily="18" charset="0"/>
+            </a:endParaRPr>
+          </a:p>
+          <a:p>
             <a:r>
               <a:rPr lang="en-US" dirty="0">
                 <a:latin typeface="Palatino Linotype" panose="02040502050505030304" pitchFamily="18" charset="0"/>
               </a:rPr>
-              <a:t>-- Add </a:t>
-            </a:r>
-            <a:r>
-              <a:rPr lang="en-US">
+              <a:t>And since 2017 – when the paper (</a:t>
+            </a:r>
+            <a:r>
+              <a:rPr lang="en-US" i="1" dirty="0">
                 <a:latin typeface="Palatino Linotype" panose="02040502050505030304" pitchFamily="18" charset="0"/>
               </a:rPr>
-              <a:t>agenda slide…</a:t>
-            </a:r>
-            <a:endParaRPr lang="en-US" dirty="0">
-              <a:latin typeface="Palatino Linotype" panose="02040502050505030304" pitchFamily="18" charset="0"/>
-            </a:endParaRPr>
+              <a:t>All You Need is Attention</a:t>
+            </a:r>
+            <a:r>
+              <a:rPr lang="en-US" dirty="0">
+                <a:latin typeface="Palatino Linotype" panose="02040502050505030304" pitchFamily="18" charset="0"/>
+              </a:rPr>
+              <a:t>) was published – they’ve taken the deep learning world by storm.</a:t>
+            </a:r>
           </a:p>
         </p:txBody>
       </p:sp>
@@ -646,15 +655,54 @@
           <a:bodyPr/>
           <a:lstStyle/>
           <a:p>
-            <a:pPr algn="l"/>
-            <a:r>
-              <a:rPr lang="en-US" b="1" dirty="0"/>
-              <a:t>Layer norm </a:t>
-            </a:r>
-            <a:r>
-              <a:rPr lang="en-US" dirty="0"/>
-              <a:t>is our first building block.  In transformers, we usually apply a regularization step called layer normalization, or layer norm, to the outputs of a layer, as shown here on the left. Layer norm belongs to the class of regularization techniques, such as dropout and batchnorm, which help control overfitting by keeping the values flowing through the network from getting too big or too small. (Vanishing / exploding gradients)  The layer norm step learns to adjust the values coming out of a layer so that they approximate the shape of a Gaussian bump with a mean of 0 and standard deviation of 1.</a:t>
-            </a:r>
+            <a:pPr marL="0" marR="0" lvl="0" indent="0" algn="l" defTabSz="914400" rtl="0" eaLnBrk="1" fontAlgn="auto" latinLnBrk="0" hangingPunct="1">
+              <a:lnSpc>
+                <a:spcPct val="100000"/>
+              </a:lnSpc>
+              <a:spcBef>
+                <a:spcPts val="0"/>
+              </a:spcBef>
+              <a:spcAft>
+                <a:spcPts val="0"/>
+              </a:spcAft>
+              <a:buClrTx/>
+              <a:buSzTx/>
+              <a:buFontTx/>
+              <a:buNone/>
+              <a:tabLst/>
+              <a:defRPr/>
+            </a:pPr>
+            <a:r>
+              <a:rPr lang="en-US" b="0" i="0" dirty="0">
+                <a:solidFill>
+                  <a:srgbClr val="292929"/>
+                </a:solidFill>
+                <a:effectLst/>
+                <a:latin typeface="charter"/>
+              </a:rPr>
+              <a:t>All decoders have the same architecture.   And like the encoder, the decoder contains both </a:t>
+            </a:r>
+            <a:r>
+              <a:rPr lang="en-US" b="1" i="0" dirty="0">
+                <a:solidFill>
+                  <a:srgbClr val="292929"/>
+                </a:solidFill>
+                <a:effectLst/>
+                <a:latin typeface="charter"/>
+              </a:rPr>
+              <a:t>self-attention</a:t>
+            </a:r>
+            <a:r>
+              <a:rPr lang="en-US" b="0" i="0" dirty="0">
+                <a:solidFill>
+                  <a:srgbClr val="292929"/>
+                </a:solidFill>
+                <a:effectLst/>
+                <a:latin typeface="charter"/>
+              </a:rPr>
+              <a:t> and feed forward layers, with an attention layer sandwiched in-between.  This layer helps the decoder focus on relevant parts of the input sentence.</a:t>
+            </a:r>
+            <a:endParaRPr lang="en-US" dirty="0"/>
           </a:p>
         </p:txBody>
       </p:sp>
@@ -675,7 +723,7 @@
           <a:p>
             <a:fld id="{3148858F-F1DB-4027-9C85-CCA6849540DD}" type="slidenum">
               <a:rPr lang="en-US" smtClean="0"/>
-              <a:t>10</a:t>
+              <a:t>11</a:t>
             </a:fld>
             <a:endParaRPr lang="en-US"/>
           </a:p>
@@ -684,7 +732,7 @@
     </p:spTree>
     <p:extLst>
       <p:ext uri="{BB962C8B-B14F-4D97-AF65-F5344CB8AC3E}">
-        <p14:creationId xmlns:p14="http://schemas.microsoft.com/office/powerpoint/2010/main" val="3456021193"/>
+        <p14:creationId xmlns:p14="http://schemas.microsoft.com/office/powerpoint/2010/main" val="4140246655"/>
       </p:ext>
     </p:extLst>
   </p:cSld>
@@ -740,47 +788,88 @@
           <a:p>
             <a:pPr algn="l"/>
             <a:r>
-              <a:rPr lang="en-US" b="1" dirty="0"/>
-              <a:t>Positional encoding </a:t>
-            </a:r>
-            <a:r>
-              <a:rPr lang="en-US" dirty="0"/>
-              <a:t>– was designed to solve a problem that comes up as soon as we take RNNs out of our system: we lose track of where each word is in the input sentence. This important information is inherent in the RNN structure, because the words come in one at a time, allowing the hidden state inside a recurrent cell to remember the order in which the words arrived.</a:t>
-            </a:r>
+              <a:rPr lang="en-US" b="0" i="0" dirty="0">
+                <a:solidFill>
+                  <a:srgbClr val="292929"/>
+                </a:solidFill>
+                <a:effectLst/>
+                <a:latin typeface="+mn-lt"/>
+              </a:rPr>
+              <a:t>In summary, all the Encoders are identical to each other. Likewise, all the Decoders are identical to each other.  A couple key points in review:</a:t>
+            </a:r>
+          </a:p>
+          <a:p>
+            <a:pPr algn="l"/>
+            <a:endParaRPr lang="en-US" b="0" i="0" dirty="0">
+              <a:solidFill>
+                <a:srgbClr val="292929"/>
+              </a:solidFill>
+              <a:effectLst/>
+              <a:latin typeface="+mn-lt"/>
+            </a:endParaRPr>
+          </a:p>
+          <a:p>
+            <a:pPr marL="228600" indent="-228600" algn="l">
+              <a:buFont typeface="Courier New" panose="02070309020205020404" pitchFamily="49" charset="0"/>
+              <a:buChar char="o"/>
+            </a:pPr>
+            <a:r>
+              <a:rPr lang="en-US" b="0" i="0" dirty="0">
+                <a:solidFill>
+                  <a:srgbClr val="292929"/>
+                </a:solidFill>
+                <a:effectLst/>
+                <a:latin typeface="+mn-lt"/>
+              </a:rPr>
+              <a:t>The Encoder contains the all-important Self-attention layer that computes the relationship between different words in the sequence.</a:t>
+            </a:r>
+          </a:p>
+          <a:p>
+            <a:pPr marL="228600" indent="-228600" algn="l">
+              <a:buFont typeface="Courier New" panose="02070309020205020404" pitchFamily="49" charset="0"/>
+              <a:buChar char="o"/>
+            </a:pPr>
+            <a:r>
+              <a:rPr lang="en-US" b="0" i="0" dirty="0">
+                <a:solidFill>
+                  <a:srgbClr val="292929"/>
+                </a:solidFill>
+                <a:effectLst/>
+                <a:latin typeface="+mn-lt"/>
+              </a:rPr>
+              <a:t>The Decoder also contains the Self-attention layer and the Feed-forward layer, as well as a second Encoder-Decoder attention layer.</a:t>
+            </a:r>
+          </a:p>
+          <a:p>
+            <a:pPr marL="228600" indent="-228600" algn="l">
+              <a:buFont typeface="Courier New" panose="02070309020205020404" pitchFamily="49" charset="0"/>
+              <a:buChar char="o"/>
+            </a:pPr>
+            <a:r>
+              <a:rPr lang="en-US" b="0" i="0" dirty="0">
+                <a:solidFill>
+                  <a:srgbClr val="292929"/>
+                </a:solidFill>
+                <a:effectLst/>
+                <a:latin typeface="+mn-lt"/>
+              </a:rPr>
+              <a:t>Each Encoder and Decoder has its own set of weights.</a:t>
+            </a:r>
+          </a:p>
+          <a:p>
+            <a:pPr algn="l"/>
+            <a:endParaRPr lang="en-US" b="0" i="0" dirty="0">
+              <a:solidFill>
+                <a:srgbClr val="292929"/>
+              </a:solidFill>
+              <a:effectLst/>
+              <a:latin typeface="charter"/>
+            </a:endParaRPr>
           </a:p>
           <a:p>
             <a:pPr algn="l"/>
             <a:endParaRPr lang="en-US" dirty="0"/>
           </a:p>
-          <a:p>
-            <a:pPr algn="l"/>
-            <a:r>
-              <a:rPr lang="en-US" dirty="0"/>
-              <a:t>But as we’ve seen, attention mixes together the representations of multiple words. How can later stages know where each word belongs in the sentence?</a:t>
-            </a:r>
-          </a:p>
-          <a:p>
-            <a:pPr algn="l"/>
-            <a:endParaRPr lang="en-US" dirty="0"/>
-          </a:p>
-          <a:p>
-            <a:pPr algn="l"/>
-            <a:r>
-              <a:rPr lang="en-US" dirty="0"/>
-              <a:t>The answer is to insert each word’s position, or index, into the representation for the word itself. That way, as the word’s representations get processed, the position information naturally comes along for the ride. The generic name for this process is positional encoding.  I will not cover the technical details of positional encoding in this mini-lecture.</a:t>
-            </a:r>
-          </a:p>
-          <a:p>
-            <a:pPr algn="l"/>
-            <a:endParaRPr lang="en-US" dirty="0"/>
-          </a:p>
-          <a:p>
-            <a:pPr algn="l"/>
-            <a:r>
-              <a:rPr lang="en-US" dirty="0"/>
-              <a:t>Alright, that wraps up this mini-lecture of transformer building blocks.  </a:t>
-            </a:r>
-          </a:p>
         </p:txBody>
       </p:sp>
       <p:sp>
@@ -800,7 +889,7 @@
           <a:p>
             <a:fld id="{3148858F-F1DB-4027-9C85-CCA6849540DD}" type="slidenum">
               <a:rPr lang="en-US" smtClean="0"/>
-              <a:t>11</a:t>
+              <a:t>12</a:t>
             </a:fld>
             <a:endParaRPr lang="en-US"/>
           </a:p>
@@ -809,7 +898,7 @@
     </p:spTree>
     <p:extLst>
       <p:ext uri="{BB962C8B-B14F-4D97-AF65-F5344CB8AC3E}">
-        <p14:creationId xmlns:p14="http://schemas.microsoft.com/office/powerpoint/2010/main" val="50257330"/>
+        <p14:creationId xmlns:p14="http://schemas.microsoft.com/office/powerpoint/2010/main" val="3371112019"/>
       </p:ext>
     </p:extLst>
   </p:cSld>
@@ -863,70 +952,69 @@
           <a:bodyPr/>
           <a:lstStyle/>
           <a:p>
-            <a:pPr algn="l"/>
+            <a:pPr marL="0" marR="0" lvl="0" indent="0" algn="l" defTabSz="914400" rtl="0" eaLnBrk="1" fontAlgn="auto" latinLnBrk="0" hangingPunct="1">
+              <a:lnSpc>
+                <a:spcPct val="100000"/>
+              </a:lnSpc>
+              <a:spcBef>
+                <a:spcPts val="0"/>
+              </a:spcBef>
+              <a:spcAft>
+                <a:spcPts val="0"/>
+              </a:spcAft>
+              <a:buClrTx/>
+              <a:buSzTx/>
+              <a:buFontTx/>
+              <a:buNone/>
+              <a:tabLst/>
+              <a:defRPr/>
+            </a:pPr>
             <a:r>
               <a:rPr lang="en-US" dirty="0"/>
-              <a:t>And finally, our third transformer building block is the </a:t>
-            </a:r>
-            <a:r>
-              <a:rPr lang="en-US" b="1" dirty="0"/>
-              <a:t>skip connection</a:t>
-            </a:r>
+              <a:t>Pictured here is the family tree of the most prominent transformer models.  With more than 50 models available, this is not a complete list.  Please see the transformer_family_tree.pdf for additional information about the models shown here.  </a:t>
+            </a:r>
+          </a:p>
+          <a:p>
+            <a:pPr marL="0" marR="0" lvl="0" indent="0" algn="l" defTabSz="914400" rtl="0" eaLnBrk="1" fontAlgn="auto" latinLnBrk="0" hangingPunct="1">
+              <a:lnSpc>
+                <a:spcPct val="100000"/>
+              </a:lnSpc>
+              <a:spcBef>
+                <a:spcPts val="0"/>
+              </a:spcBef>
+              <a:spcAft>
+                <a:spcPts val="0"/>
+              </a:spcAft>
+              <a:buClrTx/>
+              <a:buSzTx/>
+              <a:buFontTx/>
+              <a:buNone/>
+              <a:tabLst/>
+              <a:defRPr/>
+            </a:pPr>
+            <a:endParaRPr lang="en-US" dirty="0"/>
+          </a:p>
+          <a:p>
+            <a:pPr marL="0" marR="0" lvl="0" indent="0" algn="l" defTabSz="914400" rtl="0" eaLnBrk="1" fontAlgn="auto" latinLnBrk="0" hangingPunct="1">
+              <a:lnSpc>
+                <a:spcPct val="100000"/>
+              </a:lnSpc>
+              <a:spcBef>
+                <a:spcPts val="0"/>
+              </a:spcBef>
+              <a:spcAft>
+                <a:spcPts val="0"/>
+              </a:spcAft>
+              <a:buClrTx/>
+              <a:buSzTx/>
+              <a:buFontTx/>
+              <a:buNone/>
+              <a:tabLst/>
+              <a:defRPr/>
+            </a:pPr>
             <a:r>
               <a:rPr lang="en-US" dirty="0"/>
-              <a:t>, also known as a residual connection. The inspiration for this innovation lies in our desire to reduce the amount of work that’s required of a deep network layer.</a:t>
-            </a:r>
-          </a:p>
-          <a:p>
-            <a:pPr algn="l"/>
-            <a:endParaRPr lang="en-US" dirty="0"/>
-          </a:p>
-          <a:p>
-            <a:pPr algn="l"/>
-            <a:r>
-              <a:rPr lang="en-US" dirty="0"/>
-              <a:t>Let’s start with an analogy. Suppose you’re painting a real, physical portrait using acrylic paints on canvas. After weeks of sittings, the portrait is done, and you send it to your subject for their approval. They say that they like it, but they regret having worn a particular ring on one finger, and wish they’d worn a different one that they like more. Can you change that?</a:t>
-            </a:r>
-          </a:p>
-          <a:p>
-            <a:pPr algn="l"/>
-            <a:endParaRPr lang="en-US" dirty="0"/>
-          </a:p>
-          <a:p>
-            <a:pPr algn="l"/>
-            <a:r>
-              <a:rPr lang="en-US" dirty="0"/>
-              <a:t>One way to proceed would be to invite your subject back to the studio and paint a whole new portrait from scratch on a blank canvas, only this time with the new ring on their finger. That would require a lot of time and effort.  A faster way would be to take the portrait you have, and just paint the new ring over the old one.</a:t>
-            </a:r>
-          </a:p>
-          <a:p>
-            <a:pPr algn="l"/>
-            <a:endParaRPr lang="en-US" dirty="0"/>
-          </a:p>
-          <a:p>
-            <a:pPr algn="l"/>
-            <a:r>
-              <a:rPr lang="en-US" dirty="0"/>
-              <a:t>Now consider a layer in a deep network. A tensor comes in, and the layer does some processing to change that tensor. If the layer only needs to change the input by small amounts, or only in some places, then it would be wasteful to expend resources processing the parts of the tensor that don’t need to change. Just as with the painting, it would be much more efficient for the layer to compute only the changes it wants to make. Then it can combine those changes with the original input to produce its output.</a:t>
-            </a:r>
-          </a:p>
-          <a:p>
-            <a:pPr algn="l"/>
-            <a:endParaRPr lang="en-US" dirty="0"/>
-          </a:p>
-          <a:p>
-            <a:pPr algn="l"/>
-            <a:r>
-              <a:rPr lang="en-US" dirty="0"/>
-              <a:t>The red line in the drawing which carries the input directly to the addition node is called a </a:t>
-            </a:r>
-            <a:r>
-              <a:rPr lang="en-US" b="1" dirty="0"/>
-              <a:t>skip connection</a:t>
-            </a:r>
-            <a:r>
-              <a:rPr lang="en-US" dirty="0"/>
-              <a:t>, or a residual connection.  We can also place a skip connection around multiple layers in sequence, if we like, as shown here on the right.</a:t>
+              <a:t>In our next session, we will examine the inner-workings of BERT.</a:t>
             </a:r>
           </a:p>
         </p:txBody>
@@ -948,7 +1036,7 @@
           <a:p>
             <a:fld id="{3148858F-F1DB-4027-9C85-CCA6849540DD}" type="slidenum">
               <a:rPr lang="en-US" smtClean="0"/>
-              <a:t>12</a:t>
+              <a:t>13</a:t>
             </a:fld>
             <a:endParaRPr lang="en-US"/>
           </a:p>
@@ -957,7 +1045,7 @@
     </p:spTree>
     <p:extLst>
       <p:ext uri="{BB962C8B-B14F-4D97-AF65-F5344CB8AC3E}">
-        <p14:creationId xmlns:p14="http://schemas.microsoft.com/office/powerpoint/2010/main" val="3507246277"/>
+        <p14:creationId xmlns:p14="http://schemas.microsoft.com/office/powerpoint/2010/main" val="1306232887"/>
       </p:ext>
     </p:extLst>
   </p:cSld>
@@ -1011,27 +1099,24 @@
           <a:bodyPr/>
           <a:lstStyle/>
           <a:p>
-            <a:pPr algn="l"/>
-            <a:r>
-              <a:rPr lang="en-US" b="0" i="0" dirty="0">
-                <a:solidFill>
-                  <a:srgbClr val="292929"/>
-                </a:solidFill>
-                <a:effectLst/>
-                <a:latin typeface="+mn-lt"/>
-              </a:rPr>
-              <a:t>An encoder may feature multiple transformer building blocks.  Here we see an encoder comprised of a self-attention layer as well as a couple of layer norm layers.  Additionally, residual skip connections allow this encoder to bypass the self-attention and feed forward layers as needed.  We will discuss these unique transformer building blocks in just a moment…</a:t>
-            </a:r>
-          </a:p>
-          <a:p>
-            <a:pPr algn="l"/>
-            <a:endParaRPr lang="en-US" b="0" i="0" dirty="0">
-              <a:solidFill>
-                <a:srgbClr val="292929"/>
-              </a:solidFill>
-              <a:effectLst/>
-              <a:latin typeface="+mn-lt"/>
-            </a:endParaRPr>
+            <a:pPr marL="0" marR="0" lvl="0" indent="0" algn="l" defTabSz="914400" rtl="0" eaLnBrk="1" fontAlgn="auto" latinLnBrk="0" hangingPunct="1">
+              <a:lnSpc>
+                <a:spcPct val="100000"/>
+              </a:lnSpc>
+              <a:spcBef>
+                <a:spcPts val="0"/>
+              </a:spcBef>
+              <a:spcAft>
+                <a:spcPts val="0"/>
+              </a:spcAft>
+              <a:buClrTx/>
+              <a:buSzTx/>
+              <a:buFontTx/>
+              <a:buNone/>
+              <a:tabLst/>
+              <a:defRPr/>
+            </a:pPr>
+            <a:endParaRPr lang="en-US" dirty="0"/>
           </a:p>
         </p:txBody>
       </p:sp>
@@ -1052,7 +1137,7 @@
           <a:p>
             <a:fld id="{3148858F-F1DB-4027-9C85-CCA6849540DD}" type="slidenum">
               <a:rPr lang="en-US" smtClean="0"/>
-              <a:t>13</a:t>
+              <a:t>14</a:t>
             </a:fld>
             <a:endParaRPr lang="en-US"/>
           </a:p>
@@ -1061,7 +1146,7 @@
     </p:spTree>
     <p:extLst>
       <p:ext uri="{BB962C8B-B14F-4D97-AF65-F5344CB8AC3E}">
-        <p14:creationId xmlns:p14="http://schemas.microsoft.com/office/powerpoint/2010/main" val="3560973607"/>
+        <p14:creationId xmlns:p14="http://schemas.microsoft.com/office/powerpoint/2010/main" val="1985664105"/>
       </p:ext>
     </p:extLst>
   </p:cSld>
@@ -1115,23 +1200,14 @@
           <a:bodyPr/>
           <a:lstStyle/>
           <a:p>
-            <a:pPr marL="0" marR="0" lvl="0" indent="0" algn="l" defTabSz="914400" rtl="0" eaLnBrk="1" fontAlgn="auto" latinLnBrk="0" hangingPunct="1">
-              <a:lnSpc>
-                <a:spcPct val="100000"/>
-              </a:lnSpc>
-              <a:spcBef>
-                <a:spcPts val="0"/>
-              </a:spcBef>
-              <a:spcAft>
-                <a:spcPts val="0"/>
-              </a:spcAft>
-              <a:buClrTx/>
-              <a:buSzTx/>
-              <a:buFontTx/>
-              <a:buNone/>
-              <a:tabLst/>
-              <a:defRPr/>
-            </a:pPr>
+            <a:pPr algn="l"/>
+            <a:r>
+              <a:rPr lang="en-US" dirty="0"/>
+              <a:t>Now that you’ve completed a hands-on exercise, let’s consider some of the building blocks that make transformers unique.  Note: I will not discuss word embeddings as that topic was covered in the last workshop of our NLP sequence.  In this mini-lecture, we cover three building blocks: 1) layer norm, 2) positional encoding, and 3) skip connections.  Because attention is such an important topic, it is covered in our next session.  </a:t>
+            </a:r>
+          </a:p>
+          <a:p>
+            <a:pPr algn="l"/>
             <a:endParaRPr lang="en-US" dirty="0"/>
           </a:p>
         </p:txBody>
@@ -1153,7 +1229,7 @@
           <a:p>
             <a:fld id="{3148858F-F1DB-4027-9C85-CCA6849540DD}" type="slidenum">
               <a:rPr lang="en-US" smtClean="0"/>
-              <a:t>14</a:t>
+              <a:t>15</a:t>
             </a:fld>
             <a:endParaRPr lang="en-US"/>
           </a:p>
@@ -1162,7 +1238,7 @@
     </p:spTree>
     <p:extLst>
       <p:ext uri="{BB962C8B-B14F-4D97-AF65-F5344CB8AC3E}">
-        <p14:creationId xmlns:p14="http://schemas.microsoft.com/office/powerpoint/2010/main" val="393175974"/>
+        <p14:creationId xmlns:p14="http://schemas.microsoft.com/office/powerpoint/2010/main" val="1570214374"/>
       </p:ext>
     </p:extLst>
   </p:cSld>
@@ -1216,23 +1292,74 @@
           <a:bodyPr/>
           <a:lstStyle/>
           <a:p>
-            <a:pPr marL="0" marR="0" lvl="0" indent="0" algn="l" defTabSz="914400" rtl="0" eaLnBrk="1" fontAlgn="auto" latinLnBrk="0" hangingPunct="1">
-              <a:lnSpc>
-                <a:spcPct val="100000"/>
-              </a:lnSpc>
-              <a:spcBef>
-                <a:spcPts val="0"/>
-              </a:spcBef>
-              <a:spcAft>
-                <a:spcPts val="0"/>
-              </a:spcAft>
-              <a:buClrTx/>
-              <a:buSzTx/>
-              <a:buFontTx/>
-              <a:buNone/>
-              <a:tabLst/>
-              <a:defRPr/>
-            </a:pPr>
+            <a:pPr algn="l"/>
+            <a:r>
+              <a:rPr lang="en-US" b="1" dirty="0"/>
+              <a:t>Skip connection </a:t>
+            </a:r>
+            <a:r>
+              <a:rPr lang="en-US" b="0" dirty="0"/>
+              <a:t>is our first building block, </a:t>
+            </a:r>
+            <a:r>
+              <a:rPr lang="en-US" dirty="0"/>
+              <a:t>also known as a residual connection. The inspiration for this innovation lies in our desire to reduce the amount of work that’s required of a deep network layer.</a:t>
+            </a:r>
+          </a:p>
+          <a:p>
+            <a:pPr algn="l"/>
+            <a:endParaRPr lang="en-US" dirty="0"/>
+          </a:p>
+          <a:p>
+            <a:pPr algn="l"/>
+            <a:r>
+              <a:rPr lang="en-US" dirty="0"/>
+              <a:t>Let’s start with an analogy. Suppose you’re painting an oil portrait.  And after weeks of sittings, the painting is done, and you send it to your subject for approval. They say they like it, but they regret they wore a particular ring on one finger, and wish they’d worn a different one instead. Can you change that?</a:t>
+            </a:r>
+          </a:p>
+          <a:p>
+            <a:pPr algn="l"/>
+            <a:endParaRPr lang="en-US" dirty="0"/>
+          </a:p>
+          <a:p>
+            <a:pPr algn="l"/>
+            <a:r>
+              <a:rPr lang="en-US" dirty="0"/>
+              <a:t>Well, you have two options.  You could invite your subject back to the studio and paint a whole new portrait from scratch on a blank canvas, only this time with the new ring on their finger. That would require a lot of time and effort.  Or you could take the portrait you have, and just paint the new ring over the old one.</a:t>
+            </a:r>
+          </a:p>
+          <a:p>
+            <a:pPr algn="l"/>
+            <a:endParaRPr lang="en-US" dirty="0"/>
+          </a:p>
+          <a:p>
+            <a:pPr algn="l"/>
+            <a:r>
+              <a:rPr lang="en-US" dirty="0"/>
+              <a:t>Now consider a layer in a deep network. A tensor comes in, and the layer does some processing to change that tensor. If the layer only needs to change the input by small amounts, or only in some places, then why do anything with the parts of the tensor that don’t need to change?  As was the case with the painting,  it’s more efficient for a layer to compute only the changes it wants to make.  It can then combine those changes with the original input to produce its output.</a:t>
+            </a:r>
+          </a:p>
+          <a:p>
+            <a:pPr algn="l"/>
+            <a:endParaRPr lang="en-US" dirty="0"/>
+          </a:p>
+          <a:p>
+            <a:pPr algn="l"/>
+            <a:r>
+              <a:rPr lang="en-US" dirty="0"/>
+              <a:t>As pictured on the left, the red line that carries the input directly to the addition node is called a </a:t>
+            </a:r>
+            <a:r>
+              <a:rPr lang="en-US" b="1" dirty="0"/>
+              <a:t>skip connection</a:t>
+            </a:r>
+            <a:r>
+              <a:rPr lang="en-US" dirty="0"/>
+              <a:t>.  Another option is to place a skip connection around multiple layers as shown on the right.</a:t>
+            </a:r>
+          </a:p>
+          <a:p>
+            <a:pPr algn="l"/>
             <a:endParaRPr lang="en-US" dirty="0"/>
           </a:p>
         </p:txBody>
@@ -1254,7 +1381,7 @@
           <a:p>
             <a:fld id="{3148858F-F1DB-4027-9C85-CCA6849540DD}" type="slidenum">
               <a:rPr lang="en-US" smtClean="0"/>
-              <a:t>15</a:t>
+              <a:t>16</a:t>
             </a:fld>
             <a:endParaRPr lang="en-US"/>
           </a:p>
@@ -1263,7 +1390,7 @@
     </p:spTree>
     <p:extLst>
       <p:ext uri="{BB962C8B-B14F-4D97-AF65-F5344CB8AC3E}">
-        <p14:creationId xmlns:p14="http://schemas.microsoft.com/office/powerpoint/2010/main" val="4095264016"/>
+        <p14:creationId xmlns:p14="http://schemas.microsoft.com/office/powerpoint/2010/main" val="3507246277"/>
       </p:ext>
     </p:extLst>
   </p:cSld>
@@ -1317,24 +1444,60 @@
           <a:bodyPr/>
           <a:lstStyle/>
           <a:p>
-            <a:pPr marL="0" marR="0" lvl="0" indent="0" algn="l" defTabSz="914400" rtl="0" eaLnBrk="1" fontAlgn="auto" latinLnBrk="0" hangingPunct="1">
-              <a:lnSpc>
-                <a:spcPct val="100000"/>
-              </a:lnSpc>
-              <a:spcBef>
-                <a:spcPts val="0"/>
-              </a:spcBef>
-              <a:spcAft>
-                <a:spcPts val="0"/>
-              </a:spcAft>
-              <a:buClrTx/>
-              <a:buSzTx/>
-              <a:buFontTx/>
-              <a:buNone/>
-              <a:tabLst/>
-              <a:defRPr/>
-            </a:pPr>
+            <a:pPr algn="l"/>
+            <a:r>
+              <a:rPr lang="en-US" b="1" dirty="0"/>
+              <a:t>Layer norm </a:t>
+            </a:r>
+            <a:r>
+              <a:rPr lang="en-US" dirty="0"/>
+              <a:t>is our second building block.  Layer norm is a regularization technique like dropout and batchnorm.  Regularization controls </a:t>
+            </a:r>
+            <a:r>
+              <a:rPr lang="en-US" b="1" dirty="0"/>
+              <a:t>overfitting, </a:t>
+            </a:r>
+            <a:r>
+              <a:rPr lang="en-US" b="0" dirty="0"/>
+              <a:t>a topic we cover in our CNN workshop series.  </a:t>
+            </a:r>
+            <a:r>
+              <a:rPr lang="en-US" dirty="0"/>
+              <a:t>Layer norm keeps the values flowing through the network from becoming too big or too small.  A layer norm step adjusts the values coming out of a layer such that they approximate the shape of a Gaussian bump with a mean of 0 and standard deviation of 1.</a:t>
+            </a:r>
+          </a:p>
+          <a:p>
+            <a:pPr algn="l"/>
             <a:endParaRPr lang="en-US" dirty="0"/>
+          </a:p>
+          <a:p>
+            <a:pPr algn="l"/>
+            <a:r>
+              <a:rPr lang="en-US" dirty="0"/>
+              <a:t>Layer norm operations help optimize transformer performance.  A technical architect has some flexibility as to where this step is located.  One popular option is to place a layer norm operation just before the addition step of a skip connection.  Pictured on the left.  And because these two operations always come in pairs, they’re often combined into a single operation called “Norm-Add”.  Pictured on the right.</a:t>
+            </a:r>
+          </a:p>
+          <a:p>
+            <a:pPr algn="l"/>
+            <a:endParaRPr lang="en-US" dirty="0"/>
+          </a:p>
+          <a:p>
+            <a:pPr algn="l"/>
+            <a:r>
+              <a:rPr lang="en-US" dirty="0"/>
+              <a:t>=====</a:t>
+            </a:r>
+          </a:p>
+          <a:p>
+            <a:pPr algn="l"/>
+            <a:endParaRPr lang="en-US" dirty="0"/>
+          </a:p>
+          <a:p>
+            <a:pPr algn="l"/>
+            <a:r>
+              <a:rPr lang="en-US" dirty="0"/>
+              <a:t>In transformers, we usually apply a regularization step called layer normalization, or layer norm, to the outputs of a layer, as shown here on the left. Layer norm belongs to the class of regularization techniques, such as dropout and batchnorm, which help control overfitting by keeping the values flowing through the network from getting too big or too small. (Vanishing / exploding gradients)  The layer norm step learns to adjust the values coming out of a layer so that they approximate the shape of a Gaussian bump with a mean of 0 and standard deviation of 1.</a:t>
+            </a:r>
           </a:p>
         </p:txBody>
       </p:sp>
@@ -1355,7 +1518,7 @@
           <a:p>
             <a:fld id="{3148858F-F1DB-4027-9C85-CCA6849540DD}" type="slidenum">
               <a:rPr lang="en-US" smtClean="0"/>
-              <a:t>16</a:t>
+              <a:t>17</a:t>
             </a:fld>
             <a:endParaRPr lang="en-US"/>
           </a:p>
@@ -1364,7 +1527,7 @@
     </p:spTree>
     <p:extLst>
       <p:ext uri="{BB962C8B-B14F-4D97-AF65-F5344CB8AC3E}">
-        <p14:creationId xmlns:p14="http://schemas.microsoft.com/office/powerpoint/2010/main" val="3333302820"/>
+        <p14:creationId xmlns:p14="http://schemas.microsoft.com/office/powerpoint/2010/main" val="3456021193"/>
       </p:ext>
     </p:extLst>
   </p:cSld>
@@ -1420,61 +1583,51 @@
           <a:p>
             <a:pPr algn="l"/>
             <a:r>
-              <a:rPr lang="en-US" b="0" i="0" dirty="0">
-                <a:solidFill>
-                  <a:srgbClr val="292929"/>
-                </a:solidFill>
-                <a:effectLst/>
-                <a:latin typeface="+mn-lt"/>
-              </a:rPr>
-              <a:t>We begin with a simple image…  first off, the Transformer architecture excels at handling text data which is inherently sequential.  It takes a text sequence as input and produces another text sequence as output;  for example, to translate an input English sentence to Spanish.</a:t>
+              <a:rPr lang="en-US" b="0" dirty="0"/>
+              <a:t>Our third and final building block is </a:t>
+            </a:r>
+            <a:r>
+              <a:rPr lang="en-US" b="1" dirty="0"/>
+              <a:t>positional encoding.  </a:t>
+            </a:r>
+            <a:r>
+              <a:rPr lang="en-US" b="0" dirty="0"/>
+              <a:t>Positional encoding </a:t>
+            </a:r>
+            <a:r>
+              <a:rPr lang="en-US" dirty="0"/>
+              <a:t>solves a problem that arises whenever RNNs are removed from the picture:  we lose track of the location of each word in the input sentence.  A RNN does not have this problem because the words in a sequence present one at a time, thereby allowing the hidden state inside a recurrent cell to remember the order in which they arrived.</a:t>
             </a:r>
           </a:p>
           <a:p>
             <a:pPr algn="l"/>
-            <a:endParaRPr lang="en-US" b="0" i="0" dirty="0">
-              <a:solidFill>
-                <a:srgbClr val="292929"/>
-              </a:solidFill>
-              <a:effectLst/>
-              <a:latin typeface="+mn-lt"/>
-            </a:endParaRPr>
+            <a:endParaRPr lang="en-US" dirty="0"/>
           </a:p>
           <a:p>
             <a:pPr algn="l"/>
             <a:r>
-              <a:rPr lang="en-US" b="0" i="0" dirty="0">
-                <a:solidFill>
-                  <a:srgbClr val="292929"/>
-                </a:solidFill>
-                <a:effectLst/>
-                <a:latin typeface="charter"/>
-              </a:rPr>
-              <a:t>As opposed to directional models, which read the text input sequentially (left-to-right or right-to-left), the Transformer encoder reads the entire sequence of words at once. Therefore, it is considered bidirectional, though it would be more accurate to say that it’s non-directional. This characteristic allows the model to learn the context of a word based on </a:t>
-            </a:r>
-            <a:r>
-              <a:rPr lang="en-US" b="1" i="0" dirty="0">
-                <a:solidFill>
-                  <a:srgbClr val="292929"/>
-                </a:solidFill>
-                <a:effectLst/>
-                <a:latin typeface="charter"/>
-              </a:rPr>
-              <a:t>all</a:t>
-            </a:r>
-            <a:r>
-              <a:rPr lang="en-US" b="0" i="0" dirty="0">
-                <a:solidFill>
-                  <a:srgbClr val="292929"/>
-                </a:solidFill>
-                <a:effectLst/>
-                <a:latin typeface="charter"/>
-              </a:rPr>
-              <a:t> of its surroundings (left and right of the word).</a:t>
-            </a:r>
-            <a:endParaRPr lang="en-US" dirty="0">
-              <a:latin typeface="+mn-lt"/>
-            </a:endParaRPr>
+              <a:rPr lang="en-US" dirty="0"/>
+              <a:t>But attention mixes together the representations of multiple words. So, how can later stages know where each word belongs in the sentence?</a:t>
+            </a:r>
+          </a:p>
+          <a:p>
+            <a:pPr algn="l"/>
+            <a:endParaRPr lang="en-US" dirty="0"/>
+          </a:p>
+          <a:p>
+            <a:pPr algn="l"/>
+            <a:r>
+              <a:rPr lang="en-US" dirty="0"/>
+              <a:t>The answer is to insert each word’s position, or index, into the representation of the word itself. That way, as the word’s representations get processed, the position information comes along for the ride. The generic name for this process is positional encoding.   There are multiple ways to do this.  We can append an index number to the end of each word’s representation.  Left.  Or we can use a function (F) to turn each index into a vector that’s added to the word’s representation.  Middle.  And finally, the icon for positional encoding is shown.  Right.   </a:t>
+            </a:r>
+          </a:p>
+          <a:p>
+            <a:pPr algn="l"/>
+            <a:endParaRPr lang="en-US" dirty="0"/>
+          </a:p>
+          <a:p>
+            <a:pPr algn="l"/>
+            <a:endParaRPr lang="en-US" dirty="0"/>
           </a:p>
         </p:txBody>
       </p:sp>
@@ -1495,7 +1648,7 @@
           <a:p>
             <a:fld id="{3148858F-F1DB-4027-9C85-CCA6849540DD}" type="slidenum">
               <a:rPr lang="en-US" smtClean="0"/>
-              <a:t>17</a:t>
+              <a:t>18</a:t>
             </a:fld>
             <a:endParaRPr lang="en-US"/>
           </a:p>
@@ -1504,7 +1657,7 @@
     </p:spTree>
     <p:extLst>
       <p:ext uri="{BB962C8B-B14F-4D97-AF65-F5344CB8AC3E}">
-        <p14:creationId xmlns:p14="http://schemas.microsoft.com/office/powerpoint/2010/main" val="321616863"/>
+        <p14:creationId xmlns:p14="http://schemas.microsoft.com/office/powerpoint/2010/main" val="50257330"/>
       </p:ext>
     </p:extLst>
   </p:cSld>
@@ -1567,7 +1720,7 @@
                 <a:effectLst/>
                 <a:latin typeface="+mn-lt"/>
               </a:rPr>
-              <a:t>At its core, a transformer contains a stack of Encoder and Decoder layers. To avoid confusion, we will refer to the individual layer as an Encoder or a Decoder and will use Encoder stack or Decoder stack for a group of Encoder layers.</a:t>
+              <a:t>An encoder may feature multiple transformer building blocks.  Here we see an encoder comprised of a self-attention layer as well as a couple of layer norm layers.  Additionally, residual skip connections allow this encoder to bypass the self-attention and feed forward layers as needed.  We will discuss these unique transformer building blocks in just a moment…</a:t>
             </a:r>
           </a:p>
           <a:p>
@@ -1580,23 +1733,6 @@
               <a:latin typeface="+mn-lt"/>
             </a:endParaRPr>
           </a:p>
-          <a:p>
-            <a:pPr algn="l"/>
-            <a:r>
-              <a:rPr lang="en-US" b="0" i="0" dirty="0">
-                <a:solidFill>
-                  <a:srgbClr val="292929"/>
-                </a:solidFill>
-                <a:effectLst/>
-                <a:latin typeface="+mn-lt"/>
-              </a:rPr>
-              <a:t>The Encoder stack and the Decoder stack each have their corresponding Embedding layers for their respective inputs. And finally, there is an Output layer to generate the final output.</a:t>
-            </a:r>
-          </a:p>
-          <a:p>
-            <a:pPr algn="l"/>
-            <a:endParaRPr lang="en-US" dirty="0"/>
-          </a:p>
         </p:txBody>
       </p:sp>
       <p:sp>
@@ -1616,7 +1752,7 @@
           <a:p>
             <a:fld id="{3148858F-F1DB-4027-9C85-CCA6849540DD}" type="slidenum">
               <a:rPr lang="en-US" smtClean="0"/>
-              <a:t>18</a:t>
+              <a:t>19</a:t>
             </a:fld>
             <a:endParaRPr lang="en-US"/>
           </a:p>
@@ -1625,7 +1761,108 @@
     </p:spTree>
     <p:extLst>
       <p:ext uri="{BB962C8B-B14F-4D97-AF65-F5344CB8AC3E}">
-        <p14:creationId xmlns:p14="http://schemas.microsoft.com/office/powerpoint/2010/main" val="2052316668"/>
+        <p14:creationId xmlns:p14="http://schemas.microsoft.com/office/powerpoint/2010/main" val="3560973607"/>
+      </p:ext>
+    </p:extLst>
+  </p:cSld>
+  <p:clrMapOvr>
+    <a:masterClrMapping/>
+  </p:clrMapOvr>
+</p:notes>
+</file>
+
+<file path=ppt/notesSlides/notesSlide19.xml><?xml version="1.0" encoding="utf-8"?>
+<p:notes xmlns:a="http://schemas.openxmlformats.org/drawingml/2006/main" xmlns:r="http://schemas.openxmlformats.org/officeDocument/2006/relationships" xmlns:p="http://schemas.openxmlformats.org/presentationml/2006/main">
+  <p:cSld>
+    <p:spTree>
+      <p:nvGrpSpPr>
+        <p:cNvPr id="1" name=""/>
+        <p:cNvGrpSpPr/>
+        <p:nvPr/>
+      </p:nvGrpSpPr>
+      <p:grpSpPr>
+        <a:xfrm>
+          <a:off x="0" y="0"/>
+          <a:ext cx="0" cy="0"/>
+          <a:chOff x="0" y="0"/>
+          <a:chExt cx="0" cy="0"/>
+        </a:xfrm>
+      </p:grpSpPr>
+      <p:sp>
+        <p:nvSpPr>
+          <p:cNvPr id="2" name="Slide Image Placeholder 1"/>
+          <p:cNvSpPr>
+            <a:spLocks noGrp="1" noRot="1" noChangeAspect="1"/>
+          </p:cNvSpPr>
+          <p:nvPr>
+            <p:ph type="sldImg"/>
+          </p:nvPr>
+        </p:nvSpPr>
+        <p:spPr/>
+      </p:sp>
+      <p:sp>
+        <p:nvSpPr>
+          <p:cNvPr id="3" name="Notes Placeholder 2"/>
+          <p:cNvSpPr>
+            <a:spLocks noGrp="1"/>
+          </p:cNvSpPr>
+          <p:nvPr>
+            <p:ph type="body" idx="1"/>
+          </p:nvPr>
+        </p:nvSpPr>
+        <p:spPr/>
+        <p:txBody>
+          <a:bodyPr/>
+          <a:lstStyle/>
+          <a:p>
+            <a:pPr marL="0" marR="0" lvl="0" indent="0" algn="l" defTabSz="914400" rtl="0" eaLnBrk="1" fontAlgn="auto" latinLnBrk="0" hangingPunct="1">
+              <a:lnSpc>
+                <a:spcPct val="100000"/>
+              </a:lnSpc>
+              <a:spcBef>
+                <a:spcPts val="0"/>
+              </a:spcBef>
+              <a:spcAft>
+                <a:spcPts val="0"/>
+              </a:spcAft>
+              <a:buClrTx/>
+              <a:buSzTx/>
+              <a:buFontTx/>
+              <a:buNone/>
+              <a:tabLst/>
+              <a:defRPr/>
+            </a:pPr>
+            <a:endParaRPr lang="en-US" dirty="0"/>
+          </a:p>
+        </p:txBody>
+      </p:sp>
+      <p:sp>
+        <p:nvSpPr>
+          <p:cNvPr id="4" name="Slide Number Placeholder 3"/>
+          <p:cNvSpPr>
+            <a:spLocks noGrp="1"/>
+          </p:cNvSpPr>
+          <p:nvPr>
+            <p:ph type="sldNum" sz="quarter" idx="5"/>
+          </p:nvPr>
+        </p:nvSpPr>
+        <p:spPr/>
+        <p:txBody>
+          <a:bodyPr/>
+          <a:lstStyle/>
+          <a:p>
+            <a:fld id="{3148858F-F1DB-4027-9C85-CCA6849540DD}" type="slidenum">
+              <a:rPr lang="en-US" smtClean="0"/>
+              <a:t>20</a:t>
+            </a:fld>
+            <a:endParaRPr lang="en-US"/>
+          </a:p>
+        </p:txBody>
+      </p:sp>
+    </p:spTree>
+    <p:extLst>
+      <p:ext uri="{BB962C8B-B14F-4D97-AF65-F5344CB8AC3E}">
+        <p14:creationId xmlns:p14="http://schemas.microsoft.com/office/powerpoint/2010/main" val="393175974"/>
       </p:ext>
     </p:extLst>
   </p:cSld>
@@ -1681,6 +1918,324 @@
           <a:p>
             <a:pPr algn="l"/>
             <a:r>
+              <a:rPr lang="en-US" dirty="0"/>
+              <a:t>Though powerful, RNN architecture suffers from two significant limitations: </a:t>
+            </a:r>
+          </a:p>
+          <a:p>
+            <a:pPr algn="l"/>
+            <a:endParaRPr lang="en-US" dirty="0"/>
+          </a:p>
+          <a:p>
+            <a:pPr marL="228600" indent="-228600" algn="l">
+              <a:buAutoNum type="arabicPeriod"/>
+            </a:pPr>
+            <a:r>
+              <a:rPr lang="en-US" dirty="0"/>
+              <a:t>Because all the information about an input is represented in a single piece of state memory, or context vector, the networks inside each recurrent cell must compress everything that’s needed into the available space. And no matter how large we make the state memory, we can always get an input that exceeds available memory.   Inevitably, vital information is lost.  </a:t>
+            </a:r>
+          </a:p>
+          <a:p>
+            <a:pPr marL="228600" indent="-228600" algn="l">
+              <a:buAutoNum type="arabicPeriod"/>
+            </a:pPr>
+            <a:r>
+              <a:rPr lang="en-US" dirty="0"/>
+              <a:t>A second problem is that a RNN must be trained and used one word at a time. This can be a slow way to work, especially with large datasets. </a:t>
+            </a:r>
+          </a:p>
+          <a:p>
+            <a:pPr marL="0" indent="0" algn="l">
+              <a:buNone/>
+            </a:pPr>
+            <a:endParaRPr lang="en-US" dirty="0"/>
+          </a:p>
+        </p:txBody>
+      </p:sp>
+      <p:sp>
+        <p:nvSpPr>
+          <p:cNvPr id="4" name="Slide Number Placeholder 3"/>
+          <p:cNvSpPr>
+            <a:spLocks noGrp="1"/>
+          </p:cNvSpPr>
+          <p:nvPr>
+            <p:ph type="sldNum" sz="quarter" idx="5"/>
+          </p:nvPr>
+        </p:nvSpPr>
+        <p:spPr/>
+        <p:txBody>
+          <a:bodyPr/>
+          <a:lstStyle/>
+          <a:p>
+            <a:fld id="{3148858F-F1DB-4027-9C85-CCA6849540DD}" type="slidenum">
+              <a:rPr lang="en-US" smtClean="0"/>
+              <a:t>3</a:t>
+            </a:fld>
+            <a:endParaRPr lang="en-US"/>
+          </a:p>
+        </p:txBody>
+      </p:sp>
+    </p:spTree>
+    <p:extLst>
+      <p:ext uri="{BB962C8B-B14F-4D97-AF65-F5344CB8AC3E}">
+        <p14:creationId xmlns:p14="http://schemas.microsoft.com/office/powerpoint/2010/main" val="3451864319"/>
+      </p:ext>
+    </p:extLst>
+  </p:cSld>
+  <p:clrMapOvr>
+    <a:masterClrMapping/>
+  </p:clrMapOvr>
+</p:notes>
+</file>
+
+<file path=ppt/notesSlides/notesSlide20.xml><?xml version="1.0" encoding="utf-8"?>
+<p:notes xmlns:a="http://schemas.openxmlformats.org/drawingml/2006/main" xmlns:r="http://schemas.openxmlformats.org/officeDocument/2006/relationships" xmlns:p="http://schemas.openxmlformats.org/presentationml/2006/main">
+  <p:cSld>
+    <p:spTree>
+      <p:nvGrpSpPr>
+        <p:cNvPr id="1" name=""/>
+        <p:cNvGrpSpPr/>
+        <p:nvPr/>
+      </p:nvGrpSpPr>
+      <p:grpSpPr>
+        <a:xfrm>
+          <a:off x="0" y="0"/>
+          <a:ext cx="0" cy="0"/>
+          <a:chOff x="0" y="0"/>
+          <a:chExt cx="0" cy="0"/>
+        </a:xfrm>
+      </p:grpSpPr>
+      <p:sp>
+        <p:nvSpPr>
+          <p:cNvPr id="2" name="Slide Image Placeholder 1"/>
+          <p:cNvSpPr>
+            <a:spLocks noGrp="1" noRot="1" noChangeAspect="1"/>
+          </p:cNvSpPr>
+          <p:nvPr>
+            <p:ph type="sldImg"/>
+          </p:nvPr>
+        </p:nvSpPr>
+        <p:spPr/>
+      </p:sp>
+      <p:sp>
+        <p:nvSpPr>
+          <p:cNvPr id="3" name="Notes Placeholder 2"/>
+          <p:cNvSpPr>
+            <a:spLocks noGrp="1"/>
+          </p:cNvSpPr>
+          <p:nvPr>
+            <p:ph type="body" idx="1"/>
+          </p:nvPr>
+        </p:nvSpPr>
+        <p:spPr/>
+        <p:txBody>
+          <a:bodyPr/>
+          <a:lstStyle/>
+          <a:p>
+            <a:pPr marL="0" marR="0" lvl="0" indent="0" algn="l" defTabSz="914400" rtl="0" eaLnBrk="1" fontAlgn="auto" latinLnBrk="0" hangingPunct="1">
+              <a:lnSpc>
+                <a:spcPct val="100000"/>
+              </a:lnSpc>
+              <a:spcBef>
+                <a:spcPts val="0"/>
+              </a:spcBef>
+              <a:spcAft>
+                <a:spcPts val="0"/>
+              </a:spcAft>
+              <a:buClrTx/>
+              <a:buSzTx/>
+              <a:buFontTx/>
+              <a:buNone/>
+              <a:tabLst/>
+              <a:defRPr/>
+            </a:pPr>
+            <a:endParaRPr lang="en-US" dirty="0"/>
+          </a:p>
+        </p:txBody>
+      </p:sp>
+      <p:sp>
+        <p:nvSpPr>
+          <p:cNvPr id="4" name="Slide Number Placeholder 3"/>
+          <p:cNvSpPr>
+            <a:spLocks noGrp="1"/>
+          </p:cNvSpPr>
+          <p:nvPr>
+            <p:ph type="sldNum" sz="quarter" idx="5"/>
+          </p:nvPr>
+        </p:nvSpPr>
+        <p:spPr/>
+        <p:txBody>
+          <a:bodyPr/>
+          <a:lstStyle/>
+          <a:p>
+            <a:fld id="{3148858F-F1DB-4027-9C85-CCA6849540DD}" type="slidenum">
+              <a:rPr lang="en-US" smtClean="0"/>
+              <a:t>21</a:t>
+            </a:fld>
+            <a:endParaRPr lang="en-US"/>
+          </a:p>
+        </p:txBody>
+      </p:sp>
+    </p:spTree>
+    <p:extLst>
+      <p:ext uri="{BB962C8B-B14F-4D97-AF65-F5344CB8AC3E}">
+        <p14:creationId xmlns:p14="http://schemas.microsoft.com/office/powerpoint/2010/main" val="3333302820"/>
+      </p:ext>
+    </p:extLst>
+  </p:cSld>
+  <p:clrMapOvr>
+    <a:masterClrMapping/>
+  </p:clrMapOvr>
+</p:notes>
+</file>
+
+<file path=ppt/notesSlides/notesSlide21.xml><?xml version="1.0" encoding="utf-8"?>
+<p:notes xmlns:a="http://schemas.openxmlformats.org/drawingml/2006/main" xmlns:r="http://schemas.openxmlformats.org/officeDocument/2006/relationships" xmlns:p="http://schemas.openxmlformats.org/presentationml/2006/main">
+  <p:cSld>
+    <p:spTree>
+      <p:nvGrpSpPr>
+        <p:cNvPr id="1" name=""/>
+        <p:cNvGrpSpPr/>
+        <p:nvPr/>
+      </p:nvGrpSpPr>
+      <p:grpSpPr>
+        <a:xfrm>
+          <a:off x="0" y="0"/>
+          <a:ext cx="0" cy="0"/>
+          <a:chOff x="0" y="0"/>
+          <a:chExt cx="0" cy="0"/>
+        </a:xfrm>
+      </p:grpSpPr>
+      <p:sp>
+        <p:nvSpPr>
+          <p:cNvPr id="2" name="Slide Image Placeholder 1"/>
+          <p:cNvSpPr>
+            <a:spLocks noGrp="1" noRot="1" noChangeAspect="1"/>
+          </p:cNvSpPr>
+          <p:nvPr>
+            <p:ph type="sldImg"/>
+          </p:nvPr>
+        </p:nvSpPr>
+        <p:spPr/>
+      </p:sp>
+      <p:sp>
+        <p:nvSpPr>
+          <p:cNvPr id="3" name="Notes Placeholder 2"/>
+          <p:cNvSpPr>
+            <a:spLocks noGrp="1"/>
+          </p:cNvSpPr>
+          <p:nvPr>
+            <p:ph type="body" idx="1"/>
+          </p:nvPr>
+        </p:nvSpPr>
+        <p:spPr/>
+        <p:txBody>
+          <a:bodyPr/>
+          <a:lstStyle/>
+          <a:p>
+            <a:pPr marL="0" marR="0" lvl="0" indent="0" algn="l" defTabSz="914400" rtl="0" eaLnBrk="1" fontAlgn="auto" latinLnBrk="0" hangingPunct="1">
+              <a:lnSpc>
+                <a:spcPct val="100000"/>
+              </a:lnSpc>
+              <a:spcBef>
+                <a:spcPts val="0"/>
+              </a:spcBef>
+              <a:spcAft>
+                <a:spcPts val="0"/>
+              </a:spcAft>
+              <a:buClrTx/>
+              <a:buSzTx/>
+              <a:buFontTx/>
+              <a:buNone/>
+              <a:tabLst/>
+              <a:defRPr/>
+            </a:pPr>
+            <a:endParaRPr lang="en-US" dirty="0"/>
+          </a:p>
+        </p:txBody>
+      </p:sp>
+      <p:sp>
+        <p:nvSpPr>
+          <p:cNvPr id="4" name="Slide Number Placeholder 3"/>
+          <p:cNvSpPr>
+            <a:spLocks noGrp="1"/>
+          </p:cNvSpPr>
+          <p:nvPr>
+            <p:ph type="sldNum" sz="quarter" idx="5"/>
+          </p:nvPr>
+        </p:nvSpPr>
+        <p:spPr/>
+        <p:txBody>
+          <a:bodyPr/>
+          <a:lstStyle/>
+          <a:p>
+            <a:fld id="{3148858F-F1DB-4027-9C85-CCA6849540DD}" type="slidenum">
+              <a:rPr lang="en-US" smtClean="0"/>
+              <a:t>22</a:t>
+            </a:fld>
+            <a:endParaRPr lang="en-US"/>
+          </a:p>
+        </p:txBody>
+      </p:sp>
+    </p:spTree>
+    <p:extLst>
+      <p:ext uri="{BB962C8B-B14F-4D97-AF65-F5344CB8AC3E}">
+        <p14:creationId xmlns:p14="http://schemas.microsoft.com/office/powerpoint/2010/main" val="4095264016"/>
+      </p:ext>
+    </p:extLst>
+  </p:cSld>
+  <p:clrMapOvr>
+    <a:masterClrMapping/>
+  </p:clrMapOvr>
+</p:notes>
+</file>
+
+<file path=ppt/notesSlides/notesSlide22.xml><?xml version="1.0" encoding="utf-8"?>
+<p:notes xmlns:a="http://schemas.openxmlformats.org/drawingml/2006/main" xmlns:r="http://schemas.openxmlformats.org/officeDocument/2006/relationships" xmlns:p="http://schemas.openxmlformats.org/presentationml/2006/main">
+  <p:cSld>
+    <p:spTree>
+      <p:nvGrpSpPr>
+        <p:cNvPr id="1" name=""/>
+        <p:cNvGrpSpPr/>
+        <p:nvPr/>
+      </p:nvGrpSpPr>
+      <p:grpSpPr>
+        <a:xfrm>
+          <a:off x="0" y="0"/>
+          <a:ext cx="0" cy="0"/>
+          <a:chOff x="0" y="0"/>
+          <a:chExt cx="0" cy="0"/>
+        </a:xfrm>
+      </p:grpSpPr>
+      <p:sp>
+        <p:nvSpPr>
+          <p:cNvPr id="2" name="Slide Image Placeholder 1"/>
+          <p:cNvSpPr>
+            <a:spLocks noGrp="1" noRot="1" noChangeAspect="1"/>
+          </p:cNvSpPr>
+          <p:nvPr>
+            <p:ph type="sldImg"/>
+          </p:nvPr>
+        </p:nvSpPr>
+        <p:spPr/>
+      </p:sp>
+      <p:sp>
+        <p:nvSpPr>
+          <p:cNvPr id="3" name="Notes Placeholder 2"/>
+          <p:cNvSpPr>
+            <a:spLocks noGrp="1"/>
+          </p:cNvSpPr>
+          <p:nvPr>
+            <p:ph type="body" idx="1"/>
+          </p:nvPr>
+        </p:nvSpPr>
+        <p:spPr/>
+        <p:txBody>
+          <a:bodyPr/>
+          <a:lstStyle/>
+          <a:p>
+            <a:pPr algn="l"/>
+            <a:r>
               <a:rPr lang="en-US" b="0" i="0" dirty="0">
                 <a:solidFill>
                   <a:srgbClr val="292929"/>
@@ -1688,7 +2243,7 @@
                 <a:effectLst/>
                 <a:latin typeface="+mn-lt"/>
               </a:rPr>
-              <a:t>We begin with a simple image…  first off, the Transformer architecture excels at handling sequential text data.  It takes a text sequence as input and produces another text sequence as output.  Here we see a French sentence translated into English.</a:t>
+              <a:t>At its core, a transformer contains a stack of Encoder and Decoder layers. To avoid confusion, we will refer to the individual layer as an Encoder or a Decoder and will use Encoder stack or Decoder stack for a group of Encoder layers.</a:t>
             </a:r>
           </a:p>
           <a:p>
@@ -1709,40 +2264,14 @@
                   <a:srgbClr val="292929"/>
                 </a:solidFill>
                 <a:effectLst/>
-                <a:latin typeface="charter"/>
+                <a:latin typeface="+mn-lt"/>
               </a:rPr>
-              <a:t>As opposed to directional models, which read the text input sequentially (left-to-right or right-to-left), the Transformer encoder reads the entire sequence of words at once. Therefore, it is considered bidirectional, though it would be more accurate to say that it’s non-directional. This characteristic allows the model to learn the context of a word based on </a:t>
-            </a:r>
-            <a:r>
-              <a:rPr lang="en-US" b="1" i="0" dirty="0">
-                <a:solidFill>
-                  <a:srgbClr val="292929"/>
-                </a:solidFill>
-                <a:effectLst/>
-                <a:latin typeface="charter"/>
-              </a:rPr>
-              <a:t>all</a:t>
-            </a:r>
-            <a:r>
-              <a:rPr lang="en-US" b="0" i="0" dirty="0">
-                <a:solidFill>
-                  <a:srgbClr val="292929"/>
-                </a:solidFill>
-                <a:effectLst/>
-                <a:latin typeface="charter"/>
-              </a:rPr>
-              <a:t> of its surroundings (left and right of the word).</a:t>
-            </a:r>
-            <a:endParaRPr lang="en-US" dirty="0">
-              <a:latin typeface="+mn-lt"/>
-            </a:endParaRPr>
+              <a:t>The Encoder stack and the Decoder stack each have their corresponding Embedding layers for their respective inputs. And finally, there is an Output layer to generate the final output.</a:t>
+            </a:r>
           </a:p>
           <a:p>
             <a:pPr algn="l"/>
-            <a:r>
-              <a:rPr lang="en-US" dirty="0"/>
-              <a:t> </a:t>
-            </a:r>
+            <a:endParaRPr lang="en-US" dirty="0"/>
           </a:p>
         </p:txBody>
       </p:sp>
@@ -1763,7 +2292,7 @@
           <a:p>
             <a:fld id="{3148858F-F1DB-4027-9C85-CCA6849540DD}" type="slidenum">
               <a:rPr lang="en-US" smtClean="0"/>
-              <a:t>2</a:t>
+              <a:t>23</a:t>
             </a:fld>
             <a:endParaRPr lang="en-US"/>
           </a:p>
@@ -1772,7 +2301,7 @@
     </p:spTree>
     <p:extLst>
       <p:ext uri="{BB962C8B-B14F-4D97-AF65-F5344CB8AC3E}">
-        <p14:creationId xmlns:p14="http://schemas.microsoft.com/office/powerpoint/2010/main" val="2300733190"/>
+        <p14:creationId xmlns:p14="http://schemas.microsoft.com/office/powerpoint/2010/main" val="2052316668"/>
       </p:ext>
     </p:extLst>
   </p:cSld>
@@ -1826,59 +2355,51 @@
           <a:bodyPr/>
           <a:lstStyle/>
           <a:p>
-            <a:pPr algn="l"/>
-            <a:r>
-              <a:rPr lang="en-US" b="0" i="0" dirty="0">
-                <a:solidFill>
-                  <a:srgbClr val="292929"/>
-                </a:solidFill>
-                <a:effectLst/>
-                <a:latin typeface="+mn-lt"/>
-              </a:rPr>
-              <a:t>At its core, a transformer contains a stack of Encoder and Decoder layers. To avoid confusion, we refer to the individual layer as an Encoder or a Decoder and will use Encoder stack or Decoder stack for a group of Encoder layers.</a:t>
-            </a:r>
-          </a:p>
-          <a:p>
-            <a:pPr algn="l"/>
-            <a:endParaRPr lang="en-US" b="0" i="0" dirty="0">
-              <a:solidFill>
-                <a:srgbClr val="292929"/>
-              </a:solidFill>
-              <a:effectLst/>
-              <a:latin typeface="+mn-lt"/>
-            </a:endParaRPr>
-          </a:p>
-          <a:p>
-            <a:pPr algn="l"/>
-            <a:r>
-              <a:rPr lang="en-US" b="0" i="0" dirty="0">
-                <a:solidFill>
-                  <a:srgbClr val="292929"/>
-                </a:solidFill>
-                <a:effectLst/>
-                <a:latin typeface="+mn-lt"/>
-              </a:rPr>
-              <a:t>The Encoder stack and the Decoder stack each have their corresponding Embedding layers for their respective inputs. And finally, there is an Output layer to generate the final output.</a:t>
-            </a:r>
-          </a:p>
-          <a:p>
-            <a:pPr marL="0" marR="0" lvl="0" indent="0" algn="l" defTabSz="914400" rtl="0" eaLnBrk="1" fontAlgn="auto" latinLnBrk="0" hangingPunct="1">
+            <a:pPr marL="0" marR="0">
               <a:lnSpc>
-                <a:spcPct val="100000"/>
+                <a:spcPct val="107000"/>
               </a:lnSpc>
               <a:spcBef>
                 <a:spcPts val="0"/>
               </a:spcBef>
               <a:spcAft>
-                <a:spcPts val="0"/>
+                <a:spcPts val="800"/>
               </a:spcAft>
-              <a:buClrTx/>
-              <a:buSzTx/>
-              <a:buFontTx/>
-              <a:buNone/>
-              <a:tabLst/>
-              <a:defRPr/>
             </a:pPr>
+            <a:r>
+              <a:rPr lang="en-US" sz="1800" dirty="0">
+                <a:effectLst/>
+                <a:latin typeface="Calibri" panose="020F0502020204030204" pitchFamily="34" charset="0"/>
+                <a:ea typeface="Malgun Gothic" panose="020B0503020000020004" pitchFamily="34" charset="-127"/>
+                <a:cs typeface="Times New Roman" panose="02020603050405020304" pitchFamily="18" charset="0"/>
+              </a:rPr>
+              <a:t>Hopefully, the paint analogy from today’s first mini-lecture has helped you gain an intuitive understanding of attention.  We will now consider transformers from a technical architecture point-of-view.  We start with a quick review of RNN architecture and its shortcomings.  </a:t>
+            </a:r>
+          </a:p>
+          <a:p>
+            <a:pPr algn="l" fontAlgn="base"/>
+            <a:endParaRPr lang="en-US" dirty="0"/>
+          </a:p>
+          <a:p>
+            <a:pPr algn="l" fontAlgn="base"/>
+            <a:r>
+              <a:rPr lang="en-US" dirty="0"/>
+              <a:t>RNN models contain a feedback loop which allows information to move from one step to another.  As such, they’re ideal for modeling sequential data like text. As pictured here, an RNN receives some input (a word or character), feeds it through the network, and outputs a vector called the hidden state. At the same time, the model feeds some information back to itself via the feedback loop, which it can then use in the next step. </a:t>
+            </a:r>
+          </a:p>
+          <a:p>
+            <a:pPr algn="l" fontAlgn="base"/>
+            <a:endParaRPr lang="en-US" dirty="0"/>
+          </a:p>
+          <a:p>
+            <a:pPr algn="l" fontAlgn="base"/>
+            <a:r>
+              <a:rPr lang="en-US" dirty="0"/>
+              <a:t>To the right of the equal sign, the RNN process is unrolled. During each iteration, the RNN cell passes information about its state to the next operation in the sequence. This allows the cell to retain information from previous steps and use it for its output predictions.</a:t>
+            </a:r>
+          </a:p>
+          <a:p>
+            <a:pPr algn="l" fontAlgn="base"/>
             <a:endParaRPr lang="en-US" dirty="0"/>
           </a:p>
         </p:txBody>
@@ -1900,7 +2421,7 @@
           <a:p>
             <a:fld id="{3148858F-F1DB-4027-9C85-CCA6849540DD}" type="slidenum">
               <a:rPr lang="en-US" smtClean="0"/>
-              <a:t>3</a:t>
+              <a:t>4</a:t>
             </a:fld>
             <a:endParaRPr lang="en-US"/>
           </a:p>
@@ -1909,7 +2430,7 @@
     </p:spTree>
     <p:extLst>
       <p:ext uri="{BB962C8B-B14F-4D97-AF65-F5344CB8AC3E}">
-        <p14:creationId xmlns:p14="http://schemas.microsoft.com/office/powerpoint/2010/main" val="1658867139"/>
+        <p14:creationId xmlns:p14="http://schemas.microsoft.com/office/powerpoint/2010/main" val="1047077964"/>
       </p:ext>
     </p:extLst>
   </p:cSld>
@@ -1981,56 +2502,139 @@
               <a:defRPr/>
             </a:pPr>
             <a:r>
-              <a:rPr lang="en-US" b="0" i="0" dirty="0">
-                <a:solidFill>
-                  <a:srgbClr val="292929"/>
-                </a:solidFill>
-                <a:effectLst/>
-                <a:latin typeface="charter"/>
+              <a:rPr lang="en-US" sz="1100" dirty="0">
+                <a:latin typeface="Palatino Linotype" panose="02040502050505030304" pitchFamily="18" charset="0"/>
               </a:rPr>
-              <a:t>All encoders have the same architecture.  Each encoder consists of two layers: </a:t>
-            </a:r>
-            <a:r>
-              <a:rPr lang="en-US" b="1" i="0" dirty="0">
-                <a:solidFill>
-                  <a:srgbClr val="292929"/>
-                </a:solidFill>
-                <a:effectLst/>
-                <a:latin typeface="charter"/>
+              <a:t>The RNN architecture enabled early machine translation systems.  The way in which RNNs translate text is usually done by linking an Encoder to a Decoder.  This architecture works well when both the input and output sequences are of fixed length.  Here a short English sentence of 3 words plus exclamation point is translated into German.  The encoder ingests each sentence element sequentially while maintaining its state along the way.  The encoder’s last hidden state – a numerical representation of the entire sentence – is then passed to the decoder.  The decoder, in turn, generates the German equivalents from top to bottom.</a:t>
+            </a:r>
+          </a:p>
+          <a:p>
+            <a:pPr marL="0" marR="0" lvl="0" indent="0" algn="l" defTabSz="914400" rtl="0" eaLnBrk="1" fontAlgn="auto" latinLnBrk="0" hangingPunct="1">
+              <a:lnSpc>
+                <a:spcPct val="100000"/>
+              </a:lnSpc>
+              <a:spcBef>
+                <a:spcPts val="0"/>
+              </a:spcBef>
+              <a:spcAft>
+                <a:spcPts val="0"/>
+              </a:spcAft>
+              <a:buClrTx/>
+              <a:buSzTx/>
+              <a:buFontTx/>
+              <a:buNone/>
+              <a:tabLst/>
+              <a:defRPr/>
+            </a:pPr>
+            <a:endParaRPr lang="en-US" sz="1100" dirty="0">
+              <a:latin typeface="Palatino Linotype" panose="02040502050505030304" pitchFamily="18" charset="0"/>
+            </a:endParaRPr>
+          </a:p>
+          <a:p>
+            <a:pPr marL="0" marR="0" lvl="0" indent="0" algn="l" defTabSz="914400" rtl="0" eaLnBrk="1" fontAlgn="auto" latinLnBrk="0" hangingPunct="1">
+              <a:lnSpc>
+                <a:spcPct val="100000"/>
+              </a:lnSpc>
+              <a:spcBef>
+                <a:spcPts val="0"/>
+              </a:spcBef>
+              <a:spcAft>
+                <a:spcPts val="0"/>
+              </a:spcAft>
+              <a:buClrTx/>
+              <a:buSzTx/>
+              <a:buFontTx/>
+              <a:buNone/>
+              <a:tabLst/>
+              <a:defRPr/>
+            </a:pPr>
+            <a:r>
+              <a:rPr lang="en-US" sz="1100" dirty="0">
+                <a:latin typeface="Palatino Linotype" panose="02040502050505030304" pitchFamily="18" charset="0"/>
               </a:rPr>
-              <a:t>Self-attention</a:t>
-            </a:r>
-            <a:r>
-              <a:rPr lang="en-US" b="0" i="0" dirty="0">
-                <a:solidFill>
-                  <a:srgbClr val="292929"/>
-                </a:solidFill>
-                <a:effectLst/>
-                <a:latin typeface="charter"/>
+              <a:t>This architecture is simple and elegant, but it has one big weakness.  The encoder’s final hidden state is an information bottleneck.  That is, it must represent the meaning of the </a:t>
+            </a:r>
+            <a:r>
+              <a:rPr lang="en-US" sz="1100" u="sng" dirty="0">
+                <a:latin typeface="Palatino Linotype" panose="02040502050505030304" pitchFamily="18" charset="0"/>
               </a:rPr>
-              <a:t> and a feed Forward Neural Network. The encoder’s inputs first flow through a</a:t>
-            </a:r>
-            <a:r>
-              <a:rPr lang="en-US" b="1" i="0" dirty="0">
-                <a:solidFill>
-                  <a:srgbClr val="292929"/>
-                </a:solidFill>
-                <a:effectLst/>
-                <a:latin typeface="charter"/>
+              <a:t>entire</a:t>
+            </a:r>
+            <a:r>
+              <a:rPr lang="en-US" sz="1100" dirty="0">
+                <a:latin typeface="Palatino Linotype" panose="02040502050505030304" pitchFamily="18" charset="0"/>
               </a:rPr>
-              <a:t> self-attention</a:t>
-            </a:r>
-            <a:r>
-              <a:rPr lang="en-US" b="0" i="0" dirty="0">
-                <a:solidFill>
-                  <a:srgbClr val="292929"/>
-                </a:solidFill>
-                <a:effectLst/>
-                <a:latin typeface="charter"/>
+              <a:t> input sequence in a compressed form.  With long sequences, this creates a challenge.  The information at the start of the sequence might be lost in the process of compressing everything into a single (fixed) representation.  </a:t>
+            </a:r>
+          </a:p>
+          <a:p>
+            <a:pPr marL="0" marR="0" lvl="0" indent="0" algn="l" defTabSz="914400" rtl="0" eaLnBrk="1" fontAlgn="auto" latinLnBrk="0" hangingPunct="1">
+              <a:lnSpc>
+                <a:spcPct val="100000"/>
+              </a:lnSpc>
+              <a:spcBef>
+                <a:spcPts val="0"/>
+              </a:spcBef>
+              <a:spcAft>
+                <a:spcPts val="0"/>
+              </a:spcAft>
+              <a:buClrTx/>
+              <a:buSzTx/>
+              <a:buFontTx/>
+              <a:buNone/>
+              <a:tabLst/>
+              <a:defRPr/>
+            </a:pPr>
+            <a:endParaRPr lang="en-US" sz="1100" dirty="0">
+              <a:latin typeface="Palatino Linotype" panose="02040502050505030304" pitchFamily="18" charset="0"/>
+            </a:endParaRPr>
+          </a:p>
+          <a:p>
+            <a:pPr marL="0" marR="0" lvl="0" indent="0" algn="l" defTabSz="914400" rtl="0" eaLnBrk="1" fontAlgn="auto" latinLnBrk="0" hangingPunct="1">
+              <a:lnSpc>
+                <a:spcPct val="100000"/>
+              </a:lnSpc>
+              <a:spcBef>
+                <a:spcPts val="0"/>
+              </a:spcBef>
+              <a:spcAft>
+                <a:spcPts val="0"/>
+              </a:spcAft>
+              <a:buClrTx/>
+              <a:buSzTx/>
+              <a:buFontTx/>
+              <a:buNone/>
+              <a:tabLst/>
+              <a:defRPr/>
+            </a:pPr>
+            <a:r>
+              <a:rPr lang="en-US" sz="1100" dirty="0">
+                <a:latin typeface="Palatino Linotype" panose="02040502050505030304" pitchFamily="18" charset="0"/>
               </a:rPr>
-              <a:t> layer which helps it look at other words in the input sentence as it encodes a specific word.</a:t>
-            </a:r>
-            <a:endParaRPr lang="en-US" dirty="0"/>
+              <a:t>When that happens, the decoder is unable to do its job well.</a:t>
+            </a:r>
+          </a:p>
+          <a:p>
+            <a:pPr marL="0" marR="0" lvl="0" indent="0" algn="l" defTabSz="914400" rtl="0" eaLnBrk="1" fontAlgn="auto" latinLnBrk="0" hangingPunct="1">
+              <a:lnSpc>
+                <a:spcPct val="100000"/>
+              </a:lnSpc>
+              <a:spcBef>
+                <a:spcPts val="0"/>
+              </a:spcBef>
+              <a:spcAft>
+                <a:spcPts val="0"/>
+              </a:spcAft>
+              <a:buClrTx/>
+              <a:buSzTx/>
+              <a:buFontTx/>
+              <a:buNone/>
+              <a:tabLst/>
+              <a:defRPr/>
+            </a:pPr>
+            <a:endParaRPr lang="en-US" sz="1100" dirty="0">
+              <a:latin typeface="Palatino Linotype" panose="02040502050505030304" pitchFamily="18" charset="0"/>
+            </a:endParaRPr>
           </a:p>
         </p:txBody>
       </p:sp>
@@ -2051,7 +2655,7 @@
           <a:p>
             <a:fld id="{3148858F-F1DB-4027-9C85-CCA6849540DD}" type="slidenum">
               <a:rPr lang="en-US" smtClean="0"/>
-              <a:t>4</a:t>
+              <a:t>5</a:t>
             </a:fld>
             <a:endParaRPr lang="en-US"/>
           </a:p>
@@ -2060,7 +2664,7 @@
     </p:spTree>
     <p:extLst>
       <p:ext uri="{BB962C8B-B14F-4D97-AF65-F5344CB8AC3E}">
-        <p14:creationId xmlns:p14="http://schemas.microsoft.com/office/powerpoint/2010/main" val="429660952"/>
+        <p14:creationId xmlns:p14="http://schemas.microsoft.com/office/powerpoint/2010/main" val="2538481723"/>
       </p:ext>
     </p:extLst>
   </p:cSld>
@@ -2139,9 +2743,182 @@
                 <a:effectLst/>
                 <a:latin typeface="charter"/>
               </a:rPr>
-              <a:t>All decoders have the same architecture.   And like the encoder, the decoder contains both self-attention and feed forward layers, with an attention layer sandwiched in-between.  This layer helps the decoder focus on relevant parts of the input sentence.</a:t>
-            </a:r>
-            <a:endParaRPr lang="en-US" dirty="0"/>
+              <a:t>Let’s simulate the bottleneck problem.  This animation shows how a RNN sequence-to-sequence model works. Each word is processed separately, with a single hidden state passed between words before being handed off to the decoder which generates the output…</a:t>
+            </a:r>
+          </a:p>
+          <a:p>
+            <a:pPr marL="0" marR="0" lvl="0" indent="0" algn="l" defTabSz="914400" rtl="0" eaLnBrk="1" fontAlgn="auto" latinLnBrk="0" hangingPunct="1">
+              <a:lnSpc>
+                <a:spcPct val="100000"/>
+              </a:lnSpc>
+              <a:spcBef>
+                <a:spcPts val="0"/>
+              </a:spcBef>
+              <a:spcAft>
+                <a:spcPts val="0"/>
+              </a:spcAft>
+              <a:buClrTx/>
+              <a:buSzTx/>
+              <a:buFontTx/>
+              <a:buNone/>
+              <a:tabLst/>
+              <a:defRPr/>
+            </a:pPr>
+            <a:endParaRPr lang="en-US" b="0" i="0" dirty="0">
+              <a:solidFill>
+                <a:srgbClr val="292929"/>
+              </a:solidFill>
+              <a:effectLst/>
+              <a:latin typeface="charter"/>
+            </a:endParaRPr>
+          </a:p>
+          <a:p>
+            <a:pPr marL="0" marR="0" lvl="0" indent="0" algn="l" defTabSz="914400" rtl="0" eaLnBrk="1" fontAlgn="auto" latinLnBrk="0" hangingPunct="1">
+              <a:lnSpc>
+                <a:spcPct val="100000"/>
+              </a:lnSpc>
+              <a:spcBef>
+                <a:spcPts val="0"/>
+              </a:spcBef>
+              <a:spcAft>
+                <a:spcPts val="0"/>
+              </a:spcAft>
+              <a:buClrTx/>
+              <a:buSzTx/>
+              <a:buFontTx/>
+              <a:buNone/>
+              <a:tabLst/>
+              <a:defRPr/>
+            </a:pPr>
+            <a:r>
+              <a:rPr lang="en-US" b="0" i="0" dirty="0">
+                <a:solidFill>
+                  <a:srgbClr val="292929"/>
+                </a:solidFill>
+                <a:effectLst/>
+                <a:latin typeface="charter"/>
+              </a:rPr>
+              <a:t>=====</a:t>
+            </a:r>
+          </a:p>
+          <a:p>
+            <a:pPr marL="0" marR="0" lvl="0" indent="0" algn="l" defTabSz="914400" rtl="0" eaLnBrk="1" fontAlgn="auto" latinLnBrk="0" hangingPunct="1">
+              <a:lnSpc>
+                <a:spcPct val="100000"/>
+              </a:lnSpc>
+              <a:spcBef>
+                <a:spcPts val="0"/>
+              </a:spcBef>
+              <a:spcAft>
+                <a:spcPts val="0"/>
+              </a:spcAft>
+              <a:buClrTx/>
+              <a:buSzTx/>
+              <a:buFontTx/>
+              <a:buNone/>
+              <a:tabLst/>
+              <a:defRPr/>
+            </a:pPr>
+            <a:r>
+              <a:rPr lang="en-US" sz="1200" dirty="0">
+                <a:latin typeface="Palatino Linotype" panose="02040502050505030304" pitchFamily="18" charset="0"/>
+              </a:rPr>
+              <a:t>Fortunately, we can avoid this bottleneck altogether.  What if the decoder could access </a:t>
+            </a:r>
+            <a:r>
+              <a:rPr lang="en-US" sz="1200" u="sng" dirty="0">
+                <a:latin typeface="Palatino Linotype" panose="02040502050505030304" pitchFamily="18" charset="0"/>
+              </a:rPr>
+              <a:t>all</a:t>
+            </a:r>
+            <a:r>
+              <a:rPr lang="en-US" sz="1200" dirty="0">
+                <a:latin typeface="Palatino Linotype" panose="02040502050505030304" pitchFamily="18" charset="0"/>
+              </a:rPr>
+              <a:t> the encoder’s hidden states, not just the final one?  If that was the case, it could then pay </a:t>
+            </a:r>
+            <a:r>
+              <a:rPr lang="en-US" sz="1200" b="1" dirty="0">
+                <a:latin typeface="Palatino Linotype" panose="02040502050505030304" pitchFamily="18" charset="0"/>
+              </a:rPr>
+              <a:t>attention</a:t>
+            </a:r>
+            <a:r>
+              <a:rPr lang="en-US" sz="1200" dirty="0">
+                <a:latin typeface="Palatino Linotype" panose="02040502050505030304" pitchFamily="18" charset="0"/>
+              </a:rPr>
+              <a:t> to different combinations of hidden states as it translates each element in a sequence.</a:t>
+            </a:r>
+          </a:p>
+          <a:p>
+            <a:pPr marL="0" marR="0" lvl="0" indent="0" algn="l" defTabSz="914400" rtl="0" eaLnBrk="1" fontAlgn="auto" latinLnBrk="0" hangingPunct="1">
+              <a:lnSpc>
+                <a:spcPct val="100000"/>
+              </a:lnSpc>
+              <a:spcBef>
+                <a:spcPts val="0"/>
+              </a:spcBef>
+              <a:spcAft>
+                <a:spcPts val="0"/>
+              </a:spcAft>
+              <a:buClrTx/>
+              <a:buSzTx/>
+              <a:buFontTx/>
+              <a:buNone/>
+              <a:tabLst/>
+              <a:defRPr/>
+            </a:pPr>
+            <a:endParaRPr lang="en-US" sz="1200" dirty="0">
+              <a:latin typeface="Palatino Linotype" panose="02040502050505030304" pitchFamily="18" charset="0"/>
+            </a:endParaRPr>
+          </a:p>
+          <a:p>
+            <a:pPr marL="0" marR="0" lvl="0" indent="0" algn="l" defTabSz="914400" rtl="0" eaLnBrk="1" fontAlgn="auto" latinLnBrk="0" hangingPunct="1">
+              <a:lnSpc>
+                <a:spcPct val="100000"/>
+              </a:lnSpc>
+              <a:spcBef>
+                <a:spcPts val="0"/>
+              </a:spcBef>
+              <a:spcAft>
+                <a:spcPts val="0"/>
+              </a:spcAft>
+              <a:buClrTx/>
+              <a:buSzTx/>
+              <a:buFontTx/>
+              <a:buNone/>
+              <a:tabLst/>
+              <a:defRPr/>
+            </a:pPr>
+            <a:endParaRPr lang="en-US" sz="1200" dirty="0">
+              <a:latin typeface="Palatino Linotype" panose="02040502050505030304" pitchFamily="18" charset="0"/>
+            </a:endParaRPr>
+          </a:p>
+          <a:p>
+            <a:pPr marL="0" marR="0" lvl="0" indent="0" algn="l" defTabSz="914400" rtl="0" eaLnBrk="1" fontAlgn="auto" latinLnBrk="0" hangingPunct="1">
+              <a:lnSpc>
+                <a:spcPct val="100000"/>
+              </a:lnSpc>
+              <a:spcBef>
+                <a:spcPts val="0"/>
+              </a:spcBef>
+              <a:spcAft>
+                <a:spcPts val="0"/>
+              </a:spcAft>
+              <a:buClrTx/>
+              <a:buSzTx/>
+              <a:buFontTx/>
+              <a:buNone/>
+              <a:tabLst/>
+              <a:defRPr/>
+            </a:pPr>
+            <a:endParaRPr lang="en-US" b="0" i="0" dirty="0">
+              <a:solidFill>
+                <a:srgbClr val="292929"/>
+              </a:solidFill>
+              <a:effectLst/>
+              <a:latin typeface="charter"/>
+            </a:endParaRPr>
           </a:p>
         </p:txBody>
       </p:sp>
@@ -2162,7 +2939,7 @@
           <a:p>
             <a:fld id="{3148858F-F1DB-4027-9C85-CCA6849540DD}" type="slidenum">
               <a:rPr lang="en-US" smtClean="0"/>
-              <a:t>5</a:t>
+              <a:t>6</a:t>
             </a:fld>
             <a:endParaRPr lang="en-US"/>
           </a:p>
@@ -2171,7 +2948,7 @@
     </p:spTree>
     <p:extLst>
       <p:ext uri="{BB962C8B-B14F-4D97-AF65-F5344CB8AC3E}">
-        <p14:creationId xmlns:p14="http://schemas.microsoft.com/office/powerpoint/2010/main" val="4140246655"/>
+        <p14:creationId xmlns:p14="http://schemas.microsoft.com/office/powerpoint/2010/main" val="376527333"/>
       </p:ext>
     </p:extLst>
   </p:cSld>
@@ -2225,78 +3002,72 @@
           <a:bodyPr/>
           <a:lstStyle/>
           <a:p>
-            <a:pPr algn="l"/>
+            <a:pPr marL="0" marR="0" lvl="0" indent="0" algn="l" defTabSz="914400" rtl="0" eaLnBrk="1" fontAlgn="auto" latinLnBrk="0" hangingPunct="1">
+              <a:lnSpc>
+                <a:spcPct val="100000"/>
+              </a:lnSpc>
+              <a:spcBef>
+                <a:spcPts val="0"/>
+              </a:spcBef>
+              <a:spcAft>
+                <a:spcPts val="0"/>
+              </a:spcAft>
+              <a:buClrTx/>
+              <a:buSzTx/>
+              <a:buFontTx/>
+              <a:buNone/>
+              <a:tabLst/>
+              <a:defRPr/>
+            </a:pPr>
             <a:r>
               <a:rPr lang="en-US" b="0" i="0" dirty="0">
                 <a:solidFill>
                   <a:srgbClr val="292929"/>
                 </a:solidFill>
                 <a:effectLst/>
-                <a:latin typeface="+mn-lt"/>
+                <a:latin typeface="charter"/>
               </a:rPr>
-              <a:t>All the Encoders are identical to one another. Similarly, all the Decoders are identical.</a:t>
-            </a:r>
-          </a:p>
-          <a:p>
-            <a:pPr algn="l"/>
-            <a:endParaRPr lang="en-US" b="0" i="0" dirty="0">
-              <a:solidFill>
-                <a:srgbClr val="292929"/>
-              </a:solidFill>
-              <a:effectLst/>
-              <a:latin typeface="+mn-lt"/>
-            </a:endParaRPr>
-          </a:p>
-          <a:p>
-            <a:pPr marL="228600" indent="-228600" algn="l">
-              <a:buFont typeface="Courier New" panose="02070309020205020404" pitchFamily="49" charset="0"/>
-              <a:buChar char="o"/>
+              <a:t>The answer to the bottleneck problem appeared in 2017, in a paper entitled, “</a:t>
+            </a:r>
+            <a:r>
+              <a:rPr lang="en-US" b="0" i="1" dirty="0">
+                <a:solidFill>
+                  <a:srgbClr val="292929"/>
+                </a:solidFill>
+                <a:effectLst/>
+                <a:latin typeface="charter"/>
+              </a:rPr>
+              <a:t>Attention is all You Need</a:t>
+            </a:r>
+            <a:r>
+              <a:rPr lang="en-US" b="0" i="0" dirty="0">
+                <a:solidFill>
+                  <a:srgbClr val="292929"/>
+                </a:solidFill>
+                <a:effectLst/>
+                <a:latin typeface="charter"/>
+              </a:rPr>
+              <a:t>.”  The transformer was born.  And since then, it has proven to be an effective AI tool, used in a variety of ways.</a:t>
+            </a:r>
+          </a:p>
+          <a:p>
+            <a:pPr marL="0" marR="0" lvl="0" indent="0" algn="l" defTabSz="914400" rtl="0" eaLnBrk="1" fontAlgn="auto" latinLnBrk="0" hangingPunct="1">
+              <a:lnSpc>
+                <a:spcPct val="100000"/>
+              </a:lnSpc>
+              <a:spcBef>
+                <a:spcPts val="0"/>
+              </a:spcBef>
+              <a:spcAft>
+                <a:spcPts val="0"/>
+              </a:spcAft>
+              <a:buClrTx/>
+              <a:buSzTx/>
+              <a:buFontTx/>
+              <a:buNone/>
+              <a:tabLst/>
+              <a:defRPr/>
             </a:pPr>
-            <a:r>
-              <a:rPr lang="en-US" b="0" i="0" dirty="0">
-                <a:solidFill>
-                  <a:srgbClr val="292929"/>
-                </a:solidFill>
-                <a:effectLst/>
-                <a:latin typeface="+mn-lt"/>
-              </a:rPr>
-              <a:t>The Encoder contains the all-important Self-attention layer that computes the relationship between different words in the sequence.</a:t>
-            </a:r>
-          </a:p>
-          <a:p>
-            <a:pPr marL="228600" indent="-228600" algn="l">
-              <a:buFont typeface="Courier New" panose="02070309020205020404" pitchFamily="49" charset="0"/>
-              <a:buChar char="o"/>
-            </a:pPr>
-            <a:r>
-              <a:rPr lang="en-US" b="0" i="0" dirty="0">
-                <a:solidFill>
-                  <a:srgbClr val="292929"/>
-                </a:solidFill>
-                <a:effectLst/>
-                <a:latin typeface="+mn-lt"/>
-              </a:rPr>
-              <a:t>The Decoder also contains the Self-attention layer and the Feed-forward layer, as well as a second Encoder-Decoder attention layer.</a:t>
-            </a:r>
-          </a:p>
-          <a:p>
-            <a:pPr marL="228600" indent="-228600" algn="l">
-              <a:buFont typeface="Courier New" panose="02070309020205020404" pitchFamily="49" charset="0"/>
-              <a:buChar char="o"/>
-            </a:pPr>
-            <a:r>
-              <a:rPr lang="en-US" b="0" i="0" dirty="0">
-                <a:solidFill>
-                  <a:srgbClr val="292929"/>
-                </a:solidFill>
-                <a:effectLst/>
-                <a:latin typeface="+mn-lt"/>
-              </a:rPr>
-              <a:t>Each Encoder and Decoder has its own set of weights.</a:t>
-            </a:r>
-          </a:p>
-          <a:p>
-            <a:pPr algn="l"/>
             <a:endParaRPr lang="en-US" b="0" i="0" dirty="0">
               <a:solidFill>
                 <a:srgbClr val="292929"/>
@@ -2306,7 +3077,6 @@
             </a:endParaRPr>
           </a:p>
           <a:p>
-            <a:pPr algn="l"/>
             <a:endParaRPr lang="en-US" dirty="0"/>
           </a:p>
         </p:txBody>
@@ -2328,7 +3098,7 @@
           <a:p>
             <a:fld id="{3148858F-F1DB-4027-9C85-CCA6849540DD}" type="slidenum">
               <a:rPr lang="en-US" smtClean="0"/>
-              <a:t>6</a:t>
+              <a:t>7</a:t>
             </a:fld>
             <a:endParaRPr lang="en-US"/>
           </a:p>
@@ -2337,7 +3107,7 @@
     </p:spTree>
     <p:extLst>
       <p:ext uri="{BB962C8B-B14F-4D97-AF65-F5344CB8AC3E}">
-        <p14:creationId xmlns:p14="http://schemas.microsoft.com/office/powerpoint/2010/main" val="3371112019"/>
+        <p14:creationId xmlns:p14="http://schemas.microsoft.com/office/powerpoint/2010/main" val="3120707206"/>
       </p:ext>
     </p:extLst>
   </p:cSld>
@@ -2391,24 +3161,70 @@
           <a:bodyPr/>
           <a:lstStyle/>
           <a:p>
-            <a:pPr marL="0" marR="0" lvl="0" indent="0" algn="l" defTabSz="914400" rtl="0" eaLnBrk="1" fontAlgn="auto" latinLnBrk="0" hangingPunct="1">
-              <a:lnSpc>
-                <a:spcPct val="100000"/>
-              </a:lnSpc>
-              <a:spcBef>
-                <a:spcPts val="0"/>
-              </a:spcBef>
-              <a:spcAft>
-                <a:spcPts val="0"/>
-              </a:spcAft>
-              <a:buClrTx/>
-              <a:buSzTx/>
-              <a:buFontTx/>
-              <a:buNone/>
-              <a:tabLst/>
-              <a:defRPr/>
-            </a:pPr>
-            <a:endParaRPr lang="en-US" dirty="0"/>
+            <a:pPr algn="l"/>
+            <a:r>
+              <a:rPr lang="en-US" b="0" i="0" dirty="0">
+                <a:solidFill>
+                  <a:srgbClr val="292929"/>
+                </a:solidFill>
+                <a:effectLst/>
+                <a:latin typeface="+mn-lt"/>
+              </a:rPr>
+              <a:t>We begin our transformer learning journey with a quick (high-level) overview of the architecture.  Like RNNs, transformer architecture excels at handling sequential data.  Translation is a special kind of sequential task which takes a text sequence in one language and outputs it in another. </a:t>
+            </a:r>
+          </a:p>
+          <a:p>
+            <a:pPr algn="l"/>
+            <a:endParaRPr lang="en-US" b="0" i="0" dirty="0">
+              <a:solidFill>
+                <a:srgbClr val="292929"/>
+              </a:solidFill>
+              <a:effectLst/>
+              <a:latin typeface="+mn-lt"/>
+            </a:endParaRPr>
+          </a:p>
+          <a:p>
+            <a:pPr algn="l"/>
+            <a:r>
+              <a:rPr lang="en-US" b="0" i="0" dirty="0">
+                <a:solidFill>
+                  <a:srgbClr val="292929"/>
+                </a:solidFill>
+                <a:effectLst/>
+                <a:latin typeface="charter"/>
+              </a:rPr>
+              <a:t>Unlike directional models which read the text input sequentially (left-to-right or right-to-left), a Transformer encoder reads the entire sequence of words at once.  It is therefore considered bidirectional.  Or more precisely, we say that it’s non-directional.  This property allows the model to learn the context of a word based on </a:t>
+            </a:r>
+            <a:r>
+              <a:rPr lang="en-US" b="1" i="0" dirty="0">
+                <a:solidFill>
+                  <a:srgbClr val="292929"/>
+                </a:solidFill>
+                <a:effectLst/>
+                <a:latin typeface="charter"/>
+              </a:rPr>
+              <a:t>all</a:t>
+            </a:r>
+            <a:r>
+              <a:rPr lang="en-US" b="0" i="0" dirty="0">
+                <a:solidFill>
+                  <a:srgbClr val="292929"/>
+                </a:solidFill>
+                <a:effectLst/>
+                <a:latin typeface="charter"/>
+              </a:rPr>
+              <a:t> its surroundings (left and right of the word).</a:t>
+            </a:r>
+            <a:endParaRPr lang="en-US" dirty="0">
+              <a:latin typeface="+mn-lt"/>
+            </a:endParaRPr>
+          </a:p>
+          <a:p>
+            <a:pPr algn="l"/>
+            <a:r>
+              <a:rPr lang="en-US" dirty="0"/>
+              <a:t> </a:t>
+            </a:r>
           </a:p>
         </p:txBody>
       </p:sp>
@@ -2429,7 +3245,7 @@
           <a:p>
             <a:fld id="{3148858F-F1DB-4027-9C85-CCA6849540DD}" type="slidenum">
               <a:rPr lang="en-US" smtClean="0"/>
-              <a:t>7</a:t>
+              <a:t>8</a:t>
             </a:fld>
             <a:endParaRPr lang="en-US"/>
           </a:p>
@@ -2438,7 +3254,7 @@
     </p:spTree>
     <p:extLst>
       <p:ext uri="{BB962C8B-B14F-4D97-AF65-F5344CB8AC3E}">
-        <p14:creationId xmlns:p14="http://schemas.microsoft.com/office/powerpoint/2010/main" val="1306232887"/>
+        <p14:creationId xmlns:p14="http://schemas.microsoft.com/office/powerpoint/2010/main" val="2300733190"/>
       </p:ext>
     </p:extLst>
   </p:cSld>
@@ -2492,6 +3308,19 @@
           <a:bodyPr/>
           <a:lstStyle/>
           <a:p>
+            <a:pPr algn="l"/>
+            <a:r>
+              <a:rPr lang="en-US" b="0" i="0" dirty="0">
+                <a:solidFill>
+                  <a:srgbClr val="292929"/>
+                </a:solidFill>
+                <a:effectLst/>
+                <a:latin typeface="+mn-lt"/>
+              </a:rPr>
+              <a:t>At its core, a transformer contains a stack of Encoder and Decoder layers. To avoid confusion, we refer to the individual layer as an Encoder or a Decoder and use Encoder stack or Decoder stack for a group of layers.  The Encoder and Decoder stacks each have their corresponding Embedding layers for their respective inputs. And finally, there is an Output layer to generate the final output.</a:t>
+            </a:r>
+          </a:p>
+          <a:p>
             <a:pPr marL="0" marR="0" lvl="0" indent="0" algn="l" defTabSz="914400" rtl="0" eaLnBrk="1" fontAlgn="auto" latinLnBrk="0" hangingPunct="1">
               <a:lnSpc>
                 <a:spcPct val="100000"/>
@@ -2530,7 +3359,7 @@
           <a:p>
             <a:fld id="{3148858F-F1DB-4027-9C85-CCA6849540DD}" type="slidenum">
               <a:rPr lang="en-US" smtClean="0"/>
-              <a:t>8</a:t>
+              <a:t>9</a:t>
             </a:fld>
             <a:endParaRPr lang="en-US"/>
           </a:p>
@@ -2539,7 +3368,7 @@
     </p:spTree>
     <p:extLst>
       <p:ext uri="{BB962C8B-B14F-4D97-AF65-F5344CB8AC3E}">
-        <p14:creationId xmlns:p14="http://schemas.microsoft.com/office/powerpoint/2010/main" val="1985664105"/>
+        <p14:creationId xmlns:p14="http://schemas.microsoft.com/office/powerpoint/2010/main" val="1658867139"/>
       </p:ext>
     </p:extLst>
   </p:cSld>
@@ -2593,14 +3422,73 @@
           <a:bodyPr/>
           <a:lstStyle/>
           <a:p>
-            <a:pPr algn="l"/>
-            <a:r>
-              <a:rPr lang="en-US" dirty="0"/>
-              <a:t>Now that you’ve completed a hands-on exercise, let’s consider some of the building blocks that make transformers unique.  Note: I will not discuss word embeddings as that topic was covered in the last workshop of our NLP sequence.  In this mini-lecture, we will cover three building blocks: 1) layer norm, 2) positional encoding, and 3) skip connections.  Because attention is such an important topic, it is covered in our next workshop.  </a:t>
-            </a:r>
-          </a:p>
-          <a:p>
-            <a:pPr algn="l"/>
+            <a:pPr marL="0" marR="0" lvl="0" indent="0" algn="l" defTabSz="914400" rtl="0" eaLnBrk="1" fontAlgn="auto" latinLnBrk="0" hangingPunct="1">
+              <a:lnSpc>
+                <a:spcPct val="100000"/>
+              </a:lnSpc>
+              <a:spcBef>
+                <a:spcPts val="0"/>
+              </a:spcBef>
+              <a:spcAft>
+                <a:spcPts val="0"/>
+              </a:spcAft>
+              <a:buClrTx/>
+              <a:buSzTx/>
+              <a:buFontTx/>
+              <a:buNone/>
+              <a:tabLst/>
+              <a:defRPr/>
+            </a:pPr>
+            <a:r>
+              <a:rPr lang="en-US" b="0" i="0" dirty="0">
+                <a:solidFill>
+                  <a:srgbClr val="292929"/>
+                </a:solidFill>
+                <a:effectLst/>
+                <a:latin typeface="charter"/>
+              </a:rPr>
+              <a:t>All encoders have the same architecture.  Each encoder consists of two layers: </a:t>
+            </a:r>
+            <a:r>
+              <a:rPr lang="en-US" b="1" i="0" dirty="0">
+                <a:solidFill>
+                  <a:srgbClr val="292929"/>
+                </a:solidFill>
+                <a:effectLst/>
+                <a:latin typeface="charter"/>
+              </a:rPr>
+              <a:t>Self-attention</a:t>
+            </a:r>
+            <a:r>
+              <a:rPr lang="en-US" b="0" i="0" dirty="0">
+                <a:solidFill>
+                  <a:srgbClr val="292929"/>
+                </a:solidFill>
+                <a:effectLst/>
+                <a:latin typeface="charter"/>
+              </a:rPr>
+              <a:t> and a feed Forward Neural Network. The encoder’s inputs first flow through a</a:t>
+            </a:r>
+            <a:r>
+              <a:rPr lang="en-US" b="1" i="0" dirty="0">
+                <a:solidFill>
+                  <a:srgbClr val="292929"/>
+                </a:solidFill>
+                <a:effectLst/>
+                <a:latin typeface="charter"/>
+              </a:rPr>
+              <a:t> self-attention</a:t>
+            </a:r>
+            <a:r>
+              <a:rPr lang="en-US" b="0" i="0" dirty="0">
+                <a:solidFill>
+                  <a:srgbClr val="292929"/>
+                </a:solidFill>
+                <a:effectLst/>
+                <a:latin typeface="charter"/>
+              </a:rPr>
+              <a:t> layer which helps it look at other words in the input sentence as it encodes a specific word.</a:t>
+            </a:r>
             <a:endParaRPr lang="en-US" dirty="0"/>
           </a:p>
         </p:txBody>
@@ -2622,7 +3510,7 @@
           <a:p>
             <a:fld id="{3148858F-F1DB-4027-9C85-CCA6849540DD}" type="slidenum">
               <a:rPr lang="en-US" smtClean="0"/>
-              <a:t>9</a:t>
+              <a:t>10</a:t>
             </a:fld>
             <a:endParaRPr lang="en-US"/>
           </a:p>
@@ -2631,7 +3519,7 @@
     </p:spTree>
     <p:extLst>
       <p:ext uri="{BB962C8B-B14F-4D97-AF65-F5344CB8AC3E}">
-        <p14:creationId xmlns:p14="http://schemas.microsoft.com/office/powerpoint/2010/main" val="1570214374"/>
+        <p14:creationId xmlns:p14="http://schemas.microsoft.com/office/powerpoint/2010/main" val="429660952"/>
       </p:ext>
     </p:extLst>
   </p:cSld>
@@ -2788,7 +3676,7 @@
           <a:p>
             <a:fld id="{C3F78080-8D0A-4BE8-A5B4-CB115102D524}" type="datetimeFigureOut">
               <a:rPr lang="en-US" smtClean="0"/>
-              <a:t>7/8/2022</a:t>
+              <a:t>8/19/2022</a:t>
             </a:fld>
             <a:endParaRPr lang="en-US"/>
           </a:p>
@@ -2986,7 +3874,7 @@
           <a:p>
             <a:fld id="{C3F78080-8D0A-4BE8-A5B4-CB115102D524}" type="datetimeFigureOut">
               <a:rPr lang="en-US" smtClean="0"/>
-              <a:t>7/8/2022</a:t>
+              <a:t>8/19/2022</a:t>
             </a:fld>
             <a:endParaRPr lang="en-US"/>
           </a:p>
@@ -3194,7 +4082,7 @@
           <a:p>
             <a:fld id="{C3F78080-8D0A-4BE8-A5B4-CB115102D524}" type="datetimeFigureOut">
               <a:rPr lang="en-US" smtClean="0"/>
-              <a:t>7/8/2022</a:t>
+              <a:t>8/19/2022</a:t>
             </a:fld>
             <a:endParaRPr lang="en-US"/>
           </a:p>
@@ -3392,7 +4280,7 @@
           <a:p>
             <a:fld id="{C3F78080-8D0A-4BE8-A5B4-CB115102D524}" type="datetimeFigureOut">
               <a:rPr lang="en-US" smtClean="0"/>
-              <a:t>7/8/2022</a:t>
+              <a:t>8/19/2022</a:t>
             </a:fld>
             <a:endParaRPr lang="en-US"/>
           </a:p>
@@ -3667,7 +4555,7 @@
           <a:p>
             <a:fld id="{C3F78080-8D0A-4BE8-A5B4-CB115102D524}" type="datetimeFigureOut">
               <a:rPr lang="en-US" smtClean="0"/>
-              <a:t>7/8/2022</a:t>
+              <a:t>8/19/2022</a:t>
             </a:fld>
             <a:endParaRPr lang="en-US"/>
           </a:p>
@@ -3932,7 +4820,7 @@
           <a:p>
             <a:fld id="{C3F78080-8D0A-4BE8-A5B4-CB115102D524}" type="datetimeFigureOut">
               <a:rPr lang="en-US" smtClean="0"/>
-              <a:t>7/8/2022</a:t>
+              <a:t>8/19/2022</a:t>
             </a:fld>
             <a:endParaRPr lang="en-US"/>
           </a:p>
@@ -4344,7 +5232,7 @@
           <a:p>
             <a:fld id="{C3F78080-8D0A-4BE8-A5B4-CB115102D524}" type="datetimeFigureOut">
               <a:rPr lang="en-US" smtClean="0"/>
-              <a:t>7/8/2022</a:t>
+              <a:t>8/19/2022</a:t>
             </a:fld>
             <a:endParaRPr lang="en-US"/>
           </a:p>
@@ -4485,7 +5373,7 @@
           <a:p>
             <a:fld id="{C3F78080-8D0A-4BE8-A5B4-CB115102D524}" type="datetimeFigureOut">
               <a:rPr lang="en-US" smtClean="0"/>
-              <a:t>7/8/2022</a:t>
+              <a:t>8/19/2022</a:t>
             </a:fld>
             <a:endParaRPr lang="en-US"/>
           </a:p>
@@ -4598,7 +5486,7 @@
           <a:p>
             <a:fld id="{C3F78080-8D0A-4BE8-A5B4-CB115102D524}" type="datetimeFigureOut">
               <a:rPr lang="en-US" smtClean="0"/>
-              <a:t>7/8/2022</a:t>
+              <a:t>8/19/2022</a:t>
             </a:fld>
             <a:endParaRPr lang="en-US"/>
           </a:p>
@@ -4909,7 +5797,7 @@
           <a:p>
             <a:fld id="{C3F78080-8D0A-4BE8-A5B4-CB115102D524}" type="datetimeFigureOut">
               <a:rPr lang="en-US" smtClean="0"/>
-              <a:t>7/8/2022</a:t>
+              <a:t>8/19/2022</a:t>
             </a:fld>
             <a:endParaRPr lang="en-US"/>
           </a:p>
@@ -5197,7 +6085,7 @@
           <a:p>
             <a:fld id="{C3F78080-8D0A-4BE8-A5B4-CB115102D524}" type="datetimeFigureOut">
               <a:rPr lang="en-US" smtClean="0"/>
-              <a:t>7/8/2022</a:t>
+              <a:t>8/19/2022</a:t>
             </a:fld>
             <a:endParaRPr lang="en-US"/>
           </a:p>
@@ -5438,7 +6326,7 @@
           <a:p>
             <a:fld id="{C3F78080-8D0A-4BE8-A5B4-CB115102D524}" type="datetimeFigureOut">
               <a:rPr lang="en-US" smtClean="0"/>
-              <a:t>7/8/2022</a:t>
+              <a:t>8/19/2022</a:t>
             </a:fld>
             <a:endParaRPr lang="en-US"/>
           </a:p>
@@ -5883,6 +6771,12 @@
           <a:p>
             <a:r>
               <a:rPr lang="en-US" dirty="0">
+                <a:solidFill>
+                  <a:schemeClr val="tx1">
+                    <a:lumMod val="75000"/>
+                    <a:lumOff val="25000"/>
+                  </a:schemeClr>
+                </a:solidFill>
                 <a:latin typeface="Palatino Linotype" panose="02040502050505030304" pitchFamily="18" charset="0"/>
                 <a:cs typeface="Segoe UI" panose="020B0502040204020203" pitchFamily="34" charset="0"/>
               </a:rPr>
@@ -5971,6 +6865,1577 @@
       </p:grpSpPr>
       <p:pic>
         <p:nvPicPr>
+          <p:cNvPr id="3074" name="Picture 2">
+            <a:extLst>
+              <a:ext uri="{FF2B5EF4-FFF2-40B4-BE49-F238E27FC236}">
+                <a16:creationId xmlns:a16="http://schemas.microsoft.com/office/drawing/2014/main" id="{6F9315D2-1FA0-46D4-966C-B17E5FE5D4B3}"/>
+              </a:ext>
+            </a:extLst>
+          </p:cNvPr>
+          <p:cNvPicPr>
+            <a:picLocks noChangeAspect="1" noChangeArrowheads="1"/>
+          </p:cNvPicPr>
+          <p:nvPr/>
+        </p:nvPicPr>
+        <p:blipFill>
+          <a:blip r:embed="rId3">
+            <a:extLst>
+              <a:ext uri="{28A0092B-C50C-407E-A947-70E740481C1C}">
+                <a14:useLocalDpi xmlns:a14="http://schemas.microsoft.com/office/drawing/2010/main" val="0"/>
+              </a:ext>
+            </a:extLst>
+          </a:blip>
+          <a:srcRect/>
+          <a:stretch>
+            <a:fillRect/>
+          </a:stretch>
+        </p:blipFill>
+        <p:spPr bwMode="auto">
+          <a:xfrm>
+            <a:off x="2324100" y="1471613"/>
+            <a:ext cx="7543800" cy="3914775"/>
+          </a:xfrm>
+          <a:prstGeom prst="rect">
+            <a:avLst/>
+          </a:prstGeom>
+          <a:noFill/>
+          <a:extLst>
+            <a:ext uri="{909E8E84-426E-40DD-AFC4-6F175D3DCCD1}">
+              <a14:hiddenFill xmlns:a14="http://schemas.microsoft.com/office/drawing/2010/main">
+                <a:solidFill>
+                  <a:srgbClr val="FFFFFF"/>
+                </a:solidFill>
+              </a14:hiddenFill>
+            </a:ext>
+          </a:extLst>
+        </p:spPr>
+      </p:pic>
+      <p:sp>
+        <p:nvSpPr>
+          <p:cNvPr id="4" name="TextBox 3">
+            <a:extLst>
+              <a:ext uri="{FF2B5EF4-FFF2-40B4-BE49-F238E27FC236}">
+                <a16:creationId xmlns:a16="http://schemas.microsoft.com/office/drawing/2014/main" id="{DAF8896B-C82A-458A-B6B7-B77BA876F042}"/>
+              </a:ext>
+            </a:extLst>
+          </p:cNvPr>
+          <p:cNvSpPr txBox="1"/>
+          <p:nvPr/>
+        </p:nvSpPr>
+        <p:spPr>
+          <a:xfrm>
+            <a:off x="0" y="6550223"/>
+            <a:ext cx="12192000" cy="307777"/>
+          </a:xfrm>
+          <a:prstGeom prst="rect">
+            <a:avLst/>
+          </a:prstGeom>
+          <a:noFill/>
+        </p:spPr>
+        <p:txBody>
+          <a:bodyPr wrap="square" rtlCol="0">
+            <a:spAutoFit/>
+          </a:bodyPr>
+          <a:lstStyle/>
+          <a:p>
+            <a:r>
+              <a:rPr lang="en-US" sz="1400" dirty="0">
+                <a:solidFill>
+                  <a:schemeClr val="tx1">
+                    <a:lumMod val="65000"/>
+                    <a:lumOff val="35000"/>
+                  </a:schemeClr>
+                </a:solidFill>
+                <a:latin typeface="+mj-lt"/>
+                <a:ea typeface="Verdana" panose="020B0604030504040204" pitchFamily="34" charset="0"/>
+              </a:rPr>
+              <a:t>Image Credit: https://towardsdatascience.com/transformers-141e32e69591 </a:t>
+            </a:r>
+          </a:p>
+        </p:txBody>
+      </p:sp>
+    </p:spTree>
+    <p:extLst>
+      <p:ext uri="{BB962C8B-B14F-4D97-AF65-F5344CB8AC3E}">
+        <p14:creationId xmlns:p14="http://schemas.microsoft.com/office/powerpoint/2010/main" val="4140667580"/>
+      </p:ext>
+    </p:extLst>
+  </p:cSld>
+  <p:clrMapOvr>
+    <a:masterClrMapping/>
+  </p:clrMapOvr>
+  <mc:AlternateContent xmlns:mc="http://schemas.openxmlformats.org/markup-compatibility/2006" xmlns:p14="http://schemas.microsoft.com/office/powerpoint/2010/main">
+    <mc:Choice Requires="p14">
+      <p:transition spd="med" p14:dur="700">
+        <p:fade/>
+      </p:transition>
+    </mc:Choice>
+    <mc:Fallback xmlns="">
+      <p:transition spd="med">
+        <p:fade/>
+      </p:transition>
+    </mc:Fallback>
+  </mc:AlternateContent>
+</p:sld>
+</file>
+
+<file path=ppt/slides/slide11.xml><?xml version="1.0" encoding="utf-8"?>
+<p:sld xmlns:a="http://schemas.openxmlformats.org/drawingml/2006/main" xmlns:r="http://schemas.openxmlformats.org/officeDocument/2006/relationships" xmlns:p="http://schemas.openxmlformats.org/presentationml/2006/main">
+  <p:cSld>
+    <p:spTree>
+      <p:nvGrpSpPr>
+        <p:cNvPr id="1" name=""/>
+        <p:cNvGrpSpPr/>
+        <p:nvPr/>
+      </p:nvGrpSpPr>
+      <p:grpSpPr>
+        <a:xfrm>
+          <a:off x="0" y="0"/>
+          <a:ext cx="0" cy="0"/>
+          <a:chOff x="0" y="0"/>
+          <a:chExt cx="0" cy="0"/>
+        </a:xfrm>
+      </p:grpSpPr>
+      <p:pic>
+        <p:nvPicPr>
+          <p:cNvPr id="5122" name="Picture 2">
+            <a:extLst>
+              <a:ext uri="{FF2B5EF4-FFF2-40B4-BE49-F238E27FC236}">
+                <a16:creationId xmlns:a16="http://schemas.microsoft.com/office/drawing/2014/main" id="{CE2699BE-C53B-439F-9E3C-9A4DC03B6B13}"/>
+              </a:ext>
+            </a:extLst>
+          </p:cNvPr>
+          <p:cNvPicPr>
+            <a:picLocks noChangeAspect="1" noChangeArrowheads="1"/>
+          </p:cNvPicPr>
+          <p:nvPr/>
+        </p:nvPicPr>
+        <p:blipFill>
+          <a:blip r:embed="rId3">
+            <a:extLst>
+              <a:ext uri="{28A0092B-C50C-407E-A947-70E740481C1C}">
+                <a14:useLocalDpi xmlns:a14="http://schemas.microsoft.com/office/drawing/2010/main" val="0"/>
+              </a:ext>
+            </a:extLst>
+          </a:blip>
+          <a:srcRect/>
+          <a:stretch>
+            <a:fillRect/>
+          </a:stretch>
+        </p:blipFill>
+        <p:spPr bwMode="auto">
+          <a:xfrm>
+            <a:off x="3278327" y="1601320"/>
+            <a:ext cx="5635345" cy="3655359"/>
+          </a:xfrm>
+          <a:prstGeom prst="rect">
+            <a:avLst/>
+          </a:prstGeom>
+          <a:noFill/>
+          <a:extLst>
+            <a:ext uri="{909E8E84-426E-40DD-AFC4-6F175D3DCCD1}">
+              <a14:hiddenFill xmlns:a14="http://schemas.microsoft.com/office/drawing/2010/main">
+                <a:solidFill>
+                  <a:srgbClr val="FFFFFF"/>
+                </a:solidFill>
+              </a14:hiddenFill>
+            </a:ext>
+          </a:extLst>
+        </p:spPr>
+      </p:pic>
+      <p:sp>
+        <p:nvSpPr>
+          <p:cNvPr id="4" name="TextBox 3">
+            <a:extLst>
+              <a:ext uri="{FF2B5EF4-FFF2-40B4-BE49-F238E27FC236}">
+                <a16:creationId xmlns:a16="http://schemas.microsoft.com/office/drawing/2014/main" id="{E3F1CD6A-7BD4-4C27-A19E-B262138DBBC2}"/>
+              </a:ext>
+            </a:extLst>
+          </p:cNvPr>
+          <p:cNvSpPr txBox="1"/>
+          <p:nvPr/>
+        </p:nvSpPr>
+        <p:spPr>
+          <a:xfrm>
+            <a:off x="0" y="6550223"/>
+            <a:ext cx="12192000" cy="307777"/>
+          </a:xfrm>
+          <a:prstGeom prst="rect">
+            <a:avLst/>
+          </a:prstGeom>
+          <a:noFill/>
+        </p:spPr>
+        <p:txBody>
+          <a:bodyPr wrap="square" rtlCol="0">
+            <a:spAutoFit/>
+          </a:bodyPr>
+          <a:lstStyle/>
+          <a:p>
+            <a:r>
+              <a:rPr lang="en-US" sz="1400" dirty="0">
+                <a:solidFill>
+                  <a:schemeClr val="tx1">
+                    <a:lumMod val="65000"/>
+                    <a:lumOff val="35000"/>
+                  </a:schemeClr>
+                </a:solidFill>
+                <a:latin typeface="+mj-lt"/>
+                <a:ea typeface="Verdana" panose="020B0604030504040204" pitchFamily="34" charset="0"/>
+              </a:rPr>
+              <a:t>Image Credit: https://towardsdatascience.com/transformers-141e32e69591 </a:t>
+            </a:r>
+          </a:p>
+        </p:txBody>
+      </p:sp>
+    </p:spTree>
+    <p:extLst>
+      <p:ext uri="{BB962C8B-B14F-4D97-AF65-F5344CB8AC3E}">
+        <p14:creationId xmlns:p14="http://schemas.microsoft.com/office/powerpoint/2010/main" val="2251988959"/>
+      </p:ext>
+    </p:extLst>
+  </p:cSld>
+  <p:clrMapOvr>
+    <a:masterClrMapping/>
+  </p:clrMapOvr>
+  <mc:AlternateContent xmlns:mc="http://schemas.openxmlformats.org/markup-compatibility/2006" xmlns:p14="http://schemas.microsoft.com/office/powerpoint/2010/main">
+    <mc:Choice Requires="p14">
+      <p:transition spd="med" p14:dur="700">
+        <p:fade/>
+      </p:transition>
+    </mc:Choice>
+    <mc:Fallback xmlns="">
+      <p:transition spd="med">
+        <p:fade/>
+      </p:transition>
+    </mc:Fallback>
+  </mc:AlternateContent>
+</p:sld>
+</file>
+
+<file path=ppt/slides/slide12.xml><?xml version="1.0" encoding="utf-8"?>
+<p:sld xmlns:a="http://schemas.openxmlformats.org/drawingml/2006/main" xmlns:r="http://schemas.openxmlformats.org/officeDocument/2006/relationships" xmlns:p="http://schemas.openxmlformats.org/presentationml/2006/main">
+  <p:cSld>
+    <p:spTree>
+      <p:nvGrpSpPr>
+        <p:cNvPr id="1" name=""/>
+        <p:cNvGrpSpPr/>
+        <p:nvPr/>
+      </p:nvGrpSpPr>
+      <p:grpSpPr>
+        <a:xfrm>
+          <a:off x="0" y="0"/>
+          <a:ext cx="0" cy="0"/>
+          <a:chOff x="0" y="0"/>
+          <a:chExt cx="0" cy="0"/>
+        </a:xfrm>
+      </p:grpSpPr>
+      <p:sp>
+        <p:nvSpPr>
+          <p:cNvPr id="3" name="TextBox 2">
+            <a:extLst>
+              <a:ext uri="{FF2B5EF4-FFF2-40B4-BE49-F238E27FC236}">
+                <a16:creationId xmlns:a16="http://schemas.microsoft.com/office/drawing/2014/main" id="{8DEBDC12-60E8-4CF3-A3D0-2075FBA26C8C}"/>
+              </a:ext>
+            </a:extLst>
+          </p:cNvPr>
+          <p:cNvSpPr txBox="1"/>
+          <p:nvPr/>
+        </p:nvSpPr>
+        <p:spPr>
+          <a:xfrm>
+            <a:off x="0" y="6550223"/>
+            <a:ext cx="12192000" cy="307777"/>
+          </a:xfrm>
+          <a:prstGeom prst="rect">
+            <a:avLst/>
+          </a:prstGeom>
+          <a:noFill/>
+        </p:spPr>
+        <p:txBody>
+          <a:bodyPr wrap="square" rtlCol="0">
+            <a:spAutoFit/>
+          </a:bodyPr>
+          <a:lstStyle/>
+          <a:p>
+            <a:r>
+              <a:rPr lang="en-US" sz="1400" dirty="0">
+                <a:solidFill>
+                  <a:schemeClr val="tx1">
+                    <a:lumMod val="65000"/>
+                    <a:lumOff val="35000"/>
+                  </a:schemeClr>
+                </a:solidFill>
+                <a:latin typeface="+mj-lt"/>
+                <a:ea typeface="Verdana" panose="020B0604030504040204" pitchFamily="34" charset="0"/>
+              </a:rPr>
+              <a:t>Source: Doshi, K. (2020). </a:t>
+            </a:r>
+            <a:r>
+              <a:rPr lang="en-US" sz="1400" i="1" dirty="0">
+                <a:solidFill>
+                  <a:schemeClr val="tx1">
+                    <a:lumMod val="65000"/>
+                    <a:lumOff val="35000"/>
+                  </a:schemeClr>
+                </a:solidFill>
+                <a:latin typeface="+mj-lt"/>
+                <a:ea typeface="Verdana" panose="020B0604030504040204" pitchFamily="34" charset="0"/>
+              </a:rPr>
+              <a:t>https://towardsdatascience.com/transformers-explained-visually-part-1-overview-of-functionality-95a6dd460452</a:t>
+            </a:r>
+            <a:endParaRPr lang="en-US" sz="1400" dirty="0">
+              <a:solidFill>
+                <a:schemeClr val="tx1">
+                  <a:lumMod val="65000"/>
+                  <a:lumOff val="35000"/>
+                </a:schemeClr>
+              </a:solidFill>
+              <a:latin typeface="+mj-lt"/>
+              <a:ea typeface="Verdana" panose="020B0604030504040204" pitchFamily="34" charset="0"/>
+            </a:endParaRPr>
+          </a:p>
+        </p:txBody>
+      </p:sp>
+      <p:pic>
+        <p:nvPicPr>
+          <p:cNvPr id="9218" name="Picture 2">
+            <a:extLst>
+              <a:ext uri="{FF2B5EF4-FFF2-40B4-BE49-F238E27FC236}">
+                <a16:creationId xmlns:a16="http://schemas.microsoft.com/office/drawing/2014/main" id="{DCFEB6DC-6002-41F7-8255-518244BB8D96}"/>
+              </a:ext>
+            </a:extLst>
+          </p:cNvPr>
+          <p:cNvPicPr>
+            <a:picLocks noChangeAspect="1" noChangeArrowheads="1"/>
+          </p:cNvPicPr>
+          <p:nvPr/>
+        </p:nvPicPr>
+        <p:blipFill>
+          <a:blip r:embed="rId3">
+            <a:clrChange>
+              <a:clrFrom>
+                <a:srgbClr val="FFFFFF"/>
+              </a:clrFrom>
+              <a:clrTo>
+                <a:srgbClr val="FFFFFF">
+                  <a:alpha val="0"/>
+                </a:srgbClr>
+              </a:clrTo>
+            </a:clrChange>
+            <a:extLst>
+              <a:ext uri="{28A0092B-C50C-407E-A947-70E740481C1C}">
+                <a14:useLocalDpi xmlns:a14="http://schemas.microsoft.com/office/drawing/2010/main" val="0"/>
+              </a:ext>
+            </a:extLst>
+          </a:blip>
+          <a:srcRect/>
+          <a:stretch>
+            <a:fillRect/>
+          </a:stretch>
+        </p:blipFill>
+        <p:spPr bwMode="auto">
+          <a:xfrm>
+            <a:off x="3481388" y="1928813"/>
+            <a:ext cx="5229225" cy="3000375"/>
+          </a:xfrm>
+          <a:prstGeom prst="rect">
+            <a:avLst/>
+          </a:prstGeom>
+          <a:noFill/>
+          <a:extLst>
+            <a:ext uri="{909E8E84-426E-40DD-AFC4-6F175D3DCCD1}">
+              <a14:hiddenFill xmlns:a14="http://schemas.microsoft.com/office/drawing/2010/main">
+                <a:solidFill>
+                  <a:srgbClr val="FFFFFF"/>
+                </a:solidFill>
+              </a14:hiddenFill>
+            </a:ext>
+          </a:extLst>
+        </p:spPr>
+      </p:pic>
+    </p:spTree>
+    <p:extLst>
+      <p:ext uri="{BB962C8B-B14F-4D97-AF65-F5344CB8AC3E}">
+        <p14:creationId xmlns:p14="http://schemas.microsoft.com/office/powerpoint/2010/main" val="1104823510"/>
+      </p:ext>
+    </p:extLst>
+  </p:cSld>
+  <p:clrMapOvr>
+    <a:masterClrMapping/>
+  </p:clrMapOvr>
+  <mc:AlternateContent xmlns:mc="http://schemas.openxmlformats.org/markup-compatibility/2006" xmlns:p14="http://schemas.microsoft.com/office/powerpoint/2010/main">
+    <mc:Choice Requires="p14">
+      <p:transition spd="med" p14:dur="700">
+        <p:fade/>
+      </p:transition>
+    </mc:Choice>
+    <mc:Fallback xmlns="">
+      <p:transition spd="med">
+        <p:fade/>
+      </p:transition>
+    </mc:Fallback>
+  </mc:AlternateContent>
+</p:sld>
+</file>
+
+<file path=ppt/slides/slide13.xml><?xml version="1.0" encoding="utf-8"?>
+<p:sld xmlns:a="http://schemas.openxmlformats.org/drawingml/2006/main" xmlns:r="http://schemas.openxmlformats.org/officeDocument/2006/relationships" xmlns:p="http://schemas.openxmlformats.org/presentationml/2006/main">
+  <p:cSld>
+    <p:spTree>
+      <p:nvGrpSpPr>
+        <p:cNvPr id="1" name=""/>
+        <p:cNvGrpSpPr/>
+        <p:nvPr/>
+      </p:nvGrpSpPr>
+      <p:grpSpPr>
+        <a:xfrm>
+          <a:off x="0" y="0"/>
+          <a:ext cx="0" cy="0"/>
+          <a:chOff x="0" y="0"/>
+          <a:chExt cx="0" cy="0"/>
+        </a:xfrm>
+      </p:grpSpPr>
+      <p:pic>
+        <p:nvPicPr>
+          <p:cNvPr id="3" name="Picture 2" descr="Diagram&#10;&#10;Description automatically generated">
+            <a:extLst>
+              <a:ext uri="{FF2B5EF4-FFF2-40B4-BE49-F238E27FC236}">
+                <a16:creationId xmlns:a16="http://schemas.microsoft.com/office/drawing/2014/main" id="{67EF8A62-1530-48BE-8523-CB507D8763FF}"/>
+              </a:ext>
+            </a:extLst>
+          </p:cNvPr>
+          <p:cNvPicPr>
+            <a:picLocks noChangeAspect="1"/>
+          </p:cNvPicPr>
+          <p:nvPr/>
+        </p:nvPicPr>
+        <p:blipFill>
+          <a:blip r:embed="rId3">
+            <a:extLst>
+              <a:ext uri="{28A0092B-C50C-407E-A947-70E740481C1C}">
+                <a14:useLocalDpi xmlns:a14="http://schemas.microsoft.com/office/drawing/2010/main" val="0"/>
+              </a:ext>
+            </a:extLst>
+          </a:blip>
+          <a:stretch>
+            <a:fillRect/>
+          </a:stretch>
+        </p:blipFill>
+        <p:spPr>
+          <a:xfrm>
+            <a:off x="3177607" y="566976"/>
+            <a:ext cx="5836786" cy="5724047"/>
+          </a:xfrm>
+          <a:prstGeom prst="rect">
+            <a:avLst/>
+          </a:prstGeom>
+        </p:spPr>
+      </p:pic>
+      <p:sp>
+        <p:nvSpPr>
+          <p:cNvPr id="4" name="TextBox 3">
+            <a:extLst>
+              <a:ext uri="{FF2B5EF4-FFF2-40B4-BE49-F238E27FC236}">
+                <a16:creationId xmlns:a16="http://schemas.microsoft.com/office/drawing/2014/main" id="{362EBBDD-6D7D-3C8C-46BD-EED7EE883CAC}"/>
+              </a:ext>
+            </a:extLst>
+          </p:cNvPr>
+          <p:cNvSpPr txBox="1"/>
+          <p:nvPr/>
+        </p:nvSpPr>
+        <p:spPr>
+          <a:xfrm>
+            <a:off x="0" y="6550223"/>
+            <a:ext cx="12192000" cy="307777"/>
+          </a:xfrm>
+          <a:prstGeom prst="rect">
+            <a:avLst/>
+          </a:prstGeom>
+          <a:noFill/>
+        </p:spPr>
+        <p:txBody>
+          <a:bodyPr wrap="square" rtlCol="0">
+            <a:spAutoFit/>
+          </a:bodyPr>
+          <a:lstStyle/>
+          <a:p>
+            <a:r>
+              <a:rPr lang="en-US" sz="1400" dirty="0">
+                <a:solidFill>
+                  <a:schemeClr val="tx1">
+                    <a:lumMod val="65000"/>
+                    <a:lumOff val="35000"/>
+                  </a:schemeClr>
+                </a:solidFill>
+                <a:latin typeface="+mj-lt"/>
+                <a:ea typeface="Verdana" panose="020B0604030504040204" pitchFamily="34" charset="0"/>
+              </a:rPr>
+              <a:t>Source: Tunstall, L., et al (2022). </a:t>
+            </a:r>
+            <a:r>
+              <a:rPr lang="en-US" sz="1400" i="1" dirty="0">
+                <a:solidFill>
+                  <a:schemeClr val="tx1">
+                    <a:lumMod val="65000"/>
+                    <a:lumOff val="35000"/>
+                  </a:schemeClr>
+                </a:solidFill>
+                <a:latin typeface="+mj-lt"/>
+                <a:ea typeface="Verdana" panose="020B0604030504040204" pitchFamily="34" charset="0"/>
+              </a:rPr>
+              <a:t>Natural Language Processing with Transformers</a:t>
+            </a:r>
+            <a:r>
+              <a:rPr lang="en-US" sz="1400" dirty="0">
+                <a:solidFill>
+                  <a:schemeClr val="tx1">
+                    <a:lumMod val="65000"/>
+                    <a:lumOff val="35000"/>
+                  </a:schemeClr>
+                </a:solidFill>
+                <a:latin typeface="+mj-lt"/>
+                <a:ea typeface="Verdana" panose="020B0604030504040204" pitchFamily="34" charset="0"/>
+              </a:rPr>
+              <a:t>. </a:t>
+            </a:r>
+            <a:r>
+              <a:rPr lang="en-US" sz="1400" b="0" i="0" dirty="0">
+                <a:solidFill>
+                  <a:schemeClr val="tx1">
+                    <a:lumMod val="65000"/>
+                    <a:lumOff val="35000"/>
+                  </a:schemeClr>
+                </a:solidFill>
+                <a:effectLst/>
+                <a:latin typeface="+mj-lt"/>
+                <a:ea typeface="Verdana" panose="020B0604030504040204" pitchFamily="34" charset="0"/>
+              </a:rPr>
+              <a:t>Sebastopol, CA: </a:t>
+            </a:r>
+            <a:r>
+              <a:rPr lang="en-US" sz="1400" dirty="0">
+                <a:solidFill>
+                  <a:schemeClr val="tx1">
+                    <a:lumMod val="65000"/>
+                    <a:lumOff val="35000"/>
+                  </a:schemeClr>
+                </a:solidFill>
+                <a:latin typeface="+mj-lt"/>
+                <a:ea typeface="Verdana" panose="020B0604030504040204" pitchFamily="34" charset="0"/>
+              </a:rPr>
+              <a:t>O’Reilly Publishing</a:t>
+            </a:r>
+            <a:r>
+              <a:rPr lang="en-US" sz="1400" b="0" i="0" dirty="0">
+                <a:solidFill>
+                  <a:schemeClr val="tx1">
+                    <a:lumMod val="65000"/>
+                    <a:lumOff val="35000"/>
+                  </a:schemeClr>
+                </a:solidFill>
+                <a:effectLst/>
+                <a:latin typeface="+mj-lt"/>
+                <a:ea typeface="Verdana" panose="020B0604030504040204" pitchFamily="34" charset="0"/>
+              </a:rPr>
+              <a:t>. (Chapter 1)</a:t>
+            </a:r>
+            <a:endParaRPr lang="en-US" sz="1400" dirty="0">
+              <a:solidFill>
+                <a:schemeClr val="tx1">
+                  <a:lumMod val="65000"/>
+                  <a:lumOff val="35000"/>
+                </a:schemeClr>
+              </a:solidFill>
+              <a:latin typeface="+mj-lt"/>
+              <a:ea typeface="Verdana" panose="020B0604030504040204" pitchFamily="34" charset="0"/>
+            </a:endParaRPr>
+          </a:p>
+        </p:txBody>
+      </p:sp>
+    </p:spTree>
+    <p:extLst>
+      <p:ext uri="{BB962C8B-B14F-4D97-AF65-F5344CB8AC3E}">
+        <p14:creationId xmlns:p14="http://schemas.microsoft.com/office/powerpoint/2010/main" val="2334865424"/>
+      </p:ext>
+    </p:extLst>
+  </p:cSld>
+  <p:clrMapOvr>
+    <a:masterClrMapping/>
+  </p:clrMapOvr>
+  <mc:AlternateContent xmlns:mc="http://schemas.openxmlformats.org/markup-compatibility/2006" xmlns:p14="http://schemas.microsoft.com/office/powerpoint/2010/main">
+    <mc:Choice Requires="p14">
+      <p:transition spd="med" p14:dur="700">
+        <p:fade/>
+      </p:transition>
+    </mc:Choice>
+    <mc:Fallback xmlns="">
+      <p:transition spd="med">
+        <p:fade/>
+      </p:transition>
+    </mc:Fallback>
+  </mc:AlternateContent>
+</p:sld>
+</file>
+
+<file path=ppt/slides/slide14.xml><?xml version="1.0" encoding="utf-8"?>
+<p:sld xmlns:a="http://schemas.openxmlformats.org/drawingml/2006/main" xmlns:r="http://schemas.openxmlformats.org/officeDocument/2006/relationships" xmlns:p="http://schemas.openxmlformats.org/presentationml/2006/main">
+  <p:cSld>
+    <p:spTree>
+      <p:nvGrpSpPr>
+        <p:cNvPr id="1" name=""/>
+        <p:cNvGrpSpPr/>
+        <p:nvPr/>
+      </p:nvGrpSpPr>
+      <p:grpSpPr>
+        <a:xfrm>
+          <a:off x="0" y="0"/>
+          <a:ext cx="0" cy="0"/>
+          <a:chOff x="0" y="0"/>
+          <a:chExt cx="0" cy="0"/>
+        </a:xfrm>
+      </p:grpSpPr>
+      <p:pic>
+        <p:nvPicPr>
+          <p:cNvPr id="3" name="Picture 2">
+            <a:extLst>
+              <a:ext uri="{FF2B5EF4-FFF2-40B4-BE49-F238E27FC236}">
+                <a16:creationId xmlns:a16="http://schemas.microsoft.com/office/drawing/2014/main" id="{88CC7D4C-7D31-4E3C-92F7-200A7C7F587F}"/>
+              </a:ext>
+            </a:extLst>
+          </p:cNvPr>
+          <p:cNvPicPr>
+            <a:picLocks noChangeAspect="1"/>
+          </p:cNvPicPr>
+          <p:nvPr/>
+        </p:nvPicPr>
+        <p:blipFill>
+          <a:blip r:embed="rId3"/>
+          <a:stretch>
+            <a:fillRect/>
+          </a:stretch>
+        </p:blipFill>
+        <p:spPr>
+          <a:xfrm>
+            <a:off x="0" y="365760"/>
+            <a:ext cx="3233668" cy="805144"/>
+          </a:xfrm>
+          <a:prstGeom prst="rect">
+            <a:avLst/>
+          </a:prstGeom>
+        </p:spPr>
+      </p:pic>
+      <p:sp>
+        <p:nvSpPr>
+          <p:cNvPr id="4" name="Title 1">
+            <a:extLst>
+              <a:ext uri="{FF2B5EF4-FFF2-40B4-BE49-F238E27FC236}">
+                <a16:creationId xmlns:a16="http://schemas.microsoft.com/office/drawing/2014/main" id="{474EB2BC-3221-47A1-8ADF-BF3126732B5F}"/>
+              </a:ext>
+            </a:extLst>
+          </p:cNvPr>
+          <p:cNvSpPr txBox="1">
+            <a:spLocks/>
+          </p:cNvSpPr>
+          <p:nvPr/>
+        </p:nvSpPr>
+        <p:spPr>
+          <a:xfrm>
+            <a:off x="0" y="2705764"/>
+            <a:ext cx="12192000" cy="1446472"/>
+          </a:xfrm>
+          <a:prstGeom prst="rect">
+            <a:avLst/>
+          </a:prstGeom>
+          <a:noFill/>
+        </p:spPr>
+        <p:txBody>
+          <a:bodyPr vert="horz" lIns="91440" tIns="45720" rIns="91440" bIns="45720" rtlCol="0" anchor="ctr">
+            <a:noAutofit/>
+          </a:bodyPr>
+          <a:lstStyle>
+            <a:lvl1pPr algn="l" defTabSz="914400" rtl="0" eaLnBrk="1" latinLnBrk="0" hangingPunct="1">
+              <a:lnSpc>
+                <a:spcPct val="90000"/>
+              </a:lnSpc>
+              <a:spcBef>
+                <a:spcPct val="0"/>
+              </a:spcBef>
+              <a:buNone/>
+              <a:defRPr sz="4400" kern="1200">
+                <a:solidFill>
+                  <a:schemeClr val="tx1"/>
+                </a:solidFill>
+                <a:latin typeface="+mj-lt"/>
+                <a:ea typeface="+mj-ea"/>
+                <a:cs typeface="+mj-cs"/>
+              </a:defRPr>
+            </a:lvl1pPr>
+          </a:lstStyle>
+          <a:p>
+            <a:pPr algn="ctr"/>
+            <a:r>
+              <a:rPr lang="en-US" sz="3600" dirty="0">
+                <a:solidFill>
+                  <a:schemeClr val="tx1">
+                    <a:lumMod val="65000"/>
+                    <a:lumOff val="35000"/>
+                  </a:schemeClr>
+                </a:solidFill>
+                <a:latin typeface="Palatino Linotype" panose="02040502050505030304" pitchFamily="18" charset="0"/>
+              </a:rPr>
+              <a:t>Transformers Introduction</a:t>
+            </a:r>
+            <a:br>
+              <a:rPr lang="en-US" sz="3600" dirty="0">
+                <a:solidFill>
+                  <a:schemeClr val="tx1">
+                    <a:lumMod val="65000"/>
+                    <a:lumOff val="35000"/>
+                  </a:schemeClr>
+                </a:solidFill>
+                <a:latin typeface="Palatino Linotype" panose="02040502050505030304" pitchFamily="18" charset="0"/>
+              </a:rPr>
+            </a:br>
+            <a:r>
+              <a:rPr lang="en-US" sz="3600" dirty="0">
+                <a:solidFill>
+                  <a:schemeClr val="tx1">
+                    <a:lumMod val="65000"/>
+                    <a:lumOff val="35000"/>
+                  </a:schemeClr>
+                </a:solidFill>
+                <a:latin typeface="Palatino Linotype" panose="02040502050505030304" pitchFamily="18" charset="0"/>
+              </a:rPr>
+              <a:t>01.2_transformer_intro.ipynb</a:t>
+            </a:r>
+            <a:endParaRPr lang="en-US" sz="3600" dirty="0">
+              <a:solidFill>
+                <a:schemeClr val="tx1">
+                  <a:lumMod val="65000"/>
+                  <a:lumOff val="35000"/>
+                </a:schemeClr>
+              </a:solidFill>
+              <a:latin typeface="Palatino Linotype" panose="02040502050505030304" pitchFamily="18" charset="0"/>
+              <a:cs typeface="Segoe UI Light" panose="020B0502040204020203" pitchFamily="34" charset="0"/>
+            </a:endParaRPr>
+          </a:p>
+        </p:txBody>
+      </p:sp>
+    </p:spTree>
+    <p:extLst>
+      <p:ext uri="{BB962C8B-B14F-4D97-AF65-F5344CB8AC3E}">
+        <p14:creationId xmlns:p14="http://schemas.microsoft.com/office/powerpoint/2010/main" val="2261991877"/>
+      </p:ext>
+    </p:extLst>
+  </p:cSld>
+  <p:clrMapOvr>
+    <a:masterClrMapping/>
+  </p:clrMapOvr>
+  <mc:AlternateContent xmlns:mc="http://schemas.openxmlformats.org/markup-compatibility/2006" xmlns:p14="http://schemas.microsoft.com/office/powerpoint/2010/main">
+    <mc:Choice Requires="p14">
+      <p:transition spd="med" p14:dur="700">
+        <p:fade/>
+      </p:transition>
+    </mc:Choice>
+    <mc:Fallback xmlns="">
+      <p:transition spd="med">
+        <p:fade/>
+      </p:transition>
+    </mc:Fallback>
+  </mc:AlternateContent>
+</p:sld>
+</file>
+
+<file path=ppt/slides/slide15.xml><?xml version="1.0" encoding="utf-8"?>
+<p:sld xmlns:a="http://schemas.openxmlformats.org/drawingml/2006/main" xmlns:r="http://schemas.openxmlformats.org/officeDocument/2006/relationships" xmlns:p="http://schemas.openxmlformats.org/presentationml/2006/main">
+  <p:cSld>
+    <p:spTree>
+      <p:nvGrpSpPr>
+        <p:cNvPr id="1" name=""/>
+        <p:cNvGrpSpPr/>
+        <p:nvPr/>
+      </p:nvGrpSpPr>
+      <p:grpSpPr>
+        <a:xfrm>
+          <a:off x="0" y="0"/>
+          <a:ext cx="0" cy="0"/>
+          <a:chOff x="0" y="0"/>
+          <a:chExt cx="0" cy="0"/>
+        </a:xfrm>
+      </p:grpSpPr>
+      <p:sp>
+        <p:nvSpPr>
+          <p:cNvPr id="3" name="TextBox 2">
+            <a:extLst>
+              <a:ext uri="{FF2B5EF4-FFF2-40B4-BE49-F238E27FC236}">
+                <a16:creationId xmlns:a16="http://schemas.microsoft.com/office/drawing/2014/main" id="{C1E53685-A9F7-4FE0-ABDB-9B755F275882}"/>
+              </a:ext>
+            </a:extLst>
+          </p:cNvPr>
+          <p:cNvSpPr txBox="1"/>
+          <p:nvPr/>
+        </p:nvSpPr>
+        <p:spPr>
+          <a:xfrm>
+            <a:off x="0" y="6550223"/>
+            <a:ext cx="12192000" cy="307777"/>
+          </a:xfrm>
+          <a:prstGeom prst="rect">
+            <a:avLst/>
+          </a:prstGeom>
+          <a:noFill/>
+        </p:spPr>
+        <p:txBody>
+          <a:bodyPr wrap="square" rtlCol="0">
+            <a:spAutoFit/>
+          </a:bodyPr>
+          <a:lstStyle/>
+          <a:p>
+            <a:r>
+              <a:rPr lang="en-US" sz="1400" dirty="0">
+                <a:solidFill>
+                  <a:schemeClr val="tx1">
+                    <a:lumMod val="65000"/>
+                    <a:lumOff val="35000"/>
+                  </a:schemeClr>
+                </a:solidFill>
+                <a:latin typeface="+mj-lt"/>
+                <a:ea typeface="Verdana" panose="020B0604030504040204" pitchFamily="34" charset="0"/>
+              </a:rPr>
+              <a:t>Source: Glassner, A. (2021). </a:t>
+            </a:r>
+            <a:r>
+              <a:rPr lang="en-US" sz="1400" i="1" dirty="0">
+                <a:solidFill>
+                  <a:schemeClr val="tx1">
+                    <a:lumMod val="65000"/>
+                    <a:lumOff val="35000"/>
+                  </a:schemeClr>
+                </a:solidFill>
+                <a:latin typeface="+mj-lt"/>
+                <a:ea typeface="Verdana" panose="020B0604030504040204" pitchFamily="34" charset="0"/>
+              </a:rPr>
+              <a:t>Deep learning: A visual approach</a:t>
+            </a:r>
+            <a:r>
+              <a:rPr lang="en-US" sz="1400" dirty="0">
+                <a:solidFill>
+                  <a:schemeClr val="tx1">
+                    <a:lumMod val="65000"/>
+                    <a:lumOff val="35000"/>
+                  </a:schemeClr>
+                </a:solidFill>
+                <a:latin typeface="+mj-lt"/>
+                <a:ea typeface="Verdana" panose="020B0604030504040204" pitchFamily="34" charset="0"/>
+              </a:rPr>
+              <a:t>. </a:t>
+            </a:r>
+            <a:r>
+              <a:rPr lang="en-US" sz="1400" b="0" i="0" dirty="0">
+                <a:solidFill>
+                  <a:schemeClr val="tx1">
+                    <a:lumMod val="65000"/>
+                    <a:lumOff val="35000"/>
+                  </a:schemeClr>
+                </a:solidFill>
+                <a:effectLst/>
+                <a:latin typeface="+mj-lt"/>
+                <a:ea typeface="Verdana" panose="020B0604030504040204" pitchFamily="34" charset="0"/>
+              </a:rPr>
+              <a:t>San Francisco, CA: No Starch Press. (Chapter </a:t>
+            </a:r>
+            <a:r>
+              <a:rPr lang="en-US" sz="1400" dirty="0">
+                <a:solidFill>
+                  <a:schemeClr val="tx1">
+                    <a:lumMod val="65000"/>
+                    <a:lumOff val="35000"/>
+                  </a:schemeClr>
+                </a:solidFill>
+                <a:latin typeface="+mj-lt"/>
+                <a:ea typeface="Verdana" panose="020B0604030504040204" pitchFamily="34" charset="0"/>
+              </a:rPr>
+              <a:t>20</a:t>
+            </a:r>
+            <a:r>
+              <a:rPr lang="en-US" sz="1400" b="0" i="0" dirty="0">
+                <a:solidFill>
+                  <a:schemeClr val="tx1">
+                    <a:lumMod val="65000"/>
+                    <a:lumOff val="35000"/>
+                  </a:schemeClr>
+                </a:solidFill>
+                <a:effectLst/>
+                <a:latin typeface="+mj-lt"/>
+                <a:ea typeface="Verdana" panose="020B0604030504040204" pitchFamily="34" charset="0"/>
+              </a:rPr>
+              <a:t>)</a:t>
+            </a:r>
+            <a:endParaRPr lang="en-US" sz="1400" dirty="0">
+              <a:solidFill>
+                <a:schemeClr val="tx1">
+                  <a:lumMod val="65000"/>
+                  <a:lumOff val="35000"/>
+                </a:schemeClr>
+              </a:solidFill>
+              <a:latin typeface="+mj-lt"/>
+              <a:ea typeface="Verdana" panose="020B0604030504040204" pitchFamily="34" charset="0"/>
+            </a:endParaRPr>
+          </a:p>
+        </p:txBody>
+      </p:sp>
+      <p:pic>
+        <p:nvPicPr>
+          <p:cNvPr id="6" name="Picture 5">
+            <a:extLst>
+              <a:ext uri="{FF2B5EF4-FFF2-40B4-BE49-F238E27FC236}">
+                <a16:creationId xmlns:a16="http://schemas.microsoft.com/office/drawing/2014/main" id="{6D6EB62B-2AF5-414F-AE49-8A9F33BF1690}"/>
+              </a:ext>
+            </a:extLst>
+          </p:cNvPr>
+          <p:cNvPicPr>
+            <a:picLocks noChangeAspect="1"/>
+          </p:cNvPicPr>
+          <p:nvPr/>
+        </p:nvPicPr>
+        <p:blipFill>
+          <a:blip r:embed="rId3"/>
+          <a:stretch>
+            <a:fillRect/>
+          </a:stretch>
+        </p:blipFill>
+        <p:spPr>
+          <a:xfrm>
+            <a:off x="2694334" y="3645875"/>
+            <a:ext cx="2635250" cy="635000"/>
+          </a:xfrm>
+          <a:prstGeom prst="rect">
+            <a:avLst/>
+          </a:prstGeom>
+          <a:effectLst>
+            <a:outerShdw blurRad="50800" dist="38100" dir="2700000" algn="tl" rotWithShape="0">
+              <a:prstClr val="black">
+                <a:alpha val="40000"/>
+              </a:prstClr>
+            </a:outerShdw>
+          </a:effectLst>
+        </p:spPr>
+      </p:pic>
+      <p:sp>
+        <p:nvSpPr>
+          <p:cNvPr id="20" name="Title 1">
+            <a:extLst>
+              <a:ext uri="{FF2B5EF4-FFF2-40B4-BE49-F238E27FC236}">
+                <a16:creationId xmlns:a16="http://schemas.microsoft.com/office/drawing/2014/main" id="{A768B6E7-76B8-4DF1-9B5C-732BFB29136A}"/>
+              </a:ext>
+            </a:extLst>
+          </p:cNvPr>
+          <p:cNvSpPr>
+            <a:spLocks noGrp="1"/>
+          </p:cNvSpPr>
+          <p:nvPr>
+            <p:ph type="title"/>
+          </p:nvPr>
+        </p:nvSpPr>
+        <p:spPr>
+          <a:xfrm>
+            <a:off x="0" y="793808"/>
+            <a:ext cx="12192000" cy="606943"/>
+          </a:xfrm>
+          <a:noFill/>
+        </p:spPr>
+        <p:txBody>
+          <a:bodyPr>
+            <a:noAutofit/>
+          </a:bodyPr>
+          <a:lstStyle/>
+          <a:p>
+            <a:pPr algn="ctr"/>
+            <a:r>
+              <a:rPr lang="en-US" sz="3600" dirty="0">
+                <a:solidFill>
+                  <a:schemeClr val="tx1">
+                    <a:lumMod val="65000"/>
+                    <a:lumOff val="35000"/>
+                  </a:schemeClr>
+                </a:solidFill>
+                <a:latin typeface="Palatino Linotype" panose="02040502050505030304" pitchFamily="18" charset="0"/>
+              </a:rPr>
+              <a:t>Transformer Building Blocks</a:t>
+            </a:r>
+            <a:endParaRPr lang="en-US" sz="3600" dirty="0">
+              <a:solidFill>
+                <a:schemeClr val="tx1">
+                  <a:lumMod val="65000"/>
+                  <a:lumOff val="35000"/>
+                </a:schemeClr>
+              </a:solidFill>
+              <a:latin typeface="Palatino Linotype" panose="02040502050505030304" pitchFamily="18" charset="0"/>
+              <a:cs typeface="Segoe UI Light" panose="020B0502040204020203" pitchFamily="34" charset="0"/>
+            </a:endParaRPr>
+          </a:p>
+        </p:txBody>
+      </p:sp>
+      <p:pic>
+        <p:nvPicPr>
+          <p:cNvPr id="4" name="Picture 3">
+            <a:extLst>
+              <a:ext uri="{FF2B5EF4-FFF2-40B4-BE49-F238E27FC236}">
+                <a16:creationId xmlns:a16="http://schemas.microsoft.com/office/drawing/2014/main" id="{A4ABC55C-676F-4AE7-9EF2-40151F173FE9}"/>
+              </a:ext>
+            </a:extLst>
+          </p:cNvPr>
+          <p:cNvPicPr>
+            <a:picLocks noChangeAspect="1"/>
+          </p:cNvPicPr>
+          <p:nvPr/>
+        </p:nvPicPr>
+        <p:blipFill>
+          <a:blip r:embed="rId4"/>
+          <a:stretch>
+            <a:fillRect/>
+          </a:stretch>
+        </p:blipFill>
+        <p:spPr>
+          <a:xfrm>
+            <a:off x="3934266" y="3067016"/>
+            <a:ext cx="2260600" cy="635000"/>
+          </a:xfrm>
+          <a:prstGeom prst="rect">
+            <a:avLst/>
+          </a:prstGeom>
+          <a:effectLst>
+            <a:outerShdw blurRad="50800" dist="38100" dir="2700000" algn="tl" rotWithShape="0">
+              <a:prstClr val="black">
+                <a:alpha val="40000"/>
+              </a:prstClr>
+            </a:outerShdw>
+          </a:effectLst>
+        </p:spPr>
+      </p:pic>
+      <p:pic>
+        <p:nvPicPr>
+          <p:cNvPr id="7" name="Picture 6">
+            <a:extLst>
+              <a:ext uri="{FF2B5EF4-FFF2-40B4-BE49-F238E27FC236}">
+                <a16:creationId xmlns:a16="http://schemas.microsoft.com/office/drawing/2014/main" id="{9E7D3A10-885E-4555-A8EB-85F51F078300}"/>
+              </a:ext>
+            </a:extLst>
+          </p:cNvPr>
+          <p:cNvPicPr>
+            <a:picLocks noChangeAspect="1"/>
+          </p:cNvPicPr>
+          <p:nvPr/>
+        </p:nvPicPr>
+        <p:blipFill>
+          <a:blip r:embed="rId5"/>
+          <a:stretch>
+            <a:fillRect/>
+          </a:stretch>
+        </p:blipFill>
+        <p:spPr>
+          <a:xfrm>
+            <a:off x="6184787" y="3066415"/>
+            <a:ext cx="2755900" cy="635000"/>
+          </a:xfrm>
+          <a:prstGeom prst="rect">
+            <a:avLst/>
+          </a:prstGeom>
+          <a:effectLst>
+            <a:outerShdw blurRad="50800" dist="38100" dir="2700000" algn="tl" rotWithShape="0">
+              <a:prstClr val="black">
+                <a:alpha val="40000"/>
+              </a:prstClr>
+            </a:outerShdw>
+          </a:effectLst>
+        </p:spPr>
+      </p:pic>
+      <p:pic>
+        <p:nvPicPr>
+          <p:cNvPr id="11" name="Picture 10">
+            <a:extLst>
+              <a:ext uri="{FF2B5EF4-FFF2-40B4-BE49-F238E27FC236}">
+                <a16:creationId xmlns:a16="http://schemas.microsoft.com/office/drawing/2014/main" id="{7F15C6DC-63DA-408A-978F-237989161F42}"/>
+              </a:ext>
+            </a:extLst>
+          </p:cNvPr>
+          <p:cNvPicPr>
+            <a:picLocks noChangeAspect="1"/>
+          </p:cNvPicPr>
+          <p:nvPr/>
+        </p:nvPicPr>
+        <p:blipFill>
+          <a:blip r:embed="rId6"/>
+          <a:stretch>
+            <a:fillRect/>
+          </a:stretch>
+        </p:blipFill>
+        <p:spPr>
+          <a:xfrm>
+            <a:off x="7135894" y="3644924"/>
+            <a:ext cx="2451100" cy="635000"/>
+          </a:xfrm>
+          <a:prstGeom prst="rect">
+            <a:avLst/>
+          </a:prstGeom>
+          <a:effectLst>
+            <a:outerShdw blurRad="50800" dist="38100" dir="2700000" algn="tl" rotWithShape="0">
+              <a:prstClr val="black">
+                <a:alpha val="40000"/>
+              </a:prstClr>
+            </a:outerShdw>
+          </a:effectLst>
+        </p:spPr>
+      </p:pic>
+      <p:pic>
+        <p:nvPicPr>
+          <p:cNvPr id="15" name="Picture 14">
+            <a:extLst>
+              <a:ext uri="{FF2B5EF4-FFF2-40B4-BE49-F238E27FC236}">
+                <a16:creationId xmlns:a16="http://schemas.microsoft.com/office/drawing/2014/main" id="{DC963BF3-EA52-4DF2-B0BF-8AC021FFE85A}"/>
+              </a:ext>
+            </a:extLst>
+          </p:cNvPr>
+          <p:cNvPicPr>
+            <a:picLocks noChangeAspect="1"/>
+          </p:cNvPicPr>
+          <p:nvPr/>
+        </p:nvPicPr>
+        <p:blipFill>
+          <a:blip r:embed="rId7"/>
+          <a:stretch>
+            <a:fillRect/>
+          </a:stretch>
+        </p:blipFill>
+        <p:spPr>
+          <a:xfrm>
+            <a:off x="5385341" y="3644924"/>
+            <a:ext cx="1790700" cy="635000"/>
+          </a:xfrm>
+          <a:prstGeom prst="rect">
+            <a:avLst/>
+          </a:prstGeom>
+          <a:effectLst>
+            <a:outerShdw blurRad="50800" dist="38100" dir="2700000" algn="tl" rotWithShape="0">
+              <a:prstClr val="black">
+                <a:alpha val="40000"/>
+              </a:prstClr>
+            </a:outerShdw>
+          </a:effectLst>
+        </p:spPr>
+      </p:pic>
+    </p:spTree>
+    <p:extLst>
+      <p:ext uri="{BB962C8B-B14F-4D97-AF65-F5344CB8AC3E}">
+        <p14:creationId xmlns:p14="http://schemas.microsoft.com/office/powerpoint/2010/main" val="3602552699"/>
+      </p:ext>
+    </p:extLst>
+  </p:cSld>
+  <p:clrMapOvr>
+    <a:masterClrMapping/>
+  </p:clrMapOvr>
+  <mc:AlternateContent xmlns:mc="http://schemas.openxmlformats.org/markup-compatibility/2006" xmlns:p14="http://schemas.microsoft.com/office/powerpoint/2010/main">
+    <mc:Choice Requires="p14">
+      <p:transition spd="med" p14:dur="700">
+        <p:fade/>
+      </p:transition>
+    </mc:Choice>
+    <mc:Fallback xmlns="">
+      <p:transition spd="med">
+        <p:fade/>
+      </p:transition>
+    </mc:Fallback>
+  </mc:AlternateContent>
+</p:sld>
+</file>
+
+<file path=ppt/slides/slide16.xml><?xml version="1.0" encoding="utf-8"?>
+<p:sld xmlns:a="http://schemas.openxmlformats.org/drawingml/2006/main" xmlns:r="http://schemas.openxmlformats.org/officeDocument/2006/relationships" xmlns:p="http://schemas.openxmlformats.org/presentationml/2006/main">
+  <p:cSld>
+    <p:spTree>
+      <p:nvGrpSpPr>
+        <p:cNvPr id="1" name=""/>
+        <p:cNvGrpSpPr/>
+        <p:nvPr/>
+      </p:nvGrpSpPr>
+      <p:grpSpPr>
+        <a:xfrm>
+          <a:off x="0" y="0"/>
+          <a:ext cx="0" cy="0"/>
+          <a:chOff x="0" y="0"/>
+          <a:chExt cx="0" cy="0"/>
+        </a:xfrm>
+      </p:grpSpPr>
+      <p:sp>
+        <p:nvSpPr>
+          <p:cNvPr id="3" name="TextBox 2">
+            <a:extLst>
+              <a:ext uri="{FF2B5EF4-FFF2-40B4-BE49-F238E27FC236}">
+                <a16:creationId xmlns:a16="http://schemas.microsoft.com/office/drawing/2014/main" id="{6722DB1A-F569-46B9-A69B-51E6856EBC43}"/>
+              </a:ext>
+            </a:extLst>
+          </p:cNvPr>
+          <p:cNvSpPr txBox="1"/>
+          <p:nvPr/>
+        </p:nvSpPr>
+        <p:spPr>
+          <a:xfrm>
+            <a:off x="0" y="6550223"/>
+            <a:ext cx="12192000" cy="307777"/>
+          </a:xfrm>
+          <a:prstGeom prst="rect">
+            <a:avLst/>
+          </a:prstGeom>
+          <a:noFill/>
+        </p:spPr>
+        <p:txBody>
+          <a:bodyPr wrap="square" rtlCol="0">
+            <a:spAutoFit/>
+          </a:bodyPr>
+          <a:lstStyle/>
+          <a:p>
+            <a:r>
+              <a:rPr lang="en-US" sz="1400" dirty="0">
+                <a:solidFill>
+                  <a:schemeClr val="tx1">
+                    <a:lumMod val="65000"/>
+                    <a:lumOff val="35000"/>
+                  </a:schemeClr>
+                </a:solidFill>
+                <a:latin typeface="+mj-lt"/>
+                <a:ea typeface="Verdana" panose="020B0604030504040204" pitchFamily="34" charset="0"/>
+              </a:rPr>
+              <a:t>Source: Glassner, A. (2021). </a:t>
+            </a:r>
+            <a:r>
+              <a:rPr lang="en-US" sz="1400" i="1" dirty="0">
+                <a:solidFill>
+                  <a:schemeClr val="tx1">
+                    <a:lumMod val="65000"/>
+                    <a:lumOff val="35000"/>
+                  </a:schemeClr>
+                </a:solidFill>
+                <a:latin typeface="+mj-lt"/>
+                <a:ea typeface="Verdana" panose="020B0604030504040204" pitchFamily="34" charset="0"/>
+              </a:rPr>
+              <a:t>Deep learning: A visual approach</a:t>
+            </a:r>
+            <a:r>
+              <a:rPr lang="en-US" sz="1400" dirty="0">
+                <a:solidFill>
+                  <a:schemeClr val="tx1">
+                    <a:lumMod val="65000"/>
+                    <a:lumOff val="35000"/>
+                  </a:schemeClr>
+                </a:solidFill>
+                <a:latin typeface="+mj-lt"/>
+                <a:ea typeface="Verdana" panose="020B0604030504040204" pitchFamily="34" charset="0"/>
+              </a:rPr>
+              <a:t>. </a:t>
+            </a:r>
+            <a:r>
+              <a:rPr lang="en-US" sz="1400" b="0" i="0" dirty="0">
+                <a:solidFill>
+                  <a:schemeClr val="tx1">
+                    <a:lumMod val="65000"/>
+                    <a:lumOff val="35000"/>
+                  </a:schemeClr>
+                </a:solidFill>
+                <a:effectLst/>
+                <a:latin typeface="+mj-lt"/>
+                <a:ea typeface="Verdana" panose="020B0604030504040204" pitchFamily="34" charset="0"/>
+              </a:rPr>
+              <a:t>San Francisco, CA: No Starch Press. (Chapter </a:t>
+            </a:r>
+            <a:r>
+              <a:rPr lang="en-US" sz="1400" dirty="0">
+                <a:solidFill>
+                  <a:schemeClr val="tx1">
+                    <a:lumMod val="65000"/>
+                    <a:lumOff val="35000"/>
+                  </a:schemeClr>
+                </a:solidFill>
+                <a:latin typeface="+mj-lt"/>
+                <a:ea typeface="Verdana" panose="020B0604030504040204" pitchFamily="34" charset="0"/>
+              </a:rPr>
+              <a:t>20</a:t>
+            </a:r>
+            <a:r>
+              <a:rPr lang="en-US" sz="1400" b="0" i="0" dirty="0">
+                <a:solidFill>
+                  <a:schemeClr val="tx1">
+                    <a:lumMod val="65000"/>
+                    <a:lumOff val="35000"/>
+                  </a:schemeClr>
+                </a:solidFill>
+                <a:effectLst/>
+                <a:latin typeface="+mj-lt"/>
+                <a:ea typeface="Verdana" panose="020B0604030504040204" pitchFamily="34" charset="0"/>
+              </a:rPr>
+              <a:t>)</a:t>
+            </a:r>
+            <a:endParaRPr lang="en-US" sz="1400" dirty="0">
+              <a:solidFill>
+                <a:schemeClr val="tx1">
+                  <a:lumMod val="65000"/>
+                  <a:lumOff val="35000"/>
+                </a:schemeClr>
+              </a:solidFill>
+              <a:latin typeface="+mj-lt"/>
+              <a:ea typeface="Verdana" panose="020B0604030504040204" pitchFamily="34" charset="0"/>
+            </a:endParaRPr>
+          </a:p>
+        </p:txBody>
+      </p:sp>
+      <p:pic>
+        <p:nvPicPr>
+          <p:cNvPr id="5122" name="Picture 2" descr="F20017">
+            <a:extLst>
+              <a:ext uri="{FF2B5EF4-FFF2-40B4-BE49-F238E27FC236}">
+                <a16:creationId xmlns:a16="http://schemas.microsoft.com/office/drawing/2014/main" id="{A2BD3535-EC55-4219-A35C-F22379D1E7CF}"/>
+              </a:ext>
+            </a:extLst>
+          </p:cNvPr>
+          <p:cNvPicPr>
+            <a:picLocks noChangeAspect="1" noChangeArrowheads="1"/>
+          </p:cNvPicPr>
+          <p:nvPr/>
+        </p:nvPicPr>
+        <p:blipFill>
+          <a:blip r:embed="rId3">
+            <a:clrChange>
+              <a:clrFrom>
+                <a:srgbClr val="FFFFFF"/>
+              </a:clrFrom>
+              <a:clrTo>
+                <a:srgbClr val="FFFFFF">
+                  <a:alpha val="0"/>
+                </a:srgbClr>
+              </a:clrTo>
+            </a:clrChange>
+            <a:extLst>
+              <a:ext uri="{28A0092B-C50C-407E-A947-70E740481C1C}">
+                <a14:useLocalDpi xmlns:a14="http://schemas.microsoft.com/office/drawing/2010/main" val="0"/>
+              </a:ext>
+            </a:extLst>
+          </a:blip>
+          <a:srcRect/>
+          <a:stretch>
+            <a:fillRect/>
+          </a:stretch>
+        </p:blipFill>
+        <p:spPr bwMode="auto">
+          <a:xfrm>
+            <a:off x="1916462" y="2971298"/>
+            <a:ext cx="8359075" cy="915403"/>
+          </a:xfrm>
+          <a:prstGeom prst="rect">
+            <a:avLst/>
+          </a:prstGeom>
+          <a:noFill/>
+          <a:extLst>
+            <a:ext uri="{909E8E84-426E-40DD-AFC4-6F175D3DCCD1}">
+              <a14:hiddenFill xmlns:a14="http://schemas.microsoft.com/office/drawing/2010/main">
+                <a:solidFill>
+                  <a:srgbClr val="FFFFFF"/>
+                </a:solidFill>
+              </a14:hiddenFill>
+            </a:ext>
+          </a:extLst>
+        </p:spPr>
+      </p:pic>
+      <p:pic>
+        <p:nvPicPr>
+          <p:cNvPr id="4" name="Picture 3">
+            <a:extLst>
+              <a:ext uri="{FF2B5EF4-FFF2-40B4-BE49-F238E27FC236}">
+                <a16:creationId xmlns:a16="http://schemas.microsoft.com/office/drawing/2014/main" id="{4AA576B4-F2BA-45FB-9C9D-CAEABC2E0F52}"/>
+              </a:ext>
+            </a:extLst>
+          </p:cNvPr>
+          <p:cNvPicPr>
+            <a:picLocks noChangeAspect="1"/>
+          </p:cNvPicPr>
+          <p:nvPr/>
+        </p:nvPicPr>
+        <p:blipFill>
+          <a:blip r:embed="rId4"/>
+          <a:stretch>
+            <a:fillRect/>
+          </a:stretch>
+        </p:blipFill>
+        <p:spPr>
+          <a:xfrm>
+            <a:off x="-113845" y="20775"/>
+            <a:ext cx="2451100" cy="635000"/>
+          </a:xfrm>
+          <a:prstGeom prst="rect">
+            <a:avLst/>
+          </a:prstGeom>
+          <a:effectLst>
+            <a:outerShdw blurRad="50800" dist="38100" dir="2700000" algn="tl" rotWithShape="0">
+              <a:prstClr val="black">
+                <a:alpha val="40000"/>
+              </a:prstClr>
+            </a:outerShdw>
+          </a:effectLst>
+        </p:spPr>
+      </p:pic>
+      <p:sp>
+        <p:nvSpPr>
+          <p:cNvPr id="5" name="Rectangle: Rounded Corners 4">
+            <a:extLst>
+              <a:ext uri="{FF2B5EF4-FFF2-40B4-BE49-F238E27FC236}">
+                <a16:creationId xmlns:a16="http://schemas.microsoft.com/office/drawing/2014/main" id="{A31289DB-BE8C-5270-3F06-2313296420C6}"/>
+              </a:ext>
+            </a:extLst>
+          </p:cNvPr>
+          <p:cNvSpPr/>
+          <p:nvPr/>
+        </p:nvSpPr>
+        <p:spPr>
+          <a:xfrm>
+            <a:off x="6705600" y="1780178"/>
+            <a:ext cx="1782080" cy="443411"/>
+          </a:xfrm>
+          <a:prstGeom prst="roundRect">
+            <a:avLst/>
+          </a:prstGeom>
+          <a:noFill/>
+          <a:ln w="19050">
+            <a:solidFill>
+              <a:schemeClr val="bg2">
+                <a:lumMod val="75000"/>
+              </a:schemeClr>
+            </a:solidFill>
+            <a:prstDash val="solid"/>
+          </a:ln>
+        </p:spPr>
+        <p:style>
+          <a:lnRef idx="2">
+            <a:schemeClr val="accent1">
+              <a:shade val="50000"/>
+            </a:schemeClr>
+          </a:lnRef>
+          <a:fillRef idx="1">
+            <a:schemeClr val="accent1"/>
+          </a:fillRef>
+          <a:effectRef idx="0">
+            <a:schemeClr val="accent1"/>
+          </a:effectRef>
+          <a:fontRef idx="minor">
+            <a:schemeClr val="lt1"/>
+          </a:fontRef>
+        </p:style>
+        <p:txBody>
+          <a:bodyPr rtlCol="0" anchor="ctr"/>
+          <a:lstStyle/>
+          <a:p>
+            <a:pPr algn="ctr"/>
+            <a:r>
+              <a:rPr lang="en-US" dirty="0">
+                <a:solidFill>
+                  <a:schemeClr val="tx1">
+                    <a:lumMod val="65000"/>
+                    <a:lumOff val="35000"/>
+                  </a:schemeClr>
+                </a:solidFill>
+              </a:rPr>
+              <a:t>Skip Connection</a:t>
+            </a:r>
+          </a:p>
+        </p:txBody>
+      </p:sp>
+      <p:cxnSp>
+        <p:nvCxnSpPr>
+          <p:cNvPr id="6" name="Straight Connector 5">
+            <a:extLst>
+              <a:ext uri="{FF2B5EF4-FFF2-40B4-BE49-F238E27FC236}">
+                <a16:creationId xmlns:a16="http://schemas.microsoft.com/office/drawing/2014/main" id="{376070B7-4377-5587-7260-9E2DB555E206}"/>
+              </a:ext>
+            </a:extLst>
+          </p:cNvPr>
+          <p:cNvCxnSpPr>
+            <a:cxnSpLocks/>
+            <a:endCxn id="5" idx="2"/>
+          </p:cNvCxnSpPr>
+          <p:nvPr/>
+        </p:nvCxnSpPr>
+        <p:spPr>
+          <a:xfrm flipV="1">
+            <a:off x="7404100" y="2223589"/>
+            <a:ext cx="192540" cy="747709"/>
+          </a:xfrm>
+          <a:prstGeom prst="line">
+            <a:avLst/>
+          </a:prstGeom>
+          <a:ln>
+            <a:solidFill>
+              <a:schemeClr val="bg2">
+                <a:lumMod val="50000"/>
+              </a:schemeClr>
+            </a:solidFill>
+          </a:ln>
+        </p:spPr>
+        <p:style>
+          <a:lnRef idx="1">
+            <a:schemeClr val="accent1"/>
+          </a:lnRef>
+          <a:fillRef idx="0">
+            <a:schemeClr val="accent1"/>
+          </a:fillRef>
+          <a:effectRef idx="0">
+            <a:schemeClr val="accent1"/>
+          </a:effectRef>
+          <a:fontRef idx="minor">
+            <a:schemeClr val="tx1"/>
+          </a:fontRef>
+        </p:style>
+      </p:cxnSp>
+    </p:spTree>
+    <p:extLst>
+      <p:ext uri="{BB962C8B-B14F-4D97-AF65-F5344CB8AC3E}">
+        <p14:creationId xmlns:p14="http://schemas.microsoft.com/office/powerpoint/2010/main" val="1959335710"/>
+      </p:ext>
+    </p:extLst>
+  </p:cSld>
+  <p:clrMapOvr>
+    <a:masterClrMapping/>
+  </p:clrMapOvr>
+  <mc:AlternateContent xmlns:mc="http://schemas.openxmlformats.org/markup-compatibility/2006" xmlns:p14="http://schemas.microsoft.com/office/powerpoint/2010/main">
+    <mc:Choice Requires="p14">
+      <p:transition spd="med" p14:dur="700">
+        <p:fade/>
+      </p:transition>
+    </mc:Choice>
+    <mc:Fallback xmlns="">
+      <p:transition spd="med">
+        <p:fade/>
+      </p:transition>
+    </mc:Fallback>
+  </mc:AlternateContent>
+</p:sld>
+</file>
+
+<file path=ppt/slides/slide17.xml><?xml version="1.0" encoding="utf-8"?>
+<p:sld xmlns:a="http://schemas.openxmlformats.org/drawingml/2006/main" xmlns:r="http://schemas.openxmlformats.org/officeDocument/2006/relationships" xmlns:p="http://schemas.openxmlformats.org/presentationml/2006/main">
+  <p:cSld>
+    <p:spTree>
+      <p:nvGrpSpPr>
+        <p:cNvPr id="1" name=""/>
+        <p:cNvGrpSpPr/>
+        <p:nvPr/>
+      </p:nvGrpSpPr>
+      <p:grpSpPr>
+        <a:xfrm>
+          <a:off x="0" y="0"/>
+          <a:ext cx="0" cy="0"/>
+          <a:chOff x="0" y="0"/>
+          <a:chExt cx="0" cy="0"/>
+        </a:xfrm>
+      </p:grpSpPr>
+      <p:pic>
+        <p:nvPicPr>
           <p:cNvPr id="4098" name="Picture 2" descr="F20018">
             <a:extLst>
               <a:ext uri="{FF2B5EF4-FFF2-40B4-BE49-F238E27FC236}">
@@ -6174,6 +8639,335 @@
           </a:effectLst>
         </p:spPr>
       </p:pic>
+      <p:cxnSp>
+        <p:nvCxnSpPr>
+          <p:cNvPr id="4" name="Straight Connector 3">
+            <a:extLst>
+              <a:ext uri="{FF2B5EF4-FFF2-40B4-BE49-F238E27FC236}">
+                <a16:creationId xmlns:a16="http://schemas.microsoft.com/office/drawing/2014/main" id="{9C51FA8E-35B9-635C-F586-AE0AED660EAD}"/>
+              </a:ext>
+            </a:extLst>
+          </p:cNvPr>
+          <p:cNvCxnSpPr>
+            <a:cxnSpLocks/>
+          </p:cNvCxnSpPr>
+          <p:nvPr/>
+        </p:nvCxnSpPr>
+        <p:spPr>
+          <a:xfrm flipV="1">
+            <a:off x="4710896" y="2282970"/>
+            <a:ext cx="497712" cy="1038964"/>
+          </a:xfrm>
+          <a:prstGeom prst="line">
+            <a:avLst/>
+          </a:prstGeom>
+          <a:ln>
+            <a:solidFill>
+              <a:schemeClr val="bg2">
+                <a:lumMod val="50000"/>
+              </a:schemeClr>
+            </a:solidFill>
+          </a:ln>
+        </p:spPr>
+        <p:style>
+          <a:lnRef idx="1">
+            <a:schemeClr val="accent1"/>
+          </a:lnRef>
+          <a:fillRef idx="0">
+            <a:schemeClr val="accent1"/>
+          </a:fillRef>
+          <a:effectRef idx="0">
+            <a:schemeClr val="accent1"/>
+          </a:effectRef>
+          <a:fontRef idx="minor">
+            <a:schemeClr val="tx1"/>
+          </a:fontRef>
+        </p:style>
+      </p:cxnSp>
+      <p:sp>
+        <p:nvSpPr>
+          <p:cNvPr id="8" name="Rectangle: Rounded Corners 7">
+            <a:extLst>
+              <a:ext uri="{FF2B5EF4-FFF2-40B4-BE49-F238E27FC236}">
+                <a16:creationId xmlns:a16="http://schemas.microsoft.com/office/drawing/2014/main" id="{28FE3967-90F4-B230-99C8-0DE4C7CF5453}"/>
+              </a:ext>
+            </a:extLst>
+          </p:cNvPr>
+          <p:cNvSpPr/>
+          <p:nvPr/>
+        </p:nvSpPr>
+        <p:spPr>
+          <a:xfrm>
+            <a:off x="5208608" y="1867989"/>
+            <a:ext cx="1310572" cy="423798"/>
+          </a:xfrm>
+          <a:prstGeom prst="roundRect">
+            <a:avLst/>
+          </a:prstGeom>
+          <a:noFill/>
+          <a:ln w="19050">
+            <a:solidFill>
+              <a:schemeClr val="bg2">
+                <a:lumMod val="75000"/>
+              </a:schemeClr>
+            </a:solidFill>
+            <a:prstDash val="solid"/>
+          </a:ln>
+        </p:spPr>
+        <p:style>
+          <a:lnRef idx="2">
+            <a:schemeClr val="accent1">
+              <a:shade val="50000"/>
+            </a:schemeClr>
+          </a:lnRef>
+          <a:fillRef idx="1">
+            <a:schemeClr val="accent1"/>
+          </a:fillRef>
+          <a:effectRef idx="0">
+            <a:schemeClr val="accent1"/>
+          </a:effectRef>
+          <a:fontRef idx="minor">
+            <a:schemeClr val="lt1"/>
+          </a:fontRef>
+        </p:style>
+        <p:txBody>
+          <a:bodyPr rtlCol="0" anchor="ctr"/>
+          <a:lstStyle/>
+          <a:p>
+            <a:pPr algn="ctr"/>
+            <a:r>
+              <a:rPr lang="en-US" dirty="0">
+                <a:solidFill>
+                  <a:schemeClr val="tx1">
+                    <a:lumMod val="65000"/>
+                    <a:lumOff val="35000"/>
+                  </a:schemeClr>
+                </a:solidFill>
+              </a:rPr>
+              <a:t>Layer Norm</a:t>
+            </a:r>
+          </a:p>
+        </p:txBody>
+      </p:sp>
+      <p:sp>
+        <p:nvSpPr>
+          <p:cNvPr id="10" name="Rectangle: Rounded Corners 9">
+            <a:extLst>
+              <a:ext uri="{FF2B5EF4-FFF2-40B4-BE49-F238E27FC236}">
+                <a16:creationId xmlns:a16="http://schemas.microsoft.com/office/drawing/2014/main" id="{704C6CAD-82E5-5B51-BA6E-3DF765A1997D}"/>
+              </a:ext>
+            </a:extLst>
+          </p:cNvPr>
+          <p:cNvSpPr/>
+          <p:nvPr/>
+        </p:nvSpPr>
+        <p:spPr>
+          <a:xfrm>
+            <a:off x="5898728" y="4566213"/>
+            <a:ext cx="1588127" cy="423798"/>
+          </a:xfrm>
+          <a:prstGeom prst="roundRect">
+            <a:avLst/>
+          </a:prstGeom>
+          <a:noFill/>
+          <a:ln w="19050">
+            <a:solidFill>
+              <a:schemeClr val="bg2">
+                <a:lumMod val="75000"/>
+              </a:schemeClr>
+            </a:solidFill>
+          </a:ln>
+        </p:spPr>
+        <p:style>
+          <a:lnRef idx="2">
+            <a:schemeClr val="accent1">
+              <a:shade val="50000"/>
+            </a:schemeClr>
+          </a:lnRef>
+          <a:fillRef idx="1">
+            <a:schemeClr val="accent1"/>
+          </a:fillRef>
+          <a:effectRef idx="0">
+            <a:schemeClr val="accent1"/>
+          </a:effectRef>
+          <a:fontRef idx="minor">
+            <a:schemeClr val="lt1"/>
+          </a:fontRef>
+        </p:style>
+        <p:txBody>
+          <a:bodyPr rtlCol="0" anchor="ctr"/>
+          <a:lstStyle/>
+          <a:p>
+            <a:pPr algn="ctr"/>
+            <a:r>
+              <a:rPr lang="en-US" dirty="0">
+                <a:solidFill>
+                  <a:schemeClr val="tx1">
+                    <a:lumMod val="65000"/>
+                    <a:lumOff val="35000"/>
+                  </a:schemeClr>
+                </a:solidFill>
+              </a:rPr>
+              <a:t>Addition Node</a:t>
+            </a:r>
+          </a:p>
+        </p:txBody>
+      </p:sp>
+      <p:cxnSp>
+        <p:nvCxnSpPr>
+          <p:cNvPr id="11" name="Straight Connector 10">
+            <a:extLst>
+              <a:ext uri="{FF2B5EF4-FFF2-40B4-BE49-F238E27FC236}">
+                <a16:creationId xmlns:a16="http://schemas.microsoft.com/office/drawing/2014/main" id="{C79C1CE8-57D0-A240-D5D8-4DACE3DA052A}"/>
+              </a:ext>
+            </a:extLst>
+          </p:cNvPr>
+          <p:cNvCxnSpPr>
+            <a:cxnSpLocks/>
+          </p:cNvCxnSpPr>
+          <p:nvPr/>
+        </p:nvCxnSpPr>
+        <p:spPr>
+          <a:xfrm>
+            <a:off x="5460274" y="3851999"/>
+            <a:ext cx="438454" cy="714214"/>
+          </a:xfrm>
+          <a:prstGeom prst="line">
+            <a:avLst/>
+          </a:prstGeom>
+          <a:ln>
+            <a:solidFill>
+              <a:schemeClr val="bg2">
+                <a:lumMod val="50000"/>
+              </a:schemeClr>
+            </a:solidFill>
+          </a:ln>
+        </p:spPr>
+        <p:style>
+          <a:lnRef idx="1">
+            <a:schemeClr val="accent1"/>
+          </a:lnRef>
+          <a:fillRef idx="0">
+            <a:schemeClr val="accent1"/>
+          </a:fillRef>
+          <a:effectRef idx="0">
+            <a:schemeClr val="accent1"/>
+          </a:effectRef>
+          <a:fontRef idx="minor">
+            <a:schemeClr val="tx1"/>
+          </a:fontRef>
+        </p:style>
+      </p:cxnSp>
+      <p:sp>
+        <p:nvSpPr>
+          <p:cNvPr id="18" name="Rectangle: Rounded Corners 17">
+            <a:extLst>
+              <a:ext uri="{FF2B5EF4-FFF2-40B4-BE49-F238E27FC236}">
+                <a16:creationId xmlns:a16="http://schemas.microsoft.com/office/drawing/2014/main" id="{4E92B073-5DF7-D058-69C3-DEA5A4A0341C}"/>
+              </a:ext>
+            </a:extLst>
+          </p:cNvPr>
+          <p:cNvSpPr/>
+          <p:nvPr/>
+        </p:nvSpPr>
+        <p:spPr>
+          <a:xfrm>
+            <a:off x="9540172" y="1859172"/>
+            <a:ext cx="1310572" cy="423798"/>
+          </a:xfrm>
+          <a:prstGeom prst="roundRect">
+            <a:avLst/>
+          </a:prstGeom>
+          <a:noFill/>
+          <a:ln w="19050">
+            <a:solidFill>
+              <a:schemeClr val="bg2">
+                <a:lumMod val="75000"/>
+              </a:schemeClr>
+            </a:solidFill>
+            <a:prstDash val="solid"/>
+          </a:ln>
+        </p:spPr>
+        <p:style>
+          <a:lnRef idx="2">
+            <a:schemeClr val="accent1">
+              <a:shade val="50000"/>
+            </a:schemeClr>
+          </a:lnRef>
+          <a:fillRef idx="1">
+            <a:schemeClr val="accent1"/>
+          </a:fillRef>
+          <a:effectRef idx="0">
+            <a:schemeClr val="accent1"/>
+          </a:effectRef>
+          <a:fontRef idx="minor">
+            <a:schemeClr val="lt1"/>
+          </a:fontRef>
+        </p:style>
+        <p:txBody>
+          <a:bodyPr rtlCol="0" anchor="ctr"/>
+          <a:lstStyle/>
+          <a:p>
+            <a:pPr algn="ctr"/>
+            <a:r>
+              <a:rPr lang="en-US" dirty="0">
+                <a:solidFill>
+                  <a:schemeClr val="tx1">
+                    <a:lumMod val="65000"/>
+                    <a:lumOff val="35000"/>
+                  </a:schemeClr>
+                </a:solidFill>
+              </a:rPr>
+              <a:t>Norm-Add</a:t>
+            </a:r>
+          </a:p>
+        </p:txBody>
+      </p:sp>
+      <p:cxnSp>
+        <p:nvCxnSpPr>
+          <p:cNvPr id="19" name="Straight Connector 18">
+            <a:extLst>
+              <a:ext uri="{FF2B5EF4-FFF2-40B4-BE49-F238E27FC236}">
+                <a16:creationId xmlns:a16="http://schemas.microsoft.com/office/drawing/2014/main" id="{E1664988-9E09-BE2A-5E83-D5DA8A690A6E}"/>
+              </a:ext>
+            </a:extLst>
+          </p:cNvPr>
+          <p:cNvCxnSpPr>
+            <a:cxnSpLocks/>
+          </p:cNvCxnSpPr>
+          <p:nvPr/>
+        </p:nvCxnSpPr>
+        <p:spPr>
+          <a:xfrm flipV="1">
+            <a:off x="8956675" y="2282970"/>
+            <a:ext cx="583497" cy="1092055"/>
+          </a:xfrm>
+          <a:prstGeom prst="line">
+            <a:avLst/>
+          </a:prstGeom>
+          <a:ln>
+            <a:solidFill>
+              <a:schemeClr val="bg2">
+                <a:lumMod val="50000"/>
+              </a:schemeClr>
+            </a:solidFill>
+          </a:ln>
+        </p:spPr>
+        <p:style>
+          <a:lnRef idx="1">
+            <a:schemeClr val="accent1"/>
+          </a:lnRef>
+          <a:fillRef idx="0">
+            <a:schemeClr val="accent1"/>
+          </a:fillRef>
+          <a:effectRef idx="0">
+            <a:schemeClr val="accent1"/>
+          </a:effectRef>
+          <a:fontRef idx="minor">
+            <a:schemeClr val="tx1"/>
+          </a:fontRef>
+        </p:style>
+      </p:cxnSp>
     </p:spTree>
     <p:extLst>
       <p:ext uri="{BB962C8B-B14F-4D97-AF65-F5344CB8AC3E}">
@@ -6199,7 +8993,7 @@
 </p:sld>
 </file>
 
-<file path=ppt/slides/slide11.xml><?xml version="1.0" encoding="utf-8"?>
+<file path=ppt/slides/slide18.xml><?xml version="1.0" encoding="utf-8"?>
 <p:sld xmlns:a="http://schemas.openxmlformats.org/drawingml/2006/main" xmlns:r="http://schemas.openxmlformats.org/officeDocument/2006/relationships" xmlns:p="http://schemas.openxmlformats.org/presentationml/2006/main">
   <p:cSld>
     <p:spTree>
@@ -6456,264 +9250,7 @@
 </p:sld>
 </file>
 
-<file path=ppt/slides/slide12.xml><?xml version="1.0" encoding="utf-8"?>
-<p:sld xmlns:a="http://schemas.openxmlformats.org/drawingml/2006/main" xmlns:r="http://schemas.openxmlformats.org/officeDocument/2006/relationships" xmlns:p="http://schemas.openxmlformats.org/presentationml/2006/main">
-  <p:cSld>
-    <p:spTree>
-      <p:nvGrpSpPr>
-        <p:cNvPr id="1" name=""/>
-        <p:cNvGrpSpPr/>
-        <p:nvPr/>
-      </p:nvGrpSpPr>
-      <p:grpSpPr>
-        <a:xfrm>
-          <a:off x="0" y="0"/>
-          <a:ext cx="0" cy="0"/>
-          <a:chOff x="0" y="0"/>
-          <a:chExt cx="0" cy="0"/>
-        </a:xfrm>
-      </p:grpSpPr>
-      <p:sp>
-        <p:nvSpPr>
-          <p:cNvPr id="3" name="TextBox 2">
-            <a:extLst>
-              <a:ext uri="{FF2B5EF4-FFF2-40B4-BE49-F238E27FC236}">
-                <a16:creationId xmlns:a16="http://schemas.microsoft.com/office/drawing/2014/main" id="{6722DB1A-F569-46B9-A69B-51E6856EBC43}"/>
-              </a:ext>
-            </a:extLst>
-          </p:cNvPr>
-          <p:cNvSpPr txBox="1"/>
-          <p:nvPr/>
-        </p:nvSpPr>
-        <p:spPr>
-          <a:xfrm>
-            <a:off x="0" y="6550223"/>
-            <a:ext cx="12192000" cy="307777"/>
-          </a:xfrm>
-          <a:prstGeom prst="rect">
-            <a:avLst/>
-          </a:prstGeom>
-          <a:noFill/>
-        </p:spPr>
-        <p:txBody>
-          <a:bodyPr wrap="square" rtlCol="0">
-            <a:spAutoFit/>
-          </a:bodyPr>
-          <a:lstStyle/>
-          <a:p>
-            <a:r>
-              <a:rPr lang="en-US" sz="1400" dirty="0">
-                <a:solidFill>
-                  <a:schemeClr val="tx1">
-                    <a:lumMod val="65000"/>
-                    <a:lumOff val="35000"/>
-                  </a:schemeClr>
-                </a:solidFill>
-                <a:latin typeface="+mj-lt"/>
-                <a:ea typeface="Verdana" panose="020B0604030504040204" pitchFamily="34" charset="0"/>
-              </a:rPr>
-              <a:t>Source: Glassner, A. (2021). </a:t>
-            </a:r>
-            <a:r>
-              <a:rPr lang="en-US" sz="1400" i="1" dirty="0">
-                <a:solidFill>
-                  <a:schemeClr val="tx1">
-                    <a:lumMod val="65000"/>
-                    <a:lumOff val="35000"/>
-                  </a:schemeClr>
-                </a:solidFill>
-                <a:latin typeface="+mj-lt"/>
-                <a:ea typeface="Verdana" panose="020B0604030504040204" pitchFamily="34" charset="0"/>
-              </a:rPr>
-              <a:t>Deep learning: A visual approach</a:t>
-            </a:r>
-            <a:r>
-              <a:rPr lang="en-US" sz="1400" dirty="0">
-                <a:solidFill>
-                  <a:schemeClr val="tx1">
-                    <a:lumMod val="65000"/>
-                    <a:lumOff val="35000"/>
-                  </a:schemeClr>
-                </a:solidFill>
-                <a:latin typeface="+mj-lt"/>
-                <a:ea typeface="Verdana" panose="020B0604030504040204" pitchFamily="34" charset="0"/>
-              </a:rPr>
-              <a:t>. </a:t>
-            </a:r>
-            <a:r>
-              <a:rPr lang="en-US" sz="1400" b="0" i="0" dirty="0">
-                <a:solidFill>
-                  <a:schemeClr val="tx1">
-                    <a:lumMod val="65000"/>
-                    <a:lumOff val="35000"/>
-                  </a:schemeClr>
-                </a:solidFill>
-                <a:effectLst/>
-                <a:latin typeface="+mj-lt"/>
-                <a:ea typeface="Verdana" panose="020B0604030504040204" pitchFamily="34" charset="0"/>
-              </a:rPr>
-              <a:t>San Francisco, CA: No Starch Press. (Chapter </a:t>
-            </a:r>
-            <a:r>
-              <a:rPr lang="en-US" sz="1400" dirty="0">
-                <a:solidFill>
-                  <a:schemeClr val="tx1">
-                    <a:lumMod val="65000"/>
-                    <a:lumOff val="35000"/>
-                  </a:schemeClr>
-                </a:solidFill>
-                <a:latin typeface="+mj-lt"/>
-                <a:ea typeface="Verdana" panose="020B0604030504040204" pitchFamily="34" charset="0"/>
-              </a:rPr>
-              <a:t>20</a:t>
-            </a:r>
-            <a:r>
-              <a:rPr lang="en-US" sz="1400" b="0" i="0" dirty="0">
-                <a:solidFill>
-                  <a:schemeClr val="tx1">
-                    <a:lumMod val="65000"/>
-                    <a:lumOff val="35000"/>
-                  </a:schemeClr>
-                </a:solidFill>
-                <a:effectLst/>
-                <a:latin typeface="+mj-lt"/>
-                <a:ea typeface="Verdana" panose="020B0604030504040204" pitchFamily="34" charset="0"/>
-              </a:rPr>
-              <a:t>)</a:t>
-            </a:r>
-            <a:endParaRPr lang="en-US" sz="1400" dirty="0">
-              <a:solidFill>
-                <a:schemeClr val="tx1">
-                  <a:lumMod val="65000"/>
-                  <a:lumOff val="35000"/>
-                </a:schemeClr>
-              </a:solidFill>
-              <a:latin typeface="+mj-lt"/>
-              <a:ea typeface="Verdana" panose="020B0604030504040204" pitchFamily="34" charset="0"/>
-            </a:endParaRPr>
-          </a:p>
-        </p:txBody>
-      </p:sp>
-      <p:pic>
-        <p:nvPicPr>
-          <p:cNvPr id="5122" name="Picture 2" descr="F20017">
-            <a:extLst>
-              <a:ext uri="{FF2B5EF4-FFF2-40B4-BE49-F238E27FC236}">
-                <a16:creationId xmlns:a16="http://schemas.microsoft.com/office/drawing/2014/main" id="{A2BD3535-EC55-4219-A35C-F22379D1E7CF}"/>
-              </a:ext>
-            </a:extLst>
-          </p:cNvPr>
-          <p:cNvPicPr>
-            <a:picLocks noChangeAspect="1" noChangeArrowheads="1"/>
-          </p:cNvPicPr>
-          <p:nvPr/>
-        </p:nvPicPr>
-        <p:blipFill>
-          <a:blip r:embed="rId3">
-            <a:clrChange>
-              <a:clrFrom>
-                <a:srgbClr val="FFFFFF"/>
-              </a:clrFrom>
-              <a:clrTo>
-                <a:srgbClr val="FFFFFF">
-                  <a:alpha val="0"/>
-                </a:srgbClr>
-              </a:clrTo>
-            </a:clrChange>
-            <a:extLst>
-              <a:ext uri="{28A0092B-C50C-407E-A947-70E740481C1C}">
-                <a14:useLocalDpi xmlns:a14="http://schemas.microsoft.com/office/drawing/2010/main" val="0"/>
-              </a:ext>
-            </a:extLst>
-          </a:blip>
-          <a:srcRect/>
-          <a:stretch>
-            <a:fillRect/>
-          </a:stretch>
-        </p:blipFill>
-        <p:spPr bwMode="auto">
-          <a:xfrm>
-            <a:off x="1916462" y="2971298"/>
-            <a:ext cx="8359075" cy="915403"/>
-          </a:xfrm>
-          <a:prstGeom prst="rect">
-            <a:avLst/>
-          </a:prstGeom>
-          <a:noFill/>
-          <a:extLst>
-            <a:ext uri="{909E8E84-426E-40DD-AFC4-6F175D3DCCD1}">
-              <a14:hiddenFill xmlns:a14="http://schemas.microsoft.com/office/drawing/2010/main">
-                <a:solidFill>
-                  <a:srgbClr val="FFFFFF"/>
-                </a:solidFill>
-              </a14:hiddenFill>
-            </a:ext>
-          </a:extLst>
-        </p:spPr>
-      </p:pic>
-      <p:pic>
-        <p:nvPicPr>
-          <p:cNvPr id="4" name="Picture 3">
-            <a:extLst>
-              <a:ext uri="{FF2B5EF4-FFF2-40B4-BE49-F238E27FC236}">
-                <a16:creationId xmlns:a16="http://schemas.microsoft.com/office/drawing/2014/main" id="{4AA576B4-F2BA-45FB-9C9D-CAEABC2E0F52}"/>
-              </a:ext>
-            </a:extLst>
-          </p:cNvPr>
-          <p:cNvPicPr>
-            <a:picLocks noChangeAspect="1"/>
-          </p:cNvPicPr>
-          <p:nvPr/>
-        </p:nvPicPr>
-        <p:blipFill>
-          <a:blip r:embed="rId4"/>
-          <a:stretch>
-            <a:fillRect/>
-          </a:stretch>
-        </p:blipFill>
-        <p:spPr>
-          <a:xfrm>
-            <a:off x="-113845" y="20775"/>
-            <a:ext cx="2451100" cy="635000"/>
-          </a:xfrm>
-          <a:prstGeom prst="rect">
-            <a:avLst/>
-          </a:prstGeom>
-          <a:effectLst>
-            <a:outerShdw blurRad="50800" dist="38100" dir="2700000" algn="tl" rotWithShape="0">
-              <a:prstClr val="black">
-                <a:alpha val="40000"/>
-              </a:prstClr>
-            </a:outerShdw>
-          </a:effectLst>
-        </p:spPr>
-      </p:pic>
-    </p:spTree>
-    <p:extLst>
-      <p:ext uri="{BB962C8B-B14F-4D97-AF65-F5344CB8AC3E}">
-        <p14:creationId xmlns:p14="http://schemas.microsoft.com/office/powerpoint/2010/main" val="1959335710"/>
-      </p:ext>
-    </p:extLst>
-  </p:cSld>
-  <p:clrMapOvr>
-    <a:masterClrMapping/>
-  </p:clrMapOvr>
-  <mc:AlternateContent xmlns:mc="http://schemas.openxmlformats.org/markup-compatibility/2006" xmlns:p14="http://schemas.microsoft.com/office/powerpoint/2010/main">
-    <mc:Choice Requires="p14">
-      <p:transition spd="med" p14:dur="700">
-        <p:fade/>
-      </p:transition>
-    </mc:Choice>
-    <mc:Fallback xmlns="">
-      <p:transition spd="med">
-        <p:fade/>
-      </p:transition>
-    </mc:Fallback>
-  </mc:AlternateContent>
-</p:sld>
-</file>
-
-<file path=ppt/slides/slide13.xml><?xml version="1.0" encoding="utf-8"?>
+<file path=ppt/slides/slide19.xml><?xml version="1.0" encoding="utf-8"?>
 <p:sld xmlns:a="http://schemas.openxmlformats.org/drawingml/2006/main" xmlns:r="http://schemas.openxmlformats.org/officeDocument/2006/relationships" xmlns:p="http://schemas.openxmlformats.org/presentationml/2006/main">
   <p:cSld>
     <p:spTree>
@@ -7007,7 +9544,792 @@
 </p:sld>
 </file>
 
-<file path=ppt/slides/slide14.xml><?xml version="1.0" encoding="utf-8"?>
+<file path=ppt/slides/slide2.xml><?xml version="1.0" encoding="utf-8"?>
+<p:sld xmlns:a="http://schemas.openxmlformats.org/drawingml/2006/main" xmlns:r="http://schemas.openxmlformats.org/officeDocument/2006/relationships" xmlns:p="http://schemas.openxmlformats.org/presentationml/2006/main">
+  <p:cSld>
+    <p:spTree>
+      <p:nvGrpSpPr>
+        <p:cNvPr id="1" name=""/>
+        <p:cNvGrpSpPr/>
+        <p:nvPr/>
+      </p:nvGrpSpPr>
+      <p:grpSpPr>
+        <a:xfrm>
+          <a:off x="0" y="0"/>
+          <a:ext cx="0" cy="0"/>
+          <a:chOff x="0" y="0"/>
+          <a:chExt cx="0" cy="0"/>
+        </a:xfrm>
+      </p:grpSpPr>
+      <p:sp>
+        <p:nvSpPr>
+          <p:cNvPr id="2" name="Title 1">
+            <a:extLst>
+              <a:ext uri="{FF2B5EF4-FFF2-40B4-BE49-F238E27FC236}">
+                <a16:creationId xmlns:a16="http://schemas.microsoft.com/office/drawing/2014/main" id="{0E138177-E2EE-ACAC-A57C-F03FA29EC836}"/>
+              </a:ext>
+            </a:extLst>
+          </p:cNvPr>
+          <p:cNvSpPr>
+            <a:spLocks noGrp="1"/>
+          </p:cNvSpPr>
+          <p:nvPr>
+            <p:ph type="title"/>
+          </p:nvPr>
+        </p:nvSpPr>
+        <p:spPr/>
+        <p:txBody>
+          <a:bodyPr/>
+          <a:lstStyle/>
+          <a:p>
+            <a:r>
+              <a:rPr lang="en-US" dirty="0">
+                <a:solidFill>
+                  <a:srgbClr val="303463"/>
+                </a:solidFill>
+                <a:latin typeface="Palatino Linotype" panose="02040502050505030304" pitchFamily="18" charset="0"/>
+              </a:rPr>
+              <a:t>Lesson Overview</a:t>
+            </a:r>
+          </a:p>
+        </p:txBody>
+      </p:sp>
+      <p:sp>
+        <p:nvSpPr>
+          <p:cNvPr id="3" name="Content Placeholder 2">
+            <a:extLst>
+              <a:ext uri="{FF2B5EF4-FFF2-40B4-BE49-F238E27FC236}">
+                <a16:creationId xmlns:a16="http://schemas.microsoft.com/office/drawing/2014/main" id="{8626DB86-54B4-A1E2-6C25-C049F364ED25}"/>
+              </a:ext>
+            </a:extLst>
+          </p:cNvPr>
+          <p:cNvSpPr>
+            <a:spLocks noGrp="1"/>
+          </p:cNvSpPr>
+          <p:nvPr>
+            <p:ph idx="1"/>
+          </p:nvPr>
+        </p:nvSpPr>
+        <p:spPr>
+          <a:xfrm>
+            <a:off x="1013564" y="1825626"/>
+            <a:ext cx="10515600" cy="504215"/>
+          </a:xfrm>
+        </p:spPr>
+        <p:txBody>
+          <a:bodyPr/>
+          <a:lstStyle/>
+          <a:p>
+            <a:pPr>
+              <a:buFont typeface="Wingdings" panose="05000000000000000000" pitchFamily="2" charset="2"/>
+              <a:buChar char="Ø"/>
+            </a:pPr>
+            <a:r>
+              <a:rPr lang="en-US" dirty="0">
+                <a:solidFill>
+                  <a:schemeClr val="tx1">
+                    <a:lumMod val="75000"/>
+                    <a:lumOff val="25000"/>
+                  </a:schemeClr>
+                </a:solidFill>
+              </a:rPr>
+              <a:t> </a:t>
+            </a:r>
+            <a:r>
+              <a:rPr lang="en-US" dirty="0">
+                <a:solidFill>
+                  <a:schemeClr val="tx1">
+                    <a:lumMod val="75000"/>
+                    <a:lumOff val="25000"/>
+                  </a:schemeClr>
+                </a:solidFill>
+                <a:latin typeface="Palatino Linotype" panose="02040502050505030304" pitchFamily="18" charset="0"/>
+              </a:rPr>
+              <a:t>Learning Objective 1</a:t>
+            </a:r>
+          </a:p>
+        </p:txBody>
+      </p:sp>
+      <p:sp>
+        <p:nvSpPr>
+          <p:cNvPr id="5" name="Content Placeholder 2">
+            <a:extLst>
+              <a:ext uri="{FF2B5EF4-FFF2-40B4-BE49-F238E27FC236}">
+                <a16:creationId xmlns:a16="http://schemas.microsoft.com/office/drawing/2014/main" id="{7070644F-62DF-8674-4A8A-C2FA1554028E}"/>
+              </a:ext>
+            </a:extLst>
+          </p:cNvPr>
+          <p:cNvSpPr txBox="1">
+            <a:spLocks/>
+          </p:cNvSpPr>
+          <p:nvPr/>
+        </p:nvSpPr>
+        <p:spPr>
+          <a:xfrm>
+            <a:off x="1013564" y="2464778"/>
+            <a:ext cx="10515600" cy="504215"/>
+          </a:xfrm>
+          <a:prstGeom prst="rect">
+            <a:avLst/>
+          </a:prstGeom>
+        </p:spPr>
+        <p:txBody>
+          <a:bodyPr vert="horz" lIns="91440" tIns="45720" rIns="91440" bIns="45720" rtlCol="0">
+            <a:normAutofit/>
+          </a:bodyPr>
+          <a:lstStyle>
+            <a:lvl1pPr marL="228600" indent="-228600" algn="l" defTabSz="914400" rtl="0" eaLnBrk="1" latinLnBrk="0" hangingPunct="1">
+              <a:lnSpc>
+                <a:spcPct val="90000"/>
+              </a:lnSpc>
+              <a:spcBef>
+                <a:spcPts val="1000"/>
+              </a:spcBef>
+              <a:buFont typeface="Arial" panose="020B0604020202020204" pitchFamily="34" charset="0"/>
+              <a:buChar char="•"/>
+              <a:defRPr sz="2800" kern="1200">
+                <a:solidFill>
+                  <a:schemeClr val="tx1"/>
+                </a:solidFill>
+                <a:latin typeface="+mn-lt"/>
+                <a:ea typeface="+mn-ea"/>
+                <a:cs typeface="+mn-cs"/>
+              </a:defRPr>
+            </a:lvl1pPr>
+            <a:lvl2pPr marL="685800" indent="-228600" algn="l" defTabSz="914400" rtl="0" eaLnBrk="1" latinLnBrk="0" hangingPunct="1">
+              <a:lnSpc>
+                <a:spcPct val="90000"/>
+              </a:lnSpc>
+              <a:spcBef>
+                <a:spcPts val="500"/>
+              </a:spcBef>
+              <a:buFont typeface="Arial" panose="020B0604020202020204" pitchFamily="34" charset="0"/>
+              <a:buChar char="•"/>
+              <a:defRPr sz="2400" kern="1200">
+                <a:solidFill>
+                  <a:schemeClr val="tx1"/>
+                </a:solidFill>
+                <a:latin typeface="+mn-lt"/>
+                <a:ea typeface="+mn-ea"/>
+                <a:cs typeface="+mn-cs"/>
+              </a:defRPr>
+            </a:lvl2pPr>
+            <a:lvl3pPr marL="1143000" indent="-228600" algn="l" defTabSz="914400" rtl="0" eaLnBrk="1" latinLnBrk="0" hangingPunct="1">
+              <a:lnSpc>
+                <a:spcPct val="90000"/>
+              </a:lnSpc>
+              <a:spcBef>
+                <a:spcPts val="500"/>
+              </a:spcBef>
+              <a:buFont typeface="Arial" panose="020B0604020202020204" pitchFamily="34" charset="0"/>
+              <a:buChar char="•"/>
+              <a:defRPr sz="2000" kern="1200">
+                <a:solidFill>
+                  <a:schemeClr val="tx1"/>
+                </a:solidFill>
+                <a:latin typeface="+mn-lt"/>
+                <a:ea typeface="+mn-ea"/>
+                <a:cs typeface="+mn-cs"/>
+              </a:defRPr>
+            </a:lvl3pPr>
+            <a:lvl4pPr marL="1600200" indent="-228600" algn="l" defTabSz="914400" rtl="0" eaLnBrk="1" latinLnBrk="0" hangingPunct="1">
+              <a:lnSpc>
+                <a:spcPct val="90000"/>
+              </a:lnSpc>
+              <a:spcBef>
+                <a:spcPts val="500"/>
+              </a:spcBef>
+              <a:buFont typeface="Arial" panose="020B0604020202020204" pitchFamily="34" charset="0"/>
+              <a:buChar char="•"/>
+              <a:defRPr sz="1800" kern="1200">
+                <a:solidFill>
+                  <a:schemeClr val="tx1"/>
+                </a:solidFill>
+                <a:latin typeface="+mn-lt"/>
+                <a:ea typeface="+mn-ea"/>
+                <a:cs typeface="+mn-cs"/>
+              </a:defRPr>
+            </a:lvl4pPr>
+            <a:lvl5pPr marL="2057400" indent="-228600" algn="l" defTabSz="914400" rtl="0" eaLnBrk="1" latinLnBrk="0" hangingPunct="1">
+              <a:lnSpc>
+                <a:spcPct val="90000"/>
+              </a:lnSpc>
+              <a:spcBef>
+                <a:spcPts val="500"/>
+              </a:spcBef>
+              <a:buFont typeface="Arial" panose="020B0604020202020204" pitchFamily="34" charset="0"/>
+              <a:buChar char="•"/>
+              <a:defRPr sz="1800" kern="1200">
+                <a:solidFill>
+                  <a:schemeClr val="tx1"/>
+                </a:solidFill>
+                <a:latin typeface="+mn-lt"/>
+                <a:ea typeface="+mn-ea"/>
+                <a:cs typeface="+mn-cs"/>
+              </a:defRPr>
+            </a:lvl5pPr>
+            <a:lvl6pPr marL="2514600" indent="-228600" algn="l" defTabSz="914400" rtl="0" eaLnBrk="1" latinLnBrk="0" hangingPunct="1">
+              <a:lnSpc>
+                <a:spcPct val="90000"/>
+              </a:lnSpc>
+              <a:spcBef>
+                <a:spcPts val="500"/>
+              </a:spcBef>
+              <a:buFont typeface="Arial" panose="020B0604020202020204" pitchFamily="34" charset="0"/>
+              <a:buChar char="•"/>
+              <a:defRPr sz="1800" kern="1200">
+                <a:solidFill>
+                  <a:schemeClr val="tx1"/>
+                </a:solidFill>
+                <a:latin typeface="+mn-lt"/>
+                <a:ea typeface="+mn-ea"/>
+                <a:cs typeface="+mn-cs"/>
+              </a:defRPr>
+            </a:lvl6pPr>
+            <a:lvl7pPr marL="2971800" indent="-228600" algn="l" defTabSz="914400" rtl="0" eaLnBrk="1" latinLnBrk="0" hangingPunct="1">
+              <a:lnSpc>
+                <a:spcPct val="90000"/>
+              </a:lnSpc>
+              <a:spcBef>
+                <a:spcPts val="500"/>
+              </a:spcBef>
+              <a:buFont typeface="Arial" panose="020B0604020202020204" pitchFamily="34" charset="0"/>
+              <a:buChar char="•"/>
+              <a:defRPr sz="1800" kern="1200">
+                <a:solidFill>
+                  <a:schemeClr val="tx1"/>
+                </a:solidFill>
+                <a:latin typeface="+mn-lt"/>
+                <a:ea typeface="+mn-ea"/>
+                <a:cs typeface="+mn-cs"/>
+              </a:defRPr>
+            </a:lvl7pPr>
+            <a:lvl8pPr marL="3429000" indent="-228600" algn="l" defTabSz="914400" rtl="0" eaLnBrk="1" latinLnBrk="0" hangingPunct="1">
+              <a:lnSpc>
+                <a:spcPct val="90000"/>
+              </a:lnSpc>
+              <a:spcBef>
+                <a:spcPts val="500"/>
+              </a:spcBef>
+              <a:buFont typeface="Arial" panose="020B0604020202020204" pitchFamily="34" charset="0"/>
+              <a:buChar char="•"/>
+              <a:defRPr sz="1800" kern="1200">
+                <a:solidFill>
+                  <a:schemeClr val="tx1"/>
+                </a:solidFill>
+                <a:latin typeface="+mn-lt"/>
+                <a:ea typeface="+mn-ea"/>
+                <a:cs typeface="+mn-cs"/>
+              </a:defRPr>
+            </a:lvl8pPr>
+            <a:lvl9pPr marL="3886200" indent="-228600" algn="l" defTabSz="914400" rtl="0" eaLnBrk="1" latinLnBrk="0" hangingPunct="1">
+              <a:lnSpc>
+                <a:spcPct val="90000"/>
+              </a:lnSpc>
+              <a:spcBef>
+                <a:spcPts val="500"/>
+              </a:spcBef>
+              <a:buFont typeface="Arial" panose="020B0604020202020204" pitchFamily="34" charset="0"/>
+              <a:buChar char="•"/>
+              <a:defRPr sz="1800" kern="1200">
+                <a:solidFill>
+                  <a:schemeClr val="tx1"/>
+                </a:solidFill>
+                <a:latin typeface="+mn-lt"/>
+                <a:ea typeface="+mn-ea"/>
+                <a:cs typeface="+mn-cs"/>
+              </a:defRPr>
+            </a:lvl9pPr>
+          </a:lstStyle>
+          <a:p>
+            <a:pPr>
+              <a:buFont typeface="Wingdings" panose="05000000000000000000" pitchFamily="2" charset="2"/>
+              <a:buChar char="Ø"/>
+            </a:pPr>
+            <a:r>
+              <a:rPr lang="en-US" dirty="0">
+                <a:solidFill>
+                  <a:schemeClr val="tx1">
+                    <a:lumMod val="75000"/>
+                    <a:lumOff val="25000"/>
+                  </a:schemeClr>
+                </a:solidFill>
+              </a:rPr>
+              <a:t> </a:t>
+            </a:r>
+            <a:r>
+              <a:rPr lang="en-US" dirty="0">
+                <a:solidFill>
+                  <a:schemeClr val="tx1">
+                    <a:lumMod val="75000"/>
+                    <a:lumOff val="25000"/>
+                  </a:schemeClr>
+                </a:solidFill>
+                <a:latin typeface="Palatino Linotype" panose="02040502050505030304" pitchFamily="18" charset="0"/>
+              </a:rPr>
+              <a:t>Learning Objective 1</a:t>
+            </a:r>
+          </a:p>
+        </p:txBody>
+      </p:sp>
+      <p:sp>
+        <p:nvSpPr>
+          <p:cNvPr id="6" name="Content Placeholder 2">
+            <a:extLst>
+              <a:ext uri="{FF2B5EF4-FFF2-40B4-BE49-F238E27FC236}">
+                <a16:creationId xmlns:a16="http://schemas.microsoft.com/office/drawing/2014/main" id="{FF2490E1-D7A0-7027-6DCC-60BB6819CD9E}"/>
+              </a:ext>
+            </a:extLst>
+          </p:cNvPr>
+          <p:cNvSpPr txBox="1">
+            <a:spLocks/>
+          </p:cNvSpPr>
+          <p:nvPr/>
+        </p:nvSpPr>
+        <p:spPr>
+          <a:xfrm>
+            <a:off x="1013564" y="3103930"/>
+            <a:ext cx="10515600" cy="504215"/>
+          </a:xfrm>
+          <a:prstGeom prst="rect">
+            <a:avLst/>
+          </a:prstGeom>
+        </p:spPr>
+        <p:txBody>
+          <a:bodyPr vert="horz" lIns="91440" tIns="45720" rIns="91440" bIns="45720" rtlCol="0">
+            <a:normAutofit/>
+          </a:bodyPr>
+          <a:lstStyle>
+            <a:lvl1pPr marL="228600" indent="-228600" algn="l" defTabSz="914400" rtl="0" eaLnBrk="1" latinLnBrk="0" hangingPunct="1">
+              <a:lnSpc>
+                <a:spcPct val="90000"/>
+              </a:lnSpc>
+              <a:spcBef>
+                <a:spcPts val="1000"/>
+              </a:spcBef>
+              <a:buFont typeface="Arial" panose="020B0604020202020204" pitchFamily="34" charset="0"/>
+              <a:buChar char="•"/>
+              <a:defRPr sz="2800" kern="1200">
+                <a:solidFill>
+                  <a:schemeClr val="tx1"/>
+                </a:solidFill>
+                <a:latin typeface="+mn-lt"/>
+                <a:ea typeface="+mn-ea"/>
+                <a:cs typeface="+mn-cs"/>
+              </a:defRPr>
+            </a:lvl1pPr>
+            <a:lvl2pPr marL="685800" indent="-228600" algn="l" defTabSz="914400" rtl="0" eaLnBrk="1" latinLnBrk="0" hangingPunct="1">
+              <a:lnSpc>
+                <a:spcPct val="90000"/>
+              </a:lnSpc>
+              <a:spcBef>
+                <a:spcPts val="500"/>
+              </a:spcBef>
+              <a:buFont typeface="Arial" panose="020B0604020202020204" pitchFamily="34" charset="0"/>
+              <a:buChar char="•"/>
+              <a:defRPr sz="2400" kern="1200">
+                <a:solidFill>
+                  <a:schemeClr val="tx1"/>
+                </a:solidFill>
+                <a:latin typeface="+mn-lt"/>
+                <a:ea typeface="+mn-ea"/>
+                <a:cs typeface="+mn-cs"/>
+              </a:defRPr>
+            </a:lvl2pPr>
+            <a:lvl3pPr marL="1143000" indent="-228600" algn="l" defTabSz="914400" rtl="0" eaLnBrk="1" latinLnBrk="0" hangingPunct="1">
+              <a:lnSpc>
+                <a:spcPct val="90000"/>
+              </a:lnSpc>
+              <a:spcBef>
+                <a:spcPts val="500"/>
+              </a:spcBef>
+              <a:buFont typeface="Arial" panose="020B0604020202020204" pitchFamily="34" charset="0"/>
+              <a:buChar char="•"/>
+              <a:defRPr sz="2000" kern="1200">
+                <a:solidFill>
+                  <a:schemeClr val="tx1"/>
+                </a:solidFill>
+                <a:latin typeface="+mn-lt"/>
+                <a:ea typeface="+mn-ea"/>
+                <a:cs typeface="+mn-cs"/>
+              </a:defRPr>
+            </a:lvl3pPr>
+            <a:lvl4pPr marL="1600200" indent="-228600" algn="l" defTabSz="914400" rtl="0" eaLnBrk="1" latinLnBrk="0" hangingPunct="1">
+              <a:lnSpc>
+                <a:spcPct val="90000"/>
+              </a:lnSpc>
+              <a:spcBef>
+                <a:spcPts val="500"/>
+              </a:spcBef>
+              <a:buFont typeface="Arial" panose="020B0604020202020204" pitchFamily="34" charset="0"/>
+              <a:buChar char="•"/>
+              <a:defRPr sz="1800" kern="1200">
+                <a:solidFill>
+                  <a:schemeClr val="tx1"/>
+                </a:solidFill>
+                <a:latin typeface="+mn-lt"/>
+                <a:ea typeface="+mn-ea"/>
+                <a:cs typeface="+mn-cs"/>
+              </a:defRPr>
+            </a:lvl4pPr>
+            <a:lvl5pPr marL="2057400" indent="-228600" algn="l" defTabSz="914400" rtl="0" eaLnBrk="1" latinLnBrk="0" hangingPunct="1">
+              <a:lnSpc>
+                <a:spcPct val="90000"/>
+              </a:lnSpc>
+              <a:spcBef>
+                <a:spcPts val="500"/>
+              </a:spcBef>
+              <a:buFont typeface="Arial" panose="020B0604020202020204" pitchFamily="34" charset="0"/>
+              <a:buChar char="•"/>
+              <a:defRPr sz="1800" kern="1200">
+                <a:solidFill>
+                  <a:schemeClr val="tx1"/>
+                </a:solidFill>
+                <a:latin typeface="+mn-lt"/>
+                <a:ea typeface="+mn-ea"/>
+                <a:cs typeface="+mn-cs"/>
+              </a:defRPr>
+            </a:lvl5pPr>
+            <a:lvl6pPr marL="2514600" indent="-228600" algn="l" defTabSz="914400" rtl="0" eaLnBrk="1" latinLnBrk="0" hangingPunct="1">
+              <a:lnSpc>
+                <a:spcPct val="90000"/>
+              </a:lnSpc>
+              <a:spcBef>
+                <a:spcPts val="500"/>
+              </a:spcBef>
+              <a:buFont typeface="Arial" panose="020B0604020202020204" pitchFamily="34" charset="0"/>
+              <a:buChar char="•"/>
+              <a:defRPr sz="1800" kern="1200">
+                <a:solidFill>
+                  <a:schemeClr val="tx1"/>
+                </a:solidFill>
+                <a:latin typeface="+mn-lt"/>
+                <a:ea typeface="+mn-ea"/>
+                <a:cs typeface="+mn-cs"/>
+              </a:defRPr>
+            </a:lvl6pPr>
+            <a:lvl7pPr marL="2971800" indent="-228600" algn="l" defTabSz="914400" rtl="0" eaLnBrk="1" latinLnBrk="0" hangingPunct="1">
+              <a:lnSpc>
+                <a:spcPct val="90000"/>
+              </a:lnSpc>
+              <a:spcBef>
+                <a:spcPts val="500"/>
+              </a:spcBef>
+              <a:buFont typeface="Arial" panose="020B0604020202020204" pitchFamily="34" charset="0"/>
+              <a:buChar char="•"/>
+              <a:defRPr sz="1800" kern="1200">
+                <a:solidFill>
+                  <a:schemeClr val="tx1"/>
+                </a:solidFill>
+                <a:latin typeface="+mn-lt"/>
+                <a:ea typeface="+mn-ea"/>
+                <a:cs typeface="+mn-cs"/>
+              </a:defRPr>
+            </a:lvl7pPr>
+            <a:lvl8pPr marL="3429000" indent="-228600" algn="l" defTabSz="914400" rtl="0" eaLnBrk="1" latinLnBrk="0" hangingPunct="1">
+              <a:lnSpc>
+                <a:spcPct val="90000"/>
+              </a:lnSpc>
+              <a:spcBef>
+                <a:spcPts val="500"/>
+              </a:spcBef>
+              <a:buFont typeface="Arial" panose="020B0604020202020204" pitchFamily="34" charset="0"/>
+              <a:buChar char="•"/>
+              <a:defRPr sz="1800" kern="1200">
+                <a:solidFill>
+                  <a:schemeClr val="tx1"/>
+                </a:solidFill>
+                <a:latin typeface="+mn-lt"/>
+                <a:ea typeface="+mn-ea"/>
+                <a:cs typeface="+mn-cs"/>
+              </a:defRPr>
+            </a:lvl8pPr>
+            <a:lvl9pPr marL="3886200" indent="-228600" algn="l" defTabSz="914400" rtl="0" eaLnBrk="1" latinLnBrk="0" hangingPunct="1">
+              <a:lnSpc>
+                <a:spcPct val="90000"/>
+              </a:lnSpc>
+              <a:spcBef>
+                <a:spcPts val="500"/>
+              </a:spcBef>
+              <a:buFont typeface="Arial" panose="020B0604020202020204" pitchFamily="34" charset="0"/>
+              <a:buChar char="•"/>
+              <a:defRPr sz="1800" kern="1200">
+                <a:solidFill>
+                  <a:schemeClr val="tx1"/>
+                </a:solidFill>
+                <a:latin typeface="+mn-lt"/>
+                <a:ea typeface="+mn-ea"/>
+                <a:cs typeface="+mn-cs"/>
+              </a:defRPr>
+            </a:lvl9pPr>
+          </a:lstStyle>
+          <a:p>
+            <a:pPr>
+              <a:buFont typeface="Wingdings" panose="05000000000000000000" pitchFamily="2" charset="2"/>
+              <a:buChar char="Ø"/>
+            </a:pPr>
+            <a:r>
+              <a:rPr lang="en-US" dirty="0">
+                <a:solidFill>
+                  <a:schemeClr val="tx1">
+                    <a:lumMod val="75000"/>
+                    <a:lumOff val="25000"/>
+                  </a:schemeClr>
+                </a:solidFill>
+              </a:rPr>
+              <a:t> </a:t>
+            </a:r>
+            <a:r>
+              <a:rPr lang="en-US" dirty="0">
+                <a:solidFill>
+                  <a:schemeClr val="tx1">
+                    <a:lumMod val="75000"/>
+                    <a:lumOff val="25000"/>
+                  </a:schemeClr>
+                </a:solidFill>
+                <a:latin typeface="Palatino Linotype" panose="02040502050505030304" pitchFamily="18" charset="0"/>
+              </a:rPr>
+              <a:t>Learning Objective 1</a:t>
+            </a:r>
+          </a:p>
+        </p:txBody>
+      </p:sp>
+      <p:sp>
+        <p:nvSpPr>
+          <p:cNvPr id="7" name="Content Placeholder 2">
+            <a:extLst>
+              <a:ext uri="{FF2B5EF4-FFF2-40B4-BE49-F238E27FC236}">
+                <a16:creationId xmlns:a16="http://schemas.microsoft.com/office/drawing/2014/main" id="{6D3279E5-D518-B484-9FCF-B12663A4E8FF}"/>
+              </a:ext>
+            </a:extLst>
+          </p:cNvPr>
+          <p:cNvSpPr txBox="1">
+            <a:spLocks/>
+          </p:cNvSpPr>
+          <p:nvPr/>
+        </p:nvSpPr>
+        <p:spPr>
+          <a:xfrm>
+            <a:off x="1013564" y="3743082"/>
+            <a:ext cx="10515600" cy="504215"/>
+          </a:xfrm>
+          <a:prstGeom prst="rect">
+            <a:avLst/>
+          </a:prstGeom>
+        </p:spPr>
+        <p:txBody>
+          <a:bodyPr vert="horz" lIns="91440" tIns="45720" rIns="91440" bIns="45720" rtlCol="0">
+            <a:normAutofit/>
+          </a:bodyPr>
+          <a:lstStyle>
+            <a:lvl1pPr marL="228600" indent="-228600" algn="l" defTabSz="914400" rtl="0" eaLnBrk="1" latinLnBrk="0" hangingPunct="1">
+              <a:lnSpc>
+                <a:spcPct val="90000"/>
+              </a:lnSpc>
+              <a:spcBef>
+                <a:spcPts val="1000"/>
+              </a:spcBef>
+              <a:buFont typeface="Arial" panose="020B0604020202020204" pitchFamily="34" charset="0"/>
+              <a:buChar char="•"/>
+              <a:defRPr sz="2800" kern="1200">
+                <a:solidFill>
+                  <a:schemeClr val="tx1"/>
+                </a:solidFill>
+                <a:latin typeface="+mn-lt"/>
+                <a:ea typeface="+mn-ea"/>
+                <a:cs typeface="+mn-cs"/>
+              </a:defRPr>
+            </a:lvl1pPr>
+            <a:lvl2pPr marL="685800" indent="-228600" algn="l" defTabSz="914400" rtl="0" eaLnBrk="1" latinLnBrk="0" hangingPunct="1">
+              <a:lnSpc>
+                <a:spcPct val="90000"/>
+              </a:lnSpc>
+              <a:spcBef>
+                <a:spcPts val="500"/>
+              </a:spcBef>
+              <a:buFont typeface="Arial" panose="020B0604020202020204" pitchFamily="34" charset="0"/>
+              <a:buChar char="•"/>
+              <a:defRPr sz="2400" kern="1200">
+                <a:solidFill>
+                  <a:schemeClr val="tx1"/>
+                </a:solidFill>
+                <a:latin typeface="+mn-lt"/>
+                <a:ea typeface="+mn-ea"/>
+                <a:cs typeface="+mn-cs"/>
+              </a:defRPr>
+            </a:lvl2pPr>
+            <a:lvl3pPr marL="1143000" indent="-228600" algn="l" defTabSz="914400" rtl="0" eaLnBrk="1" latinLnBrk="0" hangingPunct="1">
+              <a:lnSpc>
+                <a:spcPct val="90000"/>
+              </a:lnSpc>
+              <a:spcBef>
+                <a:spcPts val="500"/>
+              </a:spcBef>
+              <a:buFont typeface="Arial" panose="020B0604020202020204" pitchFamily="34" charset="0"/>
+              <a:buChar char="•"/>
+              <a:defRPr sz="2000" kern="1200">
+                <a:solidFill>
+                  <a:schemeClr val="tx1"/>
+                </a:solidFill>
+                <a:latin typeface="+mn-lt"/>
+                <a:ea typeface="+mn-ea"/>
+                <a:cs typeface="+mn-cs"/>
+              </a:defRPr>
+            </a:lvl3pPr>
+            <a:lvl4pPr marL="1600200" indent="-228600" algn="l" defTabSz="914400" rtl="0" eaLnBrk="1" latinLnBrk="0" hangingPunct="1">
+              <a:lnSpc>
+                <a:spcPct val="90000"/>
+              </a:lnSpc>
+              <a:spcBef>
+                <a:spcPts val="500"/>
+              </a:spcBef>
+              <a:buFont typeface="Arial" panose="020B0604020202020204" pitchFamily="34" charset="0"/>
+              <a:buChar char="•"/>
+              <a:defRPr sz="1800" kern="1200">
+                <a:solidFill>
+                  <a:schemeClr val="tx1"/>
+                </a:solidFill>
+                <a:latin typeface="+mn-lt"/>
+                <a:ea typeface="+mn-ea"/>
+                <a:cs typeface="+mn-cs"/>
+              </a:defRPr>
+            </a:lvl4pPr>
+            <a:lvl5pPr marL="2057400" indent="-228600" algn="l" defTabSz="914400" rtl="0" eaLnBrk="1" latinLnBrk="0" hangingPunct="1">
+              <a:lnSpc>
+                <a:spcPct val="90000"/>
+              </a:lnSpc>
+              <a:spcBef>
+                <a:spcPts val="500"/>
+              </a:spcBef>
+              <a:buFont typeface="Arial" panose="020B0604020202020204" pitchFamily="34" charset="0"/>
+              <a:buChar char="•"/>
+              <a:defRPr sz="1800" kern="1200">
+                <a:solidFill>
+                  <a:schemeClr val="tx1"/>
+                </a:solidFill>
+                <a:latin typeface="+mn-lt"/>
+                <a:ea typeface="+mn-ea"/>
+                <a:cs typeface="+mn-cs"/>
+              </a:defRPr>
+            </a:lvl5pPr>
+            <a:lvl6pPr marL="2514600" indent="-228600" algn="l" defTabSz="914400" rtl="0" eaLnBrk="1" latinLnBrk="0" hangingPunct="1">
+              <a:lnSpc>
+                <a:spcPct val="90000"/>
+              </a:lnSpc>
+              <a:spcBef>
+                <a:spcPts val="500"/>
+              </a:spcBef>
+              <a:buFont typeface="Arial" panose="020B0604020202020204" pitchFamily="34" charset="0"/>
+              <a:buChar char="•"/>
+              <a:defRPr sz="1800" kern="1200">
+                <a:solidFill>
+                  <a:schemeClr val="tx1"/>
+                </a:solidFill>
+                <a:latin typeface="+mn-lt"/>
+                <a:ea typeface="+mn-ea"/>
+                <a:cs typeface="+mn-cs"/>
+              </a:defRPr>
+            </a:lvl6pPr>
+            <a:lvl7pPr marL="2971800" indent="-228600" algn="l" defTabSz="914400" rtl="0" eaLnBrk="1" latinLnBrk="0" hangingPunct="1">
+              <a:lnSpc>
+                <a:spcPct val="90000"/>
+              </a:lnSpc>
+              <a:spcBef>
+                <a:spcPts val="500"/>
+              </a:spcBef>
+              <a:buFont typeface="Arial" panose="020B0604020202020204" pitchFamily="34" charset="0"/>
+              <a:buChar char="•"/>
+              <a:defRPr sz="1800" kern="1200">
+                <a:solidFill>
+                  <a:schemeClr val="tx1"/>
+                </a:solidFill>
+                <a:latin typeface="+mn-lt"/>
+                <a:ea typeface="+mn-ea"/>
+                <a:cs typeface="+mn-cs"/>
+              </a:defRPr>
+            </a:lvl7pPr>
+            <a:lvl8pPr marL="3429000" indent="-228600" algn="l" defTabSz="914400" rtl="0" eaLnBrk="1" latinLnBrk="0" hangingPunct="1">
+              <a:lnSpc>
+                <a:spcPct val="90000"/>
+              </a:lnSpc>
+              <a:spcBef>
+                <a:spcPts val="500"/>
+              </a:spcBef>
+              <a:buFont typeface="Arial" panose="020B0604020202020204" pitchFamily="34" charset="0"/>
+              <a:buChar char="•"/>
+              <a:defRPr sz="1800" kern="1200">
+                <a:solidFill>
+                  <a:schemeClr val="tx1"/>
+                </a:solidFill>
+                <a:latin typeface="+mn-lt"/>
+                <a:ea typeface="+mn-ea"/>
+                <a:cs typeface="+mn-cs"/>
+              </a:defRPr>
+            </a:lvl8pPr>
+            <a:lvl9pPr marL="3886200" indent="-228600" algn="l" defTabSz="914400" rtl="0" eaLnBrk="1" latinLnBrk="0" hangingPunct="1">
+              <a:lnSpc>
+                <a:spcPct val="90000"/>
+              </a:lnSpc>
+              <a:spcBef>
+                <a:spcPts val="500"/>
+              </a:spcBef>
+              <a:buFont typeface="Arial" panose="020B0604020202020204" pitchFamily="34" charset="0"/>
+              <a:buChar char="•"/>
+              <a:defRPr sz="1800" kern="1200">
+                <a:solidFill>
+                  <a:schemeClr val="tx1"/>
+                </a:solidFill>
+                <a:latin typeface="+mn-lt"/>
+                <a:ea typeface="+mn-ea"/>
+                <a:cs typeface="+mn-cs"/>
+              </a:defRPr>
+            </a:lvl9pPr>
+          </a:lstStyle>
+          <a:p>
+            <a:pPr>
+              <a:buFont typeface="Wingdings" panose="05000000000000000000" pitchFamily="2" charset="2"/>
+              <a:buChar char="Ø"/>
+            </a:pPr>
+            <a:r>
+              <a:rPr lang="en-US" dirty="0">
+                <a:solidFill>
+                  <a:schemeClr val="tx1">
+                    <a:lumMod val="75000"/>
+                    <a:lumOff val="25000"/>
+                  </a:schemeClr>
+                </a:solidFill>
+              </a:rPr>
+              <a:t> </a:t>
+            </a:r>
+            <a:r>
+              <a:rPr lang="en-US" dirty="0">
+                <a:solidFill>
+                  <a:schemeClr val="tx1">
+                    <a:lumMod val="75000"/>
+                    <a:lumOff val="25000"/>
+                  </a:schemeClr>
+                </a:solidFill>
+                <a:latin typeface="Palatino Linotype" panose="02040502050505030304" pitchFamily="18" charset="0"/>
+              </a:rPr>
+              <a:t>Learning Objective 1</a:t>
+            </a:r>
+          </a:p>
+        </p:txBody>
+      </p:sp>
+    </p:spTree>
+    <p:extLst>
+      <p:ext uri="{BB962C8B-B14F-4D97-AF65-F5344CB8AC3E}">
+        <p14:creationId xmlns:p14="http://schemas.microsoft.com/office/powerpoint/2010/main" val="1416141381"/>
+      </p:ext>
+    </p:extLst>
+  </p:cSld>
+  <p:clrMapOvr>
+    <a:masterClrMapping/>
+  </p:clrMapOvr>
+</p:sld>
+</file>
+
+<file path=ppt/slides/slide20.xml><?xml version="1.0" encoding="utf-8"?>
 <p:sld xmlns:a="http://schemas.openxmlformats.org/drawingml/2006/main" xmlns:r="http://schemas.openxmlformats.org/officeDocument/2006/relationships" xmlns:p="http://schemas.openxmlformats.org/presentationml/2006/main">
   <p:cSld>
     <p:spTree>
@@ -7157,7 +10479,7 @@
 </p:sld>
 </file>
 
-<file path=ppt/slides/slide15.xml><?xml version="1.0" encoding="utf-8"?>
+<file path=ppt/slides/slide21.xml><?xml version="1.0" encoding="utf-8"?>
 <p:sld xmlns:a="http://schemas.openxmlformats.org/drawingml/2006/main" xmlns:r="http://schemas.openxmlformats.org/officeDocument/2006/relationships" xmlns:p="http://schemas.openxmlformats.org/presentationml/2006/main">
   <p:cSld>
     <p:spTree>
@@ -7174,12 +10496,42 @@
           <a:chExt cx="0" cy="0"/>
         </a:xfrm>
       </p:grpSpPr>
-      <p:sp>
-        <p:nvSpPr>
-          <p:cNvPr id="4" name="Title 3">
-            <a:extLst>
-              <a:ext uri="{FF2B5EF4-FFF2-40B4-BE49-F238E27FC236}">
-                <a16:creationId xmlns:a16="http://schemas.microsoft.com/office/drawing/2014/main" id="{5EBC47B3-2231-4C7D-9F46-767148520D27}"/>
+      <p:pic>
+        <p:nvPicPr>
+          <p:cNvPr id="3" name="Picture 2">
+            <a:extLst>
+              <a:ext uri="{FF2B5EF4-FFF2-40B4-BE49-F238E27FC236}">
+                <a16:creationId xmlns:a16="http://schemas.microsoft.com/office/drawing/2014/main" id="{88CC7D4C-7D31-4E3C-92F7-200A7C7F587F}"/>
+              </a:ext>
+            </a:extLst>
+          </p:cNvPr>
+          <p:cNvPicPr>
+            <a:picLocks noChangeAspect="1"/>
+          </p:cNvPicPr>
+          <p:nvPr/>
+        </p:nvPicPr>
+        <p:blipFill>
+          <a:blip r:embed="rId3"/>
+          <a:stretch>
+            <a:fillRect/>
+          </a:stretch>
+        </p:blipFill>
+        <p:spPr>
+          <a:xfrm>
+            <a:off x="0" y="365760"/>
+            <a:ext cx="3233668" cy="805144"/>
+          </a:xfrm>
+          <a:prstGeom prst="rect">
+            <a:avLst/>
+          </a:prstGeom>
+        </p:spPr>
+      </p:pic>
+      <p:sp>
+        <p:nvSpPr>
+          <p:cNvPr id="12" name="Title 1">
+            <a:extLst>
+              <a:ext uri="{FF2B5EF4-FFF2-40B4-BE49-F238E27FC236}">
+                <a16:creationId xmlns:a16="http://schemas.microsoft.com/office/drawing/2014/main" id="{E2FB948E-5ACE-4C88-8B2D-233F4E9F4797}"/>
               </a:ext>
             </a:extLst>
           </p:cNvPr>
@@ -7190,15 +10542,110 @@
             <p:ph type="title"/>
           </p:nvPr>
         </p:nvSpPr>
-        <p:spPr/>
-        <p:txBody>
-          <a:bodyPr/>
+        <p:spPr>
+          <a:xfrm>
+            <a:off x="0" y="2705764"/>
+            <a:ext cx="12192000" cy="1446472"/>
+          </a:xfrm>
+          <a:noFill/>
+        </p:spPr>
+        <p:txBody>
+          <a:bodyPr>
+            <a:noAutofit/>
+          </a:bodyPr>
           <a:lstStyle/>
           <a:p>
-            <a:endParaRPr lang="en-US" dirty="0"/>
-          </a:p>
-        </p:txBody>
-      </p:sp>
+            <a:pPr algn="ctr"/>
+            <a:r>
+              <a:rPr lang="en-US" sz="3600" dirty="0">
+                <a:solidFill>
+                  <a:schemeClr val="tx1">
+                    <a:lumMod val="65000"/>
+                    <a:lumOff val="35000"/>
+                  </a:schemeClr>
+                </a:solidFill>
+                <a:latin typeface="Palatino Linotype" panose="02040502050505030304" pitchFamily="18" charset="0"/>
+              </a:rPr>
+              <a:t>Emotion Detector</a:t>
+            </a:r>
+            <a:br>
+              <a:rPr lang="en-US" sz="3600" dirty="0">
+                <a:solidFill>
+                  <a:schemeClr val="tx1">
+                    <a:lumMod val="65000"/>
+                    <a:lumOff val="35000"/>
+                  </a:schemeClr>
+                </a:solidFill>
+                <a:latin typeface="Palatino Linotype" panose="02040502050505030304" pitchFamily="18" charset="0"/>
+              </a:rPr>
+            </a:br>
+            <a:r>
+              <a:rPr lang="en-US" sz="3600" dirty="0">
+                <a:solidFill>
+                  <a:schemeClr val="tx1">
+                    <a:lumMod val="65000"/>
+                    <a:lumOff val="35000"/>
+                  </a:schemeClr>
+                </a:solidFill>
+                <a:latin typeface="Palatino Linotype" panose="02040502050505030304" pitchFamily="18" charset="0"/>
+              </a:rPr>
+              <a:t>01.2_emotion_detector.ipynb</a:t>
+            </a:r>
+            <a:endParaRPr lang="en-US" sz="3600" dirty="0">
+              <a:solidFill>
+                <a:schemeClr val="tx1">
+                  <a:lumMod val="65000"/>
+                  <a:lumOff val="35000"/>
+                </a:schemeClr>
+              </a:solidFill>
+              <a:latin typeface="Palatino Linotype" panose="02040502050505030304" pitchFamily="18" charset="0"/>
+              <a:cs typeface="Segoe UI Light" panose="020B0502040204020203" pitchFamily="34" charset="0"/>
+            </a:endParaRPr>
+          </a:p>
+        </p:txBody>
+      </p:sp>
+    </p:spTree>
+    <p:extLst>
+      <p:ext uri="{BB962C8B-B14F-4D97-AF65-F5344CB8AC3E}">
+        <p14:creationId xmlns:p14="http://schemas.microsoft.com/office/powerpoint/2010/main" val="1595263659"/>
+      </p:ext>
+    </p:extLst>
+  </p:cSld>
+  <p:clrMapOvr>
+    <a:masterClrMapping/>
+  </p:clrMapOvr>
+  <mc:AlternateContent xmlns:mc="http://schemas.openxmlformats.org/markup-compatibility/2006" xmlns:p14="http://schemas.microsoft.com/office/powerpoint/2010/main">
+    <mc:Choice Requires="p14">
+      <p:transition spd="med" p14:dur="700">
+        <p:fade/>
+      </p:transition>
+    </mc:Choice>
+    <mc:Fallback xmlns="">
+      <p:transition spd="med">
+        <p:fade/>
+      </p:transition>
+    </mc:Fallback>
+  </mc:AlternateContent>
+</p:sld>
+</file>
+
+<file path=ppt/slides/slide22.xml><?xml version="1.0" encoding="utf-8"?>
+<p:sld xmlns:a="http://schemas.openxmlformats.org/drawingml/2006/main" xmlns:r="http://schemas.openxmlformats.org/officeDocument/2006/relationships" xmlns:p="http://schemas.openxmlformats.org/presentationml/2006/main">
+  <p:cSld>
+    <p:spTree>
+      <p:nvGrpSpPr>
+        <p:cNvPr id="1" name=""/>
+        <p:cNvGrpSpPr/>
+        <p:nvPr/>
+      </p:nvGrpSpPr>
+      <p:grpSpPr>
+        <a:xfrm>
+          <a:off x="0" y="0"/>
+          <a:ext cx="0" cy="0"/>
+          <a:chOff x="0" y="0"/>
+          <a:chExt cx="0" cy="0"/>
+        </a:xfrm>
+      </p:grpSpPr>
     </p:spTree>
     <p:extLst>
       <p:ext uri="{BB962C8B-B14F-4D97-AF65-F5344CB8AC3E}">
@@ -7224,323 +10671,7 @@
 </p:sld>
 </file>
 
-<file path=ppt/slides/slide16.xml><?xml version="1.0" encoding="utf-8"?>
-<p:sld xmlns:a="http://schemas.openxmlformats.org/drawingml/2006/main" xmlns:r="http://schemas.openxmlformats.org/officeDocument/2006/relationships" xmlns:p="http://schemas.openxmlformats.org/presentationml/2006/main">
-  <p:cSld>
-    <p:spTree>
-      <p:nvGrpSpPr>
-        <p:cNvPr id="1" name=""/>
-        <p:cNvGrpSpPr/>
-        <p:nvPr/>
-      </p:nvGrpSpPr>
-      <p:grpSpPr>
-        <a:xfrm>
-          <a:off x="0" y="0"/>
-          <a:ext cx="0" cy="0"/>
-          <a:chOff x="0" y="0"/>
-          <a:chExt cx="0" cy="0"/>
-        </a:xfrm>
-      </p:grpSpPr>
-      <p:pic>
-        <p:nvPicPr>
-          <p:cNvPr id="3" name="Picture 2">
-            <a:extLst>
-              <a:ext uri="{FF2B5EF4-FFF2-40B4-BE49-F238E27FC236}">
-                <a16:creationId xmlns:a16="http://schemas.microsoft.com/office/drawing/2014/main" id="{88CC7D4C-7D31-4E3C-92F7-200A7C7F587F}"/>
-              </a:ext>
-            </a:extLst>
-          </p:cNvPr>
-          <p:cNvPicPr>
-            <a:picLocks noChangeAspect="1"/>
-          </p:cNvPicPr>
-          <p:nvPr/>
-        </p:nvPicPr>
-        <p:blipFill>
-          <a:blip r:embed="rId3"/>
-          <a:stretch>
-            <a:fillRect/>
-          </a:stretch>
-        </p:blipFill>
-        <p:spPr>
-          <a:xfrm>
-            <a:off x="0" y="365760"/>
-            <a:ext cx="3233668" cy="805144"/>
-          </a:xfrm>
-          <a:prstGeom prst="rect">
-            <a:avLst/>
-          </a:prstGeom>
-        </p:spPr>
-      </p:pic>
-      <p:sp>
-        <p:nvSpPr>
-          <p:cNvPr id="12" name="Title 1">
-            <a:extLst>
-              <a:ext uri="{FF2B5EF4-FFF2-40B4-BE49-F238E27FC236}">
-                <a16:creationId xmlns:a16="http://schemas.microsoft.com/office/drawing/2014/main" id="{E2FB948E-5ACE-4C88-8B2D-233F4E9F4797}"/>
-              </a:ext>
-            </a:extLst>
-          </p:cNvPr>
-          <p:cNvSpPr>
-            <a:spLocks noGrp="1"/>
-          </p:cNvSpPr>
-          <p:nvPr>
-            <p:ph type="title"/>
-          </p:nvPr>
-        </p:nvSpPr>
-        <p:spPr>
-          <a:xfrm>
-            <a:off x="0" y="2705764"/>
-            <a:ext cx="12192000" cy="1446472"/>
-          </a:xfrm>
-          <a:noFill/>
-        </p:spPr>
-        <p:txBody>
-          <a:bodyPr>
-            <a:noAutofit/>
-          </a:bodyPr>
-          <a:lstStyle/>
-          <a:p>
-            <a:pPr algn="ctr"/>
-            <a:r>
-              <a:rPr lang="en-US" sz="3600" dirty="0">
-                <a:solidFill>
-                  <a:schemeClr val="tx1">
-                    <a:lumMod val="65000"/>
-                    <a:lumOff val="35000"/>
-                  </a:schemeClr>
-                </a:solidFill>
-                <a:latin typeface="Palatino Linotype" panose="02040502050505030304" pitchFamily="18" charset="0"/>
-              </a:rPr>
-              <a:t>Emotion Detector</a:t>
-            </a:r>
-            <a:br>
-              <a:rPr lang="en-US" sz="3600" dirty="0">
-                <a:solidFill>
-                  <a:schemeClr val="tx1">
-                    <a:lumMod val="65000"/>
-                    <a:lumOff val="35000"/>
-                  </a:schemeClr>
-                </a:solidFill>
-                <a:latin typeface="Palatino Linotype" panose="02040502050505030304" pitchFamily="18" charset="0"/>
-              </a:rPr>
-            </a:br>
-            <a:r>
-              <a:rPr lang="en-US" sz="3600" dirty="0">
-                <a:solidFill>
-                  <a:schemeClr val="tx1">
-                    <a:lumMod val="65000"/>
-                    <a:lumOff val="35000"/>
-                  </a:schemeClr>
-                </a:solidFill>
-                <a:latin typeface="Palatino Linotype" panose="02040502050505030304" pitchFamily="18" charset="0"/>
-              </a:rPr>
-              <a:t>01.2_emotion_detector.ipynb</a:t>
-            </a:r>
-            <a:endParaRPr lang="en-US" sz="3600" dirty="0">
-              <a:solidFill>
-                <a:schemeClr val="tx1">
-                  <a:lumMod val="65000"/>
-                  <a:lumOff val="35000"/>
-                </a:schemeClr>
-              </a:solidFill>
-              <a:latin typeface="Palatino Linotype" panose="02040502050505030304" pitchFamily="18" charset="0"/>
-              <a:cs typeface="Segoe UI Light" panose="020B0502040204020203" pitchFamily="34" charset="0"/>
-            </a:endParaRPr>
-          </a:p>
-        </p:txBody>
-      </p:sp>
-    </p:spTree>
-    <p:extLst>
-      <p:ext uri="{BB962C8B-B14F-4D97-AF65-F5344CB8AC3E}">
-        <p14:creationId xmlns:p14="http://schemas.microsoft.com/office/powerpoint/2010/main" val="1595263659"/>
-      </p:ext>
-    </p:extLst>
-  </p:cSld>
-  <p:clrMapOvr>
-    <a:masterClrMapping/>
-  </p:clrMapOvr>
-  <mc:AlternateContent xmlns:mc="http://schemas.openxmlformats.org/markup-compatibility/2006" xmlns:p14="http://schemas.microsoft.com/office/powerpoint/2010/main">
-    <mc:Choice Requires="p14">
-      <p:transition spd="med" p14:dur="700">
-        <p:fade/>
-      </p:transition>
-    </mc:Choice>
-    <mc:Fallback xmlns="">
-      <p:transition spd="med">
-        <p:fade/>
-      </p:transition>
-    </mc:Fallback>
-  </mc:AlternateContent>
-</p:sld>
-</file>
-
-<file path=ppt/slides/slide17.xml><?xml version="1.0" encoding="utf-8"?>
-<p:sld xmlns:a="http://schemas.openxmlformats.org/drawingml/2006/main" xmlns:r="http://schemas.openxmlformats.org/officeDocument/2006/relationships" xmlns:p="http://schemas.openxmlformats.org/presentationml/2006/main">
-  <p:cSld>
-    <p:spTree>
-      <p:nvGrpSpPr>
-        <p:cNvPr id="1" name=""/>
-        <p:cNvGrpSpPr/>
-        <p:nvPr/>
-      </p:nvGrpSpPr>
-      <p:grpSpPr>
-        <a:xfrm>
-          <a:off x="0" y="0"/>
-          <a:ext cx="0" cy="0"/>
-          <a:chOff x="0" y="0"/>
-          <a:chExt cx="0" cy="0"/>
-        </a:xfrm>
-      </p:grpSpPr>
-      <p:sp>
-        <p:nvSpPr>
-          <p:cNvPr id="3" name="TextBox 2">
-            <a:extLst>
-              <a:ext uri="{FF2B5EF4-FFF2-40B4-BE49-F238E27FC236}">
-                <a16:creationId xmlns:a16="http://schemas.microsoft.com/office/drawing/2014/main" id="{8DEBDC12-60E8-4CF3-A3D0-2075FBA26C8C}"/>
-              </a:ext>
-            </a:extLst>
-          </p:cNvPr>
-          <p:cNvSpPr txBox="1"/>
-          <p:nvPr/>
-        </p:nvSpPr>
-        <p:spPr>
-          <a:xfrm>
-            <a:off x="0" y="6550223"/>
-            <a:ext cx="12192000" cy="307777"/>
-          </a:xfrm>
-          <a:prstGeom prst="rect">
-            <a:avLst/>
-          </a:prstGeom>
-          <a:noFill/>
-        </p:spPr>
-        <p:txBody>
-          <a:bodyPr wrap="square" rtlCol="0">
-            <a:spAutoFit/>
-          </a:bodyPr>
-          <a:lstStyle/>
-          <a:p>
-            <a:r>
-              <a:rPr lang="en-US" sz="1400" dirty="0">
-                <a:solidFill>
-                  <a:schemeClr val="tx1">
-                    <a:lumMod val="65000"/>
-                    <a:lumOff val="35000"/>
-                  </a:schemeClr>
-                </a:solidFill>
-                <a:latin typeface="+mj-lt"/>
-                <a:ea typeface="Verdana" panose="020B0604030504040204" pitchFamily="34" charset="0"/>
-              </a:rPr>
-              <a:t>Source: Doshi, K. (2020). </a:t>
-            </a:r>
-            <a:r>
-              <a:rPr lang="en-US" sz="1400" i="1" dirty="0">
-                <a:solidFill>
-                  <a:schemeClr val="tx1">
-                    <a:lumMod val="65000"/>
-                    <a:lumOff val="35000"/>
-                  </a:schemeClr>
-                </a:solidFill>
-                <a:latin typeface="+mj-lt"/>
-                <a:ea typeface="Verdana" panose="020B0604030504040204" pitchFamily="34" charset="0"/>
-              </a:rPr>
-              <a:t>https://towardsdatascience.com/transformers-explained-visually-part-1-overview-of-functionality-95a6dd460452</a:t>
-            </a:r>
-            <a:endParaRPr lang="en-US" sz="1400" dirty="0">
-              <a:solidFill>
-                <a:schemeClr val="tx1">
-                  <a:lumMod val="65000"/>
-                  <a:lumOff val="35000"/>
-                </a:schemeClr>
-              </a:solidFill>
-              <a:latin typeface="+mj-lt"/>
-              <a:ea typeface="Verdana" panose="020B0604030504040204" pitchFamily="34" charset="0"/>
-            </a:endParaRPr>
-          </a:p>
-        </p:txBody>
-      </p:sp>
-      <p:pic>
-        <p:nvPicPr>
-          <p:cNvPr id="7170" name="Picture 2">
-            <a:extLst>
-              <a:ext uri="{FF2B5EF4-FFF2-40B4-BE49-F238E27FC236}">
-                <a16:creationId xmlns:a16="http://schemas.microsoft.com/office/drawing/2014/main" id="{E01D43ED-BB64-44A3-8FE0-0C3CD9C11E9C}"/>
-              </a:ext>
-            </a:extLst>
-          </p:cNvPr>
-          <p:cNvPicPr>
-            <a:picLocks noChangeAspect="1" noChangeArrowheads="1"/>
-          </p:cNvPicPr>
-          <p:nvPr/>
-        </p:nvPicPr>
-        <p:blipFill>
-          <a:blip r:embed="rId3">
-            <a:clrChange>
-              <a:clrFrom>
-                <a:srgbClr val="FFFFFF"/>
-              </a:clrFrom>
-              <a:clrTo>
-                <a:srgbClr val="FFFFFF">
-                  <a:alpha val="0"/>
-                </a:srgbClr>
-              </a:clrTo>
-            </a:clrChange>
-            <a:extLst>
-              <a:ext uri="{28A0092B-C50C-407E-A947-70E740481C1C}">
-                <a14:useLocalDpi xmlns:a14="http://schemas.microsoft.com/office/drawing/2010/main" val="0"/>
-              </a:ext>
-            </a:extLst>
-          </a:blip>
-          <a:srcRect/>
-          <a:stretch>
-            <a:fillRect/>
-          </a:stretch>
-        </p:blipFill>
-        <p:spPr bwMode="auto">
-          <a:xfrm>
-            <a:off x="4533900" y="1790700"/>
-            <a:ext cx="3124200" cy="3276600"/>
-          </a:xfrm>
-          <a:prstGeom prst="rect">
-            <a:avLst/>
-          </a:prstGeom>
-          <a:noFill/>
-          <a:extLst>
-            <a:ext uri="{909E8E84-426E-40DD-AFC4-6F175D3DCCD1}">
-              <a14:hiddenFill xmlns:a14="http://schemas.microsoft.com/office/drawing/2010/main">
-                <a:solidFill>
-                  <a:srgbClr val="FFFFFF"/>
-                </a:solidFill>
-              </a14:hiddenFill>
-            </a:ext>
-          </a:extLst>
-        </p:spPr>
-      </p:pic>
-    </p:spTree>
-    <p:extLst>
-      <p:ext uri="{BB962C8B-B14F-4D97-AF65-F5344CB8AC3E}">
-        <p14:creationId xmlns:p14="http://schemas.microsoft.com/office/powerpoint/2010/main" val="3226425761"/>
-      </p:ext>
-    </p:extLst>
-  </p:cSld>
-  <p:clrMapOvr>
-    <a:masterClrMapping/>
-  </p:clrMapOvr>
-  <mc:AlternateContent xmlns:mc="http://schemas.openxmlformats.org/markup-compatibility/2006" xmlns:p14="http://schemas.microsoft.com/office/powerpoint/2010/main">
-    <mc:Choice Requires="p14">
-      <p:transition spd="med" p14:dur="700">
-        <p:fade/>
-      </p:transition>
-    </mc:Choice>
-    <mc:Fallback xmlns="">
-      <p:transition spd="med">
-        <p:fade/>
-      </p:transition>
-    </mc:Fallback>
-  </mc:AlternateContent>
-</p:sld>
-</file>
-
-<file path=ppt/slides/slide18.xml><?xml version="1.0" encoding="utf-8"?>
+<file path=ppt/slides/slide23.xml><?xml version="1.0" encoding="utf-8"?>
 <p:sld xmlns:a="http://schemas.openxmlformats.org/drawingml/2006/main" xmlns:r="http://schemas.openxmlformats.org/officeDocument/2006/relationships" xmlns:p="http://schemas.openxmlformats.org/presentationml/2006/main">
   <p:cSld>
     <p:spTree>
@@ -7685,194 +10816,6 @@
     <p:extLst>
       <p:ext uri="{BB962C8B-B14F-4D97-AF65-F5344CB8AC3E}">
         <p14:creationId xmlns:p14="http://schemas.microsoft.com/office/powerpoint/2010/main" val="4175513480"/>
-      </p:ext>
-    </p:extLst>
-  </p:cSld>
-  <p:clrMapOvr>
-    <a:masterClrMapping/>
-  </p:clrMapOvr>
-  <mc:AlternateContent xmlns:mc="http://schemas.openxmlformats.org/markup-compatibility/2006" xmlns:p14="http://schemas.microsoft.com/office/powerpoint/2010/main">
-    <mc:Choice Requires="p14">
-      <p:transition spd="med" p14:dur="700">
-        <p:fade/>
-      </p:transition>
-    </mc:Choice>
-    <mc:Fallback xmlns="">
-      <p:transition spd="med">
-        <p:fade/>
-      </p:transition>
-    </mc:Fallback>
-  </mc:AlternateContent>
-</p:sld>
-</file>
-
-<file path=ppt/slides/slide2.xml><?xml version="1.0" encoding="utf-8"?>
-<p:sld xmlns:a="http://schemas.openxmlformats.org/drawingml/2006/main" xmlns:r="http://schemas.openxmlformats.org/officeDocument/2006/relationships" xmlns:p="http://schemas.openxmlformats.org/presentationml/2006/main">
-  <p:cSld>
-    <p:spTree>
-      <p:nvGrpSpPr>
-        <p:cNvPr id="1" name=""/>
-        <p:cNvGrpSpPr/>
-        <p:nvPr/>
-      </p:nvGrpSpPr>
-      <p:grpSpPr>
-        <a:xfrm>
-          <a:off x="0" y="0"/>
-          <a:ext cx="0" cy="0"/>
-          <a:chOff x="0" y="0"/>
-          <a:chExt cx="0" cy="0"/>
-        </a:xfrm>
-      </p:grpSpPr>
-      <p:sp>
-        <p:nvSpPr>
-          <p:cNvPr id="8" name="Title 1">
-            <a:extLst>
-              <a:ext uri="{FF2B5EF4-FFF2-40B4-BE49-F238E27FC236}">
-                <a16:creationId xmlns:a16="http://schemas.microsoft.com/office/drawing/2014/main" id="{195DAE60-9F77-4ED0-836D-1B7F2B48FCA1}"/>
-              </a:ext>
-            </a:extLst>
-          </p:cNvPr>
-          <p:cNvSpPr>
-            <a:spLocks noGrp="1"/>
-          </p:cNvSpPr>
-          <p:nvPr>
-            <p:ph type="title"/>
-          </p:nvPr>
-        </p:nvSpPr>
-        <p:spPr>
-          <a:xfrm>
-            <a:off x="0" y="793808"/>
-            <a:ext cx="12192000" cy="606943"/>
-          </a:xfrm>
-          <a:noFill/>
-        </p:spPr>
-        <p:txBody>
-          <a:bodyPr>
-            <a:noAutofit/>
-          </a:bodyPr>
-          <a:lstStyle/>
-          <a:p>
-            <a:pPr algn="ctr"/>
-            <a:r>
-              <a:rPr lang="en-US" sz="3600" dirty="0">
-                <a:solidFill>
-                  <a:schemeClr val="tx1">
-                    <a:lumMod val="65000"/>
-                    <a:lumOff val="35000"/>
-                  </a:schemeClr>
-                </a:solidFill>
-                <a:latin typeface="Palatino Linotype" panose="02040502050505030304" pitchFamily="18" charset="0"/>
-              </a:rPr>
-              <a:t>Transformer Architecture</a:t>
-            </a:r>
-            <a:endParaRPr lang="en-US" sz="3600" dirty="0">
-              <a:solidFill>
-                <a:schemeClr val="tx1">
-                  <a:lumMod val="65000"/>
-                  <a:lumOff val="35000"/>
-                </a:schemeClr>
-              </a:solidFill>
-              <a:latin typeface="Palatino Linotype" panose="02040502050505030304" pitchFamily="18" charset="0"/>
-              <a:cs typeface="Segoe UI Light" panose="020B0502040204020203" pitchFamily="34" charset="0"/>
-            </a:endParaRPr>
-          </a:p>
-        </p:txBody>
-      </p:sp>
-      <p:pic>
-        <p:nvPicPr>
-          <p:cNvPr id="1026" name="Picture 2" descr="How Transformers Work. Transformers are a type of neural… | by Giuliano  Giacaglia | Towards Data Science">
-            <a:extLst>
-              <a:ext uri="{FF2B5EF4-FFF2-40B4-BE49-F238E27FC236}">
-                <a16:creationId xmlns:a16="http://schemas.microsoft.com/office/drawing/2014/main" id="{FED52AE7-F17C-48CD-985B-9DE4870ABA36}"/>
-              </a:ext>
-            </a:extLst>
-          </p:cNvPr>
-          <p:cNvPicPr>
-            <a:picLocks noChangeAspect="1" noChangeArrowheads="1"/>
-          </p:cNvPicPr>
-          <p:nvPr/>
-        </p:nvPicPr>
-        <p:blipFill>
-          <a:blip r:embed="rId3">
-            <a:extLst>
-              <a:ext uri="{28A0092B-C50C-407E-A947-70E740481C1C}">
-                <a14:useLocalDpi xmlns:a14="http://schemas.microsoft.com/office/drawing/2010/main" val="0"/>
-              </a:ext>
-            </a:extLst>
-          </a:blip>
-          <a:srcRect/>
-          <a:stretch>
-            <a:fillRect/>
-          </a:stretch>
-        </p:blipFill>
-        <p:spPr bwMode="auto">
-          <a:xfrm>
-            <a:off x="728663" y="2028825"/>
-            <a:ext cx="10734675" cy="2800350"/>
-          </a:xfrm>
-          <a:prstGeom prst="rect">
-            <a:avLst/>
-          </a:prstGeom>
-          <a:noFill/>
-          <a:extLst>
-            <a:ext uri="{909E8E84-426E-40DD-AFC4-6F175D3DCCD1}">
-              <a14:hiddenFill xmlns:a14="http://schemas.microsoft.com/office/drawing/2010/main">
-                <a:solidFill>
-                  <a:srgbClr val="FFFFFF"/>
-                </a:solidFill>
-              </a14:hiddenFill>
-            </a:ext>
-          </a:extLst>
-        </p:spPr>
-      </p:pic>
-      <p:sp>
-        <p:nvSpPr>
-          <p:cNvPr id="6" name="TextBox 5">
-            <a:extLst>
-              <a:ext uri="{FF2B5EF4-FFF2-40B4-BE49-F238E27FC236}">
-                <a16:creationId xmlns:a16="http://schemas.microsoft.com/office/drawing/2014/main" id="{4D4D81D7-18B6-4EED-AF62-CA7FD0EED029}"/>
-              </a:ext>
-            </a:extLst>
-          </p:cNvPr>
-          <p:cNvSpPr txBox="1"/>
-          <p:nvPr/>
-        </p:nvSpPr>
-        <p:spPr>
-          <a:xfrm>
-            <a:off x="0" y="6550223"/>
-            <a:ext cx="12192000" cy="307777"/>
-          </a:xfrm>
-          <a:prstGeom prst="rect">
-            <a:avLst/>
-          </a:prstGeom>
-          <a:noFill/>
-        </p:spPr>
-        <p:txBody>
-          <a:bodyPr wrap="square" rtlCol="0">
-            <a:spAutoFit/>
-          </a:bodyPr>
-          <a:lstStyle/>
-          <a:p>
-            <a:r>
-              <a:rPr lang="en-US" sz="1400" dirty="0">
-                <a:solidFill>
-                  <a:schemeClr val="tx1">
-                    <a:lumMod val="65000"/>
-                    <a:lumOff val="35000"/>
-                  </a:schemeClr>
-                </a:solidFill>
-                <a:latin typeface="+mj-lt"/>
-                <a:ea typeface="Verdana" panose="020B0604030504040204" pitchFamily="34" charset="0"/>
-              </a:rPr>
-              <a:t>Image Credit: https://towardsdatascience.com/transformers-141e32e69591 </a:t>
-            </a:r>
-          </a:p>
-        </p:txBody>
-      </p:sp>
-    </p:spTree>
-    <p:extLst>
-      <p:ext uri="{BB962C8B-B14F-4D97-AF65-F5344CB8AC3E}">
-        <p14:creationId xmlns:p14="http://schemas.microsoft.com/office/powerpoint/2010/main" val="168402881"/>
       </p:ext>
     </p:extLst>
   </p:cSld>
@@ -7911,59 +10854,12 @@
           <a:chExt cx="0" cy="0"/>
         </a:xfrm>
       </p:grpSpPr>
-      <p:pic>
-        <p:nvPicPr>
-          <p:cNvPr id="1026" name="Picture 2">
-            <a:extLst>
-              <a:ext uri="{FF2B5EF4-FFF2-40B4-BE49-F238E27FC236}">
-                <a16:creationId xmlns:a16="http://schemas.microsoft.com/office/drawing/2014/main" id="{FE503794-D5F4-4DCA-A04D-B09764F0F577}"/>
-              </a:ext>
-            </a:extLst>
-          </p:cNvPr>
-          <p:cNvPicPr>
-            <a:picLocks noChangeAspect="1" noChangeArrowheads="1"/>
-          </p:cNvPicPr>
-          <p:nvPr/>
-        </p:nvPicPr>
-        <p:blipFill>
-          <a:blip r:embed="rId3">
-            <a:extLst>
-              <a:ext uri="{28A0092B-C50C-407E-A947-70E740481C1C}">
-                <a14:useLocalDpi xmlns:a14="http://schemas.microsoft.com/office/drawing/2010/main" val="0"/>
-              </a:ext>
-            </a:extLst>
-          </a:blip>
-          <a:srcRect/>
-          <a:stretch>
-            <a:fillRect/>
-          </a:stretch>
-        </p:blipFill>
-        <p:spPr bwMode="auto">
-          <a:xfrm>
-            <a:off x="1615608" y="511849"/>
-            <a:ext cx="8960784" cy="5834301"/>
-          </a:xfrm>
-          <a:prstGeom prst="rect">
-            <a:avLst/>
-          </a:prstGeom>
-          <a:noFill/>
-          <a:extLst>
-            <a:ext uri="{909E8E84-426E-40DD-AFC4-6F175D3DCCD1}">
-              <a14:hiddenFill xmlns:a14="http://schemas.microsoft.com/office/drawing/2010/main">
-                <a:solidFill>
-                  <a:srgbClr val="FFFFFF"/>
-                </a:solidFill>
-              </a14:hiddenFill>
-            </a:ext>
-          </a:extLst>
-        </p:spPr>
-      </p:pic>
-      <p:sp>
-        <p:nvSpPr>
-          <p:cNvPr id="5" name="TextBox 4">
-            <a:extLst>
-              <a:ext uri="{FF2B5EF4-FFF2-40B4-BE49-F238E27FC236}">
-                <a16:creationId xmlns:a16="http://schemas.microsoft.com/office/drawing/2014/main" id="{5DAE8B6E-8E41-4EB2-A73D-981EF441ED95}"/>
+      <p:sp>
+        <p:nvSpPr>
+          <p:cNvPr id="3" name="TextBox 2">
+            <a:extLst>
+              <a:ext uri="{FF2B5EF4-FFF2-40B4-BE49-F238E27FC236}">
+                <a16:creationId xmlns:a16="http://schemas.microsoft.com/office/drawing/2014/main" id="{C1E53685-A9F7-4FE0-ABDB-9B755F275882}"/>
               </a:ext>
             </a:extLst>
           </p:cNvPr>
@@ -7997,85 +10893,125 @@
                 <a:latin typeface="+mj-lt"/>
                 <a:ea typeface="Verdana" panose="020B0604030504040204" pitchFamily="34" charset="0"/>
               </a:rPr>
-              <a:t>Image Credit: https://towardsdatascience.com/transformers-141e32e69591 </a:t>
-            </a:r>
-          </a:p>
-        </p:txBody>
-      </p:sp>
-      <p:sp>
-        <p:nvSpPr>
-          <p:cNvPr id="2" name="TextBox 1">
-            <a:extLst>
-              <a:ext uri="{FF2B5EF4-FFF2-40B4-BE49-F238E27FC236}">
-                <a16:creationId xmlns:a16="http://schemas.microsoft.com/office/drawing/2014/main" id="{542A7E4E-4958-43D4-A278-45F74B23B12C}"/>
-              </a:ext>
-            </a:extLst>
-          </p:cNvPr>
-          <p:cNvSpPr txBox="1"/>
-          <p:nvPr/>
+              <a:t>Image Credit: </a:t>
+            </a:r>
+            <a:r>
+              <a:rPr lang="en-US" sz="1400" dirty="0">
+                <a:solidFill>
+                  <a:schemeClr val="tx1">
+                    <a:lumMod val="65000"/>
+                    <a:lumOff val="35000"/>
+                  </a:schemeClr>
+                </a:solidFill>
+                <a:latin typeface="+mj-lt"/>
+              </a:rPr>
+              <a:t>https://www.shutterstock.com/search/limit</a:t>
+            </a:r>
+          </a:p>
+        </p:txBody>
+      </p:sp>
+      <p:sp>
+        <p:nvSpPr>
+          <p:cNvPr id="8" name="Title 1">
+            <a:extLst>
+              <a:ext uri="{FF2B5EF4-FFF2-40B4-BE49-F238E27FC236}">
+                <a16:creationId xmlns:a16="http://schemas.microsoft.com/office/drawing/2014/main" id="{195DAE60-9F77-4ED0-836D-1B7F2B48FCA1}"/>
+              </a:ext>
+            </a:extLst>
+          </p:cNvPr>
+          <p:cNvSpPr>
+            <a:spLocks noGrp="1"/>
+          </p:cNvSpPr>
+          <p:nvPr>
+            <p:ph type="title"/>
+          </p:nvPr>
         </p:nvSpPr>
         <p:spPr>
           <a:xfrm>
-            <a:off x="484909" y="5363289"/>
-            <a:ext cx="1463208" cy="246221"/>
+            <a:off x="0" y="793808"/>
+            <a:ext cx="12192000" cy="606943"/>
+          </a:xfrm>
+          <a:noFill/>
+        </p:spPr>
+        <p:txBody>
+          <a:bodyPr>
+            <a:noAutofit/>
+          </a:bodyPr>
+          <a:lstStyle/>
+          <a:p>
+            <a:pPr algn="ctr"/>
+            <a:r>
+              <a:rPr lang="en-US" sz="3600" dirty="0">
+                <a:solidFill>
+                  <a:schemeClr val="tx1">
+                    <a:lumMod val="65000"/>
+                    <a:lumOff val="35000"/>
+                  </a:schemeClr>
+                </a:solidFill>
+                <a:latin typeface="Palatino Linotype" panose="02040502050505030304" pitchFamily="18" charset="0"/>
+              </a:rPr>
+              <a:t>Limits of Recurrent Neural Networks</a:t>
+            </a:r>
+            <a:endParaRPr lang="en-US" sz="3600" dirty="0">
+              <a:solidFill>
+                <a:schemeClr val="tx1">
+                  <a:lumMod val="65000"/>
+                  <a:lumOff val="35000"/>
+                </a:schemeClr>
+              </a:solidFill>
+              <a:latin typeface="Palatino Linotype" panose="02040502050505030304" pitchFamily="18" charset="0"/>
+              <a:cs typeface="Segoe UI Light" panose="020B0502040204020203" pitchFamily="34" charset="0"/>
+            </a:endParaRPr>
+          </a:p>
+        </p:txBody>
+      </p:sp>
+      <p:pic>
+        <p:nvPicPr>
+          <p:cNvPr id="4" name="Picture 3" descr="Text&#10;&#10;Description automatically generated">
+            <a:extLst>
+              <a:ext uri="{FF2B5EF4-FFF2-40B4-BE49-F238E27FC236}">
+                <a16:creationId xmlns:a16="http://schemas.microsoft.com/office/drawing/2014/main" id="{AA3BA86B-7925-47BE-8EE7-F5C705D20C00}"/>
+              </a:ext>
+            </a:extLst>
+          </p:cNvPr>
+          <p:cNvPicPr>
+            <a:picLocks noChangeAspect="1"/>
+          </p:cNvPicPr>
+          <p:nvPr/>
+        </p:nvPicPr>
+        <p:blipFill>
+          <a:blip r:embed="rId3">
+            <a:extLst>
+              <a:ext uri="{28A0092B-C50C-407E-A947-70E740481C1C}">
+                <a14:useLocalDpi xmlns:a14="http://schemas.microsoft.com/office/drawing/2010/main" val="0"/>
+              </a:ext>
+            </a:extLst>
+          </a:blip>
+          <a:stretch>
+            <a:fillRect/>
+          </a:stretch>
+        </p:blipFill>
+        <p:spPr>
+          <a:xfrm>
+            <a:off x="4014080" y="2654934"/>
+            <a:ext cx="4163839" cy="2214245"/>
           </a:xfrm>
           <a:prstGeom prst="rect">
             <a:avLst/>
           </a:prstGeom>
-          <a:noFill/>
+          <a:effectLst>
+            <a:outerShdw blurRad="50800" dist="38100" dir="2700000" algn="tl" rotWithShape="0">
+              <a:prstClr val="black">
+                <a:alpha val="40000"/>
+              </a:prstClr>
+            </a:outerShdw>
+          </a:effectLst>
         </p:spPr>
-        <p:txBody>
-          <a:bodyPr wrap="square" rtlCol="0">
-            <a:spAutoFit/>
-          </a:bodyPr>
-          <a:lstStyle/>
-          <a:p>
-            <a:r>
-              <a:rPr lang="en-US" sz="1000" dirty="0"/>
-              <a:t>Add – Embedding Layer</a:t>
-            </a:r>
-          </a:p>
-        </p:txBody>
-      </p:sp>
-      <p:sp>
-        <p:nvSpPr>
-          <p:cNvPr id="6" name="TextBox 5">
-            <a:extLst>
-              <a:ext uri="{FF2B5EF4-FFF2-40B4-BE49-F238E27FC236}">
-                <a16:creationId xmlns:a16="http://schemas.microsoft.com/office/drawing/2014/main" id="{706383F2-2A91-4DB3-A7AC-3DDDC83DF3E6}"/>
-              </a:ext>
-            </a:extLst>
-          </p:cNvPr>
-          <p:cNvSpPr txBox="1"/>
-          <p:nvPr/>
-        </p:nvSpPr>
-        <p:spPr>
-          <a:xfrm>
-            <a:off x="9844788" y="1082234"/>
-            <a:ext cx="1463208" cy="246221"/>
-          </a:xfrm>
-          <a:prstGeom prst="rect">
-            <a:avLst/>
-          </a:prstGeom>
-          <a:noFill/>
-        </p:spPr>
-        <p:txBody>
-          <a:bodyPr wrap="square" rtlCol="0">
-            <a:spAutoFit/>
-          </a:bodyPr>
-          <a:lstStyle/>
-          <a:p>
-            <a:r>
-              <a:rPr lang="en-US" sz="1000" dirty="0"/>
-              <a:t>Add – Embedding Layer</a:t>
-            </a:r>
-          </a:p>
-        </p:txBody>
-      </p:sp>
+      </p:pic>
     </p:spTree>
     <p:extLst>
       <p:ext uri="{BB962C8B-B14F-4D97-AF65-F5344CB8AC3E}">
-        <p14:creationId xmlns:p14="http://schemas.microsoft.com/office/powerpoint/2010/main" val="748552708"/>
+        <p14:creationId xmlns:p14="http://schemas.microsoft.com/office/powerpoint/2010/main" val="3452552887"/>
       </p:ext>
     </p:extLst>
   </p:cSld>
@@ -8116,10 +11052,10 @@
       </p:grpSpPr>
       <p:pic>
         <p:nvPicPr>
-          <p:cNvPr id="3074" name="Picture 2">
-            <a:extLst>
-              <a:ext uri="{FF2B5EF4-FFF2-40B4-BE49-F238E27FC236}">
-                <a16:creationId xmlns:a16="http://schemas.microsoft.com/office/drawing/2014/main" id="{6F9315D2-1FA0-46D4-966C-B17E5FE5D4B3}"/>
+          <p:cNvPr id="1026" name="Picture 2" descr="rnn">
+            <a:extLst>
+              <a:ext uri="{FF2B5EF4-FFF2-40B4-BE49-F238E27FC236}">
+                <a16:creationId xmlns:a16="http://schemas.microsoft.com/office/drawing/2014/main" id="{561207FA-3A34-4741-93B0-069226A91387}"/>
               </a:ext>
             </a:extLst>
           </p:cNvPr>
@@ -8143,8 +11079,8 @@
         </p:blipFill>
         <p:spPr bwMode="auto">
           <a:xfrm>
-            <a:off x="2324100" y="1471613"/>
-            <a:ext cx="7543800" cy="3914775"/>
+            <a:off x="2419251" y="2240184"/>
+            <a:ext cx="7353498" cy="2377631"/>
           </a:xfrm>
           <a:prstGeom prst="rect">
             <a:avLst/>
@@ -8163,10 +11099,10 @@
       </p:pic>
       <p:sp>
         <p:nvSpPr>
-          <p:cNvPr id="4" name="TextBox 3">
-            <a:extLst>
-              <a:ext uri="{FF2B5EF4-FFF2-40B4-BE49-F238E27FC236}">
-                <a16:creationId xmlns:a16="http://schemas.microsoft.com/office/drawing/2014/main" id="{DAF8896B-C82A-458A-B6B7-B77BA876F042}"/>
+          <p:cNvPr id="8" name="TextBox 7">
+            <a:extLst>
+              <a:ext uri="{FF2B5EF4-FFF2-40B4-BE49-F238E27FC236}">
+                <a16:creationId xmlns:a16="http://schemas.microsoft.com/office/drawing/2014/main" id="{63A07B37-0A00-4021-BDD3-1302B867EFEA}"/>
               </a:ext>
             </a:extLst>
           </p:cNvPr>
@@ -8200,15 +11136,92 @@
                 <a:latin typeface="+mj-lt"/>
                 <a:ea typeface="Verdana" panose="020B0604030504040204" pitchFamily="34" charset="0"/>
               </a:rPr>
-              <a:t>Image Credit: https://towardsdatascience.com/transformers-141e32e69591 </a:t>
-            </a:r>
+              <a:t>Source: Tunstall, L., et al (2022). </a:t>
+            </a:r>
+            <a:r>
+              <a:rPr lang="en-US" sz="1400" i="1" dirty="0">
+                <a:solidFill>
+                  <a:schemeClr val="tx1">
+                    <a:lumMod val="65000"/>
+                    <a:lumOff val="35000"/>
+                  </a:schemeClr>
+                </a:solidFill>
+                <a:latin typeface="+mj-lt"/>
+                <a:ea typeface="Verdana" panose="020B0604030504040204" pitchFamily="34" charset="0"/>
+              </a:rPr>
+              <a:t>Natural Language Processing with Transformers</a:t>
+            </a:r>
+            <a:r>
+              <a:rPr lang="en-US" sz="1400" dirty="0">
+                <a:solidFill>
+                  <a:schemeClr val="tx1">
+                    <a:lumMod val="65000"/>
+                    <a:lumOff val="35000"/>
+                  </a:schemeClr>
+                </a:solidFill>
+                <a:latin typeface="+mj-lt"/>
+                <a:ea typeface="Verdana" panose="020B0604030504040204" pitchFamily="34" charset="0"/>
+              </a:rPr>
+              <a:t>. </a:t>
+            </a:r>
+            <a:r>
+              <a:rPr lang="en-US" sz="1400" b="0" i="0" dirty="0">
+                <a:solidFill>
+                  <a:schemeClr val="tx1">
+                    <a:lumMod val="65000"/>
+                    <a:lumOff val="35000"/>
+                  </a:schemeClr>
+                </a:solidFill>
+                <a:effectLst/>
+                <a:latin typeface="+mj-lt"/>
+                <a:ea typeface="Verdana" panose="020B0604030504040204" pitchFamily="34" charset="0"/>
+              </a:rPr>
+              <a:t>Sebastopol, CA: </a:t>
+            </a:r>
+            <a:r>
+              <a:rPr lang="en-US" sz="1400" dirty="0">
+                <a:solidFill>
+                  <a:schemeClr val="tx1">
+                    <a:lumMod val="65000"/>
+                    <a:lumOff val="35000"/>
+                  </a:schemeClr>
+                </a:solidFill>
+                <a:latin typeface="+mj-lt"/>
+                <a:ea typeface="Verdana" panose="020B0604030504040204" pitchFamily="34" charset="0"/>
+              </a:rPr>
+              <a:t>O’Reilly Publishing</a:t>
+            </a:r>
+            <a:r>
+              <a:rPr lang="en-US" sz="1400" b="0" i="0" dirty="0">
+                <a:solidFill>
+                  <a:schemeClr val="tx1">
+                    <a:lumMod val="65000"/>
+                    <a:lumOff val="35000"/>
+                  </a:schemeClr>
+                </a:solidFill>
+                <a:effectLst/>
+                <a:latin typeface="+mj-lt"/>
+                <a:ea typeface="Verdana" panose="020B0604030504040204" pitchFamily="34" charset="0"/>
+              </a:rPr>
+              <a:t>. (Chapter 1)</a:t>
+            </a:r>
+            <a:endParaRPr lang="en-US" sz="1400" dirty="0">
+              <a:solidFill>
+                <a:schemeClr val="tx1">
+                  <a:lumMod val="65000"/>
+                  <a:lumOff val="35000"/>
+                </a:schemeClr>
+              </a:solidFill>
+              <a:latin typeface="+mj-lt"/>
+              <a:ea typeface="Verdana" panose="020B0604030504040204" pitchFamily="34" charset="0"/>
+            </a:endParaRPr>
           </a:p>
         </p:txBody>
       </p:sp>
     </p:spTree>
     <p:extLst>
       <p:ext uri="{BB962C8B-B14F-4D97-AF65-F5344CB8AC3E}">
-        <p14:creationId xmlns:p14="http://schemas.microsoft.com/office/powerpoint/2010/main" val="4140667580"/>
+        <p14:creationId xmlns:p14="http://schemas.microsoft.com/office/powerpoint/2010/main" val="1123888976"/>
       </p:ext>
     </p:extLst>
   </p:cSld>
@@ -8249,10 +11262,10 @@
       </p:grpSpPr>
       <p:pic>
         <p:nvPicPr>
-          <p:cNvPr id="5122" name="Picture 2">
-            <a:extLst>
-              <a:ext uri="{FF2B5EF4-FFF2-40B4-BE49-F238E27FC236}">
-                <a16:creationId xmlns:a16="http://schemas.microsoft.com/office/drawing/2014/main" id="{CE2699BE-C53B-439F-9E3C-9A4DC03B6B13}"/>
+          <p:cNvPr id="2050" name="Picture 2" descr="enc-dec">
+            <a:extLst>
+              <a:ext uri="{FF2B5EF4-FFF2-40B4-BE49-F238E27FC236}">
+                <a16:creationId xmlns:a16="http://schemas.microsoft.com/office/drawing/2014/main" id="{3932E7A2-AC74-4616-8E73-8BE6E621CA05}"/>
               </a:ext>
             </a:extLst>
           </p:cNvPr>
@@ -8276,8 +11289,8 @@
         </p:blipFill>
         <p:spPr bwMode="auto">
           <a:xfrm>
-            <a:off x="3278327" y="1601320"/>
-            <a:ext cx="5635345" cy="3655359"/>
+            <a:off x="2304409" y="1925002"/>
+            <a:ext cx="7583181" cy="3007995"/>
           </a:xfrm>
           <a:prstGeom prst="rect">
             <a:avLst/>
@@ -8299,7 +11312,7 @@
           <p:cNvPr id="4" name="TextBox 3">
             <a:extLst>
               <a:ext uri="{FF2B5EF4-FFF2-40B4-BE49-F238E27FC236}">
-                <a16:creationId xmlns:a16="http://schemas.microsoft.com/office/drawing/2014/main" id="{E3F1CD6A-7BD4-4C27-A19E-B262138DBBC2}"/>
+                <a16:creationId xmlns:a16="http://schemas.microsoft.com/office/drawing/2014/main" id="{62096B2A-7B7D-4F4B-B458-A97B0FDB961D}"/>
               </a:ext>
             </a:extLst>
           </p:cNvPr>
@@ -8333,15 +11346,92 @@
                 <a:latin typeface="+mj-lt"/>
                 <a:ea typeface="Verdana" panose="020B0604030504040204" pitchFamily="34" charset="0"/>
               </a:rPr>
-              <a:t>Image Credit: https://towardsdatascience.com/transformers-141e32e69591 </a:t>
-            </a:r>
+              <a:t>Source: Tunstall, L., et al (2022). </a:t>
+            </a:r>
+            <a:r>
+              <a:rPr lang="en-US" sz="1400" i="1" dirty="0">
+                <a:solidFill>
+                  <a:schemeClr val="tx1">
+                    <a:lumMod val="65000"/>
+                    <a:lumOff val="35000"/>
+                  </a:schemeClr>
+                </a:solidFill>
+                <a:latin typeface="+mj-lt"/>
+                <a:ea typeface="Verdana" panose="020B0604030504040204" pitchFamily="34" charset="0"/>
+              </a:rPr>
+              <a:t>Natural Language Processing with Transformers</a:t>
+            </a:r>
+            <a:r>
+              <a:rPr lang="en-US" sz="1400" dirty="0">
+                <a:solidFill>
+                  <a:schemeClr val="tx1">
+                    <a:lumMod val="65000"/>
+                    <a:lumOff val="35000"/>
+                  </a:schemeClr>
+                </a:solidFill>
+                <a:latin typeface="+mj-lt"/>
+                <a:ea typeface="Verdana" panose="020B0604030504040204" pitchFamily="34" charset="0"/>
+              </a:rPr>
+              <a:t>. </a:t>
+            </a:r>
+            <a:r>
+              <a:rPr lang="en-US" sz="1400" b="0" i="0" dirty="0">
+                <a:solidFill>
+                  <a:schemeClr val="tx1">
+                    <a:lumMod val="65000"/>
+                    <a:lumOff val="35000"/>
+                  </a:schemeClr>
+                </a:solidFill>
+                <a:effectLst/>
+                <a:latin typeface="+mj-lt"/>
+                <a:ea typeface="Verdana" panose="020B0604030504040204" pitchFamily="34" charset="0"/>
+              </a:rPr>
+              <a:t>Sebastopol, CA: </a:t>
+            </a:r>
+            <a:r>
+              <a:rPr lang="en-US" sz="1400" dirty="0">
+                <a:solidFill>
+                  <a:schemeClr val="tx1">
+                    <a:lumMod val="65000"/>
+                    <a:lumOff val="35000"/>
+                  </a:schemeClr>
+                </a:solidFill>
+                <a:latin typeface="+mj-lt"/>
+                <a:ea typeface="Verdana" panose="020B0604030504040204" pitchFamily="34" charset="0"/>
+              </a:rPr>
+              <a:t>O’Reilly Publishing</a:t>
+            </a:r>
+            <a:r>
+              <a:rPr lang="en-US" sz="1400" b="0" i="0" dirty="0">
+                <a:solidFill>
+                  <a:schemeClr val="tx1">
+                    <a:lumMod val="65000"/>
+                    <a:lumOff val="35000"/>
+                  </a:schemeClr>
+                </a:solidFill>
+                <a:effectLst/>
+                <a:latin typeface="+mj-lt"/>
+                <a:ea typeface="Verdana" panose="020B0604030504040204" pitchFamily="34" charset="0"/>
+              </a:rPr>
+              <a:t>. (Chapter 1)</a:t>
+            </a:r>
+            <a:endParaRPr lang="en-US" sz="1400" dirty="0">
+              <a:solidFill>
+                <a:schemeClr val="tx1">
+                  <a:lumMod val="65000"/>
+                  <a:lumOff val="35000"/>
+                </a:schemeClr>
+              </a:solidFill>
+              <a:latin typeface="+mj-lt"/>
+              <a:ea typeface="Verdana" panose="020B0604030504040204" pitchFamily="34" charset="0"/>
+            </a:endParaRPr>
           </a:p>
         </p:txBody>
       </p:sp>
     </p:spTree>
     <p:extLst>
       <p:ext uri="{BB962C8B-B14F-4D97-AF65-F5344CB8AC3E}">
-        <p14:creationId xmlns:p14="http://schemas.microsoft.com/office/powerpoint/2010/main" val="2251988959"/>
+        <p14:creationId xmlns:p14="http://schemas.microsoft.com/office/powerpoint/2010/main" val="2431498119"/>
       </p:ext>
     </p:extLst>
   </p:cSld>
@@ -8380,12 +11470,69 @@
           <a:chExt cx="0" cy="0"/>
         </a:xfrm>
       </p:grpSpPr>
-      <p:sp>
-        <p:nvSpPr>
-          <p:cNvPr id="3" name="TextBox 2">
-            <a:extLst>
-              <a:ext uri="{FF2B5EF4-FFF2-40B4-BE49-F238E27FC236}">
-                <a16:creationId xmlns:a16="http://schemas.microsoft.com/office/drawing/2014/main" id="{8DEBDC12-60E8-4CF3-A3D0-2075FBA26C8C}"/>
+      <p:pic>
+        <p:nvPicPr>
+          <p:cNvPr id="1026" name="Picture 2">
+            <a:extLst>
+              <a:ext uri="{FF2B5EF4-FFF2-40B4-BE49-F238E27FC236}">
+                <a16:creationId xmlns:a16="http://schemas.microsoft.com/office/drawing/2014/main" id="{C47ED13A-501C-4362-B556-F2503F6187F3}"/>
+              </a:ext>
+            </a:extLst>
+          </p:cNvPr>
+          <p:cNvPicPr>
+            <a:picLocks noChangeAspect="1" noChangeArrowheads="1" noCrop="1"/>
+          </p:cNvPicPr>
+          <p:nvPr/>
+        </p:nvPicPr>
+        <p:blipFill>
+          <a:blip r:embed="rId3">
+            <a:clrChange>
+              <a:clrFrom>
+                <a:srgbClr val="FEFCFE"/>
+              </a:clrFrom>
+              <a:clrTo>
+                <a:srgbClr val="FEFCFE">
+                  <a:alpha val="0"/>
+                </a:srgbClr>
+              </a:clrTo>
+            </a:clrChange>
+            <a:extLst>
+              <a:ext uri="{28A0092B-C50C-407E-A947-70E740481C1C}">
+                <a14:useLocalDpi xmlns:a14="http://schemas.microsoft.com/office/drawing/2010/main" val="0"/>
+              </a:ext>
+            </a:extLst>
+          </a:blip>
+          <a:srcRect/>
+          <a:stretch>
+            <a:fillRect/>
+          </a:stretch>
+        </p:blipFill>
+        <p:spPr bwMode="auto">
+          <a:xfrm>
+            <a:off x="1672651" y="1807709"/>
+            <a:ext cx="8846697" cy="3907291"/>
+          </a:xfrm>
+          <a:prstGeom prst="rect">
+            <a:avLst/>
+          </a:prstGeom>
+          <a:noFill/>
+          <a:extLst>
+            <a:ext uri="{909E8E84-426E-40DD-AFC4-6F175D3DCCD1}">
+              <a14:hiddenFill xmlns:a14="http://schemas.microsoft.com/office/drawing/2010/main">
+                <a:solidFill>
+                  <a:srgbClr val="FFFFFF"/>
+                </a:solidFill>
+              </a14:hiddenFill>
+            </a:ext>
+          </a:extLst>
+        </p:spPr>
+      </p:pic>
+      <p:sp>
+        <p:nvSpPr>
+          <p:cNvPr id="5" name="TextBox 4">
+            <a:extLst>
+              <a:ext uri="{FF2B5EF4-FFF2-40B4-BE49-F238E27FC236}">
+                <a16:creationId xmlns:a16="http://schemas.microsoft.com/office/drawing/2014/main" id="{81F4C7A8-209C-474B-BBCF-98F1EE29E285}"/>
               </a:ext>
             </a:extLst>
           </p:cNvPr>
@@ -8419,95 +11566,15 @@
                 <a:latin typeface="+mj-lt"/>
                 <a:ea typeface="Verdana" panose="020B0604030504040204" pitchFamily="34" charset="0"/>
               </a:rPr>
-              <a:t>Source: Doshi, K. (2020). </a:t>
-            </a:r>
-            <a:r>
-              <a:rPr lang="en-US" sz="1400" i="1" dirty="0">
-                <a:solidFill>
-                  <a:schemeClr val="tx1">
-                    <a:lumMod val="65000"/>
-                    <a:lumOff val="35000"/>
-                  </a:schemeClr>
-                </a:solidFill>
-                <a:latin typeface="+mj-lt"/>
-                <a:ea typeface="Verdana" panose="020B0604030504040204" pitchFamily="34" charset="0"/>
-              </a:rPr>
-              <a:t>https://towardsdatascience.com/transformers-explained-visually-part-1-overview-of-functionality-95a6dd460452</a:t>
-            </a:r>
-            <a:endParaRPr lang="en-US" sz="1400" dirty="0">
-              <a:solidFill>
-                <a:schemeClr val="tx1">
-                  <a:lumMod val="65000"/>
-                  <a:lumOff val="35000"/>
-                </a:schemeClr>
-              </a:solidFill>
-              <a:latin typeface="+mj-lt"/>
-              <a:ea typeface="Verdana" panose="020B0604030504040204" pitchFamily="34" charset="0"/>
-            </a:endParaRPr>
-          </a:p>
-        </p:txBody>
-      </p:sp>
-      <p:pic>
-        <p:nvPicPr>
-          <p:cNvPr id="9218" name="Picture 2">
-            <a:extLst>
-              <a:ext uri="{FF2B5EF4-FFF2-40B4-BE49-F238E27FC236}">
-                <a16:creationId xmlns:a16="http://schemas.microsoft.com/office/drawing/2014/main" id="{DCFEB6DC-6002-41F7-8255-518244BB8D96}"/>
-              </a:ext>
-            </a:extLst>
-          </p:cNvPr>
-          <p:cNvPicPr>
-            <a:picLocks noChangeAspect="1" noChangeArrowheads="1"/>
-          </p:cNvPicPr>
-          <p:nvPr/>
-        </p:nvPicPr>
-        <p:blipFill>
-          <a:blip r:embed="rId3">
-            <a:clrChange>
-              <a:clrFrom>
-                <a:srgbClr val="FFFFFF"/>
-              </a:clrFrom>
-              <a:clrTo>
-                <a:srgbClr val="FFFFFF">
-                  <a:alpha val="0"/>
-                </a:srgbClr>
-              </a:clrTo>
-            </a:clrChange>
-            <a:extLst>
-              <a:ext uri="{28A0092B-C50C-407E-A947-70E740481C1C}">
-                <a14:useLocalDpi xmlns:a14="http://schemas.microsoft.com/office/drawing/2010/main" val="0"/>
-              </a:ext>
-            </a:extLst>
-          </a:blip>
-          <a:srcRect/>
-          <a:stretch>
-            <a:fillRect/>
-          </a:stretch>
-        </p:blipFill>
-        <p:spPr bwMode="auto">
-          <a:xfrm>
-            <a:off x="3481388" y="1928813"/>
-            <a:ext cx="5229225" cy="3000375"/>
-          </a:xfrm>
-          <a:prstGeom prst="rect">
-            <a:avLst/>
-          </a:prstGeom>
-          <a:noFill/>
-          <a:extLst>
-            <a:ext uri="{909E8E84-426E-40DD-AFC4-6F175D3DCCD1}">
-              <a14:hiddenFill xmlns:a14="http://schemas.microsoft.com/office/drawing/2010/main">
-                <a:solidFill>
-                  <a:srgbClr val="FFFFFF"/>
-                </a:solidFill>
-              </a14:hiddenFill>
-            </a:ext>
-          </a:extLst>
-        </p:spPr>
-      </p:pic>
+              <a:t>Image Credit: https://towardsdatascience.com/transformers-141e32e69591 </a:t>
+            </a:r>
+          </a:p>
+        </p:txBody>
+      </p:sp>
     </p:spTree>
     <p:extLst>
       <p:ext uri="{BB962C8B-B14F-4D97-AF65-F5344CB8AC3E}">
-        <p14:creationId xmlns:p14="http://schemas.microsoft.com/office/powerpoint/2010/main" val="1104823510"/>
+        <p14:creationId xmlns:p14="http://schemas.microsoft.com/office/powerpoint/2010/main" val="2843395467"/>
       </p:ext>
     </p:extLst>
   </p:cSld>
@@ -8546,64 +11613,90 @@
           <a:chExt cx="0" cy="0"/>
         </a:xfrm>
       </p:grpSpPr>
-      <p:pic>
-        <p:nvPicPr>
-          <p:cNvPr id="3" name="Picture 2" descr="Diagram&#10;&#10;Description automatically generated">
-            <a:extLst>
-              <a:ext uri="{FF2B5EF4-FFF2-40B4-BE49-F238E27FC236}">
-                <a16:creationId xmlns:a16="http://schemas.microsoft.com/office/drawing/2014/main" id="{67EF8A62-1530-48BE-8523-CB507D8763FF}"/>
-              </a:ext>
-            </a:extLst>
-          </p:cNvPr>
-          <p:cNvPicPr>
-            <a:picLocks noChangeAspect="1"/>
-          </p:cNvPicPr>
+      <p:sp>
+        <p:nvSpPr>
+          <p:cNvPr id="2" name="Title 1">
+            <a:extLst>
+              <a:ext uri="{FF2B5EF4-FFF2-40B4-BE49-F238E27FC236}">
+                <a16:creationId xmlns:a16="http://schemas.microsoft.com/office/drawing/2014/main" id="{FE46086C-BE0E-EEF4-569D-54E1701A5104}"/>
+              </a:ext>
+            </a:extLst>
+          </p:cNvPr>
+          <p:cNvSpPr txBox="1">
+            <a:spLocks/>
+          </p:cNvSpPr>
           <p:nvPr/>
-        </p:nvPicPr>
-        <p:blipFill>
-          <a:blip r:embed="rId3">
-            <a:extLst>
-              <a:ext uri="{28A0092B-C50C-407E-A947-70E740481C1C}">
-                <a14:useLocalDpi xmlns:a14="http://schemas.microsoft.com/office/drawing/2010/main" val="0"/>
-              </a:ext>
-            </a:extLst>
-          </a:blip>
-          <a:stretch>
-            <a:fillRect/>
-          </a:stretch>
-        </p:blipFill>
+        </p:nvSpPr>
         <p:spPr>
           <a:xfrm>
-            <a:off x="3177607" y="566976"/>
-            <a:ext cx="5836786" cy="5724047"/>
+            <a:off x="0" y="3125528"/>
+            <a:ext cx="12192000" cy="606943"/>
           </a:xfrm>
           <a:prstGeom prst="rect">
             <a:avLst/>
           </a:prstGeom>
+          <a:noFill/>
         </p:spPr>
-      </p:pic>
+        <p:txBody>
+          <a:bodyPr>
+            <a:noAutofit/>
+          </a:bodyPr>
+          <a:lstStyle>
+            <a:lvl1pPr algn="l" defTabSz="914400" rtl="0" eaLnBrk="1" latinLnBrk="0" hangingPunct="1">
+              <a:lnSpc>
+                <a:spcPct val="90000"/>
+              </a:lnSpc>
+              <a:spcBef>
+                <a:spcPct val="0"/>
+              </a:spcBef>
+              <a:buNone/>
+              <a:defRPr sz="4400" kern="1200">
+                <a:solidFill>
+                  <a:schemeClr val="tx1"/>
+                </a:solidFill>
+                <a:latin typeface="+mj-lt"/>
+                <a:ea typeface="+mj-ea"/>
+                <a:cs typeface="+mj-cs"/>
+              </a:defRPr>
+            </a:lvl1pPr>
+          </a:lstStyle>
+          <a:p>
+            <a:pPr algn="ctr"/>
+            <a:r>
+              <a:rPr lang="en-US" sz="3600" dirty="0">
+                <a:solidFill>
+                  <a:schemeClr val="tx1">
+                    <a:lumMod val="65000"/>
+                    <a:lumOff val="35000"/>
+                  </a:schemeClr>
+                </a:solidFill>
+                <a:latin typeface="Palatino Linotype" panose="02040502050505030304" pitchFamily="18" charset="0"/>
+              </a:rPr>
+              <a:t>Attention is All You Need…</a:t>
+            </a:r>
+            <a:endParaRPr lang="en-US" sz="3600" dirty="0">
+              <a:solidFill>
+                <a:schemeClr val="tx1">
+                  <a:lumMod val="65000"/>
+                  <a:lumOff val="35000"/>
+                </a:schemeClr>
+              </a:solidFill>
+              <a:latin typeface="Palatino Linotype" panose="02040502050505030304" pitchFamily="18" charset="0"/>
+              <a:cs typeface="Segoe UI Light" panose="020B0502040204020203" pitchFamily="34" charset="0"/>
+            </a:endParaRPr>
+          </a:p>
+        </p:txBody>
+      </p:sp>
     </p:spTree>
     <p:extLst>
       <p:ext uri="{BB962C8B-B14F-4D97-AF65-F5344CB8AC3E}">
-        <p14:creationId xmlns:p14="http://schemas.microsoft.com/office/powerpoint/2010/main" val="2334865424"/>
+        <p14:creationId xmlns:p14="http://schemas.microsoft.com/office/powerpoint/2010/main" val="1106694788"/>
       </p:ext>
     </p:extLst>
   </p:cSld>
   <p:clrMapOvr>
     <a:masterClrMapping/>
   </p:clrMapOvr>
-  <mc:AlternateContent xmlns:mc="http://schemas.openxmlformats.org/markup-compatibility/2006" xmlns:p14="http://schemas.microsoft.com/office/powerpoint/2010/main">
-    <mc:Choice Requires="p14">
-      <p:transition spd="med" p14:dur="700">
-        <p:fade/>
-      </p:transition>
-    </mc:Choice>
-    <mc:Fallback xmlns="">
-      <p:transition spd="med">
-        <p:fade/>
-      </p:transition>
-    </mc:Fallback>
-  </mc:AlternateContent>
 </p:sld>
 </file>
 
@@ -8624,54 +11717,124 @@
           <a:chExt cx="0" cy="0"/>
         </a:xfrm>
       </p:grpSpPr>
+      <p:sp>
+        <p:nvSpPr>
+          <p:cNvPr id="8" name="Title 1">
+            <a:extLst>
+              <a:ext uri="{FF2B5EF4-FFF2-40B4-BE49-F238E27FC236}">
+                <a16:creationId xmlns:a16="http://schemas.microsoft.com/office/drawing/2014/main" id="{195DAE60-9F77-4ED0-836D-1B7F2B48FCA1}"/>
+              </a:ext>
+            </a:extLst>
+          </p:cNvPr>
+          <p:cNvSpPr>
+            <a:spLocks noGrp="1"/>
+          </p:cNvSpPr>
+          <p:nvPr>
+            <p:ph type="title"/>
+          </p:nvPr>
+        </p:nvSpPr>
+        <p:spPr>
+          <a:xfrm>
+            <a:off x="0" y="793808"/>
+            <a:ext cx="12192000" cy="606943"/>
+          </a:xfrm>
+          <a:noFill/>
+        </p:spPr>
+        <p:txBody>
+          <a:bodyPr>
+            <a:noAutofit/>
+          </a:bodyPr>
+          <a:lstStyle/>
+          <a:p>
+            <a:pPr algn="ctr"/>
+            <a:r>
+              <a:rPr lang="en-US" sz="3600" dirty="0">
+                <a:solidFill>
+                  <a:schemeClr val="tx1">
+                    <a:lumMod val="75000"/>
+                    <a:lumOff val="25000"/>
+                  </a:schemeClr>
+                </a:solidFill>
+                <a:latin typeface="Palatino Linotype" panose="02040502050505030304" pitchFamily="18" charset="0"/>
+              </a:rPr>
+              <a:t>Transformer Architecture</a:t>
+            </a:r>
+            <a:endParaRPr lang="en-US" sz="3600" dirty="0">
+              <a:solidFill>
+                <a:schemeClr val="tx1">
+                  <a:lumMod val="75000"/>
+                  <a:lumOff val="25000"/>
+                </a:schemeClr>
+              </a:solidFill>
+              <a:latin typeface="Palatino Linotype" panose="02040502050505030304" pitchFamily="18" charset="0"/>
+              <a:cs typeface="Segoe UI Light" panose="020B0502040204020203" pitchFamily="34" charset="0"/>
+            </a:endParaRPr>
+          </a:p>
+        </p:txBody>
+      </p:sp>
       <p:pic>
         <p:nvPicPr>
-          <p:cNvPr id="3" name="Picture 2">
-            <a:extLst>
-              <a:ext uri="{FF2B5EF4-FFF2-40B4-BE49-F238E27FC236}">
-                <a16:creationId xmlns:a16="http://schemas.microsoft.com/office/drawing/2014/main" id="{88CC7D4C-7D31-4E3C-92F7-200A7C7F587F}"/>
+          <p:cNvPr id="1026" name="Picture 2" descr="How Transformers Work. Transformers are a type of neural… | by Giuliano  Giacaglia | Towards Data Science">
+            <a:extLst>
+              <a:ext uri="{FF2B5EF4-FFF2-40B4-BE49-F238E27FC236}">
+                <a16:creationId xmlns:a16="http://schemas.microsoft.com/office/drawing/2014/main" id="{FED52AE7-F17C-48CD-985B-9DE4870ABA36}"/>
               </a:ext>
             </a:extLst>
           </p:cNvPr>
           <p:cNvPicPr>
-            <a:picLocks noChangeAspect="1"/>
+            <a:picLocks noChangeAspect="1" noChangeArrowheads="1"/>
           </p:cNvPicPr>
           <p:nvPr/>
         </p:nvPicPr>
         <p:blipFill>
-          <a:blip r:embed="rId3"/>
+          <a:blip r:embed="rId3">
+            <a:extLst>
+              <a:ext uri="{28A0092B-C50C-407E-A947-70E740481C1C}">
+                <a14:useLocalDpi xmlns:a14="http://schemas.microsoft.com/office/drawing/2010/main" val="0"/>
+              </a:ext>
+            </a:extLst>
+          </a:blip>
+          <a:srcRect/>
           <a:stretch>
             <a:fillRect/>
           </a:stretch>
         </p:blipFill>
-        <p:spPr>
+        <p:spPr bwMode="auto">
           <a:xfrm>
-            <a:off x="0" y="365760"/>
-            <a:ext cx="3233668" cy="805144"/>
+            <a:off x="728663" y="2028825"/>
+            <a:ext cx="10734675" cy="2800350"/>
           </a:xfrm>
           <a:prstGeom prst="rect">
             <a:avLst/>
           </a:prstGeom>
+          <a:noFill/>
+          <a:extLst>
+            <a:ext uri="{909E8E84-426E-40DD-AFC4-6F175D3DCCD1}">
+              <a14:hiddenFill xmlns:a14="http://schemas.microsoft.com/office/drawing/2010/main">
+                <a:solidFill>
+                  <a:srgbClr val="FFFFFF"/>
+                </a:solidFill>
+              </a14:hiddenFill>
+            </a:ext>
+          </a:extLst>
         </p:spPr>
       </p:pic>
       <p:sp>
         <p:nvSpPr>
-          <p:cNvPr id="4" name="Title 1">
-            <a:extLst>
-              <a:ext uri="{FF2B5EF4-FFF2-40B4-BE49-F238E27FC236}">
-                <a16:creationId xmlns:a16="http://schemas.microsoft.com/office/drawing/2014/main" id="{474EB2BC-3221-47A1-8ADF-BF3126732B5F}"/>
-              </a:ext>
-            </a:extLst>
-          </p:cNvPr>
-          <p:cNvSpPr txBox="1">
-            <a:spLocks/>
-          </p:cNvSpPr>
+          <p:cNvPr id="6" name="TextBox 5">
+            <a:extLst>
+              <a:ext uri="{FF2B5EF4-FFF2-40B4-BE49-F238E27FC236}">
+                <a16:creationId xmlns:a16="http://schemas.microsoft.com/office/drawing/2014/main" id="{4D4D81D7-18B6-4EED-AF62-CA7FD0EED029}"/>
+              </a:ext>
+            </a:extLst>
+          </p:cNvPr>
+          <p:cNvSpPr txBox="1"/>
           <p:nvPr/>
         </p:nvSpPr>
         <p:spPr>
           <a:xfrm>
-            <a:off x="0" y="2705764"/>
-            <a:ext cx="12192000" cy="1446472"/>
+            <a:off x="0" y="6550223"/>
+            <a:ext cx="12192000" cy="307777"/>
           </a:xfrm>
           <a:prstGeom prst="rect">
             <a:avLst/>
@@ -8679,82 +11842,31 @@
           <a:noFill/>
         </p:spPr>
         <p:txBody>
-          <a:bodyPr vert="horz" lIns="91440" tIns="45720" rIns="91440" bIns="45720" rtlCol="0" anchor="ctr">
-            <a:noAutofit/>
+          <a:bodyPr wrap="square" rtlCol="0">
+            <a:spAutoFit/>
           </a:bodyPr>
-          <a:lstStyle>
-            <a:lvl1pPr algn="l" defTabSz="914400" rtl="0" eaLnBrk="1" latinLnBrk="0" hangingPunct="1">
-              <a:lnSpc>
-                <a:spcPct val="90000"/>
-              </a:lnSpc>
-              <a:spcBef>
-                <a:spcPct val="0"/>
-              </a:spcBef>
-              <a:buNone/>
-              <a:defRPr sz="4400" kern="1200">
-                <a:solidFill>
-                  <a:schemeClr val="tx1"/>
-                </a:solidFill>
-                <a:latin typeface="+mj-lt"/>
-                <a:ea typeface="+mj-ea"/>
-                <a:cs typeface="+mj-cs"/>
-              </a:defRPr>
-            </a:lvl1pPr>
-          </a:lstStyle>
-          <a:p>
-            <a:pPr algn="ctr"/>
-            <a:r>
-              <a:rPr lang="en-US" sz="3600" dirty="0">
+          <a:lstStyle/>
+          <a:p>
+            <a:r>
+              <a:rPr lang="en-US" sz="1400" dirty="0">
                 <a:solidFill>
                   <a:schemeClr val="tx1">
                     <a:lumMod val="65000"/>
                     <a:lumOff val="35000"/>
                   </a:schemeClr>
                 </a:solidFill>
-                <a:latin typeface="Palatino Linotype" panose="02040502050505030304" pitchFamily="18" charset="0"/>
+                <a:latin typeface="+mj-lt"/>
+                <a:ea typeface="Verdana" panose="020B0604030504040204" pitchFamily="34" charset="0"/>
               </a:rPr>
-              <a:t>Transformers Introduction</a:t>
-            </a:r>
-            <a:br>
-              <a:rPr lang="en-US" sz="3600" dirty="0">
-                <a:solidFill>
-                  <a:schemeClr val="tx1">
-                    <a:lumMod val="65000"/>
-                    <a:lumOff val="35000"/>
-                  </a:schemeClr>
-                </a:solidFill>
-                <a:latin typeface="Palatino Linotype" panose="02040502050505030304" pitchFamily="18" charset="0"/>
-              </a:rPr>
-            </a:br>
-            <a:r>
-              <a:rPr lang="en-US" sz="3600" dirty="0">
-                <a:solidFill>
-                  <a:schemeClr val="tx1">
-                    <a:lumMod val="65000"/>
-                    <a:lumOff val="35000"/>
-                  </a:schemeClr>
-                </a:solidFill>
-                <a:latin typeface="Palatino Linotype" panose="02040502050505030304" pitchFamily="18" charset="0"/>
-              </a:rPr>
-              <a:t>01.2_transformer_intro.ipynb</a:t>
-            </a:r>
-            <a:endParaRPr lang="en-US" sz="3600" dirty="0">
-              <a:solidFill>
-                <a:schemeClr val="tx1">
-                  <a:lumMod val="65000"/>
-                  <a:lumOff val="35000"/>
-                </a:schemeClr>
-              </a:solidFill>
-              <a:latin typeface="Palatino Linotype" panose="02040502050505030304" pitchFamily="18" charset="0"/>
-              <a:cs typeface="Segoe UI Light" panose="020B0502040204020203" pitchFamily="34" charset="0"/>
-            </a:endParaRPr>
+              <a:t>Image Credit: https://towardsdatascience.com/transformers-141e32e69591 </a:t>
+            </a:r>
           </a:p>
         </p:txBody>
       </p:sp>
     </p:spTree>
     <p:extLst>
       <p:ext uri="{BB962C8B-B14F-4D97-AF65-F5344CB8AC3E}">
-        <p14:creationId xmlns:p14="http://schemas.microsoft.com/office/powerpoint/2010/main" val="2261991877"/>
+        <p14:creationId xmlns:p14="http://schemas.microsoft.com/office/powerpoint/2010/main" val="168402881"/>
       </p:ext>
     </p:extLst>
   </p:cSld>
@@ -8793,12 +11905,59 @@
           <a:chExt cx="0" cy="0"/>
         </a:xfrm>
       </p:grpSpPr>
-      <p:sp>
-        <p:nvSpPr>
-          <p:cNvPr id="3" name="TextBox 2">
-            <a:extLst>
-              <a:ext uri="{FF2B5EF4-FFF2-40B4-BE49-F238E27FC236}">
-                <a16:creationId xmlns:a16="http://schemas.microsoft.com/office/drawing/2014/main" id="{C1E53685-A9F7-4FE0-ABDB-9B755F275882}"/>
+      <p:pic>
+        <p:nvPicPr>
+          <p:cNvPr id="1026" name="Picture 2">
+            <a:extLst>
+              <a:ext uri="{FF2B5EF4-FFF2-40B4-BE49-F238E27FC236}">
+                <a16:creationId xmlns:a16="http://schemas.microsoft.com/office/drawing/2014/main" id="{FE503794-D5F4-4DCA-A04D-B09764F0F577}"/>
+              </a:ext>
+            </a:extLst>
+          </p:cNvPr>
+          <p:cNvPicPr>
+            <a:picLocks noChangeAspect="1" noChangeArrowheads="1"/>
+          </p:cNvPicPr>
+          <p:nvPr/>
+        </p:nvPicPr>
+        <p:blipFill>
+          <a:blip r:embed="rId3">
+            <a:extLst>
+              <a:ext uri="{28A0092B-C50C-407E-A947-70E740481C1C}">
+                <a14:useLocalDpi xmlns:a14="http://schemas.microsoft.com/office/drawing/2010/main" val="0"/>
+              </a:ext>
+            </a:extLst>
+          </a:blip>
+          <a:srcRect/>
+          <a:stretch>
+            <a:fillRect/>
+          </a:stretch>
+        </p:blipFill>
+        <p:spPr bwMode="auto">
+          <a:xfrm>
+            <a:off x="1615608" y="511849"/>
+            <a:ext cx="8960784" cy="5834301"/>
+          </a:xfrm>
+          <a:prstGeom prst="rect">
+            <a:avLst/>
+          </a:prstGeom>
+          <a:noFill/>
+          <a:extLst>
+            <a:ext uri="{909E8E84-426E-40DD-AFC4-6F175D3DCCD1}">
+              <a14:hiddenFill xmlns:a14="http://schemas.microsoft.com/office/drawing/2010/main">
+                <a:solidFill>
+                  <a:srgbClr val="FFFFFF"/>
+                </a:solidFill>
+              </a14:hiddenFill>
+            </a:ext>
+          </a:extLst>
+        </p:spPr>
+      </p:pic>
+      <p:sp>
+        <p:nvSpPr>
+          <p:cNvPr id="5" name="TextBox 4">
+            <a:extLst>
+              <a:ext uri="{FF2B5EF4-FFF2-40B4-BE49-F238E27FC236}">
+                <a16:creationId xmlns:a16="http://schemas.microsoft.com/office/drawing/2014/main" id="{5DAE8B6E-8E41-4EB2-A73D-981EF441ED95}"/>
               </a:ext>
             </a:extLst>
           </p:cNvPr>
@@ -8832,332 +11991,85 @@
                 <a:latin typeface="+mj-lt"/>
                 <a:ea typeface="Verdana" panose="020B0604030504040204" pitchFamily="34" charset="0"/>
               </a:rPr>
-              <a:t>Source: Glassner, A. (2021). </a:t>
-            </a:r>
-            <a:r>
-              <a:rPr lang="en-US" sz="1400" i="1" dirty="0">
-                <a:solidFill>
-                  <a:schemeClr val="tx1">
-                    <a:lumMod val="65000"/>
-                    <a:lumOff val="35000"/>
-                  </a:schemeClr>
-                </a:solidFill>
-                <a:latin typeface="+mj-lt"/>
-                <a:ea typeface="Verdana" panose="020B0604030504040204" pitchFamily="34" charset="0"/>
-              </a:rPr>
-              <a:t>Deep learning: A visual approach</a:t>
-            </a:r>
-            <a:r>
-              <a:rPr lang="en-US" sz="1400" dirty="0">
-                <a:solidFill>
-                  <a:schemeClr val="tx1">
-                    <a:lumMod val="65000"/>
-                    <a:lumOff val="35000"/>
-                  </a:schemeClr>
-                </a:solidFill>
-                <a:latin typeface="+mj-lt"/>
-                <a:ea typeface="Verdana" panose="020B0604030504040204" pitchFamily="34" charset="0"/>
-              </a:rPr>
-              <a:t>. </a:t>
-            </a:r>
-            <a:r>
-              <a:rPr lang="en-US" sz="1400" b="0" i="0" dirty="0">
-                <a:solidFill>
-                  <a:schemeClr val="tx1">
-                    <a:lumMod val="65000"/>
-                    <a:lumOff val="35000"/>
-                  </a:schemeClr>
-                </a:solidFill>
-                <a:effectLst/>
-                <a:latin typeface="+mj-lt"/>
-                <a:ea typeface="Verdana" panose="020B0604030504040204" pitchFamily="34" charset="0"/>
-              </a:rPr>
-              <a:t>San Francisco, CA: No Starch Press. (Chapter </a:t>
-            </a:r>
-            <a:r>
-              <a:rPr lang="en-US" sz="1400" dirty="0">
-                <a:solidFill>
-                  <a:schemeClr val="tx1">
-                    <a:lumMod val="65000"/>
-                    <a:lumOff val="35000"/>
-                  </a:schemeClr>
-                </a:solidFill>
-                <a:latin typeface="+mj-lt"/>
-                <a:ea typeface="Verdana" panose="020B0604030504040204" pitchFamily="34" charset="0"/>
-              </a:rPr>
-              <a:t>20</a:t>
-            </a:r>
-            <a:r>
-              <a:rPr lang="en-US" sz="1400" b="0" i="0" dirty="0">
-                <a:solidFill>
-                  <a:schemeClr val="tx1">
-                    <a:lumMod val="65000"/>
-                    <a:lumOff val="35000"/>
-                  </a:schemeClr>
-                </a:solidFill>
-                <a:effectLst/>
-                <a:latin typeface="+mj-lt"/>
-                <a:ea typeface="Verdana" panose="020B0604030504040204" pitchFamily="34" charset="0"/>
-              </a:rPr>
-              <a:t>)</a:t>
-            </a:r>
-            <a:endParaRPr lang="en-US" sz="1400" dirty="0">
-              <a:solidFill>
-                <a:schemeClr val="tx1">
-                  <a:lumMod val="65000"/>
-                  <a:lumOff val="35000"/>
-                </a:schemeClr>
-              </a:solidFill>
-              <a:latin typeface="+mj-lt"/>
-              <a:ea typeface="Verdana" panose="020B0604030504040204" pitchFamily="34" charset="0"/>
-            </a:endParaRPr>
-          </a:p>
-        </p:txBody>
-      </p:sp>
-      <p:pic>
-        <p:nvPicPr>
-          <p:cNvPr id="6" name="Picture 5">
-            <a:extLst>
-              <a:ext uri="{FF2B5EF4-FFF2-40B4-BE49-F238E27FC236}">
-                <a16:creationId xmlns:a16="http://schemas.microsoft.com/office/drawing/2014/main" id="{6D6EB62B-2AF5-414F-AE49-8A9F33BF1690}"/>
-              </a:ext>
-            </a:extLst>
-          </p:cNvPr>
-          <p:cNvPicPr>
-            <a:picLocks noChangeAspect="1"/>
-          </p:cNvPicPr>
+              <a:t>Image Credit: https://towardsdatascience.com/transformers-141e32e69591 </a:t>
+            </a:r>
+          </a:p>
+        </p:txBody>
+      </p:sp>
+      <p:sp>
+        <p:nvSpPr>
+          <p:cNvPr id="2" name="TextBox 1">
+            <a:extLst>
+              <a:ext uri="{FF2B5EF4-FFF2-40B4-BE49-F238E27FC236}">
+                <a16:creationId xmlns:a16="http://schemas.microsoft.com/office/drawing/2014/main" id="{542A7E4E-4958-43D4-A278-45F74B23B12C}"/>
+              </a:ext>
+            </a:extLst>
+          </p:cNvPr>
+          <p:cNvSpPr txBox="1"/>
           <p:nvPr/>
-        </p:nvPicPr>
-        <p:blipFill>
-          <a:blip r:embed="rId3"/>
-          <a:stretch>
-            <a:fillRect/>
-          </a:stretch>
-        </p:blipFill>
+        </p:nvSpPr>
         <p:spPr>
           <a:xfrm>
-            <a:off x="2694334" y="3645875"/>
-            <a:ext cx="2635250" cy="635000"/>
+            <a:off x="484909" y="5363289"/>
+            <a:ext cx="1463208" cy="246221"/>
           </a:xfrm>
           <a:prstGeom prst="rect">
             <a:avLst/>
           </a:prstGeom>
-          <a:effectLst>
-            <a:outerShdw blurRad="50800" dist="38100" dir="2700000" algn="tl" rotWithShape="0">
-              <a:prstClr val="black">
-                <a:alpha val="40000"/>
-              </a:prstClr>
-            </a:outerShdw>
-          </a:effectLst>
+          <a:noFill/>
         </p:spPr>
-      </p:pic>
-      <p:sp>
-        <p:nvSpPr>
-          <p:cNvPr id="20" name="Title 1">
-            <a:extLst>
-              <a:ext uri="{FF2B5EF4-FFF2-40B4-BE49-F238E27FC236}">
-                <a16:creationId xmlns:a16="http://schemas.microsoft.com/office/drawing/2014/main" id="{A768B6E7-76B8-4DF1-9B5C-732BFB29136A}"/>
-              </a:ext>
-            </a:extLst>
-          </p:cNvPr>
-          <p:cNvSpPr>
-            <a:spLocks noGrp="1"/>
-          </p:cNvSpPr>
-          <p:nvPr>
-            <p:ph type="title"/>
-          </p:nvPr>
+        <p:txBody>
+          <a:bodyPr wrap="square" rtlCol="0">
+            <a:spAutoFit/>
+          </a:bodyPr>
+          <a:lstStyle/>
+          <a:p>
+            <a:r>
+              <a:rPr lang="en-US" sz="1000" dirty="0"/>
+              <a:t>Add – Embedding Layer</a:t>
+            </a:r>
+          </a:p>
+        </p:txBody>
+      </p:sp>
+      <p:sp>
+        <p:nvSpPr>
+          <p:cNvPr id="6" name="TextBox 5">
+            <a:extLst>
+              <a:ext uri="{FF2B5EF4-FFF2-40B4-BE49-F238E27FC236}">
+                <a16:creationId xmlns:a16="http://schemas.microsoft.com/office/drawing/2014/main" id="{706383F2-2A91-4DB3-A7AC-3DDDC83DF3E6}"/>
+              </a:ext>
+            </a:extLst>
+          </p:cNvPr>
+          <p:cNvSpPr txBox="1"/>
+          <p:nvPr/>
         </p:nvSpPr>
         <p:spPr>
           <a:xfrm>
-            <a:off x="0" y="793808"/>
-            <a:ext cx="12192000" cy="606943"/>
-          </a:xfrm>
-          <a:noFill/>
-        </p:spPr>
-        <p:txBody>
-          <a:bodyPr>
-            <a:noAutofit/>
-          </a:bodyPr>
-          <a:lstStyle/>
-          <a:p>
-            <a:pPr algn="ctr"/>
-            <a:r>
-              <a:rPr lang="en-US" sz="3600" dirty="0">
-                <a:solidFill>
-                  <a:schemeClr val="tx1">
-                    <a:lumMod val="65000"/>
-                    <a:lumOff val="35000"/>
-                  </a:schemeClr>
-                </a:solidFill>
-                <a:latin typeface="Palatino Linotype" panose="02040502050505030304" pitchFamily="18" charset="0"/>
-              </a:rPr>
-              <a:t>Transformer Building Blocks</a:t>
-            </a:r>
-            <a:endParaRPr lang="en-US" sz="3600" dirty="0">
-              <a:solidFill>
-                <a:schemeClr val="tx1">
-                  <a:lumMod val="65000"/>
-                  <a:lumOff val="35000"/>
-                </a:schemeClr>
-              </a:solidFill>
-              <a:latin typeface="Palatino Linotype" panose="02040502050505030304" pitchFamily="18" charset="0"/>
-              <a:cs typeface="Segoe UI Light" panose="020B0502040204020203" pitchFamily="34" charset="0"/>
-            </a:endParaRPr>
-          </a:p>
-        </p:txBody>
-      </p:sp>
-      <p:pic>
-        <p:nvPicPr>
-          <p:cNvPr id="4" name="Picture 3">
-            <a:extLst>
-              <a:ext uri="{FF2B5EF4-FFF2-40B4-BE49-F238E27FC236}">
-                <a16:creationId xmlns:a16="http://schemas.microsoft.com/office/drawing/2014/main" id="{A4ABC55C-676F-4AE7-9EF2-40151F173FE9}"/>
-              </a:ext>
-            </a:extLst>
-          </p:cNvPr>
-          <p:cNvPicPr>
-            <a:picLocks noChangeAspect="1"/>
-          </p:cNvPicPr>
-          <p:nvPr/>
-        </p:nvPicPr>
-        <p:blipFill>
-          <a:blip r:embed="rId4"/>
-          <a:stretch>
-            <a:fillRect/>
-          </a:stretch>
-        </p:blipFill>
-        <p:spPr>
-          <a:xfrm>
-            <a:off x="3934266" y="3067016"/>
-            <a:ext cx="2260600" cy="635000"/>
+            <a:off x="9844788" y="1082234"/>
+            <a:ext cx="1463208" cy="246221"/>
           </a:xfrm>
           <a:prstGeom prst="rect">
             <a:avLst/>
           </a:prstGeom>
-          <a:effectLst>
-            <a:outerShdw blurRad="50800" dist="38100" dir="2700000" algn="tl" rotWithShape="0">
-              <a:prstClr val="black">
-                <a:alpha val="40000"/>
-              </a:prstClr>
-            </a:outerShdw>
-          </a:effectLst>
+          <a:noFill/>
         </p:spPr>
-      </p:pic>
-      <p:pic>
-        <p:nvPicPr>
-          <p:cNvPr id="7" name="Picture 6">
-            <a:extLst>
-              <a:ext uri="{FF2B5EF4-FFF2-40B4-BE49-F238E27FC236}">
-                <a16:creationId xmlns:a16="http://schemas.microsoft.com/office/drawing/2014/main" id="{9E7D3A10-885E-4555-A8EB-85F51F078300}"/>
-              </a:ext>
-            </a:extLst>
-          </p:cNvPr>
-          <p:cNvPicPr>
-            <a:picLocks noChangeAspect="1"/>
-          </p:cNvPicPr>
-          <p:nvPr/>
-        </p:nvPicPr>
-        <p:blipFill>
-          <a:blip r:embed="rId5"/>
-          <a:stretch>
-            <a:fillRect/>
-          </a:stretch>
-        </p:blipFill>
-        <p:spPr>
-          <a:xfrm>
-            <a:off x="6184787" y="3066415"/>
-            <a:ext cx="2755900" cy="635000"/>
-          </a:xfrm>
-          <a:prstGeom prst="rect">
-            <a:avLst/>
-          </a:prstGeom>
-          <a:effectLst>
-            <a:outerShdw blurRad="50800" dist="38100" dir="2700000" algn="tl" rotWithShape="0">
-              <a:prstClr val="black">
-                <a:alpha val="40000"/>
-              </a:prstClr>
-            </a:outerShdw>
-          </a:effectLst>
-        </p:spPr>
-      </p:pic>
-      <p:pic>
-        <p:nvPicPr>
-          <p:cNvPr id="11" name="Picture 10">
-            <a:extLst>
-              <a:ext uri="{FF2B5EF4-FFF2-40B4-BE49-F238E27FC236}">
-                <a16:creationId xmlns:a16="http://schemas.microsoft.com/office/drawing/2014/main" id="{7F15C6DC-63DA-408A-978F-237989161F42}"/>
-              </a:ext>
-            </a:extLst>
-          </p:cNvPr>
-          <p:cNvPicPr>
-            <a:picLocks noChangeAspect="1"/>
-          </p:cNvPicPr>
-          <p:nvPr/>
-        </p:nvPicPr>
-        <p:blipFill>
-          <a:blip r:embed="rId6"/>
-          <a:stretch>
-            <a:fillRect/>
-          </a:stretch>
-        </p:blipFill>
-        <p:spPr>
-          <a:xfrm>
-            <a:off x="7135894" y="3644924"/>
-            <a:ext cx="2451100" cy="635000"/>
-          </a:xfrm>
-          <a:prstGeom prst="rect">
-            <a:avLst/>
-          </a:prstGeom>
-          <a:effectLst>
-            <a:outerShdw blurRad="50800" dist="38100" dir="2700000" algn="tl" rotWithShape="0">
-              <a:prstClr val="black">
-                <a:alpha val="40000"/>
-              </a:prstClr>
-            </a:outerShdw>
-          </a:effectLst>
-        </p:spPr>
-      </p:pic>
-      <p:pic>
-        <p:nvPicPr>
-          <p:cNvPr id="15" name="Picture 14">
-            <a:extLst>
-              <a:ext uri="{FF2B5EF4-FFF2-40B4-BE49-F238E27FC236}">
-                <a16:creationId xmlns:a16="http://schemas.microsoft.com/office/drawing/2014/main" id="{DC963BF3-EA52-4DF2-B0BF-8AC021FFE85A}"/>
-              </a:ext>
-            </a:extLst>
-          </p:cNvPr>
-          <p:cNvPicPr>
-            <a:picLocks noChangeAspect="1"/>
-          </p:cNvPicPr>
-          <p:nvPr/>
-        </p:nvPicPr>
-        <p:blipFill>
-          <a:blip r:embed="rId7"/>
-          <a:stretch>
-            <a:fillRect/>
-          </a:stretch>
-        </p:blipFill>
-        <p:spPr>
-          <a:xfrm>
-            <a:off x="5385341" y="3644924"/>
-            <a:ext cx="1790700" cy="635000"/>
-          </a:xfrm>
-          <a:prstGeom prst="rect">
-            <a:avLst/>
-          </a:prstGeom>
-          <a:effectLst>
-            <a:outerShdw blurRad="50800" dist="38100" dir="2700000" algn="tl" rotWithShape="0">
-              <a:prstClr val="black">
-                <a:alpha val="40000"/>
-              </a:prstClr>
-            </a:outerShdw>
-          </a:effectLst>
-        </p:spPr>
-      </p:pic>
+        <p:txBody>
+          <a:bodyPr wrap="square" rtlCol="0">
+            <a:spAutoFit/>
+          </a:bodyPr>
+          <a:lstStyle/>
+          <a:p>
+            <a:r>
+              <a:rPr lang="en-US" sz="1000" dirty="0"/>
+              <a:t>Add – Embedding Layer</a:t>
+            </a:r>
+          </a:p>
+        </p:txBody>
+      </p:sp>
     </p:spTree>
     <p:extLst>
       <p:ext uri="{BB962C8B-B14F-4D97-AF65-F5344CB8AC3E}">
-        <p14:creationId xmlns:p14="http://schemas.microsoft.com/office/powerpoint/2010/main" val="3602552699"/>
+        <p14:creationId xmlns:p14="http://schemas.microsoft.com/office/powerpoint/2010/main" val="748552708"/>
       </p:ext>
     </p:extLst>
   </p:cSld>

--- a/presentations/01_transformers_intro.pptx
+++ b/presentations/01_transformers_intro.pptx
@@ -230,7 +230,7 @@
           <a:p>
             <a:fld id="{FD93C9B2-20F6-4DB1-B471-224337D0AC79}" type="datetimeFigureOut">
               <a:rPr lang="en-US" smtClean="0"/>
-              <a:t>8/19/2022</a:t>
+              <a:t>8/23/2022</a:t>
             </a:fld>
             <a:endParaRPr lang="en-US"/>
           </a:p>
@@ -795,7 +795,7 @@
                 <a:effectLst/>
                 <a:latin typeface="+mn-lt"/>
               </a:rPr>
-              <a:t>In summary, all the Encoders are identical to each other. Likewise, all the Decoders are identical to each other.  A couple key points in review:</a:t>
+              <a:t>In summary, all the Encoders are identical to each other, and all the Decoders are identical to each other.  A quick recap and review:</a:t>
             </a:r>
           </a:p>
           <a:p>
@@ -1720,7 +1720,7 @@
                 <a:effectLst/>
                 <a:latin typeface="+mn-lt"/>
               </a:rPr>
-              <a:t>An encoder may feature multiple transformer building blocks.  Here we see an encoder comprised of a self-attention layer as well as a couple of layer norm layers.  Additionally, residual skip connections allow this encoder to bypass the self-attention and feed forward layers as needed.  We will discuss these unique transformer building blocks in just a moment…</a:t>
+              <a:t>An encoder may feature multiple transformer building blocks.  The encoder pictured here, for example, contains both a self-attention and feed-forward layer.  After each, a layer norm operation is executed.  And two skip connections complete this design. </a:t>
             </a:r>
           </a:p>
           <a:p>
@@ -1732,6 +1732,19 @@
               <a:effectLst/>
               <a:latin typeface="+mn-lt"/>
             </a:endParaRPr>
+          </a:p>
+          <a:p>
+            <a:pPr algn="l"/>
+            <a:r>
+              <a:rPr lang="en-US" b="0" i="0" dirty="0">
+                <a:solidFill>
+                  <a:srgbClr val="292929"/>
+                </a:solidFill>
+                <a:effectLst/>
+                <a:latin typeface="+mn-lt"/>
+              </a:rPr>
+              <a:t>The important topic of attention is discussed in our next session…</a:t>
+            </a:r>
           </a:p>
         </p:txBody>
       </p:sp>
@@ -3027,7 +3040,62 @@
                 <a:effectLst/>
                 <a:latin typeface="charter"/>
               </a:rPr>
-              <a:t>The answer to the bottleneck problem appeared in 2017, in a paper entitled, “</a:t>
+              <a:t>The RNN bottleneck limited the usefulness of this architecture. </a:t>
+            </a:r>
+          </a:p>
+          <a:p>
+            <a:pPr marL="0" marR="0" lvl="0" indent="0" algn="l" defTabSz="914400" rtl="0" eaLnBrk="1" fontAlgn="auto" latinLnBrk="0" hangingPunct="1">
+              <a:lnSpc>
+                <a:spcPct val="100000"/>
+              </a:lnSpc>
+              <a:spcBef>
+                <a:spcPts val="0"/>
+              </a:spcBef>
+              <a:spcAft>
+                <a:spcPts val="0"/>
+              </a:spcAft>
+              <a:buClrTx/>
+              <a:buSzTx/>
+              <a:buFontTx/>
+              <a:buNone/>
+              <a:tabLst/>
+              <a:defRPr/>
+            </a:pPr>
+            <a:endParaRPr lang="en-US" b="0" i="0" dirty="0">
+              <a:solidFill>
+                <a:srgbClr val="292929"/>
+              </a:solidFill>
+              <a:effectLst/>
+              <a:latin typeface="charter"/>
+            </a:endParaRPr>
+          </a:p>
+          <a:p>
+            <a:pPr marL="228600" marR="0" lvl="0" indent="-228600" algn="l" defTabSz="914400" rtl="0" eaLnBrk="1" fontAlgn="auto" latinLnBrk="0" hangingPunct="1">
+              <a:lnSpc>
+                <a:spcPct val="100000"/>
+              </a:lnSpc>
+              <a:spcBef>
+                <a:spcPts val="0"/>
+              </a:spcBef>
+              <a:spcAft>
+                <a:spcPts val="0"/>
+              </a:spcAft>
+              <a:buClrTx/>
+              <a:buSzTx/>
+              <a:buFontTx/>
+              <a:buAutoNum type="arabicPeriod"/>
+              <a:tabLst/>
+              <a:defRPr/>
+            </a:pPr>
+            <a:r>
+              <a:rPr lang="en-US" b="0" i="0" dirty="0">
+                <a:solidFill>
+                  <a:srgbClr val="292929"/>
+                </a:solidFill>
+                <a:effectLst/>
+                <a:latin typeface="charter"/>
+              </a:rPr>
+              <a:t>But an answer to the problem appeared in 2017, in a paper entitled, “</a:t>
             </a:r>
             <a:r>
               <a:rPr lang="en-US" b="0" i="1" dirty="0">
@@ -3047,8 +3115,34 @@
                 <a:effectLst/>
                 <a:latin typeface="charter"/>
               </a:rPr>
-              <a:t>.”  The transformer was born.  And since then, it has proven to be an effective AI tool, used in a variety of ways.</a:t>
-            </a:r>
+              <a:t>.”  The transformer was born.  And since then, it has proven to be a powerful and capable architecture, used in a variety of ways.</a:t>
+            </a:r>
+          </a:p>
+          <a:p>
+            <a:pPr marL="0" marR="0" lvl="0" indent="0" algn="l" defTabSz="914400" rtl="0" eaLnBrk="1" fontAlgn="auto" latinLnBrk="0" hangingPunct="1">
+              <a:lnSpc>
+                <a:spcPct val="100000"/>
+              </a:lnSpc>
+              <a:spcBef>
+                <a:spcPts val="0"/>
+              </a:spcBef>
+              <a:spcAft>
+                <a:spcPts val="0"/>
+              </a:spcAft>
+              <a:buClrTx/>
+              <a:buSzTx/>
+              <a:buFontTx/>
+              <a:buNone/>
+              <a:tabLst/>
+              <a:defRPr/>
+            </a:pPr>
+            <a:endParaRPr lang="en-US" b="0" i="0" dirty="0">
+              <a:solidFill>
+                <a:srgbClr val="292929"/>
+              </a:solidFill>
+              <a:effectLst/>
+              <a:latin typeface="charter"/>
+            </a:endParaRPr>
           </a:p>
           <a:p>
             <a:pPr marL="0" marR="0" lvl="0" indent="0" algn="l" defTabSz="914400" rtl="0" eaLnBrk="1" fontAlgn="auto" latinLnBrk="0" hangingPunct="1">
@@ -3676,7 +3770,7 @@
           <a:p>
             <a:fld id="{C3F78080-8D0A-4BE8-A5B4-CB115102D524}" type="datetimeFigureOut">
               <a:rPr lang="en-US" smtClean="0"/>
-              <a:t>8/19/2022</a:t>
+              <a:t>8/23/2022</a:t>
             </a:fld>
             <a:endParaRPr lang="en-US"/>
           </a:p>
@@ -3874,7 +3968,7 @@
           <a:p>
             <a:fld id="{C3F78080-8D0A-4BE8-A5B4-CB115102D524}" type="datetimeFigureOut">
               <a:rPr lang="en-US" smtClean="0"/>
-              <a:t>8/19/2022</a:t>
+              <a:t>8/23/2022</a:t>
             </a:fld>
             <a:endParaRPr lang="en-US"/>
           </a:p>
@@ -4082,7 +4176,7 @@
           <a:p>
             <a:fld id="{C3F78080-8D0A-4BE8-A5B4-CB115102D524}" type="datetimeFigureOut">
               <a:rPr lang="en-US" smtClean="0"/>
-              <a:t>8/19/2022</a:t>
+              <a:t>8/23/2022</a:t>
             </a:fld>
             <a:endParaRPr lang="en-US"/>
           </a:p>
@@ -4280,7 +4374,7 @@
           <a:p>
             <a:fld id="{C3F78080-8D0A-4BE8-A5B4-CB115102D524}" type="datetimeFigureOut">
               <a:rPr lang="en-US" smtClean="0"/>
-              <a:t>8/19/2022</a:t>
+              <a:t>8/23/2022</a:t>
             </a:fld>
             <a:endParaRPr lang="en-US"/>
           </a:p>
@@ -4555,7 +4649,7 @@
           <a:p>
             <a:fld id="{C3F78080-8D0A-4BE8-A5B4-CB115102D524}" type="datetimeFigureOut">
               <a:rPr lang="en-US" smtClean="0"/>
-              <a:t>8/19/2022</a:t>
+              <a:t>8/23/2022</a:t>
             </a:fld>
             <a:endParaRPr lang="en-US"/>
           </a:p>
@@ -4820,7 +4914,7 @@
           <a:p>
             <a:fld id="{C3F78080-8D0A-4BE8-A5B4-CB115102D524}" type="datetimeFigureOut">
               <a:rPr lang="en-US" smtClean="0"/>
-              <a:t>8/19/2022</a:t>
+              <a:t>8/23/2022</a:t>
             </a:fld>
             <a:endParaRPr lang="en-US"/>
           </a:p>
@@ -5232,7 +5326,7 @@
           <a:p>
             <a:fld id="{C3F78080-8D0A-4BE8-A5B4-CB115102D524}" type="datetimeFigureOut">
               <a:rPr lang="en-US" smtClean="0"/>
-              <a:t>8/19/2022</a:t>
+              <a:t>8/23/2022</a:t>
             </a:fld>
             <a:endParaRPr lang="en-US"/>
           </a:p>
@@ -5373,7 +5467,7 @@
           <a:p>
             <a:fld id="{C3F78080-8D0A-4BE8-A5B4-CB115102D524}" type="datetimeFigureOut">
               <a:rPr lang="en-US" smtClean="0"/>
-              <a:t>8/19/2022</a:t>
+              <a:t>8/23/2022</a:t>
             </a:fld>
             <a:endParaRPr lang="en-US"/>
           </a:p>
@@ -5486,7 +5580,7 @@
           <a:p>
             <a:fld id="{C3F78080-8D0A-4BE8-A5B4-CB115102D524}" type="datetimeFigureOut">
               <a:rPr lang="en-US" smtClean="0"/>
-              <a:t>8/19/2022</a:t>
+              <a:t>8/23/2022</a:t>
             </a:fld>
             <a:endParaRPr lang="en-US"/>
           </a:p>
@@ -5797,7 +5891,7 @@
           <a:p>
             <a:fld id="{C3F78080-8D0A-4BE8-A5B4-CB115102D524}" type="datetimeFigureOut">
               <a:rPr lang="en-US" smtClean="0"/>
-              <a:t>8/19/2022</a:t>
+              <a:t>8/23/2022</a:t>
             </a:fld>
             <a:endParaRPr lang="en-US"/>
           </a:p>
@@ -6085,7 +6179,7 @@
           <a:p>
             <a:fld id="{C3F78080-8D0A-4BE8-A5B4-CB115102D524}" type="datetimeFigureOut">
               <a:rPr lang="en-US" smtClean="0"/>
-              <a:t>8/19/2022</a:t>
+              <a:t>8/23/2022</a:t>
             </a:fld>
             <a:endParaRPr lang="en-US"/>
           </a:p>
@@ -6326,7 +6420,7 @@
           <a:p>
             <a:fld id="{C3F78080-8D0A-4BE8-A5B4-CB115102D524}" type="datetimeFigureOut">
               <a:rPr lang="en-US" smtClean="0"/>
-              <a:t>8/19/2022</a:t>
+              <a:t>8/23/2022</a:t>
             </a:fld>
             <a:endParaRPr lang="en-US"/>
           </a:p>
@@ -9585,7 +9679,10 @@
             <a:r>
               <a:rPr lang="en-US" dirty="0">
                 <a:solidFill>
-                  <a:srgbClr val="303463"/>
+                  <a:schemeClr val="tx1">
+                    <a:lumMod val="75000"/>
+                    <a:lumOff val="25000"/>
+                  </a:schemeClr>
                 </a:solidFill>
                 <a:latin typeface="Palatino Linotype" panose="02040502050505030304" pitchFamily="18" charset="0"/>
               </a:rPr>
@@ -11629,7 +11726,7 @@
         </p:nvSpPr>
         <p:spPr>
           <a:xfrm>
-            <a:off x="0" y="3125528"/>
+            <a:off x="0" y="1367464"/>
             <a:ext cx="12192000" cy="606943"/>
           </a:xfrm>
           <a:prstGeom prst="rect">
@@ -11672,7 +11769,7 @@
                 </a:solidFill>
                 <a:latin typeface="Palatino Linotype" panose="02040502050505030304" pitchFamily="18" charset="0"/>
               </a:rPr>
-              <a:t>Attention is All You Need…</a:t>
+              <a:t>Attention is All You Need (2017)</a:t>
             </a:r>
             <a:endParaRPr lang="en-US" sz="3600" dirty="0">
               <a:solidFill>
@@ -11687,6 +11784,53 @@
           </a:p>
         </p:txBody>
       </p:sp>
+      <p:pic>
+        <p:nvPicPr>
+          <p:cNvPr id="1028" name="Picture 4">
+            <a:extLst>
+              <a:ext uri="{FF2B5EF4-FFF2-40B4-BE49-F238E27FC236}">
+                <a16:creationId xmlns:a16="http://schemas.microsoft.com/office/drawing/2014/main" id="{5813673D-6CFB-F002-8227-ABCF47FD058B}"/>
+              </a:ext>
+            </a:extLst>
+          </p:cNvPr>
+          <p:cNvPicPr>
+            <a:picLocks noChangeAspect="1" noChangeArrowheads="1"/>
+          </p:cNvPicPr>
+          <p:nvPr/>
+        </p:nvPicPr>
+        <p:blipFill>
+          <a:blip r:embed="rId3">
+            <a:extLst>
+              <a:ext uri="{28A0092B-C50C-407E-A947-70E740481C1C}">
+                <a14:useLocalDpi xmlns:a14="http://schemas.microsoft.com/office/drawing/2010/main" val="0"/>
+              </a:ext>
+            </a:extLst>
+          </a:blip>
+          <a:srcRect/>
+          <a:stretch>
+            <a:fillRect/>
+          </a:stretch>
+        </p:blipFill>
+        <p:spPr bwMode="auto">
+          <a:xfrm>
+            <a:off x="2262462" y="2773807"/>
+            <a:ext cx="7667075" cy="2383981"/>
+          </a:xfrm>
+          <a:prstGeom prst="rect">
+            <a:avLst/>
+          </a:prstGeom>
+          <a:noFill/>
+          <a:extLst>
+            <a:ext uri="{909E8E84-426E-40DD-AFC4-6F175D3DCCD1}">
+              <a14:hiddenFill xmlns:a14="http://schemas.microsoft.com/office/drawing/2010/main">
+                <a:solidFill>
+                  <a:srgbClr val="FFFFFF"/>
+                </a:solidFill>
+              </a14:hiddenFill>
+            </a:ext>
+          </a:extLst>
+        </p:spPr>
+      </p:pic>
     </p:spTree>
     <p:extLst>
       <p:ext uri="{BB962C8B-B14F-4D97-AF65-F5344CB8AC3E}">
@@ -11697,6 +11841,92 @@
   <p:clrMapOvr>
     <a:masterClrMapping/>
   </p:clrMapOvr>
+  <p:timing>
+    <p:tnLst>
+      <p:par>
+        <p:cTn id="1" dur="indefinite" restart="never" nodeType="tmRoot">
+          <p:childTnLst>
+            <p:seq concurrent="1" nextAc="seek">
+              <p:cTn id="2" dur="indefinite" nodeType="mainSeq">
+                <p:childTnLst>
+                  <p:par>
+                    <p:cTn id="3" fill="hold">
+                      <p:stCondLst>
+                        <p:cond delay="indefinite"/>
+                      </p:stCondLst>
+                      <p:childTnLst>
+                        <p:par>
+                          <p:cTn id="4" fill="hold">
+                            <p:stCondLst>
+                              <p:cond delay="0"/>
+                            </p:stCondLst>
+                            <p:childTnLst>
+                              <p:par>
+                                <p:cTn id="5" presetID="10" presetClass="entr" presetSubtype="0" fill="hold" grpId="0" nodeType="clickEffect">
+                                  <p:stCondLst>
+                                    <p:cond delay="0"/>
+                                  </p:stCondLst>
+                                  <p:childTnLst>
+                                    <p:set>
+                                      <p:cBhvr>
+                                        <p:cTn id="6" dur="1" fill="hold">
+                                          <p:stCondLst>
+                                            <p:cond delay="0"/>
+                                          </p:stCondLst>
+                                        </p:cTn>
+                                        <p:tgtEl>
+                                          <p:spTgt spid="2"/>
+                                        </p:tgtEl>
+                                        <p:attrNameLst>
+                                          <p:attrName>style.visibility</p:attrName>
+                                        </p:attrNameLst>
+                                      </p:cBhvr>
+                                      <p:to>
+                                        <p:strVal val="visible"/>
+                                      </p:to>
+                                    </p:set>
+                                    <p:animEffect transition="in" filter="fade">
+                                      <p:cBhvr>
+                                        <p:cTn id="7" dur="500"/>
+                                        <p:tgtEl>
+                                          <p:spTgt spid="2"/>
+                                        </p:tgtEl>
+                                      </p:cBhvr>
+                                    </p:animEffect>
+                                  </p:childTnLst>
+                                </p:cTn>
+                              </p:par>
+                            </p:childTnLst>
+                          </p:cTn>
+                        </p:par>
+                      </p:childTnLst>
+                    </p:cTn>
+                  </p:par>
+                </p:childTnLst>
+              </p:cTn>
+              <p:prevCondLst>
+                <p:cond evt="onPrev" delay="0">
+                  <p:tgtEl>
+                    <p:sldTgt/>
+                  </p:tgtEl>
+                </p:cond>
+              </p:prevCondLst>
+              <p:nextCondLst>
+                <p:cond evt="onNext" delay="0">
+                  <p:tgtEl>
+                    <p:sldTgt/>
+                  </p:tgtEl>
+                </p:cond>
+              </p:nextCondLst>
+            </p:seq>
+          </p:childTnLst>
+        </p:cTn>
+      </p:par>
+    </p:tnLst>
+    <p:bldLst>
+      <p:bldP spid="2" grpId="0"/>
+    </p:bldLst>
+  </p:timing>
 </p:sld>
 </file>
 

--- a/presentations/01_transformers_intro.pptx
+++ b/presentations/01_transformers_intro.pptx
@@ -230,7 +230,7 @@
           <a:p>
             <a:fld id="{FD93C9B2-20F6-4DB1-B471-224337D0AC79}" type="datetimeFigureOut">
               <a:rPr lang="en-US" smtClean="0"/>
-              <a:t>8/23/2022</a:t>
+              <a:t>9/6/2022</a:t>
             </a:fld>
             <a:endParaRPr lang="en-US"/>
           </a:p>
@@ -3770,7 +3770,7 @@
           <a:p>
             <a:fld id="{C3F78080-8D0A-4BE8-A5B4-CB115102D524}" type="datetimeFigureOut">
               <a:rPr lang="en-US" smtClean="0"/>
-              <a:t>8/23/2022</a:t>
+              <a:t>9/6/2022</a:t>
             </a:fld>
             <a:endParaRPr lang="en-US"/>
           </a:p>
@@ -3968,7 +3968,7 @@
           <a:p>
             <a:fld id="{C3F78080-8D0A-4BE8-A5B4-CB115102D524}" type="datetimeFigureOut">
               <a:rPr lang="en-US" smtClean="0"/>
-              <a:t>8/23/2022</a:t>
+              <a:t>9/6/2022</a:t>
             </a:fld>
             <a:endParaRPr lang="en-US"/>
           </a:p>
@@ -4176,7 +4176,7 @@
           <a:p>
             <a:fld id="{C3F78080-8D0A-4BE8-A5B4-CB115102D524}" type="datetimeFigureOut">
               <a:rPr lang="en-US" smtClean="0"/>
-              <a:t>8/23/2022</a:t>
+              <a:t>9/6/2022</a:t>
             </a:fld>
             <a:endParaRPr lang="en-US"/>
           </a:p>
@@ -4374,7 +4374,7 @@
           <a:p>
             <a:fld id="{C3F78080-8D0A-4BE8-A5B4-CB115102D524}" type="datetimeFigureOut">
               <a:rPr lang="en-US" smtClean="0"/>
-              <a:t>8/23/2022</a:t>
+              <a:t>9/6/2022</a:t>
             </a:fld>
             <a:endParaRPr lang="en-US"/>
           </a:p>
@@ -4649,7 +4649,7 @@
           <a:p>
             <a:fld id="{C3F78080-8D0A-4BE8-A5B4-CB115102D524}" type="datetimeFigureOut">
               <a:rPr lang="en-US" smtClean="0"/>
-              <a:t>8/23/2022</a:t>
+              <a:t>9/6/2022</a:t>
             </a:fld>
             <a:endParaRPr lang="en-US"/>
           </a:p>
@@ -4914,7 +4914,7 @@
           <a:p>
             <a:fld id="{C3F78080-8D0A-4BE8-A5B4-CB115102D524}" type="datetimeFigureOut">
               <a:rPr lang="en-US" smtClean="0"/>
-              <a:t>8/23/2022</a:t>
+              <a:t>9/6/2022</a:t>
             </a:fld>
             <a:endParaRPr lang="en-US"/>
           </a:p>
@@ -5326,7 +5326,7 @@
           <a:p>
             <a:fld id="{C3F78080-8D0A-4BE8-A5B4-CB115102D524}" type="datetimeFigureOut">
               <a:rPr lang="en-US" smtClean="0"/>
-              <a:t>8/23/2022</a:t>
+              <a:t>9/6/2022</a:t>
             </a:fld>
             <a:endParaRPr lang="en-US"/>
           </a:p>
@@ -5467,7 +5467,7 @@
           <a:p>
             <a:fld id="{C3F78080-8D0A-4BE8-A5B4-CB115102D524}" type="datetimeFigureOut">
               <a:rPr lang="en-US" smtClean="0"/>
-              <a:t>8/23/2022</a:t>
+              <a:t>9/6/2022</a:t>
             </a:fld>
             <a:endParaRPr lang="en-US"/>
           </a:p>
@@ -5580,7 +5580,7 @@
           <a:p>
             <a:fld id="{C3F78080-8D0A-4BE8-A5B4-CB115102D524}" type="datetimeFigureOut">
               <a:rPr lang="en-US" smtClean="0"/>
-              <a:t>8/23/2022</a:t>
+              <a:t>9/6/2022</a:t>
             </a:fld>
             <a:endParaRPr lang="en-US"/>
           </a:p>
@@ -5891,7 +5891,7 @@
           <a:p>
             <a:fld id="{C3F78080-8D0A-4BE8-A5B4-CB115102D524}" type="datetimeFigureOut">
               <a:rPr lang="en-US" smtClean="0"/>
-              <a:t>8/23/2022</a:t>
+              <a:t>9/6/2022</a:t>
             </a:fld>
             <a:endParaRPr lang="en-US"/>
           </a:p>
@@ -6179,7 +6179,7 @@
           <a:p>
             <a:fld id="{C3F78080-8D0A-4BE8-A5B4-CB115102D524}" type="datetimeFigureOut">
               <a:rPr lang="en-US" smtClean="0"/>
-              <a:t>8/23/2022</a:t>
+              <a:t>9/6/2022</a:t>
             </a:fld>
             <a:endParaRPr lang="en-US"/>
           </a:p>
@@ -6420,7 +6420,7 @@
           <a:p>
             <a:fld id="{C3F78080-8D0A-4BE8-A5B4-CB115102D524}" type="datetimeFigureOut">
               <a:rPr lang="en-US" smtClean="0"/>
-              <a:t>8/23/2022</a:t>
+              <a:t>9/6/2022</a:t>
             </a:fld>
             <a:endParaRPr lang="en-US"/>
           </a:p>
@@ -11147,53 +11147,6 @@
           <a:chExt cx="0" cy="0"/>
         </a:xfrm>
       </p:grpSpPr>
-      <p:pic>
-        <p:nvPicPr>
-          <p:cNvPr id="1026" name="Picture 2" descr="rnn">
-            <a:extLst>
-              <a:ext uri="{FF2B5EF4-FFF2-40B4-BE49-F238E27FC236}">
-                <a16:creationId xmlns:a16="http://schemas.microsoft.com/office/drawing/2014/main" id="{561207FA-3A34-4741-93B0-069226A91387}"/>
-              </a:ext>
-            </a:extLst>
-          </p:cNvPr>
-          <p:cNvPicPr>
-            <a:picLocks noChangeAspect="1" noChangeArrowheads="1"/>
-          </p:cNvPicPr>
-          <p:nvPr/>
-        </p:nvPicPr>
-        <p:blipFill>
-          <a:blip r:embed="rId3">
-            <a:extLst>
-              <a:ext uri="{28A0092B-C50C-407E-A947-70E740481C1C}">
-                <a14:useLocalDpi xmlns:a14="http://schemas.microsoft.com/office/drawing/2010/main" val="0"/>
-              </a:ext>
-            </a:extLst>
-          </a:blip>
-          <a:srcRect/>
-          <a:stretch>
-            <a:fillRect/>
-          </a:stretch>
-        </p:blipFill>
-        <p:spPr bwMode="auto">
-          <a:xfrm>
-            <a:off x="2419251" y="2240184"/>
-            <a:ext cx="7353498" cy="2377631"/>
-          </a:xfrm>
-          <a:prstGeom prst="rect">
-            <a:avLst/>
-          </a:prstGeom>
-          <a:noFill/>
-          <a:extLst>
-            <a:ext uri="{909E8E84-426E-40DD-AFC4-6F175D3DCCD1}">
-              <a14:hiddenFill xmlns:a14="http://schemas.microsoft.com/office/drawing/2010/main">
-                <a:solidFill>
-                  <a:srgbClr val="FFFFFF"/>
-                </a:solidFill>
-              </a14:hiddenFill>
-            </a:ext>
-          </a:extLst>
-        </p:spPr>
-      </p:pic>
       <p:sp>
         <p:nvSpPr>
           <p:cNvPr id="8" name="TextBox 7">
@@ -11315,6 +11268,51 @@
           </a:p>
         </p:txBody>
       </p:sp>
+      <p:pic>
+        <p:nvPicPr>
+          <p:cNvPr id="4" name="Picture 2">
+            <a:extLst>
+              <a:ext uri="{FF2B5EF4-FFF2-40B4-BE49-F238E27FC236}">
+                <a16:creationId xmlns:a16="http://schemas.microsoft.com/office/drawing/2014/main" id="{6B310655-A04F-B8A7-E505-5C2CE5E76DDC}"/>
+              </a:ext>
+            </a:extLst>
+          </p:cNvPr>
+          <p:cNvPicPr>
+            <a:picLocks noChangeAspect="1" noChangeArrowheads="1"/>
+          </p:cNvPicPr>
+          <p:nvPr/>
+        </p:nvPicPr>
+        <p:blipFill>
+          <a:blip r:embed="rId3">
+            <a:extLst>
+              <a:ext uri="{28A0092B-C50C-407E-A947-70E740481C1C}">
+                <a14:useLocalDpi xmlns:a14="http://schemas.microsoft.com/office/drawing/2010/main" val="0"/>
+              </a:ext>
+            </a:extLst>
+          </a:blip>
+          <a:srcRect/>
+          <a:stretch/>
+        </p:blipFill>
+        <p:spPr bwMode="auto">
+          <a:xfrm>
+            <a:off x="2419251" y="2241518"/>
+            <a:ext cx="7353498" cy="2374963"/>
+          </a:xfrm>
+          <a:prstGeom prst="rect">
+            <a:avLst/>
+          </a:prstGeom>
+          <a:noFill/>
+          <a:extLst>
+            <a:ext uri="{909E8E84-426E-40DD-AFC4-6F175D3DCCD1}">
+              <a14:hiddenFill xmlns:a14="http://schemas.microsoft.com/office/drawing/2010/main">
+                <a:solidFill>
+                  <a:srgbClr val="FFFFFF"/>
+                </a:solidFill>
+              </a14:hiddenFill>
+            </a:ext>
+          </a:extLst>
+        </p:spPr>
+      </p:pic>
     </p:spTree>
     <p:extLst>
       <p:ext uri="{BB962C8B-B14F-4D97-AF65-F5344CB8AC3E}">
@@ -11357,53 +11355,6 @@
           <a:chExt cx="0" cy="0"/>
         </a:xfrm>
       </p:grpSpPr>
-      <p:pic>
-        <p:nvPicPr>
-          <p:cNvPr id="2050" name="Picture 2" descr="enc-dec">
-            <a:extLst>
-              <a:ext uri="{FF2B5EF4-FFF2-40B4-BE49-F238E27FC236}">
-                <a16:creationId xmlns:a16="http://schemas.microsoft.com/office/drawing/2014/main" id="{3932E7A2-AC74-4616-8E73-8BE6E621CA05}"/>
-              </a:ext>
-            </a:extLst>
-          </p:cNvPr>
-          <p:cNvPicPr>
-            <a:picLocks noChangeAspect="1" noChangeArrowheads="1"/>
-          </p:cNvPicPr>
-          <p:nvPr/>
-        </p:nvPicPr>
-        <p:blipFill>
-          <a:blip r:embed="rId3">
-            <a:extLst>
-              <a:ext uri="{28A0092B-C50C-407E-A947-70E740481C1C}">
-                <a14:useLocalDpi xmlns:a14="http://schemas.microsoft.com/office/drawing/2010/main" val="0"/>
-              </a:ext>
-            </a:extLst>
-          </a:blip>
-          <a:srcRect/>
-          <a:stretch>
-            <a:fillRect/>
-          </a:stretch>
-        </p:blipFill>
-        <p:spPr bwMode="auto">
-          <a:xfrm>
-            <a:off x="2304409" y="1925002"/>
-            <a:ext cx="7583181" cy="3007995"/>
-          </a:xfrm>
-          <a:prstGeom prst="rect">
-            <a:avLst/>
-          </a:prstGeom>
-          <a:noFill/>
-          <a:extLst>
-            <a:ext uri="{909E8E84-426E-40DD-AFC4-6F175D3DCCD1}">
-              <a14:hiddenFill xmlns:a14="http://schemas.microsoft.com/office/drawing/2010/main">
-                <a:solidFill>
-                  <a:srgbClr val="FFFFFF"/>
-                </a:solidFill>
-              </a14:hiddenFill>
-            </a:ext>
-          </a:extLst>
-        </p:spPr>
-      </p:pic>
       <p:sp>
         <p:nvSpPr>
           <p:cNvPr id="4" name="TextBox 3">
@@ -11525,6 +11476,51 @@
           </a:p>
         </p:txBody>
       </p:sp>
+      <p:pic>
+        <p:nvPicPr>
+          <p:cNvPr id="6" name="Picture 2">
+            <a:extLst>
+              <a:ext uri="{FF2B5EF4-FFF2-40B4-BE49-F238E27FC236}">
+                <a16:creationId xmlns:a16="http://schemas.microsoft.com/office/drawing/2014/main" id="{EE1F4E8E-D6E5-D765-8B93-4851D2FA45B6}"/>
+              </a:ext>
+            </a:extLst>
+          </p:cNvPr>
+          <p:cNvPicPr>
+            <a:picLocks noChangeAspect="1" noChangeArrowheads="1"/>
+          </p:cNvPicPr>
+          <p:nvPr/>
+        </p:nvPicPr>
+        <p:blipFill>
+          <a:blip r:embed="rId3">
+            <a:extLst>
+              <a:ext uri="{28A0092B-C50C-407E-A947-70E740481C1C}">
+                <a14:useLocalDpi xmlns:a14="http://schemas.microsoft.com/office/drawing/2010/main" val="0"/>
+              </a:ext>
+            </a:extLst>
+          </a:blip>
+          <a:srcRect/>
+          <a:stretch/>
+        </p:blipFill>
+        <p:spPr bwMode="auto">
+          <a:xfrm>
+            <a:off x="2317048" y="1925002"/>
+            <a:ext cx="7557903" cy="3007995"/>
+          </a:xfrm>
+          <a:prstGeom prst="rect">
+            <a:avLst/>
+          </a:prstGeom>
+          <a:noFill/>
+          <a:extLst>
+            <a:ext uri="{909E8E84-426E-40DD-AFC4-6F175D3DCCD1}">
+              <a14:hiddenFill xmlns:a14="http://schemas.microsoft.com/office/drawing/2010/main">
+                <a:solidFill>
+                  <a:srgbClr val="FFFFFF"/>
+                </a:solidFill>
+              </a14:hiddenFill>
+            </a:ext>
+          </a:extLst>
+        </p:spPr>
+      </p:pic>
     </p:spTree>
     <p:extLst>
       <p:ext uri="{BB962C8B-B14F-4D97-AF65-F5344CB8AC3E}">
@@ -11567,63 +11563,6 @@
           <a:chExt cx="0" cy="0"/>
         </a:xfrm>
       </p:grpSpPr>
-      <p:pic>
-        <p:nvPicPr>
-          <p:cNvPr id="1026" name="Picture 2">
-            <a:extLst>
-              <a:ext uri="{FF2B5EF4-FFF2-40B4-BE49-F238E27FC236}">
-                <a16:creationId xmlns:a16="http://schemas.microsoft.com/office/drawing/2014/main" id="{C47ED13A-501C-4362-B556-F2503F6187F3}"/>
-              </a:ext>
-            </a:extLst>
-          </p:cNvPr>
-          <p:cNvPicPr>
-            <a:picLocks noChangeAspect="1" noChangeArrowheads="1" noCrop="1"/>
-          </p:cNvPicPr>
-          <p:nvPr/>
-        </p:nvPicPr>
-        <p:blipFill>
-          <a:blip r:embed="rId3">
-            <a:clrChange>
-              <a:clrFrom>
-                <a:srgbClr val="FEFCFE"/>
-              </a:clrFrom>
-              <a:clrTo>
-                <a:srgbClr val="FEFCFE">
-                  <a:alpha val="0"/>
-                </a:srgbClr>
-              </a:clrTo>
-            </a:clrChange>
-            <a:extLst>
-              <a:ext uri="{28A0092B-C50C-407E-A947-70E740481C1C}">
-                <a14:useLocalDpi xmlns:a14="http://schemas.microsoft.com/office/drawing/2010/main" val="0"/>
-              </a:ext>
-            </a:extLst>
-          </a:blip>
-          <a:srcRect/>
-          <a:stretch>
-            <a:fillRect/>
-          </a:stretch>
-        </p:blipFill>
-        <p:spPr bwMode="auto">
-          <a:xfrm>
-            <a:off x="1672651" y="1807709"/>
-            <a:ext cx="8846697" cy="3907291"/>
-          </a:xfrm>
-          <a:prstGeom prst="rect">
-            <a:avLst/>
-          </a:prstGeom>
-          <a:noFill/>
-          <a:extLst>
-            <a:ext uri="{909E8E84-426E-40DD-AFC4-6F175D3DCCD1}">
-              <a14:hiddenFill xmlns:a14="http://schemas.microsoft.com/office/drawing/2010/main">
-                <a:solidFill>
-                  <a:srgbClr val="FFFFFF"/>
-                </a:solidFill>
-              </a14:hiddenFill>
-            </a:ext>
-          </a:extLst>
-        </p:spPr>
-      </p:pic>
       <p:sp>
         <p:nvSpPr>
           <p:cNvPr id="5" name="TextBox 4">
@@ -11668,6 +11607,41 @@
           </a:p>
         </p:txBody>
       </p:sp>
+      <p:pic>
+        <p:nvPicPr>
+          <p:cNvPr id="4" name="Picture 3">
+            <a:extLst>
+              <a:ext uri="{FF2B5EF4-FFF2-40B4-BE49-F238E27FC236}">
+                <a16:creationId xmlns:a16="http://schemas.microsoft.com/office/drawing/2014/main" id="{E845CA45-9FCE-AD57-D13C-F477FC5109BF}"/>
+              </a:ext>
+            </a:extLst>
+          </p:cNvPr>
+          <p:cNvPicPr>
+            <a:picLocks noChangeAspect="1"/>
+          </p:cNvPicPr>
+          <p:nvPr/>
+        </p:nvPicPr>
+        <p:blipFill>
+          <a:blip r:embed="rId3">
+            <a:extLst>
+              <a:ext uri="{28A0092B-C50C-407E-A947-70E740481C1C}">
+                <a14:useLocalDpi xmlns:a14="http://schemas.microsoft.com/office/drawing/2010/main" val="0"/>
+              </a:ext>
+            </a:extLst>
+          </a:blip>
+          <a:srcRect l="671" r="671"/>
+          <a:stretch/>
+        </p:blipFill>
+        <p:spPr>
+          <a:xfrm>
+            <a:off x="2264780" y="1369884"/>
+            <a:ext cx="7662440" cy="3850264"/>
+          </a:xfrm>
+          <a:prstGeom prst="rect">
+            <a:avLst/>
+          </a:prstGeom>
+        </p:spPr>
+      </p:pic>
     </p:spTree>
     <p:extLst>
       <p:ext uri="{BB962C8B-B14F-4D97-AF65-F5344CB8AC3E}">

--- a/presentations/01_transformers_intro.pptx
+++ b/presentations/01_transformers_intro.pptx
@@ -230,7 +230,7 @@
           <a:p>
             <a:fld id="{FD93C9B2-20F6-4DB1-B471-224337D0AC79}" type="datetimeFigureOut">
               <a:rPr lang="en-US" smtClean="0"/>
-              <a:t>9/6/2022</a:t>
+              <a:t>9/9/2022</a:t>
             </a:fld>
             <a:endParaRPr lang="en-US"/>
           </a:p>
@@ -3770,7 +3770,7 @@
           <a:p>
             <a:fld id="{C3F78080-8D0A-4BE8-A5B4-CB115102D524}" type="datetimeFigureOut">
               <a:rPr lang="en-US" smtClean="0"/>
-              <a:t>9/6/2022</a:t>
+              <a:t>9/9/2022</a:t>
             </a:fld>
             <a:endParaRPr lang="en-US"/>
           </a:p>
@@ -3968,7 +3968,7 @@
           <a:p>
             <a:fld id="{C3F78080-8D0A-4BE8-A5B4-CB115102D524}" type="datetimeFigureOut">
               <a:rPr lang="en-US" smtClean="0"/>
-              <a:t>9/6/2022</a:t>
+              <a:t>9/9/2022</a:t>
             </a:fld>
             <a:endParaRPr lang="en-US"/>
           </a:p>
@@ -4176,7 +4176,7 @@
           <a:p>
             <a:fld id="{C3F78080-8D0A-4BE8-A5B4-CB115102D524}" type="datetimeFigureOut">
               <a:rPr lang="en-US" smtClean="0"/>
-              <a:t>9/6/2022</a:t>
+              <a:t>9/9/2022</a:t>
             </a:fld>
             <a:endParaRPr lang="en-US"/>
           </a:p>
@@ -4374,7 +4374,7 @@
           <a:p>
             <a:fld id="{C3F78080-8D0A-4BE8-A5B4-CB115102D524}" type="datetimeFigureOut">
               <a:rPr lang="en-US" smtClean="0"/>
-              <a:t>9/6/2022</a:t>
+              <a:t>9/9/2022</a:t>
             </a:fld>
             <a:endParaRPr lang="en-US"/>
           </a:p>
@@ -4649,7 +4649,7 @@
           <a:p>
             <a:fld id="{C3F78080-8D0A-4BE8-A5B4-CB115102D524}" type="datetimeFigureOut">
               <a:rPr lang="en-US" smtClean="0"/>
-              <a:t>9/6/2022</a:t>
+              <a:t>9/9/2022</a:t>
             </a:fld>
             <a:endParaRPr lang="en-US"/>
           </a:p>
@@ -4914,7 +4914,7 @@
           <a:p>
             <a:fld id="{C3F78080-8D0A-4BE8-A5B4-CB115102D524}" type="datetimeFigureOut">
               <a:rPr lang="en-US" smtClean="0"/>
-              <a:t>9/6/2022</a:t>
+              <a:t>9/9/2022</a:t>
             </a:fld>
             <a:endParaRPr lang="en-US"/>
           </a:p>
@@ -5326,7 +5326,7 @@
           <a:p>
             <a:fld id="{C3F78080-8D0A-4BE8-A5B4-CB115102D524}" type="datetimeFigureOut">
               <a:rPr lang="en-US" smtClean="0"/>
-              <a:t>9/6/2022</a:t>
+              <a:t>9/9/2022</a:t>
             </a:fld>
             <a:endParaRPr lang="en-US"/>
           </a:p>
@@ -5467,7 +5467,7 @@
           <a:p>
             <a:fld id="{C3F78080-8D0A-4BE8-A5B4-CB115102D524}" type="datetimeFigureOut">
               <a:rPr lang="en-US" smtClean="0"/>
-              <a:t>9/6/2022</a:t>
+              <a:t>9/9/2022</a:t>
             </a:fld>
             <a:endParaRPr lang="en-US"/>
           </a:p>
@@ -5580,7 +5580,7 @@
           <a:p>
             <a:fld id="{C3F78080-8D0A-4BE8-A5B4-CB115102D524}" type="datetimeFigureOut">
               <a:rPr lang="en-US" smtClean="0"/>
-              <a:t>9/6/2022</a:t>
+              <a:t>9/9/2022</a:t>
             </a:fld>
             <a:endParaRPr lang="en-US"/>
           </a:p>
@@ -5891,7 +5891,7 @@
           <a:p>
             <a:fld id="{C3F78080-8D0A-4BE8-A5B4-CB115102D524}" type="datetimeFigureOut">
               <a:rPr lang="en-US" smtClean="0"/>
-              <a:t>9/6/2022</a:t>
+              <a:t>9/9/2022</a:t>
             </a:fld>
             <a:endParaRPr lang="en-US"/>
           </a:p>
@@ -6179,7 +6179,7 @@
           <a:p>
             <a:fld id="{C3F78080-8D0A-4BE8-A5B4-CB115102D524}" type="datetimeFigureOut">
               <a:rPr lang="en-US" smtClean="0"/>
-              <a:t>9/6/2022</a:t>
+              <a:t>9/9/2022</a:t>
             </a:fld>
             <a:endParaRPr lang="en-US"/>
           </a:p>
@@ -6420,7 +6420,7 @@
           <a:p>
             <a:fld id="{C3F78080-8D0A-4BE8-A5B4-CB115102D524}" type="datetimeFigureOut">
               <a:rPr lang="en-US" smtClean="0"/>
-              <a:t>9/6/2022</a:t>
+              <a:t>9/9/2022</a:t>
             </a:fld>
             <a:endParaRPr lang="en-US"/>
           </a:p>
@@ -11609,10 +11609,10 @@
       </p:sp>
       <p:pic>
         <p:nvPicPr>
-          <p:cNvPr id="4" name="Picture 3">
-            <a:extLst>
-              <a:ext uri="{FF2B5EF4-FFF2-40B4-BE49-F238E27FC236}">
-                <a16:creationId xmlns:a16="http://schemas.microsoft.com/office/drawing/2014/main" id="{E845CA45-9FCE-AD57-D13C-F477FC5109BF}"/>
+          <p:cNvPr id="3" name="Picture 2" descr="A picture containing graphical user interface&#10;&#10;Description automatically generated">
+            <a:extLst>
+              <a:ext uri="{FF2B5EF4-FFF2-40B4-BE49-F238E27FC236}">
+                <a16:creationId xmlns:a16="http://schemas.microsoft.com/office/drawing/2014/main" id="{E62A5D0F-C555-F80D-BAD7-7216631DE2B1}"/>
               </a:ext>
             </a:extLst>
           </p:cNvPr>
@@ -11629,13 +11629,14 @@
               </a:ext>
             </a:extLst>
           </a:blip>
-          <a:srcRect l="671" r="671"/>
-          <a:stretch/>
+          <a:stretch>
+            <a:fillRect/>
+          </a:stretch>
         </p:blipFill>
         <p:spPr>
           <a:xfrm>
-            <a:off x="2264780" y="1369884"/>
-            <a:ext cx="7662440" cy="3850264"/>
+            <a:off x="1695450" y="1719262"/>
+            <a:ext cx="8801100" cy="3419475"/>
           </a:xfrm>
           <a:prstGeom prst="rect">
             <a:avLst/>

--- a/presentations/01_transformers_intro.pptx
+++ b/presentations/01_transformers_intro.pptx
@@ -21,13 +21,13 @@
     <p:sldId id="347" r:id="rId12"/>
     <p:sldId id="333" r:id="rId13"/>
     <p:sldId id="348" r:id="rId14"/>
-    <p:sldId id="279" r:id="rId15"/>
-    <p:sldId id="336" r:id="rId16"/>
-    <p:sldId id="329" r:id="rId17"/>
-    <p:sldId id="330" r:id="rId18"/>
-    <p:sldId id="327" r:id="rId19"/>
-    <p:sldId id="334" r:id="rId20"/>
-    <p:sldId id="343" r:id="rId21"/>
+    <p:sldId id="343" r:id="rId15"/>
+    <p:sldId id="279" r:id="rId16"/>
+    <p:sldId id="336" r:id="rId17"/>
+    <p:sldId id="329" r:id="rId18"/>
+    <p:sldId id="330" r:id="rId19"/>
+    <p:sldId id="327" r:id="rId20"/>
+    <p:sldId id="334" r:id="rId21"/>
     <p:sldId id="341" r:id="rId22"/>
     <p:sldId id="344" r:id="rId23"/>
     <p:sldId id="332" r:id="rId24"/>
@@ -230,7 +230,7 @@
           <a:p>
             <a:fld id="{FD93C9B2-20F6-4DB1-B471-224337D0AC79}" type="datetimeFigureOut">
               <a:rPr lang="en-US" smtClean="0"/>
-              <a:t>9/9/2022</a:t>
+              <a:t>10/27/2022</a:t>
             </a:fld>
             <a:endParaRPr lang="en-US"/>
           </a:p>
@@ -1146,7 +1146,7 @@
     </p:spTree>
     <p:extLst>
       <p:ext uri="{BB962C8B-B14F-4D97-AF65-F5344CB8AC3E}">
-        <p14:creationId xmlns:p14="http://schemas.microsoft.com/office/powerpoint/2010/main" val="1985664105"/>
+        <p14:creationId xmlns:p14="http://schemas.microsoft.com/office/powerpoint/2010/main" val="393175974"/>
       </p:ext>
     </p:extLst>
   </p:cSld>
@@ -1200,14 +1200,23 @@
           <a:bodyPr/>
           <a:lstStyle/>
           <a:p>
-            <a:pPr algn="l"/>
-            <a:r>
-              <a:rPr lang="en-US" dirty="0"/>
-              <a:t>Now that you’ve completed a hands-on exercise, let’s consider some of the building blocks that make transformers unique.  Note: I will not discuss word embeddings as that topic was covered in the last workshop of our NLP sequence.  In this mini-lecture, we cover three building blocks: 1) layer norm, 2) positional encoding, and 3) skip connections.  Because attention is such an important topic, it is covered in our next session.  </a:t>
-            </a:r>
-          </a:p>
-          <a:p>
-            <a:pPr algn="l"/>
+            <a:pPr marL="0" marR="0" lvl="0" indent="0" algn="l" defTabSz="914400" rtl="0" eaLnBrk="1" fontAlgn="auto" latinLnBrk="0" hangingPunct="1">
+              <a:lnSpc>
+                <a:spcPct val="100000"/>
+              </a:lnSpc>
+              <a:spcBef>
+                <a:spcPts val="0"/>
+              </a:spcBef>
+              <a:spcAft>
+                <a:spcPts val="0"/>
+              </a:spcAft>
+              <a:buClrTx/>
+              <a:buSzTx/>
+              <a:buFontTx/>
+              <a:buNone/>
+              <a:tabLst/>
+              <a:defRPr/>
+            </a:pPr>
             <a:endParaRPr lang="en-US" dirty="0"/>
           </a:p>
         </p:txBody>
@@ -1238,7 +1247,7 @@
     </p:spTree>
     <p:extLst>
       <p:ext uri="{BB962C8B-B14F-4D97-AF65-F5344CB8AC3E}">
-        <p14:creationId xmlns:p14="http://schemas.microsoft.com/office/powerpoint/2010/main" val="1570214374"/>
+        <p14:creationId xmlns:p14="http://schemas.microsoft.com/office/powerpoint/2010/main" val="1985664105"/>
       </p:ext>
     </p:extLst>
   </p:cSld>
@@ -1294,68 +1303,8 @@
           <a:p>
             <a:pPr algn="l"/>
             <a:r>
-              <a:rPr lang="en-US" b="1" dirty="0"/>
-              <a:t>Skip connection </a:t>
-            </a:r>
-            <a:r>
-              <a:rPr lang="en-US" b="0" dirty="0"/>
-              <a:t>is our first building block, </a:t>
-            </a:r>
-            <a:r>
               <a:rPr lang="en-US" dirty="0"/>
-              <a:t>also known as a residual connection. The inspiration for this innovation lies in our desire to reduce the amount of work that’s required of a deep network layer.</a:t>
-            </a:r>
-          </a:p>
-          <a:p>
-            <a:pPr algn="l"/>
-            <a:endParaRPr lang="en-US" dirty="0"/>
-          </a:p>
-          <a:p>
-            <a:pPr algn="l"/>
-            <a:r>
-              <a:rPr lang="en-US" dirty="0"/>
-              <a:t>Let’s start with an analogy. Suppose you’re painting an oil portrait.  And after weeks of sittings, the painting is done, and you send it to your subject for approval. They say they like it, but they regret they wore a particular ring on one finger, and wish they’d worn a different one instead. Can you change that?</a:t>
-            </a:r>
-          </a:p>
-          <a:p>
-            <a:pPr algn="l"/>
-            <a:endParaRPr lang="en-US" dirty="0"/>
-          </a:p>
-          <a:p>
-            <a:pPr algn="l"/>
-            <a:r>
-              <a:rPr lang="en-US" dirty="0"/>
-              <a:t>Well, you have two options.  You could invite your subject back to the studio and paint a whole new portrait from scratch on a blank canvas, only this time with the new ring on their finger. That would require a lot of time and effort.  Or you could take the portrait you have, and just paint the new ring over the old one.</a:t>
-            </a:r>
-          </a:p>
-          <a:p>
-            <a:pPr algn="l"/>
-            <a:endParaRPr lang="en-US" dirty="0"/>
-          </a:p>
-          <a:p>
-            <a:pPr algn="l"/>
-            <a:r>
-              <a:rPr lang="en-US" dirty="0"/>
-              <a:t>Now consider a layer in a deep network. A tensor comes in, and the layer does some processing to change that tensor. If the layer only needs to change the input by small amounts, or only in some places, then why do anything with the parts of the tensor that don’t need to change?  As was the case with the painting,  it’s more efficient for a layer to compute only the changes it wants to make.  It can then combine those changes with the original input to produce its output.</a:t>
-            </a:r>
-          </a:p>
-          <a:p>
-            <a:pPr algn="l"/>
-            <a:endParaRPr lang="en-US" dirty="0"/>
-          </a:p>
-          <a:p>
-            <a:pPr algn="l"/>
-            <a:r>
-              <a:rPr lang="en-US" dirty="0"/>
-              <a:t>As pictured on the left, the red line that carries the input directly to the addition node is called a </a:t>
-            </a:r>
-            <a:r>
-              <a:rPr lang="en-US" b="1" dirty="0"/>
-              <a:t>skip connection</a:t>
-            </a:r>
-            <a:r>
-              <a:rPr lang="en-US" dirty="0"/>
-              <a:t>.  Another option is to place a skip connection around multiple layers as shown on the right.</a:t>
+              <a:t>Now that you’ve completed a hands-on exercise, let’s consider some of the building blocks that make transformers unique.  Note: I will not discuss word embeddings as that topic was covered in the last workshop of our NLP sequence.  In this mini-lecture, we cover three building blocks: 1) layer norm, 2) positional encoding, and 3) skip connections.  Because attention is such an important topic, it is covered in our next session.  </a:t>
             </a:r>
           </a:p>
           <a:p>
@@ -1390,7 +1339,7 @@
     </p:spTree>
     <p:extLst>
       <p:ext uri="{BB962C8B-B14F-4D97-AF65-F5344CB8AC3E}">
-        <p14:creationId xmlns:p14="http://schemas.microsoft.com/office/powerpoint/2010/main" val="3507246277"/>
+        <p14:creationId xmlns:p14="http://schemas.microsoft.com/office/powerpoint/2010/main" val="1570214374"/>
       </p:ext>
     </p:extLst>
   </p:cSld>
@@ -1447,23 +1396,15 @@
             <a:pPr algn="l"/>
             <a:r>
               <a:rPr lang="en-US" b="1" dirty="0"/>
-              <a:t>Layer norm </a:t>
+              <a:t>Skip connection </a:t>
+            </a:r>
+            <a:r>
+              <a:rPr lang="en-US" b="0" dirty="0"/>
+              <a:t>is our first building block, </a:t>
             </a:r>
             <a:r>
               <a:rPr lang="en-US" dirty="0"/>
-              <a:t>is our second building block.  Layer norm is a regularization technique like dropout and batchnorm.  Regularization controls </a:t>
-            </a:r>
-            <a:r>
-              <a:rPr lang="en-US" b="1" dirty="0"/>
-              <a:t>overfitting, </a:t>
-            </a:r>
-            <a:r>
-              <a:rPr lang="en-US" b="0" dirty="0"/>
-              <a:t>a topic we cover in our CNN workshop series.  </a:t>
-            </a:r>
-            <a:r>
-              <a:rPr lang="en-US" dirty="0"/>
-              <a:t>Layer norm keeps the values flowing through the network from becoming too big or too small.  A layer norm step adjusts the values coming out of a layer such that they approximate the shape of a Gaussian bump with a mean of 0 and standard deviation of 1.</a:t>
+              <a:t>also known as a residual connection. The inspiration for this innovation lies in our desire to reduce the amount of work that’s required of a deep network layer.</a:t>
             </a:r>
           </a:p>
           <a:p>
@@ -1474,7 +1415,7 @@
             <a:pPr algn="l"/>
             <a:r>
               <a:rPr lang="en-US" dirty="0"/>
-              <a:t>Layer norm operations help optimize transformer performance.  A technical architect has some flexibility as to where this step is located.  One popular option is to place a layer norm operation just before the addition step of a skip connection.  Pictured on the left.  And because these two operations always come in pairs, they’re often combined into a single operation called “Norm-Add”.  Pictured on the right.</a:t>
+              <a:t>Let’s start with an analogy. Suppose you’re painting an oil portrait.  And after weeks of sittings, the painting is done, and you send it to your subject for approval. They say they like it, but they regret they wore a particular ring on one finger, and wish they’d worn a different one instead. Can you change that?</a:t>
             </a:r>
           </a:p>
           <a:p>
@@ -1485,7 +1426,7 @@
             <a:pPr algn="l"/>
             <a:r>
               <a:rPr lang="en-US" dirty="0"/>
-              <a:t>=====</a:t>
+              <a:t>Well, you have two options.  You could invite your subject back to the studio and paint a whole new portrait from scratch on a blank canvas, only this time with the new ring on their finger. That would require a lot of time and effort.  Or you could take the portrait you have, and just paint the new ring over the old one.</a:t>
             </a:r>
           </a:p>
           <a:p>
@@ -1496,8 +1437,31 @@
             <a:pPr algn="l"/>
             <a:r>
               <a:rPr lang="en-US" dirty="0"/>
-              <a:t>In transformers, we usually apply a regularization step called layer normalization, or layer norm, to the outputs of a layer, as shown here on the left. Layer norm belongs to the class of regularization techniques, such as dropout and batchnorm, which help control overfitting by keeping the values flowing through the network from getting too big or too small. (Vanishing / exploding gradients)  The layer norm step learns to adjust the values coming out of a layer so that they approximate the shape of a Gaussian bump with a mean of 0 and standard deviation of 1.</a:t>
-            </a:r>
+              <a:t>Now consider a layer in a deep network. A tensor comes in, and the layer does some processing to change that tensor. If the layer only needs to change the input by small amounts, or only in some places, then why do anything with the parts of the tensor that don’t need to change?  As was the case with the painting,  it’s more efficient for a layer to compute only the changes it wants to make.  It can then combine those changes with the original input to produce its output.</a:t>
+            </a:r>
+          </a:p>
+          <a:p>
+            <a:pPr algn="l"/>
+            <a:endParaRPr lang="en-US" dirty="0"/>
+          </a:p>
+          <a:p>
+            <a:pPr algn="l"/>
+            <a:r>
+              <a:rPr lang="en-US" dirty="0"/>
+              <a:t>As pictured on the left, the red line that carries the input directly to the addition node is called a </a:t>
+            </a:r>
+            <a:r>
+              <a:rPr lang="en-US" b="1" dirty="0"/>
+              <a:t>skip connection</a:t>
+            </a:r>
+            <a:r>
+              <a:rPr lang="en-US" dirty="0"/>
+              <a:t>.  Another option is to place a skip connection around multiple layers as shown on the right.</a:t>
+            </a:r>
+          </a:p>
+          <a:p>
+            <a:pPr algn="l"/>
+            <a:endParaRPr lang="en-US" dirty="0"/>
           </a:p>
         </p:txBody>
       </p:sp>
@@ -1527,7 +1491,7 @@
     </p:spTree>
     <p:extLst>
       <p:ext uri="{BB962C8B-B14F-4D97-AF65-F5344CB8AC3E}">
-        <p14:creationId xmlns:p14="http://schemas.microsoft.com/office/powerpoint/2010/main" val="3456021193"/>
+        <p14:creationId xmlns:p14="http://schemas.microsoft.com/office/powerpoint/2010/main" val="3507246277"/>
       </p:ext>
     </p:extLst>
   </p:cSld>
@@ -1583,20 +1547,24 @@
           <a:p>
             <a:pPr algn="l"/>
             <a:r>
+              <a:rPr lang="en-US" b="1" dirty="0"/>
+              <a:t>Layer norm </a:t>
+            </a:r>
+            <a:r>
+              <a:rPr lang="en-US" dirty="0"/>
+              <a:t>is our second building block.  Layer norm is a regularization technique like dropout and batchnorm.  Regularization controls </a:t>
+            </a:r>
+            <a:r>
+              <a:rPr lang="en-US" b="1" dirty="0"/>
+              <a:t>overfitting, </a:t>
+            </a:r>
+            <a:r>
               <a:rPr lang="en-US" b="0" dirty="0"/>
-              <a:t>Our third and final building block is </a:t>
-            </a:r>
-            <a:r>
-              <a:rPr lang="en-US" b="1" dirty="0"/>
-              <a:t>positional encoding.  </a:t>
-            </a:r>
-            <a:r>
-              <a:rPr lang="en-US" b="0" dirty="0"/>
-              <a:t>Positional encoding </a:t>
+              <a:t>a topic we cover in our CNN workshop series.  </a:t>
             </a:r>
             <a:r>
               <a:rPr lang="en-US" dirty="0"/>
-              <a:t>solves a problem that arises whenever RNNs are removed from the picture:  we lose track of the location of each word in the input sentence.  A RNN does not have this problem because the words in a sequence present one at a time, thereby allowing the hidden state inside a recurrent cell to remember the order in which they arrived.</a:t>
+              <a:t>Layer norm keeps the values flowing through the network from becoming too big or too small.  A layer norm step adjusts the values coming out of a layer such that they approximate the shape of a Gaussian bump with a mean of 0 and standard deviation of 1.</a:t>
             </a:r>
           </a:p>
           <a:p>
@@ -1607,7 +1575,7 @@
             <a:pPr algn="l"/>
             <a:r>
               <a:rPr lang="en-US" dirty="0"/>
-              <a:t>But attention mixes together the representations of multiple words. So, how can later stages know where each word belongs in the sentence?</a:t>
+              <a:t>Layer norm operations help optimize transformer performance.  A technical architect has some flexibility as to where this step is located.  One popular option is to place a layer norm operation just before the addition step of a skip connection.  Pictured on the left.  And because these two operations always come in pairs, they’re often combined into a single operation called “Norm-Add”.  Pictured on the right.</a:t>
             </a:r>
           </a:p>
           <a:p>
@@ -1618,7 +1586,7 @@
             <a:pPr algn="l"/>
             <a:r>
               <a:rPr lang="en-US" dirty="0"/>
-              <a:t>The answer is to insert each word’s position, or index, into the representation of the word itself. That way, as the word’s representations get processed, the position information comes along for the ride. The generic name for this process is positional encoding.   There are multiple ways to do this.  We can append an index number to the end of each word’s representation.  Left.  Or we can use a function (F) to turn each index into a vector that’s added to the word’s representation.  Middle.  And finally, the icon for positional encoding is shown.  Right.   </a:t>
+              <a:t>=====</a:t>
             </a:r>
           </a:p>
           <a:p>
@@ -1627,7 +1595,10 @@
           </a:p>
           <a:p>
             <a:pPr algn="l"/>
-            <a:endParaRPr lang="en-US" dirty="0"/>
+            <a:r>
+              <a:rPr lang="en-US" dirty="0"/>
+              <a:t>In transformers, we usually apply a regularization step called layer normalization, or layer norm, to the outputs of a layer, as shown here on the left. Layer norm belongs to the class of regularization techniques, such as dropout and batchnorm, which help control overfitting by keeping the values flowing through the network from getting too big or too small. (Vanishing / exploding gradients)  The layer norm step learns to adjust the values coming out of a layer so that they approximate the shape of a Gaussian bump with a mean of 0 and standard deviation of 1.</a:t>
+            </a:r>
           </a:p>
         </p:txBody>
       </p:sp>
@@ -1657,7 +1628,7 @@
     </p:spTree>
     <p:extLst>
       <p:ext uri="{BB962C8B-B14F-4D97-AF65-F5344CB8AC3E}">
-        <p14:creationId xmlns:p14="http://schemas.microsoft.com/office/powerpoint/2010/main" val="50257330"/>
+        <p14:creationId xmlns:p14="http://schemas.microsoft.com/office/powerpoint/2010/main" val="3456021193"/>
       </p:ext>
     </p:extLst>
   </p:cSld>
@@ -1713,38 +1684,51 @@
           <a:p>
             <a:pPr algn="l"/>
             <a:r>
-              <a:rPr lang="en-US" b="0" i="0" dirty="0">
-                <a:solidFill>
-                  <a:srgbClr val="292929"/>
-                </a:solidFill>
-                <a:effectLst/>
-                <a:latin typeface="+mn-lt"/>
-              </a:rPr>
-              <a:t>An encoder may feature multiple transformer building blocks.  The encoder pictured here, for example, contains both a self-attention and feed-forward layer.  After each, a layer norm operation is executed.  And two skip connections complete this design. </a:t>
+              <a:rPr lang="en-US" b="0" dirty="0"/>
+              <a:t>Our third and final building block is </a:t>
+            </a:r>
+            <a:r>
+              <a:rPr lang="en-US" b="1" dirty="0"/>
+              <a:t>positional encoding.  </a:t>
+            </a:r>
+            <a:r>
+              <a:rPr lang="en-US" b="0" dirty="0"/>
+              <a:t>Positional encoding </a:t>
+            </a:r>
+            <a:r>
+              <a:rPr lang="en-US" dirty="0"/>
+              <a:t>solves a problem that arises whenever RNNs are removed from the picture:  we lose track of the location of each word in the input sentence.  A RNN does not have this problem because the words in a sequence present one at a time, thereby allowing the hidden state inside a recurrent cell to remember the order in which they arrived.</a:t>
             </a:r>
           </a:p>
           <a:p>
             <a:pPr algn="l"/>
-            <a:endParaRPr lang="en-US" b="0" i="0" dirty="0">
-              <a:solidFill>
-                <a:srgbClr val="292929"/>
-              </a:solidFill>
-              <a:effectLst/>
-              <a:latin typeface="+mn-lt"/>
-            </a:endParaRPr>
+            <a:endParaRPr lang="en-US" dirty="0"/>
           </a:p>
           <a:p>
             <a:pPr algn="l"/>
             <a:r>
-              <a:rPr lang="en-US" b="0" i="0" dirty="0">
-                <a:solidFill>
-                  <a:srgbClr val="292929"/>
-                </a:solidFill>
-                <a:effectLst/>
-                <a:latin typeface="+mn-lt"/>
-              </a:rPr>
-              <a:t>The important topic of attention is discussed in our next session…</a:t>
-            </a:r>
+              <a:rPr lang="en-US" dirty="0"/>
+              <a:t>But attention mixes together the representations of multiple words. So, how can later stages know where each word belongs in the sentence?</a:t>
+            </a:r>
+          </a:p>
+          <a:p>
+            <a:pPr algn="l"/>
+            <a:endParaRPr lang="en-US" dirty="0"/>
+          </a:p>
+          <a:p>
+            <a:pPr algn="l"/>
+            <a:r>
+              <a:rPr lang="en-US" dirty="0"/>
+              <a:t>The answer is to insert each word’s position, or index, into the representation of the word itself. That way, as the word’s representations get processed, the position information comes along for the ride. The generic name for this process is positional encoding.   There are multiple ways to do this.  We can append an index number to the end of each word’s representation.  Left.  Or we can use a function (F) to turn each index into a vector that’s added to the word’s representation.  Middle.  And finally, the icon for positional encoding is shown.  Right.   </a:t>
+            </a:r>
+          </a:p>
+          <a:p>
+            <a:pPr algn="l"/>
+            <a:endParaRPr lang="en-US" dirty="0"/>
+          </a:p>
+          <a:p>
+            <a:pPr algn="l"/>
+            <a:endParaRPr lang="en-US" dirty="0"/>
           </a:p>
         </p:txBody>
       </p:sp>
@@ -1774,7 +1758,7 @@
     </p:spTree>
     <p:extLst>
       <p:ext uri="{BB962C8B-B14F-4D97-AF65-F5344CB8AC3E}">
-        <p14:creationId xmlns:p14="http://schemas.microsoft.com/office/powerpoint/2010/main" val="3560973607"/>
+        <p14:creationId xmlns:p14="http://schemas.microsoft.com/office/powerpoint/2010/main" val="50257330"/>
       </p:ext>
     </p:extLst>
   </p:cSld>
@@ -1828,24 +1812,40 @@
           <a:bodyPr/>
           <a:lstStyle/>
           <a:p>
-            <a:pPr marL="0" marR="0" lvl="0" indent="0" algn="l" defTabSz="914400" rtl="0" eaLnBrk="1" fontAlgn="auto" latinLnBrk="0" hangingPunct="1">
-              <a:lnSpc>
-                <a:spcPct val="100000"/>
-              </a:lnSpc>
-              <a:spcBef>
-                <a:spcPts val="0"/>
-              </a:spcBef>
-              <a:spcAft>
-                <a:spcPts val="0"/>
-              </a:spcAft>
-              <a:buClrTx/>
-              <a:buSzTx/>
-              <a:buFontTx/>
-              <a:buNone/>
-              <a:tabLst/>
-              <a:defRPr/>
-            </a:pPr>
-            <a:endParaRPr lang="en-US" dirty="0"/>
+            <a:pPr algn="l"/>
+            <a:r>
+              <a:rPr lang="en-US" b="0" i="0" dirty="0">
+                <a:solidFill>
+                  <a:srgbClr val="292929"/>
+                </a:solidFill>
+                <a:effectLst/>
+                <a:latin typeface="+mn-lt"/>
+              </a:rPr>
+              <a:t>An encoder may feature multiple transformer building blocks.  The encoder pictured here, for example, contains both a self-attention and feed-forward layer.  After each, a layer norm operation is executed.  And two skip connections complete this design. </a:t>
+            </a:r>
+          </a:p>
+          <a:p>
+            <a:pPr algn="l"/>
+            <a:endParaRPr lang="en-US" b="0" i="0" dirty="0">
+              <a:solidFill>
+                <a:srgbClr val="292929"/>
+              </a:solidFill>
+              <a:effectLst/>
+              <a:latin typeface="+mn-lt"/>
+            </a:endParaRPr>
+          </a:p>
+          <a:p>
+            <a:pPr algn="l"/>
+            <a:r>
+              <a:rPr lang="en-US" b="0" i="0" dirty="0">
+                <a:solidFill>
+                  <a:srgbClr val="292929"/>
+                </a:solidFill>
+                <a:effectLst/>
+                <a:latin typeface="+mn-lt"/>
+              </a:rPr>
+              <a:t>The important topic of attention is discussed in our next session…</a:t>
+            </a:r>
           </a:p>
         </p:txBody>
       </p:sp>
@@ -1875,7 +1875,7 @@
     </p:spTree>
     <p:extLst>
       <p:ext uri="{BB962C8B-B14F-4D97-AF65-F5344CB8AC3E}">
-        <p14:creationId xmlns:p14="http://schemas.microsoft.com/office/powerpoint/2010/main" val="393175974"/>
+        <p14:creationId xmlns:p14="http://schemas.microsoft.com/office/powerpoint/2010/main" val="3560973607"/>
       </p:ext>
     </p:extLst>
   </p:cSld>
@@ -2062,7 +2062,10 @@
               <a:tabLst/>
               <a:defRPr/>
             </a:pPr>
-            <a:endParaRPr lang="en-US" dirty="0"/>
+            <a:r>
+              <a:rPr lang="en-US" dirty="0"/>
+              <a:t>We are now going to take the training wheels off.  This exercise will step you through the process of executing an NLP project, using transformers.  As this is a two-part exercise, work on the first half of the notebook today.  And then, in our next session, you’ll have a chance to complete it.</a:t>
+            </a:r>
           </a:p>
         </p:txBody>
       </p:sp>
@@ -3770,7 +3773,7 @@
           <a:p>
             <a:fld id="{C3F78080-8D0A-4BE8-A5B4-CB115102D524}" type="datetimeFigureOut">
               <a:rPr lang="en-US" smtClean="0"/>
-              <a:t>9/9/2022</a:t>
+              <a:t>10/27/2022</a:t>
             </a:fld>
             <a:endParaRPr lang="en-US"/>
           </a:p>
@@ -3968,7 +3971,7 @@
           <a:p>
             <a:fld id="{C3F78080-8D0A-4BE8-A5B4-CB115102D524}" type="datetimeFigureOut">
               <a:rPr lang="en-US" smtClean="0"/>
-              <a:t>9/9/2022</a:t>
+              <a:t>10/27/2022</a:t>
             </a:fld>
             <a:endParaRPr lang="en-US"/>
           </a:p>
@@ -4176,7 +4179,7 @@
           <a:p>
             <a:fld id="{C3F78080-8D0A-4BE8-A5B4-CB115102D524}" type="datetimeFigureOut">
               <a:rPr lang="en-US" smtClean="0"/>
-              <a:t>9/9/2022</a:t>
+              <a:t>10/27/2022</a:t>
             </a:fld>
             <a:endParaRPr lang="en-US"/>
           </a:p>
@@ -4374,7 +4377,7 @@
           <a:p>
             <a:fld id="{C3F78080-8D0A-4BE8-A5B4-CB115102D524}" type="datetimeFigureOut">
               <a:rPr lang="en-US" smtClean="0"/>
-              <a:t>9/9/2022</a:t>
+              <a:t>10/27/2022</a:t>
             </a:fld>
             <a:endParaRPr lang="en-US"/>
           </a:p>
@@ -4649,7 +4652,7 @@
           <a:p>
             <a:fld id="{C3F78080-8D0A-4BE8-A5B4-CB115102D524}" type="datetimeFigureOut">
               <a:rPr lang="en-US" smtClean="0"/>
-              <a:t>9/9/2022</a:t>
+              <a:t>10/27/2022</a:t>
             </a:fld>
             <a:endParaRPr lang="en-US"/>
           </a:p>
@@ -4914,7 +4917,7 @@
           <a:p>
             <a:fld id="{C3F78080-8D0A-4BE8-A5B4-CB115102D524}" type="datetimeFigureOut">
               <a:rPr lang="en-US" smtClean="0"/>
-              <a:t>9/9/2022</a:t>
+              <a:t>10/27/2022</a:t>
             </a:fld>
             <a:endParaRPr lang="en-US"/>
           </a:p>
@@ -5326,7 +5329,7 @@
           <a:p>
             <a:fld id="{C3F78080-8D0A-4BE8-A5B4-CB115102D524}" type="datetimeFigureOut">
               <a:rPr lang="en-US" smtClean="0"/>
-              <a:t>9/9/2022</a:t>
+              <a:t>10/27/2022</a:t>
             </a:fld>
             <a:endParaRPr lang="en-US"/>
           </a:p>
@@ -5467,7 +5470,7 @@
           <a:p>
             <a:fld id="{C3F78080-8D0A-4BE8-A5B4-CB115102D524}" type="datetimeFigureOut">
               <a:rPr lang="en-US" smtClean="0"/>
-              <a:t>9/9/2022</a:t>
+              <a:t>10/27/2022</a:t>
             </a:fld>
             <a:endParaRPr lang="en-US"/>
           </a:p>
@@ -5580,7 +5583,7 @@
           <a:p>
             <a:fld id="{C3F78080-8D0A-4BE8-A5B4-CB115102D524}" type="datetimeFigureOut">
               <a:rPr lang="en-US" smtClean="0"/>
-              <a:t>9/9/2022</a:t>
+              <a:t>10/27/2022</a:t>
             </a:fld>
             <a:endParaRPr lang="en-US"/>
           </a:p>
@@ -5891,7 +5894,7 @@
           <a:p>
             <a:fld id="{C3F78080-8D0A-4BE8-A5B4-CB115102D524}" type="datetimeFigureOut">
               <a:rPr lang="en-US" smtClean="0"/>
-              <a:t>9/9/2022</a:t>
+              <a:t>10/27/2022</a:t>
             </a:fld>
             <a:endParaRPr lang="en-US"/>
           </a:p>
@@ -6179,7 +6182,7 @@
           <a:p>
             <a:fld id="{C3F78080-8D0A-4BE8-A5B4-CB115102D524}" type="datetimeFigureOut">
               <a:rPr lang="en-US" smtClean="0"/>
-              <a:t>9/9/2022</a:t>
+              <a:t>10/27/2022</a:t>
             </a:fld>
             <a:endParaRPr lang="en-US"/>
           </a:p>
@@ -6420,7 +6423,7 @@
           <a:p>
             <a:fld id="{C3F78080-8D0A-4BE8-A5B4-CB115102D524}" type="datetimeFigureOut">
               <a:rPr lang="en-US" smtClean="0"/>
-              <a:t>9/9/2022</a:t>
+              <a:t>10/27/2022</a:t>
             </a:fld>
             <a:endParaRPr lang="en-US"/>
           </a:p>
@@ -7620,6 +7623,156 @@
       </p:pic>
       <p:sp>
         <p:nvSpPr>
+          <p:cNvPr id="12" name="Title 1">
+            <a:extLst>
+              <a:ext uri="{FF2B5EF4-FFF2-40B4-BE49-F238E27FC236}">
+                <a16:creationId xmlns:a16="http://schemas.microsoft.com/office/drawing/2014/main" id="{E2FB948E-5ACE-4C88-8B2D-233F4E9F4797}"/>
+              </a:ext>
+            </a:extLst>
+          </p:cNvPr>
+          <p:cNvSpPr>
+            <a:spLocks noGrp="1"/>
+          </p:cNvSpPr>
+          <p:nvPr>
+            <p:ph type="title"/>
+          </p:nvPr>
+        </p:nvSpPr>
+        <p:spPr>
+          <a:xfrm>
+            <a:off x="0" y="2705764"/>
+            <a:ext cx="12192000" cy="1446472"/>
+          </a:xfrm>
+          <a:noFill/>
+        </p:spPr>
+        <p:txBody>
+          <a:bodyPr>
+            <a:noAutofit/>
+          </a:bodyPr>
+          <a:lstStyle/>
+          <a:p>
+            <a:pPr algn="ctr"/>
+            <a:r>
+              <a:rPr lang="en-US" sz="3600" dirty="0">
+                <a:solidFill>
+                  <a:schemeClr val="tx1">
+                    <a:lumMod val="65000"/>
+                    <a:lumOff val="35000"/>
+                  </a:schemeClr>
+                </a:solidFill>
+                <a:latin typeface="Palatino Linotype" panose="02040502050505030304" pitchFamily="18" charset="0"/>
+              </a:rPr>
+              <a:t>Jay Alamaar (Illustrated Transformer)</a:t>
+            </a:r>
+            <a:br>
+              <a:rPr lang="en-US" sz="3600" dirty="0">
+                <a:solidFill>
+                  <a:schemeClr val="tx1">
+                    <a:lumMod val="65000"/>
+                    <a:lumOff val="35000"/>
+                  </a:schemeClr>
+                </a:solidFill>
+                <a:latin typeface="Palatino Linotype" panose="02040502050505030304" pitchFamily="18" charset="0"/>
+              </a:rPr>
+            </a:br>
+            <a:r>
+              <a:rPr lang="en-US" sz="3600" dirty="0">
+                <a:solidFill>
+                  <a:schemeClr val="tx1">
+                    <a:lumMod val="65000"/>
+                    <a:lumOff val="35000"/>
+                  </a:schemeClr>
+                </a:solidFill>
+                <a:latin typeface="Palatino Linotype" panose="02040502050505030304" pitchFamily="18" charset="0"/>
+              </a:rPr>
+              <a:t>01.1_alamaar.ipynb</a:t>
+            </a:r>
+            <a:endParaRPr lang="en-US" sz="3600" dirty="0">
+              <a:solidFill>
+                <a:schemeClr val="tx1">
+                  <a:lumMod val="65000"/>
+                  <a:lumOff val="35000"/>
+                </a:schemeClr>
+              </a:solidFill>
+              <a:latin typeface="Palatino Linotype" panose="02040502050505030304" pitchFamily="18" charset="0"/>
+              <a:cs typeface="Segoe UI Light" panose="020B0502040204020203" pitchFamily="34" charset="0"/>
+            </a:endParaRPr>
+          </a:p>
+        </p:txBody>
+      </p:sp>
+    </p:spTree>
+    <p:extLst>
+      <p:ext uri="{BB962C8B-B14F-4D97-AF65-F5344CB8AC3E}">
+        <p14:creationId xmlns:p14="http://schemas.microsoft.com/office/powerpoint/2010/main" val="3902517881"/>
+      </p:ext>
+    </p:extLst>
+  </p:cSld>
+  <p:clrMapOvr>
+    <a:masterClrMapping/>
+  </p:clrMapOvr>
+  <mc:AlternateContent xmlns:mc="http://schemas.openxmlformats.org/markup-compatibility/2006" xmlns:p14="http://schemas.microsoft.com/office/powerpoint/2010/main">
+    <mc:Choice Requires="p14">
+      <p:transition spd="med" p14:dur="700">
+        <p:fade/>
+      </p:transition>
+    </mc:Choice>
+    <mc:Fallback xmlns="">
+      <p:transition spd="med">
+        <p:fade/>
+      </p:transition>
+    </mc:Fallback>
+  </mc:AlternateContent>
+</p:sld>
+</file>
+
+<file path=ppt/slides/slide15.xml><?xml version="1.0" encoding="utf-8"?>
+<p:sld xmlns:a="http://schemas.openxmlformats.org/drawingml/2006/main" xmlns:r="http://schemas.openxmlformats.org/officeDocument/2006/relationships" xmlns:p="http://schemas.openxmlformats.org/presentationml/2006/main">
+  <p:cSld>
+    <p:spTree>
+      <p:nvGrpSpPr>
+        <p:cNvPr id="1" name=""/>
+        <p:cNvGrpSpPr/>
+        <p:nvPr/>
+      </p:nvGrpSpPr>
+      <p:grpSpPr>
+        <a:xfrm>
+          <a:off x="0" y="0"/>
+          <a:ext cx="0" cy="0"/>
+          <a:chOff x="0" y="0"/>
+          <a:chExt cx="0" cy="0"/>
+        </a:xfrm>
+      </p:grpSpPr>
+      <p:pic>
+        <p:nvPicPr>
+          <p:cNvPr id="3" name="Picture 2">
+            <a:extLst>
+              <a:ext uri="{FF2B5EF4-FFF2-40B4-BE49-F238E27FC236}">
+                <a16:creationId xmlns:a16="http://schemas.microsoft.com/office/drawing/2014/main" id="{88CC7D4C-7D31-4E3C-92F7-200A7C7F587F}"/>
+              </a:ext>
+            </a:extLst>
+          </p:cNvPr>
+          <p:cNvPicPr>
+            <a:picLocks noChangeAspect="1"/>
+          </p:cNvPicPr>
+          <p:nvPr/>
+        </p:nvPicPr>
+        <p:blipFill>
+          <a:blip r:embed="rId3"/>
+          <a:stretch>
+            <a:fillRect/>
+          </a:stretch>
+        </p:blipFill>
+        <p:spPr>
+          <a:xfrm>
+            <a:off x="0" y="365760"/>
+            <a:ext cx="3233668" cy="805144"/>
+          </a:xfrm>
+          <a:prstGeom prst="rect">
+            <a:avLst/>
+          </a:prstGeom>
+        </p:spPr>
+      </p:pic>
+      <p:sp>
+        <p:nvSpPr>
           <p:cNvPr id="4" name="Title 1">
             <a:extLst>
               <a:ext uri="{FF2B5EF4-FFF2-40B4-BE49-F238E27FC236}">
@@ -7740,7 +7893,7 @@
 </p:sld>
 </file>
 
-<file path=ppt/slides/slide15.xml><?xml version="1.0" encoding="utf-8"?>
+<file path=ppt/slides/slide16.xml><?xml version="1.0" encoding="utf-8"?>
 <p:sld xmlns:a="http://schemas.openxmlformats.org/drawingml/2006/main" xmlns:r="http://schemas.openxmlformats.org/officeDocument/2006/relationships" xmlns:p="http://schemas.openxmlformats.org/presentationml/2006/main">
   <p:cSld>
     <p:spTree>
@@ -8143,7 +8296,7 @@
 </p:sld>
 </file>
 
-<file path=ppt/slides/slide16.xml><?xml version="1.0" encoding="utf-8"?>
+<file path=ppt/slides/slide17.xml><?xml version="1.0" encoding="utf-8"?>
 <p:sld xmlns:a="http://schemas.openxmlformats.org/drawingml/2006/main" xmlns:r="http://schemas.openxmlformats.org/officeDocument/2006/relationships" xmlns:p="http://schemas.openxmlformats.org/presentationml/2006/main">
   <p:cSld>
     <p:spTree>
@@ -8511,7 +8664,7 @@
 </p:sld>
 </file>
 
-<file path=ppt/slides/slide17.xml><?xml version="1.0" encoding="utf-8"?>
+<file path=ppt/slides/slide18.xml><?xml version="1.0" encoding="utf-8"?>
 <p:sld xmlns:a="http://schemas.openxmlformats.org/drawingml/2006/main" xmlns:r="http://schemas.openxmlformats.org/officeDocument/2006/relationships" xmlns:p="http://schemas.openxmlformats.org/presentationml/2006/main">
   <p:cSld>
     <p:spTree>
@@ -9087,7 +9240,7 @@
 </p:sld>
 </file>
 
-<file path=ppt/slides/slide18.xml><?xml version="1.0" encoding="utf-8"?>
+<file path=ppt/slides/slide19.xml><?xml version="1.0" encoding="utf-8"?>
 <p:sld xmlns:a="http://schemas.openxmlformats.org/drawingml/2006/main" xmlns:r="http://schemas.openxmlformats.org/officeDocument/2006/relationships" xmlns:p="http://schemas.openxmlformats.org/presentationml/2006/main">
   <p:cSld>
     <p:spTree>
@@ -9344,7 +9497,795 @@
 </p:sld>
 </file>
 
-<file path=ppt/slides/slide19.xml><?xml version="1.0" encoding="utf-8"?>
+<file path=ppt/slides/slide2.xml><?xml version="1.0" encoding="utf-8"?>
+<p:sld xmlns:a="http://schemas.openxmlformats.org/drawingml/2006/main" xmlns:r="http://schemas.openxmlformats.org/officeDocument/2006/relationships" xmlns:p="http://schemas.openxmlformats.org/presentationml/2006/main">
+  <p:cSld>
+    <p:spTree>
+      <p:nvGrpSpPr>
+        <p:cNvPr id="1" name=""/>
+        <p:cNvGrpSpPr/>
+        <p:nvPr/>
+      </p:nvGrpSpPr>
+      <p:grpSpPr>
+        <a:xfrm>
+          <a:off x="0" y="0"/>
+          <a:ext cx="0" cy="0"/>
+          <a:chOff x="0" y="0"/>
+          <a:chExt cx="0" cy="0"/>
+        </a:xfrm>
+      </p:grpSpPr>
+      <p:sp>
+        <p:nvSpPr>
+          <p:cNvPr id="2" name="Title 1">
+            <a:extLst>
+              <a:ext uri="{FF2B5EF4-FFF2-40B4-BE49-F238E27FC236}">
+                <a16:creationId xmlns:a16="http://schemas.microsoft.com/office/drawing/2014/main" id="{0E138177-E2EE-ACAC-A57C-F03FA29EC836}"/>
+              </a:ext>
+            </a:extLst>
+          </p:cNvPr>
+          <p:cNvSpPr>
+            <a:spLocks noGrp="1"/>
+          </p:cNvSpPr>
+          <p:nvPr>
+            <p:ph type="title"/>
+          </p:nvPr>
+        </p:nvSpPr>
+        <p:spPr/>
+        <p:txBody>
+          <a:bodyPr/>
+          <a:lstStyle/>
+          <a:p>
+            <a:r>
+              <a:rPr lang="en-US" dirty="0">
+                <a:solidFill>
+                  <a:schemeClr val="tx1">
+                    <a:lumMod val="75000"/>
+                    <a:lumOff val="25000"/>
+                  </a:schemeClr>
+                </a:solidFill>
+                <a:latin typeface="Palatino Linotype" panose="02040502050505030304" pitchFamily="18" charset="0"/>
+              </a:rPr>
+              <a:t>Lesson Overview</a:t>
+            </a:r>
+          </a:p>
+        </p:txBody>
+      </p:sp>
+      <p:sp>
+        <p:nvSpPr>
+          <p:cNvPr id="3" name="Content Placeholder 2">
+            <a:extLst>
+              <a:ext uri="{FF2B5EF4-FFF2-40B4-BE49-F238E27FC236}">
+                <a16:creationId xmlns:a16="http://schemas.microsoft.com/office/drawing/2014/main" id="{8626DB86-54B4-A1E2-6C25-C049F364ED25}"/>
+              </a:ext>
+            </a:extLst>
+          </p:cNvPr>
+          <p:cNvSpPr>
+            <a:spLocks noGrp="1"/>
+          </p:cNvSpPr>
+          <p:nvPr>
+            <p:ph idx="1"/>
+          </p:nvPr>
+        </p:nvSpPr>
+        <p:spPr>
+          <a:xfrm>
+            <a:off x="1013564" y="1825626"/>
+            <a:ext cx="10515600" cy="504215"/>
+          </a:xfrm>
+        </p:spPr>
+        <p:txBody>
+          <a:bodyPr/>
+          <a:lstStyle/>
+          <a:p>
+            <a:pPr>
+              <a:buFont typeface="Wingdings" panose="05000000000000000000" pitchFamily="2" charset="2"/>
+              <a:buChar char="Ø"/>
+            </a:pPr>
+            <a:r>
+              <a:rPr lang="en-US" dirty="0">
+                <a:solidFill>
+                  <a:schemeClr val="tx1">
+                    <a:lumMod val="75000"/>
+                    <a:lumOff val="25000"/>
+                  </a:schemeClr>
+                </a:solidFill>
+              </a:rPr>
+              <a:t> </a:t>
+            </a:r>
+            <a:r>
+              <a:rPr lang="en-US" dirty="0">
+                <a:solidFill>
+                  <a:schemeClr val="tx1">
+                    <a:lumMod val="75000"/>
+                    <a:lumOff val="25000"/>
+                  </a:schemeClr>
+                </a:solidFill>
+                <a:latin typeface="Palatino Linotype" panose="02040502050505030304" pitchFamily="18" charset="0"/>
+              </a:rPr>
+              <a:t>Learning Objective 1</a:t>
+            </a:r>
+          </a:p>
+        </p:txBody>
+      </p:sp>
+      <p:sp>
+        <p:nvSpPr>
+          <p:cNvPr id="5" name="Content Placeholder 2">
+            <a:extLst>
+              <a:ext uri="{FF2B5EF4-FFF2-40B4-BE49-F238E27FC236}">
+                <a16:creationId xmlns:a16="http://schemas.microsoft.com/office/drawing/2014/main" id="{7070644F-62DF-8674-4A8A-C2FA1554028E}"/>
+              </a:ext>
+            </a:extLst>
+          </p:cNvPr>
+          <p:cNvSpPr txBox="1">
+            <a:spLocks/>
+          </p:cNvSpPr>
+          <p:nvPr/>
+        </p:nvSpPr>
+        <p:spPr>
+          <a:xfrm>
+            <a:off x="1013564" y="2464778"/>
+            <a:ext cx="10515600" cy="504215"/>
+          </a:xfrm>
+          <a:prstGeom prst="rect">
+            <a:avLst/>
+          </a:prstGeom>
+        </p:spPr>
+        <p:txBody>
+          <a:bodyPr vert="horz" lIns="91440" tIns="45720" rIns="91440" bIns="45720" rtlCol="0">
+            <a:normAutofit/>
+          </a:bodyPr>
+          <a:lstStyle>
+            <a:lvl1pPr marL="228600" indent="-228600" algn="l" defTabSz="914400" rtl="0" eaLnBrk="1" latinLnBrk="0" hangingPunct="1">
+              <a:lnSpc>
+                <a:spcPct val="90000"/>
+              </a:lnSpc>
+              <a:spcBef>
+                <a:spcPts val="1000"/>
+              </a:spcBef>
+              <a:buFont typeface="Arial" panose="020B0604020202020204" pitchFamily="34" charset="0"/>
+              <a:buChar char="•"/>
+              <a:defRPr sz="2800" kern="1200">
+                <a:solidFill>
+                  <a:schemeClr val="tx1"/>
+                </a:solidFill>
+                <a:latin typeface="+mn-lt"/>
+                <a:ea typeface="+mn-ea"/>
+                <a:cs typeface="+mn-cs"/>
+              </a:defRPr>
+            </a:lvl1pPr>
+            <a:lvl2pPr marL="685800" indent="-228600" algn="l" defTabSz="914400" rtl="0" eaLnBrk="1" latinLnBrk="0" hangingPunct="1">
+              <a:lnSpc>
+                <a:spcPct val="90000"/>
+              </a:lnSpc>
+              <a:spcBef>
+                <a:spcPts val="500"/>
+              </a:spcBef>
+              <a:buFont typeface="Arial" panose="020B0604020202020204" pitchFamily="34" charset="0"/>
+              <a:buChar char="•"/>
+              <a:defRPr sz="2400" kern="1200">
+                <a:solidFill>
+                  <a:schemeClr val="tx1"/>
+                </a:solidFill>
+                <a:latin typeface="+mn-lt"/>
+                <a:ea typeface="+mn-ea"/>
+                <a:cs typeface="+mn-cs"/>
+              </a:defRPr>
+            </a:lvl2pPr>
+            <a:lvl3pPr marL="1143000" indent="-228600" algn="l" defTabSz="914400" rtl="0" eaLnBrk="1" latinLnBrk="0" hangingPunct="1">
+              <a:lnSpc>
+                <a:spcPct val="90000"/>
+              </a:lnSpc>
+              <a:spcBef>
+                <a:spcPts val="500"/>
+              </a:spcBef>
+              <a:buFont typeface="Arial" panose="020B0604020202020204" pitchFamily="34" charset="0"/>
+              <a:buChar char="•"/>
+              <a:defRPr sz="2000" kern="1200">
+                <a:solidFill>
+                  <a:schemeClr val="tx1"/>
+                </a:solidFill>
+                <a:latin typeface="+mn-lt"/>
+                <a:ea typeface="+mn-ea"/>
+                <a:cs typeface="+mn-cs"/>
+              </a:defRPr>
+            </a:lvl3pPr>
+            <a:lvl4pPr marL="1600200" indent="-228600" algn="l" defTabSz="914400" rtl="0" eaLnBrk="1" latinLnBrk="0" hangingPunct="1">
+              <a:lnSpc>
+                <a:spcPct val="90000"/>
+              </a:lnSpc>
+              <a:spcBef>
+                <a:spcPts val="500"/>
+              </a:spcBef>
+              <a:buFont typeface="Arial" panose="020B0604020202020204" pitchFamily="34" charset="0"/>
+              <a:buChar char="•"/>
+              <a:defRPr sz="1800" kern="1200">
+                <a:solidFill>
+                  <a:schemeClr val="tx1"/>
+                </a:solidFill>
+                <a:latin typeface="+mn-lt"/>
+                <a:ea typeface="+mn-ea"/>
+                <a:cs typeface="+mn-cs"/>
+              </a:defRPr>
+            </a:lvl4pPr>
+            <a:lvl5pPr marL="2057400" indent="-228600" algn="l" defTabSz="914400" rtl="0" eaLnBrk="1" latinLnBrk="0" hangingPunct="1">
+              <a:lnSpc>
+                <a:spcPct val="90000"/>
+              </a:lnSpc>
+              <a:spcBef>
+                <a:spcPts val="500"/>
+              </a:spcBef>
+              <a:buFont typeface="Arial" panose="020B0604020202020204" pitchFamily="34" charset="0"/>
+              <a:buChar char="•"/>
+              <a:defRPr sz="1800" kern="1200">
+                <a:solidFill>
+                  <a:schemeClr val="tx1"/>
+                </a:solidFill>
+                <a:latin typeface="+mn-lt"/>
+                <a:ea typeface="+mn-ea"/>
+                <a:cs typeface="+mn-cs"/>
+              </a:defRPr>
+            </a:lvl5pPr>
+            <a:lvl6pPr marL="2514600" indent="-228600" algn="l" defTabSz="914400" rtl="0" eaLnBrk="1" latinLnBrk="0" hangingPunct="1">
+              <a:lnSpc>
+                <a:spcPct val="90000"/>
+              </a:lnSpc>
+              <a:spcBef>
+                <a:spcPts val="500"/>
+              </a:spcBef>
+              <a:buFont typeface="Arial" panose="020B0604020202020204" pitchFamily="34" charset="0"/>
+              <a:buChar char="•"/>
+              <a:defRPr sz="1800" kern="1200">
+                <a:solidFill>
+                  <a:schemeClr val="tx1"/>
+                </a:solidFill>
+                <a:latin typeface="+mn-lt"/>
+                <a:ea typeface="+mn-ea"/>
+                <a:cs typeface="+mn-cs"/>
+              </a:defRPr>
+            </a:lvl6pPr>
+            <a:lvl7pPr marL="2971800" indent="-228600" algn="l" defTabSz="914400" rtl="0" eaLnBrk="1" latinLnBrk="0" hangingPunct="1">
+              <a:lnSpc>
+                <a:spcPct val="90000"/>
+              </a:lnSpc>
+              <a:spcBef>
+                <a:spcPts val="500"/>
+              </a:spcBef>
+              <a:buFont typeface="Arial" panose="020B0604020202020204" pitchFamily="34" charset="0"/>
+              <a:buChar char="•"/>
+              <a:defRPr sz="1800" kern="1200">
+                <a:solidFill>
+                  <a:schemeClr val="tx1"/>
+                </a:solidFill>
+                <a:latin typeface="+mn-lt"/>
+                <a:ea typeface="+mn-ea"/>
+                <a:cs typeface="+mn-cs"/>
+              </a:defRPr>
+            </a:lvl7pPr>
+            <a:lvl8pPr marL="3429000" indent="-228600" algn="l" defTabSz="914400" rtl="0" eaLnBrk="1" latinLnBrk="0" hangingPunct="1">
+              <a:lnSpc>
+                <a:spcPct val="90000"/>
+              </a:lnSpc>
+              <a:spcBef>
+                <a:spcPts val="500"/>
+              </a:spcBef>
+              <a:buFont typeface="Arial" panose="020B0604020202020204" pitchFamily="34" charset="0"/>
+              <a:buChar char="•"/>
+              <a:defRPr sz="1800" kern="1200">
+                <a:solidFill>
+                  <a:schemeClr val="tx1"/>
+                </a:solidFill>
+                <a:latin typeface="+mn-lt"/>
+                <a:ea typeface="+mn-ea"/>
+                <a:cs typeface="+mn-cs"/>
+              </a:defRPr>
+            </a:lvl8pPr>
+            <a:lvl9pPr marL="3886200" indent="-228600" algn="l" defTabSz="914400" rtl="0" eaLnBrk="1" latinLnBrk="0" hangingPunct="1">
+              <a:lnSpc>
+                <a:spcPct val="90000"/>
+              </a:lnSpc>
+              <a:spcBef>
+                <a:spcPts val="500"/>
+              </a:spcBef>
+              <a:buFont typeface="Arial" panose="020B0604020202020204" pitchFamily="34" charset="0"/>
+              <a:buChar char="•"/>
+              <a:defRPr sz="1800" kern="1200">
+                <a:solidFill>
+                  <a:schemeClr val="tx1"/>
+                </a:solidFill>
+                <a:latin typeface="+mn-lt"/>
+                <a:ea typeface="+mn-ea"/>
+                <a:cs typeface="+mn-cs"/>
+              </a:defRPr>
+            </a:lvl9pPr>
+          </a:lstStyle>
+          <a:p>
+            <a:pPr>
+              <a:buFont typeface="Wingdings" panose="05000000000000000000" pitchFamily="2" charset="2"/>
+              <a:buChar char="Ø"/>
+            </a:pPr>
+            <a:r>
+              <a:rPr lang="en-US" dirty="0">
+                <a:solidFill>
+                  <a:schemeClr val="tx1">
+                    <a:lumMod val="75000"/>
+                    <a:lumOff val="25000"/>
+                  </a:schemeClr>
+                </a:solidFill>
+              </a:rPr>
+              <a:t> </a:t>
+            </a:r>
+            <a:r>
+              <a:rPr lang="en-US" dirty="0">
+                <a:solidFill>
+                  <a:schemeClr val="tx1">
+                    <a:lumMod val="75000"/>
+                    <a:lumOff val="25000"/>
+                  </a:schemeClr>
+                </a:solidFill>
+                <a:latin typeface="Palatino Linotype" panose="02040502050505030304" pitchFamily="18" charset="0"/>
+              </a:rPr>
+              <a:t>Learning Objective 1</a:t>
+            </a:r>
+          </a:p>
+        </p:txBody>
+      </p:sp>
+      <p:sp>
+        <p:nvSpPr>
+          <p:cNvPr id="6" name="Content Placeholder 2">
+            <a:extLst>
+              <a:ext uri="{FF2B5EF4-FFF2-40B4-BE49-F238E27FC236}">
+                <a16:creationId xmlns:a16="http://schemas.microsoft.com/office/drawing/2014/main" id="{FF2490E1-D7A0-7027-6DCC-60BB6819CD9E}"/>
+              </a:ext>
+            </a:extLst>
+          </p:cNvPr>
+          <p:cNvSpPr txBox="1">
+            <a:spLocks/>
+          </p:cNvSpPr>
+          <p:nvPr/>
+        </p:nvSpPr>
+        <p:spPr>
+          <a:xfrm>
+            <a:off x="1013564" y="3103930"/>
+            <a:ext cx="10515600" cy="504215"/>
+          </a:xfrm>
+          <a:prstGeom prst="rect">
+            <a:avLst/>
+          </a:prstGeom>
+        </p:spPr>
+        <p:txBody>
+          <a:bodyPr vert="horz" lIns="91440" tIns="45720" rIns="91440" bIns="45720" rtlCol="0">
+            <a:normAutofit/>
+          </a:bodyPr>
+          <a:lstStyle>
+            <a:lvl1pPr marL="228600" indent="-228600" algn="l" defTabSz="914400" rtl="0" eaLnBrk="1" latinLnBrk="0" hangingPunct="1">
+              <a:lnSpc>
+                <a:spcPct val="90000"/>
+              </a:lnSpc>
+              <a:spcBef>
+                <a:spcPts val="1000"/>
+              </a:spcBef>
+              <a:buFont typeface="Arial" panose="020B0604020202020204" pitchFamily="34" charset="0"/>
+              <a:buChar char="•"/>
+              <a:defRPr sz="2800" kern="1200">
+                <a:solidFill>
+                  <a:schemeClr val="tx1"/>
+                </a:solidFill>
+                <a:latin typeface="+mn-lt"/>
+                <a:ea typeface="+mn-ea"/>
+                <a:cs typeface="+mn-cs"/>
+              </a:defRPr>
+            </a:lvl1pPr>
+            <a:lvl2pPr marL="685800" indent="-228600" algn="l" defTabSz="914400" rtl="0" eaLnBrk="1" latinLnBrk="0" hangingPunct="1">
+              <a:lnSpc>
+                <a:spcPct val="90000"/>
+              </a:lnSpc>
+              <a:spcBef>
+                <a:spcPts val="500"/>
+              </a:spcBef>
+              <a:buFont typeface="Arial" panose="020B0604020202020204" pitchFamily="34" charset="0"/>
+              <a:buChar char="•"/>
+              <a:defRPr sz="2400" kern="1200">
+                <a:solidFill>
+                  <a:schemeClr val="tx1"/>
+                </a:solidFill>
+                <a:latin typeface="+mn-lt"/>
+                <a:ea typeface="+mn-ea"/>
+                <a:cs typeface="+mn-cs"/>
+              </a:defRPr>
+            </a:lvl2pPr>
+            <a:lvl3pPr marL="1143000" indent="-228600" algn="l" defTabSz="914400" rtl="0" eaLnBrk="1" latinLnBrk="0" hangingPunct="1">
+              <a:lnSpc>
+                <a:spcPct val="90000"/>
+              </a:lnSpc>
+              <a:spcBef>
+                <a:spcPts val="500"/>
+              </a:spcBef>
+              <a:buFont typeface="Arial" panose="020B0604020202020204" pitchFamily="34" charset="0"/>
+              <a:buChar char="•"/>
+              <a:defRPr sz="2000" kern="1200">
+                <a:solidFill>
+                  <a:schemeClr val="tx1"/>
+                </a:solidFill>
+                <a:latin typeface="+mn-lt"/>
+                <a:ea typeface="+mn-ea"/>
+                <a:cs typeface="+mn-cs"/>
+              </a:defRPr>
+            </a:lvl3pPr>
+            <a:lvl4pPr marL="1600200" indent="-228600" algn="l" defTabSz="914400" rtl="0" eaLnBrk="1" latinLnBrk="0" hangingPunct="1">
+              <a:lnSpc>
+                <a:spcPct val="90000"/>
+              </a:lnSpc>
+              <a:spcBef>
+                <a:spcPts val="500"/>
+              </a:spcBef>
+              <a:buFont typeface="Arial" panose="020B0604020202020204" pitchFamily="34" charset="0"/>
+              <a:buChar char="•"/>
+              <a:defRPr sz="1800" kern="1200">
+                <a:solidFill>
+                  <a:schemeClr val="tx1"/>
+                </a:solidFill>
+                <a:latin typeface="+mn-lt"/>
+                <a:ea typeface="+mn-ea"/>
+                <a:cs typeface="+mn-cs"/>
+              </a:defRPr>
+            </a:lvl4pPr>
+            <a:lvl5pPr marL="2057400" indent="-228600" algn="l" defTabSz="914400" rtl="0" eaLnBrk="1" latinLnBrk="0" hangingPunct="1">
+              <a:lnSpc>
+                <a:spcPct val="90000"/>
+              </a:lnSpc>
+              <a:spcBef>
+                <a:spcPts val="500"/>
+              </a:spcBef>
+              <a:buFont typeface="Arial" panose="020B0604020202020204" pitchFamily="34" charset="0"/>
+              <a:buChar char="•"/>
+              <a:defRPr sz="1800" kern="1200">
+                <a:solidFill>
+                  <a:schemeClr val="tx1"/>
+                </a:solidFill>
+                <a:latin typeface="+mn-lt"/>
+                <a:ea typeface="+mn-ea"/>
+                <a:cs typeface="+mn-cs"/>
+              </a:defRPr>
+            </a:lvl5pPr>
+            <a:lvl6pPr marL="2514600" indent="-228600" algn="l" defTabSz="914400" rtl="0" eaLnBrk="1" latinLnBrk="0" hangingPunct="1">
+              <a:lnSpc>
+                <a:spcPct val="90000"/>
+              </a:lnSpc>
+              <a:spcBef>
+                <a:spcPts val="500"/>
+              </a:spcBef>
+              <a:buFont typeface="Arial" panose="020B0604020202020204" pitchFamily="34" charset="0"/>
+              <a:buChar char="•"/>
+              <a:defRPr sz="1800" kern="1200">
+                <a:solidFill>
+                  <a:schemeClr val="tx1"/>
+                </a:solidFill>
+                <a:latin typeface="+mn-lt"/>
+                <a:ea typeface="+mn-ea"/>
+                <a:cs typeface="+mn-cs"/>
+              </a:defRPr>
+            </a:lvl6pPr>
+            <a:lvl7pPr marL="2971800" indent="-228600" algn="l" defTabSz="914400" rtl="0" eaLnBrk="1" latinLnBrk="0" hangingPunct="1">
+              <a:lnSpc>
+                <a:spcPct val="90000"/>
+              </a:lnSpc>
+              <a:spcBef>
+                <a:spcPts val="500"/>
+              </a:spcBef>
+              <a:buFont typeface="Arial" panose="020B0604020202020204" pitchFamily="34" charset="0"/>
+              <a:buChar char="•"/>
+              <a:defRPr sz="1800" kern="1200">
+                <a:solidFill>
+                  <a:schemeClr val="tx1"/>
+                </a:solidFill>
+                <a:latin typeface="+mn-lt"/>
+                <a:ea typeface="+mn-ea"/>
+                <a:cs typeface="+mn-cs"/>
+              </a:defRPr>
+            </a:lvl7pPr>
+            <a:lvl8pPr marL="3429000" indent="-228600" algn="l" defTabSz="914400" rtl="0" eaLnBrk="1" latinLnBrk="0" hangingPunct="1">
+              <a:lnSpc>
+                <a:spcPct val="90000"/>
+              </a:lnSpc>
+              <a:spcBef>
+                <a:spcPts val="500"/>
+              </a:spcBef>
+              <a:buFont typeface="Arial" panose="020B0604020202020204" pitchFamily="34" charset="0"/>
+              <a:buChar char="•"/>
+              <a:defRPr sz="1800" kern="1200">
+                <a:solidFill>
+                  <a:schemeClr val="tx1"/>
+                </a:solidFill>
+                <a:latin typeface="+mn-lt"/>
+                <a:ea typeface="+mn-ea"/>
+                <a:cs typeface="+mn-cs"/>
+              </a:defRPr>
+            </a:lvl8pPr>
+            <a:lvl9pPr marL="3886200" indent="-228600" algn="l" defTabSz="914400" rtl="0" eaLnBrk="1" latinLnBrk="0" hangingPunct="1">
+              <a:lnSpc>
+                <a:spcPct val="90000"/>
+              </a:lnSpc>
+              <a:spcBef>
+                <a:spcPts val="500"/>
+              </a:spcBef>
+              <a:buFont typeface="Arial" panose="020B0604020202020204" pitchFamily="34" charset="0"/>
+              <a:buChar char="•"/>
+              <a:defRPr sz="1800" kern="1200">
+                <a:solidFill>
+                  <a:schemeClr val="tx1"/>
+                </a:solidFill>
+                <a:latin typeface="+mn-lt"/>
+                <a:ea typeface="+mn-ea"/>
+                <a:cs typeface="+mn-cs"/>
+              </a:defRPr>
+            </a:lvl9pPr>
+          </a:lstStyle>
+          <a:p>
+            <a:pPr>
+              <a:buFont typeface="Wingdings" panose="05000000000000000000" pitchFamily="2" charset="2"/>
+              <a:buChar char="Ø"/>
+            </a:pPr>
+            <a:r>
+              <a:rPr lang="en-US" dirty="0">
+                <a:solidFill>
+                  <a:schemeClr val="tx1">
+                    <a:lumMod val="75000"/>
+                    <a:lumOff val="25000"/>
+                  </a:schemeClr>
+                </a:solidFill>
+              </a:rPr>
+              <a:t> </a:t>
+            </a:r>
+            <a:r>
+              <a:rPr lang="en-US" dirty="0">
+                <a:solidFill>
+                  <a:schemeClr val="tx1">
+                    <a:lumMod val="75000"/>
+                    <a:lumOff val="25000"/>
+                  </a:schemeClr>
+                </a:solidFill>
+                <a:latin typeface="Palatino Linotype" panose="02040502050505030304" pitchFamily="18" charset="0"/>
+              </a:rPr>
+              <a:t>Learning Objective 1</a:t>
+            </a:r>
+          </a:p>
+        </p:txBody>
+      </p:sp>
+      <p:sp>
+        <p:nvSpPr>
+          <p:cNvPr id="7" name="Content Placeholder 2">
+            <a:extLst>
+              <a:ext uri="{FF2B5EF4-FFF2-40B4-BE49-F238E27FC236}">
+                <a16:creationId xmlns:a16="http://schemas.microsoft.com/office/drawing/2014/main" id="{6D3279E5-D518-B484-9FCF-B12663A4E8FF}"/>
+              </a:ext>
+            </a:extLst>
+          </p:cNvPr>
+          <p:cNvSpPr txBox="1">
+            <a:spLocks/>
+          </p:cNvSpPr>
+          <p:nvPr/>
+        </p:nvSpPr>
+        <p:spPr>
+          <a:xfrm>
+            <a:off x="1013564" y="3743082"/>
+            <a:ext cx="10515600" cy="504215"/>
+          </a:xfrm>
+          <a:prstGeom prst="rect">
+            <a:avLst/>
+          </a:prstGeom>
+        </p:spPr>
+        <p:txBody>
+          <a:bodyPr vert="horz" lIns="91440" tIns="45720" rIns="91440" bIns="45720" rtlCol="0">
+            <a:normAutofit/>
+          </a:bodyPr>
+          <a:lstStyle>
+            <a:lvl1pPr marL="228600" indent="-228600" algn="l" defTabSz="914400" rtl="0" eaLnBrk="1" latinLnBrk="0" hangingPunct="1">
+              <a:lnSpc>
+                <a:spcPct val="90000"/>
+              </a:lnSpc>
+              <a:spcBef>
+                <a:spcPts val="1000"/>
+              </a:spcBef>
+              <a:buFont typeface="Arial" panose="020B0604020202020204" pitchFamily="34" charset="0"/>
+              <a:buChar char="•"/>
+              <a:defRPr sz="2800" kern="1200">
+                <a:solidFill>
+                  <a:schemeClr val="tx1"/>
+                </a:solidFill>
+                <a:latin typeface="+mn-lt"/>
+                <a:ea typeface="+mn-ea"/>
+                <a:cs typeface="+mn-cs"/>
+              </a:defRPr>
+            </a:lvl1pPr>
+            <a:lvl2pPr marL="685800" indent="-228600" algn="l" defTabSz="914400" rtl="0" eaLnBrk="1" latinLnBrk="0" hangingPunct="1">
+              <a:lnSpc>
+                <a:spcPct val="90000"/>
+              </a:lnSpc>
+              <a:spcBef>
+                <a:spcPts val="500"/>
+              </a:spcBef>
+              <a:buFont typeface="Arial" panose="020B0604020202020204" pitchFamily="34" charset="0"/>
+              <a:buChar char="•"/>
+              <a:defRPr sz="2400" kern="1200">
+                <a:solidFill>
+                  <a:schemeClr val="tx1"/>
+                </a:solidFill>
+                <a:latin typeface="+mn-lt"/>
+                <a:ea typeface="+mn-ea"/>
+                <a:cs typeface="+mn-cs"/>
+              </a:defRPr>
+            </a:lvl2pPr>
+            <a:lvl3pPr marL="1143000" indent="-228600" algn="l" defTabSz="914400" rtl="0" eaLnBrk="1" latinLnBrk="0" hangingPunct="1">
+              <a:lnSpc>
+                <a:spcPct val="90000"/>
+              </a:lnSpc>
+              <a:spcBef>
+                <a:spcPts val="500"/>
+              </a:spcBef>
+              <a:buFont typeface="Arial" panose="020B0604020202020204" pitchFamily="34" charset="0"/>
+              <a:buChar char="•"/>
+              <a:defRPr sz="2000" kern="1200">
+                <a:solidFill>
+                  <a:schemeClr val="tx1"/>
+                </a:solidFill>
+                <a:latin typeface="+mn-lt"/>
+                <a:ea typeface="+mn-ea"/>
+                <a:cs typeface="+mn-cs"/>
+              </a:defRPr>
+            </a:lvl3pPr>
+            <a:lvl4pPr marL="1600200" indent="-228600" algn="l" defTabSz="914400" rtl="0" eaLnBrk="1" latinLnBrk="0" hangingPunct="1">
+              <a:lnSpc>
+                <a:spcPct val="90000"/>
+              </a:lnSpc>
+              <a:spcBef>
+                <a:spcPts val="500"/>
+              </a:spcBef>
+              <a:buFont typeface="Arial" panose="020B0604020202020204" pitchFamily="34" charset="0"/>
+              <a:buChar char="•"/>
+              <a:defRPr sz="1800" kern="1200">
+                <a:solidFill>
+                  <a:schemeClr val="tx1"/>
+                </a:solidFill>
+                <a:latin typeface="+mn-lt"/>
+                <a:ea typeface="+mn-ea"/>
+                <a:cs typeface="+mn-cs"/>
+              </a:defRPr>
+            </a:lvl4pPr>
+            <a:lvl5pPr marL="2057400" indent="-228600" algn="l" defTabSz="914400" rtl="0" eaLnBrk="1" latinLnBrk="0" hangingPunct="1">
+              <a:lnSpc>
+                <a:spcPct val="90000"/>
+              </a:lnSpc>
+              <a:spcBef>
+                <a:spcPts val="500"/>
+              </a:spcBef>
+              <a:buFont typeface="Arial" panose="020B0604020202020204" pitchFamily="34" charset="0"/>
+              <a:buChar char="•"/>
+              <a:defRPr sz="1800" kern="1200">
+                <a:solidFill>
+                  <a:schemeClr val="tx1"/>
+                </a:solidFill>
+                <a:latin typeface="+mn-lt"/>
+                <a:ea typeface="+mn-ea"/>
+                <a:cs typeface="+mn-cs"/>
+              </a:defRPr>
+            </a:lvl5pPr>
+            <a:lvl6pPr marL="2514600" indent="-228600" algn="l" defTabSz="914400" rtl="0" eaLnBrk="1" latinLnBrk="0" hangingPunct="1">
+              <a:lnSpc>
+                <a:spcPct val="90000"/>
+              </a:lnSpc>
+              <a:spcBef>
+                <a:spcPts val="500"/>
+              </a:spcBef>
+              <a:buFont typeface="Arial" panose="020B0604020202020204" pitchFamily="34" charset="0"/>
+              <a:buChar char="•"/>
+              <a:defRPr sz="1800" kern="1200">
+                <a:solidFill>
+                  <a:schemeClr val="tx1"/>
+                </a:solidFill>
+                <a:latin typeface="+mn-lt"/>
+                <a:ea typeface="+mn-ea"/>
+                <a:cs typeface="+mn-cs"/>
+              </a:defRPr>
+            </a:lvl6pPr>
+            <a:lvl7pPr marL="2971800" indent="-228600" algn="l" defTabSz="914400" rtl="0" eaLnBrk="1" latinLnBrk="0" hangingPunct="1">
+              <a:lnSpc>
+                <a:spcPct val="90000"/>
+              </a:lnSpc>
+              <a:spcBef>
+                <a:spcPts val="500"/>
+              </a:spcBef>
+              <a:buFont typeface="Arial" panose="020B0604020202020204" pitchFamily="34" charset="0"/>
+              <a:buChar char="•"/>
+              <a:defRPr sz="1800" kern="1200">
+                <a:solidFill>
+                  <a:schemeClr val="tx1"/>
+                </a:solidFill>
+                <a:latin typeface="+mn-lt"/>
+                <a:ea typeface="+mn-ea"/>
+                <a:cs typeface="+mn-cs"/>
+              </a:defRPr>
+            </a:lvl7pPr>
+            <a:lvl8pPr marL="3429000" indent="-228600" algn="l" defTabSz="914400" rtl="0" eaLnBrk="1" latinLnBrk="0" hangingPunct="1">
+              <a:lnSpc>
+                <a:spcPct val="90000"/>
+              </a:lnSpc>
+              <a:spcBef>
+                <a:spcPts val="500"/>
+              </a:spcBef>
+              <a:buFont typeface="Arial" panose="020B0604020202020204" pitchFamily="34" charset="0"/>
+              <a:buChar char="•"/>
+              <a:defRPr sz="1800" kern="1200">
+                <a:solidFill>
+                  <a:schemeClr val="tx1"/>
+                </a:solidFill>
+                <a:latin typeface="+mn-lt"/>
+                <a:ea typeface="+mn-ea"/>
+                <a:cs typeface="+mn-cs"/>
+              </a:defRPr>
+            </a:lvl8pPr>
+            <a:lvl9pPr marL="3886200" indent="-228600" algn="l" defTabSz="914400" rtl="0" eaLnBrk="1" latinLnBrk="0" hangingPunct="1">
+              <a:lnSpc>
+                <a:spcPct val="90000"/>
+              </a:lnSpc>
+              <a:spcBef>
+                <a:spcPts val="500"/>
+              </a:spcBef>
+              <a:buFont typeface="Arial" panose="020B0604020202020204" pitchFamily="34" charset="0"/>
+              <a:buChar char="•"/>
+              <a:defRPr sz="1800" kern="1200">
+                <a:solidFill>
+                  <a:schemeClr val="tx1"/>
+                </a:solidFill>
+                <a:latin typeface="+mn-lt"/>
+                <a:ea typeface="+mn-ea"/>
+                <a:cs typeface="+mn-cs"/>
+              </a:defRPr>
+            </a:lvl9pPr>
+          </a:lstStyle>
+          <a:p>
+            <a:pPr>
+              <a:buFont typeface="Wingdings" panose="05000000000000000000" pitchFamily="2" charset="2"/>
+              <a:buChar char="Ø"/>
+            </a:pPr>
+            <a:r>
+              <a:rPr lang="en-US" dirty="0">
+                <a:solidFill>
+                  <a:schemeClr val="tx1">
+                    <a:lumMod val="75000"/>
+                    <a:lumOff val="25000"/>
+                  </a:schemeClr>
+                </a:solidFill>
+              </a:rPr>
+              <a:t> </a:t>
+            </a:r>
+            <a:r>
+              <a:rPr lang="en-US" dirty="0">
+                <a:solidFill>
+                  <a:schemeClr val="tx1">
+                    <a:lumMod val="75000"/>
+                    <a:lumOff val="25000"/>
+                  </a:schemeClr>
+                </a:solidFill>
+                <a:latin typeface="Palatino Linotype" panose="02040502050505030304" pitchFamily="18" charset="0"/>
+              </a:rPr>
+              <a:t>Learning Objective 1</a:t>
+            </a:r>
+          </a:p>
+        </p:txBody>
+      </p:sp>
+    </p:spTree>
+    <p:extLst>
+      <p:ext uri="{BB962C8B-B14F-4D97-AF65-F5344CB8AC3E}">
+        <p14:creationId xmlns:p14="http://schemas.microsoft.com/office/powerpoint/2010/main" val="1416141381"/>
+      </p:ext>
+    </p:extLst>
+  </p:cSld>
+  <p:clrMapOvr>
+    <a:masterClrMapping/>
+  </p:clrMapOvr>
+</p:sld>
+</file>
+
+<file path=ppt/slides/slide20.xml><?xml version="1.0" encoding="utf-8"?>
 <p:sld xmlns:a="http://schemas.openxmlformats.org/drawingml/2006/main" xmlns:r="http://schemas.openxmlformats.org/officeDocument/2006/relationships" xmlns:p="http://schemas.openxmlformats.org/presentationml/2006/main">
   <p:cSld>
     <p:spTree>
@@ -9638,795 +10579,7 @@
 </p:sld>
 </file>
 
-<file path=ppt/slides/slide2.xml><?xml version="1.0" encoding="utf-8"?>
-<p:sld xmlns:a="http://schemas.openxmlformats.org/drawingml/2006/main" xmlns:r="http://schemas.openxmlformats.org/officeDocument/2006/relationships" xmlns:p="http://schemas.openxmlformats.org/presentationml/2006/main">
-  <p:cSld>
-    <p:spTree>
-      <p:nvGrpSpPr>
-        <p:cNvPr id="1" name=""/>
-        <p:cNvGrpSpPr/>
-        <p:nvPr/>
-      </p:nvGrpSpPr>
-      <p:grpSpPr>
-        <a:xfrm>
-          <a:off x="0" y="0"/>
-          <a:ext cx="0" cy="0"/>
-          <a:chOff x="0" y="0"/>
-          <a:chExt cx="0" cy="0"/>
-        </a:xfrm>
-      </p:grpSpPr>
-      <p:sp>
-        <p:nvSpPr>
-          <p:cNvPr id="2" name="Title 1">
-            <a:extLst>
-              <a:ext uri="{FF2B5EF4-FFF2-40B4-BE49-F238E27FC236}">
-                <a16:creationId xmlns:a16="http://schemas.microsoft.com/office/drawing/2014/main" id="{0E138177-E2EE-ACAC-A57C-F03FA29EC836}"/>
-              </a:ext>
-            </a:extLst>
-          </p:cNvPr>
-          <p:cNvSpPr>
-            <a:spLocks noGrp="1"/>
-          </p:cNvSpPr>
-          <p:nvPr>
-            <p:ph type="title"/>
-          </p:nvPr>
-        </p:nvSpPr>
-        <p:spPr/>
-        <p:txBody>
-          <a:bodyPr/>
-          <a:lstStyle/>
-          <a:p>
-            <a:r>
-              <a:rPr lang="en-US" dirty="0">
-                <a:solidFill>
-                  <a:schemeClr val="tx1">
-                    <a:lumMod val="75000"/>
-                    <a:lumOff val="25000"/>
-                  </a:schemeClr>
-                </a:solidFill>
-                <a:latin typeface="Palatino Linotype" panose="02040502050505030304" pitchFamily="18" charset="0"/>
-              </a:rPr>
-              <a:t>Lesson Overview</a:t>
-            </a:r>
-          </a:p>
-        </p:txBody>
-      </p:sp>
-      <p:sp>
-        <p:nvSpPr>
-          <p:cNvPr id="3" name="Content Placeholder 2">
-            <a:extLst>
-              <a:ext uri="{FF2B5EF4-FFF2-40B4-BE49-F238E27FC236}">
-                <a16:creationId xmlns:a16="http://schemas.microsoft.com/office/drawing/2014/main" id="{8626DB86-54B4-A1E2-6C25-C049F364ED25}"/>
-              </a:ext>
-            </a:extLst>
-          </p:cNvPr>
-          <p:cNvSpPr>
-            <a:spLocks noGrp="1"/>
-          </p:cNvSpPr>
-          <p:nvPr>
-            <p:ph idx="1"/>
-          </p:nvPr>
-        </p:nvSpPr>
-        <p:spPr>
-          <a:xfrm>
-            <a:off x="1013564" y="1825626"/>
-            <a:ext cx="10515600" cy="504215"/>
-          </a:xfrm>
-        </p:spPr>
-        <p:txBody>
-          <a:bodyPr/>
-          <a:lstStyle/>
-          <a:p>
-            <a:pPr>
-              <a:buFont typeface="Wingdings" panose="05000000000000000000" pitchFamily="2" charset="2"/>
-              <a:buChar char="Ø"/>
-            </a:pPr>
-            <a:r>
-              <a:rPr lang="en-US" dirty="0">
-                <a:solidFill>
-                  <a:schemeClr val="tx1">
-                    <a:lumMod val="75000"/>
-                    <a:lumOff val="25000"/>
-                  </a:schemeClr>
-                </a:solidFill>
-              </a:rPr>
-              <a:t> </a:t>
-            </a:r>
-            <a:r>
-              <a:rPr lang="en-US" dirty="0">
-                <a:solidFill>
-                  <a:schemeClr val="tx1">
-                    <a:lumMod val="75000"/>
-                    <a:lumOff val="25000"/>
-                  </a:schemeClr>
-                </a:solidFill>
-                <a:latin typeface="Palatino Linotype" panose="02040502050505030304" pitchFamily="18" charset="0"/>
-              </a:rPr>
-              <a:t>Learning Objective 1</a:t>
-            </a:r>
-          </a:p>
-        </p:txBody>
-      </p:sp>
-      <p:sp>
-        <p:nvSpPr>
-          <p:cNvPr id="5" name="Content Placeholder 2">
-            <a:extLst>
-              <a:ext uri="{FF2B5EF4-FFF2-40B4-BE49-F238E27FC236}">
-                <a16:creationId xmlns:a16="http://schemas.microsoft.com/office/drawing/2014/main" id="{7070644F-62DF-8674-4A8A-C2FA1554028E}"/>
-              </a:ext>
-            </a:extLst>
-          </p:cNvPr>
-          <p:cNvSpPr txBox="1">
-            <a:spLocks/>
-          </p:cNvSpPr>
-          <p:nvPr/>
-        </p:nvSpPr>
-        <p:spPr>
-          <a:xfrm>
-            <a:off x="1013564" y="2464778"/>
-            <a:ext cx="10515600" cy="504215"/>
-          </a:xfrm>
-          <a:prstGeom prst="rect">
-            <a:avLst/>
-          </a:prstGeom>
-        </p:spPr>
-        <p:txBody>
-          <a:bodyPr vert="horz" lIns="91440" tIns="45720" rIns="91440" bIns="45720" rtlCol="0">
-            <a:normAutofit/>
-          </a:bodyPr>
-          <a:lstStyle>
-            <a:lvl1pPr marL="228600" indent="-228600" algn="l" defTabSz="914400" rtl="0" eaLnBrk="1" latinLnBrk="0" hangingPunct="1">
-              <a:lnSpc>
-                <a:spcPct val="90000"/>
-              </a:lnSpc>
-              <a:spcBef>
-                <a:spcPts val="1000"/>
-              </a:spcBef>
-              <a:buFont typeface="Arial" panose="020B0604020202020204" pitchFamily="34" charset="0"/>
-              <a:buChar char="•"/>
-              <a:defRPr sz="2800" kern="1200">
-                <a:solidFill>
-                  <a:schemeClr val="tx1"/>
-                </a:solidFill>
-                <a:latin typeface="+mn-lt"/>
-                <a:ea typeface="+mn-ea"/>
-                <a:cs typeface="+mn-cs"/>
-              </a:defRPr>
-            </a:lvl1pPr>
-            <a:lvl2pPr marL="685800" indent="-228600" algn="l" defTabSz="914400" rtl="0" eaLnBrk="1" latinLnBrk="0" hangingPunct="1">
-              <a:lnSpc>
-                <a:spcPct val="90000"/>
-              </a:lnSpc>
-              <a:spcBef>
-                <a:spcPts val="500"/>
-              </a:spcBef>
-              <a:buFont typeface="Arial" panose="020B0604020202020204" pitchFamily="34" charset="0"/>
-              <a:buChar char="•"/>
-              <a:defRPr sz="2400" kern="1200">
-                <a:solidFill>
-                  <a:schemeClr val="tx1"/>
-                </a:solidFill>
-                <a:latin typeface="+mn-lt"/>
-                <a:ea typeface="+mn-ea"/>
-                <a:cs typeface="+mn-cs"/>
-              </a:defRPr>
-            </a:lvl2pPr>
-            <a:lvl3pPr marL="1143000" indent="-228600" algn="l" defTabSz="914400" rtl="0" eaLnBrk="1" latinLnBrk="0" hangingPunct="1">
-              <a:lnSpc>
-                <a:spcPct val="90000"/>
-              </a:lnSpc>
-              <a:spcBef>
-                <a:spcPts val="500"/>
-              </a:spcBef>
-              <a:buFont typeface="Arial" panose="020B0604020202020204" pitchFamily="34" charset="0"/>
-              <a:buChar char="•"/>
-              <a:defRPr sz="2000" kern="1200">
-                <a:solidFill>
-                  <a:schemeClr val="tx1"/>
-                </a:solidFill>
-                <a:latin typeface="+mn-lt"/>
-                <a:ea typeface="+mn-ea"/>
-                <a:cs typeface="+mn-cs"/>
-              </a:defRPr>
-            </a:lvl3pPr>
-            <a:lvl4pPr marL="1600200" indent="-228600" algn="l" defTabSz="914400" rtl="0" eaLnBrk="1" latinLnBrk="0" hangingPunct="1">
-              <a:lnSpc>
-                <a:spcPct val="90000"/>
-              </a:lnSpc>
-              <a:spcBef>
-                <a:spcPts val="500"/>
-              </a:spcBef>
-              <a:buFont typeface="Arial" panose="020B0604020202020204" pitchFamily="34" charset="0"/>
-              <a:buChar char="•"/>
-              <a:defRPr sz="1800" kern="1200">
-                <a:solidFill>
-                  <a:schemeClr val="tx1"/>
-                </a:solidFill>
-                <a:latin typeface="+mn-lt"/>
-                <a:ea typeface="+mn-ea"/>
-                <a:cs typeface="+mn-cs"/>
-              </a:defRPr>
-            </a:lvl4pPr>
-            <a:lvl5pPr marL="2057400" indent="-228600" algn="l" defTabSz="914400" rtl="0" eaLnBrk="1" latinLnBrk="0" hangingPunct="1">
-              <a:lnSpc>
-                <a:spcPct val="90000"/>
-              </a:lnSpc>
-              <a:spcBef>
-                <a:spcPts val="500"/>
-              </a:spcBef>
-              <a:buFont typeface="Arial" panose="020B0604020202020204" pitchFamily="34" charset="0"/>
-              <a:buChar char="•"/>
-              <a:defRPr sz="1800" kern="1200">
-                <a:solidFill>
-                  <a:schemeClr val="tx1"/>
-                </a:solidFill>
-                <a:latin typeface="+mn-lt"/>
-                <a:ea typeface="+mn-ea"/>
-                <a:cs typeface="+mn-cs"/>
-              </a:defRPr>
-            </a:lvl5pPr>
-            <a:lvl6pPr marL="2514600" indent="-228600" algn="l" defTabSz="914400" rtl="0" eaLnBrk="1" latinLnBrk="0" hangingPunct="1">
-              <a:lnSpc>
-                <a:spcPct val="90000"/>
-              </a:lnSpc>
-              <a:spcBef>
-                <a:spcPts val="500"/>
-              </a:spcBef>
-              <a:buFont typeface="Arial" panose="020B0604020202020204" pitchFamily="34" charset="0"/>
-              <a:buChar char="•"/>
-              <a:defRPr sz="1800" kern="1200">
-                <a:solidFill>
-                  <a:schemeClr val="tx1"/>
-                </a:solidFill>
-                <a:latin typeface="+mn-lt"/>
-                <a:ea typeface="+mn-ea"/>
-                <a:cs typeface="+mn-cs"/>
-              </a:defRPr>
-            </a:lvl6pPr>
-            <a:lvl7pPr marL="2971800" indent="-228600" algn="l" defTabSz="914400" rtl="0" eaLnBrk="1" latinLnBrk="0" hangingPunct="1">
-              <a:lnSpc>
-                <a:spcPct val="90000"/>
-              </a:lnSpc>
-              <a:spcBef>
-                <a:spcPts val="500"/>
-              </a:spcBef>
-              <a:buFont typeface="Arial" panose="020B0604020202020204" pitchFamily="34" charset="0"/>
-              <a:buChar char="•"/>
-              <a:defRPr sz="1800" kern="1200">
-                <a:solidFill>
-                  <a:schemeClr val="tx1"/>
-                </a:solidFill>
-                <a:latin typeface="+mn-lt"/>
-                <a:ea typeface="+mn-ea"/>
-                <a:cs typeface="+mn-cs"/>
-              </a:defRPr>
-            </a:lvl7pPr>
-            <a:lvl8pPr marL="3429000" indent="-228600" algn="l" defTabSz="914400" rtl="0" eaLnBrk="1" latinLnBrk="0" hangingPunct="1">
-              <a:lnSpc>
-                <a:spcPct val="90000"/>
-              </a:lnSpc>
-              <a:spcBef>
-                <a:spcPts val="500"/>
-              </a:spcBef>
-              <a:buFont typeface="Arial" panose="020B0604020202020204" pitchFamily="34" charset="0"/>
-              <a:buChar char="•"/>
-              <a:defRPr sz="1800" kern="1200">
-                <a:solidFill>
-                  <a:schemeClr val="tx1"/>
-                </a:solidFill>
-                <a:latin typeface="+mn-lt"/>
-                <a:ea typeface="+mn-ea"/>
-                <a:cs typeface="+mn-cs"/>
-              </a:defRPr>
-            </a:lvl8pPr>
-            <a:lvl9pPr marL="3886200" indent="-228600" algn="l" defTabSz="914400" rtl="0" eaLnBrk="1" latinLnBrk="0" hangingPunct="1">
-              <a:lnSpc>
-                <a:spcPct val="90000"/>
-              </a:lnSpc>
-              <a:spcBef>
-                <a:spcPts val="500"/>
-              </a:spcBef>
-              <a:buFont typeface="Arial" panose="020B0604020202020204" pitchFamily="34" charset="0"/>
-              <a:buChar char="•"/>
-              <a:defRPr sz="1800" kern="1200">
-                <a:solidFill>
-                  <a:schemeClr val="tx1"/>
-                </a:solidFill>
-                <a:latin typeface="+mn-lt"/>
-                <a:ea typeface="+mn-ea"/>
-                <a:cs typeface="+mn-cs"/>
-              </a:defRPr>
-            </a:lvl9pPr>
-          </a:lstStyle>
-          <a:p>
-            <a:pPr>
-              <a:buFont typeface="Wingdings" panose="05000000000000000000" pitchFamily="2" charset="2"/>
-              <a:buChar char="Ø"/>
-            </a:pPr>
-            <a:r>
-              <a:rPr lang="en-US" dirty="0">
-                <a:solidFill>
-                  <a:schemeClr val="tx1">
-                    <a:lumMod val="75000"/>
-                    <a:lumOff val="25000"/>
-                  </a:schemeClr>
-                </a:solidFill>
-              </a:rPr>
-              <a:t> </a:t>
-            </a:r>
-            <a:r>
-              <a:rPr lang="en-US" dirty="0">
-                <a:solidFill>
-                  <a:schemeClr val="tx1">
-                    <a:lumMod val="75000"/>
-                    <a:lumOff val="25000"/>
-                  </a:schemeClr>
-                </a:solidFill>
-                <a:latin typeface="Palatino Linotype" panose="02040502050505030304" pitchFamily="18" charset="0"/>
-              </a:rPr>
-              <a:t>Learning Objective 1</a:t>
-            </a:r>
-          </a:p>
-        </p:txBody>
-      </p:sp>
-      <p:sp>
-        <p:nvSpPr>
-          <p:cNvPr id="6" name="Content Placeholder 2">
-            <a:extLst>
-              <a:ext uri="{FF2B5EF4-FFF2-40B4-BE49-F238E27FC236}">
-                <a16:creationId xmlns:a16="http://schemas.microsoft.com/office/drawing/2014/main" id="{FF2490E1-D7A0-7027-6DCC-60BB6819CD9E}"/>
-              </a:ext>
-            </a:extLst>
-          </p:cNvPr>
-          <p:cNvSpPr txBox="1">
-            <a:spLocks/>
-          </p:cNvSpPr>
-          <p:nvPr/>
-        </p:nvSpPr>
-        <p:spPr>
-          <a:xfrm>
-            <a:off x="1013564" y="3103930"/>
-            <a:ext cx="10515600" cy="504215"/>
-          </a:xfrm>
-          <a:prstGeom prst="rect">
-            <a:avLst/>
-          </a:prstGeom>
-        </p:spPr>
-        <p:txBody>
-          <a:bodyPr vert="horz" lIns="91440" tIns="45720" rIns="91440" bIns="45720" rtlCol="0">
-            <a:normAutofit/>
-          </a:bodyPr>
-          <a:lstStyle>
-            <a:lvl1pPr marL="228600" indent="-228600" algn="l" defTabSz="914400" rtl="0" eaLnBrk="1" latinLnBrk="0" hangingPunct="1">
-              <a:lnSpc>
-                <a:spcPct val="90000"/>
-              </a:lnSpc>
-              <a:spcBef>
-                <a:spcPts val="1000"/>
-              </a:spcBef>
-              <a:buFont typeface="Arial" panose="020B0604020202020204" pitchFamily="34" charset="0"/>
-              <a:buChar char="•"/>
-              <a:defRPr sz="2800" kern="1200">
-                <a:solidFill>
-                  <a:schemeClr val="tx1"/>
-                </a:solidFill>
-                <a:latin typeface="+mn-lt"/>
-                <a:ea typeface="+mn-ea"/>
-                <a:cs typeface="+mn-cs"/>
-              </a:defRPr>
-            </a:lvl1pPr>
-            <a:lvl2pPr marL="685800" indent="-228600" algn="l" defTabSz="914400" rtl="0" eaLnBrk="1" latinLnBrk="0" hangingPunct="1">
-              <a:lnSpc>
-                <a:spcPct val="90000"/>
-              </a:lnSpc>
-              <a:spcBef>
-                <a:spcPts val="500"/>
-              </a:spcBef>
-              <a:buFont typeface="Arial" panose="020B0604020202020204" pitchFamily="34" charset="0"/>
-              <a:buChar char="•"/>
-              <a:defRPr sz="2400" kern="1200">
-                <a:solidFill>
-                  <a:schemeClr val="tx1"/>
-                </a:solidFill>
-                <a:latin typeface="+mn-lt"/>
-                <a:ea typeface="+mn-ea"/>
-                <a:cs typeface="+mn-cs"/>
-              </a:defRPr>
-            </a:lvl2pPr>
-            <a:lvl3pPr marL="1143000" indent="-228600" algn="l" defTabSz="914400" rtl="0" eaLnBrk="1" latinLnBrk="0" hangingPunct="1">
-              <a:lnSpc>
-                <a:spcPct val="90000"/>
-              </a:lnSpc>
-              <a:spcBef>
-                <a:spcPts val="500"/>
-              </a:spcBef>
-              <a:buFont typeface="Arial" panose="020B0604020202020204" pitchFamily="34" charset="0"/>
-              <a:buChar char="•"/>
-              <a:defRPr sz="2000" kern="1200">
-                <a:solidFill>
-                  <a:schemeClr val="tx1"/>
-                </a:solidFill>
-                <a:latin typeface="+mn-lt"/>
-                <a:ea typeface="+mn-ea"/>
-                <a:cs typeface="+mn-cs"/>
-              </a:defRPr>
-            </a:lvl3pPr>
-            <a:lvl4pPr marL="1600200" indent="-228600" algn="l" defTabSz="914400" rtl="0" eaLnBrk="1" latinLnBrk="0" hangingPunct="1">
-              <a:lnSpc>
-                <a:spcPct val="90000"/>
-              </a:lnSpc>
-              <a:spcBef>
-                <a:spcPts val="500"/>
-              </a:spcBef>
-              <a:buFont typeface="Arial" panose="020B0604020202020204" pitchFamily="34" charset="0"/>
-              <a:buChar char="•"/>
-              <a:defRPr sz="1800" kern="1200">
-                <a:solidFill>
-                  <a:schemeClr val="tx1"/>
-                </a:solidFill>
-                <a:latin typeface="+mn-lt"/>
-                <a:ea typeface="+mn-ea"/>
-                <a:cs typeface="+mn-cs"/>
-              </a:defRPr>
-            </a:lvl4pPr>
-            <a:lvl5pPr marL="2057400" indent="-228600" algn="l" defTabSz="914400" rtl="0" eaLnBrk="1" latinLnBrk="0" hangingPunct="1">
-              <a:lnSpc>
-                <a:spcPct val="90000"/>
-              </a:lnSpc>
-              <a:spcBef>
-                <a:spcPts val="500"/>
-              </a:spcBef>
-              <a:buFont typeface="Arial" panose="020B0604020202020204" pitchFamily="34" charset="0"/>
-              <a:buChar char="•"/>
-              <a:defRPr sz="1800" kern="1200">
-                <a:solidFill>
-                  <a:schemeClr val="tx1"/>
-                </a:solidFill>
-                <a:latin typeface="+mn-lt"/>
-                <a:ea typeface="+mn-ea"/>
-                <a:cs typeface="+mn-cs"/>
-              </a:defRPr>
-            </a:lvl5pPr>
-            <a:lvl6pPr marL="2514600" indent="-228600" algn="l" defTabSz="914400" rtl="0" eaLnBrk="1" latinLnBrk="0" hangingPunct="1">
-              <a:lnSpc>
-                <a:spcPct val="90000"/>
-              </a:lnSpc>
-              <a:spcBef>
-                <a:spcPts val="500"/>
-              </a:spcBef>
-              <a:buFont typeface="Arial" panose="020B0604020202020204" pitchFamily="34" charset="0"/>
-              <a:buChar char="•"/>
-              <a:defRPr sz="1800" kern="1200">
-                <a:solidFill>
-                  <a:schemeClr val="tx1"/>
-                </a:solidFill>
-                <a:latin typeface="+mn-lt"/>
-                <a:ea typeface="+mn-ea"/>
-                <a:cs typeface="+mn-cs"/>
-              </a:defRPr>
-            </a:lvl6pPr>
-            <a:lvl7pPr marL="2971800" indent="-228600" algn="l" defTabSz="914400" rtl="0" eaLnBrk="1" latinLnBrk="0" hangingPunct="1">
-              <a:lnSpc>
-                <a:spcPct val="90000"/>
-              </a:lnSpc>
-              <a:spcBef>
-                <a:spcPts val="500"/>
-              </a:spcBef>
-              <a:buFont typeface="Arial" panose="020B0604020202020204" pitchFamily="34" charset="0"/>
-              <a:buChar char="•"/>
-              <a:defRPr sz="1800" kern="1200">
-                <a:solidFill>
-                  <a:schemeClr val="tx1"/>
-                </a:solidFill>
-                <a:latin typeface="+mn-lt"/>
-                <a:ea typeface="+mn-ea"/>
-                <a:cs typeface="+mn-cs"/>
-              </a:defRPr>
-            </a:lvl7pPr>
-            <a:lvl8pPr marL="3429000" indent="-228600" algn="l" defTabSz="914400" rtl="0" eaLnBrk="1" latinLnBrk="0" hangingPunct="1">
-              <a:lnSpc>
-                <a:spcPct val="90000"/>
-              </a:lnSpc>
-              <a:spcBef>
-                <a:spcPts val="500"/>
-              </a:spcBef>
-              <a:buFont typeface="Arial" panose="020B0604020202020204" pitchFamily="34" charset="0"/>
-              <a:buChar char="•"/>
-              <a:defRPr sz="1800" kern="1200">
-                <a:solidFill>
-                  <a:schemeClr val="tx1"/>
-                </a:solidFill>
-                <a:latin typeface="+mn-lt"/>
-                <a:ea typeface="+mn-ea"/>
-                <a:cs typeface="+mn-cs"/>
-              </a:defRPr>
-            </a:lvl8pPr>
-            <a:lvl9pPr marL="3886200" indent="-228600" algn="l" defTabSz="914400" rtl="0" eaLnBrk="1" latinLnBrk="0" hangingPunct="1">
-              <a:lnSpc>
-                <a:spcPct val="90000"/>
-              </a:lnSpc>
-              <a:spcBef>
-                <a:spcPts val="500"/>
-              </a:spcBef>
-              <a:buFont typeface="Arial" panose="020B0604020202020204" pitchFamily="34" charset="0"/>
-              <a:buChar char="•"/>
-              <a:defRPr sz="1800" kern="1200">
-                <a:solidFill>
-                  <a:schemeClr val="tx1"/>
-                </a:solidFill>
-                <a:latin typeface="+mn-lt"/>
-                <a:ea typeface="+mn-ea"/>
-                <a:cs typeface="+mn-cs"/>
-              </a:defRPr>
-            </a:lvl9pPr>
-          </a:lstStyle>
-          <a:p>
-            <a:pPr>
-              <a:buFont typeface="Wingdings" panose="05000000000000000000" pitchFamily="2" charset="2"/>
-              <a:buChar char="Ø"/>
-            </a:pPr>
-            <a:r>
-              <a:rPr lang="en-US" dirty="0">
-                <a:solidFill>
-                  <a:schemeClr val="tx1">
-                    <a:lumMod val="75000"/>
-                    <a:lumOff val="25000"/>
-                  </a:schemeClr>
-                </a:solidFill>
-              </a:rPr>
-              <a:t> </a:t>
-            </a:r>
-            <a:r>
-              <a:rPr lang="en-US" dirty="0">
-                <a:solidFill>
-                  <a:schemeClr val="tx1">
-                    <a:lumMod val="75000"/>
-                    <a:lumOff val="25000"/>
-                  </a:schemeClr>
-                </a:solidFill>
-                <a:latin typeface="Palatino Linotype" panose="02040502050505030304" pitchFamily="18" charset="0"/>
-              </a:rPr>
-              <a:t>Learning Objective 1</a:t>
-            </a:r>
-          </a:p>
-        </p:txBody>
-      </p:sp>
-      <p:sp>
-        <p:nvSpPr>
-          <p:cNvPr id="7" name="Content Placeholder 2">
-            <a:extLst>
-              <a:ext uri="{FF2B5EF4-FFF2-40B4-BE49-F238E27FC236}">
-                <a16:creationId xmlns:a16="http://schemas.microsoft.com/office/drawing/2014/main" id="{6D3279E5-D518-B484-9FCF-B12663A4E8FF}"/>
-              </a:ext>
-            </a:extLst>
-          </p:cNvPr>
-          <p:cNvSpPr txBox="1">
-            <a:spLocks/>
-          </p:cNvSpPr>
-          <p:nvPr/>
-        </p:nvSpPr>
-        <p:spPr>
-          <a:xfrm>
-            <a:off x="1013564" y="3743082"/>
-            <a:ext cx="10515600" cy="504215"/>
-          </a:xfrm>
-          <a:prstGeom prst="rect">
-            <a:avLst/>
-          </a:prstGeom>
-        </p:spPr>
-        <p:txBody>
-          <a:bodyPr vert="horz" lIns="91440" tIns="45720" rIns="91440" bIns="45720" rtlCol="0">
-            <a:normAutofit/>
-          </a:bodyPr>
-          <a:lstStyle>
-            <a:lvl1pPr marL="228600" indent="-228600" algn="l" defTabSz="914400" rtl="0" eaLnBrk="1" latinLnBrk="0" hangingPunct="1">
-              <a:lnSpc>
-                <a:spcPct val="90000"/>
-              </a:lnSpc>
-              <a:spcBef>
-                <a:spcPts val="1000"/>
-              </a:spcBef>
-              <a:buFont typeface="Arial" panose="020B0604020202020204" pitchFamily="34" charset="0"/>
-              <a:buChar char="•"/>
-              <a:defRPr sz="2800" kern="1200">
-                <a:solidFill>
-                  <a:schemeClr val="tx1"/>
-                </a:solidFill>
-                <a:latin typeface="+mn-lt"/>
-                <a:ea typeface="+mn-ea"/>
-                <a:cs typeface="+mn-cs"/>
-              </a:defRPr>
-            </a:lvl1pPr>
-            <a:lvl2pPr marL="685800" indent="-228600" algn="l" defTabSz="914400" rtl="0" eaLnBrk="1" latinLnBrk="0" hangingPunct="1">
-              <a:lnSpc>
-                <a:spcPct val="90000"/>
-              </a:lnSpc>
-              <a:spcBef>
-                <a:spcPts val="500"/>
-              </a:spcBef>
-              <a:buFont typeface="Arial" panose="020B0604020202020204" pitchFamily="34" charset="0"/>
-              <a:buChar char="•"/>
-              <a:defRPr sz="2400" kern="1200">
-                <a:solidFill>
-                  <a:schemeClr val="tx1"/>
-                </a:solidFill>
-                <a:latin typeface="+mn-lt"/>
-                <a:ea typeface="+mn-ea"/>
-                <a:cs typeface="+mn-cs"/>
-              </a:defRPr>
-            </a:lvl2pPr>
-            <a:lvl3pPr marL="1143000" indent="-228600" algn="l" defTabSz="914400" rtl="0" eaLnBrk="1" latinLnBrk="0" hangingPunct="1">
-              <a:lnSpc>
-                <a:spcPct val="90000"/>
-              </a:lnSpc>
-              <a:spcBef>
-                <a:spcPts val="500"/>
-              </a:spcBef>
-              <a:buFont typeface="Arial" panose="020B0604020202020204" pitchFamily="34" charset="0"/>
-              <a:buChar char="•"/>
-              <a:defRPr sz="2000" kern="1200">
-                <a:solidFill>
-                  <a:schemeClr val="tx1"/>
-                </a:solidFill>
-                <a:latin typeface="+mn-lt"/>
-                <a:ea typeface="+mn-ea"/>
-                <a:cs typeface="+mn-cs"/>
-              </a:defRPr>
-            </a:lvl3pPr>
-            <a:lvl4pPr marL="1600200" indent="-228600" algn="l" defTabSz="914400" rtl="0" eaLnBrk="1" latinLnBrk="0" hangingPunct="1">
-              <a:lnSpc>
-                <a:spcPct val="90000"/>
-              </a:lnSpc>
-              <a:spcBef>
-                <a:spcPts val="500"/>
-              </a:spcBef>
-              <a:buFont typeface="Arial" panose="020B0604020202020204" pitchFamily="34" charset="0"/>
-              <a:buChar char="•"/>
-              <a:defRPr sz="1800" kern="1200">
-                <a:solidFill>
-                  <a:schemeClr val="tx1"/>
-                </a:solidFill>
-                <a:latin typeface="+mn-lt"/>
-                <a:ea typeface="+mn-ea"/>
-                <a:cs typeface="+mn-cs"/>
-              </a:defRPr>
-            </a:lvl4pPr>
-            <a:lvl5pPr marL="2057400" indent="-228600" algn="l" defTabSz="914400" rtl="0" eaLnBrk="1" latinLnBrk="0" hangingPunct="1">
-              <a:lnSpc>
-                <a:spcPct val="90000"/>
-              </a:lnSpc>
-              <a:spcBef>
-                <a:spcPts val="500"/>
-              </a:spcBef>
-              <a:buFont typeface="Arial" panose="020B0604020202020204" pitchFamily="34" charset="0"/>
-              <a:buChar char="•"/>
-              <a:defRPr sz="1800" kern="1200">
-                <a:solidFill>
-                  <a:schemeClr val="tx1"/>
-                </a:solidFill>
-                <a:latin typeface="+mn-lt"/>
-                <a:ea typeface="+mn-ea"/>
-                <a:cs typeface="+mn-cs"/>
-              </a:defRPr>
-            </a:lvl5pPr>
-            <a:lvl6pPr marL="2514600" indent="-228600" algn="l" defTabSz="914400" rtl="0" eaLnBrk="1" latinLnBrk="0" hangingPunct="1">
-              <a:lnSpc>
-                <a:spcPct val="90000"/>
-              </a:lnSpc>
-              <a:spcBef>
-                <a:spcPts val="500"/>
-              </a:spcBef>
-              <a:buFont typeface="Arial" panose="020B0604020202020204" pitchFamily="34" charset="0"/>
-              <a:buChar char="•"/>
-              <a:defRPr sz="1800" kern="1200">
-                <a:solidFill>
-                  <a:schemeClr val="tx1"/>
-                </a:solidFill>
-                <a:latin typeface="+mn-lt"/>
-                <a:ea typeface="+mn-ea"/>
-                <a:cs typeface="+mn-cs"/>
-              </a:defRPr>
-            </a:lvl6pPr>
-            <a:lvl7pPr marL="2971800" indent="-228600" algn="l" defTabSz="914400" rtl="0" eaLnBrk="1" latinLnBrk="0" hangingPunct="1">
-              <a:lnSpc>
-                <a:spcPct val="90000"/>
-              </a:lnSpc>
-              <a:spcBef>
-                <a:spcPts val="500"/>
-              </a:spcBef>
-              <a:buFont typeface="Arial" panose="020B0604020202020204" pitchFamily="34" charset="0"/>
-              <a:buChar char="•"/>
-              <a:defRPr sz="1800" kern="1200">
-                <a:solidFill>
-                  <a:schemeClr val="tx1"/>
-                </a:solidFill>
-                <a:latin typeface="+mn-lt"/>
-                <a:ea typeface="+mn-ea"/>
-                <a:cs typeface="+mn-cs"/>
-              </a:defRPr>
-            </a:lvl7pPr>
-            <a:lvl8pPr marL="3429000" indent="-228600" algn="l" defTabSz="914400" rtl="0" eaLnBrk="1" latinLnBrk="0" hangingPunct="1">
-              <a:lnSpc>
-                <a:spcPct val="90000"/>
-              </a:lnSpc>
-              <a:spcBef>
-                <a:spcPts val="500"/>
-              </a:spcBef>
-              <a:buFont typeface="Arial" panose="020B0604020202020204" pitchFamily="34" charset="0"/>
-              <a:buChar char="•"/>
-              <a:defRPr sz="1800" kern="1200">
-                <a:solidFill>
-                  <a:schemeClr val="tx1"/>
-                </a:solidFill>
-                <a:latin typeface="+mn-lt"/>
-                <a:ea typeface="+mn-ea"/>
-                <a:cs typeface="+mn-cs"/>
-              </a:defRPr>
-            </a:lvl8pPr>
-            <a:lvl9pPr marL="3886200" indent="-228600" algn="l" defTabSz="914400" rtl="0" eaLnBrk="1" latinLnBrk="0" hangingPunct="1">
-              <a:lnSpc>
-                <a:spcPct val="90000"/>
-              </a:lnSpc>
-              <a:spcBef>
-                <a:spcPts val="500"/>
-              </a:spcBef>
-              <a:buFont typeface="Arial" panose="020B0604020202020204" pitchFamily="34" charset="0"/>
-              <a:buChar char="•"/>
-              <a:defRPr sz="1800" kern="1200">
-                <a:solidFill>
-                  <a:schemeClr val="tx1"/>
-                </a:solidFill>
-                <a:latin typeface="+mn-lt"/>
-                <a:ea typeface="+mn-ea"/>
-                <a:cs typeface="+mn-cs"/>
-              </a:defRPr>
-            </a:lvl9pPr>
-          </a:lstStyle>
-          <a:p>
-            <a:pPr>
-              <a:buFont typeface="Wingdings" panose="05000000000000000000" pitchFamily="2" charset="2"/>
-              <a:buChar char="Ø"/>
-            </a:pPr>
-            <a:r>
-              <a:rPr lang="en-US" dirty="0">
-                <a:solidFill>
-                  <a:schemeClr val="tx1">
-                    <a:lumMod val="75000"/>
-                    <a:lumOff val="25000"/>
-                  </a:schemeClr>
-                </a:solidFill>
-              </a:rPr>
-              <a:t> </a:t>
-            </a:r>
-            <a:r>
-              <a:rPr lang="en-US" dirty="0">
-                <a:solidFill>
-                  <a:schemeClr val="tx1">
-                    <a:lumMod val="75000"/>
-                    <a:lumOff val="25000"/>
-                  </a:schemeClr>
-                </a:solidFill>
-                <a:latin typeface="Palatino Linotype" panose="02040502050505030304" pitchFamily="18" charset="0"/>
-              </a:rPr>
-              <a:t>Learning Objective 1</a:t>
-            </a:r>
-          </a:p>
-        </p:txBody>
-      </p:sp>
-    </p:spTree>
-    <p:extLst>
-      <p:ext uri="{BB962C8B-B14F-4D97-AF65-F5344CB8AC3E}">
-        <p14:creationId xmlns:p14="http://schemas.microsoft.com/office/powerpoint/2010/main" val="1416141381"/>
-      </p:ext>
-    </p:extLst>
-  </p:cSld>
-  <p:clrMapOvr>
-    <a:masterClrMapping/>
-  </p:clrMapOvr>
-</p:sld>
-</file>
-
-<file path=ppt/slides/slide20.xml><?xml version="1.0" encoding="utf-8"?>
+<file path=ppt/slides/slide21.xml><?xml version="1.0" encoding="utf-8"?>
 <p:sld xmlns:a="http://schemas.openxmlformats.org/drawingml/2006/main" xmlns:r="http://schemas.openxmlformats.org/officeDocument/2006/relationships" xmlns:p="http://schemas.openxmlformats.org/presentationml/2006/main">
   <p:cSld>
     <p:spTree>
@@ -10491,8 +10644,8 @@
         </p:nvSpPr>
         <p:spPr>
           <a:xfrm>
-            <a:off x="0" y="2705764"/>
-            <a:ext cx="12192000" cy="1446472"/>
+            <a:off x="0" y="2705763"/>
+            <a:ext cx="12192000" cy="1753941"/>
           </a:xfrm>
           <a:noFill/>
         </p:spPr>
@@ -10513,7 +10666,7 @@
                 </a:solidFill>
                 <a:latin typeface="Palatino Linotype" panose="02040502050505030304" pitchFamily="18" charset="0"/>
               </a:rPr>
-              <a:t>Jay Alamaar (Illustrated Transformer)</a:t>
+              <a:t>Emotion Detector </a:t>
             </a:r>
             <a:br>
               <a:rPr lang="en-US" sz="3600" dirty="0">
@@ -10536,124 +10689,9 @@
                 </a:solidFill>
                 <a:latin typeface="Palatino Linotype" panose="02040502050505030304" pitchFamily="18" charset="0"/>
               </a:rPr>
-              <a:t>01.1_alamaar.ipynb</a:t>
-            </a:r>
-            <a:endParaRPr lang="en-US" sz="3600" dirty="0">
-              <a:solidFill>
-                <a:schemeClr val="tx1">
-                  <a:lumMod val="65000"/>
-                  <a:lumOff val="35000"/>
-                </a:schemeClr>
-              </a:solidFill>
-              <a:latin typeface="Palatino Linotype" panose="02040502050505030304" pitchFamily="18" charset="0"/>
-              <a:cs typeface="Segoe UI Light" panose="020B0502040204020203" pitchFamily="34" charset="0"/>
-            </a:endParaRPr>
-          </a:p>
-        </p:txBody>
-      </p:sp>
-    </p:spTree>
-    <p:extLst>
-      <p:ext uri="{BB962C8B-B14F-4D97-AF65-F5344CB8AC3E}">
-        <p14:creationId xmlns:p14="http://schemas.microsoft.com/office/powerpoint/2010/main" val="3902517881"/>
-      </p:ext>
-    </p:extLst>
-  </p:cSld>
-  <p:clrMapOvr>
-    <a:masterClrMapping/>
-  </p:clrMapOvr>
-  <mc:AlternateContent xmlns:mc="http://schemas.openxmlformats.org/markup-compatibility/2006" xmlns:p14="http://schemas.microsoft.com/office/powerpoint/2010/main">
-    <mc:Choice Requires="p14">
-      <p:transition spd="med" p14:dur="700">
-        <p:fade/>
-      </p:transition>
-    </mc:Choice>
-    <mc:Fallback xmlns="">
-      <p:transition spd="med">
-        <p:fade/>
-      </p:transition>
-    </mc:Fallback>
-  </mc:AlternateContent>
-</p:sld>
-</file>
-
-<file path=ppt/slides/slide21.xml><?xml version="1.0" encoding="utf-8"?>
-<p:sld xmlns:a="http://schemas.openxmlformats.org/drawingml/2006/main" xmlns:r="http://schemas.openxmlformats.org/officeDocument/2006/relationships" xmlns:p="http://schemas.openxmlformats.org/presentationml/2006/main">
-  <p:cSld>
-    <p:spTree>
-      <p:nvGrpSpPr>
-        <p:cNvPr id="1" name=""/>
-        <p:cNvGrpSpPr/>
-        <p:nvPr/>
-      </p:nvGrpSpPr>
-      <p:grpSpPr>
-        <a:xfrm>
-          <a:off x="0" y="0"/>
-          <a:ext cx="0" cy="0"/>
-          <a:chOff x="0" y="0"/>
-          <a:chExt cx="0" cy="0"/>
-        </a:xfrm>
-      </p:grpSpPr>
-      <p:pic>
-        <p:nvPicPr>
-          <p:cNvPr id="3" name="Picture 2">
-            <a:extLst>
-              <a:ext uri="{FF2B5EF4-FFF2-40B4-BE49-F238E27FC236}">
-                <a16:creationId xmlns:a16="http://schemas.microsoft.com/office/drawing/2014/main" id="{88CC7D4C-7D31-4E3C-92F7-200A7C7F587F}"/>
-              </a:ext>
-            </a:extLst>
-          </p:cNvPr>
-          <p:cNvPicPr>
-            <a:picLocks noChangeAspect="1"/>
-          </p:cNvPicPr>
-          <p:nvPr/>
-        </p:nvPicPr>
-        <p:blipFill>
-          <a:blip r:embed="rId3"/>
-          <a:stretch>
-            <a:fillRect/>
-          </a:stretch>
-        </p:blipFill>
-        <p:spPr>
-          <a:xfrm>
-            <a:off x="0" y="365760"/>
-            <a:ext cx="3233668" cy="805144"/>
-          </a:xfrm>
-          <a:prstGeom prst="rect">
-            <a:avLst/>
-          </a:prstGeom>
-        </p:spPr>
-      </p:pic>
-      <p:sp>
-        <p:nvSpPr>
-          <p:cNvPr id="12" name="Title 1">
-            <a:extLst>
-              <a:ext uri="{FF2B5EF4-FFF2-40B4-BE49-F238E27FC236}">
-                <a16:creationId xmlns:a16="http://schemas.microsoft.com/office/drawing/2014/main" id="{E2FB948E-5ACE-4C88-8B2D-233F4E9F4797}"/>
-              </a:ext>
-            </a:extLst>
-          </p:cNvPr>
-          <p:cNvSpPr>
-            <a:spLocks noGrp="1"/>
-          </p:cNvSpPr>
-          <p:nvPr>
-            <p:ph type="title"/>
-          </p:nvPr>
-        </p:nvSpPr>
-        <p:spPr>
-          <a:xfrm>
-            <a:off x="0" y="2705764"/>
-            <a:ext cx="12192000" cy="1446472"/>
-          </a:xfrm>
-          <a:noFill/>
-        </p:spPr>
-        <p:txBody>
-          <a:bodyPr>
-            <a:noAutofit/>
-          </a:bodyPr>
-          <a:lstStyle/>
-          <a:p>
-            <a:pPr algn="ctr"/>
-            <a:r>
+              <a:t>02.1_emotion_detector.ipynb</a:t>
+            </a:r>
+            <a:br>
               <a:rPr lang="en-US" sz="3600" dirty="0">
                 <a:solidFill>
                   <a:schemeClr val="tx1">
@@ -10663,9 +10701,8 @@
                 </a:solidFill>
                 <a:latin typeface="Palatino Linotype" panose="02040502050505030304" pitchFamily="18" charset="0"/>
               </a:rPr>
-              <a:t>Emotion Detector</a:t>
-            </a:r>
-            <a:br>
+            </a:br>
+            <a:r>
               <a:rPr lang="en-US" sz="3600" dirty="0">
                 <a:solidFill>
                   <a:schemeClr val="tx1">
@@ -10675,18 +10712,7 @@
                 </a:solidFill>
                 <a:latin typeface="Palatino Linotype" panose="02040502050505030304" pitchFamily="18" charset="0"/>
               </a:rPr>
-            </a:br>
-            <a:r>
-              <a:rPr lang="en-US" sz="3600" dirty="0">
-                <a:solidFill>
-                  <a:schemeClr val="tx1">
-                    <a:lumMod val="65000"/>
-                    <a:lumOff val="35000"/>
-                  </a:schemeClr>
-                </a:solidFill>
-                <a:latin typeface="Palatino Linotype" panose="02040502050505030304" pitchFamily="18" charset="0"/>
-              </a:rPr>
-              <a:t>01.2_emotion_detector.ipynb</a:t>
+              <a:t>Part I</a:t>
             </a:r>
             <a:endParaRPr lang="en-US" sz="3600" dirty="0">
               <a:solidFill>

--- a/presentations/01_transformers_intro.pptx
+++ b/presentations/01_transformers_intro.pptx
@@ -230,7 +230,7 @@
           <a:p>
             <a:fld id="{FD93C9B2-20F6-4DB1-B471-224337D0AC79}" type="datetimeFigureOut">
               <a:rPr lang="en-US" smtClean="0"/>
-              <a:t>10/27/2022</a:t>
+              <a:t>11/3/2022</a:t>
             </a:fld>
             <a:endParaRPr lang="en-US"/>
           </a:p>
@@ -795,7 +795,7 @@
                 <a:effectLst/>
                 <a:latin typeface="+mn-lt"/>
               </a:rPr>
-              <a:t>In summary, all the Encoders are identical to each other, and all the Decoders are identical to each other.  A quick recap and review:</a:t>
+              <a:t>In summary, all the Encoders are identical to each other, and all the Decoders are identical to each other.  A quick review:</a:t>
             </a:r>
           </a:p>
           <a:p>
@@ -971,50 +971,7 @@
             </a:pPr>
             <a:r>
               <a:rPr lang="en-US" dirty="0"/>
-              <a:t>Pictured here is the family tree of the most prominent transformer models.  With more than 50 models available, this is not a complete list.  Please see the transformer_family_tree.pdf for additional information about the models shown here.  </a:t>
-            </a:r>
-          </a:p>
-          <a:p>
-            <a:pPr marL="0" marR="0" lvl="0" indent="0" algn="l" defTabSz="914400" rtl="0" eaLnBrk="1" fontAlgn="auto" latinLnBrk="0" hangingPunct="1">
-              <a:lnSpc>
-                <a:spcPct val="100000"/>
-              </a:lnSpc>
-              <a:spcBef>
-                <a:spcPts val="0"/>
-              </a:spcBef>
-              <a:spcAft>
-                <a:spcPts val="0"/>
-              </a:spcAft>
-              <a:buClrTx/>
-              <a:buSzTx/>
-              <a:buFontTx/>
-              <a:buNone/>
-              <a:tabLst/>
-              <a:defRPr/>
-            </a:pPr>
-            <a:endParaRPr lang="en-US" dirty="0"/>
-          </a:p>
-          <a:p>
-            <a:pPr marL="0" marR="0" lvl="0" indent="0" algn="l" defTabSz="914400" rtl="0" eaLnBrk="1" fontAlgn="auto" latinLnBrk="0" hangingPunct="1">
-              <a:lnSpc>
-                <a:spcPct val="100000"/>
-              </a:lnSpc>
-              <a:spcBef>
-                <a:spcPts val="0"/>
-              </a:spcBef>
-              <a:spcAft>
-                <a:spcPts val="0"/>
-              </a:spcAft>
-              <a:buClrTx/>
-              <a:buSzTx/>
-              <a:buFontTx/>
-              <a:buNone/>
-              <a:tabLst/>
-              <a:defRPr/>
-            </a:pPr>
-            <a:r>
-              <a:rPr lang="en-US" dirty="0"/>
-              <a:t>In our next session, we will examine the inner-workings of BERT.</a:t>
+              <a:t>And finally, pictured here is the family tree of the most prominent transformer models.  With more than 50 models available, this is not a complete list.  </a:t>
             </a:r>
           </a:p>
         </p:txBody>
@@ -1821,7 +1778,7 @@
                 <a:effectLst/>
                 <a:latin typeface="+mn-lt"/>
               </a:rPr>
-              <a:t>An encoder may feature multiple transformer building blocks.  The encoder pictured here, for example, contains both a self-attention and feed-forward layer.  After each, a layer norm operation is executed.  And two skip connections complete this design. </a:t>
+              <a:t>A transformer may feature multiple transformer building blocks, in a variety of configurations.  The encoder pictured here, for example, contains both a self-attention and feed-forward layer.  And after each, a layer norm operation is executed.  And two skip connections complete this design. </a:t>
             </a:r>
           </a:p>
           <a:p>
@@ -1945,12 +1902,51 @@
             </a:pPr>
             <a:r>
               <a:rPr lang="en-US" dirty="0"/>
-              <a:t>Because all the information about an input is represented in a single piece of state memory, or context vector, the networks inside each recurrent cell must compress everything that’s needed into the available space. And no matter how large we make the state memory, we can always get an input that exceeds available memory.   Inevitably, vital information is lost.  </a:t>
+              <a:t>State memory is limited in RNNs.  Two consequences – a) limits the size of model inputs, b) vital information loss caused by compression. </a:t>
             </a:r>
           </a:p>
           <a:p>
             <a:pPr marL="228600" indent="-228600" algn="l">
               <a:buAutoNum type="arabicPeriod"/>
+            </a:pPr>
+            <a:r>
+              <a:rPr lang="en-US" dirty="0"/>
+              <a:t>RNNs are trained one word at a time.  And this can be slow.  </a:t>
+            </a:r>
+          </a:p>
+          <a:p>
+            <a:pPr marL="228600" indent="-228600" algn="l">
+              <a:buAutoNum type="arabicPeriod"/>
+            </a:pPr>
+            <a:endParaRPr lang="en-US" dirty="0"/>
+          </a:p>
+          <a:p>
+            <a:pPr marL="0" indent="0" algn="l">
+              <a:buNone/>
+            </a:pPr>
+            <a:r>
+              <a:rPr lang="en-US" dirty="0"/>
+              <a:t>=====</a:t>
+            </a:r>
+          </a:p>
+          <a:p>
+            <a:pPr marL="0" indent="0" algn="l">
+              <a:buNone/>
+            </a:pPr>
+            <a:r>
+              <a:rPr lang="en-US" dirty="0"/>
+              <a:t>Because all the information about an input is represented in a single piece of state memory, or context vector, the networks inside each recurrent cell must compress everything that’s needed into the available space. And no matter how large we make the state memory, we can always get an input that exceeds available memory.   Inevitably, vital information is lost.  </a:t>
+            </a:r>
+          </a:p>
+          <a:p>
+            <a:pPr marL="0" indent="0" algn="l">
+              <a:buNone/>
+            </a:pPr>
+            <a:endParaRPr lang="en-US" dirty="0"/>
+          </a:p>
+          <a:p>
+            <a:pPr marL="0" indent="0" algn="l">
+              <a:buNone/>
             </a:pPr>
             <a:r>
               <a:rPr lang="en-US" dirty="0"/>
@@ -2389,7 +2385,7 @@
                 <a:ea typeface="Malgun Gothic" panose="020B0503020000020004" pitchFamily="34" charset="-127"/>
                 <a:cs typeface="Times New Roman" panose="02020603050405020304" pitchFamily="18" charset="0"/>
               </a:rPr>
-              <a:t>Hopefully, the paint analogy from today’s first mini-lecture has helped you gain an intuitive understanding of attention.  We will now consider transformers from a technical architecture point-of-view.  We start with a quick review of RNN architecture and its shortcomings.  </a:t>
+              <a:t>Let’s start with a quick review of RNN architecture and its shortcomings.  </a:t>
             </a:r>
           </a:p>
           <a:p>
@@ -2400,7 +2396,7 @@
             <a:pPr algn="l" fontAlgn="base"/>
             <a:r>
               <a:rPr lang="en-US" dirty="0"/>
-              <a:t>RNN models contain a feedback loop which allows information to move from one step to another.  As such, they’re ideal for modeling sequential data like text. As pictured here, an RNN receives some input (a word or character), feeds it through the network, and outputs a vector called the hidden state. At the same time, the model feeds some information back to itself via the feedback loop, which it can then use in the next step. </a:t>
+              <a:t>RNN models contain a feedback loop which allows information to move from one step to another.  As such, they’re ideal for modeling sequential data like text. As shown here, an RNN receives some input (a word or character), feeds it through the network, and outputs a vector called the hidden state. At the same time, the model feeds some information back to itself via the feedback loop, which it can then use in the next step. </a:t>
             </a:r>
           </a:p>
           <a:p>
@@ -3118,7 +3114,7 @@
                 <a:effectLst/>
                 <a:latin typeface="charter"/>
               </a:rPr>
-              <a:t>.”  The transformer was born.  And since then, it has proven to be a powerful and capable architecture, used in a variety of ways.</a:t>
+              <a:t>.”  The transformer was born.  And since then, it has proven to be a powerful and capable architecture, used in a variety of ways.  We’ll take an in-depth look at attention in next week’s workshop.</a:t>
             </a:r>
           </a:p>
           <a:p>
@@ -3267,7 +3263,7 @@
                 <a:effectLst/>
                 <a:latin typeface="+mn-lt"/>
               </a:rPr>
-              <a:t>We begin our transformer learning journey with a quick (high-level) overview of the architecture.  Like RNNs, transformer architecture excels at handling sequential data.  Translation is a special kind of sequential task which takes a text sequence in one language and outputs it in another. </a:t>
+              <a:t>Like RNNs, the transformer architecture excels at handling sequential data.  Translation is a special kind of sequential task which takes a text sequence in one language and outputs it in another. </a:t>
             </a:r>
           </a:p>
           <a:p>
@@ -3773,7 +3769,7 @@
           <a:p>
             <a:fld id="{C3F78080-8D0A-4BE8-A5B4-CB115102D524}" type="datetimeFigureOut">
               <a:rPr lang="en-US" smtClean="0"/>
-              <a:t>10/27/2022</a:t>
+              <a:t>11/3/2022</a:t>
             </a:fld>
             <a:endParaRPr lang="en-US"/>
           </a:p>
@@ -3971,7 +3967,7 @@
           <a:p>
             <a:fld id="{C3F78080-8D0A-4BE8-A5B4-CB115102D524}" type="datetimeFigureOut">
               <a:rPr lang="en-US" smtClean="0"/>
-              <a:t>10/27/2022</a:t>
+              <a:t>11/3/2022</a:t>
             </a:fld>
             <a:endParaRPr lang="en-US"/>
           </a:p>
@@ -4179,7 +4175,7 @@
           <a:p>
             <a:fld id="{C3F78080-8D0A-4BE8-A5B4-CB115102D524}" type="datetimeFigureOut">
               <a:rPr lang="en-US" smtClean="0"/>
-              <a:t>10/27/2022</a:t>
+              <a:t>11/3/2022</a:t>
             </a:fld>
             <a:endParaRPr lang="en-US"/>
           </a:p>
@@ -4377,7 +4373,7 @@
           <a:p>
             <a:fld id="{C3F78080-8D0A-4BE8-A5B4-CB115102D524}" type="datetimeFigureOut">
               <a:rPr lang="en-US" smtClean="0"/>
-              <a:t>10/27/2022</a:t>
+              <a:t>11/3/2022</a:t>
             </a:fld>
             <a:endParaRPr lang="en-US"/>
           </a:p>
@@ -4652,7 +4648,7 @@
           <a:p>
             <a:fld id="{C3F78080-8D0A-4BE8-A5B4-CB115102D524}" type="datetimeFigureOut">
               <a:rPr lang="en-US" smtClean="0"/>
-              <a:t>10/27/2022</a:t>
+              <a:t>11/3/2022</a:t>
             </a:fld>
             <a:endParaRPr lang="en-US"/>
           </a:p>
@@ -4917,7 +4913,7 @@
           <a:p>
             <a:fld id="{C3F78080-8D0A-4BE8-A5B4-CB115102D524}" type="datetimeFigureOut">
               <a:rPr lang="en-US" smtClean="0"/>
-              <a:t>10/27/2022</a:t>
+              <a:t>11/3/2022</a:t>
             </a:fld>
             <a:endParaRPr lang="en-US"/>
           </a:p>
@@ -5329,7 +5325,7 @@
           <a:p>
             <a:fld id="{C3F78080-8D0A-4BE8-A5B4-CB115102D524}" type="datetimeFigureOut">
               <a:rPr lang="en-US" smtClean="0"/>
-              <a:t>10/27/2022</a:t>
+              <a:t>11/3/2022</a:t>
             </a:fld>
             <a:endParaRPr lang="en-US"/>
           </a:p>
@@ -5470,7 +5466,7 @@
           <a:p>
             <a:fld id="{C3F78080-8D0A-4BE8-A5B4-CB115102D524}" type="datetimeFigureOut">
               <a:rPr lang="en-US" smtClean="0"/>
-              <a:t>10/27/2022</a:t>
+              <a:t>11/3/2022</a:t>
             </a:fld>
             <a:endParaRPr lang="en-US"/>
           </a:p>
@@ -5583,7 +5579,7 @@
           <a:p>
             <a:fld id="{C3F78080-8D0A-4BE8-A5B4-CB115102D524}" type="datetimeFigureOut">
               <a:rPr lang="en-US" smtClean="0"/>
-              <a:t>10/27/2022</a:t>
+              <a:t>11/3/2022</a:t>
             </a:fld>
             <a:endParaRPr lang="en-US"/>
           </a:p>
@@ -5894,7 +5890,7 @@
           <a:p>
             <a:fld id="{C3F78080-8D0A-4BE8-A5B4-CB115102D524}" type="datetimeFigureOut">
               <a:rPr lang="en-US" smtClean="0"/>
-              <a:t>10/27/2022</a:t>
+              <a:t>11/3/2022</a:t>
             </a:fld>
             <a:endParaRPr lang="en-US"/>
           </a:p>
@@ -6182,7 +6178,7 @@
           <a:p>
             <a:fld id="{C3F78080-8D0A-4BE8-A5B4-CB115102D524}" type="datetimeFigureOut">
               <a:rPr lang="en-US" smtClean="0"/>
-              <a:t>10/27/2022</a:t>
+              <a:t>11/3/2022</a:t>
             </a:fld>
             <a:endParaRPr lang="en-US"/>
           </a:p>
@@ -6423,7 +6419,7 @@
           <a:p>
             <a:fld id="{C3F78080-8D0A-4BE8-A5B4-CB115102D524}" type="datetimeFigureOut">
               <a:rPr lang="en-US" smtClean="0"/>
-              <a:t>10/27/2022</a:t>
+              <a:t>11/3/2022</a:t>
             </a:fld>
             <a:endParaRPr lang="en-US"/>
           </a:p>
@@ -9601,7 +9597,7 @@
                 </a:solidFill>
                 <a:latin typeface="Palatino Linotype" panose="02040502050505030304" pitchFamily="18" charset="0"/>
               </a:rPr>
-              <a:t>Learning Objective 1</a:t>
+              <a:t>Limits of Recurrent Neural Networks</a:t>
             </a:r>
           </a:p>
         </p:txBody>
@@ -9823,7 +9819,7 @@
                 </a:solidFill>
                 <a:latin typeface="Palatino Linotype" panose="02040502050505030304" pitchFamily="18" charset="0"/>
               </a:rPr>
-              <a:t>Learning Objective 1</a:t>
+              <a:t>Basic Transformer Architecture</a:t>
             </a:r>
           </a:p>
         </p:txBody>
@@ -10045,229 +10041,7 @@
                 </a:solidFill>
                 <a:latin typeface="Palatino Linotype" panose="02040502050505030304" pitchFamily="18" charset="0"/>
               </a:rPr>
-              <a:t>Learning Objective 1</a:t>
-            </a:r>
-          </a:p>
-        </p:txBody>
-      </p:sp>
-      <p:sp>
-        <p:nvSpPr>
-          <p:cNvPr id="7" name="Content Placeholder 2">
-            <a:extLst>
-              <a:ext uri="{FF2B5EF4-FFF2-40B4-BE49-F238E27FC236}">
-                <a16:creationId xmlns:a16="http://schemas.microsoft.com/office/drawing/2014/main" id="{6D3279E5-D518-B484-9FCF-B12663A4E8FF}"/>
-              </a:ext>
-            </a:extLst>
-          </p:cNvPr>
-          <p:cNvSpPr txBox="1">
-            <a:spLocks/>
-          </p:cNvSpPr>
-          <p:nvPr/>
-        </p:nvSpPr>
-        <p:spPr>
-          <a:xfrm>
-            <a:off x="1013564" y="3743082"/>
-            <a:ext cx="10515600" cy="504215"/>
-          </a:xfrm>
-          <a:prstGeom prst="rect">
-            <a:avLst/>
-          </a:prstGeom>
-        </p:spPr>
-        <p:txBody>
-          <a:bodyPr vert="horz" lIns="91440" tIns="45720" rIns="91440" bIns="45720" rtlCol="0">
-            <a:normAutofit/>
-          </a:bodyPr>
-          <a:lstStyle>
-            <a:lvl1pPr marL="228600" indent="-228600" algn="l" defTabSz="914400" rtl="0" eaLnBrk="1" latinLnBrk="0" hangingPunct="1">
-              <a:lnSpc>
-                <a:spcPct val="90000"/>
-              </a:lnSpc>
-              <a:spcBef>
-                <a:spcPts val="1000"/>
-              </a:spcBef>
-              <a:buFont typeface="Arial" panose="020B0604020202020204" pitchFamily="34" charset="0"/>
-              <a:buChar char="•"/>
-              <a:defRPr sz="2800" kern="1200">
-                <a:solidFill>
-                  <a:schemeClr val="tx1"/>
-                </a:solidFill>
-                <a:latin typeface="+mn-lt"/>
-                <a:ea typeface="+mn-ea"/>
-                <a:cs typeface="+mn-cs"/>
-              </a:defRPr>
-            </a:lvl1pPr>
-            <a:lvl2pPr marL="685800" indent="-228600" algn="l" defTabSz="914400" rtl="0" eaLnBrk="1" latinLnBrk="0" hangingPunct="1">
-              <a:lnSpc>
-                <a:spcPct val="90000"/>
-              </a:lnSpc>
-              <a:spcBef>
-                <a:spcPts val="500"/>
-              </a:spcBef>
-              <a:buFont typeface="Arial" panose="020B0604020202020204" pitchFamily="34" charset="0"/>
-              <a:buChar char="•"/>
-              <a:defRPr sz="2400" kern="1200">
-                <a:solidFill>
-                  <a:schemeClr val="tx1"/>
-                </a:solidFill>
-                <a:latin typeface="+mn-lt"/>
-                <a:ea typeface="+mn-ea"/>
-                <a:cs typeface="+mn-cs"/>
-              </a:defRPr>
-            </a:lvl2pPr>
-            <a:lvl3pPr marL="1143000" indent="-228600" algn="l" defTabSz="914400" rtl="0" eaLnBrk="1" latinLnBrk="0" hangingPunct="1">
-              <a:lnSpc>
-                <a:spcPct val="90000"/>
-              </a:lnSpc>
-              <a:spcBef>
-                <a:spcPts val="500"/>
-              </a:spcBef>
-              <a:buFont typeface="Arial" panose="020B0604020202020204" pitchFamily="34" charset="0"/>
-              <a:buChar char="•"/>
-              <a:defRPr sz="2000" kern="1200">
-                <a:solidFill>
-                  <a:schemeClr val="tx1"/>
-                </a:solidFill>
-                <a:latin typeface="+mn-lt"/>
-                <a:ea typeface="+mn-ea"/>
-                <a:cs typeface="+mn-cs"/>
-              </a:defRPr>
-            </a:lvl3pPr>
-            <a:lvl4pPr marL="1600200" indent="-228600" algn="l" defTabSz="914400" rtl="0" eaLnBrk="1" latinLnBrk="0" hangingPunct="1">
-              <a:lnSpc>
-                <a:spcPct val="90000"/>
-              </a:lnSpc>
-              <a:spcBef>
-                <a:spcPts val="500"/>
-              </a:spcBef>
-              <a:buFont typeface="Arial" panose="020B0604020202020204" pitchFamily="34" charset="0"/>
-              <a:buChar char="•"/>
-              <a:defRPr sz="1800" kern="1200">
-                <a:solidFill>
-                  <a:schemeClr val="tx1"/>
-                </a:solidFill>
-                <a:latin typeface="+mn-lt"/>
-                <a:ea typeface="+mn-ea"/>
-                <a:cs typeface="+mn-cs"/>
-              </a:defRPr>
-            </a:lvl4pPr>
-            <a:lvl5pPr marL="2057400" indent="-228600" algn="l" defTabSz="914400" rtl="0" eaLnBrk="1" latinLnBrk="0" hangingPunct="1">
-              <a:lnSpc>
-                <a:spcPct val="90000"/>
-              </a:lnSpc>
-              <a:spcBef>
-                <a:spcPts val="500"/>
-              </a:spcBef>
-              <a:buFont typeface="Arial" panose="020B0604020202020204" pitchFamily="34" charset="0"/>
-              <a:buChar char="•"/>
-              <a:defRPr sz="1800" kern="1200">
-                <a:solidFill>
-                  <a:schemeClr val="tx1"/>
-                </a:solidFill>
-                <a:latin typeface="+mn-lt"/>
-                <a:ea typeface="+mn-ea"/>
-                <a:cs typeface="+mn-cs"/>
-              </a:defRPr>
-            </a:lvl5pPr>
-            <a:lvl6pPr marL="2514600" indent="-228600" algn="l" defTabSz="914400" rtl="0" eaLnBrk="1" latinLnBrk="0" hangingPunct="1">
-              <a:lnSpc>
-                <a:spcPct val="90000"/>
-              </a:lnSpc>
-              <a:spcBef>
-                <a:spcPts val="500"/>
-              </a:spcBef>
-              <a:buFont typeface="Arial" panose="020B0604020202020204" pitchFamily="34" charset="0"/>
-              <a:buChar char="•"/>
-              <a:defRPr sz="1800" kern="1200">
-                <a:solidFill>
-                  <a:schemeClr val="tx1"/>
-                </a:solidFill>
-                <a:latin typeface="+mn-lt"/>
-                <a:ea typeface="+mn-ea"/>
-                <a:cs typeface="+mn-cs"/>
-              </a:defRPr>
-            </a:lvl6pPr>
-            <a:lvl7pPr marL="2971800" indent="-228600" algn="l" defTabSz="914400" rtl="0" eaLnBrk="1" latinLnBrk="0" hangingPunct="1">
-              <a:lnSpc>
-                <a:spcPct val="90000"/>
-              </a:lnSpc>
-              <a:spcBef>
-                <a:spcPts val="500"/>
-              </a:spcBef>
-              <a:buFont typeface="Arial" panose="020B0604020202020204" pitchFamily="34" charset="0"/>
-              <a:buChar char="•"/>
-              <a:defRPr sz="1800" kern="1200">
-                <a:solidFill>
-                  <a:schemeClr val="tx1"/>
-                </a:solidFill>
-                <a:latin typeface="+mn-lt"/>
-                <a:ea typeface="+mn-ea"/>
-                <a:cs typeface="+mn-cs"/>
-              </a:defRPr>
-            </a:lvl7pPr>
-            <a:lvl8pPr marL="3429000" indent="-228600" algn="l" defTabSz="914400" rtl="0" eaLnBrk="1" latinLnBrk="0" hangingPunct="1">
-              <a:lnSpc>
-                <a:spcPct val="90000"/>
-              </a:lnSpc>
-              <a:spcBef>
-                <a:spcPts val="500"/>
-              </a:spcBef>
-              <a:buFont typeface="Arial" panose="020B0604020202020204" pitchFamily="34" charset="0"/>
-              <a:buChar char="•"/>
-              <a:defRPr sz="1800" kern="1200">
-                <a:solidFill>
-                  <a:schemeClr val="tx1"/>
-                </a:solidFill>
-                <a:latin typeface="+mn-lt"/>
-                <a:ea typeface="+mn-ea"/>
-                <a:cs typeface="+mn-cs"/>
-              </a:defRPr>
-            </a:lvl8pPr>
-            <a:lvl9pPr marL="3886200" indent="-228600" algn="l" defTabSz="914400" rtl="0" eaLnBrk="1" latinLnBrk="0" hangingPunct="1">
-              <a:lnSpc>
-                <a:spcPct val="90000"/>
-              </a:lnSpc>
-              <a:spcBef>
-                <a:spcPts val="500"/>
-              </a:spcBef>
-              <a:buFont typeface="Arial" panose="020B0604020202020204" pitchFamily="34" charset="0"/>
-              <a:buChar char="•"/>
-              <a:defRPr sz="1800" kern="1200">
-                <a:solidFill>
-                  <a:schemeClr val="tx1"/>
-                </a:solidFill>
-                <a:latin typeface="+mn-lt"/>
-                <a:ea typeface="+mn-ea"/>
-                <a:cs typeface="+mn-cs"/>
-              </a:defRPr>
-            </a:lvl9pPr>
-          </a:lstStyle>
-          <a:p>
-            <a:pPr>
-              <a:buFont typeface="Wingdings" panose="05000000000000000000" pitchFamily="2" charset="2"/>
-              <a:buChar char="Ø"/>
-            </a:pPr>
-            <a:r>
-              <a:rPr lang="en-US" dirty="0">
-                <a:solidFill>
-                  <a:schemeClr val="tx1">
-                    <a:lumMod val="75000"/>
-                    <a:lumOff val="25000"/>
-                  </a:schemeClr>
-                </a:solidFill>
-              </a:rPr>
-              <a:t> </a:t>
-            </a:r>
-            <a:r>
-              <a:rPr lang="en-US" dirty="0">
-                <a:solidFill>
-                  <a:schemeClr val="tx1">
-                    <a:lumMod val="75000"/>
-                    <a:lumOff val="25000"/>
-                  </a:schemeClr>
-                </a:solidFill>
-                <a:latin typeface="Palatino Linotype" panose="02040502050505030304" pitchFamily="18" charset="0"/>
-              </a:rPr>
-              <a:t>Learning Objective 1</a:t>
+              <a:t>Transformer Building Blocks</a:t>
             </a:r>
           </a:p>
         </p:txBody>

--- a/presentations/01_transformers_intro.pptx
+++ b/presentations/01_transformers_intro.pptx
@@ -680,7 +680,7 @@
                 <a:effectLst/>
                 <a:latin typeface="charter"/>
               </a:rPr>
-              <a:t>All decoders have the same architecture.   And like the encoder, the decoder contains both </a:t>
+              <a:t>And at a high-level, decoders also have the same basic architecture.  Like the encoder, the decoder contains both </a:t>
             </a:r>
             <a:r>
               <a:rPr lang="en-US" b="1" i="0" dirty="0">
@@ -795,7 +795,7 @@
                 <a:effectLst/>
                 <a:latin typeface="+mn-lt"/>
               </a:rPr>
-              <a:t>In summary, all the Encoders are identical to each other, and all the Decoders are identical to each other.  A quick review:</a:t>
+              <a:t>Alright, let’s take one final look at our encoder / decoder side-by-side.  A quick review:</a:t>
             </a:r>
           </a:p>
           <a:p>
@@ -1902,7 +1902,25 @@
             </a:pPr>
             <a:r>
               <a:rPr lang="en-US" dirty="0"/>
-              <a:t>State memory is limited in RNNs.  Two consequences – a) limits the size of model inputs, b) vital information loss caused by compression. </a:t>
+              <a:t>State memory is limited in RNNs.  Two consequences:</a:t>
+            </a:r>
+          </a:p>
+          <a:p>
+            <a:pPr marL="685800" lvl="1" indent="-228600" algn="l">
+              <a:buAutoNum type="arabicPeriod"/>
+            </a:pPr>
+            <a:r>
+              <a:rPr lang="en-US" dirty="0"/>
+              <a:t>Limits the size of input data. </a:t>
+            </a:r>
+          </a:p>
+          <a:p>
+            <a:pPr marL="685800" lvl="1" indent="-228600" algn="l">
+              <a:buAutoNum type="arabicPeriod"/>
+            </a:pPr>
+            <a:r>
+              <a:rPr lang="en-US" dirty="0"/>
+              <a:t>Creates a bottleneck. </a:t>
             </a:r>
           </a:p>
           <a:p>
@@ -3540,7 +3558,7 @@
                 <a:effectLst/>
                 <a:latin typeface="charter"/>
               </a:rPr>
-              <a:t>All encoders have the same architecture.  Each encoder consists of two layers: </a:t>
+              <a:t>At a high-level, encoders all have the same basic architecture – a </a:t>
             </a:r>
             <a:r>
               <a:rPr lang="en-US" b="1" i="0" dirty="0">
@@ -3550,7 +3568,7 @@
                 <a:effectLst/>
                 <a:latin typeface="charter"/>
               </a:rPr>
-              <a:t>Self-attention</a:t>
+              <a:t>self-attention</a:t>
             </a:r>
             <a:r>
               <a:rPr lang="en-US" b="0" i="0" dirty="0">
@@ -3560,7 +3578,7 @@
                 <a:effectLst/>
                 <a:latin typeface="charter"/>
               </a:rPr>
-              <a:t> and a feed Forward Neural Network. The encoder’s inputs first flow through a</a:t>
+              <a:t> layer followed by feed Forward Neural Network.  Inputs first flow through a</a:t>
             </a:r>
             <a:r>
               <a:rPr lang="en-US" b="1" i="0" dirty="0">
@@ -3580,7 +3598,7 @@
                 <a:effectLst/>
                 <a:latin typeface="charter"/>
               </a:rPr>
-              <a:t> layer which helps it look at other words in the input sentence as it encodes a specific word.</a:t>
+              <a:t> layer which allows a transformer to consider other words in an input sentence as it encodes a specific word.</a:t>
             </a:r>
             <a:endParaRPr lang="en-US" dirty="0"/>
           </a:p>
